--- a/Python program structure.pptx
+++ b/Python program structure.pptx
@@ -5,12 +5,12 @@
     <p:sldMasterId id="2147483648" r:id="rId1"/>
   </p:sldMasterIdLst>
   <p:sldIdLst>
-    <p:sldId id="262" r:id="rId2"/>
-    <p:sldId id="264" r:id="rId3"/>
-    <p:sldId id="265" r:id="rId4"/>
-    <p:sldId id="266" r:id="rId5"/>
-    <p:sldId id="267" r:id="rId6"/>
-    <p:sldId id="270" r:id="rId7"/>
+    <p:sldId id="272" r:id="rId2"/>
+    <p:sldId id="275" r:id="rId3"/>
+    <p:sldId id="276" r:id="rId4"/>
+    <p:sldId id="267" r:id="rId5"/>
+    <p:sldId id="270" r:id="rId6"/>
+    <p:sldId id="264" r:id="rId7"/>
     <p:sldId id="271" r:id="rId8"/>
     <p:sldId id="269" r:id="rId9"/>
     <p:sldId id="268" r:id="rId10"/>
@@ -20,6 +20,8 @@
     <p:sldId id="258" r:id="rId14"/>
     <p:sldId id="260" r:id="rId15"/>
     <p:sldId id="261" r:id="rId16"/>
+    <p:sldId id="273" r:id="rId17"/>
+    <p:sldId id="274" r:id="rId18"/>
   </p:sldIdLst>
   <p:sldSz cx="9144000" cy="6858000" type="screen4x3"/>
   <p:notesSz cx="6858000" cy="9144000"/>
@@ -302,7 +304,7 @@
           <a:p>
             <a:fld id="{DCC446B6-7B9C-A04B-98D9-80CC642E8FE6}" type="datetimeFigureOut">
               <a:rPr lang="en-US" smtClean="0"/>
-              <a:t>7/14/17</a:t>
+              <a:t>12/15/17</a:t>
             </a:fld>
             <a:endParaRPr lang="en-US"/>
           </a:p>
@@ -472,7 +474,7 @@
           <a:p>
             <a:fld id="{DCC446B6-7B9C-A04B-98D9-80CC642E8FE6}" type="datetimeFigureOut">
               <a:rPr lang="en-US" smtClean="0"/>
-              <a:t>7/14/17</a:t>
+              <a:t>12/15/17</a:t>
             </a:fld>
             <a:endParaRPr lang="en-US"/>
           </a:p>
@@ -652,7 +654,7 @@
           <a:p>
             <a:fld id="{DCC446B6-7B9C-A04B-98D9-80CC642E8FE6}" type="datetimeFigureOut">
               <a:rPr lang="en-US" smtClean="0"/>
-              <a:t>7/14/17</a:t>
+              <a:t>12/15/17</a:t>
             </a:fld>
             <a:endParaRPr lang="en-US"/>
           </a:p>
@@ -822,7 +824,7 @@
           <a:p>
             <a:fld id="{DCC446B6-7B9C-A04B-98D9-80CC642E8FE6}" type="datetimeFigureOut">
               <a:rPr lang="en-US" smtClean="0"/>
-              <a:t>7/14/17</a:t>
+              <a:t>12/15/17</a:t>
             </a:fld>
             <a:endParaRPr lang="en-US"/>
           </a:p>
@@ -1068,7 +1070,7 @@
           <a:p>
             <a:fld id="{DCC446B6-7B9C-A04B-98D9-80CC642E8FE6}" type="datetimeFigureOut">
               <a:rPr lang="en-US" smtClean="0"/>
-              <a:t>7/14/17</a:t>
+              <a:t>12/15/17</a:t>
             </a:fld>
             <a:endParaRPr lang="en-US"/>
           </a:p>
@@ -1356,7 +1358,7 @@
           <a:p>
             <a:fld id="{DCC446B6-7B9C-A04B-98D9-80CC642E8FE6}" type="datetimeFigureOut">
               <a:rPr lang="en-US" smtClean="0"/>
-              <a:t>7/14/17</a:t>
+              <a:t>12/15/17</a:t>
             </a:fld>
             <a:endParaRPr lang="en-US"/>
           </a:p>
@@ -1778,7 +1780,7 @@
           <a:p>
             <a:fld id="{DCC446B6-7B9C-A04B-98D9-80CC642E8FE6}" type="datetimeFigureOut">
               <a:rPr lang="en-US" smtClean="0"/>
-              <a:t>7/14/17</a:t>
+              <a:t>12/15/17</a:t>
             </a:fld>
             <a:endParaRPr lang="en-US"/>
           </a:p>
@@ -1896,7 +1898,7 @@
           <a:p>
             <a:fld id="{DCC446B6-7B9C-A04B-98D9-80CC642E8FE6}" type="datetimeFigureOut">
               <a:rPr lang="en-US" smtClean="0"/>
-              <a:t>7/14/17</a:t>
+              <a:t>12/15/17</a:t>
             </a:fld>
             <a:endParaRPr lang="en-US"/>
           </a:p>
@@ -1991,7 +1993,7 @@
           <a:p>
             <a:fld id="{DCC446B6-7B9C-A04B-98D9-80CC642E8FE6}" type="datetimeFigureOut">
               <a:rPr lang="en-US" smtClean="0"/>
-              <a:t>7/14/17</a:t>
+              <a:t>12/15/17</a:t>
             </a:fld>
             <a:endParaRPr lang="en-US"/>
           </a:p>
@@ -2268,7 +2270,7 @@
           <a:p>
             <a:fld id="{DCC446B6-7B9C-A04B-98D9-80CC642E8FE6}" type="datetimeFigureOut">
               <a:rPr lang="en-US" smtClean="0"/>
-              <a:t>7/14/17</a:t>
+              <a:t>12/15/17</a:t>
             </a:fld>
             <a:endParaRPr lang="en-US"/>
           </a:p>
@@ -2521,7 +2523,7 @@
           <a:p>
             <a:fld id="{DCC446B6-7B9C-A04B-98D9-80CC642E8FE6}" type="datetimeFigureOut">
               <a:rPr lang="en-US" smtClean="0"/>
-              <a:t>7/14/17</a:t>
+              <a:t>12/15/17</a:t>
             </a:fld>
             <a:endParaRPr lang="en-US"/>
           </a:p>
@@ -2734,7 +2736,7 @@
           <a:p>
             <a:fld id="{DCC446B6-7B9C-A04B-98D9-80CC642E8FE6}" type="datetimeFigureOut">
               <a:rPr lang="en-US" smtClean="0"/>
-              <a:t>7/14/17</a:t>
+              <a:t>12/15/17</a:t>
             </a:fld>
             <a:endParaRPr lang="en-US"/>
           </a:p>
@@ -3111,14 +3113,14 @@
       </p:grpSpPr>
       <p:sp>
         <p:nvSpPr>
-          <p:cNvPr id="4" name="TextBox 3"/>
+          <p:cNvPr id="2" name="TextBox 1"/>
           <p:cNvSpPr txBox="1"/>
           <p:nvPr/>
         </p:nvSpPr>
         <p:spPr>
           <a:xfrm>
-            <a:off x="272238" y="165571"/>
-            <a:ext cx="1710266" cy="369332"/>
+            <a:off x="2" y="378090"/>
+            <a:ext cx="2051537" cy="369332"/>
           </a:xfrm>
           <a:prstGeom prst="rect">
             <a:avLst/>
@@ -3146,14 +3148,14 @@
       </p:sp>
       <p:sp>
         <p:nvSpPr>
-          <p:cNvPr id="6" name="Oval 5"/>
+          <p:cNvPr id="3" name="Oval 2"/>
           <p:cNvSpPr/>
           <p:nvPr/>
         </p:nvSpPr>
         <p:spPr>
           <a:xfrm>
-            <a:off x="540458" y="910969"/>
-            <a:ext cx="2534718" cy="468868"/>
+            <a:off x="256875" y="1467815"/>
+            <a:ext cx="2618154" cy="468868"/>
           </a:xfrm>
           <a:prstGeom prst="ellipse">
             <a:avLst/>
@@ -3179,59 +3181,26 @@
           <a:p>
             <a:pPr algn="ctr"/>
             <a:r>
-              <a:rPr lang="en-US" sz="1400" dirty="0" err="1" smtClean="0"/>
+              <a:rPr lang="en-US" sz="1400" dirty="0" err="1"/>
               <a:t>process_omni_BAF.py</a:t>
             </a:r>
-            <a:endParaRPr lang="en-US" sz="1400" dirty="0" smtClean="0"/>
-          </a:p>
-        </p:txBody>
-      </p:sp>
-      <p:cxnSp>
-        <p:nvCxnSpPr>
-          <p:cNvPr id="7" name="Elbow Connector 6"/>
-          <p:cNvCxnSpPr>
-            <a:stCxn id="4" idx="2"/>
-            <a:endCxn id="6" idx="0"/>
+            <a:endParaRPr lang="en-US" sz="1400" dirty="0"/>
+          </a:p>
+        </p:txBody>
+      </p:sp>
+      <p:cxnSp>
+        <p:nvCxnSpPr>
+          <p:cNvPr id="4" name="Elbow Connector 3"/>
+          <p:cNvCxnSpPr>
+            <a:stCxn id="2" idx="2"/>
+            <a:endCxn id="3" idx="0"/>
           </p:cNvCxnSpPr>
           <p:nvPr/>
         </p:nvCxnSpPr>
         <p:spPr>
           <a:xfrm rot="16200000" flipH="1">
-            <a:off x="1279561" y="382713"/>
-            <a:ext cx="376066" cy="680446"/>
-          </a:xfrm>
-          <a:prstGeom prst="bentConnector3">
-            <a:avLst/>
-          </a:prstGeom>
-        </p:spPr>
-        <p:style>
-          <a:lnRef idx="2">
-            <a:schemeClr val="accent1"/>
-          </a:lnRef>
-          <a:fillRef idx="0">
-            <a:schemeClr val="accent1"/>
-          </a:fillRef>
-          <a:effectRef idx="1">
-            <a:schemeClr val="accent1"/>
-          </a:effectRef>
-          <a:fontRef idx="minor">
-            <a:schemeClr val="tx1"/>
-          </a:fontRef>
-        </p:style>
-      </p:cxnSp>
-      <p:cxnSp>
-        <p:nvCxnSpPr>
-          <p:cNvPr id="8" name="Elbow Connector 7"/>
-          <p:cNvCxnSpPr>
-            <a:stCxn id="6" idx="4"/>
-            <a:endCxn id="9" idx="0"/>
-          </p:cNvCxnSpPr>
-          <p:nvPr/>
-        </p:nvCxnSpPr>
-        <p:spPr>
-          <a:xfrm rot="16200000" flipH="1">
-            <a:off x="1979179" y="1208474"/>
-            <a:ext cx="289697" cy="632421"/>
+            <a:off x="935665" y="837527"/>
+            <a:ext cx="720393" cy="540181"/>
           </a:xfrm>
           <a:prstGeom prst="bentConnector3">
             <a:avLst>
@@ -3254,96 +3223,19 @@
           </a:fontRef>
         </p:style>
       </p:cxnSp>
-      <p:sp>
-        <p:nvSpPr>
-          <p:cNvPr id="9" name="TextBox 8"/>
-          <p:cNvSpPr txBox="1"/>
-          <p:nvPr/>
-        </p:nvSpPr>
-        <p:spPr>
-          <a:xfrm>
-            <a:off x="1030538" y="1669534"/>
-            <a:ext cx="2819400" cy="369332"/>
-          </a:xfrm>
-          <a:prstGeom prst="rect">
-            <a:avLst/>
-          </a:prstGeom>
-          <a:noFill/>
-        </p:spPr>
-        <p:txBody>
-          <a:bodyPr wrap="square" rtlCol="0">
-            <a:spAutoFit/>
-          </a:bodyPr>
-          <a:lstStyle/>
-          <a:p>
-            <a:pPr algn="ctr"/>
-            <a:r>
-              <a:rPr lang="en-US" dirty="0" err="1" smtClean="0"/>
-              <a:t>BAF_first_filtered_data</a:t>
-            </a:r>
-            <a:r>
-              <a:rPr lang="en-US" dirty="0" smtClean="0"/>
-              <a:t>/</a:t>
-            </a:r>
-            <a:endParaRPr lang="en-US" dirty="0"/>
-          </a:p>
-        </p:txBody>
-      </p:sp>
-      <p:sp>
-        <p:nvSpPr>
-          <p:cNvPr id="22" name="Oval 21"/>
-          <p:cNvSpPr/>
-          <p:nvPr/>
-        </p:nvSpPr>
-        <p:spPr>
-          <a:xfrm>
-            <a:off x="2149479" y="2448318"/>
-            <a:ext cx="2519798" cy="468868"/>
-          </a:xfrm>
-          <a:prstGeom prst="ellipse">
-            <a:avLst/>
-          </a:prstGeom>
-        </p:spPr>
-        <p:style>
-          <a:lnRef idx="1">
-            <a:schemeClr val="accent1"/>
-          </a:lnRef>
-          <a:fillRef idx="3">
-            <a:schemeClr val="accent1"/>
-          </a:fillRef>
-          <a:effectRef idx="2">
-            <a:schemeClr val="accent1"/>
-          </a:effectRef>
-          <a:fontRef idx="minor">
-            <a:schemeClr val="lt1"/>
-          </a:fontRef>
-        </p:style>
-        <p:txBody>
-          <a:bodyPr rtlCol="0" anchor="ctr"/>
-          <a:lstStyle/>
-          <a:p>
-            <a:pPr algn="ctr"/>
-            <a:r>
-              <a:rPr lang="en-US" sz="1400" dirty="0" err="1" smtClean="0"/>
-              <a:t>BAF_second_filter.py</a:t>
-            </a:r>
-            <a:endParaRPr lang="en-US" sz="1400" dirty="0" smtClean="0"/>
-          </a:p>
-        </p:txBody>
-      </p:sp>
-      <p:cxnSp>
-        <p:nvCxnSpPr>
-          <p:cNvPr id="25" name="Elbow Connector 24"/>
-          <p:cNvCxnSpPr>
-            <a:stCxn id="22" idx="0"/>
-            <a:endCxn id="9" idx="2"/>
-          </p:cNvCxnSpPr>
-          <p:nvPr/>
-        </p:nvCxnSpPr>
-        <p:spPr>
-          <a:xfrm rot="16200000" flipV="1">
-            <a:off x="2720082" y="1759022"/>
-            <a:ext cx="409452" cy="969140"/>
+      <p:cxnSp>
+        <p:nvCxnSpPr>
+          <p:cNvPr id="8" name="Elbow Connector 7"/>
+          <p:cNvCxnSpPr>
+            <a:stCxn id="3" idx="0"/>
+            <a:endCxn id="19" idx="2"/>
+          </p:cNvCxnSpPr>
+          <p:nvPr/>
+        </p:nvCxnSpPr>
+        <p:spPr>
+          <a:xfrm rot="5400000" flipH="1" flipV="1">
+            <a:off x="2125162" y="-189877"/>
+            <a:ext cx="1098483" cy="2216903"/>
           </a:xfrm>
           <a:prstGeom prst="bentConnector3">
             <a:avLst>
@@ -3366,58 +3258,19 @@
           </a:fontRef>
         </p:style>
       </p:cxnSp>
-      <p:sp>
-        <p:nvSpPr>
-          <p:cNvPr id="30" name="TextBox 29"/>
-          <p:cNvSpPr txBox="1"/>
-          <p:nvPr/>
-        </p:nvSpPr>
-        <p:spPr>
-          <a:xfrm>
-            <a:off x="2440238" y="3543755"/>
-            <a:ext cx="2819400" cy="369332"/>
-          </a:xfrm>
-          <a:prstGeom prst="rect">
-            <a:avLst/>
-          </a:prstGeom>
-          <a:noFill/>
-        </p:spPr>
-        <p:txBody>
-          <a:bodyPr wrap="square" rtlCol="0">
-            <a:spAutoFit/>
-          </a:bodyPr>
-          <a:lstStyle/>
-          <a:p>
-            <a:pPr algn="ctr"/>
-            <a:r>
-              <a:rPr lang="en-US" dirty="0" err="1" smtClean="0"/>
-              <a:t>BAF_filtered_data_</a:t>
-            </a:r>
-            <a:r>
-              <a:rPr lang="en-US" i="1" dirty="0" err="1" smtClean="0"/>
-              <a:t>nn</a:t>
-            </a:r>
-            <a:r>
-              <a:rPr lang="en-US" dirty="0" smtClean="0"/>
-              <a:t>/</a:t>
-            </a:r>
-            <a:endParaRPr lang="en-US" dirty="0"/>
-          </a:p>
-        </p:txBody>
-      </p:sp>
-      <p:cxnSp>
-        <p:nvCxnSpPr>
-          <p:cNvPr id="31" name="Elbow Connector 30"/>
-          <p:cNvCxnSpPr>
-            <a:stCxn id="22" idx="4"/>
-            <a:endCxn id="30" idx="0"/>
-          </p:cNvCxnSpPr>
-          <p:nvPr/>
-        </p:nvCxnSpPr>
-        <p:spPr>
-          <a:xfrm rot="16200000" flipH="1">
-            <a:off x="3316374" y="3010190"/>
-            <a:ext cx="626569" cy="440560"/>
+      <p:cxnSp>
+        <p:nvCxnSpPr>
+          <p:cNvPr id="10" name="Elbow Connector 9"/>
+          <p:cNvCxnSpPr>
+            <a:stCxn id="48" idx="0"/>
+            <a:endCxn id="60" idx="4"/>
+          </p:cNvCxnSpPr>
+          <p:nvPr/>
+        </p:nvCxnSpPr>
+        <p:spPr>
+          <a:xfrm rot="16200000" flipV="1">
+            <a:off x="5577409" y="1961369"/>
+            <a:ext cx="326283" cy="276914"/>
           </a:xfrm>
           <a:prstGeom prst="bentConnector3">
             <a:avLst>
@@ -3440,10 +3293,915 @@
           </a:fontRef>
         </p:style>
       </p:cxnSp>
+      <p:sp>
+        <p:nvSpPr>
+          <p:cNvPr id="11" name="TextBox 10"/>
+          <p:cNvSpPr txBox="1"/>
+          <p:nvPr/>
+        </p:nvSpPr>
+        <p:spPr>
+          <a:xfrm>
+            <a:off x="6208067" y="454686"/>
+            <a:ext cx="2329960" cy="369332"/>
+          </a:xfrm>
+          <a:prstGeom prst="rect">
+            <a:avLst/>
+          </a:prstGeom>
+          <a:noFill/>
+        </p:spPr>
+        <p:txBody>
+          <a:bodyPr wrap="square" rtlCol="0">
+            <a:spAutoFit/>
+          </a:bodyPr>
+          <a:lstStyle/>
+          <a:p>
+            <a:pPr algn="ctr"/>
+            <a:r>
+              <a:rPr lang="en-US" dirty="0" err="1" smtClean="0"/>
+              <a:t>CN_raw_data</a:t>
+            </a:r>
+            <a:r>
+              <a:rPr lang="en-US" dirty="0" smtClean="0"/>
+              <a:t>/</a:t>
+            </a:r>
+            <a:endParaRPr lang="en-US" dirty="0"/>
+          </a:p>
+        </p:txBody>
+      </p:sp>
+      <p:cxnSp>
+        <p:nvCxnSpPr>
+          <p:cNvPr id="12" name="Elbow Connector 11"/>
+          <p:cNvCxnSpPr>
+            <a:stCxn id="19" idx="2"/>
+            <a:endCxn id="60" idx="0"/>
+          </p:cNvCxnSpPr>
+          <p:nvPr/>
+        </p:nvCxnSpPr>
+        <p:spPr>
+          <a:xfrm rot="16200000" flipH="1">
+            <a:off x="4143232" y="8955"/>
+            <a:ext cx="1098484" cy="1819238"/>
+          </a:xfrm>
+          <a:prstGeom prst="bentConnector3">
+            <a:avLst>
+              <a:gd name="adj1" fmla="val 50000"/>
+            </a:avLst>
+          </a:prstGeom>
+        </p:spPr>
+        <p:style>
+          <a:lnRef idx="2">
+            <a:schemeClr val="accent1"/>
+          </a:lnRef>
+          <a:fillRef idx="0">
+            <a:schemeClr val="accent1"/>
+          </a:fillRef>
+          <a:effectRef idx="1">
+            <a:schemeClr val="accent1"/>
+          </a:effectRef>
+          <a:fontRef idx="minor">
+            <a:schemeClr val="tx1"/>
+          </a:fontRef>
+        </p:style>
+      </p:cxnSp>
+      <p:cxnSp>
+        <p:nvCxnSpPr>
+          <p:cNvPr id="32" name="Elbow Connector 31"/>
+          <p:cNvCxnSpPr>
+            <a:stCxn id="3" idx="4"/>
+            <a:endCxn id="35" idx="0"/>
+          </p:cNvCxnSpPr>
+          <p:nvPr/>
+        </p:nvCxnSpPr>
+        <p:spPr>
+          <a:xfrm rot="16200000" flipH="1">
+            <a:off x="1561576" y="1941058"/>
+            <a:ext cx="326284" cy="317533"/>
+          </a:xfrm>
+          <a:prstGeom prst="bentConnector3">
+            <a:avLst>
+              <a:gd name="adj1" fmla="val 50000"/>
+            </a:avLst>
+          </a:prstGeom>
+        </p:spPr>
+        <p:style>
+          <a:lnRef idx="2">
+            <a:schemeClr val="accent1"/>
+          </a:lnRef>
+          <a:fillRef idx="0">
+            <a:schemeClr val="accent1"/>
+          </a:fillRef>
+          <a:effectRef idx="1">
+            <a:schemeClr val="accent1"/>
+          </a:effectRef>
+          <a:fontRef idx="minor">
+            <a:schemeClr val="tx1"/>
+          </a:fontRef>
+        </p:style>
+      </p:cxnSp>
+      <p:cxnSp>
+        <p:nvCxnSpPr>
+          <p:cNvPr id="33" name="Elbow Connector 32"/>
+          <p:cNvCxnSpPr>
+            <a:stCxn id="11" idx="2"/>
+            <a:endCxn id="60" idx="0"/>
+          </p:cNvCxnSpPr>
+          <p:nvPr/>
+        </p:nvCxnSpPr>
+        <p:spPr>
+          <a:xfrm rot="5400000">
+            <a:off x="6165671" y="260440"/>
+            <a:ext cx="643798" cy="1770954"/>
+          </a:xfrm>
+          <a:prstGeom prst="bentConnector3">
+            <a:avLst>
+              <a:gd name="adj1" fmla="val 50000"/>
+            </a:avLst>
+          </a:prstGeom>
+        </p:spPr>
+        <p:style>
+          <a:lnRef idx="2">
+            <a:schemeClr val="accent1"/>
+          </a:lnRef>
+          <a:fillRef idx="0">
+            <a:schemeClr val="accent1"/>
+          </a:fillRef>
+          <a:effectRef idx="1">
+            <a:schemeClr val="accent1"/>
+          </a:effectRef>
+          <a:fontRef idx="minor">
+            <a:schemeClr val="tx1"/>
+          </a:fontRef>
+        </p:style>
+      </p:cxnSp>
+      <p:sp>
+        <p:nvSpPr>
+          <p:cNvPr id="19" name="TextBox 18"/>
+          <p:cNvSpPr txBox="1"/>
+          <p:nvPr/>
+        </p:nvSpPr>
+        <p:spPr>
+          <a:xfrm>
+            <a:off x="1963616" y="0"/>
+            <a:ext cx="3638477" cy="369332"/>
+          </a:xfrm>
+          <a:prstGeom prst="rect">
+            <a:avLst/>
+          </a:prstGeom>
+          <a:noFill/>
+        </p:spPr>
+        <p:txBody>
+          <a:bodyPr wrap="square" rtlCol="0">
+            <a:spAutoFit/>
+          </a:bodyPr>
+          <a:lstStyle/>
+          <a:p>
+            <a:pPr algn="ctr"/>
+            <a:r>
+              <a:rPr lang="en-US" dirty="0" smtClean="0">
+                <a:latin typeface="Courier New"/>
+                <a:cs typeface="Courier New"/>
+              </a:rPr>
+              <a:t>20170724_sample_omni.txt</a:t>
+            </a:r>
+            <a:endParaRPr lang="en-US" dirty="0">
+              <a:latin typeface="Courier New"/>
+              <a:cs typeface="Courier New"/>
+            </a:endParaRPr>
+          </a:p>
+        </p:txBody>
+      </p:sp>
+      <p:sp>
+        <p:nvSpPr>
+          <p:cNvPr id="35" name="TextBox 34"/>
+          <p:cNvSpPr txBox="1"/>
+          <p:nvPr/>
+        </p:nvSpPr>
+        <p:spPr>
+          <a:xfrm>
+            <a:off x="256874" y="2262967"/>
+            <a:ext cx="3253221" cy="369332"/>
+          </a:xfrm>
+          <a:prstGeom prst="rect">
+            <a:avLst/>
+          </a:prstGeom>
+          <a:noFill/>
+        </p:spPr>
+        <p:txBody>
+          <a:bodyPr wrap="square" rtlCol="0">
+            <a:spAutoFit/>
+          </a:bodyPr>
+          <a:lstStyle/>
+          <a:p>
+            <a:pPr algn="ctr"/>
+            <a:r>
+              <a:rPr lang="en-US" dirty="0" err="1" smtClean="0"/>
+              <a:t>BAF_first_filtered_data</a:t>
+            </a:r>
+            <a:r>
+              <a:rPr lang="en-US" i="1" dirty="0" err="1" smtClean="0"/>
+              <a:t>_tag</a:t>
+            </a:r>
+            <a:r>
+              <a:rPr lang="en-US" dirty="0" smtClean="0"/>
+              <a:t>/</a:t>
+            </a:r>
+            <a:endParaRPr lang="en-US" dirty="0"/>
+          </a:p>
+        </p:txBody>
+      </p:sp>
+      <p:sp>
+        <p:nvSpPr>
+          <p:cNvPr id="36" name="Oval 35"/>
+          <p:cNvSpPr/>
+          <p:nvPr/>
+        </p:nvSpPr>
+        <p:spPr>
+          <a:xfrm>
+            <a:off x="375957" y="3276185"/>
+            <a:ext cx="2519798" cy="468868"/>
+          </a:xfrm>
+          <a:prstGeom prst="ellipse">
+            <a:avLst/>
+          </a:prstGeom>
+        </p:spPr>
+        <p:style>
+          <a:lnRef idx="1">
+            <a:schemeClr val="accent1"/>
+          </a:lnRef>
+          <a:fillRef idx="3">
+            <a:schemeClr val="accent1"/>
+          </a:fillRef>
+          <a:effectRef idx="2">
+            <a:schemeClr val="accent1"/>
+          </a:effectRef>
+          <a:fontRef idx="minor">
+            <a:schemeClr val="lt1"/>
+          </a:fontRef>
+        </p:style>
+        <p:txBody>
+          <a:bodyPr rtlCol="0" anchor="ctr"/>
+          <a:lstStyle/>
+          <a:p>
+            <a:pPr algn="ctr"/>
+            <a:r>
+              <a:rPr lang="en-US" sz="1400" dirty="0" err="1" smtClean="0"/>
+              <a:t>BAF_second_filter.py</a:t>
+            </a:r>
+            <a:endParaRPr lang="en-US" sz="1400" dirty="0" smtClean="0"/>
+          </a:p>
+        </p:txBody>
+      </p:sp>
+      <p:cxnSp>
+        <p:nvCxnSpPr>
+          <p:cNvPr id="37" name="Elbow Connector 36"/>
+          <p:cNvCxnSpPr>
+            <a:stCxn id="36" idx="0"/>
+            <a:endCxn id="35" idx="2"/>
+          </p:cNvCxnSpPr>
+          <p:nvPr/>
+        </p:nvCxnSpPr>
+        <p:spPr>
+          <a:xfrm rot="5400000" flipH="1" flipV="1">
+            <a:off x="1437727" y="2830428"/>
+            <a:ext cx="643886" cy="247629"/>
+          </a:xfrm>
+          <a:prstGeom prst="bentConnector3">
+            <a:avLst>
+              <a:gd name="adj1" fmla="val 50000"/>
+            </a:avLst>
+          </a:prstGeom>
+        </p:spPr>
+        <p:style>
+          <a:lnRef idx="2">
+            <a:schemeClr val="accent1"/>
+          </a:lnRef>
+          <a:fillRef idx="0">
+            <a:schemeClr val="accent1"/>
+          </a:fillRef>
+          <a:effectRef idx="1">
+            <a:schemeClr val="accent1"/>
+          </a:effectRef>
+          <a:fontRef idx="minor">
+            <a:schemeClr val="tx1"/>
+          </a:fontRef>
+        </p:style>
+      </p:cxnSp>
+      <p:sp>
+        <p:nvSpPr>
+          <p:cNvPr id="38" name="TextBox 37"/>
+          <p:cNvSpPr txBox="1"/>
+          <p:nvPr/>
+        </p:nvSpPr>
+        <p:spPr>
+          <a:xfrm>
+            <a:off x="666716" y="4186956"/>
+            <a:ext cx="2433537" cy="369332"/>
+          </a:xfrm>
+          <a:prstGeom prst="rect">
+            <a:avLst/>
+          </a:prstGeom>
+          <a:noFill/>
+        </p:spPr>
+        <p:txBody>
+          <a:bodyPr wrap="square" rtlCol="0">
+            <a:spAutoFit/>
+          </a:bodyPr>
+          <a:lstStyle/>
+          <a:p>
+            <a:pPr algn="ctr"/>
+            <a:r>
+              <a:rPr lang="en-US" dirty="0" err="1" smtClean="0"/>
+              <a:t>BAF_filtered_data_</a:t>
+            </a:r>
+            <a:r>
+              <a:rPr lang="en-US" i="1" dirty="0" err="1" smtClean="0"/>
+              <a:t>tag</a:t>
+            </a:r>
+            <a:r>
+              <a:rPr lang="en-US" dirty="0" smtClean="0"/>
+              <a:t>/</a:t>
+            </a:r>
+            <a:endParaRPr lang="en-US" dirty="0"/>
+          </a:p>
+        </p:txBody>
+      </p:sp>
+      <p:cxnSp>
+        <p:nvCxnSpPr>
+          <p:cNvPr id="39" name="Elbow Connector 38"/>
+          <p:cNvCxnSpPr>
+            <a:stCxn id="36" idx="4"/>
+            <a:endCxn id="38" idx="0"/>
+          </p:cNvCxnSpPr>
+          <p:nvPr/>
+        </p:nvCxnSpPr>
+        <p:spPr>
+          <a:xfrm rot="16200000" flipH="1">
+            <a:off x="1538719" y="3842189"/>
+            <a:ext cx="441903" cy="247629"/>
+          </a:xfrm>
+          <a:prstGeom prst="bentConnector3">
+            <a:avLst>
+              <a:gd name="adj1" fmla="val 50000"/>
+            </a:avLst>
+          </a:prstGeom>
+        </p:spPr>
+        <p:style>
+          <a:lnRef idx="2">
+            <a:schemeClr val="accent1"/>
+          </a:lnRef>
+          <a:fillRef idx="0">
+            <a:schemeClr val="accent1"/>
+          </a:fillRef>
+          <a:effectRef idx="1">
+            <a:schemeClr val="accent1"/>
+          </a:effectRef>
+          <a:fontRef idx="minor">
+            <a:schemeClr val="tx1"/>
+          </a:fontRef>
+        </p:style>
+      </p:cxnSp>
+      <p:sp>
+        <p:nvSpPr>
+          <p:cNvPr id="48" name="TextBox 47"/>
+          <p:cNvSpPr txBox="1"/>
+          <p:nvPr/>
+        </p:nvSpPr>
+        <p:spPr>
+          <a:xfrm>
+            <a:off x="4469307" y="2262967"/>
+            <a:ext cx="2819400" cy="369332"/>
+          </a:xfrm>
+          <a:prstGeom prst="rect">
+            <a:avLst/>
+          </a:prstGeom>
+          <a:noFill/>
+        </p:spPr>
+        <p:txBody>
+          <a:bodyPr wrap="square" rtlCol="0">
+            <a:spAutoFit/>
+          </a:bodyPr>
+          <a:lstStyle/>
+          <a:p>
+            <a:pPr algn="ctr"/>
+            <a:r>
+              <a:rPr lang="en-US" dirty="0" err="1" smtClean="0"/>
+              <a:t>CN_filtered_data</a:t>
+            </a:r>
+            <a:r>
+              <a:rPr lang="en-US" i="1" dirty="0" err="1"/>
+              <a:t>_tag</a:t>
+            </a:r>
+            <a:r>
+              <a:rPr lang="en-US" dirty="0" smtClean="0"/>
+              <a:t>/</a:t>
+            </a:r>
+            <a:endParaRPr lang="en-US" dirty="0"/>
+          </a:p>
+        </p:txBody>
+      </p:sp>
+      <p:sp>
+        <p:nvSpPr>
+          <p:cNvPr id="49" name="Oval 48"/>
+          <p:cNvSpPr/>
+          <p:nvPr/>
+        </p:nvSpPr>
+        <p:spPr>
+          <a:xfrm>
+            <a:off x="4714173" y="3718088"/>
+            <a:ext cx="4103862" cy="468868"/>
+          </a:xfrm>
+          <a:prstGeom prst="ellipse">
+            <a:avLst/>
+          </a:prstGeom>
+        </p:spPr>
+        <p:style>
+          <a:lnRef idx="1">
+            <a:schemeClr val="accent1"/>
+          </a:lnRef>
+          <a:fillRef idx="3">
+            <a:schemeClr val="accent1"/>
+          </a:fillRef>
+          <a:effectRef idx="2">
+            <a:schemeClr val="accent1"/>
+          </a:effectRef>
+          <a:fontRef idx="minor">
+            <a:schemeClr val="lt1"/>
+          </a:fontRef>
+        </p:style>
+        <p:txBody>
+          <a:bodyPr rtlCol="0" anchor="ctr"/>
+          <a:lstStyle/>
+          <a:p>
+            <a:pPr algn="ctr"/>
+            <a:r>
+              <a:rPr lang="en-US" sz="1400" dirty="0" err="1" smtClean="0"/>
+              <a:t>create_combined_pASCAT_input.py</a:t>
+            </a:r>
+            <a:endParaRPr lang="en-US" sz="1400" dirty="0" smtClean="0"/>
+          </a:p>
+        </p:txBody>
+      </p:sp>
+      <p:cxnSp>
+        <p:nvCxnSpPr>
+          <p:cNvPr id="50" name="Elbow Connector 49"/>
+          <p:cNvCxnSpPr>
+            <a:stCxn id="49" idx="0"/>
+            <a:endCxn id="48" idx="2"/>
+          </p:cNvCxnSpPr>
+          <p:nvPr/>
+        </p:nvCxnSpPr>
+        <p:spPr>
+          <a:xfrm rot="16200000" flipV="1">
+            <a:off x="5779662" y="2731645"/>
+            <a:ext cx="1085789" cy="887097"/>
+          </a:xfrm>
+          <a:prstGeom prst="bentConnector3">
+            <a:avLst>
+              <a:gd name="adj1" fmla="val 50000"/>
+            </a:avLst>
+          </a:prstGeom>
+        </p:spPr>
+        <p:style>
+          <a:lnRef idx="2">
+            <a:schemeClr val="accent1"/>
+          </a:lnRef>
+          <a:fillRef idx="0">
+            <a:schemeClr val="accent1"/>
+          </a:fillRef>
+          <a:effectRef idx="1">
+            <a:schemeClr val="accent1"/>
+          </a:effectRef>
+          <a:fontRef idx="minor">
+            <a:schemeClr val="tx1"/>
+          </a:fontRef>
+        </p:style>
+      </p:cxnSp>
+      <p:sp>
+        <p:nvSpPr>
+          <p:cNvPr id="60" name="Oval 59"/>
+          <p:cNvSpPr/>
+          <p:nvPr/>
+        </p:nvSpPr>
+        <p:spPr>
+          <a:xfrm>
+            <a:off x="4293016" y="1467816"/>
+            <a:ext cx="2618154" cy="468868"/>
+          </a:xfrm>
+          <a:prstGeom prst="ellipse">
+            <a:avLst/>
+          </a:prstGeom>
+        </p:spPr>
+        <p:style>
+          <a:lnRef idx="1">
+            <a:schemeClr val="accent1"/>
+          </a:lnRef>
+          <a:fillRef idx="3">
+            <a:schemeClr val="accent1"/>
+          </a:fillRef>
+          <a:effectRef idx="2">
+            <a:schemeClr val="accent1"/>
+          </a:effectRef>
+          <a:fontRef idx="minor">
+            <a:schemeClr val="lt1"/>
+          </a:fontRef>
+        </p:style>
+        <p:txBody>
+          <a:bodyPr rtlCol="0" anchor="ctr"/>
+          <a:lstStyle/>
+          <a:p>
+            <a:pPr algn="ctr"/>
+            <a:r>
+              <a:rPr lang="en-US" sz="1400" dirty="0" err="1" smtClean="0"/>
+              <a:t>process_omni_CN.py</a:t>
+            </a:r>
+            <a:endParaRPr lang="en-US" sz="1400" dirty="0"/>
+          </a:p>
+        </p:txBody>
+      </p:sp>
+      <p:cxnSp>
+        <p:nvCxnSpPr>
+          <p:cNvPr id="81" name="Elbow Connector 80"/>
+          <p:cNvCxnSpPr>
+            <a:stCxn id="49" idx="0"/>
+            <a:endCxn id="35" idx="2"/>
+          </p:cNvCxnSpPr>
+          <p:nvPr/>
+        </p:nvCxnSpPr>
+        <p:spPr>
+          <a:xfrm rot="16200000" flipV="1">
+            <a:off x="3781901" y="733884"/>
+            <a:ext cx="1085789" cy="4882619"/>
+          </a:xfrm>
+          <a:prstGeom prst="bentConnector3">
+            <a:avLst>
+              <a:gd name="adj1" fmla="val 50000"/>
+            </a:avLst>
+          </a:prstGeom>
+        </p:spPr>
+        <p:style>
+          <a:lnRef idx="2">
+            <a:schemeClr val="accent1"/>
+          </a:lnRef>
+          <a:fillRef idx="0">
+            <a:schemeClr val="accent1"/>
+          </a:fillRef>
+          <a:effectRef idx="1">
+            <a:schemeClr val="accent1"/>
+          </a:effectRef>
+          <a:fontRef idx="minor">
+            <a:schemeClr val="tx1"/>
+          </a:fontRef>
+        </p:style>
+      </p:cxnSp>
+      <p:sp>
+        <p:nvSpPr>
+          <p:cNvPr id="92" name="TextBox 91"/>
+          <p:cNvSpPr txBox="1"/>
+          <p:nvPr/>
+        </p:nvSpPr>
+        <p:spPr>
+          <a:xfrm>
+            <a:off x="3964124" y="4745664"/>
+            <a:ext cx="3108923" cy="369332"/>
+          </a:xfrm>
+          <a:prstGeom prst="rect">
+            <a:avLst/>
+          </a:prstGeom>
+          <a:noFill/>
+        </p:spPr>
+        <p:txBody>
+          <a:bodyPr wrap="square" rtlCol="0">
+            <a:spAutoFit/>
+          </a:bodyPr>
+          <a:lstStyle/>
+          <a:p>
+            <a:pPr algn="ctr"/>
+            <a:r>
+              <a:rPr lang="en-US" dirty="0" err="1" smtClean="0"/>
+              <a:t>pASCAT_input_combined</a:t>
+            </a:r>
+            <a:r>
+              <a:rPr lang="en-US" i="1" dirty="0" err="1" smtClean="0"/>
+              <a:t>_tag</a:t>
+            </a:r>
+            <a:r>
+              <a:rPr lang="en-US" dirty="0" smtClean="0"/>
+              <a:t>/</a:t>
+            </a:r>
+            <a:endParaRPr lang="en-US" dirty="0"/>
+          </a:p>
+        </p:txBody>
+      </p:sp>
+      <p:cxnSp>
+        <p:nvCxnSpPr>
+          <p:cNvPr id="93" name="Elbow Connector 92"/>
+          <p:cNvCxnSpPr>
+            <a:stCxn id="92" idx="0"/>
+            <a:endCxn id="49" idx="4"/>
+          </p:cNvCxnSpPr>
+          <p:nvPr/>
+        </p:nvCxnSpPr>
+        <p:spPr>
+          <a:xfrm rot="5400000" flipH="1" flipV="1">
+            <a:off x="5862991" y="3842551"/>
+            <a:ext cx="558708" cy="1247518"/>
+          </a:xfrm>
+          <a:prstGeom prst="bentConnector3">
+            <a:avLst>
+              <a:gd name="adj1" fmla="val 50000"/>
+            </a:avLst>
+          </a:prstGeom>
+        </p:spPr>
+        <p:style>
+          <a:lnRef idx="2">
+            <a:schemeClr val="accent1"/>
+          </a:lnRef>
+          <a:fillRef idx="0">
+            <a:schemeClr val="accent1"/>
+          </a:fillRef>
+          <a:effectRef idx="1">
+            <a:schemeClr val="accent1"/>
+          </a:effectRef>
+          <a:fontRef idx="minor">
+            <a:schemeClr val="tx1"/>
+          </a:fontRef>
+        </p:style>
+      </p:cxnSp>
+      <p:sp>
+        <p:nvSpPr>
+          <p:cNvPr id="97" name="Oval 96"/>
+          <p:cNvSpPr/>
+          <p:nvPr/>
+        </p:nvSpPr>
+        <p:spPr>
+          <a:xfrm>
+            <a:off x="1872700" y="5340595"/>
+            <a:ext cx="3185227" cy="468868"/>
+          </a:xfrm>
+          <a:prstGeom prst="ellipse">
+            <a:avLst/>
+          </a:prstGeom>
+        </p:spPr>
+        <p:style>
+          <a:lnRef idx="1">
+            <a:schemeClr val="accent1"/>
+          </a:lnRef>
+          <a:fillRef idx="3">
+            <a:schemeClr val="accent1"/>
+          </a:fillRef>
+          <a:effectRef idx="2">
+            <a:schemeClr val="accent1"/>
+          </a:effectRef>
+          <a:fontRef idx="minor">
+            <a:schemeClr val="lt1"/>
+          </a:fontRef>
+        </p:style>
+        <p:txBody>
+          <a:bodyPr rtlCol="0" anchor="ctr"/>
+          <a:lstStyle/>
+          <a:p>
+            <a:pPr algn="ctr"/>
+            <a:r>
+              <a:rPr lang="en-US" sz="1400" dirty="0" err="1" smtClean="0"/>
+              <a:t>make_pASCAT_sge_files.py</a:t>
+            </a:r>
+            <a:endParaRPr lang="en-US" sz="1400" dirty="0" smtClean="0"/>
+          </a:p>
+        </p:txBody>
+      </p:sp>
+      <p:cxnSp>
+        <p:nvCxnSpPr>
+          <p:cNvPr id="98" name="Elbow Connector 97"/>
+          <p:cNvCxnSpPr>
+            <a:stCxn id="97" idx="0"/>
+            <a:endCxn id="92" idx="2"/>
+          </p:cNvCxnSpPr>
+          <p:nvPr/>
+        </p:nvCxnSpPr>
+        <p:spPr>
+          <a:xfrm rot="5400000" flipH="1" flipV="1">
+            <a:off x="4379151" y="4201160"/>
+            <a:ext cx="225599" cy="2053272"/>
+          </a:xfrm>
+          <a:prstGeom prst="bentConnector3">
+            <a:avLst>
+              <a:gd name="adj1" fmla="val 50000"/>
+            </a:avLst>
+          </a:prstGeom>
+        </p:spPr>
+        <p:style>
+          <a:lnRef idx="2">
+            <a:schemeClr val="accent1"/>
+          </a:lnRef>
+          <a:fillRef idx="0">
+            <a:schemeClr val="accent1"/>
+          </a:fillRef>
+          <a:effectRef idx="1">
+            <a:schemeClr val="accent1"/>
+          </a:effectRef>
+          <a:fontRef idx="minor">
+            <a:schemeClr val="tx1"/>
+          </a:fontRef>
+        </p:style>
+      </p:cxnSp>
+      <p:sp>
+        <p:nvSpPr>
+          <p:cNvPr id="101" name="TextBox 100"/>
+          <p:cNvSpPr txBox="1"/>
+          <p:nvPr/>
+        </p:nvSpPr>
+        <p:spPr>
+          <a:xfrm>
+            <a:off x="5030138" y="6125933"/>
+            <a:ext cx="3290427" cy="369332"/>
+          </a:xfrm>
+          <a:prstGeom prst="rect">
+            <a:avLst/>
+          </a:prstGeom>
+          <a:noFill/>
+        </p:spPr>
+        <p:txBody>
+          <a:bodyPr wrap="square" rtlCol="0">
+            <a:spAutoFit/>
+          </a:bodyPr>
+          <a:lstStyle/>
+          <a:p>
+            <a:pPr algn="ctr"/>
+            <a:r>
+              <a:rPr lang="en-US" dirty="0" err="1" smtClean="0"/>
+              <a:t>pASCAT_output_combined</a:t>
+            </a:r>
+            <a:r>
+              <a:rPr lang="en-US" i="1" dirty="0" err="1" smtClean="0"/>
+              <a:t>_tag</a:t>
+            </a:r>
+            <a:r>
+              <a:rPr lang="en-US" dirty="0" smtClean="0"/>
+              <a:t>/</a:t>
+            </a:r>
+            <a:endParaRPr lang="en-US" dirty="0"/>
+          </a:p>
+        </p:txBody>
+      </p:sp>
+      <p:cxnSp>
+        <p:nvCxnSpPr>
+          <p:cNvPr id="102" name="Elbow Connector 101"/>
+          <p:cNvCxnSpPr>
+            <a:stCxn id="101" idx="0"/>
+            <a:endCxn id="34" idx="4"/>
+          </p:cNvCxnSpPr>
+          <p:nvPr/>
+        </p:nvCxnSpPr>
+        <p:spPr>
+          <a:xfrm rot="5400000" flipH="1" flipV="1">
+            <a:off x="6580911" y="5903904"/>
+            <a:ext cx="316471" cy="127589"/>
+          </a:xfrm>
+          <a:prstGeom prst="bentConnector3">
+            <a:avLst>
+              <a:gd name="adj1" fmla="val 50000"/>
+            </a:avLst>
+          </a:prstGeom>
+        </p:spPr>
+        <p:style>
+          <a:lnRef idx="2">
+            <a:schemeClr val="accent1"/>
+          </a:lnRef>
+          <a:fillRef idx="0">
+            <a:schemeClr val="accent1"/>
+          </a:fillRef>
+          <a:effectRef idx="1">
+            <a:schemeClr val="accent1"/>
+          </a:effectRef>
+          <a:fontRef idx="minor">
+            <a:schemeClr val="tx1"/>
+          </a:fontRef>
+        </p:style>
+      </p:cxnSp>
+      <p:sp>
+        <p:nvSpPr>
+          <p:cNvPr id="34" name="Oval 33"/>
+          <p:cNvSpPr/>
+          <p:nvPr/>
+        </p:nvSpPr>
+        <p:spPr>
+          <a:xfrm>
+            <a:off x="5210327" y="5340594"/>
+            <a:ext cx="3185227" cy="468868"/>
+          </a:xfrm>
+          <a:prstGeom prst="ellipse">
+            <a:avLst/>
+          </a:prstGeom>
+        </p:spPr>
+        <p:style>
+          <a:lnRef idx="1">
+            <a:schemeClr val="accent1"/>
+          </a:lnRef>
+          <a:fillRef idx="3">
+            <a:schemeClr val="accent1"/>
+          </a:fillRef>
+          <a:effectRef idx="2">
+            <a:schemeClr val="accent1"/>
+          </a:effectRef>
+          <a:fontRef idx="minor">
+            <a:schemeClr val="lt1"/>
+          </a:fontRef>
+        </p:style>
+        <p:txBody>
+          <a:bodyPr rtlCol="0" anchor="ctr"/>
+          <a:lstStyle/>
+          <a:p>
+            <a:pPr algn="ctr"/>
+            <a:r>
+              <a:rPr lang="en-US" sz="1400" dirty="0" smtClean="0"/>
+              <a:t>cluster </a:t>
+            </a:r>
+            <a:r>
+              <a:rPr lang="en-US" sz="1400" dirty="0" err="1" smtClean="0"/>
+              <a:t>sge</a:t>
+            </a:r>
+            <a:r>
+              <a:rPr lang="en-US" sz="1400" dirty="0" smtClean="0"/>
+              <a:t> files</a:t>
+            </a:r>
+          </a:p>
+        </p:txBody>
+      </p:sp>
+      <p:cxnSp>
+        <p:nvCxnSpPr>
+          <p:cNvPr id="40" name="Elbow Connector 39"/>
+          <p:cNvCxnSpPr>
+            <a:stCxn id="97" idx="4"/>
+            <a:endCxn id="34" idx="2"/>
+          </p:cNvCxnSpPr>
+          <p:nvPr/>
+        </p:nvCxnSpPr>
+        <p:spPr>
+          <a:xfrm rot="5400000" flipH="1" flipV="1">
+            <a:off x="4220602" y="4819739"/>
+            <a:ext cx="234435" cy="1745013"/>
+          </a:xfrm>
+          <a:prstGeom prst="bentConnector4">
+            <a:avLst>
+              <a:gd name="adj1" fmla="val -97511"/>
+              <a:gd name="adj2" fmla="val 95633"/>
+            </a:avLst>
+          </a:prstGeom>
+        </p:spPr>
+        <p:style>
+          <a:lnRef idx="2">
+            <a:schemeClr val="accent1"/>
+          </a:lnRef>
+          <a:fillRef idx="0">
+            <a:schemeClr val="accent1"/>
+          </a:fillRef>
+          <a:effectRef idx="1">
+            <a:schemeClr val="accent1"/>
+          </a:effectRef>
+          <a:fontRef idx="minor">
+            <a:schemeClr val="tx1"/>
+          </a:fontRef>
+        </p:style>
+      </p:cxnSp>
+      <p:cxnSp>
+        <p:nvCxnSpPr>
+          <p:cNvPr id="42" name="Elbow Connector 41"/>
+          <p:cNvCxnSpPr>
+            <a:stCxn id="34" idx="0"/>
+            <a:endCxn id="92" idx="2"/>
+          </p:cNvCxnSpPr>
+          <p:nvPr/>
+        </p:nvCxnSpPr>
+        <p:spPr>
+          <a:xfrm rot="16200000" flipV="1">
+            <a:off x="6047965" y="4585617"/>
+            <a:ext cx="225598" cy="1284355"/>
+          </a:xfrm>
+          <a:prstGeom prst="bentConnector3">
+            <a:avLst>
+              <a:gd name="adj1" fmla="val 50000"/>
+            </a:avLst>
+          </a:prstGeom>
+        </p:spPr>
+        <p:style>
+          <a:lnRef idx="2">
+            <a:schemeClr val="accent1"/>
+          </a:lnRef>
+          <a:fillRef idx="0">
+            <a:schemeClr val="accent1"/>
+          </a:fillRef>
+          <a:effectRef idx="1">
+            <a:schemeClr val="accent1"/>
+          </a:effectRef>
+          <a:fontRef idx="minor">
+            <a:schemeClr val="tx1"/>
+          </a:fontRef>
+        </p:style>
+      </p:cxnSp>
     </p:spTree>
     <p:extLst>
       <p:ext uri="{BB962C8B-B14F-4D97-AF65-F5344CB8AC3E}">
-        <p14:creationId xmlns:p14="http://schemas.microsoft.com/office/powerpoint/2010/main" val="3255897874"/>
+        <p14:creationId xmlns:p14="http://schemas.microsoft.com/office/powerpoint/2010/main" val="1349200997"/>
       </p:ext>
     </p:extLst>
   </p:cSld>
@@ -9831,6 +10589,1166 @@
 </p:sld>
 </file>
 
+<file path=ppt/slides/slide16.xml><?xml version="1.0" encoding="utf-8"?>
+<p:sld xmlns:a="http://schemas.openxmlformats.org/drawingml/2006/main" xmlns:r="http://schemas.openxmlformats.org/officeDocument/2006/relationships" xmlns:p="http://schemas.openxmlformats.org/presentationml/2006/main">
+  <p:cSld>
+    <p:spTree>
+      <p:nvGrpSpPr>
+        <p:cNvPr id="1" name=""/>
+        <p:cNvGrpSpPr/>
+        <p:nvPr/>
+      </p:nvGrpSpPr>
+      <p:grpSpPr>
+        <a:xfrm>
+          <a:off x="0" y="0"/>
+          <a:ext cx="0" cy="0"/>
+          <a:chOff x="0" y="0"/>
+          <a:chExt cx="0" cy="0"/>
+        </a:xfrm>
+      </p:grpSpPr>
+      <p:sp>
+        <p:nvSpPr>
+          <p:cNvPr id="2" name="TextBox 1"/>
+          <p:cNvSpPr txBox="1"/>
+          <p:nvPr/>
+        </p:nvSpPr>
+        <p:spPr>
+          <a:xfrm>
+            <a:off x="272238" y="165571"/>
+            <a:ext cx="1710266" cy="369332"/>
+          </a:xfrm>
+          <a:prstGeom prst="rect">
+            <a:avLst/>
+          </a:prstGeom>
+          <a:noFill/>
+        </p:spPr>
+        <p:txBody>
+          <a:bodyPr wrap="square" rtlCol="0">
+            <a:spAutoFit/>
+          </a:bodyPr>
+          <a:lstStyle/>
+          <a:p>
+            <a:pPr algn="ctr"/>
+            <a:r>
+              <a:rPr lang="en-US" dirty="0" smtClean="0"/>
+              <a:t>CN_calc_log2rs/</a:t>
+            </a:r>
+            <a:endParaRPr lang="en-US" dirty="0"/>
+          </a:p>
+        </p:txBody>
+      </p:sp>
+      <p:sp>
+        <p:nvSpPr>
+          <p:cNvPr id="3" name="Oval 2"/>
+          <p:cNvSpPr/>
+          <p:nvPr/>
+        </p:nvSpPr>
+        <p:spPr>
+          <a:xfrm>
+            <a:off x="540457" y="910969"/>
+            <a:ext cx="3591927" cy="468868"/>
+          </a:xfrm>
+          <a:prstGeom prst="ellipse">
+            <a:avLst/>
+          </a:prstGeom>
+        </p:spPr>
+        <p:style>
+          <a:lnRef idx="1">
+            <a:schemeClr val="accent1"/>
+          </a:lnRef>
+          <a:fillRef idx="3">
+            <a:schemeClr val="accent1"/>
+          </a:fillRef>
+          <a:effectRef idx="2">
+            <a:schemeClr val="accent1"/>
+          </a:effectRef>
+          <a:fontRef idx="minor">
+            <a:schemeClr val="lt1"/>
+          </a:fontRef>
+        </p:style>
+        <p:txBody>
+          <a:bodyPr rtlCol="0" anchor="ctr"/>
+          <a:lstStyle/>
+          <a:p>
+            <a:pPr algn="ctr"/>
+            <a:r>
+              <a:rPr lang="en-US" sz="1400" dirty="0" err="1" smtClean="0"/>
+              <a:t>create_full_expands_input.py</a:t>
+            </a:r>
+            <a:endParaRPr lang="en-US" sz="1400" dirty="0" smtClean="0"/>
+          </a:p>
+        </p:txBody>
+      </p:sp>
+      <p:cxnSp>
+        <p:nvCxnSpPr>
+          <p:cNvPr id="4" name="Elbow Connector 3"/>
+          <p:cNvCxnSpPr>
+            <a:stCxn id="2" idx="2"/>
+            <a:endCxn id="3" idx="0"/>
+          </p:cNvCxnSpPr>
+          <p:nvPr/>
+        </p:nvCxnSpPr>
+        <p:spPr>
+          <a:xfrm rot="16200000" flipH="1">
+            <a:off x="1543863" y="118411"/>
+            <a:ext cx="376066" cy="1209050"/>
+          </a:xfrm>
+          <a:prstGeom prst="bentConnector3">
+            <a:avLst/>
+          </a:prstGeom>
+        </p:spPr>
+        <p:style>
+          <a:lnRef idx="2">
+            <a:schemeClr val="accent1"/>
+          </a:lnRef>
+          <a:fillRef idx="0">
+            <a:schemeClr val="accent1"/>
+          </a:fillRef>
+          <a:effectRef idx="1">
+            <a:schemeClr val="accent1"/>
+          </a:effectRef>
+          <a:fontRef idx="minor">
+            <a:schemeClr val="tx1"/>
+          </a:fontRef>
+        </p:style>
+      </p:cxnSp>
+      <p:cxnSp>
+        <p:nvCxnSpPr>
+          <p:cNvPr id="5" name="Elbow Connector 4"/>
+          <p:cNvCxnSpPr>
+            <a:stCxn id="3" idx="4"/>
+            <a:endCxn id="6" idx="0"/>
+          </p:cNvCxnSpPr>
+          <p:nvPr/>
+        </p:nvCxnSpPr>
+        <p:spPr>
+          <a:xfrm rot="16200000" flipH="1">
+            <a:off x="2243481" y="1472776"/>
+            <a:ext cx="289697" cy="103817"/>
+          </a:xfrm>
+          <a:prstGeom prst="bentConnector3">
+            <a:avLst>
+              <a:gd name="adj1" fmla="val 50000"/>
+            </a:avLst>
+          </a:prstGeom>
+        </p:spPr>
+        <p:style>
+          <a:lnRef idx="2">
+            <a:schemeClr val="accent1"/>
+          </a:lnRef>
+          <a:fillRef idx="0">
+            <a:schemeClr val="accent1"/>
+          </a:fillRef>
+          <a:effectRef idx="1">
+            <a:schemeClr val="accent1"/>
+          </a:effectRef>
+          <a:fontRef idx="minor">
+            <a:schemeClr val="tx1"/>
+          </a:fontRef>
+        </p:style>
+      </p:cxnSp>
+      <p:sp>
+        <p:nvSpPr>
+          <p:cNvPr id="6" name="TextBox 5"/>
+          <p:cNvSpPr txBox="1"/>
+          <p:nvPr/>
+        </p:nvSpPr>
+        <p:spPr>
+          <a:xfrm>
+            <a:off x="1030538" y="1669534"/>
+            <a:ext cx="2819400" cy="369332"/>
+          </a:xfrm>
+          <a:prstGeom prst="rect">
+            <a:avLst/>
+          </a:prstGeom>
+          <a:noFill/>
+        </p:spPr>
+        <p:txBody>
+          <a:bodyPr wrap="square" rtlCol="0">
+            <a:spAutoFit/>
+          </a:bodyPr>
+          <a:lstStyle/>
+          <a:p>
+            <a:pPr algn="ctr"/>
+            <a:r>
+              <a:rPr lang="en-US" dirty="0" err="1" smtClean="0"/>
+              <a:t>expands_full_input</a:t>
+            </a:r>
+            <a:r>
+              <a:rPr lang="en-US" dirty="0" smtClean="0"/>
+              <a:t>/</a:t>
+            </a:r>
+            <a:endParaRPr lang="en-US" dirty="0"/>
+          </a:p>
+        </p:txBody>
+      </p:sp>
+      <p:sp>
+        <p:nvSpPr>
+          <p:cNvPr id="7" name="Oval 6"/>
+          <p:cNvSpPr/>
+          <p:nvPr/>
+        </p:nvSpPr>
+        <p:spPr>
+          <a:xfrm>
+            <a:off x="1139778" y="2311549"/>
+            <a:ext cx="3541907" cy="468868"/>
+          </a:xfrm>
+          <a:prstGeom prst="ellipse">
+            <a:avLst/>
+          </a:prstGeom>
+        </p:spPr>
+        <p:style>
+          <a:lnRef idx="1">
+            <a:schemeClr val="accent1"/>
+          </a:lnRef>
+          <a:fillRef idx="3">
+            <a:schemeClr val="accent1"/>
+          </a:fillRef>
+          <a:effectRef idx="2">
+            <a:schemeClr val="accent1"/>
+          </a:effectRef>
+          <a:fontRef idx="minor">
+            <a:schemeClr val="lt1"/>
+          </a:fontRef>
+        </p:style>
+        <p:txBody>
+          <a:bodyPr rtlCol="0" anchor="ctr"/>
+          <a:lstStyle/>
+          <a:p>
+            <a:pPr algn="ctr"/>
+            <a:r>
+              <a:rPr lang="en-US" sz="1400" dirty="0" err="1" smtClean="0"/>
+              <a:t>remove_dupes_for_expands.py</a:t>
+            </a:r>
+            <a:endParaRPr lang="en-US" sz="1400" dirty="0" smtClean="0"/>
+          </a:p>
+        </p:txBody>
+      </p:sp>
+      <p:cxnSp>
+        <p:nvCxnSpPr>
+          <p:cNvPr id="8" name="Elbow Connector 7"/>
+          <p:cNvCxnSpPr>
+            <a:stCxn id="7" idx="0"/>
+            <a:endCxn id="6" idx="2"/>
+          </p:cNvCxnSpPr>
+          <p:nvPr/>
+        </p:nvCxnSpPr>
+        <p:spPr>
+          <a:xfrm rot="16200000" flipV="1">
+            <a:off x="2539144" y="1939961"/>
+            <a:ext cx="272683" cy="470494"/>
+          </a:xfrm>
+          <a:prstGeom prst="bentConnector3">
+            <a:avLst>
+              <a:gd name="adj1" fmla="val 50000"/>
+            </a:avLst>
+          </a:prstGeom>
+        </p:spPr>
+        <p:style>
+          <a:lnRef idx="2">
+            <a:schemeClr val="accent1"/>
+          </a:lnRef>
+          <a:fillRef idx="0">
+            <a:schemeClr val="accent1"/>
+          </a:fillRef>
+          <a:effectRef idx="1">
+            <a:schemeClr val="accent1"/>
+          </a:effectRef>
+          <a:fontRef idx="minor">
+            <a:schemeClr val="tx1"/>
+          </a:fontRef>
+        </p:style>
+      </p:cxnSp>
+      <p:sp>
+        <p:nvSpPr>
+          <p:cNvPr id="9" name="TextBox 8"/>
+          <p:cNvSpPr txBox="1"/>
+          <p:nvPr/>
+        </p:nvSpPr>
+        <p:spPr>
+          <a:xfrm>
+            <a:off x="2004189" y="3174423"/>
+            <a:ext cx="3169023" cy="369332"/>
+          </a:xfrm>
+          <a:prstGeom prst="rect">
+            <a:avLst/>
+          </a:prstGeom>
+          <a:noFill/>
+        </p:spPr>
+        <p:txBody>
+          <a:bodyPr wrap="square" rtlCol="0">
+            <a:spAutoFit/>
+          </a:bodyPr>
+          <a:lstStyle/>
+          <a:p>
+            <a:pPr algn="ctr"/>
+            <a:r>
+              <a:rPr lang="en-US" dirty="0" err="1" smtClean="0"/>
+              <a:t>expands_full_input_alldupes</a:t>
+            </a:r>
+            <a:r>
+              <a:rPr lang="en-US" dirty="0" smtClean="0"/>
+              <a:t>/</a:t>
+            </a:r>
+            <a:endParaRPr lang="en-US" dirty="0"/>
+          </a:p>
+        </p:txBody>
+      </p:sp>
+      <p:cxnSp>
+        <p:nvCxnSpPr>
+          <p:cNvPr id="10" name="Elbow Connector 9"/>
+          <p:cNvCxnSpPr>
+            <a:stCxn id="7" idx="4"/>
+            <a:endCxn id="9" idx="0"/>
+          </p:cNvCxnSpPr>
+          <p:nvPr/>
+        </p:nvCxnSpPr>
+        <p:spPr>
+          <a:xfrm rot="16200000" flipH="1">
+            <a:off x="3052713" y="2638435"/>
+            <a:ext cx="394006" cy="677969"/>
+          </a:xfrm>
+          <a:prstGeom prst="bentConnector3">
+            <a:avLst>
+              <a:gd name="adj1" fmla="val 50000"/>
+            </a:avLst>
+          </a:prstGeom>
+        </p:spPr>
+        <p:style>
+          <a:lnRef idx="2">
+            <a:schemeClr val="accent1"/>
+          </a:lnRef>
+          <a:fillRef idx="0">
+            <a:schemeClr val="accent1"/>
+          </a:fillRef>
+          <a:effectRef idx="1">
+            <a:schemeClr val="accent1"/>
+          </a:effectRef>
+          <a:fontRef idx="minor">
+            <a:schemeClr val="tx1"/>
+          </a:fontRef>
+        </p:style>
+      </p:cxnSp>
+      <p:sp>
+        <p:nvSpPr>
+          <p:cNvPr id="15" name="TextBox 14"/>
+          <p:cNvSpPr txBox="1"/>
+          <p:nvPr/>
+        </p:nvSpPr>
+        <p:spPr>
+          <a:xfrm>
+            <a:off x="2361170" y="166513"/>
+            <a:ext cx="2455061" cy="369332"/>
+          </a:xfrm>
+          <a:prstGeom prst="rect">
+            <a:avLst/>
+          </a:prstGeom>
+          <a:noFill/>
+        </p:spPr>
+        <p:txBody>
+          <a:bodyPr wrap="square" rtlCol="0">
+            <a:spAutoFit/>
+          </a:bodyPr>
+          <a:lstStyle/>
+          <a:p>
+            <a:pPr algn="ctr"/>
+            <a:r>
+              <a:rPr lang="en-US" dirty="0" smtClean="0"/>
+              <a:t>BAF_filtered_data_</a:t>
+            </a:r>
+            <a:r>
+              <a:rPr lang="en-US" i="1" dirty="0" smtClean="0"/>
+              <a:t>15</a:t>
+            </a:r>
+            <a:r>
+              <a:rPr lang="en-US" dirty="0" smtClean="0"/>
+              <a:t>/</a:t>
+            </a:r>
+            <a:endParaRPr lang="en-US" dirty="0"/>
+          </a:p>
+        </p:txBody>
+      </p:sp>
+      <p:cxnSp>
+        <p:nvCxnSpPr>
+          <p:cNvPr id="16" name="Elbow Connector 15"/>
+          <p:cNvCxnSpPr>
+            <a:stCxn id="15" idx="2"/>
+            <a:endCxn id="3" idx="0"/>
+          </p:cNvCxnSpPr>
+          <p:nvPr/>
+        </p:nvCxnSpPr>
+        <p:spPr>
+          <a:xfrm rot="5400000">
+            <a:off x="2774999" y="97267"/>
+            <a:ext cx="375124" cy="1252280"/>
+          </a:xfrm>
+          <a:prstGeom prst="bentConnector3">
+            <a:avLst>
+              <a:gd name="adj1" fmla="val 50000"/>
+            </a:avLst>
+          </a:prstGeom>
+        </p:spPr>
+        <p:style>
+          <a:lnRef idx="2">
+            <a:schemeClr val="accent1"/>
+          </a:lnRef>
+          <a:fillRef idx="0">
+            <a:schemeClr val="accent1"/>
+          </a:fillRef>
+          <a:effectRef idx="1">
+            <a:schemeClr val="accent1"/>
+          </a:effectRef>
+          <a:fontRef idx="minor">
+            <a:schemeClr val="tx1"/>
+          </a:fontRef>
+        </p:style>
+      </p:cxnSp>
+      <p:sp>
+        <p:nvSpPr>
+          <p:cNvPr id="27" name="Oval 26"/>
+          <p:cNvSpPr/>
+          <p:nvPr/>
+        </p:nvSpPr>
+        <p:spPr>
+          <a:xfrm>
+            <a:off x="2361430" y="3849708"/>
+            <a:ext cx="3541907" cy="468868"/>
+          </a:xfrm>
+          <a:prstGeom prst="ellipse">
+            <a:avLst/>
+          </a:prstGeom>
+        </p:spPr>
+        <p:style>
+          <a:lnRef idx="1">
+            <a:schemeClr val="accent1"/>
+          </a:lnRef>
+          <a:fillRef idx="3">
+            <a:schemeClr val="accent1"/>
+          </a:fillRef>
+          <a:effectRef idx="2">
+            <a:schemeClr val="accent1"/>
+          </a:effectRef>
+          <a:fontRef idx="minor">
+            <a:schemeClr val="lt1"/>
+          </a:fontRef>
+        </p:style>
+        <p:txBody>
+          <a:bodyPr rtlCol="0" anchor="ctr"/>
+          <a:lstStyle/>
+          <a:p>
+            <a:pPr algn="ctr"/>
+            <a:r>
+              <a:rPr lang="en-US" sz="1400" dirty="0" err="1" smtClean="0"/>
+              <a:t>remove_LOH_for_expands.py</a:t>
+            </a:r>
+            <a:endParaRPr lang="en-US" sz="1400" dirty="0" smtClean="0"/>
+          </a:p>
+        </p:txBody>
+      </p:sp>
+      <p:cxnSp>
+        <p:nvCxnSpPr>
+          <p:cNvPr id="28" name="Elbow Connector 27"/>
+          <p:cNvCxnSpPr>
+            <a:stCxn id="27" idx="0"/>
+            <a:endCxn id="9" idx="2"/>
+          </p:cNvCxnSpPr>
+          <p:nvPr/>
+        </p:nvCxnSpPr>
+        <p:spPr>
+          <a:xfrm rot="16200000" flipV="1">
+            <a:off x="3707567" y="3424890"/>
+            <a:ext cx="305953" cy="543683"/>
+          </a:xfrm>
+          <a:prstGeom prst="bentConnector3">
+            <a:avLst>
+              <a:gd name="adj1" fmla="val 50000"/>
+            </a:avLst>
+          </a:prstGeom>
+        </p:spPr>
+        <p:style>
+          <a:lnRef idx="2">
+            <a:schemeClr val="accent1"/>
+          </a:lnRef>
+          <a:fillRef idx="0">
+            <a:schemeClr val="accent1"/>
+          </a:fillRef>
+          <a:effectRef idx="1">
+            <a:schemeClr val="accent1"/>
+          </a:effectRef>
+          <a:fontRef idx="minor">
+            <a:schemeClr val="tx1"/>
+          </a:fontRef>
+        </p:style>
+      </p:cxnSp>
+      <p:sp>
+        <p:nvSpPr>
+          <p:cNvPr id="29" name="TextBox 28"/>
+          <p:cNvSpPr txBox="1"/>
+          <p:nvPr/>
+        </p:nvSpPr>
+        <p:spPr>
+          <a:xfrm>
+            <a:off x="2377142" y="4632530"/>
+            <a:ext cx="3873062" cy="369332"/>
+          </a:xfrm>
+          <a:prstGeom prst="rect">
+            <a:avLst/>
+          </a:prstGeom>
+          <a:noFill/>
+        </p:spPr>
+        <p:txBody>
+          <a:bodyPr wrap="square" rtlCol="0">
+            <a:spAutoFit/>
+          </a:bodyPr>
+          <a:lstStyle/>
+          <a:p>
+            <a:pPr algn="ctr"/>
+            <a:r>
+              <a:rPr lang="en-US" dirty="0" err="1" smtClean="0"/>
+              <a:t>expands_full_input_alldupes_noLOH</a:t>
+            </a:r>
+            <a:r>
+              <a:rPr lang="en-US" dirty="0" smtClean="0"/>
+              <a:t>/</a:t>
+            </a:r>
+            <a:endParaRPr lang="en-US" dirty="0"/>
+          </a:p>
+        </p:txBody>
+      </p:sp>
+      <p:cxnSp>
+        <p:nvCxnSpPr>
+          <p:cNvPr id="30" name="Elbow Connector 29"/>
+          <p:cNvCxnSpPr>
+            <a:stCxn id="27" idx="4"/>
+            <a:endCxn id="29" idx="0"/>
+          </p:cNvCxnSpPr>
+          <p:nvPr/>
+        </p:nvCxnSpPr>
+        <p:spPr>
+          <a:xfrm rot="16200000" flipH="1">
+            <a:off x="4066051" y="4384908"/>
+            <a:ext cx="313954" cy="181289"/>
+          </a:xfrm>
+          <a:prstGeom prst="bentConnector3">
+            <a:avLst>
+              <a:gd name="adj1" fmla="val 50000"/>
+            </a:avLst>
+          </a:prstGeom>
+        </p:spPr>
+        <p:style>
+          <a:lnRef idx="2">
+            <a:schemeClr val="accent1"/>
+          </a:lnRef>
+          <a:fillRef idx="0">
+            <a:schemeClr val="accent1"/>
+          </a:fillRef>
+          <a:effectRef idx="1">
+            <a:schemeClr val="accent1"/>
+          </a:effectRef>
+          <a:fontRef idx="minor">
+            <a:schemeClr val="tx1"/>
+          </a:fontRef>
+        </p:style>
+      </p:cxnSp>
+      <p:sp>
+        <p:nvSpPr>
+          <p:cNvPr id="41" name="Oval 40"/>
+          <p:cNvSpPr/>
+          <p:nvPr/>
+        </p:nvSpPr>
+        <p:spPr>
+          <a:xfrm>
+            <a:off x="2910731" y="5212171"/>
+            <a:ext cx="3541907" cy="468868"/>
+          </a:xfrm>
+          <a:prstGeom prst="ellipse">
+            <a:avLst/>
+          </a:prstGeom>
+        </p:spPr>
+        <p:style>
+          <a:lnRef idx="1">
+            <a:schemeClr val="accent1"/>
+          </a:lnRef>
+          <a:fillRef idx="3">
+            <a:schemeClr val="accent1"/>
+          </a:fillRef>
+          <a:effectRef idx="2">
+            <a:schemeClr val="accent1"/>
+          </a:effectRef>
+          <a:fontRef idx="minor">
+            <a:schemeClr val="lt1"/>
+          </a:fontRef>
+        </p:style>
+        <p:txBody>
+          <a:bodyPr rtlCol="0" anchor="ctr"/>
+          <a:lstStyle/>
+          <a:p>
+            <a:pPr algn="ctr"/>
+            <a:r>
+              <a:rPr lang="en-US" sz="1400" dirty="0" err="1" smtClean="0"/>
+              <a:t>shuffle_expands_input.py</a:t>
+            </a:r>
+            <a:endParaRPr lang="en-US" sz="1400" dirty="0" smtClean="0"/>
+          </a:p>
+        </p:txBody>
+      </p:sp>
+      <p:cxnSp>
+        <p:nvCxnSpPr>
+          <p:cNvPr id="42" name="Elbow Connector 41"/>
+          <p:cNvCxnSpPr>
+            <a:stCxn id="41" idx="0"/>
+            <a:endCxn id="29" idx="2"/>
+          </p:cNvCxnSpPr>
+          <p:nvPr/>
+        </p:nvCxnSpPr>
+        <p:spPr>
+          <a:xfrm rot="16200000" flipV="1">
+            <a:off x="4392525" y="4923011"/>
+            <a:ext cx="210309" cy="368012"/>
+          </a:xfrm>
+          <a:prstGeom prst="bentConnector3">
+            <a:avLst>
+              <a:gd name="adj1" fmla="val 50000"/>
+            </a:avLst>
+          </a:prstGeom>
+        </p:spPr>
+        <p:style>
+          <a:lnRef idx="2">
+            <a:schemeClr val="accent1"/>
+          </a:lnRef>
+          <a:fillRef idx="0">
+            <a:schemeClr val="accent1"/>
+          </a:fillRef>
+          <a:effectRef idx="1">
+            <a:schemeClr val="accent1"/>
+          </a:effectRef>
+          <a:fontRef idx="minor">
+            <a:schemeClr val="tx1"/>
+          </a:fontRef>
+        </p:style>
+      </p:cxnSp>
+      <p:sp>
+        <p:nvSpPr>
+          <p:cNvPr id="43" name="TextBox 42"/>
+          <p:cNvSpPr txBox="1"/>
+          <p:nvPr/>
+        </p:nvSpPr>
+        <p:spPr>
+          <a:xfrm>
+            <a:off x="3048000" y="6071730"/>
+            <a:ext cx="4230077" cy="369332"/>
+          </a:xfrm>
+          <a:prstGeom prst="rect">
+            <a:avLst/>
+          </a:prstGeom>
+          <a:noFill/>
+        </p:spPr>
+        <p:txBody>
+          <a:bodyPr wrap="square" rtlCol="0">
+            <a:spAutoFit/>
+          </a:bodyPr>
+          <a:lstStyle/>
+          <a:p>
+            <a:pPr algn="ctr"/>
+            <a:r>
+              <a:rPr lang="en-US" dirty="0" err="1" smtClean="0"/>
+              <a:t>expands_full_input_shuffled_noLOH_</a:t>
+            </a:r>
+            <a:r>
+              <a:rPr lang="en-US" i="1" dirty="0" err="1" smtClean="0"/>
+              <a:t>nn</a:t>
+            </a:r>
+            <a:r>
+              <a:rPr lang="en-US" dirty="0" smtClean="0"/>
+              <a:t>/</a:t>
+            </a:r>
+            <a:endParaRPr lang="en-US" dirty="0"/>
+          </a:p>
+        </p:txBody>
+      </p:sp>
+      <p:cxnSp>
+        <p:nvCxnSpPr>
+          <p:cNvPr id="44" name="Elbow Connector 43"/>
+          <p:cNvCxnSpPr>
+            <a:stCxn id="41" idx="4"/>
+            <a:endCxn id="43" idx="0"/>
+          </p:cNvCxnSpPr>
+          <p:nvPr/>
+        </p:nvCxnSpPr>
+        <p:spPr>
+          <a:xfrm rot="16200000" flipH="1">
+            <a:off x="4727017" y="5635707"/>
+            <a:ext cx="390691" cy="481354"/>
+          </a:xfrm>
+          <a:prstGeom prst="bentConnector3">
+            <a:avLst>
+              <a:gd name="adj1" fmla="val 50000"/>
+            </a:avLst>
+          </a:prstGeom>
+        </p:spPr>
+        <p:style>
+          <a:lnRef idx="2">
+            <a:schemeClr val="accent1"/>
+          </a:lnRef>
+          <a:fillRef idx="0">
+            <a:schemeClr val="accent1"/>
+          </a:fillRef>
+          <a:effectRef idx="1">
+            <a:schemeClr val="accent1"/>
+          </a:effectRef>
+          <a:fontRef idx="minor">
+            <a:schemeClr val="tx1"/>
+          </a:fontRef>
+        </p:style>
+      </p:cxnSp>
+    </p:spTree>
+    <p:extLst>
+      <p:ext uri="{BB962C8B-B14F-4D97-AF65-F5344CB8AC3E}">
+        <p14:creationId xmlns:p14="http://schemas.microsoft.com/office/powerpoint/2010/main" val="2747638811"/>
+      </p:ext>
+    </p:extLst>
+  </p:cSld>
+  <p:clrMapOvr>
+    <a:masterClrMapping/>
+  </p:clrMapOvr>
+</p:sld>
+</file>
+
+<file path=ppt/slides/slide17.xml><?xml version="1.0" encoding="utf-8"?>
+<p:sld xmlns:a="http://schemas.openxmlformats.org/drawingml/2006/main" xmlns:r="http://schemas.openxmlformats.org/officeDocument/2006/relationships" xmlns:p="http://schemas.openxmlformats.org/presentationml/2006/main">
+  <p:cSld>
+    <p:spTree>
+      <p:nvGrpSpPr>
+        <p:cNvPr id="1" name=""/>
+        <p:cNvGrpSpPr/>
+        <p:nvPr/>
+      </p:nvGrpSpPr>
+      <p:grpSpPr>
+        <a:xfrm>
+          <a:off x="0" y="0"/>
+          <a:ext cx="0" cy="0"/>
+          <a:chOff x="0" y="0"/>
+          <a:chExt cx="0" cy="0"/>
+        </a:xfrm>
+      </p:grpSpPr>
+      <p:sp>
+        <p:nvSpPr>
+          <p:cNvPr id="2" name="TextBox 1"/>
+          <p:cNvSpPr txBox="1"/>
+          <p:nvPr/>
+        </p:nvSpPr>
+        <p:spPr>
+          <a:xfrm>
+            <a:off x="0" y="165571"/>
+            <a:ext cx="4592839" cy="369332"/>
+          </a:xfrm>
+          <a:prstGeom prst="rect">
+            <a:avLst/>
+          </a:prstGeom>
+          <a:noFill/>
+        </p:spPr>
+        <p:txBody>
+          <a:bodyPr wrap="square" rtlCol="0">
+            <a:spAutoFit/>
+          </a:bodyPr>
+          <a:lstStyle/>
+          <a:p>
+            <a:pPr algn="ctr"/>
+            <a:r>
+              <a:rPr lang="en-US" dirty="0" err="1" smtClean="0"/>
+              <a:t>expands_full_input_alldupes_noLOH</a:t>
+            </a:r>
+            <a:r>
+              <a:rPr lang="en-US" dirty="0" smtClean="0"/>
+              <a:t>/results/</a:t>
+            </a:r>
+            <a:endParaRPr lang="en-US" dirty="0"/>
+          </a:p>
+        </p:txBody>
+      </p:sp>
+      <p:sp>
+        <p:nvSpPr>
+          <p:cNvPr id="3" name="Oval 2"/>
+          <p:cNvSpPr/>
+          <p:nvPr/>
+        </p:nvSpPr>
+        <p:spPr>
+          <a:xfrm>
+            <a:off x="0" y="2405661"/>
+            <a:ext cx="2263312" cy="468868"/>
+          </a:xfrm>
+          <a:prstGeom prst="ellipse">
+            <a:avLst/>
+          </a:prstGeom>
+        </p:spPr>
+        <p:style>
+          <a:lnRef idx="1">
+            <a:schemeClr val="accent1"/>
+          </a:lnRef>
+          <a:fillRef idx="3">
+            <a:schemeClr val="accent1"/>
+          </a:fillRef>
+          <a:effectRef idx="2">
+            <a:schemeClr val="accent1"/>
+          </a:effectRef>
+          <a:fontRef idx="minor">
+            <a:schemeClr val="lt1"/>
+          </a:fontRef>
+        </p:style>
+        <p:txBody>
+          <a:bodyPr rtlCol="0" anchor="ctr"/>
+          <a:lstStyle/>
+          <a:p>
+            <a:pPr algn="ctr"/>
+            <a:r>
+              <a:rPr lang="en-US" sz="1400" dirty="0" err="1" smtClean="0"/>
+              <a:t>collect_maxps.py</a:t>
+            </a:r>
+            <a:endParaRPr lang="en-US" sz="1400" dirty="0" smtClean="0"/>
+          </a:p>
+        </p:txBody>
+      </p:sp>
+      <p:cxnSp>
+        <p:nvCxnSpPr>
+          <p:cNvPr id="4" name="Elbow Connector 3"/>
+          <p:cNvCxnSpPr>
+            <a:stCxn id="2" idx="2"/>
+            <a:endCxn id="3" idx="0"/>
+          </p:cNvCxnSpPr>
+          <p:nvPr/>
+        </p:nvCxnSpPr>
+        <p:spPr>
+          <a:xfrm rot="5400000">
+            <a:off x="778659" y="887900"/>
+            <a:ext cx="1870758" cy="1164764"/>
+          </a:xfrm>
+          <a:prstGeom prst="bentConnector3">
+            <a:avLst>
+              <a:gd name="adj1" fmla="val 50000"/>
+            </a:avLst>
+          </a:prstGeom>
+        </p:spPr>
+        <p:style>
+          <a:lnRef idx="2">
+            <a:schemeClr val="accent1"/>
+          </a:lnRef>
+          <a:fillRef idx="0">
+            <a:schemeClr val="accent1"/>
+          </a:fillRef>
+          <a:effectRef idx="1">
+            <a:schemeClr val="accent1"/>
+          </a:effectRef>
+          <a:fontRef idx="minor">
+            <a:schemeClr val="tx1"/>
+          </a:fontRef>
+        </p:style>
+      </p:cxnSp>
+      <p:sp>
+        <p:nvSpPr>
+          <p:cNvPr id="7" name="Oval 6"/>
+          <p:cNvSpPr/>
+          <p:nvPr/>
+        </p:nvSpPr>
+        <p:spPr>
+          <a:xfrm>
+            <a:off x="5602093" y="2405662"/>
+            <a:ext cx="3541907" cy="468868"/>
+          </a:xfrm>
+          <a:prstGeom prst="ellipse">
+            <a:avLst/>
+          </a:prstGeom>
+        </p:spPr>
+        <p:style>
+          <a:lnRef idx="1">
+            <a:schemeClr val="accent1"/>
+          </a:lnRef>
+          <a:fillRef idx="3">
+            <a:schemeClr val="accent1"/>
+          </a:fillRef>
+          <a:effectRef idx="2">
+            <a:schemeClr val="accent1"/>
+          </a:effectRef>
+          <a:fontRef idx="minor">
+            <a:schemeClr val="lt1"/>
+          </a:fontRef>
+        </p:style>
+        <p:txBody>
+          <a:bodyPr rtlCol="0" anchor="ctr"/>
+          <a:lstStyle/>
+          <a:p>
+            <a:pPr algn="ctr"/>
+            <a:r>
+              <a:rPr lang="en-US" sz="1400" dirty="0" err="1" smtClean="0"/>
+              <a:t>check_expands_trees.py</a:t>
+            </a:r>
+            <a:endParaRPr lang="en-US" sz="1400" dirty="0" smtClean="0"/>
+          </a:p>
+        </p:txBody>
+      </p:sp>
+      <p:cxnSp>
+        <p:nvCxnSpPr>
+          <p:cNvPr id="8" name="Elbow Connector 7"/>
+          <p:cNvCxnSpPr>
+            <a:stCxn id="7" idx="0"/>
+            <a:endCxn id="2" idx="2"/>
+          </p:cNvCxnSpPr>
+          <p:nvPr/>
+        </p:nvCxnSpPr>
+        <p:spPr>
+          <a:xfrm rot="16200000" flipV="1">
+            <a:off x="3899355" y="-1068031"/>
+            <a:ext cx="1870759" cy="5076627"/>
+          </a:xfrm>
+          <a:prstGeom prst="bentConnector3">
+            <a:avLst>
+              <a:gd name="adj1" fmla="val 50000"/>
+            </a:avLst>
+          </a:prstGeom>
+        </p:spPr>
+        <p:style>
+          <a:lnRef idx="2">
+            <a:schemeClr val="accent1"/>
+          </a:lnRef>
+          <a:fillRef idx="0">
+            <a:schemeClr val="accent1"/>
+          </a:fillRef>
+          <a:effectRef idx="1">
+            <a:schemeClr val="accent1"/>
+          </a:effectRef>
+          <a:fontRef idx="minor">
+            <a:schemeClr val="tx1"/>
+          </a:fontRef>
+        </p:style>
+      </p:cxnSp>
+      <p:cxnSp>
+        <p:nvCxnSpPr>
+          <p:cNvPr id="10" name="Elbow Connector 9"/>
+          <p:cNvCxnSpPr>
+            <a:stCxn id="7" idx="0"/>
+            <a:endCxn id="11" idx="2"/>
+          </p:cNvCxnSpPr>
+          <p:nvPr/>
+        </p:nvCxnSpPr>
+        <p:spPr>
+          <a:xfrm rot="16200000" flipV="1">
+            <a:off x="6172565" y="1205180"/>
+            <a:ext cx="1841957" cy="559008"/>
+          </a:xfrm>
+          <a:prstGeom prst="bentConnector3">
+            <a:avLst>
+              <a:gd name="adj1" fmla="val 50000"/>
+            </a:avLst>
+          </a:prstGeom>
+        </p:spPr>
+        <p:style>
+          <a:lnRef idx="2">
+            <a:schemeClr val="accent1"/>
+          </a:lnRef>
+          <a:fillRef idx="0">
+            <a:schemeClr val="accent1"/>
+          </a:fillRef>
+          <a:effectRef idx="1">
+            <a:schemeClr val="accent1"/>
+          </a:effectRef>
+          <a:fontRef idx="minor">
+            <a:schemeClr val="tx1"/>
+          </a:fontRef>
+        </p:style>
+      </p:cxnSp>
+      <p:sp>
+        <p:nvSpPr>
+          <p:cNvPr id="11" name="TextBox 10"/>
+          <p:cNvSpPr txBox="1"/>
+          <p:nvPr/>
+        </p:nvSpPr>
+        <p:spPr>
+          <a:xfrm>
+            <a:off x="4484078" y="194373"/>
+            <a:ext cx="4659922" cy="369332"/>
+          </a:xfrm>
+          <a:prstGeom prst="rect">
+            <a:avLst/>
+          </a:prstGeom>
+          <a:noFill/>
+        </p:spPr>
+        <p:txBody>
+          <a:bodyPr wrap="square" rtlCol="0">
+            <a:spAutoFit/>
+          </a:bodyPr>
+          <a:lstStyle/>
+          <a:p>
+            <a:pPr algn="ctr"/>
+            <a:r>
+              <a:rPr lang="en-US" dirty="0" err="1" smtClean="0"/>
+              <a:t>expands_full_input_shuffled_noLOH</a:t>
+            </a:r>
+            <a:r>
+              <a:rPr lang="en-US" dirty="0"/>
+              <a:t>/results/</a:t>
+            </a:r>
+          </a:p>
+        </p:txBody>
+      </p:sp>
+      <p:cxnSp>
+        <p:nvCxnSpPr>
+          <p:cNvPr id="12" name="Elbow Connector 11"/>
+          <p:cNvCxnSpPr>
+            <a:stCxn id="11" idx="2"/>
+            <a:endCxn id="3" idx="0"/>
+          </p:cNvCxnSpPr>
+          <p:nvPr/>
+        </p:nvCxnSpPr>
+        <p:spPr>
+          <a:xfrm rot="5400000">
+            <a:off x="3051870" y="-1356508"/>
+            <a:ext cx="1841956" cy="5682383"/>
+          </a:xfrm>
+          <a:prstGeom prst="bentConnector3">
+            <a:avLst>
+              <a:gd name="adj1" fmla="val 50000"/>
+            </a:avLst>
+          </a:prstGeom>
+        </p:spPr>
+        <p:style>
+          <a:lnRef idx="2">
+            <a:schemeClr val="accent1"/>
+          </a:lnRef>
+          <a:fillRef idx="0">
+            <a:schemeClr val="accent1"/>
+          </a:fillRef>
+          <a:effectRef idx="1">
+            <a:schemeClr val="accent1"/>
+          </a:effectRef>
+          <a:fontRef idx="minor">
+            <a:schemeClr val="tx1"/>
+          </a:fontRef>
+        </p:style>
+      </p:cxnSp>
+      <p:sp>
+        <p:nvSpPr>
+          <p:cNvPr id="31" name="Oval 30"/>
+          <p:cNvSpPr/>
+          <p:nvPr/>
+        </p:nvSpPr>
+        <p:spPr>
+          <a:xfrm>
+            <a:off x="2875029" y="3785443"/>
+            <a:ext cx="2918126" cy="468868"/>
+          </a:xfrm>
+          <a:prstGeom prst="ellipse">
+            <a:avLst/>
+          </a:prstGeom>
+        </p:spPr>
+        <p:style>
+          <a:lnRef idx="1">
+            <a:schemeClr val="accent1"/>
+          </a:lnRef>
+          <a:fillRef idx="3">
+            <a:schemeClr val="accent1"/>
+          </a:fillRef>
+          <a:effectRef idx="2">
+            <a:schemeClr val="accent1"/>
+          </a:effectRef>
+          <a:fontRef idx="minor">
+            <a:schemeClr val="lt1"/>
+          </a:fontRef>
+        </p:style>
+        <p:txBody>
+          <a:bodyPr rtlCol="0" anchor="ctr"/>
+          <a:lstStyle/>
+          <a:p>
+            <a:pPr algn="ctr"/>
+            <a:r>
+              <a:rPr lang="en-US" sz="1400" dirty="0" err="1" smtClean="0"/>
+              <a:t>collect_spstats_noise.py</a:t>
+            </a:r>
+            <a:endParaRPr lang="en-US" sz="1400" dirty="0" smtClean="0"/>
+          </a:p>
+        </p:txBody>
+      </p:sp>
+      <p:cxnSp>
+        <p:nvCxnSpPr>
+          <p:cNvPr id="32" name="Elbow Connector 31"/>
+          <p:cNvCxnSpPr>
+            <a:stCxn id="2" idx="2"/>
+            <a:endCxn id="31" idx="0"/>
+          </p:cNvCxnSpPr>
+          <p:nvPr/>
+        </p:nvCxnSpPr>
+        <p:spPr>
+          <a:xfrm rot="16200000" flipH="1">
+            <a:off x="1689986" y="1141337"/>
+            <a:ext cx="3250540" cy="2037672"/>
+          </a:xfrm>
+          <a:prstGeom prst="bentConnector3">
+            <a:avLst>
+              <a:gd name="adj1" fmla="val 50000"/>
+            </a:avLst>
+          </a:prstGeom>
+        </p:spPr>
+        <p:style>
+          <a:lnRef idx="2">
+            <a:schemeClr val="accent1"/>
+          </a:lnRef>
+          <a:fillRef idx="0">
+            <a:schemeClr val="accent1"/>
+          </a:fillRef>
+          <a:effectRef idx="1">
+            <a:schemeClr val="accent1"/>
+          </a:effectRef>
+          <a:fontRef idx="minor">
+            <a:schemeClr val="tx1"/>
+          </a:fontRef>
+        </p:style>
+      </p:cxnSp>
+      <p:cxnSp>
+        <p:nvCxnSpPr>
+          <p:cNvPr id="33" name="Elbow Connector 32"/>
+          <p:cNvCxnSpPr>
+            <a:stCxn id="11" idx="2"/>
+            <a:endCxn id="31" idx="0"/>
+          </p:cNvCxnSpPr>
+          <p:nvPr/>
+        </p:nvCxnSpPr>
+        <p:spPr>
+          <a:xfrm rot="5400000">
+            <a:off x="3963197" y="934601"/>
+            <a:ext cx="3221738" cy="2479947"/>
+          </a:xfrm>
+          <a:prstGeom prst="bentConnector3">
+            <a:avLst>
+              <a:gd name="adj1" fmla="val 50000"/>
+            </a:avLst>
+          </a:prstGeom>
+        </p:spPr>
+        <p:style>
+          <a:lnRef idx="2">
+            <a:schemeClr val="accent1"/>
+          </a:lnRef>
+          <a:fillRef idx="0">
+            <a:schemeClr val="accent1"/>
+          </a:fillRef>
+          <a:effectRef idx="1">
+            <a:schemeClr val="accent1"/>
+          </a:effectRef>
+          <a:fontRef idx="minor">
+            <a:schemeClr val="tx1"/>
+          </a:fontRef>
+        </p:style>
+      </p:cxnSp>
+    </p:spTree>
+    <p:extLst>
+      <p:ext uri="{BB962C8B-B14F-4D97-AF65-F5344CB8AC3E}">
+        <p14:creationId xmlns:p14="http://schemas.microsoft.com/office/powerpoint/2010/main" val="178553723"/>
+      </p:ext>
+    </p:extLst>
+  </p:cSld>
+  <p:clrMapOvr>
+    <a:masterClrMapping/>
+  </p:clrMapOvr>
+</p:sld>
+</file>
+
 <file path=ppt/slides/slide2.xml><?xml version="1.0" encoding="utf-8"?>
 <p:sld xmlns:a="http://schemas.openxmlformats.org/drawingml/2006/main" xmlns:r="http://schemas.openxmlformats.org/officeDocument/2006/relationships" xmlns:p="http://schemas.openxmlformats.org/presentationml/2006/main">
   <p:cSld>
@@ -9850,14 +11768,14 @@
       </p:grpSpPr>
       <p:sp>
         <p:nvSpPr>
-          <p:cNvPr id="4" name="TextBox 3"/>
+          <p:cNvPr id="2" name="TextBox 1"/>
           <p:cNvSpPr txBox="1"/>
           <p:nvPr/>
         </p:nvSpPr>
         <p:spPr>
           <a:xfrm>
-            <a:off x="272238" y="165571"/>
-            <a:ext cx="1710266" cy="369332"/>
+            <a:off x="49768" y="193424"/>
+            <a:ext cx="3233613" cy="369332"/>
           </a:xfrm>
           <a:prstGeom prst="rect">
             <a:avLst/>
@@ -9873,7 +11791,11 @@
             <a:pPr algn="ctr"/>
             <a:r>
               <a:rPr lang="en-US" dirty="0" err="1" smtClean="0"/>
-              <a:t>CN_raw_data</a:t>
+              <a:t>pASCAT_output_combined_</a:t>
+            </a:r>
+            <a:r>
+              <a:rPr lang="en-US" i="1" dirty="0" err="1" smtClean="0"/>
+              <a:t>tag</a:t>
             </a:r>
             <a:r>
               <a:rPr lang="en-US" dirty="0" smtClean="0"/>
@@ -9885,14 +11807,14 @@
       </p:sp>
       <p:sp>
         <p:nvSpPr>
-          <p:cNvPr id="6" name="Oval 5"/>
+          <p:cNvPr id="3" name="Oval 2"/>
           <p:cNvSpPr/>
           <p:nvPr/>
         </p:nvSpPr>
         <p:spPr>
           <a:xfrm>
-            <a:off x="540458" y="910969"/>
-            <a:ext cx="2534718" cy="468868"/>
+            <a:off x="436166" y="901200"/>
+            <a:ext cx="2898587" cy="468868"/>
           </a:xfrm>
           <a:prstGeom prst="ellipse">
             <a:avLst/>
@@ -9919,58 +11841,25 @@
             <a:pPr algn="ctr"/>
             <a:r>
               <a:rPr lang="en-US" sz="1400" dirty="0" err="1" smtClean="0"/>
-              <a:t>process_omni_CN.py</a:t>
-            </a:r>
-            <a:endParaRPr lang="en-US" sz="1400" dirty="0" smtClean="0"/>
-          </a:p>
-        </p:txBody>
-      </p:sp>
-      <p:cxnSp>
-        <p:nvCxnSpPr>
-          <p:cNvPr id="7" name="Elbow Connector 6"/>
-          <p:cNvCxnSpPr>
-            <a:stCxn id="4" idx="2"/>
-            <a:endCxn id="6" idx="0"/>
+              <a:t>create_joint_seg_file.py</a:t>
+            </a:r>
+            <a:endParaRPr lang="en-US" sz="1400" dirty="0"/>
+          </a:p>
+        </p:txBody>
+      </p:sp>
+      <p:cxnSp>
+        <p:nvCxnSpPr>
+          <p:cNvPr id="4" name="Elbow Connector 3"/>
+          <p:cNvCxnSpPr>
+            <a:stCxn id="2" idx="2"/>
+            <a:endCxn id="3" idx="0"/>
           </p:cNvCxnSpPr>
           <p:nvPr/>
         </p:nvCxnSpPr>
         <p:spPr>
           <a:xfrm rot="16200000" flipH="1">
-            <a:off x="1279561" y="382713"/>
-            <a:ext cx="376066" cy="680446"/>
-          </a:xfrm>
-          <a:prstGeom prst="bentConnector3">
-            <a:avLst/>
-          </a:prstGeom>
-        </p:spPr>
-        <p:style>
-          <a:lnRef idx="2">
-            <a:schemeClr val="accent1"/>
-          </a:lnRef>
-          <a:fillRef idx="0">
-            <a:schemeClr val="accent1"/>
-          </a:fillRef>
-          <a:effectRef idx="1">
-            <a:schemeClr val="accent1"/>
-          </a:effectRef>
-          <a:fontRef idx="minor">
-            <a:schemeClr val="tx1"/>
-          </a:fontRef>
-        </p:style>
-      </p:cxnSp>
-      <p:cxnSp>
-        <p:nvCxnSpPr>
-          <p:cNvPr id="8" name="Elbow Connector 7"/>
-          <p:cNvCxnSpPr>
-            <a:stCxn id="6" idx="4"/>
-            <a:endCxn id="9" idx="0"/>
-          </p:cNvCxnSpPr>
-          <p:nvPr/>
-        </p:nvCxnSpPr>
-        <p:spPr>
-          <a:xfrm rot="16200000" flipH="1">
-            <a:off x="1979179" y="1208474"/>
-            <a:ext cx="289697" cy="632421"/>
+            <a:off x="1606795" y="622535"/>
+            <a:ext cx="338444" cy="218885"/>
           </a:xfrm>
           <a:prstGeom prst="bentConnector3">
             <a:avLst>
@@ -9993,96 +11882,19 @@
           </a:fontRef>
         </p:style>
       </p:cxnSp>
-      <p:sp>
-        <p:nvSpPr>
-          <p:cNvPr id="9" name="TextBox 8"/>
-          <p:cNvSpPr txBox="1"/>
-          <p:nvPr/>
-        </p:nvSpPr>
-        <p:spPr>
-          <a:xfrm>
-            <a:off x="1030538" y="1669534"/>
-            <a:ext cx="2819400" cy="369332"/>
-          </a:xfrm>
-          <a:prstGeom prst="rect">
-            <a:avLst/>
-          </a:prstGeom>
-          <a:noFill/>
-        </p:spPr>
-        <p:txBody>
-          <a:bodyPr wrap="square" rtlCol="0">
-            <a:spAutoFit/>
-          </a:bodyPr>
-          <a:lstStyle/>
-          <a:p>
-            <a:pPr algn="ctr"/>
-            <a:r>
-              <a:rPr lang="en-US" dirty="0" err="1" smtClean="0"/>
-              <a:t>CN_filtered_data</a:t>
-            </a:r>
-            <a:r>
-              <a:rPr lang="en-US" dirty="0" smtClean="0"/>
-              <a:t>/</a:t>
-            </a:r>
-            <a:endParaRPr lang="en-US" dirty="0"/>
-          </a:p>
-        </p:txBody>
-      </p:sp>
-      <p:sp>
-        <p:nvSpPr>
-          <p:cNvPr id="22" name="Oval 21"/>
-          <p:cNvSpPr/>
-          <p:nvPr/>
-        </p:nvSpPr>
-        <p:spPr>
-          <a:xfrm>
-            <a:off x="2149478" y="2448318"/>
-            <a:ext cx="3555753" cy="468868"/>
-          </a:xfrm>
-          <a:prstGeom prst="ellipse">
-            <a:avLst/>
-          </a:prstGeom>
-        </p:spPr>
-        <p:style>
-          <a:lnRef idx="1">
-            <a:schemeClr val="accent1"/>
-          </a:lnRef>
-          <a:fillRef idx="3">
-            <a:schemeClr val="accent1"/>
-          </a:fillRef>
-          <a:effectRef idx="2">
-            <a:schemeClr val="accent1"/>
-          </a:effectRef>
-          <a:fontRef idx="minor">
-            <a:schemeClr val="lt1"/>
-          </a:fontRef>
-        </p:style>
-        <p:txBody>
-          <a:bodyPr rtlCol="0" anchor="ctr"/>
-          <a:lstStyle/>
-          <a:p>
-            <a:pPr algn="ctr"/>
-            <a:r>
-              <a:rPr lang="en-US" sz="1400" dirty="0" err="1" smtClean="0"/>
-              <a:t>process_filtered_omni_CN.py</a:t>
-            </a:r>
-            <a:endParaRPr lang="en-US" sz="1400" dirty="0" smtClean="0"/>
-          </a:p>
-        </p:txBody>
-      </p:sp>
-      <p:cxnSp>
-        <p:nvCxnSpPr>
-          <p:cNvPr id="25" name="Elbow Connector 24"/>
-          <p:cNvCxnSpPr>
-            <a:stCxn id="22" idx="0"/>
-            <a:endCxn id="9" idx="2"/>
-          </p:cNvCxnSpPr>
-          <p:nvPr/>
-        </p:nvCxnSpPr>
-        <p:spPr>
-          <a:xfrm rot="16200000" flipV="1">
-            <a:off x="2979071" y="1500033"/>
-            <a:ext cx="409452" cy="1487117"/>
+      <p:cxnSp>
+        <p:nvCxnSpPr>
+          <p:cNvPr id="10" name="Elbow Connector 9"/>
+          <p:cNvCxnSpPr>
+            <a:stCxn id="48" idx="0"/>
+            <a:endCxn id="60" idx="4"/>
+          </p:cNvCxnSpPr>
+          <p:nvPr/>
+        </p:nvCxnSpPr>
+        <p:spPr>
+          <a:xfrm rot="5400000" flipH="1" flipV="1">
+            <a:off x="4890817" y="2716970"/>
+            <a:ext cx="478006" cy="777533"/>
           </a:xfrm>
           <a:prstGeom prst="bentConnector3">
             <a:avLst>
@@ -10105,50 +11917,19 @@
           </a:fontRef>
         </p:style>
       </p:cxnSp>
-      <p:sp>
-        <p:nvSpPr>
-          <p:cNvPr id="30" name="TextBox 29"/>
-          <p:cNvSpPr txBox="1"/>
-          <p:nvPr/>
-        </p:nvSpPr>
-        <p:spPr>
-          <a:xfrm>
-            <a:off x="2517657" y="3531510"/>
-            <a:ext cx="2819400" cy="369332"/>
-          </a:xfrm>
-          <a:prstGeom prst="rect">
-            <a:avLst/>
-          </a:prstGeom>
-          <a:noFill/>
-        </p:spPr>
-        <p:txBody>
-          <a:bodyPr wrap="square" rtlCol="0">
-            <a:spAutoFit/>
-          </a:bodyPr>
-          <a:lstStyle/>
-          <a:p>
-            <a:pPr algn="ctr"/>
-            <a:r>
-              <a:rPr lang="en-US" dirty="0" smtClean="0"/>
-              <a:t>CN_calc_log2rs/</a:t>
-            </a:r>
-            <a:endParaRPr lang="en-US" dirty="0"/>
-          </a:p>
-        </p:txBody>
-      </p:sp>
-      <p:cxnSp>
-        <p:nvCxnSpPr>
-          <p:cNvPr id="31" name="Elbow Connector 30"/>
-          <p:cNvCxnSpPr>
-            <a:stCxn id="22" idx="4"/>
-            <a:endCxn id="30" idx="0"/>
+      <p:cxnSp>
+        <p:nvCxnSpPr>
+          <p:cNvPr id="12" name="Elbow Connector 11"/>
+          <p:cNvCxnSpPr>
+            <a:stCxn id="40" idx="2"/>
+            <a:endCxn id="60" idx="0"/>
           </p:cNvCxnSpPr>
           <p:nvPr/>
         </p:nvCxnSpPr>
         <p:spPr>
           <a:xfrm rot="16200000" flipH="1">
-            <a:off x="3620194" y="3224347"/>
-            <a:ext cx="614324" cy="2"/>
+            <a:off x="3881288" y="760566"/>
+            <a:ext cx="433772" cy="2840825"/>
           </a:xfrm>
           <a:prstGeom prst="bentConnector3">
             <a:avLst>
@@ -10171,16 +11952,164 @@
           </a:fontRef>
         </p:style>
       </p:cxnSp>
-      <p:sp>
-        <p:nvSpPr>
-          <p:cNvPr id="11" name="TextBox 10"/>
+      <p:cxnSp>
+        <p:nvCxnSpPr>
+          <p:cNvPr id="32" name="Elbow Connector 31"/>
+          <p:cNvCxnSpPr>
+            <a:stCxn id="3" idx="4"/>
+            <a:endCxn id="40" idx="0"/>
+          </p:cNvCxnSpPr>
+          <p:nvPr/>
+        </p:nvCxnSpPr>
+        <p:spPr>
+          <a:xfrm rot="16200000" flipH="1">
+            <a:off x="2169265" y="1086263"/>
+            <a:ext cx="224693" cy="792302"/>
+          </a:xfrm>
+          <a:prstGeom prst="bentConnector3">
+            <a:avLst>
+              <a:gd name="adj1" fmla="val 50000"/>
+            </a:avLst>
+          </a:prstGeom>
+        </p:spPr>
+        <p:style>
+          <a:lnRef idx="2">
+            <a:schemeClr val="accent1"/>
+          </a:lnRef>
+          <a:fillRef idx="0">
+            <a:schemeClr val="accent1"/>
+          </a:fillRef>
+          <a:effectRef idx="1">
+            <a:schemeClr val="accent1"/>
+          </a:effectRef>
+          <a:fontRef idx="minor">
+            <a:schemeClr val="tx1"/>
+          </a:fontRef>
+        </p:style>
+      </p:cxnSp>
+      <p:cxnSp>
+        <p:nvCxnSpPr>
+          <p:cNvPr id="33" name="Elbow Connector 32"/>
+          <p:cNvCxnSpPr>
+            <a:stCxn id="38" idx="2"/>
+            <a:endCxn id="97" idx="2"/>
+          </p:cNvCxnSpPr>
+          <p:nvPr/>
+        </p:nvCxnSpPr>
+        <p:spPr>
+          <a:xfrm rot="5400000" flipH="1" flipV="1">
+            <a:off x="4254573" y="915761"/>
+            <a:ext cx="429197" cy="5167424"/>
+          </a:xfrm>
+          <a:prstGeom prst="bentConnector4">
+            <a:avLst>
+              <a:gd name="adj1" fmla="val -53262"/>
+              <a:gd name="adj2" fmla="val 84996"/>
+            </a:avLst>
+          </a:prstGeom>
+        </p:spPr>
+        <p:style>
+          <a:lnRef idx="2">
+            <a:schemeClr val="accent1"/>
+          </a:lnRef>
+          <a:fillRef idx="0">
+            <a:schemeClr val="accent1"/>
+          </a:fillRef>
+          <a:effectRef idx="1">
+            <a:schemeClr val="accent1"/>
+          </a:effectRef>
+          <a:fontRef idx="minor">
+            <a:schemeClr val="tx1"/>
+          </a:fontRef>
+        </p:style>
+      </p:cxnSp>
+      <p:sp>
+        <p:nvSpPr>
+          <p:cNvPr id="36" name="Oval 35"/>
+          <p:cNvSpPr/>
+          <p:nvPr/>
+        </p:nvSpPr>
+        <p:spPr>
+          <a:xfrm>
+            <a:off x="325384" y="2397865"/>
+            <a:ext cx="3638740" cy="468868"/>
+          </a:xfrm>
+          <a:prstGeom prst="ellipse">
+            <a:avLst/>
+          </a:prstGeom>
+        </p:spPr>
+        <p:style>
+          <a:lnRef idx="1">
+            <a:schemeClr val="accent1"/>
+          </a:lnRef>
+          <a:fillRef idx="3">
+            <a:schemeClr val="accent1"/>
+          </a:fillRef>
+          <a:effectRef idx="2">
+            <a:schemeClr val="accent1"/>
+          </a:effectRef>
+          <a:fontRef idx="minor">
+            <a:schemeClr val="lt1"/>
+          </a:fontRef>
+        </p:style>
+        <p:txBody>
+          <a:bodyPr rtlCol="0" anchor="ctr"/>
+          <a:lstStyle/>
+          <a:p>
+            <a:pPr algn="ctr"/>
+            <a:r>
+              <a:rPr lang="en-US" sz="1400" dirty="0" err="1" smtClean="0"/>
+              <a:t>process_joint_segmentation.py</a:t>
+            </a:r>
+            <a:endParaRPr lang="en-US" sz="1400" dirty="0" smtClean="0"/>
+          </a:p>
+        </p:txBody>
+      </p:sp>
+      <p:cxnSp>
+        <p:nvCxnSpPr>
+          <p:cNvPr id="37" name="Elbow Connector 36"/>
+          <p:cNvCxnSpPr>
+            <a:stCxn id="36" idx="0"/>
+            <a:endCxn id="40" idx="2"/>
+          </p:cNvCxnSpPr>
+          <p:nvPr/>
+        </p:nvCxnSpPr>
+        <p:spPr>
+          <a:xfrm rot="5400000" flipH="1" flipV="1">
+            <a:off x="2194372" y="1914475"/>
+            <a:ext cx="433772" cy="533008"/>
+          </a:xfrm>
+          <a:prstGeom prst="bentConnector3">
+            <a:avLst>
+              <a:gd name="adj1" fmla="val 50000"/>
+            </a:avLst>
+          </a:prstGeom>
+        </p:spPr>
+        <p:style>
+          <a:lnRef idx="2">
+            <a:schemeClr val="accent1"/>
+          </a:lnRef>
+          <a:fillRef idx="0">
+            <a:schemeClr val="accent1"/>
+          </a:fillRef>
+          <a:effectRef idx="1">
+            <a:schemeClr val="accent1"/>
+          </a:effectRef>
+          <a:fontRef idx="minor">
+            <a:schemeClr val="tx1"/>
+          </a:fontRef>
+        </p:style>
+      </p:cxnSp>
+      <p:sp>
+        <p:nvSpPr>
+          <p:cNvPr id="38" name="TextBox 37"/>
           <p:cNvSpPr txBox="1"/>
           <p:nvPr/>
         </p:nvSpPr>
         <p:spPr>
           <a:xfrm>
-            <a:off x="4396154" y="1669534"/>
-            <a:ext cx="2156179" cy="369332"/>
+            <a:off x="668691" y="3344739"/>
+            <a:ext cx="2433537" cy="369332"/>
           </a:xfrm>
           <a:prstGeom prst="rect">
             <a:avLst/>
@@ -10195,8 +12124,12 @@
           <a:p>
             <a:pPr algn="ctr"/>
             <a:r>
-              <a:rPr lang="en-US" dirty="0" err="1" smtClean="0"/>
-              <a:t>CN_float_Xiaohong</a:t>
+              <a:rPr lang="en-US" dirty="0" smtClean="0"/>
+              <a:t>CN_joint_log2rs_</a:t>
+            </a:r>
+            <a:r>
+              <a:rPr lang="en-US" i="1" dirty="0" smtClean="0"/>
+              <a:t>tag</a:t>
             </a:r>
             <a:r>
               <a:rPr lang="en-US" dirty="0" smtClean="0"/>
@@ -10206,16 +12139,51 @@
           </a:p>
         </p:txBody>
       </p:sp>
-      <p:sp>
-        <p:nvSpPr>
-          <p:cNvPr id="12" name="TextBox 11"/>
+      <p:cxnSp>
+        <p:nvCxnSpPr>
+          <p:cNvPr id="39" name="Elbow Connector 38"/>
+          <p:cNvCxnSpPr>
+            <a:stCxn id="36" idx="4"/>
+            <a:endCxn id="38" idx="0"/>
+          </p:cNvCxnSpPr>
+          <p:nvPr/>
+        </p:nvCxnSpPr>
+        <p:spPr>
+          <a:xfrm rot="5400000">
+            <a:off x="1776104" y="2976089"/>
+            <a:ext cx="478006" cy="259294"/>
+          </a:xfrm>
+          <a:prstGeom prst="bentConnector3">
+            <a:avLst>
+              <a:gd name="adj1" fmla="val 50000"/>
+            </a:avLst>
+          </a:prstGeom>
+        </p:spPr>
+        <p:style>
+          <a:lnRef idx="2">
+            <a:schemeClr val="accent1"/>
+          </a:lnRef>
+          <a:fillRef idx="0">
+            <a:schemeClr val="accent1"/>
+          </a:fillRef>
+          <a:effectRef idx="1">
+            <a:schemeClr val="accent1"/>
+          </a:effectRef>
+          <a:fontRef idx="minor">
+            <a:schemeClr val="tx1"/>
+          </a:fontRef>
+        </p:style>
+      </p:cxnSp>
+      <p:sp>
+        <p:nvSpPr>
+          <p:cNvPr id="48" name="TextBox 47"/>
           <p:cNvSpPr txBox="1"/>
           <p:nvPr/>
         </p:nvSpPr>
         <p:spPr>
           <a:xfrm>
-            <a:off x="2489717" y="79458"/>
-            <a:ext cx="6703824" cy="646331"/>
+            <a:off x="3603566" y="3344739"/>
+            <a:ext cx="2274975" cy="369332"/>
           </a:xfrm>
           <a:prstGeom prst="rect">
             <a:avLst/>
@@ -10230,160 +12198,606 @@
           <a:p>
             <a:pPr algn="ctr"/>
             <a:r>
+              <a:rPr lang="en-US" dirty="0" err="1" smtClean="0"/>
+              <a:t>BAF_joint_vals</a:t>
+            </a:r>
+            <a:r>
+              <a:rPr lang="en-US" i="1" dirty="0" err="1" smtClean="0"/>
+              <a:t>_tag</a:t>
+            </a:r>
+            <a:r>
+              <a:rPr lang="en-US" dirty="0" smtClean="0"/>
+              <a:t>/</a:t>
+            </a:r>
+            <a:endParaRPr lang="en-US" dirty="0"/>
+          </a:p>
+        </p:txBody>
+      </p:sp>
+      <p:sp>
+        <p:nvSpPr>
+          <p:cNvPr id="49" name="Oval 48"/>
+          <p:cNvSpPr/>
+          <p:nvPr/>
+        </p:nvSpPr>
+        <p:spPr>
+          <a:xfrm>
+            <a:off x="4129308" y="562755"/>
+            <a:ext cx="4779877" cy="468868"/>
+          </a:xfrm>
+          <a:prstGeom prst="ellipse">
+            <a:avLst/>
+          </a:prstGeom>
+        </p:spPr>
+        <p:style>
+          <a:lnRef idx="1">
+            <a:schemeClr val="accent1"/>
+          </a:lnRef>
+          <a:fillRef idx="3">
+            <a:schemeClr val="accent1"/>
+          </a:fillRef>
+          <a:effectRef idx="2">
+            <a:schemeClr val="accent1"/>
+          </a:effectRef>
+          <a:fontRef idx="minor">
+            <a:schemeClr val="lt1"/>
+          </a:fontRef>
+        </p:style>
+        <p:txBody>
+          <a:bodyPr rtlCol="0" anchor="ctr"/>
+          <a:lstStyle/>
+          <a:p>
+            <a:pPr algn="ctr"/>
+            <a:r>
+              <a:rPr lang="en-US" sz="1400" dirty="0" err="1" smtClean="0"/>
+              <a:t>create_ploidy_estimates_from_pASCAT.py</a:t>
+            </a:r>
+            <a:endParaRPr lang="en-US" sz="1400" dirty="0" smtClean="0"/>
+          </a:p>
+        </p:txBody>
+      </p:sp>
+      <p:cxnSp>
+        <p:nvCxnSpPr>
+          <p:cNvPr id="50" name="Elbow Connector 49"/>
+          <p:cNvCxnSpPr>
+            <a:stCxn id="49" idx="0"/>
+            <a:endCxn id="2" idx="3"/>
+          </p:cNvCxnSpPr>
+          <p:nvPr/>
+        </p:nvCxnSpPr>
+        <p:spPr>
+          <a:xfrm rot="16200000" flipV="1">
+            <a:off x="4808982" y="-1147510"/>
+            <a:ext cx="184665" cy="3235866"/>
+          </a:xfrm>
+          <a:prstGeom prst="bentConnector2">
+            <a:avLst/>
+          </a:prstGeom>
+        </p:spPr>
+        <p:style>
+          <a:lnRef idx="2">
+            <a:schemeClr val="accent1"/>
+          </a:lnRef>
+          <a:fillRef idx="0">
+            <a:schemeClr val="accent1"/>
+          </a:fillRef>
+          <a:effectRef idx="1">
+            <a:schemeClr val="accent1"/>
+          </a:effectRef>
+          <a:fontRef idx="minor">
+            <a:schemeClr val="tx1"/>
+          </a:fontRef>
+        </p:style>
+      </p:cxnSp>
+      <p:sp>
+        <p:nvSpPr>
+          <p:cNvPr id="60" name="Oval 59"/>
+          <p:cNvSpPr/>
+          <p:nvPr/>
+        </p:nvSpPr>
+        <p:spPr>
+          <a:xfrm>
+            <a:off x="4209510" y="2397865"/>
+            <a:ext cx="2618154" cy="468868"/>
+          </a:xfrm>
+          <a:prstGeom prst="ellipse">
+            <a:avLst/>
+          </a:prstGeom>
+        </p:spPr>
+        <p:style>
+          <a:lnRef idx="1">
+            <a:schemeClr val="accent1"/>
+          </a:lnRef>
+          <a:fillRef idx="3">
+            <a:schemeClr val="accent1"/>
+          </a:fillRef>
+          <a:effectRef idx="2">
+            <a:schemeClr val="accent1"/>
+          </a:effectRef>
+          <a:fontRef idx="minor">
+            <a:schemeClr val="lt1"/>
+          </a:fontRef>
+        </p:style>
+        <p:txBody>
+          <a:bodyPr rtlCol="0" anchor="ctr"/>
+          <a:lstStyle/>
+          <a:p>
+            <a:pPr algn="ctr"/>
+            <a:r>
+              <a:rPr lang="en-US" sz="1400" dirty="0" err="1" smtClean="0"/>
+              <a:t>process_joint_BAFs.py</a:t>
+            </a:r>
+            <a:endParaRPr lang="en-US" sz="1400" dirty="0"/>
+          </a:p>
+        </p:txBody>
+      </p:sp>
+      <p:cxnSp>
+        <p:nvCxnSpPr>
+          <p:cNvPr id="93" name="Elbow Connector 92"/>
+          <p:cNvCxnSpPr>
+            <a:stCxn id="89" idx="0"/>
+            <a:endCxn id="49" idx="4"/>
+          </p:cNvCxnSpPr>
+          <p:nvPr/>
+        </p:nvCxnSpPr>
+        <p:spPr>
+          <a:xfrm rot="16200000" flipV="1">
+            <a:off x="6737998" y="812873"/>
+            <a:ext cx="384811" cy="822312"/>
+          </a:xfrm>
+          <a:prstGeom prst="bentConnector3">
+            <a:avLst>
+              <a:gd name="adj1" fmla="val 50000"/>
+            </a:avLst>
+          </a:prstGeom>
+        </p:spPr>
+        <p:style>
+          <a:lnRef idx="2">
+            <a:schemeClr val="accent1"/>
+          </a:lnRef>
+          <a:fillRef idx="0">
+            <a:schemeClr val="accent1"/>
+          </a:fillRef>
+          <a:effectRef idx="1">
+            <a:schemeClr val="accent1"/>
+          </a:effectRef>
+          <a:fontRef idx="minor">
+            <a:schemeClr val="tx1"/>
+          </a:fontRef>
+        </p:style>
+      </p:cxnSp>
+      <p:sp>
+        <p:nvSpPr>
+          <p:cNvPr id="97" name="Oval 96"/>
+          <p:cNvSpPr/>
+          <p:nvPr/>
+        </p:nvSpPr>
+        <p:spPr>
+          <a:xfrm>
+            <a:off x="7052884" y="3050440"/>
+            <a:ext cx="2120058" cy="468868"/>
+          </a:xfrm>
+          <a:prstGeom prst="ellipse">
+            <a:avLst/>
+          </a:prstGeom>
+        </p:spPr>
+        <p:style>
+          <a:lnRef idx="1">
+            <a:schemeClr val="accent1"/>
+          </a:lnRef>
+          <a:fillRef idx="3">
+            <a:schemeClr val="accent1"/>
+          </a:fillRef>
+          <a:effectRef idx="2">
+            <a:schemeClr val="accent1"/>
+          </a:effectRef>
+          <a:fontRef idx="minor">
+            <a:schemeClr val="lt1"/>
+          </a:fontRef>
+        </p:style>
+        <p:txBody>
+          <a:bodyPr rtlCol="0" anchor="ctr"/>
+          <a:lstStyle/>
+          <a:p>
+            <a:pPr algn="ctr"/>
+            <a:r>
+              <a:rPr lang="en-US" sz="1400" dirty="0" err="1" smtClean="0"/>
+              <a:t>calculate_odds.py</a:t>
+            </a:r>
+            <a:endParaRPr lang="en-US" sz="1400" dirty="0" smtClean="0"/>
+          </a:p>
+        </p:txBody>
+      </p:sp>
+      <p:cxnSp>
+        <p:nvCxnSpPr>
+          <p:cNvPr id="98" name="Elbow Connector 97"/>
+          <p:cNvCxnSpPr>
+            <a:stCxn id="97" idx="0"/>
+            <a:endCxn id="89" idx="2"/>
+          </p:cNvCxnSpPr>
+          <p:nvPr/>
+        </p:nvCxnSpPr>
+        <p:spPr>
+          <a:xfrm rot="16200000" flipV="1">
+            <a:off x="7094899" y="2032426"/>
+            <a:ext cx="1264674" cy="771354"/>
+          </a:xfrm>
+          <a:prstGeom prst="bentConnector3">
+            <a:avLst>
+              <a:gd name="adj1" fmla="val 50000"/>
+            </a:avLst>
+          </a:prstGeom>
+        </p:spPr>
+        <p:style>
+          <a:lnRef idx="2">
+            <a:schemeClr val="accent1"/>
+          </a:lnRef>
+          <a:fillRef idx="0">
+            <a:schemeClr val="accent1"/>
+          </a:fillRef>
+          <a:effectRef idx="1">
+            <a:schemeClr val="accent1"/>
+          </a:effectRef>
+          <a:fontRef idx="minor">
+            <a:schemeClr val="tx1"/>
+          </a:fontRef>
+        </p:style>
+      </p:cxnSp>
+      <p:cxnSp>
+        <p:nvCxnSpPr>
+          <p:cNvPr id="102" name="Elbow Connector 101"/>
+          <p:cNvCxnSpPr>
+            <a:stCxn id="109" idx="3"/>
+            <a:endCxn id="97" idx="4"/>
+          </p:cNvCxnSpPr>
+          <p:nvPr/>
+        </p:nvCxnSpPr>
+        <p:spPr>
+          <a:xfrm flipV="1">
+            <a:off x="6827664" y="3519308"/>
+            <a:ext cx="1285249" cy="1225124"/>
+          </a:xfrm>
+          <a:prstGeom prst="bentConnector2">
+            <a:avLst/>
+          </a:prstGeom>
+        </p:spPr>
+        <p:style>
+          <a:lnRef idx="2">
+            <a:schemeClr val="accent1"/>
+          </a:lnRef>
+          <a:fillRef idx="0">
+            <a:schemeClr val="accent1"/>
+          </a:fillRef>
+          <a:effectRef idx="1">
+            <a:schemeClr val="accent1"/>
+          </a:effectRef>
+          <a:fontRef idx="minor">
+            <a:schemeClr val="tx1"/>
+          </a:fontRef>
+        </p:style>
+      </p:cxnSp>
+      <p:sp>
+        <p:nvSpPr>
+          <p:cNvPr id="40" name="TextBox 39"/>
+          <p:cNvSpPr txBox="1"/>
+          <p:nvPr/>
+        </p:nvSpPr>
+        <p:spPr>
+          <a:xfrm>
+            <a:off x="325385" y="1594761"/>
+            <a:ext cx="4704753" cy="369332"/>
+          </a:xfrm>
+          <a:prstGeom prst="rect">
+            <a:avLst/>
+          </a:prstGeom>
+          <a:noFill/>
+        </p:spPr>
+        <p:txBody>
+          <a:bodyPr wrap="square" rtlCol="0">
+            <a:spAutoFit/>
+          </a:bodyPr>
+          <a:lstStyle/>
+          <a:p>
+            <a:pPr algn="ctr"/>
+            <a:r>
               <a:rPr lang="en-US" dirty="0" err="1" smtClean="0">
+                <a:latin typeface="Courier New"/>
                 <a:cs typeface="Courier New"/>
               </a:rPr>
-              <a:t>CN_Xiaohong_segmentation</a:t>
-            </a:r>
-            <a:r>
-              <a:rPr lang="en-US" dirty="0" smtClean="0">
+              <a:t>joint_seg_</a:t>
+            </a:r>
+            <a:r>
+              <a:rPr lang="en-US" i="1" dirty="0" err="1" smtClean="0">
+                <a:latin typeface="Courier New"/>
                 <a:cs typeface="Courier New"/>
               </a:rPr>
-              <a:t>/</a:t>
-            </a:r>
-          </a:p>
-          <a:p>
-            <a:pPr algn="ctr"/>
+              <a:t>tag</a:t>
+            </a:r>
+            <a:r>
+              <a:rPr lang="en-US" i="1" dirty="0" smtClean="0">
+                <a:latin typeface="Courier New"/>
+                <a:cs typeface="Courier New"/>
+              </a:rPr>
+              <a:t>_</a:t>
+            </a:r>
             <a:r>
               <a:rPr lang="en-US" dirty="0" smtClean="0">
                 <a:latin typeface="Courier New"/>
                 <a:cs typeface="Courier New"/>
               </a:rPr>
-              <a:t>copy_number-log2_Lucian.txt,LOH_for_Lucian.txt </a:t>
-            </a:r>
-          </a:p>
-        </p:txBody>
-      </p:sp>
-      <p:sp>
-        <p:nvSpPr>
-          <p:cNvPr id="13" name="Oval 12"/>
-          <p:cNvSpPr/>
-          <p:nvPr/>
-        </p:nvSpPr>
-        <p:spPr>
-          <a:xfrm>
-            <a:off x="4396154" y="1054057"/>
-            <a:ext cx="3663461" cy="468868"/>
-          </a:xfrm>
-          <a:prstGeom prst="ellipse">
-            <a:avLst/>
-          </a:prstGeom>
-        </p:spPr>
-        <p:style>
-          <a:lnRef idx="1">
-            <a:schemeClr val="accent1"/>
-          </a:lnRef>
-          <a:fillRef idx="3">
-            <a:schemeClr val="accent1"/>
-          </a:fillRef>
-          <a:effectRef idx="2">
-            <a:schemeClr val="accent1"/>
-          </a:effectRef>
-          <a:fontRef idx="minor">
-            <a:schemeClr val="lt1"/>
-          </a:fontRef>
-        </p:style>
-        <p:txBody>
-          <a:bodyPr rtlCol="0" anchor="ctr"/>
-          <a:lstStyle/>
-          <a:p>
-            <a:pPr algn="ctr"/>
-            <a:r>
-              <a:rPr lang="en-US" sz="1400" dirty="0" err="1" smtClean="0"/>
-              <a:t>separate_full_segmentation.py</a:t>
-            </a:r>
-            <a:endParaRPr lang="en-US" sz="1400" dirty="0"/>
-          </a:p>
-        </p:txBody>
-      </p:sp>
-      <p:cxnSp>
-        <p:nvCxnSpPr>
-          <p:cNvPr id="14" name="Elbow Connector 13"/>
-          <p:cNvCxnSpPr>
-            <a:stCxn id="13" idx="0"/>
-            <a:endCxn id="12" idx="2"/>
-          </p:cNvCxnSpPr>
-          <p:nvPr/>
-        </p:nvCxnSpPr>
-        <p:spPr>
-          <a:xfrm rot="16200000" flipV="1">
-            <a:off x="5870623" y="696795"/>
-            <a:ext cx="328268" cy="386256"/>
-          </a:xfrm>
-          <a:prstGeom prst="bentConnector3">
-            <a:avLst>
-              <a:gd name="adj1" fmla="val 50000"/>
-            </a:avLst>
-          </a:prstGeom>
-        </p:spPr>
-        <p:style>
-          <a:lnRef idx="2">
-            <a:schemeClr val="accent1"/>
-          </a:lnRef>
-          <a:fillRef idx="0">
-            <a:schemeClr val="accent1"/>
-          </a:fillRef>
-          <a:effectRef idx="1">
-            <a:schemeClr val="accent1"/>
-          </a:effectRef>
-          <a:fontRef idx="minor">
-            <a:schemeClr val="tx1"/>
-          </a:fontRef>
-        </p:style>
-      </p:cxnSp>
-      <p:cxnSp>
-        <p:nvCxnSpPr>
-          <p:cNvPr id="20" name="Elbow Connector 19"/>
-          <p:cNvCxnSpPr>
-            <a:stCxn id="11" idx="0"/>
-            <a:endCxn id="13" idx="4"/>
-          </p:cNvCxnSpPr>
-          <p:nvPr/>
-        </p:nvCxnSpPr>
-        <p:spPr>
-          <a:xfrm rot="5400000" flipH="1" flipV="1">
-            <a:off x="5777760" y="1219410"/>
-            <a:ext cx="146609" cy="753641"/>
-          </a:xfrm>
-          <a:prstGeom prst="bentConnector3">
-            <a:avLst>
-              <a:gd name="adj1" fmla="val 50000"/>
-            </a:avLst>
-          </a:prstGeom>
-        </p:spPr>
-        <p:style>
-          <a:lnRef idx="2">
-            <a:schemeClr val="accent1"/>
-          </a:lnRef>
-          <a:fillRef idx="0">
-            <a:schemeClr val="accent1"/>
-          </a:fillRef>
-          <a:effectRef idx="1">
-            <a:schemeClr val="accent1"/>
-          </a:effectRef>
-          <a:fontRef idx="minor">
-            <a:schemeClr val="tx1"/>
-          </a:fontRef>
-        </p:style>
-      </p:cxnSp>
-      <p:cxnSp>
-        <p:nvCxnSpPr>
-          <p:cNvPr id="34" name="Elbow Connector 33"/>
-          <p:cNvCxnSpPr>
-            <a:stCxn id="22" idx="0"/>
-            <a:endCxn id="11" idx="2"/>
-          </p:cNvCxnSpPr>
-          <p:nvPr/>
-        </p:nvCxnSpPr>
-        <p:spPr>
-          <a:xfrm rot="5400000" flipH="1" flipV="1">
-            <a:off x="4496073" y="1470148"/>
-            <a:ext cx="409452" cy="1546889"/>
-          </a:xfrm>
-          <a:prstGeom prst="bentConnector3">
-            <a:avLst>
-              <a:gd name="adj1" fmla="val 50000"/>
-            </a:avLst>
+              <a:t>[</a:t>
+            </a:r>
+            <a:r>
+              <a:rPr lang="en-US" dirty="0" err="1" smtClean="0">
+                <a:latin typeface="Courier New"/>
+                <a:cs typeface="Courier New"/>
+              </a:rPr>
+              <a:t>uncon</a:t>
+            </a:r>
+            <a:r>
+              <a:rPr lang="en-US" dirty="0" smtClean="0">
+                <a:latin typeface="Courier New"/>
+                <a:cs typeface="Courier New"/>
+              </a:rPr>
+              <a:t>/dip/</a:t>
+            </a:r>
+            <a:r>
+              <a:rPr lang="en-US" dirty="0" err="1" smtClean="0">
+                <a:latin typeface="Courier New"/>
+                <a:cs typeface="Courier New"/>
+              </a:rPr>
+              <a:t>tet</a:t>
+            </a:r>
+            <a:r>
+              <a:rPr lang="en-US" dirty="0" smtClean="0">
+                <a:latin typeface="Courier New"/>
+                <a:cs typeface="Courier New"/>
+              </a:rPr>
+              <a:t>].txt</a:t>
+            </a:r>
+            <a:endParaRPr lang="en-US" dirty="0">
+              <a:latin typeface="Courier New"/>
+              <a:cs typeface="Courier New"/>
+            </a:endParaRPr>
+          </a:p>
+        </p:txBody>
+      </p:sp>
+      <p:sp>
+        <p:nvSpPr>
+          <p:cNvPr id="89" name="TextBox 88"/>
+          <p:cNvSpPr txBox="1"/>
+          <p:nvPr/>
+        </p:nvSpPr>
+        <p:spPr>
+          <a:xfrm>
+            <a:off x="5773932" y="1416434"/>
+            <a:ext cx="3135253" cy="369332"/>
+          </a:xfrm>
+          <a:prstGeom prst="rect">
+            <a:avLst/>
+          </a:prstGeom>
+          <a:noFill/>
+        </p:spPr>
+        <p:txBody>
+          <a:bodyPr wrap="square" rtlCol="0">
+            <a:spAutoFit/>
+          </a:bodyPr>
+          <a:lstStyle/>
+          <a:p>
+            <a:pPr algn="ctr"/>
+            <a:r>
+              <a:rPr lang="en-US" dirty="0" err="1" smtClean="0">
+                <a:latin typeface="Courier New"/>
+                <a:cs typeface="Courier New"/>
+              </a:rPr>
+              <a:t>joint_summary_</a:t>
+            </a:r>
+            <a:r>
+              <a:rPr lang="en-US" i="1" dirty="0" err="1" smtClean="0">
+                <a:latin typeface="Courier New"/>
+                <a:cs typeface="Courier New"/>
+              </a:rPr>
+              <a:t>tag</a:t>
+            </a:r>
+            <a:r>
+              <a:rPr lang="en-US" dirty="0" err="1" smtClean="0">
+                <a:latin typeface="Courier New"/>
+                <a:cs typeface="Courier New"/>
+              </a:rPr>
+              <a:t>.txt</a:t>
+            </a:r>
+            <a:endParaRPr lang="en-US" dirty="0">
+              <a:latin typeface="Courier New"/>
+              <a:cs typeface="Courier New"/>
+            </a:endParaRPr>
+          </a:p>
+        </p:txBody>
+      </p:sp>
+      <p:sp>
+        <p:nvSpPr>
+          <p:cNvPr id="109" name="TextBox 108"/>
+          <p:cNvSpPr txBox="1"/>
+          <p:nvPr/>
+        </p:nvSpPr>
+        <p:spPr>
+          <a:xfrm>
+            <a:off x="2954656" y="4559766"/>
+            <a:ext cx="3873008" cy="369332"/>
+          </a:xfrm>
+          <a:prstGeom prst="rect">
+            <a:avLst/>
+          </a:prstGeom>
+          <a:noFill/>
+        </p:spPr>
+        <p:txBody>
+          <a:bodyPr wrap="square" rtlCol="0">
+            <a:spAutoFit/>
+          </a:bodyPr>
+          <a:lstStyle/>
+          <a:p>
+            <a:pPr algn="ctr"/>
+            <a:r>
+              <a:rPr lang="en-US" dirty="0" err="1" smtClean="0">
+                <a:latin typeface="Courier New"/>
+                <a:cs typeface="Courier New"/>
+              </a:rPr>
+              <a:t>joint_summary_</a:t>
+            </a:r>
+            <a:r>
+              <a:rPr lang="en-US" i="1" dirty="0" err="1" smtClean="0">
+                <a:latin typeface="Courier New"/>
+                <a:cs typeface="Courier New"/>
+              </a:rPr>
+              <a:t>tag_</a:t>
+            </a:r>
+            <a:r>
+              <a:rPr lang="en-US" dirty="0" err="1" smtClean="0">
+                <a:latin typeface="Courier New"/>
+                <a:cs typeface="Courier New"/>
+              </a:rPr>
+              <a:t>odds.txt</a:t>
+            </a:r>
+            <a:endParaRPr lang="en-US" dirty="0">
+              <a:latin typeface="Courier New"/>
+              <a:cs typeface="Courier New"/>
+            </a:endParaRPr>
+          </a:p>
+        </p:txBody>
+      </p:sp>
+      <p:cxnSp>
+        <p:nvCxnSpPr>
+          <p:cNvPr id="29" name="Elbow Connector 28"/>
+          <p:cNvCxnSpPr>
+            <a:stCxn id="30" idx="3"/>
+            <a:endCxn id="97" idx="4"/>
+          </p:cNvCxnSpPr>
+          <p:nvPr/>
+        </p:nvCxnSpPr>
+        <p:spPr>
+          <a:xfrm flipV="1">
+            <a:off x="6449362" y="3519308"/>
+            <a:ext cx="1663551" cy="2122381"/>
+          </a:xfrm>
+          <a:prstGeom prst="bentConnector2">
+            <a:avLst/>
+          </a:prstGeom>
+        </p:spPr>
+        <p:style>
+          <a:lnRef idx="2">
+            <a:schemeClr val="accent1"/>
+          </a:lnRef>
+          <a:fillRef idx="0">
+            <a:schemeClr val="accent1"/>
+          </a:fillRef>
+          <a:effectRef idx="1">
+            <a:schemeClr val="accent1"/>
+          </a:effectRef>
+          <a:fontRef idx="minor">
+            <a:schemeClr val="tx1"/>
+          </a:fontRef>
+        </p:style>
+      </p:cxnSp>
+      <p:sp>
+        <p:nvSpPr>
+          <p:cNvPr id="30" name="TextBox 29"/>
+          <p:cNvSpPr txBox="1"/>
+          <p:nvPr/>
+        </p:nvSpPr>
+        <p:spPr>
+          <a:xfrm>
+            <a:off x="3100948" y="5457023"/>
+            <a:ext cx="3348414" cy="369332"/>
+          </a:xfrm>
+          <a:prstGeom prst="rect">
+            <a:avLst/>
+          </a:prstGeom>
+          <a:noFill/>
+        </p:spPr>
+        <p:txBody>
+          <a:bodyPr wrap="square" rtlCol="0">
+            <a:spAutoFit/>
+          </a:bodyPr>
+          <a:lstStyle/>
+          <a:p>
+            <a:pPr algn="ctr"/>
+            <a:r>
+              <a:rPr lang="en-US" dirty="0" err="1" smtClean="0"/>
+              <a:t>BAF_joint_vals</a:t>
+            </a:r>
+            <a:r>
+              <a:rPr lang="en-US" i="1" dirty="0" err="1" smtClean="0"/>
+              <a:t>_tag_</a:t>
+            </a:r>
+            <a:r>
+              <a:rPr lang="en-US" dirty="0" err="1" smtClean="0"/>
+              <a:t>joined_best</a:t>
+            </a:r>
+            <a:r>
+              <a:rPr lang="en-US" dirty="0" smtClean="0"/>
+              <a:t>/</a:t>
+            </a:r>
+            <a:endParaRPr lang="en-US" dirty="0"/>
+          </a:p>
+        </p:txBody>
+      </p:sp>
+      <p:sp>
+        <p:nvSpPr>
+          <p:cNvPr id="41" name="TextBox 40"/>
+          <p:cNvSpPr txBox="1"/>
+          <p:nvPr/>
+        </p:nvSpPr>
+        <p:spPr>
+          <a:xfrm>
+            <a:off x="3141306" y="5119410"/>
+            <a:ext cx="3308056" cy="369332"/>
+          </a:xfrm>
+          <a:prstGeom prst="rect">
+            <a:avLst/>
+          </a:prstGeom>
+          <a:noFill/>
+        </p:spPr>
+        <p:txBody>
+          <a:bodyPr wrap="square" rtlCol="0">
+            <a:spAutoFit/>
+          </a:bodyPr>
+          <a:lstStyle/>
+          <a:p>
+            <a:pPr algn="ctr"/>
+            <a:r>
+              <a:rPr lang="en-US" dirty="0" err="1" smtClean="0"/>
+              <a:t>CN_joint_vals</a:t>
+            </a:r>
+            <a:r>
+              <a:rPr lang="en-US" i="1" dirty="0" err="1" smtClean="0"/>
+              <a:t>_tag_</a:t>
+            </a:r>
+            <a:r>
+              <a:rPr lang="en-US" dirty="0" err="1" smtClean="0"/>
+              <a:t>joined_best</a:t>
+            </a:r>
+            <a:r>
+              <a:rPr lang="en-US" dirty="0" smtClean="0"/>
+              <a:t>/</a:t>
+            </a:r>
+            <a:endParaRPr lang="en-US" dirty="0"/>
+          </a:p>
+        </p:txBody>
+      </p:sp>
+      <p:cxnSp>
+        <p:nvCxnSpPr>
+          <p:cNvPr id="42" name="Elbow Connector 41"/>
+          <p:cNvCxnSpPr>
+            <a:stCxn id="41" idx="3"/>
+            <a:endCxn id="97" idx="4"/>
+          </p:cNvCxnSpPr>
+          <p:nvPr/>
+        </p:nvCxnSpPr>
+        <p:spPr>
+          <a:xfrm flipV="1">
+            <a:off x="6449362" y="3519308"/>
+            <a:ext cx="1663551" cy="1784768"/>
+          </a:xfrm>
+          <a:prstGeom prst="bentConnector2">
+            <a:avLst/>
           </a:prstGeom>
         </p:spPr>
         <p:style>
@@ -10404,7 +12818,7 @@
     </p:spTree>
     <p:extLst>
       <p:ext uri="{BB962C8B-B14F-4D97-AF65-F5344CB8AC3E}">
-        <p14:creationId xmlns:p14="http://schemas.microsoft.com/office/powerpoint/2010/main" val="2352730975"/>
+        <p14:creationId xmlns:p14="http://schemas.microsoft.com/office/powerpoint/2010/main" val="2054950170"/>
       </p:ext>
     </p:extLst>
   </p:cSld>
@@ -10439,8 +12853,8 @@
         </p:nvSpPr>
         <p:spPr>
           <a:xfrm>
-            <a:off x="272238" y="165571"/>
-            <a:ext cx="1710266" cy="369332"/>
+            <a:off x="3921589" y="53823"/>
+            <a:ext cx="3348414" cy="369332"/>
           </a:xfrm>
           <a:prstGeom prst="rect">
             <a:avLst/>
@@ -10455,8 +12869,20 @@
           <a:p>
             <a:pPr algn="ctr"/>
             <a:r>
+              <a:rPr lang="en-US" dirty="0" err="1" smtClean="0"/>
+              <a:t>BAF_joint_vals</a:t>
+            </a:r>
+            <a:r>
+              <a:rPr lang="en-US" i="1" dirty="0" err="1" smtClean="0"/>
+              <a:t>_tag_</a:t>
+            </a:r>
+            <a:r>
+              <a:rPr lang="en-US" dirty="0" err="1" smtClean="0"/>
+              <a:t>joined_best</a:t>
+            </a:r>
+            <a:r>
               <a:rPr lang="en-US" dirty="0" smtClean="0"/>
-              <a:t>CN_calc_log2rs/</a:t>
+              <a:t>/</a:t>
             </a:r>
             <a:endParaRPr lang="en-US" dirty="0"/>
           </a:p>
@@ -10464,14 +12890,57 @@
       </p:sp>
       <p:sp>
         <p:nvSpPr>
-          <p:cNvPr id="3" name="Oval 2"/>
+          <p:cNvPr id="3" name="TextBox 2"/>
+          <p:cNvSpPr txBox="1"/>
+          <p:nvPr/>
+        </p:nvSpPr>
+        <p:spPr>
+          <a:xfrm>
+            <a:off x="445024" y="53823"/>
+            <a:ext cx="3308056" cy="369332"/>
+          </a:xfrm>
+          <a:prstGeom prst="rect">
+            <a:avLst/>
+          </a:prstGeom>
+          <a:noFill/>
+        </p:spPr>
+        <p:txBody>
+          <a:bodyPr wrap="square" rtlCol="0">
+            <a:spAutoFit/>
+          </a:bodyPr>
+          <a:lstStyle/>
+          <a:p>
+            <a:pPr algn="ctr"/>
+            <a:r>
+              <a:rPr lang="en-US" dirty="0" err="1" smtClean="0"/>
+              <a:t>CN_joint_vals</a:t>
+            </a:r>
+            <a:r>
+              <a:rPr lang="en-US" i="1" dirty="0" err="1" smtClean="0"/>
+              <a:t>_tag_</a:t>
+            </a:r>
+            <a:r>
+              <a:rPr lang="en-US" dirty="0" err="1" smtClean="0"/>
+              <a:t>joined_best</a:t>
+            </a:r>
+            <a:r>
+              <a:rPr lang="en-US" dirty="0" smtClean="0"/>
+              <a:t>/</a:t>
+            </a:r>
+            <a:endParaRPr lang="en-US" dirty="0"/>
+          </a:p>
+        </p:txBody>
+      </p:sp>
+      <p:sp>
+        <p:nvSpPr>
+          <p:cNvPr id="4" name="Oval 3"/>
           <p:cNvSpPr/>
           <p:nvPr/>
         </p:nvSpPr>
         <p:spPr>
           <a:xfrm>
-            <a:off x="540457" y="910969"/>
-            <a:ext cx="3591927" cy="468868"/>
+            <a:off x="95219" y="1507202"/>
+            <a:ext cx="3657142" cy="468868"/>
           </a:xfrm>
           <a:prstGeom prst="ellipse">
             <a:avLst/>
@@ -10498,58 +12967,25 @@
             <a:pPr algn="ctr"/>
             <a:r>
               <a:rPr lang="en-US" sz="1400" dirty="0" err="1" smtClean="0"/>
-              <a:t>create_full_expands_input.py</a:t>
-            </a:r>
-            <a:endParaRPr lang="en-US" sz="1400" dirty="0" smtClean="0"/>
-          </a:p>
-        </p:txBody>
-      </p:sp>
-      <p:cxnSp>
-        <p:nvCxnSpPr>
-          <p:cNvPr id="4" name="Elbow Connector 3"/>
-          <p:cNvCxnSpPr>
-            <a:stCxn id="2" idx="2"/>
-            <a:endCxn id="3" idx="0"/>
-          </p:cNvCxnSpPr>
-          <p:nvPr/>
-        </p:nvCxnSpPr>
-        <p:spPr>
-          <a:xfrm rot="16200000" flipH="1">
-            <a:off x="1543863" y="118411"/>
-            <a:ext cx="376066" cy="1209050"/>
-          </a:xfrm>
-          <a:prstGeom prst="bentConnector3">
-            <a:avLst/>
-          </a:prstGeom>
-        </p:spPr>
-        <p:style>
-          <a:lnRef idx="2">
-            <a:schemeClr val="accent1"/>
-          </a:lnRef>
-          <a:fillRef idx="0">
-            <a:schemeClr val="accent1"/>
-          </a:fillRef>
-          <a:effectRef idx="1">
-            <a:schemeClr val="accent1"/>
-          </a:effectRef>
-          <a:fontRef idx="minor">
-            <a:schemeClr val="tx1"/>
-          </a:fontRef>
-        </p:style>
-      </p:cxnSp>
+              <a:t>synthesize_joint_segments.py</a:t>
+            </a:r>
+            <a:endParaRPr lang="en-US" sz="1400" dirty="0"/>
+          </a:p>
+        </p:txBody>
+      </p:sp>
       <p:cxnSp>
         <p:nvCxnSpPr>
           <p:cNvPr id="5" name="Elbow Connector 4"/>
           <p:cNvCxnSpPr>
-            <a:stCxn id="3" idx="4"/>
-            <a:endCxn id="6" idx="0"/>
-          </p:cNvCxnSpPr>
-          <p:nvPr/>
-        </p:nvCxnSpPr>
-        <p:spPr>
-          <a:xfrm rot="16200000" flipH="1">
-            <a:off x="2243481" y="1472776"/>
-            <a:ext cx="289697" cy="103817"/>
+            <a:stCxn id="3" idx="2"/>
+            <a:endCxn id="4" idx="0"/>
+          </p:cNvCxnSpPr>
+          <p:nvPr/>
+        </p:nvCxnSpPr>
+        <p:spPr>
+          <a:xfrm rot="5400000">
+            <a:off x="1469398" y="877547"/>
+            <a:ext cx="1084047" cy="175262"/>
           </a:xfrm>
           <a:prstGeom prst="bentConnector3">
             <a:avLst>
@@ -10572,96 +13008,19 @@
           </a:fontRef>
         </p:style>
       </p:cxnSp>
-      <p:sp>
-        <p:nvSpPr>
-          <p:cNvPr id="6" name="TextBox 5"/>
-          <p:cNvSpPr txBox="1"/>
-          <p:nvPr/>
-        </p:nvSpPr>
-        <p:spPr>
-          <a:xfrm>
-            <a:off x="1030538" y="1669534"/>
-            <a:ext cx="2819400" cy="369332"/>
-          </a:xfrm>
-          <a:prstGeom prst="rect">
-            <a:avLst/>
-          </a:prstGeom>
-          <a:noFill/>
-        </p:spPr>
-        <p:txBody>
-          <a:bodyPr wrap="square" rtlCol="0">
-            <a:spAutoFit/>
-          </a:bodyPr>
-          <a:lstStyle/>
-          <a:p>
-            <a:pPr algn="ctr"/>
-            <a:r>
-              <a:rPr lang="en-US" dirty="0" err="1" smtClean="0"/>
-              <a:t>expands_full_input</a:t>
-            </a:r>
-            <a:r>
-              <a:rPr lang="en-US" dirty="0" smtClean="0"/>
-              <a:t>/</a:t>
-            </a:r>
-            <a:endParaRPr lang="en-US" dirty="0"/>
-          </a:p>
-        </p:txBody>
-      </p:sp>
-      <p:sp>
-        <p:nvSpPr>
-          <p:cNvPr id="7" name="Oval 6"/>
-          <p:cNvSpPr/>
-          <p:nvPr/>
-        </p:nvSpPr>
-        <p:spPr>
-          <a:xfrm>
-            <a:off x="1139778" y="2311549"/>
-            <a:ext cx="3541907" cy="468868"/>
-          </a:xfrm>
-          <a:prstGeom prst="ellipse">
-            <a:avLst/>
-          </a:prstGeom>
-        </p:spPr>
-        <p:style>
-          <a:lnRef idx="1">
-            <a:schemeClr val="accent1"/>
-          </a:lnRef>
-          <a:fillRef idx="3">
-            <a:schemeClr val="accent1"/>
-          </a:fillRef>
-          <a:effectRef idx="2">
-            <a:schemeClr val="accent1"/>
-          </a:effectRef>
-          <a:fontRef idx="minor">
-            <a:schemeClr val="lt1"/>
-          </a:fontRef>
-        </p:style>
-        <p:txBody>
-          <a:bodyPr rtlCol="0" anchor="ctr"/>
-          <a:lstStyle/>
-          <a:p>
-            <a:pPr algn="ctr"/>
-            <a:r>
-              <a:rPr lang="en-US" sz="1400" dirty="0" err="1" smtClean="0"/>
-              <a:t>remove_dupes_for_expands.py</a:t>
-            </a:r>
-            <a:endParaRPr lang="en-US" sz="1400" dirty="0" smtClean="0"/>
-          </a:p>
-        </p:txBody>
-      </p:sp>
-      <p:cxnSp>
-        <p:nvCxnSpPr>
-          <p:cNvPr id="8" name="Elbow Connector 7"/>
-          <p:cNvCxnSpPr>
-            <a:stCxn id="7" idx="0"/>
-            <a:endCxn id="6" idx="2"/>
-          </p:cNvCxnSpPr>
-          <p:nvPr/>
-        </p:nvCxnSpPr>
-        <p:spPr>
-          <a:xfrm rot="16200000" flipV="1">
-            <a:off x="2539144" y="1939961"/>
-            <a:ext cx="272683" cy="470494"/>
+      <p:cxnSp>
+        <p:nvCxnSpPr>
+          <p:cNvPr id="6" name="Elbow Connector 5"/>
+          <p:cNvCxnSpPr>
+            <a:stCxn id="4" idx="4"/>
+            <a:endCxn id="7" idx="0"/>
+          </p:cNvCxnSpPr>
+          <p:nvPr/>
+        </p:nvCxnSpPr>
+        <p:spPr>
+          <a:xfrm rot="16200000" flipH="1">
+            <a:off x="2379023" y="1520836"/>
+            <a:ext cx="119467" cy="1029933"/>
           </a:xfrm>
           <a:prstGeom prst="bentConnector3">
             <a:avLst>
@@ -10686,14 +13045,14 @@
       </p:cxnSp>
       <p:sp>
         <p:nvSpPr>
-          <p:cNvPr id="9" name="TextBox 8"/>
+          <p:cNvPr id="7" name="TextBox 6"/>
           <p:cNvSpPr txBox="1"/>
           <p:nvPr/>
         </p:nvSpPr>
         <p:spPr>
           <a:xfrm>
-            <a:off x="2004189" y="3174423"/>
-            <a:ext cx="3169023" cy="369332"/>
+            <a:off x="284030" y="2095537"/>
+            <a:ext cx="5339386" cy="369332"/>
           </a:xfrm>
           <a:prstGeom prst="rect">
             <a:avLst/>
@@ -10709,7 +13068,15 @@
             <a:pPr algn="ctr"/>
             <a:r>
               <a:rPr lang="en-US" dirty="0" err="1" smtClean="0"/>
-              <a:t>expands_full_input_alldupes</a:t>
+              <a:t>joint_processed_segmentation_</a:t>
+            </a:r>
+            <a:r>
+              <a:rPr lang="en-US" i="1" dirty="0" err="1" smtClean="0"/>
+              <a:t>tag_</a:t>
+            </a:r>
+            <a:r>
+              <a:rPr lang="en-US" dirty="0" err="1" smtClean="0"/>
+              <a:t>joined_best</a:t>
             </a:r>
             <a:r>
               <a:rPr lang="en-US" dirty="0" smtClean="0"/>
@@ -10721,17 +13088,17 @@
       </p:sp>
       <p:cxnSp>
         <p:nvCxnSpPr>
-          <p:cNvPr id="10" name="Elbow Connector 9"/>
-          <p:cNvCxnSpPr>
-            <a:stCxn id="7" idx="4"/>
-            <a:endCxn id="9" idx="0"/>
-          </p:cNvCxnSpPr>
-          <p:nvPr/>
-        </p:nvCxnSpPr>
-        <p:spPr>
-          <a:xfrm rot="16200000" flipH="1">
-            <a:off x="3052713" y="2638435"/>
-            <a:ext cx="394006" cy="677969"/>
+          <p:cNvPr id="13" name="Elbow Connector 12"/>
+          <p:cNvCxnSpPr>
+            <a:stCxn id="2" idx="2"/>
+            <a:endCxn id="4" idx="0"/>
+          </p:cNvCxnSpPr>
+          <p:nvPr/>
+        </p:nvCxnSpPr>
+        <p:spPr>
+          <a:xfrm rot="5400000">
+            <a:off x="3217770" y="-870825"/>
+            <a:ext cx="1084047" cy="3672006"/>
           </a:xfrm>
           <a:prstGeom prst="bentConnector3">
             <a:avLst>
@@ -10756,56 +13123,59 @@
       </p:cxnSp>
       <p:sp>
         <p:nvSpPr>
-          <p:cNvPr id="15" name="TextBox 14"/>
-          <p:cNvSpPr txBox="1"/>
-          <p:nvPr/>
-        </p:nvSpPr>
-        <p:spPr>
-          <a:xfrm>
-            <a:off x="2361170" y="166513"/>
-            <a:ext cx="2455061" cy="369332"/>
-          </a:xfrm>
-          <a:prstGeom prst="rect">
-            <a:avLst/>
-          </a:prstGeom>
-          <a:noFill/>
-        </p:spPr>
-        <p:txBody>
-          <a:bodyPr wrap="square" rtlCol="0">
-            <a:spAutoFit/>
-          </a:bodyPr>
-          <a:lstStyle/>
-          <a:p>
-            <a:pPr algn="ctr"/>
-            <a:r>
-              <a:rPr lang="en-US" dirty="0" smtClean="0"/>
-              <a:t>BAF_filtered_data_</a:t>
-            </a:r>
-            <a:r>
-              <a:rPr lang="en-US" i="1" dirty="0" smtClean="0"/>
-              <a:t>15</a:t>
-            </a:r>
-            <a:r>
-              <a:rPr lang="en-US" dirty="0" smtClean="0"/>
-              <a:t>/</a:t>
-            </a:r>
-            <a:endParaRPr lang="en-US" dirty="0"/>
-          </a:p>
-        </p:txBody>
-      </p:sp>
-      <p:cxnSp>
-        <p:nvCxnSpPr>
-          <p:cNvPr id="16" name="Elbow Connector 15"/>
-          <p:cNvCxnSpPr>
-            <a:stCxn id="15" idx="2"/>
-            <a:endCxn id="3" idx="0"/>
+          <p:cNvPr id="20" name="Oval 19"/>
+          <p:cNvSpPr/>
+          <p:nvPr/>
+        </p:nvSpPr>
+        <p:spPr>
+          <a:xfrm>
+            <a:off x="5796803" y="731216"/>
+            <a:ext cx="2946400" cy="468868"/>
+          </a:xfrm>
+          <a:prstGeom prst="ellipse">
+            <a:avLst/>
+          </a:prstGeom>
+        </p:spPr>
+        <p:style>
+          <a:lnRef idx="1">
+            <a:schemeClr val="accent1"/>
+          </a:lnRef>
+          <a:fillRef idx="3">
+            <a:schemeClr val="accent1"/>
+          </a:fillRef>
+          <a:effectRef idx="2">
+            <a:schemeClr val="accent1"/>
+          </a:effectRef>
+          <a:fontRef idx="minor">
+            <a:schemeClr val="lt1"/>
+          </a:fontRef>
+        </p:style>
+        <p:txBody>
+          <a:bodyPr rtlCol="0" anchor="ctr"/>
+          <a:lstStyle/>
+          <a:p>
+            <a:pPr algn="ctr"/>
+            <a:r>
+              <a:rPr lang="en-US" sz="1400" dirty="0" err="1" smtClean="0"/>
+              <a:t>validate_segmentation.py</a:t>
+            </a:r>
+            <a:endParaRPr lang="en-US" sz="1400" dirty="0"/>
+          </a:p>
+        </p:txBody>
+      </p:sp>
+      <p:cxnSp>
+        <p:nvCxnSpPr>
+          <p:cNvPr id="21" name="Elbow Connector 20"/>
+          <p:cNvCxnSpPr>
+            <a:stCxn id="20" idx="4"/>
+            <a:endCxn id="22" idx="0"/>
           </p:cNvCxnSpPr>
           <p:nvPr/>
         </p:nvCxnSpPr>
         <p:spPr>
           <a:xfrm rot="5400000">
-            <a:off x="2774999" y="97267"/>
-            <a:ext cx="375124" cy="1252280"/>
+            <a:off x="6395357" y="549274"/>
+            <a:ext cx="223836" cy="1525456"/>
           </a:xfrm>
           <a:prstGeom prst="bentConnector3">
             <a:avLst>
@@ -10830,59 +13200,56 @@
       </p:cxnSp>
       <p:sp>
         <p:nvSpPr>
-          <p:cNvPr id="27" name="Oval 26"/>
-          <p:cNvSpPr/>
-          <p:nvPr/>
-        </p:nvSpPr>
-        <p:spPr>
-          <a:xfrm>
-            <a:off x="2361430" y="3849708"/>
-            <a:ext cx="3541907" cy="468868"/>
-          </a:xfrm>
-          <a:prstGeom prst="ellipse">
-            <a:avLst/>
-          </a:prstGeom>
-        </p:spPr>
-        <p:style>
-          <a:lnRef idx="1">
-            <a:schemeClr val="accent1"/>
-          </a:lnRef>
-          <a:fillRef idx="3">
-            <a:schemeClr val="accent1"/>
-          </a:fillRef>
-          <a:effectRef idx="2">
-            <a:schemeClr val="accent1"/>
-          </a:effectRef>
-          <a:fontRef idx="minor">
-            <a:schemeClr val="lt1"/>
-          </a:fontRef>
-        </p:style>
-        <p:txBody>
-          <a:bodyPr rtlCol="0" anchor="ctr"/>
-          <a:lstStyle/>
-          <a:p>
-            <a:pPr algn="ctr"/>
-            <a:r>
-              <a:rPr lang="en-US" sz="1400" dirty="0" err="1" smtClean="0"/>
-              <a:t>remove_LOH_for_expands.py</a:t>
-            </a:r>
-            <a:endParaRPr lang="en-US" sz="1400" dirty="0" smtClean="0"/>
-          </a:p>
-        </p:txBody>
-      </p:sp>
-      <p:cxnSp>
-        <p:nvCxnSpPr>
-          <p:cNvPr id="28" name="Elbow Connector 27"/>
-          <p:cNvCxnSpPr>
-            <a:stCxn id="27" idx="0"/>
-            <a:endCxn id="9" idx="2"/>
-          </p:cNvCxnSpPr>
-          <p:nvPr/>
-        </p:nvCxnSpPr>
-        <p:spPr>
-          <a:xfrm rot="16200000" flipV="1">
-            <a:off x="3707567" y="3424890"/>
-            <a:ext cx="305953" cy="543683"/>
+          <p:cNvPr id="22" name="TextBox 21"/>
+          <p:cNvSpPr txBox="1"/>
+          <p:nvPr/>
+        </p:nvSpPr>
+        <p:spPr>
+          <a:xfrm>
+            <a:off x="4219090" y="1423920"/>
+            <a:ext cx="3050913" cy="369332"/>
+          </a:xfrm>
+          <a:prstGeom prst="rect">
+            <a:avLst/>
+          </a:prstGeom>
+          <a:noFill/>
+        </p:spPr>
+        <p:txBody>
+          <a:bodyPr wrap="square" rtlCol="0">
+            <a:spAutoFit/>
+          </a:bodyPr>
+          <a:lstStyle/>
+          <a:p>
+            <a:pPr algn="ctr"/>
+            <a:r>
+              <a:rPr lang="en-US" dirty="0" err="1" smtClean="0"/>
+              <a:t>segmentation_validation_</a:t>
+            </a:r>
+            <a:r>
+              <a:rPr lang="en-US" i="1" dirty="0" err="1" smtClean="0"/>
+              <a:t>tag</a:t>
+            </a:r>
+            <a:r>
+              <a:rPr lang="en-US" dirty="0" smtClean="0"/>
+              <a:t>/</a:t>
+            </a:r>
+            <a:endParaRPr lang="en-US" dirty="0"/>
+          </a:p>
+        </p:txBody>
+      </p:sp>
+      <p:cxnSp>
+        <p:nvCxnSpPr>
+          <p:cNvPr id="29" name="Elbow Connector 28"/>
+          <p:cNvCxnSpPr>
+            <a:stCxn id="3" idx="2"/>
+            <a:endCxn id="20" idx="0"/>
+          </p:cNvCxnSpPr>
+          <p:nvPr/>
+        </p:nvCxnSpPr>
+        <p:spPr>
+          <a:xfrm rot="16200000" flipH="1">
+            <a:off x="4530497" y="-2008291"/>
+            <a:ext cx="308061" cy="5170951"/>
           </a:xfrm>
           <a:prstGeom prst="bentConnector3">
             <a:avLst>
@@ -10905,54 +13272,16 @@
           </a:fontRef>
         </p:style>
       </p:cxnSp>
-      <p:sp>
-        <p:nvSpPr>
-          <p:cNvPr id="29" name="TextBox 28"/>
-          <p:cNvSpPr txBox="1"/>
-          <p:nvPr/>
-        </p:nvSpPr>
-        <p:spPr>
-          <a:xfrm>
-            <a:off x="2377142" y="4632530"/>
-            <a:ext cx="3873062" cy="369332"/>
-          </a:xfrm>
-          <a:prstGeom prst="rect">
-            <a:avLst/>
-          </a:prstGeom>
-          <a:noFill/>
-        </p:spPr>
-        <p:txBody>
-          <a:bodyPr wrap="square" rtlCol="0">
-            <a:spAutoFit/>
-          </a:bodyPr>
-          <a:lstStyle/>
-          <a:p>
-            <a:pPr algn="ctr"/>
-            <a:r>
-              <a:rPr lang="en-US" dirty="0" err="1" smtClean="0"/>
-              <a:t>expands_full_input_alldupes_noLOH</a:t>
-            </a:r>
-            <a:r>
-              <a:rPr lang="en-US" dirty="0" smtClean="0"/>
-              <a:t>/</a:t>
-            </a:r>
-            <a:endParaRPr lang="en-US" dirty="0"/>
-          </a:p>
-        </p:txBody>
-      </p:sp>
-      <p:cxnSp>
-        <p:nvCxnSpPr>
-          <p:cNvPr id="30" name="Elbow Connector 29"/>
-          <p:cNvCxnSpPr>
-            <a:stCxn id="27" idx="4"/>
-            <a:endCxn id="29" idx="0"/>
-          </p:cNvCxnSpPr>
+      <p:cxnSp>
+        <p:nvCxnSpPr>
+          <p:cNvPr id="32" name="Elbow Connector 31"/>
+          <p:cNvCxnSpPr/>
           <p:nvPr/>
         </p:nvCxnSpPr>
         <p:spPr>
           <a:xfrm rot="16200000" flipH="1">
-            <a:off x="4066051" y="4384908"/>
-            <a:ext cx="313954" cy="181289"/>
+            <a:off x="6269594" y="-259918"/>
+            <a:ext cx="308061" cy="1674207"/>
           </a:xfrm>
           <a:prstGeom prst="bentConnector3">
             <a:avLst>
@@ -10975,16 +13304,52 @@
           </a:fontRef>
         </p:style>
       </p:cxnSp>
-      <p:sp>
-        <p:nvSpPr>
-          <p:cNvPr id="41" name="Oval 40"/>
+      <p:cxnSp>
+        <p:nvCxnSpPr>
+          <p:cNvPr id="41" name="Elbow Connector 40"/>
+          <p:cNvCxnSpPr>
+            <a:stCxn id="22" idx="1"/>
+            <a:endCxn id="4" idx="0"/>
+          </p:cNvCxnSpPr>
+          <p:nvPr/>
+        </p:nvCxnSpPr>
+        <p:spPr>
+          <a:xfrm rot="10800000">
+            <a:off x="1923790" y="1507202"/>
+            <a:ext cx="2295300" cy="101384"/>
+          </a:xfrm>
+          <a:prstGeom prst="bentConnector4">
+            <a:avLst>
+              <a:gd name="adj1" fmla="val 10167"/>
+              <a:gd name="adj2" fmla="val 325479"/>
+            </a:avLst>
+          </a:prstGeom>
+        </p:spPr>
+        <p:style>
+          <a:lnRef idx="2">
+            <a:schemeClr val="accent1"/>
+          </a:lnRef>
+          <a:fillRef idx="0">
+            <a:schemeClr val="accent1"/>
+          </a:fillRef>
+          <a:effectRef idx="1">
+            <a:schemeClr val="accent1"/>
+          </a:effectRef>
+          <a:fontRef idx="minor">
+            <a:schemeClr val="tx1"/>
+          </a:fontRef>
+        </p:style>
+      </p:cxnSp>
+      <p:sp>
+        <p:nvSpPr>
+          <p:cNvPr id="47" name="Oval 46"/>
           <p:cNvSpPr/>
           <p:nvPr/>
         </p:nvSpPr>
         <p:spPr>
           <a:xfrm>
-            <a:off x="2910731" y="5212171"/>
-            <a:ext cx="3541907" cy="468868"/>
+            <a:off x="659623" y="2597475"/>
+            <a:ext cx="3657142" cy="468868"/>
           </a:xfrm>
           <a:prstGeom prst="ellipse">
             <a:avLst/>
@@ -11011,25 +13376,25 @@
             <a:pPr algn="ctr"/>
             <a:r>
               <a:rPr lang="en-US" sz="1400" dirty="0" err="1" smtClean="0"/>
-              <a:t>shuffle_expands_input.py</a:t>
-            </a:r>
-            <a:endParaRPr lang="en-US" sz="1400" dirty="0" smtClean="0"/>
-          </a:p>
-        </p:txBody>
-      </p:sp>
-      <p:cxnSp>
-        <p:nvCxnSpPr>
-          <p:cNvPr id="42" name="Elbow Connector 41"/>
-          <p:cNvCxnSpPr>
-            <a:stCxn id="41" idx="0"/>
-            <a:endCxn id="29" idx="2"/>
-          </p:cNvCxnSpPr>
-          <p:nvPr/>
-        </p:nvCxnSpPr>
-        <p:spPr>
-          <a:xfrm rot="16200000" flipV="1">
-            <a:off x="4392525" y="4923011"/>
-            <a:ext cx="210309" cy="368012"/>
+              <a:t>remove_joint_duplicates.py</a:t>
+            </a:r>
+            <a:endParaRPr lang="en-US" sz="1400" dirty="0"/>
+          </a:p>
+        </p:txBody>
+      </p:sp>
+      <p:cxnSp>
+        <p:nvCxnSpPr>
+          <p:cNvPr id="48" name="Elbow Connector 47"/>
+          <p:cNvCxnSpPr>
+            <a:stCxn id="47" idx="4"/>
+            <a:endCxn id="49" idx="0"/>
+          </p:cNvCxnSpPr>
+          <p:nvPr/>
+        </p:nvCxnSpPr>
+        <p:spPr>
+          <a:xfrm rot="16200000" flipH="1">
+            <a:off x="2919014" y="2635522"/>
+            <a:ext cx="168285" cy="1029925"/>
           </a:xfrm>
           <a:prstGeom prst="bentConnector3">
             <a:avLst>
@@ -11054,14 +13419,14 @@
       </p:cxnSp>
       <p:sp>
         <p:nvSpPr>
-          <p:cNvPr id="43" name="TextBox 42"/>
+          <p:cNvPr id="49" name="TextBox 48"/>
           <p:cNvSpPr txBox="1"/>
           <p:nvPr/>
         </p:nvSpPr>
         <p:spPr>
           <a:xfrm>
-            <a:off x="3048000" y="6071730"/>
-            <a:ext cx="4230077" cy="369332"/>
+            <a:off x="848426" y="3234628"/>
+            <a:ext cx="5339386" cy="369332"/>
           </a:xfrm>
           <a:prstGeom prst="rect">
             <a:avLst/>
@@ -11077,11 +13442,15 @@
             <a:pPr algn="ctr"/>
             <a:r>
               <a:rPr lang="en-US" dirty="0" err="1" smtClean="0"/>
-              <a:t>expands_full_input_shuffled_noLOH_</a:t>
+              <a:t>joint_segmentation_nodupes_</a:t>
             </a:r>
             <a:r>
               <a:rPr lang="en-US" i="1" dirty="0" err="1" smtClean="0"/>
-              <a:t>nn</a:t>
+              <a:t>tag_</a:t>
+            </a:r>
+            <a:r>
+              <a:rPr lang="en-US" dirty="0" err="1" smtClean="0"/>
+              <a:t>joined_best</a:t>
             </a:r>
             <a:r>
               <a:rPr lang="en-US" dirty="0" smtClean="0"/>
@@ -11093,17 +13462,17 @@
       </p:sp>
       <p:cxnSp>
         <p:nvCxnSpPr>
-          <p:cNvPr id="44" name="Elbow Connector 43"/>
-          <p:cNvCxnSpPr>
-            <a:stCxn id="41" idx="4"/>
-            <a:endCxn id="43" idx="0"/>
-          </p:cNvCxnSpPr>
-          <p:nvPr/>
-        </p:nvCxnSpPr>
-        <p:spPr>
-          <a:xfrm rot="16200000" flipH="1">
-            <a:off x="4727017" y="5635707"/>
-            <a:ext cx="390691" cy="481354"/>
+          <p:cNvPr id="50" name="Elbow Connector 49"/>
+          <p:cNvCxnSpPr>
+            <a:stCxn id="7" idx="2"/>
+            <a:endCxn id="47" idx="0"/>
+          </p:cNvCxnSpPr>
+          <p:nvPr/>
+        </p:nvCxnSpPr>
+        <p:spPr>
+          <a:xfrm rot="5400000">
+            <a:off x="2654656" y="2298408"/>
+            <a:ext cx="132606" cy="465529"/>
           </a:xfrm>
           <a:prstGeom prst="bentConnector3">
             <a:avLst>
@@ -11126,10 +13495,472 @@
           </a:fontRef>
         </p:style>
       </p:cxnSp>
+      <p:sp>
+        <p:nvSpPr>
+          <p:cNvPr id="53" name="Oval 52"/>
+          <p:cNvSpPr/>
+          <p:nvPr/>
+        </p:nvSpPr>
+        <p:spPr>
+          <a:xfrm>
+            <a:off x="1336647" y="3745085"/>
+            <a:ext cx="3657142" cy="468868"/>
+          </a:xfrm>
+          <a:prstGeom prst="ellipse">
+            <a:avLst/>
+          </a:prstGeom>
+        </p:spPr>
+        <p:style>
+          <a:lnRef idx="1">
+            <a:schemeClr val="accent1"/>
+          </a:lnRef>
+          <a:fillRef idx="3">
+            <a:schemeClr val="accent1"/>
+          </a:fillRef>
+          <a:effectRef idx="2">
+            <a:schemeClr val="accent1"/>
+          </a:effectRef>
+          <a:fontRef idx="minor">
+            <a:schemeClr val="lt1"/>
+          </a:fontRef>
+        </p:style>
+        <p:txBody>
+          <a:bodyPr rtlCol="0" anchor="ctr"/>
+          <a:lstStyle/>
+          <a:p>
+            <a:pPr algn="ctr"/>
+            <a:r>
+              <a:rPr lang="en-US" sz="1400" dirty="0" err="1" smtClean="0"/>
+              <a:t>create_BEAST_input.py</a:t>
+            </a:r>
+            <a:endParaRPr lang="en-US" sz="1400" dirty="0"/>
+          </a:p>
+        </p:txBody>
+      </p:sp>
+      <p:cxnSp>
+        <p:nvCxnSpPr>
+          <p:cNvPr id="54" name="Elbow Connector 53"/>
+          <p:cNvCxnSpPr>
+            <a:stCxn id="53" idx="4"/>
+            <a:endCxn id="55" idx="0"/>
+          </p:cNvCxnSpPr>
+          <p:nvPr/>
+        </p:nvCxnSpPr>
+        <p:spPr>
+          <a:xfrm rot="16200000" flipH="1">
+            <a:off x="3211610" y="4167561"/>
+            <a:ext cx="158544" cy="251328"/>
+          </a:xfrm>
+          <a:prstGeom prst="bentConnector3">
+            <a:avLst>
+              <a:gd name="adj1" fmla="val 50000"/>
+            </a:avLst>
+          </a:prstGeom>
+        </p:spPr>
+        <p:style>
+          <a:lnRef idx="2">
+            <a:schemeClr val="accent1"/>
+          </a:lnRef>
+          <a:fillRef idx="0">
+            <a:schemeClr val="accent1"/>
+          </a:fillRef>
+          <a:effectRef idx="1">
+            <a:schemeClr val="accent1"/>
+          </a:effectRef>
+          <a:fontRef idx="minor">
+            <a:schemeClr val="tx1"/>
+          </a:fontRef>
+        </p:style>
+      </p:cxnSp>
+      <p:sp>
+        <p:nvSpPr>
+          <p:cNvPr id="55" name="TextBox 54"/>
+          <p:cNvSpPr txBox="1"/>
+          <p:nvPr/>
+        </p:nvSpPr>
+        <p:spPr>
+          <a:xfrm>
+            <a:off x="1993886" y="4372497"/>
+            <a:ext cx="2845319" cy="369332"/>
+          </a:xfrm>
+          <a:prstGeom prst="rect">
+            <a:avLst/>
+          </a:prstGeom>
+          <a:noFill/>
+        </p:spPr>
+        <p:txBody>
+          <a:bodyPr wrap="square" rtlCol="0">
+            <a:spAutoFit/>
+          </a:bodyPr>
+          <a:lstStyle/>
+          <a:p>
+            <a:pPr algn="ctr"/>
+            <a:r>
+              <a:rPr lang="en-US" dirty="0" err="1" smtClean="0"/>
+              <a:t>BEAST_</a:t>
+            </a:r>
+            <a:r>
+              <a:rPr lang="en-US" i="1" dirty="0" err="1" smtClean="0"/>
+              <a:t>tag_</a:t>
+            </a:r>
+            <a:r>
+              <a:rPr lang="en-US" dirty="0" err="1" smtClean="0"/>
+              <a:t>joined_best</a:t>
+            </a:r>
+            <a:r>
+              <a:rPr lang="en-US" dirty="0" smtClean="0"/>
+              <a:t>/</a:t>
+            </a:r>
+            <a:endParaRPr lang="en-US" dirty="0"/>
+          </a:p>
+        </p:txBody>
+      </p:sp>
+      <p:cxnSp>
+        <p:nvCxnSpPr>
+          <p:cNvPr id="56" name="Elbow Connector 55"/>
+          <p:cNvCxnSpPr>
+            <a:stCxn id="49" idx="2"/>
+            <a:endCxn id="53" idx="0"/>
+          </p:cNvCxnSpPr>
+          <p:nvPr/>
+        </p:nvCxnSpPr>
+        <p:spPr>
+          <a:xfrm rot="5400000">
+            <a:off x="3271107" y="3498072"/>
+            <a:ext cx="141125" cy="352901"/>
+          </a:xfrm>
+          <a:prstGeom prst="bentConnector3">
+            <a:avLst>
+              <a:gd name="adj1" fmla="val 50000"/>
+            </a:avLst>
+          </a:prstGeom>
+        </p:spPr>
+        <p:style>
+          <a:lnRef idx="2">
+            <a:schemeClr val="accent1"/>
+          </a:lnRef>
+          <a:fillRef idx="0">
+            <a:schemeClr val="accent1"/>
+          </a:fillRef>
+          <a:effectRef idx="1">
+            <a:schemeClr val="accent1"/>
+          </a:effectRef>
+          <a:fontRef idx="minor">
+            <a:schemeClr val="tx1"/>
+          </a:fontRef>
+        </p:style>
+      </p:cxnSp>
+      <p:sp>
+        <p:nvSpPr>
+          <p:cNvPr id="61" name="Oval 60"/>
+          <p:cNvSpPr/>
+          <p:nvPr/>
+        </p:nvSpPr>
+        <p:spPr>
+          <a:xfrm>
+            <a:off x="284030" y="5023183"/>
+            <a:ext cx="3657142" cy="468868"/>
+          </a:xfrm>
+          <a:prstGeom prst="ellipse">
+            <a:avLst/>
+          </a:prstGeom>
+        </p:spPr>
+        <p:style>
+          <a:lnRef idx="1">
+            <a:schemeClr val="accent1"/>
+          </a:lnRef>
+          <a:fillRef idx="3">
+            <a:schemeClr val="accent1"/>
+          </a:fillRef>
+          <a:effectRef idx="2">
+            <a:schemeClr val="accent1"/>
+          </a:effectRef>
+          <a:fontRef idx="minor">
+            <a:schemeClr val="lt1"/>
+          </a:fontRef>
+        </p:style>
+        <p:txBody>
+          <a:bodyPr rtlCol="0" anchor="ctr"/>
+          <a:lstStyle/>
+          <a:p>
+            <a:pPr algn="ctr"/>
+            <a:r>
+              <a:rPr lang="en-US" sz="1400" dirty="0" err="1" smtClean="0"/>
+              <a:t>distribute_BEAST.py</a:t>
+            </a:r>
+            <a:endParaRPr lang="en-US" sz="1400" dirty="0"/>
+          </a:p>
+        </p:txBody>
+      </p:sp>
+      <p:cxnSp>
+        <p:nvCxnSpPr>
+          <p:cNvPr id="62" name="Elbow Connector 61"/>
+          <p:cNvCxnSpPr>
+            <a:stCxn id="61" idx="4"/>
+            <a:endCxn id="63" idx="0"/>
+          </p:cNvCxnSpPr>
+          <p:nvPr/>
+        </p:nvCxnSpPr>
+        <p:spPr>
+          <a:xfrm rot="16200000" flipH="1">
+            <a:off x="2108679" y="5495972"/>
+            <a:ext cx="189595" cy="181751"/>
+          </a:xfrm>
+          <a:prstGeom prst="bentConnector3">
+            <a:avLst>
+              <a:gd name="adj1" fmla="val 50000"/>
+            </a:avLst>
+          </a:prstGeom>
+        </p:spPr>
+        <p:style>
+          <a:lnRef idx="2">
+            <a:schemeClr val="accent1"/>
+          </a:lnRef>
+          <a:fillRef idx="0">
+            <a:schemeClr val="accent1"/>
+          </a:fillRef>
+          <a:effectRef idx="1">
+            <a:schemeClr val="accent1"/>
+          </a:effectRef>
+          <a:fontRef idx="minor">
+            <a:schemeClr val="tx1"/>
+          </a:fontRef>
+        </p:style>
+      </p:cxnSp>
+      <p:sp>
+        <p:nvSpPr>
+          <p:cNvPr id="63" name="TextBox 62"/>
+          <p:cNvSpPr txBox="1"/>
+          <p:nvPr/>
+        </p:nvSpPr>
+        <p:spPr>
+          <a:xfrm>
+            <a:off x="475572" y="5681646"/>
+            <a:ext cx="3637559" cy="369332"/>
+          </a:xfrm>
+          <a:prstGeom prst="rect">
+            <a:avLst/>
+          </a:prstGeom>
+          <a:noFill/>
+        </p:spPr>
+        <p:txBody>
+          <a:bodyPr wrap="square" rtlCol="0">
+            <a:spAutoFit/>
+          </a:bodyPr>
+          <a:lstStyle/>
+          <a:p>
+            <a:pPr algn="ctr"/>
+            <a:r>
+              <a:rPr lang="en-US" dirty="0" err="1" smtClean="0"/>
+              <a:t>BEAST_allcombos_</a:t>
+            </a:r>
+            <a:r>
+              <a:rPr lang="en-US" i="1" dirty="0" err="1" smtClean="0"/>
+              <a:t>tag_</a:t>
+            </a:r>
+            <a:r>
+              <a:rPr lang="en-US" dirty="0" err="1" smtClean="0"/>
+              <a:t>joined_best</a:t>
+            </a:r>
+            <a:r>
+              <a:rPr lang="en-US" dirty="0" smtClean="0"/>
+              <a:t>/</a:t>
+            </a:r>
+            <a:endParaRPr lang="en-US" dirty="0"/>
+          </a:p>
+        </p:txBody>
+      </p:sp>
+      <p:cxnSp>
+        <p:nvCxnSpPr>
+          <p:cNvPr id="64" name="Elbow Connector 63"/>
+          <p:cNvCxnSpPr>
+            <a:stCxn id="55" idx="2"/>
+            <a:endCxn id="61" idx="0"/>
+          </p:cNvCxnSpPr>
+          <p:nvPr/>
+        </p:nvCxnSpPr>
+        <p:spPr>
+          <a:xfrm rot="5400000">
+            <a:off x="2623897" y="4230534"/>
+            <a:ext cx="281354" cy="1303945"/>
+          </a:xfrm>
+          <a:prstGeom prst="bentConnector3">
+            <a:avLst>
+              <a:gd name="adj1" fmla="val 50000"/>
+            </a:avLst>
+          </a:prstGeom>
+        </p:spPr>
+        <p:style>
+          <a:lnRef idx="2">
+            <a:schemeClr val="accent1"/>
+          </a:lnRef>
+          <a:fillRef idx="0">
+            <a:schemeClr val="accent1"/>
+          </a:fillRef>
+          <a:effectRef idx="1">
+            <a:schemeClr val="accent1"/>
+          </a:effectRef>
+          <a:fontRef idx="minor">
+            <a:schemeClr val="tx1"/>
+          </a:fontRef>
+        </p:style>
+      </p:cxnSp>
+      <p:sp>
+        <p:nvSpPr>
+          <p:cNvPr id="80" name="Oval 79"/>
+          <p:cNvSpPr/>
+          <p:nvPr/>
+        </p:nvSpPr>
+        <p:spPr>
+          <a:xfrm>
+            <a:off x="4629605" y="4835331"/>
+            <a:ext cx="3657142" cy="468868"/>
+          </a:xfrm>
+          <a:prstGeom prst="ellipse">
+            <a:avLst/>
+          </a:prstGeom>
+        </p:spPr>
+        <p:style>
+          <a:lnRef idx="1">
+            <a:schemeClr val="accent1"/>
+          </a:lnRef>
+          <a:fillRef idx="3">
+            <a:schemeClr val="accent1"/>
+          </a:fillRef>
+          <a:effectRef idx="2">
+            <a:schemeClr val="accent1"/>
+          </a:effectRef>
+          <a:fontRef idx="minor">
+            <a:schemeClr val="lt1"/>
+          </a:fontRef>
+        </p:style>
+        <p:txBody>
+          <a:bodyPr rtlCol="0" anchor="ctr"/>
+          <a:lstStyle/>
+          <a:p>
+            <a:pPr algn="ctr"/>
+            <a:r>
+              <a:rPr lang="en-US" sz="1400" dirty="0" err="1" smtClean="0"/>
+              <a:t>create_delgains_from_BEAST.py</a:t>
+            </a:r>
+            <a:endParaRPr lang="en-US" sz="1400" dirty="0"/>
+          </a:p>
+        </p:txBody>
+      </p:sp>
+      <p:cxnSp>
+        <p:nvCxnSpPr>
+          <p:cNvPr id="81" name="Elbow Connector 80"/>
+          <p:cNvCxnSpPr>
+            <a:stCxn id="80" idx="4"/>
+            <a:endCxn id="82" idx="0"/>
+          </p:cNvCxnSpPr>
+          <p:nvPr/>
+        </p:nvCxnSpPr>
+        <p:spPr>
+          <a:xfrm rot="16200000" flipH="1">
+            <a:off x="6569410" y="5192965"/>
+            <a:ext cx="187852" cy="410320"/>
+          </a:xfrm>
+          <a:prstGeom prst="bentConnector3">
+            <a:avLst>
+              <a:gd name="adj1" fmla="val 50000"/>
+            </a:avLst>
+          </a:prstGeom>
+        </p:spPr>
+        <p:style>
+          <a:lnRef idx="2">
+            <a:schemeClr val="accent1"/>
+          </a:lnRef>
+          <a:fillRef idx="0">
+            <a:schemeClr val="accent1"/>
+          </a:fillRef>
+          <a:effectRef idx="1">
+            <a:schemeClr val="accent1"/>
+          </a:effectRef>
+          <a:fontRef idx="minor">
+            <a:schemeClr val="tx1"/>
+          </a:fontRef>
+        </p:style>
+      </p:cxnSp>
+      <p:sp>
+        <p:nvSpPr>
+          <p:cNvPr id="82" name="TextBox 81"/>
+          <p:cNvSpPr txBox="1"/>
+          <p:nvPr/>
+        </p:nvSpPr>
+        <p:spPr>
+          <a:xfrm>
+            <a:off x="4993789" y="5492051"/>
+            <a:ext cx="3749413" cy="369332"/>
+          </a:xfrm>
+          <a:prstGeom prst="rect">
+            <a:avLst/>
+          </a:prstGeom>
+          <a:noFill/>
+        </p:spPr>
+        <p:txBody>
+          <a:bodyPr wrap="square" rtlCol="0">
+            <a:spAutoFit/>
+          </a:bodyPr>
+          <a:lstStyle/>
+          <a:p>
+            <a:pPr algn="ctr"/>
+            <a:r>
+              <a:rPr lang="en-US" dirty="0" err="1" smtClean="0"/>
+              <a:t>joint_delsandgains_</a:t>
+            </a:r>
+            <a:r>
+              <a:rPr lang="en-US" i="1" dirty="0" err="1" smtClean="0"/>
+              <a:t>tag_</a:t>
+            </a:r>
+            <a:r>
+              <a:rPr lang="en-US" dirty="0" err="1" smtClean="0"/>
+              <a:t>joined_best</a:t>
+            </a:r>
+            <a:r>
+              <a:rPr lang="en-US" dirty="0" smtClean="0"/>
+              <a:t>/</a:t>
+            </a:r>
+            <a:endParaRPr lang="en-US" dirty="0"/>
+          </a:p>
+        </p:txBody>
+      </p:sp>
+      <p:cxnSp>
+        <p:nvCxnSpPr>
+          <p:cNvPr id="83" name="Elbow Connector 82"/>
+          <p:cNvCxnSpPr>
+            <a:endCxn id="80" idx="0"/>
+          </p:cNvCxnSpPr>
+          <p:nvPr/>
+        </p:nvCxnSpPr>
+        <p:spPr>
+          <a:xfrm>
+            <a:off x="4629605" y="4557163"/>
+            <a:ext cx="1828571" cy="278168"/>
+          </a:xfrm>
+          <a:prstGeom prst="bentConnector2">
+            <a:avLst/>
+          </a:prstGeom>
+        </p:spPr>
+        <p:style>
+          <a:lnRef idx="2">
+            <a:schemeClr val="accent1"/>
+          </a:lnRef>
+          <a:fillRef idx="0">
+            <a:schemeClr val="accent1"/>
+          </a:fillRef>
+          <a:effectRef idx="1">
+            <a:schemeClr val="accent1"/>
+          </a:effectRef>
+          <a:fontRef idx="minor">
+            <a:schemeClr val="tx1"/>
+          </a:fontRef>
+        </p:style>
+      </p:cxnSp>
     </p:spTree>
     <p:extLst>
       <p:ext uri="{BB962C8B-B14F-4D97-AF65-F5344CB8AC3E}">
-        <p14:creationId xmlns:p14="http://schemas.microsoft.com/office/powerpoint/2010/main" val="2638979547"/>
+        <p14:creationId xmlns:p14="http://schemas.microsoft.com/office/powerpoint/2010/main" val="1955403478"/>
       </p:ext>
     </p:extLst>
   </p:cSld>
@@ -11164,8 +13995,8 @@
         </p:nvSpPr>
         <p:spPr>
           <a:xfrm>
-            <a:off x="0" y="165571"/>
-            <a:ext cx="4592839" cy="369332"/>
+            <a:off x="3031555" y="1908402"/>
+            <a:ext cx="2213149" cy="369332"/>
           </a:xfrm>
           <a:prstGeom prst="rect">
             <a:avLst/>
@@ -11180,12 +14011,8 @@
           <a:p>
             <a:pPr algn="ctr"/>
             <a:r>
-              <a:rPr lang="en-US" dirty="0" err="1" smtClean="0"/>
-              <a:t>expands_full_input_alldupes_noLOH</a:t>
-            </a:r>
-            <a:r>
               <a:rPr lang="en-US" dirty="0" smtClean="0"/>
-              <a:t>/results/</a:t>
+              <a:t>CN_joint_log2rs_vXX/</a:t>
             </a:r>
             <a:endParaRPr lang="en-US" dirty="0"/>
           </a:p>
@@ -11199,8 +14026,8 @@
         </p:nvSpPr>
         <p:spPr>
           <a:xfrm>
-            <a:off x="0" y="2405661"/>
-            <a:ext cx="2263312" cy="468868"/>
+            <a:off x="407452" y="4559129"/>
+            <a:ext cx="3591927" cy="468868"/>
           </a:xfrm>
           <a:prstGeom prst="ellipse">
             <a:avLst/>
@@ -11227,7 +14054,7 @@
             <a:pPr algn="ctr"/>
             <a:r>
               <a:rPr lang="en-US" sz="1400" dirty="0" err="1" smtClean="0"/>
-              <a:t>collect_maxps.py</a:t>
+              <a:t>synthesize_joint_segments.py</a:t>
             </a:r>
             <a:endParaRPr lang="en-US" sz="1400" dirty="0" smtClean="0"/>
           </a:p>
@@ -11238,14 +14065,47 @@
           <p:cNvPr id="4" name="Elbow Connector 3"/>
           <p:cNvCxnSpPr>
             <a:stCxn id="2" idx="2"/>
-            <a:endCxn id="3" idx="0"/>
+            <a:endCxn id="45" idx="7"/>
           </p:cNvCxnSpPr>
           <p:nvPr/>
         </p:nvCxnSpPr>
         <p:spPr>
           <a:xfrm rot="5400000">
-            <a:off x="778659" y="887900"/>
-            <a:ext cx="1870758" cy="1164764"/>
+            <a:off x="3731182" y="2289960"/>
+            <a:ext cx="419174" cy="394723"/>
+          </a:xfrm>
+          <a:prstGeom prst="bentConnector3">
+            <a:avLst/>
+          </a:prstGeom>
+        </p:spPr>
+        <p:style>
+          <a:lnRef idx="2">
+            <a:schemeClr val="accent1"/>
+          </a:lnRef>
+          <a:fillRef idx="0">
+            <a:schemeClr val="accent1"/>
+          </a:fillRef>
+          <a:effectRef idx="1">
+            <a:schemeClr val="accent1"/>
+          </a:effectRef>
+          <a:fontRef idx="minor">
+            <a:schemeClr val="tx1"/>
+          </a:fontRef>
+        </p:style>
+      </p:cxnSp>
+      <p:cxnSp>
+        <p:nvCxnSpPr>
+          <p:cNvPr id="5" name="Elbow Connector 4"/>
+          <p:cNvCxnSpPr>
+            <a:stCxn id="3" idx="4"/>
+            <a:endCxn id="6" idx="0"/>
+          </p:cNvCxnSpPr>
+          <p:nvPr/>
+        </p:nvCxnSpPr>
+        <p:spPr>
+          <a:xfrm rot="16200000" flipH="1">
+            <a:off x="2275408" y="4956005"/>
+            <a:ext cx="231046" cy="375030"/>
           </a:xfrm>
           <a:prstGeom prst="bentConnector3">
             <a:avLst>
@@ -11270,59 +14130,86 @@
       </p:cxnSp>
       <p:sp>
         <p:nvSpPr>
-          <p:cNvPr id="7" name="Oval 6"/>
-          <p:cNvSpPr/>
-          <p:nvPr/>
-        </p:nvSpPr>
-        <p:spPr>
-          <a:xfrm>
-            <a:off x="5602093" y="2405662"/>
-            <a:ext cx="3541907" cy="468868"/>
-          </a:xfrm>
-          <a:prstGeom prst="ellipse">
-            <a:avLst/>
-          </a:prstGeom>
-        </p:spPr>
-        <p:style>
-          <a:lnRef idx="1">
-            <a:schemeClr val="accent1"/>
-          </a:lnRef>
-          <a:fillRef idx="3">
-            <a:schemeClr val="accent1"/>
-          </a:fillRef>
-          <a:effectRef idx="2">
-            <a:schemeClr val="accent1"/>
-          </a:effectRef>
-          <a:fontRef idx="minor">
-            <a:schemeClr val="lt1"/>
-          </a:fontRef>
-        </p:style>
-        <p:txBody>
-          <a:bodyPr rtlCol="0" anchor="ctr"/>
-          <a:lstStyle/>
-          <a:p>
-            <a:pPr algn="ctr"/>
-            <a:r>
-              <a:rPr lang="en-US" sz="1400" dirty="0" err="1" smtClean="0"/>
-              <a:t>check_expands_trees.py</a:t>
-            </a:r>
-            <a:endParaRPr lang="en-US" sz="1400" dirty="0" smtClean="0"/>
-          </a:p>
-        </p:txBody>
-      </p:sp>
-      <p:cxnSp>
-        <p:nvCxnSpPr>
-          <p:cNvPr id="8" name="Elbow Connector 7"/>
-          <p:cNvCxnSpPr>
-            <a:stCxn id="7" idx="0"/>
-            <a:endCxn id="2" idx="2"/>
-          </p:cNvCxnSpPr>
-          <p:nvPr/>
-        </p:nvCxnSpPr>
-        <p:spPr>
-          <a:xfrm rot="16200000" flipV="1">
-            <a:off x="3899355" y="-1068031"/>
-            <a:ext cx="1870759" cy="5076627"/>
+          <p:cNvPr id="6" name="TextBox 5"/>
+          <p:cNvSpPr txBox="1"/>
+          <p:nvPr/>
+        </p:nvSpPr>
+        <p:spPr>
+          <a:xfrm>
+            <a:off x="897531" y="5259043"/>
+            <a:ext cx="3361829" cy="369332"/>
+          </a:xfrm>
+          <a:prstGeom prst="rect">
+            <a:avLst/>
+          </a:prstGeom>
+          <a:noFill/>
+        </p:spPr>
+        <p:txBody>
+          <a:bodyPr wrap="square" rtlCol="0">
+            <a:spAutoFit/>
+          </a:bodyPr>
+          <a:lstStyle/>
+          <a:p>
+            <a:pPr algn="ctr"/>
+            <a:r>
+              <a:rPr lang="en-US" dirty="0" err="1"/>
+              <a:t>joint_processed_segmentation</a:t>
+            </a:r>
+            <a:r>
+              <a:rPr lang="en-US" dirty="0"/>
+              <a:t>/</a:t>
+            </a:r>
+          </a:p>
+        </p:txBody>
+      </p:sp>
+      <p:sp>
+        <p:nvSpPr>
+          <p:cNvPr id="11" name="TextBox 10"/>
+          <p:cNvSpPr txBox="1"/>
+          <p:nvPr/>
+        </p:nvSpPr>
+        <p:spPr>
+          <a:xfrm>
+            <a:off x="-66733" y="1833196"/>
+            <a:ext cx="2170993" cy="369332"/>
+          </a:xfrm>
+          <a:prstGeom prst="rect">
+            <a:avLst/>
+          </a:prstGeom>
+          <a:noFill/>
+        </p:spPr>
+        <p:txBody>
+          <a:bodyPr wrap="square" rtlCol="0">
+            <a:spAutoFit/>
+          </a:bodyPr>
+          <a:lstStyle/>
+          <a:p>
+            <a:pPr algn="ctr"/>
+            <a:r>
+              <a:rPr lang="en-US" dirty="0" err="1" smtClean="0"/>
+              <a:t>BAF_joint_vals_vXX</a:t>
+            </a:r>
+            <a:r>
+              <a:rPr lang="en-US" dirty="0" smtClean="0"/>
+              <a:t>/</a:t>
+            </a:r>
+            <a:endParaRPr lang="en-US" dirty="0"/>
+          </a:p>
+        </p:txBody>
+      </p:sp>
+      <p:cxnSp>
+        <p:nvCxnSpPr>
+          <p:cNvPr id="12" name="Elbow Connector 11"/>
+          <p:cNvCxnSpPr>
+            <a:stCxn id="11" idx="2"/>
+            <a:endCxn id="45" idx="1"/>
+          </p:cNvCxnSpPr>
+          <p:nvPr/>
+        </p:nvCxnSpPr>
+        <p:spPr>
+          <a:xfrm rot="16200000" flipH="1">
+            <a:off x="881642" y="2339650"/>
+            <a:ext cx="494380" cy="220136"/>
           </a:xfrm>
           <a:prstGeom prst="bentConnector3">
             <a:avLst>
@@ -11345,19 +14232,54 @@
           </a:fontRef>
         </p:style>
       </p:cxnSp>
-      <p:cxnSp>
-        <p:nvCxnSpPr>
-          <p:cNvPr id="10" name="Elbow Connector 9"/>
-          <p:cNvCxnSpPr>
-            <a:stCxn id="7" idx="0"/>
-            <a:endCxn id="11" idx="2"/>
-          </p:cNvCxnSpPr>
-          <p:nvPr/>
-        </p:nvCxnSpPr>
-        <p:spPr>
-          <a:xfrm rot="16200000" flipV="1">
-            <a:off x="6172565" y="1205180"/>
-            <a:ext cx="1841957" cy="559008"/>
+      <p:sp>
+        <p:nvSpPr>
+          <p:cNvPr id="28" name="TextBox 27"/>
+          <p:cNvSpPr txBox="1"/>
+          <p:nvPr/>
+        </p:nvSpPr>
+        <p:spPr>
+          <a:xfrm>
+            <a:off x="5779101" y="3009649"/>
+            <a:ext cx="3148384" cy="369332"/>
+          </a:xfrm>
+          <a:prstGeom prst="rect">
+            <a:avLst/>
+          </a:prstGeom>
+          <a:noFill/>
+        </p:spPr>
+        <p:txBody>
+          <a:bodyPr wrap="square" rtlCol="0">
+            <a:spAutoFit/>
+          </a:bodyPr>
+          <a:lstStyle/>
+          <a:p>
+            <a:pPr algn="ctr"/>
+            <a:r>
+              <a:rPr lang="en-US" dirty="0" err="1" smtClean="0"/>
+              <a:t>segmentation_validation_vXX</a:t>
+            </a:r>
+            <a:r>
+              <a:rPr lang="en-US" dirty="0" smtClean="0"/>
+              <a:t>/</a:t>
+            </a:r>
+            <a:endParaRPr lang="en-US" dirty="0"/>
+          </a:p>
+        </p:txBody>
+      </p:sp>
+      <p:cxnSp>
+        <p:nvCxnSpPr>
+          <p:cNvPr id="29" name="Elbow Connector 28"/>
+          <p:cNvCxnSpPr>
+            <a:stCxn id="28" idx="2"/>
+            <a:endCxn id="3" idx="0"/>
+          </p:cNvCxnSpPr>
+          <p:nvPr/>
+        </p:nvCxnSpPr>
+        <p:spPr>
+          <a:xfrm rot="5400000">
+            <a:off x="4188281" y="1394117"/>
+            <a:ext cx="1180148" cy="5149877"/>
           </a:xfrm>
           <a:prstGeom prst="bentConnector3">
             <a:avLst>
@@ -11382,14 +14304,14 @@
       </p:cxnSp>
       <p:sp>
         <p:nvSpPr>
-          <p:cNvPr id="11" name="TextBox 10"/>
+          <p:cNvPr id="41" name="TextBox 40"/>
           <p:cNvSpPr txBox="1"/>
           <p:nvPr/>
         </p:nvSpPr>
         <p:spPr>
           <a:xfrm>
-            <a:off x="4484078" y="194373"/>
-            <a:ext cx="4659922" cy="369332"/>
+            <a:off x="181294" y="403206"/>
+            <a:ext cx="1880196" cy="369332"/>
           </a:xfrm>
           <a:prstGeom prst="rect">
             <a:avLst/>
@@ -11404,29 +14326,71 @@
           <a:p>
             <a:pPr algn="ctr"/>
             <a:r>
-              <a:rPr lang="en-US" dirty="0" err="1" smtClean="0"/>
-              <a:t>expands_full_input_shuffled_noLOH</a:t>
+              <a:rPr lang="en-US" dirty="0" err="1"/>
+              <a:t>CN_filtered_data</a:t>
             </a:r>
             <a:r>
               <a:rPr lang="en-US" dirty="0"/>
-              <a:t>/results/</a:t>
-            </a:r>
-          </a:p>
-        </p:txBody>
-      </p:sp>
-      <p:cxnSp>
-        <p:nvCxnSpPr>
-          <p:cNvPr id="12" name="Elbow Connector 11"/>
-          <p:cNvCxnSpPr>
-            <a:stCxn id="11" idx="2"/>
-            <a:endCxn id="3" idx="0"/>
-          </p:cNvCxnSpPr>
-          <p:nvPr/>
-        </p:nvCxnSpPr>
-        <p:spPr>
-          <a:xfrm rot="5400000">
-            <a:off x="3051870" y="-1356508"/>
-            <a:ext cx="1841956" cy="5682383"/>
+              <a:t>/</a:t>
+            </a:r>
+          </a:p>
+        </p:txBody>
+      </p:sp>
+      <p:sp>
+        <p:nvSpPr>
+          <p:cNvPr id="42" name="Oval 41"/>
+          <p:cNvSpPr/>
+          <p:nvPr/>
+        </p:nvSpPr>
+        <p:spPr>
+          <a:xfrm>
+            <a:off x="290534" y="1045221"/>
+            <a:ext cx="3541907" cy="468868"/>
+          </a:xfrm>
+          <a:prstGeom prst="ellipse">
+            <a:avLst/>
+          </a:prstGeom>
+        </p:spPr>
+        <p:style>
+          <a:lnRef idx="1">
+            <a:schemeClr val="accent1"/>
+          </a:lnRef>
+          <a:fillRef idx="3">
+            <a:schemeClr val="accent1"/>
+          </a:fillRef>
+          <a:effectRef idx="2">
+            <a:schemeClr val="accent1"/>
+          </a:effectRef>
+          <a:fontRef idx="minor">
+            <a:schemeClr val="lt1"/>
+          </a:fontRef>
+        </p:style>
+        <p:txBody>
+          <a:bodyPr rtlCol="0" anchor="ctr"/>
+          <a:lstStyle/>
+          <a:p>
+            <a:pPr algn="ctr"/>
+            <a:r>
+              <a:rPr lang="en-US" sz="1400" dirty="0" err="1" smtClean="0"/>
+              <a:t>process_joint_segmentation.py</a:t>
+            </a:r>
+            <a:endParaRPr lang="en-US" sz="1400" dirty="0" smtClean="0"/>
+          </a:p>
+        </p:txBody>
+      </p:sp>
+      <p:cxnSp>
+        <p:nvCxnSpPr>
+          <p:cNvPr id="43" name="Elbow Connector 42"/>
+          <p:cNvCxnSpPr>
+            <a:stCxn id="42" idx="0"/>
+            <a:endCxn id="41" idx="2"/>
+          </p:cNvCxnSpPr>
+          <p:nvPr/>
+        </p:nvCxnSpPr>
+        <p:spPr>
+          <a:xfrm rot="16200000" flipV="1">
+            <a:off x="1455099" y="438832"/>
+            <a:ext cx="272683" cy="940096"/>
           </a:xfrm>
           <a:prstGeom prst="bentConnector3">
             <a:avLst>
@@ -11449,61 +14413,19 @@
           </a:fontRef>
         </p:style>
       </p:cxnSp>
-      <p:sp>
-        <p:nvSpPr>
-          <p:cNvPr id="31" name="Oval 30"/>
-          <p:cNvSpPr/>
-          <p:nvPr/>
-        </p:nvSpPr>
-        <p:spPr>
-          <a:xfrm>
-            <a:off x="2875029" y="3785443"/>
-            <a:ext cx="2918126" cy="468868"/>
-          </a:xfrm>
-          <a:prstGeom prst="ellipse">
-            <a:avLst/>
-          </a:prstGeom>
-        </p:spPr>
-        <p:style>
-          <a:lnRef idx="1">
-            <a:schemeClr val="accent1"/>
-          </a:lnRef>
-          <a:fillRef idx="3">
-            <a:schemeClr val="accent1"/>
-          </a:fillRef>
-          <a:effectRef idx="2">
-            <a:schemeClr val="accent1"/>
-          </a:effectRef>
-          <a:fontRef idx="minor">
-            <a:schemeClr val="lt1"/>
-          </a:fontRef>
-        </p:style>
-        <p:txBody>
-          <a:bodyPr rtlCol="0" anchor="ctr"/>
-          <a:lstStyle/>
-          <a:p>
-            <a:pPr algn="ctr"/>
-            <a:r>
-              <a:rPr lang="en-US" sz="1400" dirty="0" err="1" smtClean="0"/>
-              <a:t>collect_spstats_noise.py</a:t>
-            </a:r>
-            <a:endParaRPr lang="en-US" sz="1400" dirty="0" smtClean="0"/>
-          </a:p>
-        </p:txBody>
-      </p:sp>
-      <p:cxnSp>
-        <p:nvCxnSpPr>
-          <p:cNvPr id="32" name="Elbow Connector 31"/>
-          <p:cNvCxnSpPr>
-            <a:stCxn id="2" idx="2"/>
-            <a:endCxn id="31" idx="0"/>
+      <p:cxnSp>
+        <p:nvCxnSpPr>
+          <p:cNvPr id="44" name="Elbow Connector 43"/>
+          <p:cNvCxnSpPr>
+            <a:stCxn id="42" idx="4"/>
+            <a:endCxn id="2" idx="0"/>
           </p:cNvCxnSpPr>
           <p:nvPr/>
         </p:nvCxnSpPr>
         <p:spPr>
           <a:xfrm rot="16200000" flipH="1">
-            <a:off x="1689986" y="1141337"/>
-            <a:ext cx="3250540" cy="2037672"/>
+            <a:off x="2902653" y="672924"/>
+            <a:ext cx="394313" cy="2076642"/>
           </a:xfrm>
           <a:prstGeom prst="bentConnector3">
             <a:avLst>
@@ -11526,19 +14448,56 @@
           </a:fontRef>
         </p:style>
       </p:cxnSp>
-      <p:cxnSp>
-        <p:nvCxnSpPr>
-          <p:cNvPr id="33" name="Elbow Connector 32"/>
-          <p:cNvCxnSpPr>
-            <a:stCxn id="11" idx="2"/>
-            <a:endCxn id="31" idx="0"/>
-          </p:cNvCxnSpPr>
-          <p:nvPr/>
-        </p:nvCxnSpPr>
-        <p:spPr>
-          <a:xfrm rot="5400000">
-            <a:off x="3963197" y="934601"/>
-            <a:ext cx="3221738" cy="2479947"/>
+      <p:sp>
+        <p:nvSpPr>
+          <p:cNvPr id="46" name="TextBox 45"/>
+          <p:cNvSpPr txBox="1"/>
+          <p:nvPr/>
+        </p:nvSpPr>
+        <p:spPr>
+          <a:xfrm>
+            <a:off x="2809004" y="218540"/>
+            <a:ext cx="2582334" cy="369332"/>
+          </a:xfrm>
+          <a:prstGeom prst="rect">
+            <a:avLst/>
+          </a:prstGeom>
+          <a:noFill/>
+        </p:spPr>
+        <p:txBody>
+          <a:bodyPr wrap="square" rtlCol="0">
+            <a:spAutoFit/>
+          </a:bodyPr>
+          <a:lstStyle/>
+          <a:p>
+            <a:pPr algn="ctr"/>
+            <a:r>
+              <a:rPr lang="en-US" dirty="0" err="1" smtClean="0">
+                <a:latin typeface="Courier New"/>
+                <a:cs typeface="Courier New"/>
+              </a:rPr>
+              <a:t>joint_seg_vXX.txt</a:t>
+            </a:r>
+            <a:endParaRPr lang="en-US" dirty="0">
+              <a:latin typeface="Courier New"/>
+              <a:cs typeface="Courier New"/>
+            </a:endParaRPr>
+          </a:p>
+        </p:txBody>
+      </p:sp>
+      <p:cxnSp>
+        <p:nvCxnSpPr>
+          <p:cNvPr id="47" name="Elbow Connector 46"/>
+          <p:cNvCxnSpPr>
+            <a:stCxn id="42" idx="0"/>
+            <a:endCxn id="46" idx="2"/>
+          </p:cNvCxnSpPr>
+          <p:nvPr/>
+        </p:nvCxnSpPr>
+        <p:spPr>
+          <a:xfrm rot="5400000" flipH="1" flipV="1">
+            <a:off x="2852155" y="-202794"/>
+            <a:ext cx="457349" cy="2038683"/>
           </a:xfrm>
           <a:prstGeom prst="bentConnector3">
             <a:avLst>
@@ -11561,10 +14520,656 @@
           </a:fontRef>
         </p:style>
       </p:cxnSp>
+      <p:sp>
+        <p:nvSpPr>
+          <p:cNvPr id="53" name="Oval 52"/>
+          <p:cNvSpPr/>
+          <p:nvPr/>
+        </p:nvSpPr>
+        <p:spPr>
+          <a:xfrm>
+            <a:off x="4402520" y="1045221"/>
+            <a:ext cx="3541907" cy="468868"/>
+          </a:xfrm>
+          <a:prstGeom prst="ellipse">
+            <a:avLst/>
+          </a:prstGeom>
+        </p:spPr>
+        <p:style>
+          <a:lnRef idx="1">
+            <a:schemeClr val="accent1"/>
+          </a:lnRef>
+          <a:fillRef idx="3">
+            <a:schemeClr val="accent1"/>
+          </a:fillRef>
+          <a:effectRef idx="2">
+            <a:schemeClr val="accent1"/>
+          </a:effectRef>
+          <a:fontRef idx="minor">
+            <a:schemeClr val="lt1"/>
+          </a:fontRef>
+        </p:style>
+        <p:txBody>
+          <a:bodyPr rtlCol="0" anchor="ctr"/>
+          <a:lstStyle/>
+          <a:p>
+            <a:pPr algn="ctr"/>
+            <a:r>
+              <a:rPr lang="en-US" sz="1400" dirty="0" err="1" smtClean="0"/>
+              <a:t>process_joint_BAFs.py</a:t>
+            </a:r>
+            <a:endParaRPr lang="en-US" sz="1400" dirty="0" smtClean="0"/>
+          </a:p>
+        </p:txBody>
+      </p:sp>
+      <p:cxnSp>
+        <p:nvCxnSpPr>
+          <p:cNvPr id="54" name="Elbow Connector 53"/>
+          <p:cNvCxnSpPr>
+            <a:stCxn id="53" idx="4"/>
+            <a:endCxn id="11" idx="0"/>
+          </p:cNvCxnSpPr>
+          <p:nvPr/>
+        </p:nvCxnSpPr>
+        <p:spPr>
+          <a:xfrm rot="5400000">
+            <a:off x="3436566" y="-903713"/>
+            <a:ext cx="319107" cy="5154710"/>
+          </a:xfrm>
+          <a:prstGeom prst="bentConnector3">
+            <a:avLst>
+              <a:gd name="adj1" fmla="val 31631"/>
+            </a:avLst>
+          </a:prstGeom>
+        </p:spPr>
+        <p:style>
+          <a:lnRef idx="2">
+            <a:schemeClr val="accent1"/>
+          </a:lnRef>
+          <a:fillRef idx="0">
+            <a:schemeClr val="accent1"/>
+          </a:fillRef>
+          <a:effectRef idx="1">
+            <a:schemeClr val="accent1"/>
+          </a:effectRef>
+          <a:fontRef idx="minor">
+            <a:schemeClr val="tx1"/>
+          </a:fontRef>
+        </p:style>
+      </p:cxnSp>
+      <p:cxnSp>
+        <p:nvCxnSpPr>
+          <p:cNvPr id="57" name="Elbow Connector 56"/>
+          <p:cNvCxnSpPr>
+            <a:stCxn id="53" idx="0"/>
+            <a:endCxn id="46" idx="2"/>
+          </p:cNvCxnSpPr>
+          <p:nvPr/>
+        </p:nvCxnSpPr>
+        <p:spPr>
+          <a:xfrm rot="16200000" flipV="1">
+            <a:off x="4908149" y="-220105"/>
+            <a:ext cx="457349" cy="2073303"/>
+          </a:xfrm>
+          <a:prstGeom prst="bentConnector3">
+            <a:avLst>
+              <a:gd name="adj1" fmla="val 50000"/>
+            </a:avLst>
+          </a:prstGeom>
+        </p:spPr>
+        <p:style>
+          <a:lnRef idx="2">
+            <a:schemeClr val="accent1"/>
+          </a:lnRef>
+          <a:fillRef idx="0">
+            <a:schemeClr val="accent1"/>
+          </a:fillRef>
+          <a:effectRef idx="1">
+            <a:schemeClr val="accent1"/>
+          </a:effectRef>
+          <a:fontRef idx="minor">
+            <a:schemeClr val="tx1"/>
+          </a:fontRef>
+        </p:style>
+      </p:cxnSp>
+      <p:sp>
+        <p:nvSpPr>
+          <p:cNvPr id="62" name="TextBox 61"/>
+          <p:cNvSpPr txBox="1"/>
+          <p:nvPr/>
+        </p:nvSpPr>
+        <p:spPr>
+          <a:xfrm>
+            <a:off x="6173475" y="403206"/>
+            <a:ext cx="2359634" cy="369332"/>
+          </a:xfrm>
+          <a:prstGeom prst="rect">
+            <a:avLst/>
+          </a:prstGeom>
+          <a:noFill/>
+        </p:spPr>
+        <p:txBody>
+          <a:bodyPr wrap="square" rtlCol="0">
+            <a:spAutoFit/>
+          </a:bodyPr>
+          <a:lstStyle/>
+          <a:p>
+            <a:pPr algn="ctr"/>
+            <a:r>
+              <a:rPr lang="en-US" dirty="0" smtClean="0"/>
+              <a:t>BAF_filtered_data_15/</a:t>
+            </a:r>
+            <a:endParaRPr lang="en-US" dirty="0"/>
+          </a:p>
+        </p:txBody>
+      </p:sp>
+      <p:cxnSp>
+        <p:nvCxnSpPr>
+          <p:cNvPr id="63" name="Elbow Connector 62"/>
+          <p:cNvCxnSpPr>
+            <a:stCxn id="53" idx="0"/>
+            <a:endCxn id="62" idx="2"/>
+          </p:cNvCxnSpPr>
+          <p:nvPr/>
+        </p:nvCxnSpPr>
+        <p:spPr>
+          <a:xfrm rot="5400000" flipH="1" flipV="1">
+            <a:off x="6627042" y="318971"/>
+            <a:ext cx="272683" cy="1179818"/>
+          </a:xfrm>
+          <a:prstGeom prst="bentConnector3">
+            <a:avLst>
+              <a:gd name="adj1" fmla="val 50000"/>
+            </a:avLst>
+          </a:prstGeom>
+        </p:spPr>
+        <p:style>
+          <a:lnRef idx="2">
+            <a:schemeClr val="accent1"/>
+          </a:lnRef>
+          <a:fillRef idx="0">
+            <a:schemeClr val="accent1"/>
+          </a:fillRef>
+          <a:effectRef idx="1">
+            <a:schemeClr val="accent1"/>
+          </a:effectRef>
+          <a:fontRef idx="minor">
+            <a:schemeClr val="tx1"/>
+          </a:fontRef>
+        </p:style>
+      </p:cxnSp>
+      <p:sp>
+        <p:nvSpPr>
+          <p:cNvPr id="74" name="Oval 73"/>
+          <p:cNvSpPr/>
+          <p:nvPr/>
+        </p:nvSpPr>
+        <p:spPr>
+          <a:xfrm>
+            <a:off x="4784088" y="2424498"/>
+            <a:ext cx="3541907" cy="468868"/>
+          </a:xfrm>
+          <a:prstGeom prst="ellipse">
+            <a:avLst/>
+          </a:prstGeom>
+        </p:spPr>
+        <p:style>
+          <a:lnRef idx="1">
+            <a:schemeClr val="accent1"/>
+          </a:lnRef>
+          <a:fillRef idx="3">
+            <a:schemeClr val="accent1"/>
+          </a:fillRef>
+          <a:effectRef idx="2">
+            <a:schemeClr val="accent1"/>
+          </a:effectRef>
+          <a:fontRef idx="minor">
+            <a:schemeClr val="lt1"/>
+          </a:fontRef>
+        </p:style>
+        <p:txBody>
+          <a:bodyPr rtlCol="0" anchor="ctr"/>
+          <a:lstStyle/>
+          <a:p>
+            <a:pPr algn="ctr"/>
+            <a:r>
+              <a:rPr lang="en-US" sz="1400" dirty="0" err="1" smtClean="0"/>
+              <a:t>validate_segmentation.py</a:t>
+            </a:r>
+            <a:endParaRPr lang="en-US" sz="1400" dirty="0" smtClean="0"/>
+          </a:p>
+        </p:txBody>
+      </p:sp>
+      <p:cxnSp>
+        <p:nvCxnSpPr>
+          <p:cNvPr id="75" name="Elbow Connector 74"/>
+          <p:cNvCxnSpPr>
+            <a:stCxn id="2" idx="2"/>
+            <a:endCxn id="74" idx="0"/>
+          </p:cNvCxnSpPr>
+          <p:nvPr/>
+        </p:nvCxnSpPr>
+        <p:spPr>
+          <a:xfrm rot="16200000" flipH="1">
+            <a:off x="5273204" y="1142660"/>
+            <a:ext cx="146764" cy="2416912"/>
+          </a:xfrm>
+          <a:prstGeom prst="bentConnector3">
+            <a:avLst>
+              <a:gd name="adj1" fmla="val 50000"/>
+            </a:avLst>
+          </a:prstGeom>
+        </p:spPr>
+        <p:style>
+          <a:lnRef idx="2">
+            <a:schemeClr val="accent1"/>
+          </a:lnRef>
+          <a:fillRef idx="0">
+            <a:schemeClr val="accent1"/>
+          </a:fillRef>
+          <a:effectRef idx="1">
+            <a:schemeClr val="accent1"/>
+          </a:effectRef>
+          <a:fontRef idx="minor">
+            <a:schemeClr val="tx1"/>
+          </a:fontRef>
+        </p:style>
+      </p:cxnSp>
+      <p:cxnSp>
+        <p:nvCxnSpPr>
+          <p:cNvPr id="78" name="Elbow Connector 77"/>
+          <p:cNvCxnSpPr>
+            <a:stCxn id="62" idx="3"/>
+            <a:endCxn id="74" idx="0"/>
+          </p:cNvCxnSpPr>
+          <p:nvPr/>
+        </p:nvCxnSpPr>
+        <p:spPr>
+          <a:xfrm flipH="1">
+            <a:off x="6555042" y="587872"/>
+            <a:ext cx="1978067" cy="1836626"/>
+          </a:xfrm>
+          <a:prstGeom prst="bentConnector4">
+            <a:avLst>
+              <a:gd name="adj1" fmla="val -11557"/>
+              <a:gd name="adj2" fmla="val 55027"/>
+            </a:avLst>
+          </a:prstGeom>
+        </p:spPr>
+        <p:style>
+          <a:lnRef idx="2">
+            <a:schemeClr val="accent1"/>
+          </a:lnRef>
+          <a:fillRef idx="0">
+            <a:schemeClr val="accent1"/>
+          </a:fillRef>
+          <a:effectRef idx="1">
+            <a:schemeClr val="accent1"/>
+          </a:effectRef>
+          <a:fontRef idx="minor">
+            <a:schemeClr val="tx1"/>
+          </a:fontRef>
+        </p:style>
+      </p:cxnSp>
+      <p:cxnSp>
+        <p:nvCxnSpPr>
+          <p:cNvPr id="83" name="Elbow Connector 82"/>
+          <p:cNvCxnSpPr>
+            <a:stCxn id="74" idx="4"/>
+            <a:endCxn id="28" idx="0"/>
+          </p:cNvCxnSpPr>
+          <p:nvPr/>
+        </p:nvCxnSpPr>
+        <p:spPr>
+          <a:xfrm rot="16200000" flipH="1">
+            <a:off x="6896026" y="2552381"/>
+            <a:ext cx="116283" cy="798251"/>
+          </a:xfrm>
+          <a:prstGeom prst="bentConnector3">
+            <a:avLst>
+              <a:gd name="adj1" fmla="val 50000"/>
+            </a:avLst>
+          </a:prstGeom>
+        </p:spPr>
+        <p:style>
+          <a:lnRef idx="2">
+            <a:schemeClr val="accent1"/>
+          </a:lnRef>
+          <a:fillRef idx="0">
+            <a:schemeClr val="accent1"/>
+          </a:fillRef>
+          <a:effectRef idx="1">
+            <a:schemeClr val="accent1"/>
+          </a:effectRef>
+          <a:fontRef idx="minor">
+            <a:schemeClr val="tx1"/>
+          </a:fontRef>
+        </p:style>
+      </p:cxnSp>
+      <p:sp>
+        <p:nvSpPr>
+          <p:cNvPr id="45" name="Oval 44"/>
+          <p:cNvSpPr/>
+          <p:nvPr/>
+        </p:nvSpPr>
+        <p:spPr>
+          <a:xfrm>
+            <a:off x="720200" y="2628244"/>
+            <a:ext cx="3541907" cy="468868"/>
+          </a:xfrm>
+          <a:prstGeom prst="ellipse">
+            <a:avLst/>
+          </a:prstGeom>
+        </p:spPr>
+        <p:style>
+          <a:lnRef idx="1">
+            <a:schemeClr val="accent1"/>
+          </a:lnRef>
+          <a:fillRef idx="3">
+            <a:schemeClr val="accent1"/>
+          </a:fillRef>
+          <a:effectRef idx="2">
+            <a:schemeClr val="accent1"/>
+          </a:effectRef>
+          <a:fontRef idx="minor">
+            <a:schemeClr val="lt1"/>
+          </a:fontRef>
+        </p:style>
+        <p:txBody>
+          <a:bodyPr rtlCol="0" anchor="ctr"/>
+          <a:lstStyle/>
+          <a:p>
+            <a:pPr algn="ctr"/>
+            <a:r>
+              <a:rPr lang="en-US" sz="1400" dirty="0" err="1" smtClean="0"/>
+              <a:t>calculate_odds.py</a:t>
+            </a:r>
+            <a:endParaRPr lang="en-US" sz="1400" dirty="0" smtClean="0"/>
+          </a:p>
+        </p:txBody>
+      </p:sp>
+      <p:sp>
+        <p:nvSpPr>
+          <p:cNvPr id="48" name="TextBox 47"/>
+          <p:cNvSpPr txBox="1"/>
+          <p:nvPr/>
+        </p:nvSpPr>
+        <p:spPr>
+          <a:xfrm>
+            <a:off x="2008522" y="3563646"/>
+            <a:ext cx="3770579" cy="369332"/>
+          </a:xfrm>
+          <a:prstGeom prst="rect">
+            <a:avLst/>
+          </a:prstGeom>
+          <a:noFill/>
+        </p:spPr>
+        <p:txBody>
+          <a:bodyPr wrap="square" rtlCol="0">
+            <a:spAutoFit/>
+          </a:bodyPr>
+          <a:lstStyle/>
+          <a:p>
+            <a:pPr algn="ctr"/>
+            <a:r>
+              <a:rPr lang="en-US" dirty="0" smtClean="0"/>
+              <a:t>CN_joint_log2rs_vXX_joined_best/</a:t>
+            </a:r>
+            <a:endParaRPr lang="en-US" dirty="0"/>
+          </a:p>
+        </p:txBody>
+      </p:sp>
+      <p:sp>
+        <p:nvSpPr>
+          <p:cNvPr id="49" name="TextBox 48"/>
+          <p:cNvSpPr txBox="1"/>
+          <p:nvPr/>
+        </p:nvSpPr>
+        <p:spPr>
+          <a:xfrm>
+            <a:off x="0" y="3194315"/>
+            <a:ext cx="3698758" cy="369332"/>
+          </a:xfrm>
+          <a:prstGeom prst="rect">
+            <a:avLst/>
+          </a:prstGeom>
+          <a:noFill/>
+        </p:spPr>
+        <p:txBody>
+          <a:bodyPr wrap="square" rtlCol="0">
+            <a:spAutoFit/>
+          </a:bodyPr>
+          <a:lstStyle/>
+          <a:p>
+            <a:pPr algn="ctr"/>
+            <a:r>
+              <a:rPr lang="en-US" dirty="0" err="1" smtClean="0"/>
+              <a:t>BAF_joint_vals_vXX_joined_best</a:t>
+            </a:r>
+            <a:r>
+              <a:rPr lang="en-US" dirty="0" smtClean="0"/>
+              <a:t>/</a:t>
+            </a:r>
+            <a:endParaRPr lang="en-US" dirty="0"/>
+          </a:p>
+        </p:txBody>
+      </p:sp>
+      <p:cxnSp>
+        <p:nvCxnSpPr>
+          <p:cNvPr id="50" name="Elbow Connector 49"/>
+          <p:cNvCxnSpPr>
+            <a:stCxn id="45" idx="3"/>
+            <a:endCxn id="49" idx="0"/>
+          </p:cNvCxnSpPr>
+          <p:nvPr/>
+        </p:nvCxnSpPr>
+        <p:spPr>
+          <a:xfrm rot="16200000" flipH="1">
+            <a:off x="1461206" y="2806141"/>
+            <a:ext cx="165867" cy="610479"/>
+          </a:xfrm>
+          <a:prstGeom prst="bentConnector3">
+            <a:avLst>
+              <a:gd name="adj1" fmla="val 50000"/>
+            </a:avLst>
+          </a:prstGeom>
+        </p:spPr>
+        <p:style>
+          <a:lnRef idx="2">
+            <a:schemeClr val="accent1"/>
+          </a:lnRef>
+          <a:fillRef idx="0">
+            <a:schemeClr val="accent1"/>
+          </a:fillRef>
+          <a:effectRef idx="1">
+            <a:schemeClr val="accent1"/>
+          </a:effectRef>
+          <a:fontRef idx="minor">
+            <a:schemeClr val="tx1"/>
+          </a:fontRef>
+        </p:style>
+      </p:cxnSp>
+      <p:cxnSp>
+        <p:nvCxnSpPr>
+          <p:cNvPr id="51" name="Elbow Connector 50"/>
+          <p:cNvCxnSpPr>
+            <a:stCxn id="45" idx="5"/>
+            <a:endCxn id="48" idx="0"/>
+          </p:cNvCxnSpPr>
+          <p:nvPr/>
+        </p:nvCxnSpPr>
+        <p:spPr>
+          <a:xfrm rot="16200000" flipH="1">
+            <a:off x="3551010" y="3220844"/>
+            <a:ext cx="535198" cy="150405"/>
+          </a:xfrm>
+          <a:prstGeom prst="bentConnector3">
+            <a:avLst>
+              <a:gd name="adj1" fmla="val 50000"/>
+            </a:avLst>
+          </a:prstGeom>
+        </p:spPr>
+        <p:style>
+          <a:lnRef idx="2">
+            <a:schemeClr val="accent1"/>
+          </a:lnRef>
+          <a:fillRef idx="0">
+            <a:schemeClr val="accent1"/>
+          </a:fillRef>
+          <a:effectRef idx="1">
+            <a:schemeClr val="accent1"/>
+          </a:effectRef>
+          <a:fontRef idx="minor">
+            <a:schemeClr val="tx1"/>
+          </a:fontRef>
+        </p:style>
+      </p:cxnSp>
+      <p:cxnSp>
+        <p:nvCxnSpPr>
+          <p:cNvPr id="52" name="Elbow Connector 51"/>
+          <p:cNvCxnSpPr>
+            <a:stCxn id="49" idx="2"/>
+            <a:endCxn id="3" idx="0"/>
+          </p:cNvCxnSpPr>
+          <p:nvPr/>
+        </p:nvCxnSpPr>
+        <p:spPr>
+          <a:xfrm rot="16200000" flipH="1">
+            <a:off x="1528656" y="3884369"/>
+            <a:ext cx="995482" cy="354037"/>
+          </a:xfrm>
+          <a:prstGeom prst="bentConnector3">
+            <a:avLst>
+              <a:gd name="adj1" fmla="val 50000"/>
+            </a:avLst>
+          </a:prstGeom>
+        </p:spPr>
+        <p:style>
+          <a:lnRef idx="2">
+            <a:schemeClr val="accent1"/>
+          </a:lnRef>
+          <a:fillRef idx="0">
+            <a:schemeClr val="accent1"/>
+          </a:fillRef>
+          <a:effectRef idx="1">
+            <a:schemeClr val="accent1"/>
+          </a:effectRef>
+          <a:fontRef idx="minor">
+            <a:schemeClr val="tx1"/>
+          </a:fontRef>
+        </p:style>
+      </p:cxnSp>
+      <p:cxnSp>
+        <p:nvCxnSpPr>
+          <p:cNvPr id="56" name="Elbow Connector 55"/>
+          <p:cNvCxnSpPr>
+            <a:stCxn id="48" idx="2"/>
+            <a:endCxn id="3" idx="0"/>
+          </p:cNvCxnSpPr>
+          <p:nvPr/>
+        </p:nvCxnSpPr>
+        <p:spPr>
+          <a:xfrm rot="5400000">
+            <a:off x="2735539" y="3400855"/>
+            <a:ext cx="626151" cy="1690396"/>
+          </a:xfrm>
+          <a:prstGeom prst="bentConnector3">
+            <a:avLst>
+              <a:gd name="adj1" fmla="val 50000"/>
+            </a:avLst>
+          </a:prstGeom>
+        </p:spPr>
+        <p:style>
+          <a:lnRef idx="2">
+            <a:schemeClr val="accent1"/>
+          </a:lnRef>
+          <a:fillRef idx="0">
+            <a:schemeClr val="accent1"/>
+          </a:fillRef>
+          <a:effectRef idx="1">
+            <a:schemeClr val="accent1"/>
+          </a:effectRef>
+          <a:fontRef idx="minor">
+            <a:schemeClr val="tx1"/>
+          </a:fontRef>
+        </p:style>
+      </p:cxnSp>
+      <p:cxnSp>
+        <p:nvCxnSpPr>
+          <p:cNvPr id="64" name="Elbow Connector 63"/>
+          <p:cNvCxnSpPr>
+            <a:stCxn id="70" idx="2"/>
+            <a:endCxn id="45" idx="0"/>
+          </p:cNvCxnSpPr>
+          <p:nvPr/>
+        </p:nvCxnSpPr>
+        <p:spPr>
+          <a:xfrm rot="5400000">
+            <a:off x="2451878" y="2501676"/>
+            <a:ext cx="165844" cy="87292"/>
+          </a:xfrm>
+          <a:prstGeom prst="bentConnector3">
+            <a:avLst>
+              <a:gd name="adj1" fmla="val 50000"/>
+            </a:avLst>
+          </a:prstGeom>
+        </p:spPr>
+        <p:style>
+          <a:lnRef idx="2">
+            <a:schemeClr val="accent1"/>
+          </a:lnRef>
+          <a:fillRef idx="0">
+            <a:schemeClr val="accent1"/>
+          </a:fillRef>
+          <a:effectRef idx="1">
+            <a:schemeClr val="accent1"/>
+          </a:effectRef>
+          <a:fontRef idx="minor">
+            <a:schemeClr val="tx1"/>
+          </a:fontRef>
+        </p:style>
+      </p:cxnSp>
+      <p:sp>
+        <p:nvSpPr>
+          <p:cNvPr id="70" name="TextBox 69"/>
+          <p:cNvSpPr txBox="1"/>
+          <p:nvPr/>
+        </p:nvSpPr>
+        <p:spPr>
+          <a:xfrm>
+            <a:off x="1018764" y="2093068"/>
+            <a:ext cx="3119364" cy="369332"/>
+          </a:xfrm>
+          <a:prstGeom prst="rect">
+            <a:avLst/>
+          </a:prstGeom>
+          <a:noFill/>
+        </p:spPr>
+        <p:txBody>
+          <a:bodyPr wrap="square" rtlCol="0">
+            <a:spAutoFit/>
+          </a:bodyPr>
+          <a:lstStyle/>
+          <a:p>
+            <a:pPr algn="ctr"/>
+            <a:r>
+              <a:rPr lang="en-US" dirty="0" err="1" smtClean="0">
+                <a:latin typeface="Courier New"/>
+                <a:cs typeface="Courier New"/>
+              </a:rPr>
+              <a:t>joint_summary_TAG.txt</a:t>
+            </a:r>
+            <a:endParaRPr lang="en-US" dirty="0">
+              <a:latin typeface="Courier New"/>
+              <a:cs typeface="Courier New"/>
+            </a:endParaRPr>
+          </a:p>
+        </p:txBody>
+      </p:sp>
     </p:spTree>
     <p:extLst>
       <p:ext uri="{BB962C8B-B14F-4D97-AF65-F5344CB8AC3E}">
-        <p14:creationId xmlns:p14="http://schemas.microsoft.com/office/powerpoint/2010/main" val="1966684207"/>
+        <p14:creationId xmlns:p14="http://schemas.microsoft.com/office/powerpoint/2010/main" val="415467289"/>
       </p:ext>
     </p:extLst>
   </p:cSld>
@@ -11593,14 +15198,14 @@
       </p:grpSpPr>
       <p:sp>
         <p:nvSpPr>
-          <p:cNvPr id="2" name="TextBox 1"/>
+          <p:cNvPr id="6" name="TextBox 5"/>
           <p:cNvSpPr txBox="1"/>
           <p:nvPr/>
         </p:nvSpPr>
         <p:spPr>
           <a:xfrm>
-            <a:off x="3031555" y="1908402"/>
-            <a:ext cx="2213149" cy="369332"/>
+            <a:off x="97622" y="84815"/>
+            <a:ext cx="4078094" cy="369332"/>
           </a:xfrm>
           <a:prstGeom prst="rect">
             <a:avLst/>
@@ -11615,8 +15220,12 @@
           <a:p>
             <a:pPr algn="ctr"/>
             <a:r>
+              <a:rPr lang="en-US" dirty="0" err="1" smtClean="0"/>
+              <a:t>joint_processed_segmentation_TAG</a:t>
+            </a:r>
+            <a:r>
               <a:rPr lang="en-US" dirty="0" smtClean="0"/>
-              <a:t>CN_joint_log2rs_vXX/</a:t>
+              <a:t>/</a:t>
             </a:r>
             <a:endParaRPr lang="en-US" dirty="0"/>
           </a:p>
@@ -11624,14 +15233,14 @@
       </p:sp>
       <p:sp>
         <p:nvSpPr>
-          <p:cNvPr id="3" name="Oval 2"/>
+          <p:cNvPr id="7" name="Oval 6"/>
           <p:cNvSpPr/>
           <p:nvPr/>
         </p:nvSpPr>
         <p:spPr>
           <a:xfrm>
-            <a:off x="407452" y="4559129"/>
-            <a:ext cx="3591927" cy="468868"/>
+            <a:off x="319539" y="697479"/>
+            <a:ext cx="3541907" cy="468868"/>
           </a:xfrm>
           <a:prstGeom prst="ellipse">
             <a:avLst/>
@@ -11658,7 +15267,7 @@
             <a:pPr algn="ctr"/>
             <a:r>
               <a:rPr lang="en-US" sz="1400" dirty="0" err="1" smtClean="0"/>
-              <a:t>synthesize_joint_segments.py</a:t>
+              <a:t>remove_joint_duplicates.py</a:t>
             </a:r>
             <a:endParaRPr lang="en-US" sz="1400" dirty="0" smtClean="0"/>
           </a:p>
@@ -11666,50 +15275,17 @@
       </p:sp>
       <p:cxnSp>
         <p:nvCxnSpPr>
-          <p:cNvPr id="4" name="Elbow Connector 3"/>
-          <p:cNvCxnSpPr>
-            <a:stCxn id="2" idx="2"/>
-            <a:endCxn id="45" idx="7"/>
-          </p:cNvCxnSpPr>
-          <p:nvPr/>
-        </p:nvCxnSpPr>
-        <p:spPr>
-          <a:xfrm rot="5400000">
-            <a:off x="3731182" y="2289960"/>
-            <a:ext cx="419174" cy="394723"/>
-          </a:xfrm>
-          <a:prstGeom prst="bentConnector3">
-            <a:avLst/>
-          </a:prstGeom>
-        </p:spPr>
-        <p:style>
-          <a:lnRef idx="2">
-            <a:schemeClr val="accent1"/>
-          </a:lnRef>
-          <a:fillRef idx="0">
-            <a:schemeClr val="accent1"/>
-          </a:fillRef>
-          <a:effectRef idx="1">
-            <a:schemeClr val="accent1"/>
-          </a:effectRef>
-          <a:fontRef idx="minor">
-            <a:schemeClr val="tx1"/>
-          </a:fontRef>
-        </p:style>
-      </p:cxnSp>
-      <p:cxnSp>
-        <p:nvCxnSpPr>
-          <p:cNvPr id="5" name="Elbow Connector 4"/>
-          <p:cNvCxnSpPr>
-            <a:stCxn id="3" idx="4"/>
-            <a:endCxn id="6" idx="0"/>
-          </p:cNvCxnSpPr>
-          <p:nvPr/>
-        </p:nvCxnSpPr>
-        <p:spPr>
-          <a:xfrm rot="16200000" flipH="1">
-            <a:off x="2275408" y="4956005"/>
-            <a:ext cx="231046" cy="375030"/>
+          <p:cNvPr id="8" name="Elbow Connector 7"/>
+          <p:cNvCxnSpPr>
+            <a:stCxn id="7" idx="0"/>
+            <a:endCxn id="6" idx="2"/>
+          </p:cNvCxnSpPr>
+          <p:nvPr/>
+        </p:nvCxnSpPr>
+        <p:spPr>
+          <a:xfrm rot="5400000" flipH="1" flipV="1">
+            <a:off x="1991915" y="552725"/>
+            <a:ext cx="243332" cy="46176"/>
           </a:xfrm>
           <a:prstGeom prst="bentConnector3">
             <a:avLst>
@@ -11734,14 +15310,14 @@
       </p:cxnSp>
       <p:sp>
         <p:nvSpPr>
-          <p:cNvPr id="6" name="TextBox 5"/>
+          <p:cNvPr id="9" name="TextBox 8"/>
           <p:cNvSpPr txBox="1"/>
           <p:nvPr/>
         </p:nvSpPr>
         <p:spPr>
           <a:xfrm>
-            <a:off x="897531" y="5259043"/>
-            <a:ext cx="3361829" cy="369332"/>
+            <a:off x="1166228" y="1323782"/>
+            <a:ext cx="3663748" cy="369332"/>
           </a:xfrm>
           <a:prstGeom prst="rect">
             <a:avLst/>
@@ -11756,42 +15332,8 @@
           <a:p>
             <a:pPr algn="ctr"/>
             <a:r>
-              <a:rPr lang="en-US" dirty="0" err="1"/>
-              <a:t>joint_processed_segmentation</a:t>
-            </a:r>
-            <a:r>
-              <a:rPr lang="en-US" dirty="0"/>
-              <a:t>/</a:t>
-            </a:r>
-          </a:p>
-        </p:txBody>
-      </p:sp>
-      <p:sp>
-        <p:nvSpPr>
-          <p:cNvPr id="11" name="TextBox 10"/>
-          <p:cNvSpPr txBox="1"/>
-          <p:nvPr/>
-        </p:nvSpPr>
-        <p:spPr>
-          <a:xfrm>
-            <a:off x="-66733" y="1833196"/>
-            <a:ext cx="2170993" cy="369332"/>
-          </a:xfrm>
-          <a:prstGeom prst="rect">
-            <a:avLst/>
-          </a:prstGeom>
-          <a:noFill/>
-        </p:spPr>
-        <p:txBody>
-          <a:bodyPr wrap="square" rtlCol="0">
-            <a:spAutoFit/>
-          </a:bodyPr>
-          <a:lstStyle/>
-          <a:p>
-            <a:pPr algn="ctr"/>
-            <a:r>
               <a:rPr lang="en-US" dirty="0" err="1" smtClean="0"/>
-              <a:t>BAF_joint_vals_vXX</a:t>
+              <a:t>joint_segmentation_nodupes_TAG</a:t>
             </a:r>
             <a:r>
               <a:rPr lang="en-US" dirty="0" smtClean="0"/>
@@ -11803,17 +15345,17 @@
       </p:sp>
       <p:cxnSp>
         <p:nvCxnSpPr>
-          <p:cNvPr id="12" name="Elbow Connector 11"/>
-          <p:cNvCxnSpPr>
-            <a:stCxn id="11" idx="2"/>
-            <a:endCxn id="45" idx="1"/>
+          <p:cNvPr id="10" name="Elbow Connector 9"/>
+          <p:cNvCxnSpPr>
+            <a:stCxn id="7" idx="4"/>
+            <a:endCxn id="9" idx="0"/>
           </p:cNvCxnSpPr>
           <p:nvPr/>
         </p:nvCxnSpPr>
         <p:spPr>
           <a:xfrm rot="16200000" flipH="1">
-            <a:off x="881642" y="2339650"/>
-            <a:ext cx="494380" cy="220136"/>
+            <a:off x="2465580" y="791259"/>
+            <a:ext cx="157435" cy="907609"/>
           </a:xfrm>
           <a:prstGeom prst="bentConnector3">
             <a:avLst>
@@ -11838,14 +15380,56 @@
       </p:cxnSp>
       <p:sp>
         <p:nvSpPr>
-          <p:cNvPr id="28" name="TextBox 27"/>
+          <p:cNvPr id="88" name="Oval 87"/>
+          <p:cNvSpPr/>
+          <p:nvPr/>
+        </p:nvSpPr>
+        <p:spPr>
+          <a:xfrm>
+            <a:off x="1367940" y="1807011"/>
+            <a:ext cx="3541907" cy="468868"/>
+          </a:xfrm>
+          <a:prstGeom prst="ellipse">
+            <a:avLst/>
+          </a:prstGeom>
+        </p:spPr>
+        <p:style>
+          <a:lnRef idx="1">
+            <a:schemeClr val="accent1"/>
+          </a:lnRef>
+          <a:fillRef idx="3">
+            <a:schemeClr val="accent1"/>
+          </a:fillRef>
+          <a:effectRef idx="2">
+            <a:schemeClr val="accent1"/>
+          </a:effectRef>
+          <a:fontRef idx="minor">
+            <a:schemeClr val="lt1"/>
+          </a:fontRef>
+        </p:style>
+        <p:txBody>
+          <a:bodyPr rtlCol="0" anchor="ctr"/>
+          <a:lstStyle/>
+          <a:p>
+            <a:pPr algn="ctr"/>
+            <a:r>
+              <a:rPr lang="en-US" sz="1400" dirty="0" err="1" smtClean="0"/>
+              <a:t>create_BEAST_input.py</a:t>
+            </a:r>
+            <a:endParaRPr lang="en-US" sz="1400" dirty="0" smtClean="0"/>
+          </a:p>
+        </p:txBody>
+      </p:sp>
+      <p:sp>
+        <p:nvSpPr>
+          <p:cNvPr id="89" name="TextBox 88"/>
           <p:cNvSpPr txBox="1"/>
           <p:nvPr/>
         </p:nvSpPr>
         <p:spPr>
           <a:xfrm>
-            <a:off x="5779101" y="3009649"/>
-            <a:ext cx="3148384" cy="369332"/>
+            <a:off x="3138894" y="2505878"/>
+            <a:ext cx="1578790" cy="369332"/>
           </a:xfrm>
           <a:prstGeom prst="rect">
             <a:avLst/>
@@ -11860,12 +15444,8 @@
           <a:p>
             <a:pPr algn="ctr"/>
             <a:r>
-              <a:rPr lang="en-US" dirty="0" err="1" smtClean="0"/>
-              <a:t>segmentation_validation_vXX</a:t>
-            </a:r>
-            <a:r>
               <a:rPr lang="en-US" dirty="0" smtClean="0"/>
-              <a:t>/</a:t>
+              <a:t>BEAST_TAG/</a:t>
             </a:r>
             <a:endParaRPr lang="en-US" dirty="0"/>
           </a:p>
@@ -11873,17 +15453,17 @@
       </p:sp>
       <p:cxnSp>
         <p:nvCxnSpPr>
-          <p:cNvPr id="29" name="Elbow Connector 28"/>
-          <p:cNvCxnSpPr>
-            <a:stCxn id="28" idx="2"/>
-            <a:endCxn id="3" idx="0"/>
-          </p:cNvCxnSpPr>
-          <p:nvPr/>
-        </p:nvCxnSpPr>
-        <p:spPr>
-          <a:xfrm rot="5400000">
-            <a:off x="4188281" y="1394117"/>
-            <a:ext cx="1180148" cy="5149877"/>
+          <p:cNvPr id="90" name="Elbow Connector 89"/>
+          <p:cNvCxnSpPr>
+            <a:stCxn id="88" idx="4"/>
+            <a:endCxn id="89" idx="0"/>
+          </p:cNvCxnSpPr>
+          <p:nvPr/>
+        </p:nvCxnSpPr>
+        <p:spPr>
+          <a:xfrm rot="16200000" flipH="1">
+            <a:off x="3418592" y="1996180"/>
+            <a:ext cx="229999" cy="789395"/>
           </a:xfrm>
           <a:prstGeom prst="bentConnector3">
             <a:avLst>
@@ -11906,95 +15486,19 @@
           </a:fontRef>
         </p:style>
       </p:cxnSp>
-      <p:sp>
-        <p:nvSpPr>
-          <p:cNvPr id="41" name="TextBox 40"/>
-          <p:cNvSpPr txBox="1"/>
-          <p:nvPr/>
-        </p:nvSpPr>
-        <p:spPr>
-          <a:xfrm>
-            <a:off x="181294" y="403206"/>
-            <a:ext cx="1880196" cy="369332"/>
-          </a:xfrm>
-          <a:prstGeom prst="rect">
-            <a:avLst/>
-          </a:prstGeom>
-          <a:noFill/>
-        </p:spPr>
-        <p:txBody>
-          <a:bodyPr wrap="square" rtlCol="0">
-            <a:spAutoFit/>
-          </a:bodyPr>
-          <a:lstStyle/>
-          <a:p>
-            <a:pPr algn="ctr"/>
-            <a:r>
-              <a:rPr lang="en-US" dirty="0" err="1"/>
-              <a:t>CN_filtered_data</a:t>
-            </a:r>
-            <a:r>
-              <a:rPr lang="en-US" dirty="0"/>
-              <a:t>/</a:t>
-            </a:r>
-          </a:p>
-        </p:txBody>
-      </p:sp>
-      <p:sp>
-        <p:nvSpPr>
-          <p:cNvPr id="42" name="Oval 41"/>
-          <p:cNvSpPr/>
-          <p:nvPr/>
-        </p:nvSpPr>
-        <p:spPr>
-          <a:xfrm>
-            <a:off x="290534" y="1045221"/>
-            <a:ext cx="3541907" cy="468868"/>
-          </a:xfrm>
-          <a:prstGeom prst="ellipse">
-            <a:avLst/>
-          </a:prstGeom>
-        </p:spPr>
-        <p:style>
-          <a:lnRef idx="1">
-            <a:schemeClr val="accent1"/>
-          </a:lnRef>
-          <a:fillRef idx="3">
-            <a:schemeClr val="accent1"/>
-          </a:fillRef>
-          <a:effectRef idx="2">
-            <a:schemeClr val="accent1"/>
-          </a:effectRef>
-          <a:fontRef idx="minor">
-            <a:schemeClr val="lt1"/>
-          </a:fontRef>
-        </p:style>
-        <p:txBody>
-          <a:bodyPr rtlCol="0" anchor="ctr"/>
-          <a:lstStyle/>
-          <a:p>
-            <a:pPr algn="ctr"/>
-            <a:r>
-              <a:rPr lang="en-US" sz="1400" dirty="0" err="1" smtClean="0"/>
-              <a:t>process_joint_segmentation.py</a:t>
-            </a:r>
-            <a:endParaRPr lang="en-US" sz="1400" dirty="0" smtClean="0"/>
-          </a:p>
-        </p:txBody>
-      </p:sp>
-      <p:cxnSp>
-        <p:nvCxnSpPr>
-          <p:cNvPr id="43" name="Elbow Connector 42"/>
-          <p:cNvCxnSpPr>
-            <a:stCxn id="42" idx="0"/>
-            <a:endCxn id="41" idx="2"/>
-          </p:cNvCxnSpPr>
-          <p:nvPr/>
-        </p:nvCxnSpPr>
-        <p:spPr>
-          <a:xfrm rot="16200000" flipV="1">
-            <a:off x="1455099" y="438832"/>
-            <a:ext cx="272683" cy="940096"/>
+      <p:cxnSp>
+        <p:nvCxnSpPr>
+          <p:cNvPr id="107" name="Elbow Connector 106"/>
+          <p:cNvCxnSpPr>
+            <a:stCxn id="9" idx="2"/>
+            <a:endCxn id="88" idx="0"/>
+          </p:cNvCxnSpPr>
+          <p:nvPr/>
+        </p:nvCxnSpPr>
+        <p:spPr>
+          <a:xfrm rot="16200000" flipH="1">
+            <a:off x="3011550" y="1679666"/>
+            <a:ext cx="113897" cy="140792"/>
           </a:xfrm>
           <a:prstGeom prst="bentConnector3">
             <a:avLst>
@@ -12017,19 +15521,96 @@
           </a:fontRef>
         </p:style>
       </p:cxnSp>
-      <p:cxnSp>
-        <p:nvCxnSpPr>
-          <p:cNvPr id="44" name="Elbow Connector 43"/>
-          <p:cNvCxnSpPr>
-            <a:stCxn id="42" idx="4"/>
-            <a:endCxn id="2" idx="0"/>
-          </p:cNvCxnSpPr>
-          <p:nvPr/>
-        </p:nvCxnSpPr>
-        <p:spPr>
-          <a:xfrm rot="16200000" flipH="1">
-            <a:off x="2902653" y="672924"/>
-            <a:ext cx="394313" cy="2076642"/>
+      <p:sp>
+        <p:nvSpPr>
+          <p:cNvPr id="142" name="Oval 141"/>
+          <p:cNvSpPr/>
+          <p:nvPr/>
+        </p:nvSpPr>
+        <p:spPr>
+          <a:xfrm>
+            <a:off x="97622" y="3021982"/>
+            <a:ext cx="3694307" cy="468868"/>
+          </a:xfrm>
+          <a:prstGeom prst="ellipse">
+            <a:avLst/>
+          </a:prstGeom>
+        </p:spPr>
+        <p:style>
+          <a:lnRef idx="1">
+            <a:schemeClr val="accent1"/>
+          </a:lnRef>
+          <a:fillRef idx="3">
+            <a:schemeClr val="accent1"/>
+          </a:fillRef>
+          <a:effectRef idx="2">
+            <a:schemeClr val="accent1"/>
+          </a:effectRef>
+          <a:fontRef idx="minor">
+            <a:schemeClr val="lt1"/>
+          </a:fontRef>
+        </p:style>
+        <p:txBody>
+          <a:bodyPr rtlCol="0" anchor="ctr"/>
+          <a:lstStyle/>
+          <a:p>
+            <a:pPr algn="ctr"/>
+            <a:r>
+              <a:rPr lang="en-US" sz="1400" dirty="0" err="1" smtClean="0"/>
+              <a:t>create_delgains_from_BEAST.py</a:t>
+            </a:r>
+            <a:endParaRPr lang="en-US" sz="1400" dirty="0" smtClean="0"/>
+          </a:p>
+        </p:txBody>
+      </p:sp>
+      <p:sp>
+        <p:nvSpPr>
+          <p:cNvPr id="143" name="TextBox 142"/>
+          <p:cNvSpPr txBox="1"/>
+          <p:nvPr/>
+        </p:nvSpPr>
+        <p:spPr>
+          <a:xfrm>
+            <a:off x="100994" y="3811864"/>
+            <a:ext cx="2130467" cy="369332"/>
+          </a:xfrm>
+          <a:prstGeom prst="rect">
+            <a:avLst/>
+          </a:prstGeom>
+          <a:noFill/>
+        </p:spPr>
+        <p:txBody>
+          <a:bodyPr wrap="square" rtlCol="0">
+            <a:spAutoFit/>
+          </a:bodyPr>
+          <a:lstStyle/>
+          <a:p>
+            <a:pPr algn="ctr"/>
+            <a:r>
+              <a:rPr lang="en-US" dirty="0" err="1" smtClean="0"/>
+              <a:t>joint_delsandgains</a:t>
+            </a:r>
+            <a:r>
+              <a:rPr lang="en-US" dirty="0" smtClean="0"/>
+              <a:t>/</a:t>
+            </a:r>
+            <a:endParaRPr lang="en-US" dirty="0"/>
+          </a:p>
+        </p:txBody>
+      </p:sp>
+      <p:cxnSp>
+        <p:nvCxnSpPr>
+          <p:cNvPr id="144" name="Elbow Connector 143"/>
+          <p:cNvCxnSpPr>
+            <a:stCxn id="142" idx="4"/>
+            <a:endCxn id="143" idx="0"/>
+          </p:cNvCxnSpPr>
+          <p:nvPr/>
+        </p:nvCxnSpPr>
+        <p:spPr>
+          <a:xfrm rot="5400000">
+            <a:off x="1394995" y="3262083"/>
+            <a:ext cx="321014" cy="778548"/>
           </a:xfrm>
           <a:prstGeom prst="bentConnector3">
             <a:avLst>
@@ -12052,56 +15633,19 @@
           </a:fontRef>
         </p:style>
       </p:cxnSp>
-      <p:sp>
-        <p:nvSpPr>
-          <p:cNvPr id="46" name="TextBox 45"/>
-          <p:cNvSpPr txBox="1"/>
-          <p:nvPr/>
-        </p:nvSpPr>
-        <p:spPr>
-          <a:xfrm>
-            <a:off x="2809004" y="218540"/>
-            <a:ext cx="2582334" cy="369332"/>
-          </a:xfrm>
-          <a:prstGeom prst="rect">
-            <a:avLst/>
-          </a:prstGeom>
-          <a:noFill/>
-        </p:spPr>
-        <p:txBody>
-          <a:bodyPr wrap="square" rtlCol="0">
-            <a:spAutoFit/>
-          </a:bodyPr>
-          <a:lstStyle/>
-          <a:p>
-            <a:pPr algn="ctr"/>
-            <a:r>
-              <a:rPr lang="en-US" dirty="0" err="1" smtClean="0">
-                <a:latin typeface="Courier New"/>
-                <a:cs typeface="Courier New"/>
-              </a:rPr>
-              <a:t>joint_seg_vXX.txt</a:t>
-            </a:r>
-            <a:endParaRPr lang="en-US" dirty="0">
-              <a:latin typeface="Courier New"/>
-              <a:cs typeface="Courier New"/>
-            </a:endParaRPr>
-          </a:p>
-        </p:txBody>
-      </p:sp>
-      <p:cxnSp>
-        <p:nvCxnSpPr>
-          <p:cNvPr id="47" name="Elbow Connector 46"/>
-          <p:cNvCxnSpPr>
-            <a:stCxn id="42" idx="0"/>
-            <a:endCxn id="46" idx="2"/>
-          </p:cNvCxnSpPr>
-          <p:nvPr/>
-        </p:nvCxnSpPr>
-        <p:spPr>
-          <a:xfrm rot="5400000" flipH="1" flipV="1">
-            <a:off x="2852155" y="-202794"/>
-            <a:ext cx="457349" cy="2038683"/>
+      <p:cxnSp>
+        <p:nvCxnSpPr>
+          <p:cNvPr id="146" name="Elbow Connector 145"/>
+          <p:cNvCxnSpPr>
+            <a:stCxn id="89" idx="2"/>
+            <a:endCxn id="142" idx="0"/>
+          </p:cNvCxnSpPr>
+          <p:nvPr/>
+        </p:nvCxnSpPr>
+        <p:spPr>
+          <a:xfrm rot="5400000">
+            <a:off x="2863147" y="1956840"/>
+            <a:ext cx="146772" cy="1983513"/>
           </a:xfrm>
           <a:prstGeom prst="bentConnector3">
             <a:avLst>
@@ -12126,13 +15670,13 @@
       </p:cxnSp>
       <p:sp>
         <p:nvSpPr>
-          <p:cNvPr id="53" name="Oval 52"/>
+          <p:cNvPr id="70" name="Oval 69"/>
           <p:cNvSpPr/>
           <p:nvPr/>
         </p:nvSpPr>
         <p:spPr>
           <a:xfrm>
-            <a:off x="4402520" y="1045221"/>
+            <a:off x="4175716" y="3021982"/>
             <a:ext cx="3541907" cy="468868"/>
           </a:xfrm>
           <a:prstGeom prst="ellipse">
@@ -12160,60 +15704,60 @@
             <a:pPr algn="ctr"/>
             <a:r>
               <a:rPr lang="en-US" sz="1400" dirty="0" err="1" smtClean="0"/>
-              <a:t>process_joint_BAFs.py</a:t>
+              <a:t>distribute_BEAST.py</a:t>
             </a:r>
             <a:endParaRPr lang="en-US" sz="1400" dirty="0" smtClean="0"/>
           </a:p>
         </p:txBody>
       </p:sp>
-      <p:cxnSp>
-        <p:nvCxnSpPr>
-          <p:cNvPr id="54" name="Elbow Connector 53"/>
-          <p:cNvCxnSpPr>
-            <a:stCxn id="53" idx="4"/>
-            <a:endCxn id="11" idx="0"/>
-          </p:cNvCxnSpPr>
-          <p:nvPr/>
-        </p:nvCxnSpPr>
-        <p:spPr>
-          <a:xfrm rot="5400000">
-            <a:off x="3436566" y="-903713"/>
-            <a:ext cx="319107" cy="5154710"/>
-          </a:xfrm>
-          <a:prstGeom prst="bentConnector3">
-            <a:avLst>
-              <a:gd name="adj1" fmla="val 31631"/>
-            </a:avLst>
-          </a:prstGeom>
-        </p:spPr>
-        <p:style>
-          <a:lnRef idx="2">
-            <a:schemeClr val="accent1"/>
-          </a:lnRef>
-          <a:fillRef idx="0">
-            <a:schemeClr val="accent1"/>
-          </a:fillRef>
-          <a:effectRef idx="1">
-            <a:schemeClr val="accent1"/>
-          </a:effectRef>
-          <a:fontRef idx="minor">
-            <a:schemeClr val="tx1"/>
-          </a:fontRef>
-        </p:style>
-      </p:cxnSp>
-      <p:cxnSp>
-        <p:nvCxnSpPr>
-          <p:cNvPr id="57" name="Elbow Connector 56"/>
-          <p:cNvCxnSpPr>
-            <a:stCxn id="53" idx="0"/>
-            <a:endCxn id="46" idx="2"/>
-          </p:cNvCxnSpPr>
-          <p:nvPr/>
-        </p:nvCxnSpPr>
-        <p:spPr>
-          <a:xfrm rot="16200000" flipV="1">
-            <a:off x="4908149" y="-220105"/>
-            <a:ext cx="457349" cy="2073303"/>
+      <p:sp>
+        <p:nvSpPr>
+          <p:cNvPr id="71" name="TextBox 70"/>
+          <p:cNvSpPr txBox="1"/>
+          <p:nvPr/>
+        </p:nvSpPr>
+        <p:spPr>
+          <a:xfrm>
+            <a:off x="5217722" y="3996530"/>
+            <a:ext cx="2482209" cy="369332"/>
+          </a:xfrm>
+          <a:prstGeom prst="rect">
+            <a:avLst/>
+          </a:prstGeom>
+          <a:noFill/>
+        </p:spPr>
+        <p:txBody>
+          <a:bodyPr wrap="square" rtlCol="0">
+            <a:spAutoFit/>
+          </a:bodyPr>
+          <a:lstStyle/>
+          <a:p>
+            <a:pPr algn="ctr"/>
+            <a:r>
+              <a:rPr lang="en-US" dirty="0" err="1" smtClean="0"/>
+              <a:t>BEAST_allcombos_TAG</a:t>
+            </a:r>
+            <a:r>
+              <a:rPr lang="en-US" dirty="0" smtClean="0"/>
+              <a:t>/</a:t>
+            </a:r>
+            <a:endParaRPr lang="en-US" dirty="0"/>
+          </a:p>
+        </p:txBody>
+      </p:sp>
+      <p:cxnSp>
+        <p:nvCxnSpPr>
+          <p:cNvPr id="72" name="Elbow Connector 71"/>
+          <p:cNvCxnSpPr>
+            <a:stCxn id="70" idx="4"/>
+            <a:endCxn id="71" idx="0"/>
+          </p:cNvCxnSpPr>
+          <p:nvPr/>
+        </p:nvCxnSpPr>
+        <p:spPr>
+          <a:xfrm rot="16200000" flipH="1">
+            <a:off x="5949908" y="3487611"/>
+            <a:ext cx="505680" cy="512157"/>
           </a:xfrm>
           <a:prstGeom prst="bentConnector3">
             <a:avLst>
@@ -12236,50 +15780,19 @@
           </a:fontRef>
         </p:style>
       </p:cxnSp>
-      <p:sp>
-        <p:nvSpPr>
-          <p:cNvPr id="62" name="TextBox 61"/>
-          <p:cNvSpPr txBox="1"/>
-          <p:nvPr/>
-        </p:nvSpPr>
-        <p:spPr>
-          <a:xfrm>
-            <a:off x="6173475" y="403206"/>
-            <a:ext cx="2359634" cy="369332"/>
-          </a:xfrm>
-          <a:prstGeom prst="rect">
-            <a:avLst/>
-          </a:prstGeom>
-          <a:noFill/>
-        </p:spPr>
-        <p:txBody>
-          <a:bodyPr wrap="square" rtlCol="0">
-            <a:spAutoFit/>
-          </a:bodyPr>
-          <a:lstStyle/>
-          <a:p>
-            <a:pPr algn="ctr"/>
-            <a:r>
-              <a:rPr lang="en-US" dirty="0" smtClean="0"/>
-              <a:t>BAF_filtered_data_15/</a:t>
-            </a:r>
-            <a:endParaRPr lang="en-US" dirty="0"/>
-          </a:p>
-        </p:txBody>
-      </p:sp>
-      <p:cxnSp>
-        <p:nvCxnSpPr>
-          <p:cNvPr id="63" name="Elbow Connector 62"/>
-          <p:cNvCxnSpPr>
-            <a:stCxn id="53" idx="0"/>
-            <a:endCxn id="62" idx="2"/>
-          </p:cNvCxnSpPr>
-          <p:nvPr/>
-        </p:nvCxnSpPr>
-        <p:spPr>
-          <a:xfrm rot="5400000" flipH="1" flipV="1">
-            <a:off x="6627042" y="318971"/>
-            <a:ext cx="272683" cy="1179818"/>
+      <p:cxnSp>
+        <p:nvCxnSpPr>
+          <p:cNvPr id="73" name="Elbow Connector 72"/>
+          <p:cNvCxnSpPr>
+            <a:stCxn id="89" idx="2"/>
+            <a:endCxn id="70" idx="0"/>
+          </p:cNvCxnSpPr>
+          <p:nvPr/>
+        </p:nvCxnSpPr>
+        <p:spPr>
+          <a:xfrm rot="16200000" flipH="1">
+            <a:off x="4864093" y="1939405"/>
+            <a:ext cx="146772" cy="2018381"/>
           </a:xfrm>
           <a:prstGeom prst="bentConnector3">
             <a:avLst>
@@ -12302,478 +15815,10 @@
           </a:fontRef>
         </p:style>
       </p:cxnSp>
-      <p:sp>
-        <p:nvSpPr>
-          <p:cNvPr id="74" name="Oval 73"/>
-          <p:cNvSpPr/>
-          <p:nvPr/>
-        </p:nvSpPr>
-        <p:spPr>
-          <a:xfrm>
-            <a:off x="4784088" y="2424498"/>
-            <a:ext cx="3541907" cy="468868"/>
-          </a:xfrm>
-          <a:prstGeom prst="ellipse">
-            <a:avLst/>
-          </a:prstGeom>
-        </p:spPr>
-        <p:style>
-          <a:lnRef idx="1">
-            <a:schemeClr val="accent1"/>
-          </a:lnRef>
-          <a:fillRef idx="3">
-            <a:schemeClr val="accent1"/>
-          </a:fillRef>
-          <a:effectRef idx="2">
-            <a:schemeClr val="accent1"/>
-          </a:effectRef>
-          <a:fontRef idx="minor">
-            <a:schemeClr val="lt1"/>
-          </a:fontRef>
-        </p:style>
-        <p:txBody>
-          <a:bodyPr rtlCol="0" anchor="ctr"/>
-          <a:lstStyle/>
-          <a:p>
-            <a:pPr algn="ctr"/>
-            <a:r>
-              <a:rPr lang="en-US" sz="1400" dirty="0" err="1" smtClean="0"/>
-              <a:t>validate_segmentation.py</a:t>
-            </a:r>
-            <a:endParaRPr lang="en-US" sz="1400" dirty="0" smtClean="0"/>
-          </a:p>
-        </p:txBody>
-      </p:sp>
-      <p:cxnSp>
-        <p:nvCxnSpPr>
-          <p:cNvPr id="75" name="Elbow Connector 74"/>
-          <p:cNvCxnSpPr>
-            <a:stCxn id="2" idx="2"/>
-            <a:endCxn id="74" idx="0"/>
-          </p:cNvCxnSpPr>
-          <p:nvPr/>
-        </p:nvCxnSpPr>
-        <p:spPr>
-          <a:xfrm rot="16200000" flipH="1">
-            <a:off x="5273204" y="1142660"/>
-            <a:ext cx="146764" cy="2416912"/>
-          </a:xfrm>
-          <a:prstGeom prst="bentConnector3">
-            <a:avLst>
-              <a:gd name="adj1" fmla="val 50000"/>
-            </a:avLst>
-          </a:prstGeom>
-        </p:spPr>
-        <p:style>
-          <a:lnRef idx="2">
-            <a:schemeClr val="accent1"/>
-          </a:lnRef>
-          <a:fillRef idx="0">
-            <a:schemeClr val="accent1"/>
-          </a:fillRef>
-          <a:effectRef idx="1">
-            <a:schemeClr val="accent1"/>
-          </a:effectRef>
-          <a:fontRef idx="minor">
-            <a:schemeClr val="tx1"/>
-          </a:fontRef>
-        </p:style>
-      </p:cxnSp>
-      <p:cxnSp>
-        <p:nvCxnSpPr>
-          <p:cNvPr id="78" name="Elbow Connector 77"/>
-          <p:cNvCxnSpPr>
-            <a:stCxn id="62" idx="3"/>
-            <a:endCxn id="74" idx="0"/>
-          </p:cNvCxnSpPr>
-          <p:nvPr/>
-        </p:nvCxnSpPr>
-        <p:spPr>
-          <a:xfrm flipH="1">
-            <a:off x="6555042" y="587872"/>
-            <a:ext cx="1978067" cy="1836626"/>
-          </a:xfrm>
-          <a:prstGeom prst="bentConnector4">
-            <a:avLst>
-              <a:gd name="adj1" fmla="val -11557"/>
-              <a:gd name="adj2" fmla="val 55027"/>
-            </a:avLst>
-          </a:prstGeom>
-        </p:spPr>
-        <p:style>
-          <a:lnRef idx="2">
-            <a:schemeClr val="accent1"/>
-          </a:lnRef>
-          <a:fillRef idx="0">
-            <a:schemeClr val="accent1"/>
-          </a:fillRef>
-          <a:effectRef idx="1">
-            <a:schemeClr val="accent1"/>
-          </a:effectRef>
-          <a:fontRef idx="minor">
-            <a:schemeClr val="tx1"/>
-          </a:fontRef>
-        </p:style>
-      </p:cxnSp>
-      <p:cxnSp>
-        <p:nvCxnSpPr>
-          <p:cNvPr id="83" name="Elbow Connector 82"/>
-          <p:cNvCxnSpPr>
-            <a:stCxn id="74" idx="4"/>
-            <a:endCxn id="28" idx="0"/>
-          </p:cNvCxnSpPr>
-          <p:nvPr/>
-        </p:nvCxnSpPr>
-        <p:spPr>
-          <a:xfrm rot="16200000" flipH="1">
-            <a:off x="6896026" y="2552381"/>
-            <a:ext cx="116283" cy="798251"/>
-          </a:xfrm>
-          <a:prstGeom prst="bentConnector3">
-            <a:avLst>
-              <a:gd name="adj1" fmla="val 50000"/>
-            </a:avLst>
-          </a:prstGeom>
-        </p:spPr>
-        <p:style>
-          <a:lnRef idx="2">
-            <a:schemeClr val="accent1"/>
-          </a:lnRef>
-          <a:fillRef idx="0">
-            <a:schemeClr val="accent1"/>
-          </a:fillRef>
-          <a:effectRef idx="1">
-            <a:schemeClr val="accent1"/>
-          </a:effectRef>
-          <a:fontRef idx="minor">
-            <a:schemeClr val="tx1"/>
-          </a:fontRef>
-        </p:style>
-      </p:cxnSp>
-      <p:sp>
-        <p:nvSpPr>
-          <p:cNvPr id="45" name="Oval 44"/>
-          <p:cNvSpPr/>
-          <p:nvPr/>
-        </p:nvSpPr>
-        <p:spPr>
-          <a:xfrm>
-            <a:off x="720200" y="2628244"/>
-            <a:ext cx="3541907" cy="468868"/>
-          </a:xfrm>
-          <a:prstGeom prst="ellipse">
-            <a:avLst/>
-          </a:prstGeom>
-        </p:spPr>
-        <p:style>
-          <a:lnRef idx="1">
-            <a:schemeClr val="accent1"/>
-          </a:lnRef>
-          <a:fillRef idx="3">
-            <a:schemeClr val="accent1"/>
-          </a:fillRef>
-          <a:effectRef idx="2">
-            <a:schemeClr val="accent1"/>
-          </a:effectRef>
-          <a:fontRef idx="minor">
-            <a:schemeClr val="lt1"/>
-          </a:fontRef>
-        </p:style>
-        <p:txBody>
-          <a:bodyPr rtlCol="0" anchor="ctr"/>
-          <a:lstStyle/>
-          <a:p>
-            <a:pPr algn="ctr"/>
-            <a:r>
-              <a:rPr lang="en-US" sz="1400" dirty="0" err="1" smtClean="0"/>
-              <a:t>calculate_odds.py</a:t>
-            </a:r>
-            <a:endParaRPr lang="en-US" sz="1400" dirty="0" smtClean="0"/>
-          </a:p>
-        </p:txBody>
-      </p:sp>
-      <p:sp>
-        <p:nvSpPr>
-          <p:cNvPr id="48" name="TextBox 47"/>
-          <p:cNvSpPr txBox="1"/>
-          <p:nvPr/>
-        </p:nvSpPr>
-        <p:spPr>
-          <a:xfrm>
-            <a:off x="2008522" y="3563646"/>
-            <a:ext cx="3770579" cy="369332"/>
-          </a:xfrm>
-          <a:prstGeom prst="rect">
-            <a:avLst/>
-          </a:prstGeom>
-          <a:noFill/>
-        </p:spPr>
-        <p:txBody>
-          <a:bodyPr wrap="square" rtlCol="0">
-            <a:spAutoFit/>
-          </a:bodyPr>
-          <a:lstStyle/>
-          <a:p>
-            <a:pPr algn="ctr"/>
-            <a:r>
-              <a:rPr lang="en-US" dirty="0" smtClean="0"/>
-              <a:t>CN_joint_log2rs_vXX_joined_best/</a:t>
-            </a:r>
-            <a:endParaRPr lang="en-US" dirty="0"/>
-          </a:p>
-        </p:txBody>
-      </p:sp>
-      <p:sp>
-        <p:nvSpPr>
-          <p:cNvPr id="49" name="TextBox 48"/>
-          <p:cNvSpPr txBox="1"/>
-          <p:nvPr/>
-        </p:nvSpPr>
-        <p:spPr>
-          <a:xfrm>
-            <a:off x="0" y="3194315"/>
-            <a:ext cx="3698758" cy="369332"/>
-          </a:xfrm>
-          <a:prstGeom prst="rect">
-            <a:avLst/>
-          </a:prstGeom>
-          <a:noFill/>
-        </p:spPr>
-        <p:txBody>
-          <a:bodyPr wrap="square" rtlCol="0">
-            <a:spAutoFit/>
-          </a:bodyPr>
-          <a:lstStyle/>
-          <a:p>
-            <a:pPr algn="ctr"/>
-            <a:r>
-              <a:rPr lang="en-US" dirty="0" err="1" smtClean="0"/>
-              <a:t>BAF_joint_vals_vXX_joined_best</a:t>
-            </a:r>
-            <a:r>
-              <a:rPr lang="en-US" dirty="0" smtClean="0"/>
-              <a:t>/</a:t>
-            </a:r>
-            <a:endParaRPr lang="en-US" dirty="0"/>
-          </a:p>
-        </p:txBody>
-      </p:sp>
-      <p:cxnSp>
-        <p:nvCxnSpPr>
-          <p:cNvPr id="50" name="Elbow Connector 49"/>
-          <p:cNvCxnSpPr>
-            <a:stCxn id="45" idx="3"/>
-            <a:endCxn id="49" idx="0"/>
-          </p:cNvCxnSpPr>
-          <p:nvPr/>
-        </p:nvCxnSpPr>
-        <p:spPr>
-          <a:xfrm rot="16200000" flipH="1">
-            <a:off x="1461206" y="2806141"/>
-            <a:ext cx="165867" cy="610479"/>
-          </a:xfrm>
-          <a:prstGeom prst="bentConnector3">
-            <a:avLst>
-              <a:gd name="adj1" fmla="val 50000"/>
-            </a:avLst>
-          </a:prstGeom>
-        </p:spPr>
-        <p:style>
-          <a:lnRef idx="2">
-            <a:schemeClr val="accent1"/>
-          </a:lnRef>
-          <a:fillRef idx="0">
-            <a:schemeClr val="accent1"/>
-          </a:fillRef>
-          <a:effectRef idx="1">
-            <a:schemeClr val="accent1"/>
-          </a:effectRef>
-          <a:fontRef idx="minor">
-            <a:schemeClr val="tx1"/>
-          </a:fontRef>
-        </p:style>
-      </p:cxnSp>
-      <p:cxnSp>
-        <p:nvCxnSpPr>
-          <p:cNvPr id="51" name="Elbow Connector 50"/>
-          <p:cNvCxnSpPr>
-            <a:stCxn id="45" idx="5"/>
-            <a:endCxn id="48" idx="0"/>
-          </p:cNvCxnSpPr>
-          <p:nvPr/>
-        </p:nvCxnSpPr>
-        <p:spPr>
-          <a:xfrm rot="16200000" flipH="1">
-            <a:off x="3551010" y="3220844"/>
-            <a:ext cx="535198" cy="150405"/>
-          </a:xfrm>
-          <a:prstGeom prst="bentConnector3">
-            <a:avLst>
-              <a:gd name="adj1" fmla="val 50000"/>
-            </a:avLst>
-          </a:prstGeom>
-        </p:spPr>
-        <p:style>
-          <a:lnRef idx="2">
-            <a:schemeClr val="accent1"/>
-          </a:lnRef>
-          <a:fillRef idx="0">
-            <a:schemeClr val="accent1"/>
-          </a:fillRef>
-          <a:effectRef idx="1">
-            <a:schemeClr val="accent1"/>
-          </a:effectRef>
-          <a:fontRef idx="minor">
-            <a:schemeClr val="tx1"/>
-          </a:fontRef>
-        </p:style>
-      </p:cxnSp>
-      <p:cxnSp>
-        <p:nvCxnSpPr>
-          <p:cNvPr id="52" name="Elbow Connector 51"/>
-          <p:cNvCxnSpPr>
-            <a:stCxn id="49" idx="2"/>
-            <a:endCxn id="3" idx="0"/>
-          </p:cNvCxnSpPr>
-          <p:nvPr/>
-        </p:nvCxnSpPr>
-        <p:spPr>
-          <a:xfrm rot="16200000" flipH="1">
-            <a:off x="1528656" y="3884369"/>
-            <a:ext cx="995482" cy="354037"/>
-          </a:xfrm>
-          <a:prstGeom prst="bentConnector3">
-            <a:avLst>
-              <a:gd name="adj1" fmla="val 50000"/>
-            </a:avLst>
-          </a:prstGeom>
-        </p:spPr>
-        <p:style>
-          <a:lnRef idx="2">
-            <a:schemeClr val="accent1"/>
-          </a:lnRef>
-          <a:fillRef idx="0">
-            <a:schemeClr val="accent1"/>
-          </a:fillRef>
-          <a:effectRef idx="1">
-            <a:schemeClr val="accent1"/>
-          </a:effectRef>
-          <a:fontRef idx="minor">
-            <a:schemeClr val="tx1"/>
-          </a:fontRef>
-        </p:style>
-      </p:cxnSp>
-      <p:cxnSp>
-        <p:nvCxnSpPr>
-          <p:cNvPr id="56" name="Elbow Connector 55"/>
-          <p:cNvCxnSpPr>
-            <a:stCxn id="48" idx="2"/>
-            <a:endCxn id="3" idx="0"/>
-          </p:cNvCxnSpPr>
-          <p:nvPr/>
-        </p:nvCxnSpPr>
-        <p:spPr>
-          <a:xfrm rot="5400000">
-            <a:off x="2735539" y="3400855"/>
-            <a:ext cx="626151" cy="1690396"/>
-          </a:xfrm>
-          <a:prstGeom prst="bentConnector3">
-            <a:avLst>
-              <a:gd name="adj1" fmla="val 50000"/>
-            </a:avLst>
-          </a:prstGeom>
-        </p:spPr>
-        <p:style>
-          <a:lnRef idx="2">
-            <a:schemeClr val="accent1"/>
-          </a:lnRef>
-          <a:fillRef idx="0">
-            <a:schemeClr val="accent1"/>
-          </a:fillRef>
-          <a:effectRef idx="1">
-            <a:schemeClr val="accent1"/>
-          </a:effectRef>
-          <a:fontRef idx="minor">
-            <a:schemeClr val="tx1"/>
-          </a:fontRef>
-        </p:style>
-      </p:cxnSp>
-      <p:cxnSp>
-        <p:nvCxnSpPr>
-          <p:cNvPr id="64" name="Elbow Connector 63"/>
-          <p:cNvCxnSpPr>
-            <a:stCxn id="70" idx="2"/>
-            <a:endCxn id="45" idx="0"/>
-          </p:cNvCxnSpPr>
-          <p:nvPr/>
-        </p:nvCxnSpPr>
-        <p:spPr>
-          <a:xfrm rot="5400000">
-            <a:off x="2451878" y="2501676"/>
-            <a:ext cx="165844" cy="87292"/>
-          </a:xfrm>
-          <a:prstGeom prst="bentConnector3">
-            <a:avLst>
-              <a:gd name="adj1" fmla="val 50000"/>
-            </a:avLst>
-          </a:prstGeom>
-        </p:spPr>
-        <p:style>
-          <a:lnRef idx="2">
-            <a:schemeClr val="accent1"/>
-          </a:lnRef>
-          <a:fillRef idx="0">
-            <a:schemeClr val="accent1"/>
-          </a:fillRef>
-          <a:effectRef idx="1">
-            <a:schemeClr val="accent1"/>
-          </a:effectRef>
-          <a:fontRef idx="minor">
-            <a:schemeClr val="tx1"/>
-          </a:fontRef>
-        </p:style>
-      </p:cxnSp>
-      <p:sp>
-        <p:nvSpPr>
-          <p:cNvPr id="70" name="TextBox 69"/>
-          <p:cNvSpPr txBox="1"/>
-          <p:nvPr/>
-        </p:nvSpPr>
-        <p:spPr>
-          <a:xfrm>
-            <a:off x="1018764" y="2093068"/>
-            <a:ext cx="3119364" cy="369332"/>
-          </a:xfrm>
-          <a:prstGeom prst="rect">
-            <a:avLst/>
-          </a:prstGeom>
-          <a:noFill/>
-        </p:spPr>
-        <p:txBody>
-          <a:bodyPr wrap="square" rtlCol="0">
-            <a:spAutoFit/>
-          </a:bodyPr>
-          <a:lstStyle/>
-          <a:p>
-            <a:pPr algn="ctr"/>
-            <a:r>
-              <a:rPr lang="en-US" dirty="0" err="1" smtClean="0">
-                <a:latin typeface="Courier New"/>
-                <a:cs typeface="Courier New"/>
-              </a:rPr>
-              <a:t>joint_summary_TAG.txt</a:t>
-            </a:r>
-            <a:endParaRPr lang="en-US" dirty="0">
-              <a:latin typeface="Courier New"/>
-              <a:cs typeface="Courier New"/>
-            </a:endParaRPr>
-          </a:p>
-        </p:txBody>
-      </p:sp>
     </p:spTree>
     <p:extLst>
       <p:ext uri="{BB962C8B-B14F-4D97-AF65-F5344CB8AC3E}">
-        <p14:creationId xmlns:p14="http://schemas.microsoft.com/office/powerpoint/2010/main" val="415467289"/>
+        <p14:creationId xmlns:p14="http://schemas.microsoft.com/office/powerpoint/2010/main" val="2677983069"/>
       </p:ext>
     </p:extLst>
   </p:cSld>
@@ -12802,14 +15847,14 @@
       </p:grpSpPr>
       <p:sp>
         <p:nvSpPr>
-          <p:cNvPr id="6" name="TextBox 5"/>
+          <p:cNvPr id="4" name="TextBox 3"/>
           <p:cNvSpPr txBox="1"/>
           <p:nvPr/>
         </p:nvSpPr>
         <p:spPr>
           <a:xfrm>
-            <a:off x="97622" y="84815"/>
-            <a:ext cx="4078094" cy="369332"/>
+            <a:off x="272238" y="165571"/>
+            <a:ext cx="1710266" cy="369332"/>
           </a:xfrm>
           <a:prstGeom prst="rect">
             <a:avLst/>
@@ -12825,7 +15870,7 @@
             <a:pPr algn="ctr"/>
             <a:r>
               <a:rPr lang="en-US" dirty="0" err="1" smtClean="0"/>
-              <a:t>joint_processed_segmentation_TAG</a:t>
+              <a:t>CN_raw_data</a:t>
             </a:r>
             <a:r>
               <a:rPr lang="en-US" dirty="0" smtClean="0"/>
@@ -12837,14 +15882,14 @@
       </p:sp>
       <p:sp>
         <p:nvSpPr>
-          <p:cNvPr id="7" name="Oval 6"/>
+          <p:cNvPr id="6" name="Oval 5"/>
           <p:cNvSpPr/>
           <p:nvPr/>
         </p:nvSpPr>
         <p:spPr>
           <a:xfrm>
-            <a:off x="319539" y="697479"/>
-            <a:ext cx="3541907" cy="468868"/>
+            <a:off x="540458" y="910969"/>
+            <a:ext cx="2534718" cy="468868"/>
           </a:xfrm>
           <a:prstGeom prst="ellipse">
             <a:avLst/>
@@ -12871,7 +15916,7 @@
             <a:pPr algn="ctr"/>
             <a:r>
               <a:rPr lang="en-US" sz="1400" dirty="0" err="1" smtClean="0"/>
-              <a:t>remove_joint_duplicates.py</a:t>
+              <a:t>process_omni_CN.py</a:t>
             </a:r>
             <a:endParaRPr lang="en-US" sz="1400" dirty="0" smtClean="0"/>
           </a:p>
@@ -12879,17 +15924,50 @@
       </p:sp>
       <p:cxnSp>
         <p:nvCxnSpPr>
+          <p:cNvPr id="7" name="Elbow Connector 6"/>
+          <p:cNvCxnSpPr>
+            <a:stCxn id="4" idx="2"/>
+            <a:endCxn id="6" idx="0"/>
+          </p:cNvCxnSpPr>
+          <p:nvPr/>
+        </p:nvCxnSpPr>
+        <p:spPr>
+          <a:xfrm rot="16200000" flipH="1">
+            <a:off x="1279561" y="382713"/>
+            <a:ext cx="376066" cy="680446"/>
+          </a:xfrm>
+          <a:prstGeom prst="bentConnector3">
+            <a:avLst/>
+          </a:prstGeom>
+        </p:spPr>
+        <p:style>
+          <a:lnRef idx="2">
+            <a:schemeClr val="accent1"/>
+          </a:lnRef>
+          <a:fillRef idx="0">
+            <a:schemeClr val="accent1"/>
+          </a:fillRef>
+          <a:effectRef idx="1">
+            <a:schemeClr val="accent1"/>
+          </a:effectRef>
+          <a:fontRef idx="minor">
+            <a:schemeClr val="tx1"/>
+          </a:fontRef>
+        </p:style>
+      </p:cxnSp>
+      <p:cxnSp>
+        <p:nvCxnSpPr>
           <p:cNvPr id="8" name="Elbow Connector 7"/>
           <p:cNvCxnSpPr>
-            <a:stCxn id="7" idx="0"/>
-            <a:endCxn id="6" idx="2"/>
-          </p:cNvCxnSpPr>
-          <p:nvPr/>
-        </p:nvCxnSpPr>
-        <p:spPr>
-          <a:xfrm rot="5400000" flipH="1" flipV="1">
-            <a:off x="1991915" y="552725"/>
-            <a:ext cx="243332" cy="46176"/>
+            <a:stCxn id="6" idx="4"/>
+            <a:endCxn id="9" idx="0"/>
+          </p:cNvCxnSpPr>
+          <p:nvPr/>
+        </p:nvCxnSpPr>
+        <p:spPr>
+          <a:xfrm rot="16200000" flipH="1">
+            <a:off x="1979179" y="1208474"/>
+            <a:ext cx="289697" cy="632421"/>
           </a:xfrm>
           <a:prstGeom prst="bentConnector3">
             <a:avLst>
@@ -12920,8 +15998,8 @@
         </p:nvSpPr>
         <p:spPr>
           <a:xfrm>
-            <a:off x="1166228" y="1323782"/>
-            <a:ext cx="3663748" cy="369332"/>
+            <a:off x="1030538" y="1669534"/>
+            <a:ext cx="2819400" cy="369332"/>
           </a:xfrm>
           <a:prstGeom prst="rect">
             <a:avLst/>
@@ -12937,7 +16015,7 @@
             <a:pPr algn="ctr"/>
             <a:r>
               <a:rPr lang="en-US" dirty="0" err="1" smtClean="0"/>
-              <a:t>joint_segmentation_nodupes_TAG</a:t>
+              <a:t>CN_filtered_data</a:t>
             </a:r>
             <a:r>
               <a:rPr lang="en-US" dirty="0" smtClean="0"/>
@@ -12947,19 +16025,61 @@
           </a:p>
         </p:txBody>
       </p:sp>
-      <p:cxnSp>
-        <p:nvCxnSpPr>
-          <p:cNvPr id="10" name="Elbow Connector 9"/>
-          <p:cNvCxnSpPr>
-            <a:stCxn id="7" idx="4"/>
-            <a:endCxn id="9" idx="0"/>
-          </p:cNvCxnSpPr>
-          <p:nvPr/>
-        </p:nvCxnSpPr>
-        <p:spPr>
-          <a:xfrm rot="16200000" flipH="1">
-            <a:off x="2465580" y="791259"/>
-            <a:ext cx="157435" cy="907609"/>
+      <p:sp>
+        <p:nvSpPr>
+          <p:cNvPr id="22" name="Oval 21"/>
+          <p:cNvSpPr/>
+          <p:nvPr/>
+        </p:nvSpPr>
+        <p:spPr>
+          <a:xfrm>
+            <a:off x="2149478" y="2448318"/>
+            <a:ext cx="3555753" cy="468868"/>
+          </a:xfrm>
+          <a:prstGeom prst="ellipse">
+            <a:avLst/>
+          </a:prstGeom>
+        </p:spPr>
+        <p:style>
+          <a:lnRef idx="1">
+            <a:schemeClr val="accent1"/>
+          </a:lnRef>
+          <a:fillRef idx="3">
+            <a:schemeClr val="accent1"/>
+          </a:fillRef>
+          <a:effectRef idx="2">
+            <a:schemeClr val="accent1"/>
+          </a:effectRef>
+          <a:fontRef idx="minor">
+            <a:schemeClr val="lt1"/>
+          </a:fontRef>
+        </p:style>
+        <p:txBody>
+          <a:bodyPr rtlCol="0" anchor="ctr"/>
+          <a:lstStyle/>
+          <a:p>
+            <a:pPr algn="ctr"/>
+            <a:r>
+              <a:rPr lang="en-US" sz="1400" dirty="0" err="1" smtClean="0"/>
+              <a:t>process_filtered_omni_CN.py</a:t>
+            </a:r>
+            <a:endParaRPr lang="en-US" sz="1400" dirty="0" smtClean="0"/>
+          </a:p>
+        </p:txBody>
+      </p:sp>
+      <p:cxnSp>
+        <p:nvCxnSpPr>
+          <p:cNvPr id="25" name="Elbow Connector 24"/>
+          <p:cNvCxnSpPr>
+            <a:stCxn id="22" idx="0"/>
+            <a:endCxn id="9" idx="2"/>
+          </p:cNvCxnSpPr>
+          <p:nvPr/>
+        </p:nvCxnSpPr>
+        <p:spPr>
+          <a:xfrm rot="16200000" flipV="1">
+            <a:off x="2979071" y="1500033"/>
+            <a:ext cx="409452" cy="1487117"/>
           </a:xfrm>
           <a:prstGeom prst="bentConnector3">
             <a:avLst>
@@ -12984,56 +16104,14 @@
       </p:cxnSp>
       <p:sp>
         <p:nvSpPr>
-          <p:cNvPr id="88" name="Oval 87"/>
-          <p:cNvSpPr/>
-          <p:nvPr/>
-        </p:nvSpPr>
-        <p:spPr>
-          <a:xfrm>
-            <a:off x="1367940" y="1807011"/>
-            <a:ext cx="3541907" cy="468868"/>
-          </a:xfrm>
-          <a:prstGeom prst="ellipse">
-            <a:avLst/>
-          </a:prstGeom>
-        </p:spPr>
-        <p:style>
-          <a:lnRef idx="1">
-            <a:schemeClr val="accent1"/>
-          </a:lnRef>
-          <a:fillRef idx="3">
-            <a:schemeClr val="accent1"/>
-          </a:fillRef>
-          <a:effectRef idx="2">
-            <a:schemeClr val="accent1"/>
-          </a:effectRef>
-          <a:fontRef idx="minor">
-            <a:schemeClr val="lt1"/>
-          </a:fontRef>
-        </p:style>
-        <p:txBody>
-          <a:bodyPr rtlCol="0" anchor="ctr"/>
-          <a:lstStyle/>
-          <a:p>
-            <a:pPr algn="ctr"/>
-            <a:r>
-              <a:rPr lang="en-US" sz="1400" dirty="0" err="1" smtClean="0"/>
-              <a:t>create_BEAST_input.py</a:t>
-            </a:r>
-            <a:endParaRPr lang="en-US" sz="1400" dirty="0" smtClean="0"/>
-          </a:p>
-        </p:txBody>
-      </p:sp>
-      <p:sp>
-        <p:nvSpPr>
-          <p:cNvPr id="89" name="TextBox 88"/>
+          <p:cNvPr id="30" name="TextBox 29"/>
           <p:cNvSpPr txBox="1"/>
           <p:nvPr/>
         </p:nvSpPr>
         <p:spPr>
           <a:xfrm>
-            <a:off x="3138894" y="2505878"/>
-            <a:ext cx="1578790" cy="369332"/>
+            <a:off x="2517657" y="3531510"/>
+            <a:ext cx="2819400" cy="369332"/>
           </a:xfrm>
           <a:prstGeom prst="rect">
             <a:avLst/>
@@ -13049,7 +16127,7 @@
             <a:pPr algn="ctr"/>
             <a:r>
               <a:rPr lang="en-US" dirty="0" smtClean="0"/>
-              <a:t>BEAST_TAG/</a:t>
+              <a:t>CN_calc_log2rs/</a:t>
             </a:r>
             <a:endParaRPr lang="en-US" dirty="0"/>
           </a:p>
@@ -13057,17 +16135,17 @@
       </p:sp>
       <p:cxnSp>
         <p:nvCxnSpPr>
-          <p:cNvPr id="90" name="Elbow Connector 89"/>
-          <p:cNvCxnSpPr>
-            <a:stCxn id="88" idx="4"/>
-            <a:endCxn id="89" idx="0"/>
+          <p:cNvPr id="31" name="Elbow Connector 30"/>
+          <p:cNvCxnSpPr>
+            <a:stCxn id="22" idx="4"/>
+            <a:endCxn id="30" idx="0"/>
           </p:cNvCxnSpPr>
           <p:nvPr/>
         </p:nvCxnSpPr>
         <p:spPr>
           <a:xfrm rot="16200000" flipH="1">
-            <a:off x="3418592" y="1996180"/>
-            <a:ext cx="229999" cy="789395"/>
+            <a:off x="3620194" y="3224347"/>
+            <a:ext cx="614324" cy="2"/>
           </a:xfrm>
           <a:prstGeom prst="bentConnector3">
             <a:avLst>
@@ -13090,19 +16168,144 @@
           </a:fontRef>
         </p:style>
       </p:cxnSp>
-      <p:cxnSp>
-        <p:nvCxnSpPr>
-          <p:cNvPr id="107" name="Elbow Connector 106"/>
-          <p:cNvCxnSpPr>
-            <a:stCxn id="9" idx="2"/>
-            <a:endCxn id="88" idx="0"/>
-          </p:cNvCxnSpPr>
-          <p:nvPr/>
-        </p:nvCxnSpPr>
-        <p:spPr>
-          <a:xfrm rot="16200000" flipH="1">
-            <a:off x="3011550" y="1679666"/>
-            <a:ext cx="113897" cy="140792"/>
+      <p:sp>
+        <p:nvSpPr>
+          <p:cNvPr id="11" name="TextBox 10"/>
+          <p:cNvSpPr txBox="1"/>
+          <p:nvPr/>
+        </p:nvSpPr>
+        <p:spPr>
+          <a:xfrm>
+            <a:off x="4396154" y="1669534"/>
+            <a:ext cx="2156179" cy="369332"/>
+          </a:xfrm>
+          <a:prstGeom prst="rect">
+            <a:avLst/>
+          </a:prstGeom>
+          <a:noFill/>
+        </p:spPr>
+        <p:txBody>
+          <a:bodyPr wrap="square" rtlCol="0">
+            <a:spAutoFit/>
+          </a:bodyPr>
+          <a:lstStyle/>
+          <a:p>
+            <a:pPr algn="ctr"/>
+            <a:r>
+              <a:rPr lang="en-US" dirty="0" err="1" smtClean="0"/>
+              <a:t>CN_float_Xiaohong</a:t>
+            </a:r>
+            <a:r>
+              <a:rPr lang="en-US" dirty="0" smtClean="0"/>
+              <a:t>/</a:t>
+            </a:r>
+            <a:endParaRPr lang="en-US" dirty="0"/>
+          </a:p>
+        </p:txBody>
+      </p:sp>
+      <p:sp>
+        <p:nvSpPr>
+          <p:cNvPr id="12" name="TextBox 11"/>
+          <p:cNvSpPr txBox="1"/>
+          <p:nvPr/>
+        </p:nvSpPr>
+        <p:spPr>
+          <a:xfrm>
+            <a:off x="2489717" y="79458"/>
+            <a:ext cx="6703824" cy="646331"/>
+          </a:xfrm>
+          <a:prstGeom prst="rect">
+            <a:avLst/>
+          </a:prstGeom>
+          <a:noFill/>
+        </p:spPr>
+        <p:txBody>
+          <a:bodyPr wrap="square" rtlCol="0">
+            <a:spAutoFit/>
+          </a:bodyPr>
+          <a:lstStyle/>
+          <a:p>
+            <a:pPr algn="ctr"/>
+            <a:r>
+              <a:rPr lang="en-US" dirty="0" err="1" smtClean="0">
+                <a:cs typeface="Courier New"/>
+              </a:rPr>
+              <a:t>CN_Xiaohong_segmentation</a:t>
+            </a:r>
+            <a:r>
+              <a:rPr lang="en-US" dirty="0" smtClean="0">
+                <a:cs typeface="Courier New"/>
+              </a:rPr>
+              <a:t>/</a:t>
+            </a:r>
+          </a:p>
+          <a:p>
+            <a:pPr algn="ctr"/>
+            <a:r>
+              <a:rPr lang="en-US" dirty="0" smtClean="0">
+                <a:latin typeface="Courier New"/>
+                <a:cs typeface="Courier New"/>
+              </a:rPr>
+              <a:t>copy_number-log2_Lucian.txt,LOH_for_Lucian.txt </a:t>
+            </a:r>
+          </a:p>
+        </p:txBody>
+      </p:sp>
+      <p:sp>
+        <p:nvSpPr>
+          <p:cNvPr id="13" name="Oval 12"/>
+          <p:cNvSpPr/>
+          <p:nvPr/>
+        </p:nvSpPr>
+        <p:spPr>
+          <a:xfrm>
+            <a:off x="4396154" y="1054057"/>
+            <a:ext cx="3663461" cy="468868"/>
+          </a:xfrm>
+          <a:prstGeom prst="ellipse">
+            <a:avLst/>
+          </a:prstGeom>
+        </p:spPr>
+        <p:style>
+          <a:lnRef idx="1">
+            <a:schemeClr val="accent1"/>
+          </a:lnRef>
+          <a:fillRef idx="3">
+            <a:schemeClr val="accent1"/>
+          </a:fillRef>
+          <a:effectRef idx="2">
+            <a:schemeClr val="accent1"/>
+          </a:effectRef>
+          <a:fontRef idx="minor">
+            <a:schemeClr val="lt1"/>
+          </a:fontRef>
+        </p:style>
+        <p:txBody>
+          <a:bodyPr rtlCol="0" anchor="ctr"/>
+          <a:lstStyle/>
+          <a:p>
+            <a:pPr algn="ctr"/>
+            <a:r>
+              <a:rPr lang="en-US" sz="1400" dirty="0" err="1" smtClean="0"/>
+              <a:t>separate_full_segmentation.py</a:t>
+            </a:r>
+            <a:endParaRPr lang="en-US" sz="1400" dirty="0"/>
+          </a:p>
+        </p:txBody>
+      </p:sp>
+      <p:cxnSp>
+        <p:nvCxnSpPr>
+          <p:cNvPr id="14" name="Elbow Connector 13"/>
+          <p:cNvCxnSpPr>
+            <a:stCxn id="13" idx="0"/>
+            <a:endCxn id="12" idx="2"/>
+          </p:cNvCxnSpPr>
+          <p:nvPr/>
+        </p:nvCxnSpPr>
+        <p:spPr>
+          <a:xfrm rot="16200000" flipV="1">
+            <a:off x="5870623" y="696795"/>
+            <a:ext cx="328268" cy="386256"/>
           </a:xfrm>
           <a:prstGeom prst="bentConnector3">
             <a:avLst>
@@ -13125,96 +16328,19 @@
           </a:fontRef>
         </p:style>
       </p:cxnSp>
-      <p:sp>
-        <p:nvSpPr>
-          <p:cNvPr id="142" name="Oval 141"/>
-          <p:cNvSpPr/>
-          <p:nvPr/>
-        </p:nvSpPr>
-        <p:spPr>
-          <a:xfrm>
-            <a:off x="97622" y="3021982"/>
-            <a:ext cx="3694307" cy="468868"/>
-          </a:xfrm>
-          <a:prstGeom prst="ellipse">
-            <a:avLst/>
-          </a:prstGeom>
-        </p:spPr>
-        <p:style>
-          <a:lnRef idx="1">
-            <a:schemeClr val="accent1"/>
-          </a:lnRef>
-          <a:fillRef idx="3">
-            <a:schemeClr val="accent1"/>
-          </a:fillRef>
-          <a:effectRef idx="2">
-            <a:schemeClr val="accent1"/>
-          </a:effectRef>
-          <a:fontRef idx="minor">
-            <a:schemeClr val="lt1"/>
-          </a:fontRef>
-        </p:style>
-        <p:txBody>
-          <a:bodyPr rtlCol="0" anchor="ctr"/>
-          <a:lstStyle/>
-          <a:p>
-            <a:pPr algn="ctr"/>
-            <a:r>
-              <a:rPr lang="en-US" sz="1400" dirty="0" err="1" smtClean="0"/>
-              <a:t>create_delgains_from_BEAST.py</a:t>
-            </a:r>
-            <a:endParaRPr lang="en-US" sz="1400" dirty="0" smtClean="0"/>
-          </a:p>
-        </p:txBody>
-      </p:sp>
-      <p:sp>
-        <p:nvSpPr>
-          <p:cNvPr id="143" name="TextBox 142"/>
-          <p:cNvSpPr txBox="1"/>
-          <p:nvPr/>
-        </p:nvSpPr>
-        <p:spPr>
-          <a:xfrm>
-            <a:off x="100994" y="3811864"/>
-            <a:ext cx="2130467" cy="369332"/>
-          </a:xfrm>
-          <a:prstGeom prst="rect">
-            <a:avLst/>
-          </a:prstGeom>
-          <a:noFill/>
-        </p:spPr>
-        <p:txBody>
-          <a:bodyPr wrap="square" rtlCol="0">
-            <a:spAutoFit/>
-          </a:bodyPr>
-          <a:lstStyle/>
-          <a:p>
-            <a:pPr algn="ctr"/>
-            <a:r>
-              <a:rPr lang="en-US" dirty="0" err="1" smtClean="0"/>
-              <a:t>joint_delsandgains</a:t>
-            </a:r>
-            <a:r>
-              <a:rPr lang="en-US" dirty="0" smtClean="0"/>
-              <a:t>/</a:t>
-            </a:r>
-            <a:endParaRPr lang="en-US" dirty="0"/>
-          </a:p>
-        </p:txBody>
-      </p:sp>
-      <p:cxnSp>
-        <p:nvCxnSpPr>
-          <p:cNvPr id="144" name="Elbow Connector 143"/>
-          <p:cNvCxnSpPr>
-            <a:stCxn id="142" idx="4"/>
-            <a:endCxn id="143" idx="0"/>
-          </p:cNvCxnSpPr>
-          <p:nvPr/>
-        </p:nvCxnSpPr>
-        <p:spPr>
-          <a:xfrm rot="5400000">
-            <a:off x="1394995" y="3262083"/>
-            <a:ext cx="321014" cy="778548"/>
+      <p:cxnSp>
+        <p:nvCxnSpPr>
+          <p:cNvPr id="20" name="Elbow Connector 19"/>
+          <p:cNvCxnSpPr>
+            <a:stCxn id="11" idx="0"/>
+            <a:endCxn id="13" idx="4"/>
+          </p:cNvCxnSpPr>
+          <p:nvPr/>
+        </p:nvCxnSpPr>
+        <p:spPr>
+          <a:xfrm rot="5400000" flipH="1" flipV="1">
+            <a:off x="5777760" y="1219410"/>
+            <a:ext cx="146609" cy="753641"/>
           </a:xfrm>
           <a:prstGeom prst="bentConnector3">
             <a:avLst>
@@ -13239,17 +16365,17 @@
       </p:cxnSp>
       <p:cxnSp>
         <p:nvCxnSpPr>
-          <p:cNvPr id="146" name="Elbow Connector 145"/>
-          <p:cNvCxnSpPr>
-            <a:stCxn id="89" idx="2"/>
-            <a:endCxn id="142" idx="0"/>
-          </p:cNvCxnSpPr>
-          <p:nvPr/>
-        </p:nvCxnSpPr>
-        <p:spPr>
-          <a:xfrm rot="5400000">
-            <a:off x="2863147" y="1956840"/>
-            <a:ext cx="146772" cy="1983513"/>
+          <p:cNvPr id="34" name="Elbow Connector 33"/>
+          <p:cNvCxnSpPr>
+            <a:stCxn id="22" idx="0"/>
+            <a:endCxn id="11" idx="2"/>
+          </p:cNvCxnSpPr>
+          <p:nvPr/>
+        </p:nvCxnSpPr>
+        <p:spPr>
+          <a:xfrm rot="5400000" flipH="1" flipV="1">
+            <a:off x="4496073" y="1470148"/>
+            <a:ext cx="409452" cy="1546889"/>
           </a:xfrm>
           <a:prstGeom prst="bentConnector3">
             <a:avLst>
@@ -13272,157 +16398,10 @@
           </a:fontRef>
         </p:style>
       </p:cxnSp>
-      <p:sp>
-        <p:nvSpPr>
-          <p:cNvPr id="70" name="Oval 69"/>
-          <p:cNvSpPr/>
-          <p:nvPr/>
-        </p:nvSpPr>
-        <p:spPr>
-          <a:xfrm>
-            <a:off x="4175716" y="3021982"/>
-            <a:ext cx="3541907" cy="468868"/>
-          </a:xfrm>
-          <a:prstGeom prst="ellipse">
-            <a:avLst/>
-          </a:prstGeom>
-        </p:spPr>
-        <p:style>
-          <a:lnRef idx="1">
-            <a:schemeClr val="accent1"/>
-          </a:lnRef>
-          <a:fillRef idx="3">
-            <a:schemeClr val="accent1"/>
-          </a:fillRef>
-          <a:effectRef idx="2">
-            <a:schemeClr val="accent1"/>
-          </a:effectRef>
-          <a:fontRef idx="minor">
-            <a:schemeClr val="lt1"/>
-          </a:fontRef>
-        </p:style>
-        <p:txBody>
-          <a:bodyPr rtlCol="0" anchor="ctr"/>
-          <a:lstStyle/>
-          <a:p>
-            <a:pPr algn="ctr"/>
-            <a:r>
-              <a:rPr lang="en-US" sz="1400" dirty="0" err="1" smtClean="0"/>
-              <a:t>distribute_BEAST.py</a:t>
-            </a:r>
-            <a:endParaRPr lang="en-US" sz="1400" dirty="0" smtClean="0"/>
-          </a:p>
-        </p:txBody>
-      </p:sp>
-      <p:sp>
-        <p:nvSpPr>
-          <p:cNvPr id="71" name="TextBox 70"/>
-          <p:cNvSpPr txBox="1"/>
-          <p:nvPr/>
-        </p:nvSpPr>
-        <p:spPr>
-          <a:xfrm>
-            <a:off x="5217722" y="3996530"/>
-            <a:ext cx="2482209" cy="369332"/>
-          </a:xfrm>
-          <a:prstGeom prst="rect">
-            <a:avLst/>
-          </a:prstGeom>
-          <a:noFill/>
-        </p:spPr>
-        <p:txBody>
-          <a:bodyPr wrap="square" rtlCol="0">
-            <a:spAutoFit/>
-          </a:bodyPr>
-          <a:lstStyle/>
-          <a:p>
-            <a:pPr algn="ctr"/>
-            <a:r>
-              <a:rPr lang="en-US" dirty="0" err="1" smtClean="0"/>
-              <a:t>BEAST_allcombos_TAG</a:t>
-            </a:r>
-            <a:r>
-              <a:rPr lang="en-US" dirty="0" smtClean="0"/>
-              <a:t>/</a:t>
-            </a:r>
-            <a:endParaRPr lang="en-US" dirty="0"/>
-          </a:p>
-        </p:txBody>
-      </p:sp>
-      <p:cxnSp>
-        <p:nvCxnSpPr>
-          <p:cNvPr id="72" name="Elbow Connector 71"/>
-          <p:cNvCxnSpPr>
-            <a:stCxn id="70" idx="4"/>
-            <a:endCxn id="71" idx="0"/>
-          </p:cNvCxnSpPr>
-          <p:nvPr/>
-        </p:nvCxnSpPr>
-        <p:spPr>
-          <a:xfrm rot="16200000" flipH="1">
-            <a:off x="5949908" y="3487611"/>
-            <a:ext cx="505680" cy="512157"/>
-          </a:xfrm>
-          <a:prstGeom prst="bentConnector3">
-            <a:avLst>
-              <a:gd name="adj1" fmla="val 50000"/>
-            </a:avLst>
-          </a:prstGeom>
-        </p:spPr>
-        <p:style>
-          <a:lnRef idx="2">
-            <a:schemeClr val="accent1"/>
-          </a:lnRef>
-          <a:fillRef idx="0">
-            <a:schemeClr val="accent1"/>
-          </a:fillRef>
-          <a:effectRef idx="1">
-            <a:schemeClr val="accent1"/>
-          </a:effectRef>
-          <a:fontRef idx="minor">
-            <a:schemeClr val="tx1"/>
-          </a:fontRef>
-        </p:style>
-      </p:cxnSp>
-      <p:cxnSp>
-        <p:nvCxnSpPr>
-          <p:cNvPr id="73" name="Elbow Connector 72"/>
-          <p:cNvCxnSpPr>
-            <a:stCxn id="89" idx="2"/>
-            <a:endCxn id="70" idx="0"/>
-          </p:cNvCxnSpPr>
-          <p:nvPr/>
-        </p:nvCxnSpPr>
-        <p:spPr>
-          <a:xfrm rot="16200000" flipH="1">
-            <a:off x="4864093" y="1939405"/>
-            <a:ext cx="146772" cy="2018381"/>
-          </a:xfrm>
-          <a:prstGeom prst="bentConnector3">
-            <a:avLst>
-              <a:gd name="adj1" fmla="val 50000"/>
-            </a:avLst>
-          </a:prstGeom>
-        </p:spPr>
-        <p:style>
-          <a:lnRef idx="2">
-            <a:schemeClr val="accent1"/>
-          </a:lnRef>
-          <a:fillRef idx="0">
-            <a:schemeClr val="accent1"/>
-          </a:fillRef>
-          <a:effectRef idx="1">
-            <a:schemeClr val="accent1"/>
-          </a:effectRef>
-          <a:fontRef idx="minor">
-            <a:schemeClr val="tx1"/>
-          </a:fontRef>
-        </p:style>
-      </p:cxnSp>
     </p:spTree>
     <p:extLst>
       <p:ext uri="{BB962C8B-B14F-4D97-AF65-F5344CB8AC3E}">
-        <p14:creationId xmlns:p14="http://schemas.microsoft.com/office/powerpoint/2010/main" val="2677983069"/>
+        <p14:creationId xmlns:p14="http://schemas.microsoft.com/office/powerpoint/2010/main" val="2352730975"/>
       </p:ext>
     </p:extLst>
   </p:cSld>

--- a/Python program structure.pptx
+++ b/Python program structure.pptx
@@ -305,7 +305,7 @@
           <a:p>
             <a:fld id="{DCC446B6-7B9C-A04B-98D9-80CC642E8FE6}" type="datetimeFigureOut">
               <a:rPr lang="en-US" smtClean="0"/>
-              <a:t>3/14/18</a:t>
+              <a:t>3/29/18</a:t>
             </a:fld>
             <a:endParaRPr lang="en-US"/>
           </a:p>
@@ -475,7 +475,7 @@
           <a:p>
             <a:fld id="{DCC446B6-7B9C-A04B-98D9-80CC642E8FE6}" type="datetimeFigureOut">
               <a:rPr lang="en-US" smtClean="0"/>
-              <a:t>3/14/18</a:t>
+              <a:t>3/29/18</a:t>
             </a:fld>
             <a:endParaRPr lang="en-US"/>
           </a:p>
@@ -655,7 +655,7 @@
           <a:p>
             <a:fld id="{DCC446B6-7B9C-A04B-98D9-80CC642E8FE6}" type="datetimeFigureOut">
               <a:rPr lang="en-US" smtClean="0"/>
-              <a:t>3/14/18</a:t>
+              <a:t>3/29/18</a:t>
             </a:fld>
             <a:endParaRPr lang="en-US"/>
           </a:p>
@@ -825,7 +825,7 @@
           <a:p>
             <a:fld id="{DCC446B6-7B9C-A04B-98D9-80CC642E8FE6}" type="datetimeFigureOut">
               <a:rPr lang="en-US" smtClean="0"/>
-              <a:t>3/14/18</a:t>
+              <a:t>3/29/18</a:t>
             </a:fld>
             <a:endParaRPr lang="en-US"/>
           </a:p>
@@ -1071,7 +1071,7 @@
           <a:p>
             <a:fld id="{DCC446B6-7B9C-A04B-98D9-80CC642E8FE6}" type="datetimeFigureOut">
               <a:rPr lang="en-US" smtClean="0"/>
-              <a:t>3/14/18</a:t>
+              <a:t>3/29/18</a:t>
             </a:fld>
             <a:endParaRPr lang="en-US"/>
           </a:p>
@@ -1359,7 +1359,7 @@
           <a:p>
             <a:fld id="{DCC446B6-7B9C-A04B-98D9-80CC642E8FE6}" type="datetimeFigureOut">
               <a:rPr lang="en-US" smtClean="0"/>
-              <a:t>3/14/18</a:t>
+              <a:t>3/29/18</a:t>
             </a:fld>
             <a:endParaRPr lang="en-US"/>
           </a:p>
@@ -1781,7 +1781,7 @@
           <a:p>
             <a:fld id="{DCC446B6-7B9C-A04B-98D9-80CC642E8FE6}" type="datetimeFigureOut">
               <a:rPr lang="en-US" smtClean="0"/>
-              <a:t>3/14/18</a:t>
+              <a:t>3/29/18</a:t>
             </a:fld>
             <a:endParaRPr lang="en-US"/>
           </a:p>
@@ -1899,7 +1899,7 @@
           <a:p>
             <a:fld id="{DCC446B6-7B9C-A04B-98D9-80CC642E8FE6}" type="datetimeFigureOut">
               <a:rPr lang="en-US" smtClean="0"/>
-              <a:t>3/14/18</a:t>
+              <a:t>3/29/18</a:t>
             </a:fld>
             <a:endParaRPr lang="en-US"/>
           </a:p>
@@ -1994,7 +1994,7 @@
           <a:p>
             <a:fld id="{DCC446B6-7B9C-A04B-98D9-80CC642E8FE6}" type="datetimeFigureOut">
               <a:rPr lang="en-US" smtClean="0"/>
-              <a:t>3/14/18</a:t>
+              <a:t>3/29/18</a:t>
             </a:fld>
             <a:endParaRPr lang="en-US"/>
           </a:p>
@@ -2271,7 +2271,7 @@
           <a:p>
             <a:fld id="{DCC446B6-7B9C-A04B-98D9-80CC642E8FE6}" type="datetimeFigureOut">
               <a:rPr lang="en-US" smtClean="0"/>
-              <a:t>3/14/18</a:t>
+              <a:t>3/29/18</a:t>
             </a:fld>
             <a:endParaRPr lang="en-US"/>
           </a:p>
@@ -2524,7 +2524,7 @@
           <a:p>
             <a:fld id="{DCC446B6-7B9C-A04B-98D9-80CC642E8FE6}" type="datetimeFigureOut">
               <a:rPr lang="en-US" smtClean="0"/>
-              <a:t>3/14/18</a:t>
+              <a:t>3/29/18</a:t>
             </a:fld>
             <a:endParaRPr lang="en-US"/>
           </a:p>
@@ -2737,7 +2737,7 @@
           <a:p>
             <a:fld id="{DCC446B6-7B9C-A04B-98D9-80CC642E8FE6}" type="datetimeFigureOut">
               <a:rPr lang="en-US" smtClean="0"/>
-              <a:t>3/14/18</a:t>
+              <a:t>3/29/18</a:t>
             </a:fld>
             <a:endParaRPr lang="en-US"/>
           </a:p>
@@ -11816,7 +11816,7 @@
         </p:nvSpPr>
         <p:spPr>
           <a:xfrm>
-            <a:off x="5278799" y="2138876"/>
+            <a:off x="5278799" y="1283418"/>
             <a:ext cx="2051537" cy="369332"/>
           </a:xfrm>
           <a:prstGeom prst="rect">
@@ -11851,7 +11851,7 @@
         </p:nvSpPr>
         <p:spPr>
           <a:xfrm>
-            <a:off x="1836526" y="1124758"/>
+            <a:off x="1836527" y="655890"/>
             <a:ext cx="3253221" cy="468868"/>
           </a:xfrm>
           <a:prstGeom prst="ellipse">
@@ -11896,8 +11896,8 @@
         </p:nvCxnSpPr>
         <p:spPr>
           <a:xfrm rot="16200000" flipH="1">
-            <a:off x="4611227" y="445535"/>
-            <a:ext cx="545250" cy="2841431"/>
+            <a:off x="4804523" y="-216627"/>
+            <a:ext cx="158660" cy="2841430"/>
           </a:xfrm>
           <a:prstGeom prst="bentConnector3">
             <a:avLst>
@@ -11931,8 +11931,8 @@
         </p:nvCxnSpPr>
         <p:spPr>
           <a:xfrm rot="16200000" flipV="1">
-            <a:off x="2870770" y="532391"/>
-            <a:ext cx="755426" cy="429308"/>
+            <a:off x="3105205" y="297956"/>
+            <a:ext cx="286558" cy="429309"/>
           </a:xfrm>
           <a:prstGeom prst="bentConnector3">
             <a:avLst>
@@ -11963,7 +11963,7 @@
         </p:nvSpPr>
         <p:spPr>
           <a:xfrm>
-            <a:off x="2455408" y="4909953"/>
+            <a:off x="2684724" y="5737635"/>
             <a:ext cx="2988485" cy="369332"/>
           </a:xfrm>
           <a:prstGeom prst="rect">
@@ -11980,11 +11980,7 @@
             <a:pPr algn="ctr"/>
             <a:r>
               <a:rPr lang="en-US" dirty="0" err="1" smtClean="0"/>
-              <a:t>Xiaohong_pASCAT</a:t>
-            </a:r>
-            <a:r>
-              <a:rPr lang="en-US" dirty="0" err="1" smtClean="0"/>
-              <a:t>_compare</a:t>
+              <a:t>Xiaohong_pASCAT_compare</a:t>
             </a:r>
             <a:r>
               <a:rPr lang="en-US" dirty="0" smtClean="0"/>
@@ -12005,7 +12001,7 @@
         </p:nvCxnSpPr>
         <p:spPr>
           <a:xfrm rot="5400000">
-            <a:off x="3773420" y="4727371"/>
+            <a:off x="4002736" y="5555053"/>
             <a:ext cx="358814" cy="6351"/>
           </a:xfrm>
           <a:prstGeom prst="bentConnector3">
@@ -12040,8 +12036,8 @@
         </p:nvCxnSpPr>
         <p:spPr>
           <a:xfrm rot="5400000">
-            <a:off x="2037337" y="722872"/>
-            <a:ext cx="555047" cy="2296555"/>
+            <a:off x="2230632" y="60708"/>
+            <a:ext cx="168457" cy="2296556"/>
           </a:xfrm>
           <a:prstGeom prst="bentConnector3">
             <a:avLst>
@@ -12075,7 +12071,7 @@
         </p:nvCxnSpPr>
         <p:spPr>
           <a:xfrm>
-            <a:off x="5443893" y="5094619"/>
+            <a:off x="5673209" y="5922301"/>
             <a:ext cx="424921" cy="253330"/>
           </a:xfrm>
           <a:prstGeom prst="bentConnector2">
@@ -12140,7 +12136,7 @@
         </p:nvSpPr>
         <p:spPr>
           <a:xfrm>
-            <a:off x="-40671" y="2148673"/>
+            <a:off x="-40671" y="1293215"/>
             <a:ext cx="2414505" cy="369332"/>
           </a:xfrm>
           <a:prstGeom prst="rect">
@@ -12178,8 +12174,8 @@
         </p:nvCxnSpPr>
         <p:spPr>
           <a:xfrm rot="16200000" flipV="1">
-            <a:off x="2501116" y="1183471"/>
-            <a:ext cx="119380" cy="2788448"/>
+            <a:off x="1712786" y="1116343"/>
+            <a:ext cx="331040" cy="1423448"/>
           </a:xfrm>
           <a:prstGeom prst="bentConnector3">
             <a:avLst>
@@ -12210,7 +12206,7 @@
         </p:nvSpPr>
         <p:spPr>
           <a:xfrm>
-            <a:off x="5359351" y="5279285"/>
+            <a:off x="5588667" y="6106967"/>
             <a:ext cx="3478829" cy="468868"/>
           </a:xfrm>
           <a:prstGeom prst="ellipse">
@@ -12252,7 +12248,7 @@
         </p:nvSpPr>
         <p:spPr>
           <a:xfrm>
-            <a:off x="2550708" y="2637385"/>
+            <a:off x="1185708" y="1993587"/>
             <a:ext cx="2808643" cy="468868"/>
           </a:xfrm>
           <a:prstGeom prst="ellipse">
@@ -12294,7 +12290,7 @@
         </p:nvSpPr>
         <p:spPr>
           <a:xfrm>
-            <a:off x="2024224" y="4082271"/>
+            <a:off x="2253540" y="4909953"/>
             <a:ext cx="3863555" cy="468868"/>
           </a:xfrm>
           <a:prstGeom prst="ellipse">
@@ -12338,9 +12334,9 @@
           <p:nvPr/>
         </p:nvCxnSpPr>
         <p:spPr>
-          <a:xfrm rot="5400000" flipH="1" flipV="1">
-            <a:off x="3853382" y="3202523"/>
-            <a:ext cx="197917" cy="5379"/>
+          <a:xfrm rot="16200000" flipV="1">
+            <a:off x="3104740" y="1947746"/>
+            <a:ext cx="330203" cy="1359621"/>
           </a:xfrm>
           <a:prstGeom prst="bentConnector3">
             <a:avLst>
@@ -12371,7 +12367,7 @@
         </p:nvSpPr>
         <p:spPr>
           <a:xfrm>
-            <a:off x="2539951" y="3304170"/>
+            <a:off x="2539951" y="2792658"/>
             <a:ext cx="2819400" cy="369332"/>
           </a:xfrm>
           <a:prstGeom prst="rect">
@@ -12403,14 +12399,46 @@
           <p:cNvPr id="63" name="Elbow Connector 62"/>
           <p:cNvCxnSpPr>
             <a:stCxn id="51" idx="1"/>
-            <a:endCxn id="12" idx="2"/>
           </p:cNvCxnSpPr>
           <p:nvPr/>
         </p:nvCxnSpPr>
         <p:spPr>
           <a:xfrm rot="16200000" flipV="1">
-            <a:off x="1061841" y="2622746"/>
-            <a:ext cx="1632930" cy="1423447"/>
+            <a:off x="1728642" y="3887913"/>
+            <a:ext cx="235228" cy="1946179"/>
+          </a:xfrm>
+          <a:prstGeom prst="bentConnector2">
+            <a:avLst/>
+          </a:prstGeom>
+        </p:spPr>
+        <p:style>
+          <a:lnRef idx="2">
+            <a:schemeClr val="accent1"/>
+          </a:lnRef>
+          <a:fillRef idx="0">
+            <a:schemeClr val="accent1"/>
+          </a:fillRef>
+          <a:effectRef idx="1">
+            <a:schemeClr val="accent1"/>
+          </a:effectRef>
+          <a:fontRef idx="minor">
+            <a:schemeClr val="tx1"/>
+          </a:fontRef>
+        </p:style>
+      </p:cxnSp>
+      <p:cxnSp>
+        <p:nvCxnSpPr>
+          <p:cNvPr id="66" name="Elbow Connector 65"/>
+          <p:cNvCxnSpPr>
+            <a:stCxn id="51" idx="7"/>
+            <a:endCxn id="2" idx="2"/>
+          </p:cNvCxnSpPr>
+          <p:nvPr/>
+        </p:nvCxnSpPr>
+        <p:spPr>
+          <a:xfrm rot="5400000" flipH="1" flipV="1">
+            <a:off x="4264996" y="2939045"/>
+            <a:ext cx="3325867" cy="753278"/>
           </a:xfrm>
           <a:prstGeom prst="bentConnector3">
             <a:avLst>
@@ -12435,17 +12463,17 @@
       </p:cxnSp>
       <p:cxnSp>
         <p:nvCxnSpPr>
-          <p:cNvPr id="66" name="Elbow Connector 65"/>
-          <p:cNvCxnSpPr>
-            <a:stCxn id="51" idx="7"/>
-            <a:endCxn id="2" idx="2"/>
-          </p:cNvCxnSpPr>
-          <p:nvPr/>
-        </p:nvCxnSpPr>
-        <p:spPr>
-          <a:xfrm rot="5400000" flipH="1" flipV="1">
-            <a:off x="4991908" y="2838275"/>
-            <a:ext cx="1642727" cy="982594"/>
+          <p:cNvPr id="69" name="Elbow Connector 68"/>
+          <p:cNvCxnSpPr>
+            <a:stCxn id="51" idx="0"/>
+            <a:endCxn id="53" idx="2"/>
+          </p:cNvCxnSpPr>
+          <p:nvPr/>
+        </p:nvCxnSpPr>
+        <p:spPr>
+          <a:xfrm rot="16200000" flipV="1">
+            <a:off x="3193504" y="3918138"/>
+            <a:ext cx="1747963" cy="235667"/>
           </a:xfrm>
           <a:prstGeom prst="bentConnector3">
             <a:avLst>
@@ -12470,41 +12498,6 @@
       </p:cxnSp>
       <p:cxnSp>
         <p:nvCxnSpPr>
-          <p:cNvPr id="69" name="Elbow Connector 68"/>
-          <p:cNvCxnSpPr>
-            <a:stCxn id="51" idx="0"/>
-            <a:endCxn id="53" idx="2"/>
-          </p:cNvCxnSpPr>
-          <p:nvPr/>
-        </p:nvCxnSpPr>
-        <p:spPr>
-          <a:xfrm rot="16200000" flipV="1">
-            <a:off x="3748443" y="3874711"/>
-            <a:ext cx="408769" cy="6351"/>
-          </a:xfrm>
-          <a:prstGeom prst="bentConnector3">
-            <a:avLst>
-              <a:gd name="adj1" fmla="val 50000"/>
-            </a:avLst>
-          </a:prstGeom>
-        </p:spPr>
-        <p:style>
-          <a:lnRef idx="2">
-            <a:schemeClr val="accent1"/>
-          </a:lnRef>
-          <a:fillRef idx="0">
-            <a:schemeClr val="accent1"/>
-          </a:fillRef>
-          <a:effectRef idx="1">
-            <a:schemeClr val="accent1"/>
-          </a:effectRef>
-          <a:fontRef idx="minor">
-            <a:schemeClr val="tx1"/>
-          </a:fontRef>
-        </p:style>
-      </p:cxnSp>
-      <p:cxnSp>
-        <p:nvCxnSpPr>
           <p:cNvPr id="99" name="Elbow Connector 98"/>
           <p:cNvCxnSpPr>
             <a:stCxn id="15" idx="3"/>
@@ -12514,7 +12507,7 @@
         </p:nvCxnSpPr>
         <p:spPr>
           <a:xfrm rot="5400000" flipH="1">
-            <a:off x="4709131" y="4519806"/>
+            <a:off x="4938447" y="5347488"/>
             <a:ext cx="400204" cy="1919163"/>
           </a:xfrm>
           <a:prstGeom prst="bentConnector3">

--- a/Python program structure.pptx
+++ b/Python program structure.pptx
@@ -306,7 +306,7 @@
           <a:p>
             <a:fld id="{DCC446B6-7B9C-A04B-98D9-80CC642E8FE6}" type="datetimeFigureOut">
               <a:rPr lang="en-US" smtClean="0"/>
-              <a:t>5/10/18</a:t>
+              <a:t>5/18/18</a:t>
             </a:fld>
             <a:endParaRPr lang="en-US"/>
           </a:p>
@@ -476,7 +476,7 @@
           <a:p>
             <a:fld id="{DCC446B6-7B9C-A04B-98D9-80CC642E8FE6}" type="datetimeFigureOut">
               <a:rPr lang="en-US" smtClean="0"/>
-              <a:t>5/10/18</a:t>
+              <a:t>5/18/18</a:t>
             </a:fld>
             <a:endParaRPr lang="en-US"/>
           </a:p>
@@ -656,7 +656,7 @@
           <a:p>
             <a:fld id="{DCC446B6-7B9C-A04B-98D9-80CC642E8FE6}" type="datetimeFigureOut">
               <a:rPr lang="en-US" smtClean="0"/>
-              <a:t>5/10/18</a:t>
+              <a:t>5/18/18</a:t>
             </a:fld>
             <a:endParaRPr lang="en-US"/>
           </a:p>
@@ -826,7 +826,7 @@
           <a:p>
             <a:fld id="{DCC446B6-7B9C-A04B-98D9-80CC642E8FE6}" type="datetimeFigureOut">
               <a:rPr lang="en-US" smtClean="0"/>
-              <a:t>5/10/18</a:t>
+              <a:t>5/18/18</a:t>
             </a:fld>
             <a:endParaRPr lang="en-US"/>
           </a:p>
@@ -1072,7 +1072,7 @@
           <a:p>
             <a:fld id="{DCC446B6-7B9C-A04B-98D9-80CC642E8FE6}" type="datetimeFigureOut">
               <a:rPr lang="en-US" smtClean="0"/>
-              <a:t>5/10/18</a:t>
+              <a:t>5/18/18</a:t>
             </a:fld>
             <a:endParaRPr lang="en-US"/>
           </a:p>
@@ -1360,7 +1360,7 @@
           <a:p>
             <a:fld id="{DCC446B6-7B9C-A04B-98D9-80CC642E8FE6}" type="datetimeFigureOut">
               <a:rPr lang="en-US" smtClean="0"/>
-              <a:t>5/10/18</a:t>
+              <a:t>5/18/18</a:t>
             </a:fld>
             <a:endParaRPr lang="en-US"/>
           </a:p>
@@ -1782,7 +1782,7 @@
           <a:p>
             <a:fld id="{DCC446B6-7B9C-A04B-98D9-80CC642E8FE6}" type="datetimeFigureOut">
               <a:rPr lang="en-US" smtClean="0"/>
-              <a:t>5/10/18</a:t>
+              <a:t>5/18/18</a:t>
             </a:fld>
             <a:endParaRPr lang="en-US"/>
           </a:p>
@@ -1900,7 +1900,7 @@
           <a:p>
             <a:fld id="{DCC446B6-7B9C-A04B-98D9-80CC642E8FE6}" type="datetimeFigureOut">
               <a:rPr lang="en-US" smtClean="0"/>
-              <a:t>5/10/18</a:t>
+              <a:t>5/18/18</a:t>
             </a:fld>
             <a:endParaRPr lang="en-US"/>
           </a:p>
@@ -1995,7 +1995,7 @@
           <a:p>
             <a:fld id="{DCC446B6-7B9C-A04B-98D9-80CC642E8FE6}" type="datetimeFigureOut">
               <a:rPr lang="en-US" smtClean="0"/>
-              <a:t>5/10/18</a:t>
+              <a:t>5/18/18</a:t>
             </a:fld>
             <a:endParaRPr lang="en-US"/>
           </a:p>
@@ -2272,7 +2272,7 @@
           <a:p>
             <a:fld id="{DCC446B6-7B9C-A04B-98D9-80CC642E8FE6}" type="datetimeFigureOut">
               <a:rPr lang="en-US" smtClean="0"/>
-              <a:t>5/10/18</a:t>
+              <a:t>5/18/18</a:t>
             </a:fld>
             <a:endParaRPr lang="en-US"/>
           </a:p>
@@ -2525,7 +2525,7 @@
           <a:p>
             <a:fld id="{DCC446B6-7B9C-A04B-98D9-80CC642E8FE6}" type="datetimeFigureOut">
               <a:rPr lang="en-US" smtClean="0"/>
-              <a:t>5/10/18</a:t>
+              <a:t>5/18/18</a:t>
             </a:fld>
             <a:endParaRPr lang="en-US"/>
           </a:p>
@@ -2738,7 +2738,7 @@
           <a:p>
             <a:fld id="{DCC446B6-7B9C-A04B-98D9-80CC642E8FE6}" type="datetimeFigureOut">
               <a:rPr lang="en-US" smtClean="0"/>
-              <a:t>5/10/18</a:t>
+              <a:t>5/18/18</a:t>
             </a:fld>
             <a:endParaRPr lang="en-US"/>
           </a:p>
@@ -4823,8 +4823,8 @@
         </p:nvSpPr>
         <p:spPr>
           <a:xfrm>
-            <a:off x="711199" y="2865399"/>
-            <a:ext cx="1871135" cy="468868"/>
+            <a:off x="278345" y="2865399"/>
+            <a:ext cx="2303990" cy="468868"/>
           </a:xfrm>
           <a:prstGeom prst="ellipse">
             <a:avLst/>
@@ -5011,8 +5011,8 @@
         </p:nvCxnSpPr>
         <p:spPr>
           <a:xfrm rot="5400000">
-            <a:off x="1185103" y="3440331"/>
-            <a:ext cx="567729" cy="355600"/>
+            <a:off x="1076890" y="3548545"/>
+            <a:ext cx="567729" cy="139173"/>
           </a:xfrm>
           <a:prstGeom prst="bentConnector3">
             <a:avLst>
@@ -5084,8 +5084,8 @@
         </p:nvCxnSpPr>
         <p:spPr>
           <a:xfrm rot="5400000" flipH="1" flipV="1">
-            <a:off x="2333840" y="1523642"/>
-            <a:ext cx="654684" cy="2028830"/>
+            <a:off x="2225626" y="1415429"/>
+            <a:ext cx="654684" cy="2245257"/>
           </a:xfrm>
           <a:prstGeom prst="bentConnector3">
             <a:avLst>
@@ -15503,8 +15503,8 @@
         </p:nvCxnSpPr>
         <p:spPr>
           <a:xfrm rot="16200000" flipH="1">
-            <a:off x="3211610" y="4167561"/>
-            <a:ext cx="158544" cy="251328"/>
+            <a:off x="3255937" y="4123234"/>
+            <a:ext cx="158544" cy="339982"/>
           </a:xfrm>
           <a:prstGeom prst="bentConnector3">
             <a:avLst>
@@ -15535,8 +15535,8 @@
         </p:nvSpPr>
         <p:spPr>
           <a:xfrm>
-            <a:off x="1993886" y="4372497"/>
-            <a:ext cx="2845319" cy="369332"/>
+            <a:off x="2819400" y="4372497"/>
+            <a:ext cx="1371599" cy="369332"/>
           </a:xfrm>
           <a:prstGeom prst="rect">
             <a:avLst/>
@@ -15556,11 +15556,7 @@
             </a:r>
             <a:r>
               <a:rPr lang="en-US" i="1" dirty="0" err="1" smtClean="0"/>
-              <a:t>tag_</a:t>
-            </a:r>
-            <a:r>
-              <a:rPr lang="en-US" dirty="0" err="1" smtClean="0"/>
-              <a:t>joined_best</a:t>
+              <a:t>tag</a:t>
             </a:r>
             <a:r>
               <a:rPr lang="en-US" dirty="0" smtClean="0"/>
@@ -15736,8 +15732,8 @@
         </p:nvCxnSpPr>
         <p:spPr>
           <a:xfrm rot="5400000">
-            <a:off x="2623897" y="4230534"/>
-            <a:ext cx="281354" cy="1303945"/>
+            <a:off x="2668224" y="4186207"/>
+            <a:ext cx="281354" cy="1392599"/>
           </a:xfrm>
           <a:prstGeom prst="bentConnector3">
             <a:avLst>
@@ -15884,14 +15880,15 @@
         <p:nvCxnSpPr>
           <p:cNvPr id="83" name="Elbow Connector 82"/>
           <p:cNvCxnSpPr>
+            <a:stCxn id="55" idx="3"/>
             <a:endCxn id="80" idx="0"/>
           </p:cNvCxnSpPr>
           <p:nvPr/>
         </p:nvCxnSpPr>
         <p:spPr>
           <a:xfrm>
-            <a:off x="4629605" y="4557163"/>
-            <a:ext cx="1828571" cy="278168"/>
+            <a:off x="4190999" y="4557163"/>
+            <a:ext cx="2267177" cy="278168"/>
           </a:xfrm>
           <a:prstGeom prst="bentConnector2">
             <a:avLst/>

--- a/Python program structure.pptx
+++ b/Python program structure.pptx
@@ -306,7 +306,7 @@
           <a:p>
             <a:fld id="{DCC446B6-7B9C-A04B-98D9-80CC642E8FE6}" type="datetimeFigureOut">
               <a:rPr lang="en-US" smtClean="0"/>
-              <a:t>5/18/18</a:t>
+              <a:t>7/19/18</a:t>
             </a:fld>
             <a:endParaRPr lang="en-US"/>
           </a:p>
@@ -476,7 +476,7 @@
           <a:p>
             <a:fld id="{DCC446B6-7B9C-A04B-98D9-80CC642E8FE6}" type="datetimeFigureOut">
               <a:rPr lang="en-US" smtClean="0"/>
-              <a:t>5/18/18</a:t>
+              <a:t>7/19/18</a:t>
             </a:fld>
             <a:endParaRPr lang="en-US"/>
           </a:p>
@@ -656,7 +656,7 @@
           <a:p>
             <a:fld id="{DCC446B6-7B9C-A04B-98D9-80CC642E8FE6}" type="datetimeFigureOut">
               <a:rPr lang="en-US" smtClean="0"/>
-              <a:t>5/18/18</a:t>
+              <a:t>7/19/18</a:t>
             </a:fld>
             <a:endParaRPr lang="en-US"/>
           </a:p>
@@ -826,7 +826,7 @@
           <a:p>
             <a:fld id="{DCC446B6-7B9C-A04B-98D9-80CC642E8FE6}" type="datetimeFigureOut">
               <a:rPr lang="en-US" smtClean="0"/>
-              <a:t>5/18/18</a:t>
+              <a:t>7/19/18</a:t>
             </a:fld>
             <a:endParaRPr lang="en-US"/>
           </a:p>
@@ -1072,7 +1072,7 @@
           <a:p>
             <a:fld id="{DCC446B6-7B9C-A04B-98D9-80CC642E8FE6}" type="datetimeFigureOut">
               <a:rPr lang="en-US" smtClean="0"/>
-              <a:t>5/18/18</a:t>
+              <a:t>7/19/18</a:t>
             </a:fld>
             <a:endParaRPr lang="en-US"/>
           </a:p>
@@ -1360,7 +1360,7 @@
           <a:p>
             <a:fld id="{DCC446B6-7B9C-A04B-98D9-80CC642E8FE6}" type="datetimeFigureOut">
               <a:rPr lang="en-US" smtClean="0"/>
-              <a:t>5/18/18</a:t>
+              <a:t>7/19/18</a:t>
             </a:fld>
             <a:endParaRPr lang="en-US"/>
           </a:p>
@@ -1782,7 +1782,7 @@
           <a:p>
             <a:fld id="{DCC446B6-7B9C-A04B-98D9-80CC642E8FE6}" type="datetimeFigureOut">
               <a:rPr lang="en-US" smtClean="0"/>
-              <a:t>5/18/18</a:t>
+              <a:t>7/19/18</a:t>
             </a:fld>
             <a:endParaRPr lang="en-US"/>
           </a:p>
@@ -1900,7 +1900,7 @@
           <a:p>
             <a:fld id="{DCC446B6-7B9C-A04B-98D9-80CC642E8FE6}" type="datetimeFigureOut">
               <a:rPr lang="en-US" smtClean="0"/>
-              <a:t>5/18/18</a:t>
+              <a:t>7/19/18</a:t>
             </a:fld>
             <a:endParaRPr lang="en-US"/>
           </a:p>
@@ -1995,7 +1995,7 @@
           <a:p>
             <a:fld id="{DCC446B6-7B9C-A04B-98D9-80CC642E8FE6}" type="datetimeFigureOut">
               <a:rPr lang="en-US" smtClean="0"/>
-              <a:t>5/18/18</a:t>
+              <a:t>7/19/18</a:t>
             </a:fld>
             <a:endParaRPr lang="en-US"/>
           </a:p>
@@ -2272,7 +2272,7 @@
           <a:p>
             <a:fld id="{DCC446B6-7B9C-A04B-98D9-80CC642E8FE6}" type="datetimeFigureOut">
               <a:rPr lang="en-US" smtClean="0"/>
-              <a:t>5/18/18</a:t>
+              <a:t>7/19/18</a:t>
             </a:fld>
             <a:endParaRPr lang="en-US"/>
           </a:p>
@@ -2525,7 +2525,7 @@
           <a:p>
             <a:fld id="{DCC446B6-7B9C-A04B-98D9-80CC642E8FE6}" type="datetimeFigureOut">
               <a:rPr lang="en-US" smtClean="0"/>
-              <a:t>5/18/18</a:t>
+              <a:t>7/19/18</a:t>
             </a:fld>
             <a:endParaRPr lang="en-US"/>
           </a:p>
@@ -2738,7 +2738,7 @@
           <a:p>
             <a:fld id="{DCC446B6-7B9C-A04B-98D9-80CC642E8FE6}" type="datetimeFigureOut">
               <a:rPr lang="en-US" smtClean="0"/>
-              <a:t>5/18/18</a:t>
+              <a:t>7/19/18</a:t>
             </a:fld>
             <a:endParaRPr lang="en-US"/>
           </a:p>
@@ -12321,9 +12321,9 @@
           <p:nvPr/>
         </p:nvCxnSpPr>
         <p:spPr>
-          <a:xfrm rot="5400000">
-            <a:off x="4002736" y="5555053"/>
-            <a:ext cx="358814" cy="6351"/>
+          <a:xfrm rot="16200000" flipH="1">
+            <a:off x="3738275" y="5296943"/>
+            <a:ext cx="593248" cy="288135"/>
           </a:xfrm>
           <a:prstGeom prst="bentConnector3">
             <a:avLst>
@@ -12484,19 +12484,103 @@
           </a:p>
         </p:txBody>
       </p:sp>
-      <p:cxnSp>
-        <p:nvCxnSpPr>
-          <p:cNvPr id="13" name="Elbow Connector 12"/>
-          <p:cNvCxnSpPr>
-            <a:stCxn id="46" idx="0"/>
-            <a:endCxn id="12" idx="2"/>
+      <p:sp>
+        <p:nvSpPr>
+          <p:cNvPr id="15" name="Oval 14"/>
+          <p:cNvSpPr/>
+          <p:nvPr/>
+        </p:nvSpPr>
+        <p:spPr>
+          <a:xfrm>
+            <a:off x="5588667" y="6106967"/>
+            <a:ext cx="3478829" cy="468868"/>
+          </a:xfrm>
+          <a:prstGeom prst="ellipse">
+            <a:avLst/>
+          </a:prstGeom>
+        </p:spPr>
+        <p:style>
+          <a:lnRef idx="1">
+            <a:schemeClr val="accent1"/>
+          </a:lnRef>
+          <a:fillRef idx="3">
+            <a:schemeClr val="accent1"/>
+          </a:fillRef>
+          <a:effectRef idx="2">
+            <a:schemeClr val="accent1"/>
+          </a:effectRef>
+          <a:fontRef idx="minor">
+            <a:schemeClr val="lt1"/>
+          </a:fontRef>
+        </p:style>
+        <p:txBody>
+          <a:bodyPr rtlCol="0" anchor="ctr"/>
+          <a:lstStyle/>
+          <a:p>
+            <a:pPr algn="ctr"/>
+            <a:r>
+              <a:rPr lang="en-US" sz="1400" dirty="0" err="1" smtClean="0"/>
+              <a:t>summarize_xiaohong_pASCAT_differences.py</a:t>
+            </a:r>
+            <a:endParaRPr lang="en-US" sz="1400" dirty="0"/>
+          </a:p>
+        </p:txBody>
+      </p:sp>
+      <p:sp>
+        <p:nvSpPr>
+          <p:cNvPr id="51" name="Oval 50"/>
+          <p:cNvSpPr/>
+          <p:nvPr/>
+        </p:nvSpPr>
+        <p:spPr>
+          <a:xfrm>
+            <a:off x="1959054" y="4675519"/>
+            <a:ext cx="3863555" cy="468868"/>
+          </a:xfrm>
+          <a:prstGeom prst="ellipse">
+            <a:avLst/>
+          </a:prstGeom>
+        </p:spPr>
+        <p:style>
+          <a:lnRef idx="1">
+            <a:schemeClr val="accent1"/>
+          </a:lnRef>
+          <a:fillRef idx="3">
+            <a:schemeClr val="accent1"/>
+          </a:fillRef>
+          <a:effectRef idx="2">
+            <a:schemeClr val="accent1"/>
+          </a:effectRef>
+          <a:fontRef idx="minor">
+            <a:schemeClr val="lt1"/>
+          </a:fontRef>
+        </p:style>
+        <p:txBody>
+          <a:bodyPr rtlCol="0" anchor="ctr"/>
+          <a:lstStyle/>
+          <a:p>
+            <a:pPr algn="ctr"/>
+            <a:r>
+              <a:rPr lang="en-US" sz="1400" dirty="0" err="1" smtClean="0"/>
+              <a:t>compare_Xiaohong_to_ASCAT.py</a:t>
+            </a:r>
+            <a:endParaRPr lang="en-US" sz="1400" dirty="0" smtClean="0"/>
+          </a:p>
+        </p:txBody>
+      </p:sp>
+      <p:cxnSp>
+        <p:nvCxnSpPr>
+          <p:cNvPr id="66" name="Elbow Connector 65"/>
+          <p:cNvCxnSpPr>
+            <a:stCxn id="51" idx="0"/>
+            <a:endCxn id="2" idx="2"/>
           </p:cNvCxnSpPr>
           <p:nvPr/>
         </p:nvCxnSpPr>
         <p:spPr>
           <a:xfrm rot="16200000" flipV="1">
-            <a:off x="1202870" y="1506856"/>
-            <a:ext cx="229815" cy="541197"/>
+            <a:off x="2255845" y="3040532"/>
+            <a:ext cx="3012972" cy="257002"/>
           </a:xfrm>
           <a:prstGeom prst="bentConnector3">
             <a:avLst>
@@ -12519,16 +12603,51 @@
           </a:fontRef>
         </p:style>
       </p:cxnSp>
-      <p:sp>
-        <p:nvSpPr>
-          <p:cNvPr id="15" name="Oval 14"/>
+      <p:cxnSp>
+        <p:nvCxnSpPr>
+          <p:cNvPr id="99" name="Elbow Connector 98"/>
+          <p:cNvCxnSpPr>
+            <a:stCxn id="15" idx="3"/>
+            <a:endCxn id="7" idx="2"/>
+          </p:cNvCxnSpPr>
+          <p:nvPr/>
+        </p:nvCxnSpPr>
+        <p:spPr>
+          <a:xfrm rot="5400000" flipH="1">
+            <a:off x="4938447" y="5347488"/>
+            <a:ext cx="400204" cy="1919163"/>
+          </a:xfrm>
+          <a:prstGeom prst="bentConnector3">
+            <a:avLst>
+              <a:gd name="adj1" fmla="val -74278"/>
+            </a:avLst>
+          </a:prstGeom>
+        </p:spPr>
+        <p:style>
+          <a:lnRef idx="2">
+            <a:schemeClr val="accent1"/>
+          </a:lnRef>
+          <a:fillRef idx="0">
+            <a:schemeClr val="accent1"/>
+          </a:fillRef>
+          <a:effectRef idx="1">
+            <a:schemeClr val="accent1"/>
+          </a:effectRef>
+          <a:fontRef idx="minor">
+            <a:schemeClr val="tx1"/>
+          </a:fontRef>
+        </p:style>
+      </p:cxnSp>
+      <p:sp>
+        <p:nvSpPr>
+          <p:cNvPr id="38" name="Oval 37"/>
           <p:cNvSpPr/>
           <p:nvPr/>
         </p:nvSpPr>
         <p:spPr>
           <a:xfrm>
-            <a:off x="5588667" y="6106967"/>
-            <a:ext cx="3478829" cy="468868"/>
+            <a:off x="4637475" y="824347"/>
+            <a:ext cx="3977511" cy="468868"/>
           </a:xfrm>
           <a:prstGeom prst="ellipse">
             <a:avLst/>
@@ -12555,91 +12674,7 @@
             <a:pPr algn="ctr"/>
             <a:r>
               <a:rPr lang="en-US" sz="1400" dirty="0" err="1" smtClean="0"/>
-              <a:t>summarize_xiaohong_pASCAT_differences.py</a:t>
-            </a:r>
-            <a:endParaRPr lang="en-US" sz="1400" dirty="0"/>
-          </a:p>
-        </p:txBody>
-      </p:sp>
-      <p:sp>
-        <p:nvSpPr>
-          <p:cNvPr id="46" name="Oval 45"/>
-          <p:cNvSpPr/>
-          <p:nvPr/>
-        </p:nvSpPr>
-        <p:spPr>
-          <a:xfrm>
-            <a:off x="184053" y="1892362"/>
-            <a:ext cx="2808643" cy="468868"/>
-          </a:xfrm>
-          <a:prstGeom prst="ellipse">
-            <a:avLst/>
-          </a:prstGeom>
-        </p:spPr>
-        <p:style>
-          <a:lnRef idx="1">
-            <a:schemeClr val="accent1"/>
-          </a:lnRef>
-          <a:fillRef idx="3">
-            <a:schemeClr val="accent1"/>
-          </a:fillRef>
-          <a:effectRef idx="2">
-            <a:schemeClr val="accent1"/>
-          </a:effectRef>
-          <a:fontRef idx="minor">
-            <a:schemeClr val="lt1"/>
-          </a:fontRef>
-        </p:style>
-        <p:txBody>
-          <a:bodyPr rtlCol="0" anchor="ctr"/>
-          <a:lstStyle/>
-          <a:p>
-            <a:pPr algn="ctr"/>
-            <a:r>
-              <a:rPr lang="en-US" sz="1400" dirty="0" err="1" smtClean="0"/>
-              <a:t>choose_best_analysis.py</a:t>
-            </a:r>
-            <a:endParaRPr lang="en-US" sz="1400" dirty="0"/>
-          </a:p>
-        </p:txBody>
-      </p:sp>
-      <p:sp>
-        <p:nvSpPr>
-          <p:cNvPr id="51" name="Oval 50"/>
-          <p:cNvSpPr/>
-          <p:nvPr/>
-        </p:nvSpPr>
-        <p:spPr>
-          <a:xfrm>
-            <a:off x="2253540" y="4909953"/>
-            <a:ext cx="3863555" cy="468868"/>
-          </a:xfrm>
-          <a:prstGeom prst="ellipse">
-            <a:avLst/>
-          </a:prstGeom>
-        </p:spPr>
-        <p:style>
-          <a:lnRef idx="1">
-            <a:schemeClr val="accent1"/>
-          </a:lnRef>
-          <a:fillRef idx="3">
-            <a:schemeClr val="accent1"/>
-          </a:fillRef>
-          <a:effectRef idx="2">
-            <a:schemeClr val="accent1"/>
-          </a:effectRef>
-          <a:fontRef idx="minor">
-            <a:schemeClr val="lt1"/>
-          </a:fontRef>
-        </p:style>
-        <p:txBody>
-          <a:bodyPr rtlCol="0" anchor="ctr"/>
-          <a:lstStyle/>
-          <a:p>
-            <a:pPr algn="ctr"/>
-            <a:r>
-              <a:rPr lang="en-US" sz="1400" dirty="0" err="1" smtClean="0"/>
-              <a:t>compare_Xiaohong_to_ASCAT.py</a:t>
+              <a:t>get_noninteger_CN_from_ASCAT.py</a:t>
             </a:r>
             <a:endParaRPr lang="en-US" sz="1400" dirty="0" smtClean="0"/>
           </a:p>
@@ -12647,17 +12682,85 @@
       </p:sp>
       <p:cxnSp>
         <p:nvCxnSpPr>
-          <p:cNvPr id="52" name="Elbow Connector 51"/>
-          <p:cNvCxnSpPr>
-            <a:stCxn id="53" idx="0"/>
-            <a:endCxn id="46" idx="4"/>
+          <p:cNvPr id="41" name="Elbow Connector 40"/>
+          <p:cNvCxnSpPr>
+            <a:stCxn id="38" idx="0"/>
+            <a:endCxn id="11" idx="3"/>
           </p:cNvCxnSpPr>
           <p:nvPr/>
         </p:nvCxnSpPr>
         <p:spPr>
           <a:xfrm rot="16200000" flipV="1">
-            <a:off x="1593683" y="2355922"/>
-            <a:ext cx="163942" cy="174557"/>
+            <a:off x="4248505" y="-1553380"/>
+            <a:ext cx="639681" cy="4115773"/>
+          </a:xfrm>
+          <a:prstGeom prst="bentConnector2">
+            <a:avLst/>
+          </a:prstGeom>
+        </p:spPr>
+        <p:style>
+          <a:lnRef idx="2">
+            <a:schemeClr val="accent1"/>
+          </a:lnRef>
+          <a:fillRef idx="0">
+            <a:schemeClr val="accent1"/>
+          </a:fillRef>
+          <a:effectRef idx="1">
+            <a:schemeClr val="accent1"/>
+          </a:effectRef>
+          <a:fontRef idx="minor">
+            <a:schemeClr val="tx1"/>
+          </a:fontRef>
+        </p:style>
+      </p:cxnSp>
+      <p:sp>
+        <p:nvSpPr>
+          <p:cNvPr id="67" name="TextBox 66"/>
+          <p:cNvSpPr txBox="1"/>
+          <p:nvPr/>
+        </p:nvSpPr>
+        <p:spPr>
+          <a:xfrm>
+            <a:off x="5904629" y="2194509"/>
+            <a:ext cx="1695745" cy="369332"/>
+          </a:xfrm>
+          <a:prstGeom prst="rect">
+            <a:avLst/>
+          </a:prstGeom>
+          <a:noFill/>
+        </p:spPr>
+        <p:txBody>
+          <a:bodyPr wrap="square" rtlCol="0">
+            <a:spAutoFit/>
+          </a:bodyPr>
+          <a:lstStyle/>
+          <a:p>
+            <a:pPr algn="ctr"/>
+            <a:r>
+              <a:rPr lang="en-US" dirty="0" err="1" smtClean="0"/>
+              <a:t>nonintegerCNs</a:t>
+            </a:r>
+            <a:r>
+              <a:rPr lang="en-US" dirty="0" smtClean="0"/>
+              <a:t>/</a:t>
+            </a:r>
+            <a:endParaRPr lang="en-US" dirty="0"/>
+          </a:p>
+        </p:txBody>
+      </p:sp>
+      <p:cxnSp>
+        <p:nvCxnSpPr>
+          <p:cNvPr id="68" name="Elbow Connector 67"/>
+          <p:cNvCxnSpPr>
+            <a:stCxn id="67" idx="0"/>
+            <a:endCxn id="38" idx="4"/>
+          </p:cNvCxnSpPr>
+          <p:nvPr/>
+        </p:nvCxnSpPr>
+        <p:spPr>
+          <a:xfrm rot="16200000" flipV="1">
+            <a:off x="6238720" y="1680726"/>
+            <a:ext cx="901294" cy="126271"/>
           </a:xfrm>
           <a:prstGeom prst="bentConnector3">
             <a:avLst>
@@ -12682,88 +12785,59 @@
       </p:cxnSp>
       <p:sp>
         <p:nvSpPr>
-          <p:cNvPr id="53" name="TextBox 52"/>
-          <p:cNvSpPr txBox="1"/>
-          <p:nvPr/>
-        </p:nvSpPr>
-        <p:spPr>
-          <a:xfrm>
-            <a:off x="976725" y="2525172"/>
-            <a:ext cx="1572414" cy="369332"/>
-          </a:xfrm>
-          <a:prstGeom prst="rect">
-            <a:avLst/>
-          </a:prstGeom>
-          <a:noFill/>
-        </p:spPr>
-        <p:txBody>
-          <a:bodyPr wrap="square" rtlCol="0">
-            <a:spAutoFit/>
-          </a:bodyPr>
-          <a:lstStyle/>
-          <a:p>
-            <a:pPr algn="ctr"/>
-            <a:r>
-              <a:rPr lang="en-US" dirty="0" err="1" smtClean="0"/>
-              <a:t>best_analyses</a:t>
-            </a:r>
-            <a:r>
-              <a:rPr lang="en-US" dirty="0" smtClean="0"/>
-              <a:t>/</a:t>
-            </a:r>
-            <a:endParaRPr lang="en-US" dirty="0"/>
-          </a:p>
-        </p:txBody>
-      </p:sp>
-      <p:cxnSp>
-        <p:nvCxnSpPr>
-          <p:cNvPr id="63" name="Elbow Connector 62"/>
-          <p:cNvCxnSpPr>
-            <a:stCxn id="38" idx="1"/>
-            <a:endCxn id="53" idx="3"/>
-          </p:cNvCxnSpPr>
-          <p:nvPr/>
-        </p:nvCxnSpPr>
-        <p:spPr>
-          <a:xfrm rot="16200000" flipH="1" flipV="1">
-            <a:off x="3050260" y="1488003"/>
-            <a:ext cx="720714" cy="1722955"/>
-          </a:xfrm>
-          <a:prstGeom prst="bentConnector4">
-            <a:avLst>
-              <a:gd name="adj1" fmla="val -31719"/>
-              <a:gd name="adj2" fmla="val 66904"/>
-            </a:avLst>
-          </a:prstGeom>
-        </p:spPr>
-        <p:style>
-          <a:lnRef idx="2">
-            <a:schemeClr val="accent1"/>
-          </a:lnRef>
-          <a:fillRef idx="0">
-            <a:schemeClr val="accent1"/>
-          </a:fillRef>
-          <a:effectRef idx="1">
-            <a:schemeClr val="accent1"/>
-          </a:effectRef>
-          <a:fontRef idx="minor">
-            <a:schemeClr val="tx1"/>
-          </a:fontRef>
-        </p:style>
-      </p:cxnSp>
-      <p:cxnSp>
-        <p:nvCxnSpPr>
-          <p:cNvPr id="66" name="Elbow Connector 65"/>
-          <p:cNvCxnSpPr>
-            <a:stCxn id="51" idx="0"/>
-            <a:endCxn id="2" idx="2"/>
-          </p:cNvCxnSpPr>
-          <p:nvPr/>
-        </p:nvCxnSpPr>
-        <p:spPr>
-          <a:xfrm rot="16200000" flipV="1">
-            <a:off x="2285871" y="3010506"/>
-            <a:ext cx="3247406" cy="551488"/>
+          <p:cNvPr id="74" name="Oval 73"/>
+          <p:cNvSpPr/>
+          <p:nvPr/>
+        </p:nvSpPr>
+        <p:spPr>
+          <a:xfrm>
+            <a:off x="5341913" y="3277109"/>
+            <a:ext cx="2821175" cy="468868"/>
+          </a:xfrm>
+          <a:prstGeom prst="ellipse">
+            <a:avLst/>
+          </a:prstGeom>
+        </p:spPr>
+        <p:style>
+          <a:lnRef idx="1">
+            <a:schemeClr val="accent1"/>
+          </a:lnRef>
+          <a:fillRef idx="3">
+            <a:schemeClr val="accent1"/>
+          </a:fillRef>
+          <a:effectRef idx="2">
+            <a:schemeClr val="accent1"/>
+          </a:effectRef>
+          <a:fontRef idx="minor">
+            <a:schemeClr val="lt1"/>
+          </a:fontRef>
+        </p:style>
+        <p:txBody>
+          <a:bodyPr rtlCol="0" anchor="ctr"/>
+          <a:lstStyle/>
+          <a:p>
+            <a:pPr algn="ctr"/>
+            <a:r>
+              <a:rPr lang="en-US" sz="1400" dirty="0" err="1" smtClean="0"/>
+              <a:t>re_call_segments.py</a:t>
+            </a:r>
+            <a:endParaRPr lang="en-US" sz="1400" dirty="0" smtClean="0"/>
+          </a:p>
+        </p:txBody>
+      </p:sp>
+      <p:cxnSp>
+        <p:nvCxnSpPr>
+          <p:cNvPr id="75" name="Elbow Connector 74"/>
+          <p:cNvCxnSpPr>
+            <a:stCxn id="74" idx="0"/>
+            <a:endCxn id="67" idx="2"/>
+          </p:cNvCxnSpPr>
+          <p:nvPr/>
+        </p:nvCxnSpPr>
+        <p:spPr>
+          <a:xfrm rot="5400000" flipH="1" flipV="1">
+            <a:off x="6395867" y="2920475"/>
+            <a:ext cx="713268" cy="1"/>
           </a:xfrm>
           <a:prstGeom prst="bentConnector3">
             <a:avLst>
@@ -12786,19 +12860,54 @@
           </a:fontRef>
         </p:style>
       </p:cxnSp>
-      <p:cxnSp>
-        <p:nvCxnSpPr>
-          <p:cNvPr id="69" name="Elbow Connector 68"/>
-          <p:cNvCxnSpPr>
-            <a:stCxn id="51" idx="0"/>
-            <a:endCxn id="53" idx="2"/>
-          </p:cNvCxnSpPr>
-          <p:nvPr/>
-        </p:nvCxnSpPr>
-        <p:spPr>
-          <a:xfrm rot="16200000" flipV="1">
-            <a:off x="1966401" y="2691036"/>
-            <a:ext cx="2015449" cy="2422386"/>
+      <p:sp>
+        <p:nvSpPr>
+          <p:cNvPr id="79" name="TextBox 78"/>
+          <p:cNvSpPr txBox="1"/>
+          <p:nvPr/>
+        </p:nvSpPr>
+        <p:spPr>
+          <a:xfrm>
+            <a:off x="5466385" y="3943356"/>
+            <a:ext cx="2825218" cy="369332"/>
+          </a:xfrm>
+          <a:prstGeom prst="rect">
+            <a:avLst/>
+          </a:prstGeom>
+          <a:noFill/>
+        </p:spPr>
+        <p:txBody>
+          <a:bodyPr wrap="square" rtlCol="0">
+            <a:spAutoFit/>
+          </a:bodyPr>
+          <a:lstStyle/>
+          <a:p>
+            <a:pPr algn="ctr"/>
+            <a:r>
+              <a:rPr lang="en-US" dirty="0" err="1" smtClean="0"/>
+              <a:t>noninteger_processed_CNs</a:t>
+            </a:r>
+            <a:r>
+              <a:rPr lang="en-US" dirty="0" smtClean="0"/>
+              <a:t>/</a:t>
+            </a:r>
+            <a:endParaRPr lang="en-US" dirty="0"/>
+          </a:p>
+        </p:txBody>
+      </p:sp>
+      <p:cxnSp>
+        <p:nvCxnSpPr>
+          <p:cNvPr id="80" name="Elbow Connector 79"/>
+          <p:cNvCxnSpPr>
+            <a:stCxn id="74" idx="2"/>
+            <a:endCxn id="2" idx="3"/>
+          </p:cNvCxnSpPr>
+          <p:nvPr/>
+        </p:nvCxnSpPr>
+        <p:spPr>
+          <a:xfrm rot="10800000">
+            <a:off x="4481703" y="1477881"/>
+            <a:ext cx="860211" cy="2033662"/>
           </a:xfrm>
           <a:prstGeom prst="bentConnector3">
             <a:avLst>
@@ -12823,162 +12932,17 @@
       </p:cxnSp>
       <p:cxnSp>
         <p:nvCxnSpPr>
-          <p:cNvPr id="99" name="Elbow Connector 98"/>
-          <p:cNvCxnSpPr>
-            <a:stCxn id="15" idx="3"/>
-            <a:endCxn id="7" idx="2"/>
-          </p:cNvCxnSpPr>
-          <p:nvPr/>
-        </p:nvCxnSpPr>
-        <p:spPr>
-          <a:xfrm rot="5400000" flipH="1">
-            <a:off x="4938447" y="5347488"/>
-            <a:ext cx="400204" cy="1919163"/>
-          </a:xfrm>
-          <a:prstGeom prst="bentConnector3">
-            <a:avLst>
-              <a:gd name="adj1" fmla="val -74278"/>
-            </a:avLst>
-          </a:prstGeom>
-        </p:spPr>
-        <p:style>
-          <a:lnRef idx="2">
-            <a:schemeClr val="accent1"/>
-          </a:lnRef>
-          <a:fillRef idx="0">
-            <a:schemeClr val="accent1"/>
-          </a:fillRef>
-          <a:effectRef idx="1">
-            <a:schemeClr val="accent1"/>
-          </a:effectRef>
-          <a:fontRef idx="minor">
-            <a:schemeClr val="tx1"/>
-          </a:fontRef>
-        </p:style>
-      </p:cxnSp>
-      <p:sp>
-        <p:nvSpPr>
-          <p:cNvPr id="38" name="Oval 37"/>
-          <p:cNvSpPr/>
-          <p:nvPr/>
-        </p:nvSpPr>
-        <p:spPr>
-          <a:xfrm>
-            <a:off x="3689601" y="1920460"/>
-            <a:ext cx="3977511" cy="468868"/>
-          </a:xfrm>
-          <a:prstGeom prst="ellipse">
-            <a:avLst/>
-          </a:prstGeom>
-        </p:spPr>
-        <p:style>
-          <a:lnRef idx="1">
-            <a:schemeClr val="accent1"/>
-          </a:lnRef>
-          <a:fillRef idx="3">
-            <a:schemeClr val="accent1"/>
-          </a:fillRef>
-          <a:effectRef idx="2">
-            <a:schemeClr val="accent1"/>
-          </a:effectRef>
-          <a:fontRef idx="minor">
-            <a:schemeClr val="lt1"/>
-          </a:fontRef>
-        </p:style>
-        <p:txBody>
-          <a:bodyPr rtlCol="0" anchor="ctr"/>
-          <a:lstStyle/>
-          <a:p>
-            <a:pPr algn="ctr"/>
-            <a:r>
-              <a:rPr lang="en-US" sz="1400" dirty="0" err="1" smtClean="0"/>
-              <a:t>get_noninteger_CN_from_ASCAT.py</a:t>
-            </a:r>
-            <a:endParaRPr lang="en-US" sz="1400" dirty="0" smtClean="0"/>
-          </a:p>
-        </p:txBody>
-      </p:sp>
-      <p:cxnSp>
-        <p:nvCxnSpPr>
-          <p:cNvPr id="41" name="Elbow Connector 40"/>
-          <p:cNvCxnSpPr>
-            <a:stCxn id="38" idx="0"/>
-            <a:endCxn id="11" idx="3"/>
+          <p:cNvPr id="83" name="Elbow Connector 82"/>
+          <p:cNvCxnSpPr>
+            <a:stCxn id="79" idx="0"/>
+            <a:endCxn id="74" idx="4"/>
           </p:cNvCxnSpPr>
           <p:nvPr/>
         </p:nvCxnSpPr>
         <p:spPr>
           <a:xfrm rot="16200000" flipV="1">
-            <a:off x="3226511" y="-531387"/>
-            <a:ext cx="1735794" cy="3167899"/>
-          </a:xfrm>
-          <a:prstGeom prst="bentConnector2">
-            <a:avLst/>
-          </a:prstGeom>
-        </p:spPr>
-        <p:style>
-          <a:lnRef idx="2">
-            <a:schemeClr val="accent1"/>
-          </a:lnRef>
-          <a:fillRef idx="0">
-            <a:schemeClr val="accent1"/>
-          </a:fillRef>
-          <a:effectRef idx="1">
-            <a:schemeClr val="accent1"/>
-          </a:effectRef>
-          <a:fontRef idx="minor">
-            <a:schemeClr val="tx1"/>
-          </a:fontRef>
-        </p:style>
-      </p:cxnSp>
-      <p:sp>
-        <p:nvSpPr>
-          <p:cNvPr id="67" name="TextBox 66"/>
-          <p:cNvSpPr txBox="1"/>
-          <p:nvPr/>
-        </p:nvSpPr>
-        <p:spPr>
-          <a:xfrm>
-            <a:off x="5417693" y="2709837"/>
-            <a:ext cx="1695745" cy="369332"/>
-          </a:xfrm>
-          <a:prstGeom prst="rect">
-            <a:avLst/>
-          </a:prstGeom>
-          <a:noFill/>
-        </p:spPr>
-        <p:txBody>
-          <a:bodyPr wrap="square" rtlCol="0">
-            <a:spAutoFit/>
-          </a:bodyPr>
-          <a:lstStyle/>
-          <a:p>
-            <a:pPr algn="ctr"/>
-            <a:r>
-              <a:rPr lang="en-US" dirty="0" err="1" smtClean="0"/>
-              <a:t>nonintegerCNs</a:t>
-            </a:r>
-            <a:r>
-              <a:rPr lang="en-US" dirty="0" smtClean="0"/>
-              <a:t>/</a:t>
-            </a:r>
-            <a:endParaRPr lang="en-US" dirty="0"/>
-          </a:p>
-        </p:txBody>
-      </p:sp>
-      <p:cxnSp>
-        <p:nvCxnSpPr>
-          <p:cNvPr id="68" name="Elbow Connector 67"/>
-          <p:cNvCxnSpPr>
-            <a:stCxn id="67" idx="0"/>
-            <a:endCxn id="38" idx="4"/>
-          </p:cNvCxnSpPr>
-          <p:nvPr/>
-        </p:nvCxnSpPr>
-        <p:spPr>
-          <a:xfrm rot="16200000" flipV="1">
-            <a:off x="5811708" y="2255978"/>
-            <a:ext cx="320509" cy="587209"/>
+            <a:off x="6717059" y="3781420"/>
+            <a:ext cx="197379" cy="126493"/>
           </a:xfrm>
           <a:prstGeom prst="bentConnector3">
             <a:avLst>
@@ -13001,204 +12965,24 @@
           </a:fontRef>
         </p:style>
       </p:cxnSp>
-      <p:sp>
-        <p:nvSpPr>
-          <p:cNvPr id="74" name="Oval 73"/>
-          <p:cNvSpPr/>
-          <p:nvPr/>
-        </p:nvSpPr>
-        <p:spPr>
-          <a:xfrm>
-            <a:off x="5341913" y="3277109"/>
-            <a:ext cx="2821175" cy="468868"/>
-          </a:xfrm>
-          <a:prstGeom prst="ellipse">
-            <a:avLst/>
-          </a:prstGeom>
-        </p:spPr>
-        <p:style>
-          <a:lnRef idx="1">
-            <a:schemeClr val="accent1"/>
-          </a:lnRef>
-          <a:fillRef idx="3">
-            <a:schemeClr val="accent1"/>
-          </a:fillRef>
-          <a:effectRef idx="2">
-            <a:schemeClr val="accent1"/>
-          </a:effectRef>
-          <a:fontRef idx="minor">
-            <a:schemeClr val="lt1"/>
-          </a:fontRef>
-        </p:style>
-        <p:txBody>
-          <a:bodyPr rtlCol="0" anchor="ctr"/>
-          <a:lstStyle/>
-          <a:p>
-            <a:pPr algn="ctr"/>
-            <a:r>
-              <a:rPr lang="en-US" sz="1400" dirty="0" err="1" smtClean="0"/>
-              <a:t>re_call_segments.py</a:t>
-            </a:r>
-            <a:endParaRPr lang="en-US" sz="1400" dirty="0" smtClean="0"/>
-          </a:p>
-        </p:txBody>
-      </p:sp>
-      <p:cxnSp>
-        <p:nvCxnSpPr>
-          <p:cNvPr id="75" name="Elbow Connector 74"/>
-          <p:cNvCxnSpPr>
-            <a:stCxn id="74" idx="0"/>
-            <a:endCxn id="67" idx="2"/>
+      <p:cxnSp>
+        <p:nvCxnSpPr>
+          <p:cNvPr id="90" name="Elbow Connector 89"/>
+          <p:cNvCxnSpPr>
+            <a:stCxn id="51" idx="1"/>
+            <a:endCxn id="11" idx="1"/>
           </p:cNvCxnSpPr>
           <p:nvPr/>
         </p:nvCxnSpPr>
         <p:spPr>
           <a:xfrm rot="16200000" flipV="1">
-            <a:off x="6410064" y="2934671"/>
-            <a:ext cx="197940" cy="486935"/>
-          </a:xfrm>
-          <a:prstGeom prst="bentConnector3">
-            <a:avLst>
-              <a:gd name="adj1" fmla="val 50000"/>
-            </a:avLst>
-          </a:prstGeom>
-        </p:spPr>
-        <p:style>
-          <a:lnRef idx="2">
-            <a:schemeClr val="accent1"/>
-          </a:lnRef>
-          <a:fillRef idx="0">
-            <a:schemeClr val="accent1"/>
-          </a:fillRef>
-          <a:effectRef idx="1">
-            <a:schemeClr val="accent1"/>
-          </a:effectRef>
-          <a:fontRef idx="minor">
-            <a:schemeClr val="tx1"/>
-          </a:fontRef>
-        </p:style>
-      </p:cxnSp>
-      <p:sp>
-        <p:nvSpPr>
-          <p:cNvPr id="79" name="TextBox 78"/>
-          <p:cNvSpPr txBox="1"/>
-          <p:nvPr/>
-        </p:nvSpPr>
-        <p:spPr>
-          <a:xfrm>
-            <a:off x="5466385" y="3943356"/>
-            <a:ext cx="2825218" cy="369332"/>
-          </a:xfrm>
-          <a:prstGeom prst="rect">
-            <a:avLst/>
-          </a:prstGeom>
-          <a:noFill/>
-        </p:spPr>
-        <p:txBody>
-          <a:bodyPr wrap="square" rtlCol="0">
-            <a:spAutoFit/>
-          </a:bodyPr>
-          <a:lstStyle/>
-          <a:p>
-            <a:pPr algn="ctr"/>
-            <a:r>
-              <a:rPr lang="en-US" dirty="0" err="1" smtClean="0"/>
-              <a:t>noninteger_processed_CNs</a:t>
-            </a:r>
-            <a:r>
-              <a:rPr lang="en-US" dirty="0" smtClean="0"/>
-              <a:t>/</a:t>
-            </a:r>
-            <a:endParaRPr lang="en-US" dirty="0"/>
-          </a:p>
-        </p:txBody>
-      </p:sp>
-      <p:cxnSp>
-        <p:nvCxnSpPr>
-          <p:cNvPr id="80" name="Elbow Connector 79"/>
-          <p:cNvCxnSpPr>
-            <a:stCxn id="74" idx="7"/>
-            <a:endCxn id="2" idx="3"/>
-          </p:cNvCxnSpPr>
-          <p:nvPr/>
-        </p:nvCxnSpPr>
-        <p:spPr>
-          <a:xfrm rot="16200000" flipV="1">
-            <a:off x="5181873" y="777710"/>
-            <a:ext cx="1867892" cy="3268234"/>
-          </a:xfrm>
-          <a:prstGeom prst="bentConnector2">
-            <a:avLst/>
-          </a:prstGeom>
-        </p:spPr>
-        <p:style>
-          <a:lnRef idx="2">
-            <a:schemeClr val="accent1"/>
-          </a:lnRef>
-          <a:fillRef idx="0">
-            <a:schemeClr val="accent1"/>
-          </a:fillRef>
-          <a:effectRef idx="1">
-            <a:schemeClr val="accent1"/>
-          </a:effectRef>
-          <a:fontRef idx="minor">
-            <a:schemeClr val="tx1"/>
-          </a:fontRef>
-        </p:style>
-      </p:cxnSp>
-      <p:cxnSp>
-        <p:nvCxnSpPr>
-          <p:cNvPr id="83" name="Elbow Connector 82"/>
-          <p:cNvCxnSpPr>
-            <a:stCxn id="79" idx="0"/>
-            <a:endCxn id="74" idx="4"/>
-          </p:cNvCxnSpPr>
-          <p:nvPr/>
-        </p:nvCxnSpPr>
-        <p:spPr>
-          <a:xfrm rot="16200000" flipV="1">
-            <a:off x="6717059" y="3781420"/>
-            <a:ext cx="197379" cy="126493"/>
-          </a:xfrm>
-          <a:prstGeom prst="bentConnector3">
-            <a:avLst>
-              <a:gd name="adj1" fmla="val 50000"/>
-            </a:avLst>
-          </a:prstGeom>
-        </p:spPr>
-        <p:style>
-          <a:lnRef idx="2">
-            <a:schemeClr val="accent1"/>
-          </a:lnRef>
-          <a:fillRef idx="0">
-            <a:schemeClr val="accent1"/>
-          </a:fillRef>
-          <a:effectRef idx="1">
-            <a:schemeClr val="accent1"/>
-          </a:effectRef>
-          <a:fontRef idx="minor">
-            <a:schemeClr val="tx1"/>
-          </a:fontRef>
-        </p:style>
-      </p:cxnSp>
-      <p:cxnSp>
-        <p:nvCxnSpPr>
-          <p:cNvPr id="90" name="Elbow Connector 89"/>
-          <p:cNvCxnSpPr>
-            <a:stCxn id="51" idx="0"/>
-            <a:endCxn id="11" idx="1"/>
-          </p:cNvCxnSpPr>
-          <p:nvPr/>
-        </p:nvCxnSpPr>
-        <p:spPr>
-          <a:xfrm rot="16200000" flipV="1">
-            <a:off x="-120890" y="603745"/>
-            <a:ext cx="4725287" cy="3887130"/>
+            <a:off x="-868234" y="1351089"/>
+            <a:ext cx="4559517" cy="2226671"/>
           </a:xfrm>
           <a:prstGeom prst="bentConnector4">
             <a:avLst>
-              <a:gd name="adj1" fmla="val 6370"/>
-              <a:gd name="adj2" fmla="val 105881"/>
+              <a:gd name="adj1" fmla="val 5848"/>
+              <a:gd name="adj2" fmla="val 110266"/>
             </a:avLst>
           </a:prstGeom>
         </p:spPr>
@@ -13221,15 +13005,15 @@
         <p:nvCxnSpPr>
           <p:cNvPr id="98" name="Elbow Connector 97"/>
           <p:cNvCxnSpPr>
-            <a:stCxn id="51" idx="0"/>
+            <a:stCxn id="51" idx="7"/>
             <a:endCxn id="79" idx="2"/>
           </p:cNvCxnSpPr>
           <p:nvPr/>
         </p:nvCxnSpPr>
         <p:spPr>
           <a:xfrm rot="5400000" flipH="1" flipV="1">
-            <a:off x="5233524" y="3264483"/>
-            <a:ext cx="597265" cy="2693676"/>
+            <a:off x="5852152" y="3717341"/>
+            <a:ext cx="431495" cy="1622190"/>
           </a:xfrm>
           <a:prstGeom prst="bentConnector3">
             <a:avLst>

--- a/Python program structure.pptx
+++ b/Python program structure.pptx
@@ -8,15 +8,15 @@
     <p:sldId id="272" r:id="rId2"/>
     <p:sldId id="277" r:id="rId3"/>
     <p:sldId id="278" r:id="rId4"/>
-    <p:sldId id="275" r:id="rId5"/>
-    <p:sldId id="276" r:id="rId6"/>
-    <p:sldId id="267" r:id="rId7"/>
-    <p:sldId id="270" r:id="rId8"/>
-    <p:sldId id="264" r:id="rId9"/>
-    <p:sldId id="271" r:id="rId10"/>
-    <p:sldId id="269" r:id="rId11"/>
-    <p:sldId id="268" r:id="rId12"/>
-    <p:sldId id="256" r:id="rId13"/>
+    <p:sldId id="276" r:id="rId5"/>
+    <p:sldId id="267" r:id="rId6"/>
+    <p:sldId id="270" r:id="rId7"/>
+    <p:sldId id="264" r:id="rId8"/>
+    <p:sldId id="271" r:id="rId9"/>
+    <p:sldId id="269" r:id="rId10"/>
+    <p:sldId id="268" r:id="rId11"/>
+    <p:sldId id="256" r:id="rId12"/>
+    <p:sldId id="279" r:id="rId13"/>
     <p:sldId id="259" r:id="rId14"/>
     <p:sldId id="257" r:id="rId15"/>
     <p:sldId id="258" r:id="rId16"/>
@@ -4241,300 +4241,10 @@
           <a:chExt cx="0" cy="0"/>
         </a:xfrm>
       </p:grpSpPr>
-      <p:sp>
-        <p:nvSpPr>
-          <p:cNvPr id="2" name="TextBox 1"/>
-          <p:cNvSpPr txBox="1"/>
-          <p:nvPr/>
-        </p:nvSpPr>
-        <p:spPr>
-          <a:xfrm>
-            <a:off x="0" y="165571"/>
-            <a:ext cx="4592839" cy="369332"/>
-          </a:xfrm>
-          <a:prstGeom prst="rect">
-            <a:avLst/>
-          </a:prstGeom>
-          <a:noFill/>
-        </p:spPr>
-        <p:txBody>
-          <a:bodyPr wrap="square" rtlCol="0">
-            <a:spAutoFit/>
-          </a:bodyPr>
-          <a:lstStyle/>
-          <a:p>
-            <a:pPr algn="ctr"/>
-            <a:r>
-              <a:rPr lang="en-US" dirty="0" smtClean="0"/>
-              <a:t>CN_joint_log2rs</a:t>
-            </a:r>
-            <a:endParaRPr lang="en-US" dirty="0"/>
-          </a:p>
-        </p:txBody>
-      </p:sp>
-      <p:sp>
-        <p:nvSpPr>
-          <p:cNvPr id="3" name="Oval 2"/>
-          <p:cNvSpPr/>
-          <p:nvPr/>
-        </p:nvSpPr>
-        <p:spPr>
-          <a:xfrm>
-            <a:off x="-1" y="2405661"/>
-            <a:ext cx="3723964" cy="468868"/>
-          </a:xfrm>
-          <a:prstGeom prst="ellipse">
-            <a:avLst/>
-          </a:prstGeom>
-        </p:spPr>
-        <p:style>
-          <a:lnRef idx="1">
-            <a:schemeClr val="accent1"/>
-          </a:lnRef>
-          <a:fillRef idx="3">
-            <a:schemeClr val="accent1"/>
-          </a:fillRef>
-          <a:effectRef idx="2">
-            <a:schemeClr val="accent1"/>
-          </a:effectRef>
-          <a:fontRef idx="minor">
-            <a:schemeClr val="lt1"/>
-          </a:fontRef>
-        </p:style>
-        <p:txBody>
-          <a:bodyPr rtlCol="0" anchor="ctr"/>
-          <a:lstStyle/>
-          <a:p>
-            <a:pPr algn="ctr"/>
-            <a:r>
-              <a:rPr lang="en-US" sz="1400" dirty="0" err="1" smtClean="0"/>
-              <a:t>calculate_joint_scatterplots.py</a:t>
-            </a:r>
-            <a:endParaRPr lang="en-US" sz="1400" dirty="0" smtClean="0"/>
-          </a:p>
-        </p:txBody>
-      </p:sp>
-      <p:cxnSp>
-        <p:nvCxnSpPr>
-          <p:cNvPr id="4" name="Elbow Connector 3"/>
-          <p:cNvCxnSpPr>
-            <a:stCxn id="2" idx="2"/>
-            <a:endCxn id="3" idx="0"/>
-          </p:cNvCxnSpPr>
-          <p:nvPr/>
-        </p:nvCxnSpPr>
-        <p:spPr>
-          <a:xfrm rot="5400000">
-            <a:off x="1143822" y="1253063"/>
-            <a:ext cx="1870758" cy="434439"/>
-          </a:xfrm>
-          <a:prstGeom prst="bentConnector3">
-            <a:avLst>
-              <a:gd name="adj1" fmla="val 50000"/>
-            </a:avLst>
-          </a:prstGeom>
-        </p:spPr>
-        <p:style>
-          <a:lnRef idx="2">
-            <a:schemeClr val="accent1"/>
-          </a:lnRef>
-          <a:fillRef idx="0">
-            <a:schemeClr val="accent1"/>
-          </a:fillRef>
-          <a:effectRef idx="1">
-            <a:schemeClr val="accent1"/>
-          </a:effectRef>
-          <a:fontRef idx="minor">
-            <a:schemeClr val="tx1"/>
-          </a:fontRef>
-        </p:style>
-      </p:cxnSp>
-      <p:sp>
-        <p:nvSpPr>
-          <p:cNvPr id="7" name="Oval 6"/>
-          <p:cNvSpPr/>
-          <p:nvPr/>
-        </p:nvSpPr>
-        <p:spPr>
-          <a:xfrm>
-            <a:off x="5602093" y="2405662"/>
-            <a:ext cx="3541907" cy="468868"/>
-          </a:xfrm>
-          <a:prstGeom prst="ellipse">
-            <a:avLst/>
-          </a:prstGeom>
-        </p:spPr>
-        <p:style>
-          <a:lnRef idx="1">
-            <a:schemeClr val="accent1"/>
-          </a:lnRef>
-          <a:fillRef idx="3">
-            <a:schemeClr val="accent1"/>
-          </a:fillRef>
-          <a:effectRef idx="2">
-            <a:schemeClr val="accent1"/>
-          </a:effectRef>
-          <a:fontRef idx="minor">
-            <a:schemeClr val="lt1"/>
-          </a:fontRef>
-        </p:style>
-        <p:txBody>
-          <a:bodyPr rtlCol="0" anchor="ctr"/>
-          <a:lstStyle/>
-          <a:p>
-            <a:pPr algn="ctr"/>
-            <a:r>
-              <a:rPr lang="en-US" sz="1400" dirty="0" err="1" smtClean="0"/>
-              <a:t>calculate_joint_histograms.py</a:t>
-            </a:r>
-            <a:endParaRPr lang="en-US" sz="1400" dirty="0" smtClean="0"/>
-          </a:p>
-        </p:txBody>
-      </p:sp>
-      <p:cxnSp>
-        <p:nvCxnSpPr>
-          <p:cNvPr id="8" name="Elbow Connector 7"/>
-          <p:cNvCxnSpPr>
-            <a:stCxn id="7" idx="0"/>
-            <a:endCxn id="2" idx="2"/>
-          </p:cNvCxnSpPr>
-          <p:nvPr/>
-        </p:nvCxnSpPr>
-        <p:spPr>
-          <a:xfrm rot="16200000" flipV="1">
-            <a:off x="3899355" y="-1068031"/>
-            <a:ext cx="1870759" cy="5076627"/>
-          </a:xfrm>
-          <a:prstGeom prst="bentConnector3">
-            <a:avLst>
-              <a:gd name="adj1" fmla="val 50000"/>
-            </a:avLst>
-          </a:prstGeom>
-        </p:spPr>
-        <p:style>
-          <a:lnRef idx="2">
-            <a:schemeClr val="accent1"/>
-          </a:lnRef>
-          <a:fillRef idx="0">
-            <a:schemeClr val="accent1"/>
-          </a:fillRef>
-          <a:effectRef idx="1">
-            <a:schemeClr val="accent1"/>
-          </a:effectRef>
-          <a:fontRef idx="minor">
-            <a:schemeClr val="tx1"/>
-          </a:fontRef>
-        </p:style>
-      </p:cxnSp>
-      <p:cxnSp>
-        <p:nvCxnSpPr>
-          <p:cNvPr id="10" name="Elbow Connector 9"/>
-          <p:cNvCxnSpPr>
-            <a:stCxn id="7" idx="0"/>
-            <a:endCxn id="11" idx="2"/>
-          </p:cNvCxnSpPr>
-          <p:nvPr/>
-        </p:nvCxnSpPr>
-        <p:spPr>
-          <a:xfrm rot="16200000" flipV="1">
-            <a:off x="6172565" y="1205180"/>
-            <a:ext cx="1841957" cy="559008"/>
-          </a:xfrm>
-          <a:prstGeom prst="bentConnector3">
-            <a:avLst>
-              <a:gd name="adj1" fmla="val 50000"/>
-            </a:avLst>
-          </a:prstGeom>
-        </p:spPr>
-        <p:style>
-          <a:lnRef idx="2">
-            <a:schemeClr val="accent1"/>
-          </a:lnRef>
-          <a:fillRef idx="0">
-            <a:schemeClr val="accent1"/>
-          </a:fillRef>
-          <a:effectRef idx="1">
-            <a:schemeClr val="accent1"/>
-          </a:effectRef>
-          <a:fontRef idx="minor">
-            <a:schemeClr val="tx1"/>
-          </a:fontRef>
-        </p:style>
-      </p:cxnSp>
-      <p:sp>
-        <p:nvSpPr>
-          <p:cNvPr id="11" name="TextBox 10"/>
-          <p:cNvSpPr txBox="1"/>
-          <p:nvPr/>
-        </p:nvSpPr>
-        <p:spPr>
-          <a:xfrm>
-            <a:off x="4484078" y="194373"/>
-            <a:ext cx="4659922" cy="369332"/>
-          </a:xfrm>
-          <a:prstGeom prst="rect">
-            <a:avLst/>
-          </a:prstGeom>
-          <a:noFill/>
-        </p:spPr>
-        <p:txBody>
-          <a:bodyPr wrap="square" rtlCol="0">
-            <a:spAutoFit/>
-          </a:bodyPr>
-          <a:lstStyle/>
-          <a:p>
-            <a:pPr algn="ctr"/>
-            <a:r>
-              <a:rPr lang="en-US" dirty="0" err="1" smtClean="0"/>
-              <a:t>BAF_joint_vals</a:t>
-            </a:r>
-            <a:r>
-              <a:rPr lang="en-US" dirty="0" smtClean="0"/>
-              <a:t>/</a:t>
-            </a:r>
-            <a:endParaRPr lang="en-US" dirty="0"/>
-          </a:p>
-        </p:txBody>
-      </p:sp>
-      <p:cxnSp>
-        <p:nvCxnSpPr>
-          <p:cNvPr id="12" name="Elbow Connector 11"/>
-          <p:cNvCxnSpPr>
-            <a:stCxn id="11" idx="2"/>
-            <a:endCxn id="3" idx="0"/>
-          </p:cNvCxnSpPr>
-          <p:nvPr/>
-        </p:nvCxnSpPr>
-        <p:spPr>
-          <a:xfrm rot="5400000">
-            <a:off x="3417032" y="-991346"/>
-            <a:ext cx="1841956" cy="4952058"/>
-          </a:xfrm>
-          <a:prstGeom prst="bentConnector3">
-            <a:avLst>
-              <a:gd name="adj1" fmla="val 50000"/>
-            </a:avLst>
-          </a:prstGeom>
-        </p:spPr>
-        <p:style>
-          <a:lnRef idx="2">
-            <a:schemeClr val="accent1"/>
-          </a:lnRef>
-          <a:fillRef idx="0">
-            <a:schemeClr val="accent1"/>
-          </a:fillRef>
-          <a:effectRef idx="1">
-            <a:schemeClr val="accent1"/>
-          </a:effectRef>
-          <a:fontRef idx="minor">
-            <a:schemeClr val="tx1"/>
-          </a:fontRef>
-        </p:style>
-      </p:cxnSp>
     </p:spTree>
     <p:extLst>
       <p:ext uri="{BB962C8B-B14F-4D97-AF65-F5344CB8AC3E}">
-        <p14:creationId xmlns:p14="http://schemas.microsoft.com/office/powerpoint/2010/main" val="2403452269"/>
+        <p14:creationId xmlns:p14="http://schemas.microsoft.com/office/powerpoint/2010/main" val="3807466903"/>
       </p:ext>
     </p:extLst>
   </p:cSld>
@@ -4561,10 +4271,1084 @@
           <a:chExt cx="0" cy="0"/>
         </a:xfrm>
       </p:grpSpPr>
+      <p:sp>
+        <p:nvSpPr>
+          <p:cNvPr id="4" name="TextBox 3"/>
+          <p:cNvSpPr txBox="1"/>
+          <p:nvPr/>
+        </p:nvSpPr>
+        <p:spPr>
+          <a:xfrm>
+            <a:off x="1456267" y="165571"/>
+            <a:ext cx="1710266" cy="369332"/>
+          </a:xfrm>
+          <a:prstGeom prst="rect">
+            <a:avLst/>
+          </a:prstGeom>
+          <a:noFill/>
+        </p:spPr>
+        <p:txBody>
+          <a:bodyPr wrap="square" rtlCol="0">
+            <a:spAutoFit/>
+          </a:bodyPr>
+          <a:lstStyle/>
+          <a:p>
+            <a:pPr algn="ctr"/>
+            <a:r>
+              <a:rPr lang="en-US" dirty="0" err="1" smtClean="0"/>
+              <a:t>SNP_data_orig</a:t>
+            </a:r>
+            <a:r>
+              <a:rPr lang="en-US" dirty="0" smtClean="0"/>
+              <a:t>/</a:t>
+            </a:r>
+            <a:endParaRPr lang="en-US" dirty="0"/>
+          </a:p>
+        </p:txBody>
+      </p:sp>
+      <p:sp>
+        <p:nvSpPr>
+          <p:cNvPr id="5" name="TextBox 4"/>
+          <p:cNvSpPr txBox="1"/>
+          <p:nvPr/>
+        </p:nvSpPr>
+        <p:spPr>
+          <a:xfrm>
+            <a:off x="278344" y="1630585"/>
+            <a:ext cx="2582334" cy="369332"/>
+          </a:xfrm>
+          <a:prstGeom prst="rect">
+            <a:avLst/>
+          </a:prstGeom>
+          <a:noFill/>
+        </p:spPr>
+        <p:txBody>
+          <a:bodyPr wrap="square" rtlCol="0">
+            <a:spAutoFit/>
+          </a:bodyPr>
+          <a:lstStyle/>
+          <a:p>
+            <a:pPr algn="ctr"/>
+            <a:r>
+              <a:rPr lang="en-US" dirty="0" smtClean="0">
+                <a:latin typeface="Courier New"/>
+                <a:cs typeface="Courier New"/>
+              </a:rPr>
+              <a:t>[median = 0.</a:t>
+            </a:r>
+            <a:r>
+              <a:rPr lang="is-IS" dirty="0" smtClean="0">
+                <a:latin typeface="Courier New"/>
+                <a:cs typeface="Courier New"/>
+              </a:rPr>
+              <a:t>5237]</a:t>
+            </a:r>
+            <a:endParaRPr lang="en-US" dirty="0">
+              <a:latin typeface="Courier New"/>
+              <a:cs typeface="Courier New"/>
+            </a:endParaRPr>
+          </a:p>
+        </p:txBody>
+      </p:sp>
+      <p:sp>
+        <p:nvSpPr>
+          <p:cNvPr id="6" name="Oval 5"/>
+          <p:cNvSpPr/>
+          <p:nvPr/>
+        </p:nvSpPr>
+        <p:spPr>
+          <a:xfrm>
+            <a:off x="278344" y="1016000"/>
+            <a:ext cx="1871135" cy="468868"/>
+          </a:xfrm>
+          <a:prstGeom prst="ellipse">
+            <a:avLst/>
+          </a:prstGeom>
+        </p:spPr>
+        <p:style>
+          <a:lnRef idx="1">
+            <a:schemeClr val="accent1"/>
+          </a:lnRef>
+          <a:fillRef idx="3">
+            <a:schemeClr val="accent1"/>
+          </a:fillRef>
+          <a:effectRef idx="2">
+            <a:schemeClr val="accent1"/>
+          </a:effectRef>
+          <a:fontRef idx="minor">
+            <a:schemeClr val="lt1"/>
+          </a:fontRef>
+        </p:style>
+        <p:txBody>
+          <a:bodyPr rtlCol="0" anchor="ctr"/>
+          <a:lstStyle/>
+          <a:p>
+            <a:pPr algn="ctr"/>
+            <a:r>
+              <a:rPr lang="en-US" sz="1400" dirty="0" err="1" smtClean="0"/>
+              <a:t>median_calc.py</a:t>
+            </a:r>
+            <a:endParaRPr lang="en-US" sz="1400" dirty="0"/>
+          </a:p>
+        </p:txBody>
+      </p:sp>
+      <p:cxnSp>
+        <p:nvCxnSpPr>
+          <p:cNvPr id="8" name="Elbow Connector 7"/>
+          <p:cNvCxnSpPr>
+            <a:stCxn id="4" idx="2"/>
+            <a:endCxn id="6" idx="0"/>
+          </p:cNvCxnSpPr>
+          <p:nvPr/>
+        </p:nvCxnSpPr>
+        <p:spPr>
+          <a:xfrm rot="5400000">
+            <a:off x="1522108" y="226707"/>
+            <a:ext cx="481097" cy="1097488"/>
+          </a:xfrm>
+          <a:prstGeom prst="bentConnector3">
+            <a:avLst/>
+          </a:prstGeom>
+        </p:spPr>
+        <p:style>
+          <a:lnRef idx="2">
+            <a:schemeClr val="accent1"/>
+          </a:lnRef>
+          <a:fillRef idx="0">
+            <a:schemeClr val="accent1"/>
+          </a:fillRef>
+          <a:effectRef idx="1">
+            <a:schemeClr val="accent1"/>
+          </a:effectRef>
+          <a:fontRef idx="minor">
+            <a:schemeClr val="tx1"/>
+          </a:fontRef>
+        </p:style>
+      </p:cxnSp>
+      <p:cxnSp>
+        <p:nvCxnSpPr>
+          <p:cNvPr id="10" name="Elbow Connector 9"/>
+          <p:cNvCxnSpPr>
+            <a:stCxn id="6" idx="4"/>
+            <a:endCxn id="5" idx="0"/>
+          </p:cNvCxnSpPr>
+          <p:nvPr/>
+        </p:nvCxnSpPr>
+        <p:spPr>
+          <a:xfrm rot="16200000" flipH="1">
+            <a:off x="1318853" y="1379926"/>
+            <a:ext cx="145717" cy="355599"/>
+          </a:xfrm>
+          <a:prstGeom prst="bentConnector3">
+            <a:avLst>
+              <a:gd name="adj1" fmla="val 50000"/>
+            </a:avLst>
+          </a:prstGeom>
+        </p:spPr>
+        <p:style>
+          <a:lnRef idx="2">
+            <a:schemeClr val="accent1"/>
+          </a:lnRef>
+          <a:fillRef idx="0">
+            <a:schemeClr val="accent1"/>
+          </a:fillRef>
+          <a:effectRef idx="1">
+            <a:schemeClr val="accent1"/>
+          </a:effectRef>
+          <a:fontRef idx="minor">
+            <a:schemeClr val="tx1"/>
+          </a:fontRef>
+        </p:style>
+      </p:cxnSp>
+      <p:sp>
+        <p:nvSpPr>
+          <p:cNvPr id="14" name="TextBox 13"/>
+          <p:cNvSpPr txBox="1"/>
+          <p:nvPr/>
+        </p:nvSpPr>
+        <p:spPr>
+          <a:xfrm>
+            <a:off x="2518833" y="646668"/>
+            <a:ext cx="2819400" cy="369332"/>
+          </a:xfrm>
+          <a:prstGeom prst="rect">
+            <a:avLst/>
+          </a:prstGeom>
+          <a:noFill/>
+        </p:spPr>
+        <p:txBody>
+          <a:bodyPr wrap="square" rtlCol="0">
+            <a:spAutoFit/>
+          </a:bodyPr>
+          <a:lstStyle/>
+          <a:p>
+            <a:pPr algn="ctr"/>
+            <a:r>
+              <a:rPr lang="en-US" dirty="0" err="1" smtClean="0"/>
+              <a:t>exome_data_reformatted</a:t>
+            </a:r>
+            <a:r>
+              <a:rPr lang="en-US" dirty="0" smtClean="0"/>
+              <a:t>/</a:t>
+            </a:r>
+            <a:endParaRPr lang="en-US" dirty="0"/>
+          </a:p>
+        </p:txBody>
+      </p:sp>
+      <p:sp>
+        <p:nvSpPr>
+          <p:cNvPr id="15" name="Oval 14"/>
+          <p:cNvSpPr/>
+          <p:nvPr/>
+        </p:nvSpPr>
+        <p:spPr>
+          <a:xfrm>
+            <a:off x="278345" y="2865399"/>
+            <a:ext cx="2303990" cy="468868"/>
+          </a:xfrm>
+          <a:prstGeom prst="ellipse">
+            <a:avLst/>
+          </a:prstGeom>
+        </p:spPr>
+        <p:style>
+          <a:lnRef idx="1">
+            <a:schemeClr val="accent1"/>
+          </a:lnRef>
+          <a:fillRef idx="3">
+            <a:schemeClr val="accent1"/>
+          </a:fillRef>
+          <a:effectRef idx="2">
+            <a:schemeClr val="accent1"/>
+          </a:effectRef>
+          <a:fontRef idx="minor">
+            <a:schemeClr val="lt1"/>
+          </a:fontRef>
+        </p:style>
+        <p:txBody>
+          <a:bodyPr rtlCol="0" anchor="ctr"/>
+          <a:lstStyle/>
+          <a:p>
+            <a:pPr algn="ctr"/>
+            <a:r>
+              <a:rPr lang="en-US" sz="1400" dirty="0" err="1" smtClean="0"/>
+              <a:t>SNPFilterFinder_bloodBEdiff.py</a:t>
+            </a:r>
+            <a:endParaRPr lang="en-US" sz="1400" dirty="0"/>
+          </a:p>
+        </p:txBody>
+      </p:sp>
+      <p:cxnSp>
+        <p:nvCxnSpPr>
+          <p:cNvPr id="16" name="Elbow Connector 15"/>
+          <p:cNvCxnSpPr>
+            <a:stCxn id="4" idx="2"/>
+            <a:endCxn id="50" idx="0"/>
+          </p:cNvCxnSpPr>
+          <p:nvPr/>
+        </p:nvCxnSpPr>
+        <p:spPr>
+          <a:xfrm rot="16200000" flipH="1">
+            <a:off x="2492068" y="354234"/>
+            <a:ext cx="1107631" cy="1468967"/>
+          </a:xfrm>
+          <a:prstGeom prst="bentConnector3">
+            <a:avLst>
+              <a:gd name="adj1" fmla="val 50000"/>
+            </a:avLst>
+          </a:prstGeom>
+        </p:spPr>
+        <p:style>
+          <a:lnRef idx="2">
+            <a:schemeClr val="accent1"/>
+          </a:lnRef>
+          <a:fillRef idx="0">
+            <a:schemeClr val="accent1"/>
+          </a:fillRef>
+          <a:effectRef idx="1">
+            <a:schemeClr val="accent1"/>
+          </a:effectRef>
+          <a:fontRef idx="minor">
+            <a:schemeClr val="tx1"/>
+          </a:fontRef>
+        </p:style>
+      </p:cxnSp>
+      <p:cxnSp>
+        <p:nvCxnSpPr>
+          <p:cNvPr id="19" name="Elbow Connector 18"/>
+          <p:cNvCxnSpPr>
+            <a:stCxn id="14" idx="2"/>
+            <a:endCxn id="50" idx="0"/>
+          </p:cNvCxnSpPr>
+          <p:nvPr/>
+        </p:nvCxnSpPr>
+        <p:spPr>
+          <a:xfrm rot="5400000">
+            <a:off x="3541183" y="1255184"/>
+            <a:ext cx="626534" cy="148166"/>
+          </a:xfrm>
+          <a:prstGeom prst="bentConnector3">
+            <a:avLst>
+              <a:gd name="adj1" fmla="val 50000"/>
+            </a:avLst>
+          </a:prstGeom>
+        </p:spPr>
+        <p:style>
+          <a:lnRef idx="2">
+            <a:schemeClr val="accent1"/>
+          </a:lnRef>
+          <a:fillRef idx="0">
+            <a:schemeClr val="accent1"/>
+          </a:fillRef>
+          <a:effectRef idx="1">
+            <a:schemeClr val="accent1"/>
+          </a:effectRef>
+          <a:fontRef idx="minor">
+            <a:schemeClr val="tx1"/>
+          </a:fontRef>
+        </p:style>
+      </p:cxnSp>
+      <p:cxnSp>
+        <p:nvCxnSpPr>
+          <p:cNvPr id="22" name="Elbow Connector 21"/>
+          <p:cNvCxnSpPr>
+            <a:stCxn id="5" idx="3"/>
+            <a:endCxn id="50" idx="0"/>
+          </p:cNvCxnSpPr>
+          <p:nvPr/>
+        </p:nvCxnSpPr>
+        <p:spPr>
+          <a:xfrm flipV="1">
+            <a:off x="2860678" y="1642534"/>
+            <a:ext cx="919689" cy="172717"/>
+          </a:xfrm>
+          <a:prstGeom prst="bentConnector4">
+            <a:avLst>
+              <a:gd name="adj1" fmla="val 41945"/>
+              <a:gd name="adj2" fmla="val 239273"/>
+            </a:avLst>
+          </a:prstGeom>
+        </p:spPr>
+        <p:style>
+          <a:lnRef idx="2">
+            <a:schemeClr val="accent1"/>
+          </a:lnRef>
+          <a:fillRef idx="0">
+            <a:schemeClr val="accent1"/>
+          </a:fillRef>
+          <a:effectRef idx="1">
+            <a:schemeClr val="accent1"/>
+          </a:effectRef>
+          <a:fontRef idx="minor">
+            <a:schemeClr val="tx1"/>
+          </a:fontRef>
+        </p:style>
+      </p:cxnSp>
+      <p:sp>
+        <p:nvSpPr>
+          <p:cNvPr id="39" name="TextBox 38"/>
+          <p:cNvSpPr txBox="1"/>
+          <p:nvPr/>
+        </p:nvSpPr>
+        <p:spPr>
+          <a:xfrm>
+            <a:off x="0" y="3901996"/>
+            <a:ext cx="2582334" cy="646331"/>
+          </a:xfrm>
+          <a:prstGeom prst="rect">
+            <a:avLst/>
+          </a:prstGeom>
+          <a:noFill/>
+        </p:spPr>
+        <p:txBody>
+          <a:bodyPr wrap="square" rtlCol="0">
+            <a:spAutoFit/>
+          </a:bodyPr>
+          <a:lstStyle/>
+          <a:p>
+            <a:pPr algn="ctr"/>
+            <a:r>
+              <a:rPr lang="en-US" dirty="0" err="1" smtClean="0">
+                <a:latin typeface="Courier New"/>
+                <a:cs typeface="Courier New"/>
+              </a:rPr>
+              <a:t>filterfinder_SNP_bloodBEdiff.txt</a:t>
+            </a:r>
+            <a:endParaRPr lang="en-US" dirty="0">
+              <a:latin typeface="Courier New"/>
+              <a:cs typeface="Courier New"/>
+            </a:endParaRPr>
+          </a:p>
+        </p:txBody>
+      </p:sp>
+      <p:cxnSp>
+        <p:nvCxnSpPr>
+          <p:cNvPr id="40" name="Elbow Connector 39"/>
+          <p:cNvCxnSpPr>
+            <a:stCxn id="15" idx="4"/>
+            <a:endCxn id="39" idx="0"/>
+          </p:cNvCxnSpPr>
+          <p:nvPr/>
+        </p:nvCxnSpPr>
+        <p:spPr>
+          <a:xfrm rot="5400000">
+            <a:off x="1076890" y="3548545"/>
+            <a:ext cx="567729" cy="139173"/>
+          </a:xfrm>
+          <a:prstGeom prst="bentConnector3">
+            <a:avLst>
+              <a:gd name="adj1" fmla="val 50000"/>
+            </a:avLst>
+          </a:prstGeom>
+        </p:spPr>
+        <p:style>
+          <a:lnRef idx="2">
+            <a:schemeClr val="accent1"/>
+          </a:lnRef>
+          <a:fillRef idx="0">
+            <a:schemeClr val="accent1"/>
+          </a:fillRef>
+          <a:effectRef idx="1">
+            <a:schemeClr val="accent1"/>
+          </a:effectRef>
+          <a:fontRef idx="minor">
+            <a:schemeClr val="tx1"/>
+          </a:fontRef>
+        </p:style>
+      </p:cxnSp>
+      <p:sp>
+        <p:nvSpPr>
+          <p:cNvPr id="50" name="Oval 49"/>
+          <p:cNvSpPr/>
+          <p:nvPr/>
+        </p:nvSpPr>
+        <p:spPr>
+          <a:xfrm>
+            <a:off x="3632200" y="1642534"/>
+            <a:ext cx="296333" cy="665666"/>
+          </a:xfrm>
+          <a:prstGeom prst="ellipse">
+            <a:avLst/>
+          </a:prstGeom>
+        </p:spPr>
+        <p:style>
+          <a:lnRef idx="1">
+            <a:schemeClr val="accent1"/>
+          </a:lnRef>
+          <a:fillRef idx="3">
+            <a:schemeClr val="accent1"/>
+          </a:fillRef>
+          <a:effectRef idx="2">
+            <a:schemeClr val="accent1"/>
+          </a:effectRef>
+          <a:fontRef idx="minor">
+            <a:schemeClr val="lt1"/>
+          </a:fontRef>
+        </p:style>
+        <p:txBody>
+          <a:bodyPr rtlCol="0" anchor="ctr"/>
+          <a:lstStyle/>
+          <a:p>
+            <a:pPr algn="ctr"/>
+            <a:endParaRPr lang="en-US" sz="1400" dirty="0"/>
+          </a:p>
+        </p:txBody>
+      </p:sp>
+      <p:cxnSp>
+        <p:nvCxnSpPr>
+          <p:cNvPr id="58" name="Elbow Connector 57"/>
+          <p:cNvCxnSpPr>
+            <a:stCxn id="15" idx="0"/>
+            <a:endCxn id="50" idx="3"/>
+          </p:cNvCxnSpPr>
+          <p:nvPr/>
+        </p:nvCxnSpPr>
+        <p:spPr>
+          <a:xfrm rot="5400000" flipH="1" flipV="1">
+            <a:off x="2225626" y="1415429"/>
+            <a:ext cx="654684" cy="2245257"/>
+          </a:xfrm>
+          <a:prstGeom prst="bentConnector3">
+            <a:avLst>
+              <a:gd name="adj1" fmla="val 50000"/>
+            </a:avLst>
+          </a:prstGeom>
+        </p:spPr>
+        <p:style>
+          <a:lnRef idx="2">
+            <a:schemeClr val="accent1"/>
+          </a:lnRef>
+          <a:fillRef idx="0">
+            <a:schemeClr val="accent1"/>
+          </a:fillRef>
+          <a:effectRef idx="1">
+            <a:schemeClr val="accent1"/>
+          </a:effectRef>
+          <a:fontRef idx="minor">
+            <a:schemeClr val="tx1"/>
+          </a:fontRef>
+        </p:style>
+      </p:cxnSp>
+      <p:sp>
+        <p:nvSpPr>
+          <p:cNvPr id="87" name="Oval 86"/>
+          <p:cNvSpPr/>
+          <p:nvPr/>
+        </p:nvSpPr>
+        <p:spPr>
+          <a:xfrm>
+            <a:off x="2812230" y="2917185"/>
+            <a:ext cx="2228730" cy="468868"/>
+          </a:xfrm>
+          <a:prstGeom prst="ellipse">
+            <a:avLst/>
+          </a:prstGeom>
+        </p:spPr>
+        <p:style>
+          <a:lnRef idx="1">
+            <a:schemeClr val="accent1"/>
+          </a:lnRef>
+          <a:fillRef idx="3">
+            <a:schemeClr val="accent1"/>
+          </a:fillRef>
+          <a:effectRef idx="2">
+            <a:schemeClr val="accent1"/>
+          </a:effectRef>
+          <a:fontRef idx="minor">
+            <a:schemeClr val="lt1"/>
+          </a:fontRef>
+        </p:style>
+        <p:txBody>
+          <a:bodyPr rtlCol="0" anchor="ctr"/>
+          <a:lstStyle/>
+          <a:p>
+            <a:pPr algn="ctr"/>
+            <a:r>
+              <a:rPr lang="en-US" sz="1400" dirty="0" err="1" smtClean="0"/>
+              <a:t>FilterFinder_blood_call.py</a:t>
+            </a:r>
+            <a:endParaRPr lang="en-US" sz="1400" dirty="0"/>
+          </a:p>
+        </p:txBody>
+      </p:sp>
+      <p:sp>
+        <p:nvSpPr>
+          <p:cNvPr id="88" name="TextBox 87"/>
+          <p:cNvSpPr txBox="1"/>
+          <p:nvPr/>
+        </p:nvSpPr>
+        <p:spPr>
+          <a:xfrm>
+            <a:off x="2653715" y="3901996"/>
+            <a:ext cx="2868434" cy="646331"/>
+          </a:xfrm>
+          <a:prstGeom prst="rect">
+            <a:avLst/>
+          </a:prstGeom>
+          <a:noFill/>
+        </p:spPr>
+        <p:txBody>
+          <a:bodyPr wrap="square" rtlCol="0">
+            <a:spAutoFit/>
+          </a:bodyPr>
+          <a:lstStyle/>
+          <a:p>
+            <a:pPr algn="ctr"/>
+            <a:r>
+              <a:rPr lang="en-US" dirty="0" err="1">
+                <a:latin typeface="Courier New"/>
+                <a:cs typeface="Courier New"/>
+              </a:rPr>
+              <a:t>f</a:t>
+            </a:r>
+            <a:r>
+              <a:rPr lang="en-US" dirty="0" err="1" smtClean="0">
+                <a:latin typeface="Courier New"/>
+                <a:cs typeface="Courier New"/>
+              </a:rPr>
+              <a:t>ilterfinder_blood_call.txt</a:t>
+            </a:r>
+            <a:endParaRPr lang="en-US" dirty="0">
+              <a:latin typeface="Courier New"/>
+              <a:cs typeface="Courier New"/>
+            </a:endParaRPr>
+          </a:p>
+        </p:txBody>
+      </p:sp>
+      <p:cxnSp>
+        <p:nvCxnSpPr>
+          <p:cNvPr id="89" name="Elbow Connector 88"/>
+          <p:cNvCxnSpPr>
+            <a:stCxn id="87" idx="4"/>
+            <a:endCxn id="88" idx="0"/>
+          </p:cNvCxnSpPr>
+          <p:nvPr/>
+        </p:nvCxnSpPr>
+        <p:spPr>
+          <a:xfrm rot="16200000" flipH="1">
+            <a:off x="3749292" y="3563355"/>
+            <a:ext cx="515943" cy="161337"/>
+          </a:xfrm>
+          <a:prstGeom prst="bentConnector3">
+            <a:avLst>
+              <a:gd name="adj1" fmla="val 50000"/>
+            </a:avLst>
+          </a:prstGeom>
+        </p:spPr>
+        <p:style>
+          <a:lnRef idx="2">
+            <a:schemeClr val="accent1"/>
+          </a:lnRef>
+          <a:fillRef idx="0">
+            <a:schemeClr val="accent1"/>
+          </a:fillRef>
+          <a:effectRef idx="1">
+            <a:schemeClr val="accent1"/>
+          </a:effectRef>
+          <a:fontRef idx="minor">
+            <a:schemeClr val="tx1"/>
+          </a:fontRef>
+        </p:style>
+      </p:cxnSp>
+      <p:cxnSp>
+        <p:nvCxnSpPr>
+          <p:cNvPr id="92" name="Elbow Connector 91"/>
+          <p:cNvCxnSpPr>
+            <a:stCxn id="87" idx="0"/>
+            <a:endCxn id="50" idx="4"/>
+          </p:cNvCxnSpPr>
+          <p:nvPr/>
+        </p:nvCxnSpPr>
+        <p:spPr>
+          <a:xfrm rot="16200000" flipV="1">
+            <a:off x="3548989" y="2539579"/>
+            <a:ext cx="608985" cy="146228"/>
+          </a:xfrm>
+          <a:prstGeom prst="bentConnector3">
+            <a:avLst>
+              <a:gd name="adj1" fmla="val 50000"/>
+            </a:avLst>
+          </a:prstGeom>
+        </p:spPr>
+        <p:style>
+          <a:lnRef idx="2">
+            <a:schemeClr val="accent1"/>
+          </a:lnRef>
+          <a:fillRef idx="0">
+            <a:schemeClr val="accent1"/>
+          </a:fillRef>
+          <a:effectRef idx="1">
+            <a:schemeClr val="accent1"/>
+          </a:effectRef>
+          <a:fontRef idx="minor">
+            <a:schemeClr val="tx1"/>
+          </a:fontRef>
+        </p:style>
+      </p:cxnSp>
+      <p:sp>
+        <p:nvSpPr>
+          <p:cNvPr id="95" name="Oval 94"/>
+          <p:cNvSpPr/>
+          <p:nvPr/>
+        </p:nvSpPr>
+        <p:spPr>
+          <a:xfrm>
+            <a:off x="5130799" y="2917186"/>
+            <a:ext cx="1871135" cy="468868"/>
+          </a:xfrm>
+          <a:prstGeom prst="ellipse">
+            <a:avLst/>
+          </a:prstGeom>
+        </p:spPr>
+        <p:style>
+          <a:lnRef idx="1">
+            <a:schemeClr val="accent1"/>
+          </a:lnRef>
+          <a:fillRef idx="3">
+            <a:schemeClr val="accent1"/>
+          </a:fillRef>
+          <a:effectRef idx="2">
+            <a:schemeClr val="accent1"/>
+          </a:effectRef>
+          <a:fontRef idx="minor">
+            <a:schemeClr val="lt1"/>
+          </a:fontRef>
+        </p:style>
+        <p:txBody>
+          <a:bodyPr rtlCol="0" anchor="ctr"/>
+          <a:lstStyle/>
+          <a:p>
+            <a:pPr algn="ctr"/>
+            <a:r>
+              <a:rPr lang="en-US" sz="1400" dirty="0" err="1" smtClean="0"/>
+              <a:t>FilterFinder_exome_diff.py</a:t>
+            </a:r>
+            <a:endParaRPr lang="en-US" sz="1400" dirty="0"/>
+          </a:p>
+        </p:txBody>
+      </p:sp>
+      <p:sp>
+        <p:nvSpPr>
+          <p:cNvPr id="96" name="TextBox 95"/>
+          <p:cNvSpPr txBox="1"/>
+          <p:nvPr/>
+        </p:nvSpPr>
+        <p:spPr>
+          <a:xfrm>
+            <a:off x="5619278" y="3913637"/>
+            <a:ext cx="2765311" cy="646331"/>
+          </a:xfrm>
+          <a:prstGeom prst="rect">
+            <a:avLst/>
+          </a:prstGeom>
+          <a:noFill/>
+        </p:spPr>
+        <p:txBody>
+          <a:bodyPr wrap="square" rtlCol="0">
+            <a:spAutoFit/>
+          </a:bodyPr>
+          <a:lstStyle/>
+          <a:p>
+            <a:pPr algn="ctr"/>
+            <a:r>
+              <a:rPr lang="en-US" dirty="0" err="1" smtClean="0">
+                <a:latin typeface="Courier New"/>
+                <a:cs typeface="Courier New"/>
+              </a:rPr>
+              <a:t>filterfinder_exome_diff.txt</a:t>
+            </a:r>
+            <a:endParaRPr lang="en-US" dirty="0">
+              <a:latin typeface="Courier New"/>
+              <a:cs typeface="Courier New"/>
+            </a:endParaRPr>
+          </a:p>
+        </p:txBody>
+      </p:sp>
+      <p:cxnSp>
+        <p:nvCxnSpPr>
+          <p:cNvPr id="97" name="Elbow Connector 96"/>
+          <p:cNvCxnSpPr>
+            <a:stCxn id="95" idx="4"/>
+            <a:endCxn id="96" idx="0"/>
+          </p:cNvCxnSpPr>
+          <p:nvPr/>
+        </p:nvCxnSpPr>
+        <p:spPr>
+          <a:xfrm rot="16200000" flipH="1">
+            <a:off x="6270359" y="3182061"/>
+            <a:ext cx="527583" cy="935567"/>
+          </a:xfrm>
+          <a:prstGeom prst="bentConnector3">
+            <a:avLst>
+              <a:gd name="adj1" fmla="val 50000"/>
+            </a:avLst>
+          </a:prstGeom>
+        </p:spPr>
+        <p:style>
+          <a:lnRef idx="2">
+            <a:schemeClr val="accent1"/>
+          </a:lnRef>
+          <a:fillRef idx="0">
+            <a:schemeClr val="accent1"/>
+          </a:fillRef>
+          <a:effectRef idx="1">
+            <a:schemeClr val="accent1"/>
+          </a:effectRef>
+          <a:fontRef idx="minor">
+            <a:schemeClr val="tx1"/>
+          </a:fontRef>
+        </p:style>
+      </p:cxnSp>
+      <p:cxnSp>
+        <p:nvCxnSpPr>
+          <p:cNvPr id="98" name="Elbow Connector 97"/>
+          <p:cNvCxnSpPr>
+            <a:stCxn id="95" idx="0"/>
+            <a:endCxn id="50" idx="5"/>
+          </p:cNvCxnSpPr>
+          <p:nvPr/>
+        </p:nvCxnSpPr>
+        <p:spPr>
+          <a:xfrm rot="16200000" flipV="1">
+            <a:off x="4622517" y="1473335"/>
+            <a:ext cx="706471" cy="2181231"/>
+          </a:xfrm>
+          <a:prstGeom prst="bentConnector3">
+            <a:avLst>
+              <a:gd name="adj1" fmla="val 50000"/>
+            </a:avLst>
+          </a:prstGeom>
+        </p:spPr>
+        <p:style>
+          <a:lnRef idx="2">
+            <a:schemeClr val="accent1"/>
+          </a:lnRef>
+          <a:fillRef idx="0">
+            <a:schemeClr val="accent1"/>
+          </a:fillRef>
+          <a:effectRef idx="1">
+            <a:schemeClr val="accent1"/>
+          </a:effectRef>
+          <a:fontRef idx="minor">
+            <a:schemeClr val="tx1"/>
+          </a:fontRef>
+        </p:style>
+      </p:cxnSp>
+      <p:sp>
+        <p:nvSpPr>
+          <p:cNvPr id="109" name="Oval 108"/>
+          <p:cNvSpPr/>
+          <p:nvPr/>
+        </p:nvSpPr>
+        <p:spPr>
+          <a:xfrm>
+            <a:off x="2514601" y="5227599"/>
+            <a:ext cx="2089154" cy="468868"/>
+          </a:xfrm>
+          <a:prstGeom prst="ellipse">
+            <a:avLst/>
+          </a:prstGeom>
+        </p:spPr>
+        <p:style>
+          <a:lnRef idx="1">
+            <a:schemeClr val="accent1"/>
+          </a:lnRef>
+          <a:fillRef idx="3">
+            <a:schemeClr val="accent1"/>
+          </a:fillRef>
+          <a:effectRef idx="2">
+            <a:schemeClr val="accent1"/>
+          </a:effectRef>
+          <a:fontRef idx="minor">
+            <a:schemeClr val="lt1"/>
+          </a:fontRef>
+        </p:style>
+        <p:txBody>
+          <a:bodyPr rtlCol="0" anchor="ctr"/>
+          <a:lstStyle/>
+          <a:p>
+            <a:pPr algn="ctr"/>
+            <a:r>
+              <a:rPr lang="en-US" sz="1400" dirty="0" smtClean="0"/>
+              <a:t>SNP2Expands.py</a:t>
+            </a:r>
+          </a:p>
+        </p:txBody>
+      </p:sp>
+      <p:cxnSp>
+        <p:nvCxnSpPr>
+          <p:cNvPr id="110" name="Elbow Connector 109"/>
+          <p:cNvCxnSpPr>
+            <a:stCxn id="39" idx="2"/>
+            <a:endCxn id="109" idx="0"/>
+          </p:cNvCxnSpPr>
+          <p:nvPr/>
+        </p:nvCxnSpPr>
+        <p:spPr>
+          <a:xfrm rot="16200000" flipH="1">
+            <a:off x="2085536" y="3753957"/>
+            <a:ext cx="679272" cy="2268011"/>
+          </a:xfrm>
+          <a:prstGeom prst="bentConnector3">
+            <a:avLst>
+              <a:gd name="adj1" fmla="val 50000"/>
+            </a:avLst>
+          </a:prstGeom>
+        </p:spPr>
+        <p:style>
+          <a:lnRef idx="2">
+            <a:schemeClr val="accent1"/>
+          </a:lnRef>
+          <a:fillRef idx="0">
+            <a:schemeClr val="accent1"/>
+          </a:fillRef>
+          <a:effectRef idx="1">
+            <a:schemeClr val="accent1"/>
+          </a:effectRef>
+          <a:fontRef idx="minor">
+            <a:schemeClr val="tx1"/>
+          </a:fontRef>
+        </p:style>
+      </p:cxnSp>
+      <p:cxnSp>
+        <p:nvCxnSpPr>
+          <p:cNvPr id="116" name="Elbow Connector 115"/>
+          <p:cNvCxnSpPr>
+            <a:stCxn id="88" idx="2"/>
+            <a:endCxn id="109" idx="0"/>
+          </p:cNvCxnSpPr>
+          <p:nvPr/>
+        </p:nvCxnSpPr>
+        <p:spPr>
+          <a:xfrm rot="5400000">
+            <a:off x="3483919" y="4623586"/>
+            <a:ext cx="679272" cy="528754"/>
+          </a:xfrm>
+          <a:prstGeom prst="bentConnector3">
+            <a:avLst>
+              <a:gd name="adj1" fmla="val 50000"/>
+            </a:avLst>
+          </a:prstGeom>
+        </p:spPr>
+        <p:style>
+          <a:lnRef idx="2">
+            <a:schemeClr val="accent1"/>
+          </a:lnRef>
+          <a:fillRef idx="0">
+            <a:schemeClr val="accent1"/>
+          </a:fillRef>
+          <a:effectRef idx="1">
+            <a:schemeClr val="accent1"/>
+          </a:effectRef>
+          <a:fontRef idx="minor">
+            <a:schemeClr val="tx1"/>
+          </a:fontRef>
+        </p:style>
+      </p:cxnSp>
+      <p:cxnSp>
+        <p:nvCxnSpPr>
+          <p:cNvPr id="119" name="Elbow Connector 118"/>
+          <p:cNvCxnSpPr>
+            <a:stCxn id="5" idx="1"/>
+            <a:endCxn id="109" idx="0"/>
+          </p:cNvCxnSpPr>
+          <p:nvPr/>
+        </p:nvCxnSpPr>
+        <p:spPr>
+          <a:xfrm rot="10800000" flipH="1" flipV="1">
+            <a:off x="278344" y="1815251"/>
+            <a:ext cx="3280834" cy="3412348"/>
+          </a:xfrm>
+          <a:prstGeom prst="bentConnector4">
+            <a:avLst>
+              <a:gd name="adj1" fmla="val -6968"/>
+              <a:gd name="adj2" fmla="val 84961"/>
+            </a:avLst>
+          </a:prstGeom>
+        </p:spPr>
+        <p:style>
+          <a:lnRef idx="2">
+            <a:schemeClr val="accent1"/>
+          </a:lnRef>
+          <a:fillRef idx="0">
+            <a:schemeClr val="accent1"/>
+          </a:fillRef>
+          <a:effectRef idx="1">
+            <a:schemeClr val="accent1"/>
+          </a:effectRef>
+          <a:fontRef idx="minor">
+            <a:schemeClr val="tx1"/>
+          </a:fontRef>
+        </p:style>
+      </p:cxnSp>
+      <p:sp>
+        <p:nvSpPr>
+          <p:cNvPr id="124" name="TextBox 123"/>
+          <p:cNvSpPr txBox="1"/>
+          <p:nvPr/>
+        </p:nvSpPr>
+        <p:spPr>
+          <a:xfrm>
+            <a:off x="2149479" y="5969000"/>
+            <a:ext cx="2819400" cy="369332"/>
+          </a:xfrm>
+          <a:prstGeom prst="rect">
+            <a:avLst/>
+          </a:prstGeom>
+          <a:noFill/>
+        </p:spPr>
+        <p:txBody>
+          <a:bodyPr wrap="square" rtlCol="0">
+            <a:spAutoFit/>
+          </a:bodyPr>
+          <a:lstStyle/>
+          <a:p>
+            <a:pPr algn="ctr"/>
+            <a:r>
+              <a:rPr lang="en-US" dirty="0" err="1" smtClean="0"/>
+              <a:t>SNP_data_filtered</a:t>
+            </a:r>
+            <a:r>
+              <a:rPr lang="en-US" dirty="0" smtClean="0"/>
+              <a:t>/</a:t>
+            </a:r>
+            <a:endParaRPr lang="en-US" dirty="0"/>
+          </a:p>
+        </p:txBody>
+      </p:sp>
+      <p:cxnSp>
+        <p:nvCxnSpPr>
+          <p:cNvPr id="125" name="Elbow Connector 124"/>
+          <p:cNvCxnSpPr>
+            <a:stCxn id="109" idx="4"/>
+            <a:endCxn id="124" idx="0"/>
+          </p:cNvCxnSpPr>
+          <p:nvPr/>
+        </p:nvCxnSpPr>
+        <p:spPr>
+          <a:xfrm rot="16200000" flipH="1">
+            <a:off x="3422912" y="5832732"/>
+            <a:ext cx="272533" cy="1"/>
+          </a:xfrm>
+          <a:prstGeom prst="bentConnector3">
+            <a:avLst>
+              <a:gd name="adj1" fmla="val 50000"/>
+            </a:avLst>
+          </a:prstGeom>
+        </p:spPr>
+        <p:style>
+          <a:lnRef idx="2">
+            <a:schemeClr val="accent1"/>
+          </a:lnRef>
+          <a:fillRef idx="0">
+            <a:schemeClr val="accent1"/>
+          </a:fillRef>
+          <a:effectRef idx="1">
+            <a:schemeClr val="accent1"/>
+          </a:effectRef>
+          <a:fontRef idx="minor">
+            <a:schemeClr val="tx1"/>
+          </a:fontRef>
+        </p:style>
+      </p:cxnSp>
+      <p:cxnSp>
+        <p:nvCxnSpPr>
+          <p:cNvPr id="158" name="Elbow Connector 157"/>
+          <p:cNvCxnSpPr>
+            <a:stCxn id="96" idx="2"/>
+            <a:endCxn id="109" idx="0"/>
+          </p:cNvCxnSpPr>
+          <p:nvPr/>
+        </p:nvCxnSpPr>
+        <p:spPr>
+          <a:xfrm rot="5400000">
+            <a:off x="4946741" y="3172405"/>
+            <a:ext cx="667631" cy="3442756"/>
+          </a:xfrm>
+          <a:prstGeom prst="bentConnector3">
+            <a:avLst>
+              <a:gd name="adj1" fmla="val 50000"/>
+            </a:avLst>
+          </a:prstGeom>
+        </p:spPr>
+        <p:style>
+          <a:lnRef idx="2">
+            <a:schemeClr val="accent1"/>
+          </a:lnRef>
+          <a:fillRef idx="0">
+            <a:schemeClr val="accent1"/>
+          </a:fillRef>
+          <a:effectRef idx="1">
+            <a:schemeClr val="accent1"/>
+          </a:effectRef>
+          <a:fontRef idx="minor">
+            <a:schemeClr val="tx1"/>
+          </a:fontRef>
+        </p:style>
+      </p:cxnSp>
     </p:spTree>
     <p:extLst>
       <p:ext uri="{BB962C8B-B14F-4D97-AF65-F5344CB8AC3E}">
-        <p14:creationId xmlns:p14="http://schemas.microsoft.com/office/powerpoint/2010/main" val="3807466903"/>
+        <p14:creationId xmlns:p14="http://schemas.microsoft.com/office/powerpoint/2010/main" val="1063960065"/>
       </p:ext>
     </p:extLst>
   </p:cSld>
@@ -4593,14 +5377,14 @@
       </p:grpSpPr>
       <p:sp>
         <p:nvSpPr>
-          <p:cNvPr id="4" name="TextBox 3"/>
+          <p:cNvPr id="2" name="TextBox 1"/>
           <p:cNvSpPr txBox="1"/>
           <p:nvPr/>
         </p:nvSpPr>
         <p:spPr>
           <a:xfrm>
-            <a:off x="1456267" y="165571"/>
-            <a:ext cx="1710266" cy="369332"/>
+            <a:off x="49768" y="193424"/>
+            <a:ext cx="3233613" cy="369332"/>
           </a:xfrm>
           <a:prstGeom prst="rect">
             <a:avLst/>
@@ -4616,7 +5400,11 @@
             <a:pPr algn="ctr"/>
             <a:r>
               <a:rPr lang="en-US" dirty="0" err="1" smtClean="0"/>
-              <a:t>SNP_data_orig</a:t>
+              <a:t>pASCAT_output_combined_</a:t>
+            </a:r>
+            <a:r>
+              <a:rPr lang="en-US" i="1" dirty="0" err="1" smtClean="0"/>
+              <a:t>tag</a:t>
             </a:r>
             <a:r>
               <a:rPr lang="en-US" dirty="0" smtClean="0"/>
@@ -4628,14 +5416,309 @@
       </p:sp>
       <p:sp>
         <p:nvSpPr>
-          <p:cNvPr id="5" name="TextBox 4"/>
+          <p:cNvPr id="3" name="Oval 2"/>
+          <p:cNvSpPr/>
+          <p:nvPr/>
+        </p:nvSpPr>
+        <p:spPr>
+          <a:xfrm>
+            <a:off x="436166" y="901200"/>
+            <a:ext cx="2898587" cy="468868"/>
+          </a:xfrm>
+          <a:prstGeom prst="ellipse">
+            <a:avLst/>
+          </a:prstGeom>
+        </p:spPr>
+        <p:style>
+          <a:lnRef idx="1">
+            <a:schemeClr val="accent1"/>
+          </a:lnRef>
+          <a:fillRef idx="3">
+            <a:schemeClr val="accent1"/>
+          </a:fillRef>
+          <a:effectRef idx="2">
+            <a:schemeClr val="accent1"/>
+          </a:effectRef>
+          <a:fontRef idx="minor">
+            <a:schemeClr val="lt1"/>
+          </a:fontRef>
+        </p:style>
+        <p:txBody>
+          <a:bodyPr rtlCol="0" anchor="ctr"/>
+          <a:lstStyle/>
+          <a:p>
+            <a:pPr algn="ctr"/>
+            <a:r>
+              <a:rPr lang="en-US" sz="1400" dirty="0" err="1" smtClean="0"/>
+              <a:t>create_joint_seg_file.py</a:t>
+            </a:r>
+            <a:endParaRPr lang="en-US" sz="1400" dirty="0"/>
+          </a:p>
+        </p:txBody>
+      </p:sp>
+      <p:cxnSp>
+        <p:nvCxnSpPr>
+          <p:cNvPr id="4" name="Elbow Connector 3"/>
+          <p:cNvCxnSpPr>
+            <a:stCxn id="2" idx="2"/>
+            <a:endCxn id="3" idx="0"/>
+          </p:cNvCxnSpPr>
+          <p:nvPr/>
+        </p:nvCxnSpPr>
+        <p:spPr>
+          <a:xfrm rot="16200000" flipH="1">
+            <a:off x="1606795" y="622535"/>
+            <a:ext cx="338444" cy="218885"/>
+          </a:xfrm>
+          <a:prstGeom prst="bentConnector3">
+            <a:avLst>
+              <a:gd name="adj1" fmla="val 50000"/>
+            </a:avLst>
+          </a:prstGeom>
+        </p:spPr>
+        <p:style>
+          <a:lnRef idx="2">
+            <a:schemeClr val="accent1"/>
+          </a:lnRef>
+          <a:fillRef idx="0">
+            <a:schemeClr val="accent1"/>
+          </a:fillRef>
+          <a:effectRef idx="1">
+            <a:schemeClr val="accent1"/>
+          </a:effectRef>
+          <a:fontRef idx="minor">
+            <a:schemeClr val="tx1"/>
+          </a:fontRef>
+        </p:style>
+      </p:cxnSp>
+      <p:cxnSp>
+        <p:nvCxnSpPr>
+          <p:cNvPr id="10" name="Elbow Connector 9"/>
+          <p:cNvCxnSpPr>
+            <a:stCxn id="48" idx="0"/>
+            <a:endCxn id="60" idx="4"/>
+          </p:cNvCxnSpPr>
+          <p:nvPr/>
+        </p:nvCxnSpPr>
+        <p:spPr>
+          <a:xfrm rot="5400000" flipH="1" flipV="1">
+            <a:off x="4890817" y="2716970"/>
+            <a:ext cx="478006" cy="777533"/>
+          </a:xfrm>
+          <a:prstGeom prst="bentConnector3">
+            <a:avLst>
+              <a:gd name="adj1" fmla="val 50000"/>
+            </a:avLst>
+          </a:prstGeom>
+        </p:spPr>
+        <p:style>
+          <a:lnRef idx="2">
+            <a:schemeClr val="accent1"/>
+          </a:lnRef>
+          <a:fillRef idx="0">
+            <a:schemeClr val="accent1"/>
+          </a:fillRef>
+          <a:effectRef idx="1">
+            <a:schemeClr val="accent1"/>
+          </a:effectRef>
+          <a:fontRef idx="minor">
+            <a:schemeClr val="tx1"/>
+          </a:fontRef>
+        </p:style>
+      </p:cxnSp>
+      <p:cxnSp>
+        <p:nvCxnSpPr>
+          <p:cNvPr id="12" name="Elbow Connector 11"/>
+          <p:cNvCxnSpPr>
+            <a:stCxn id="40" idx="2"/>
+            <a:endCxn id="60" idx="0"/>
+          </p:cNvCxnSpPr>
+          <p:nvPr/>
+        </p:nvCxnSpPr>
+        <p:spPr>
+          <a:xfrm rot="16200000" flipH="1">
+            <a:off x="3881288" y="760566"/>
+            <a:ext cx="433772" cy="2840825"/>
+          </a:xfrm>
+          <a:prstGeom prst="bentConnector3">
+            <a:avLst>
+              <a:gd name="adj1" fmla="val 50000"/>
+            </a:avLst>
+          </a:prstGeom>
+        </p:spPr>
+        <p:style>
+          <a:lnRef idx="2">
+            <a:schemeClr val="accent1"/>
+          </a:lnRef>
+          <a:fillRef idx="0">
+            <a:schemeClr val="accent1"/>
+          </a:fillRef>
+          <a:effectRef idx="1">
+            <a:schemeClr val="accent1"/>
+          </a:effectRef>
+          <a:fontRef idx="minor">
+            <a:schemeClr val="tx1"/>
+          </a:fontRef>
+        </p:style>
+      </p:cxnSp>
+      <p:cxnSp>
+        <p:nvCxnSpPr>
+          <p:cNvPr id="32" name="Elbow Connector 31"/>
+          <p:cNvCxnSpPr>
+            <a:stCxn id="3" idx="4"/>
+            <a:endCxn id="40" idx="0"/>
+          </p:cNvCxnSpPr>
+          <p:nvPr/>
+        </p:nvCxnSpPr>
+        <p:spPr>
+          <a:xfrm rot="16200000" flipH="1">
+            <a:off x="2169265" y="1086263"/>
+            <a:ext cx="224693" cy="792302"/>
+          </a:xfrm>
+          <a:prstGeom prst="bentConnector3">
+            <a:avLst>
+              <a:gd name="adj1" fmla="val 50000"/>
+            </a:avLst>
+          </a:prstGeom>
+        </p:spPr>
+        <p:style>
+          <a:lnRef idx="2">
+            <a:schemeClr val="accent1"/>
+          </a:lnRef>
+          <a:fillRef idx="0">
+            <a:schemeClr val="accent1"/>
+          </a:fillRef>
+          <a:effectRef idx="1">
+            <a:schemeClr val="accent1"/>
+          </a:effectRef>
+          <a:fontRef idx="minor">
+            <a:schemeClr val="tx1"/>
+          </a:fontRef>
+        </p:style>
+      </p:cxnSp>
+      <p:cxnSp>
+        <p:nvCxnSpPr>
+          <p:cNvPr id="33" name="Elbow Connector 32"/>
+          <p:cNvCxnSpPr>
+            <a:stCxn id="38" idx="2"/>
+            <a:endCxn id="97" idx="2"/>
+          </p:cNvCxnSpPr>
+          <p:nvPr/>
+        </p:nvCxnSpPr>
+        <p:spPr>
+          <a:xfrm rot="5400000" flipH="1" flipV="1">
+            <a:off x="4254573" y="915761"/>
+            <a:ext cx="429197" cy="5167424"/>
+          </a:xfrm>
+          <a:prstGeom prst="bentConnector4">
+            <a:avLst>
+              <a:gd name="adj1" fmla="val -53262"/>
+              <a:gd name="adj2" fmla="val 84996"/>
+            </a:avLst>
+          </a:prstGeom>
+        </p:spPr>
+        <p:style>
+          <a:lnRef idx="2">
+            <a:schemeClr val="accent1"/>
+          </a:lnRef>
+          <a:fillRef idx="0">
+            <a:schemeClr val="accent1"/>
+          </a:fillRef>
+          <a:effectRef idx="1">
+            <a:schemeClr val="accent1"/>
+          </a:effectRef>
+          <a:fontRef idx="minor">
+            <a:schemeClr val="tx1"/>
+          </a:fontRef>
+        </p:style>
+      </p:cxnSp>
+      <p:sp>
+        <p:nvSpPr>
+          <p:cNvPr id="36" name="Oval 35"/>
+          <p:cNvSpPr/>
+          <p:nvPr/>
+        </p:nvSpPr>
+        <p:spPr>
+          <a:xfrm>
+            <a:off x="325384" y="2397865"/>
+            <a:ext cx="3638740" cy="468868"/>
+          </a:xfrm>
+          <a:prstGeom prst="ellipse">
+            <a:avLst/>
+          </a:prstGeom>
+        </p:spPr>
+        <p:style>
+          <a:lnRef idx="1">
+            <a:schemeClr val="accent1"/>
+          </a:lnRef>
+          <a:fillRef idx="3">
+            <a:schemeClr val="accent1"/>
+          </a:fillRef>
+          <a:effectRef idx="2">
+            <a:schemeClr val="accent1"/>
+          </a:effectRef>
+          <a:fontRef idx="minor">
+            <a:schemeClr val="lt1"/>
+          </a:fontRef>
+        </p:style>
+        <p:txBody>
+          <a:bodyPr rtlCol="0" anchor="ctr"/>
+          <a:lstStyle/>
+          <a:p>
+            <a:pPr algn="ctr"/>
+            <a:r>
+              <a:rPr lang="en-US" sz="1400" dirty="0" err="1" smtClean="0"/>
+              <a:t>process_joint_segmentation.py</a:t>
+            </a:r>
+            <a:endParaRPr lang="en-US" sz="1400" dirty="0" smtClean="0"/>
+          </a:p>
+        </p:txBody>
+      </p:sp>
+      <p:cxnSp>
+        <p:nvCxnSpPr>
+          <p:cNvPr id="37" name="Elbow Connector 36"/>
+          <p:cNvCxnSpPr>
+            <a:stCxn id="36" idx="0"/>
+            <a:endCxn id="40" idx="2"/>
+          </p:cNvCxnSpPr>
+          <p:nvPr/>
+        </p:nvCxnSpPr>
+        <p:spPr>
+          <a:xfrm rot="5400000" flipH="1" flipV="1">
+            <a:off x="2194372" y="1914475"/>
+            <a:ext cx="433772" cy="533008"/>
+          </a:xfrm>
+          <a:prstGeom prst="bentConnector3">
+            <a:avLst>
+              <a:gd name="adj1" fmla="val 50000"/>
+            </a:avLst>
+          </a:prstGeom>
+        </p:spPr>
+        <p:style>
+          <a:lnRef idx="2">
+            <a:schemeClr val="accent1"/>
+          </a:lnRef>
+          <a:fillRef idx="0">
+            <a:schemeClr val="accent1"/>
+          </a:fillRef>
+          <a:effectRef idx="1">
+            <a:schemeClr val="accent1"/>
+          </a:effectRef>
+          <a:fontRef idx="minor">
+            <a:schemeClr val="tx1"/>
+          </a:fontRef>
+        </p:style>
+      </p:cxnSp>
+      <p:sp>
+        <p:nvSpPr>
+          <p:cNvPr id="38" name="TextBox 37"/>
           <p:cNvSpPr txBox="1"/>
           <p:nvPr/>
         </p:nvSpPr>
         <p:spPr>
           <a:xfrm>
-            <a:off x="278344" y="1630585"/>
-            <a:ext cx="2582334" cy="369332"/>
+            <a:off x="668691" y="3344739"/>
+            <a:ext cx="2433537" cy="369332"/>
           </a:xfrm>
           <a:prstGeom prst="rect">
             <a:avLst/>
@@ -4649,19 +5732,436 @@
           <a:lstStyle/>
           <a:p>
             <a:pPr algn="ctr"/>
+            <a:r>
+              <a:rPr lang="en-US" dirty="0" smtClean="0"/>
+              <a:t>CN_joint_log2rs_</a:t>
+            </a:r>
+            <a:r>
+              <a:rPr lang="en-US" i="1" dirty="0" smtClean="0"/>
+              <a:t>tag</a:t>
+            </a:r>
+            <a:r>
+              <a:rPr lang="en-US" dirty="0" smtClean="0"/>
+              <a:t>/</a:t>
+            </a:r>
+            <a:endParaRPr lang="en-US" dirty="0"/>
+          </a:p>
+        </p:txBody>
+      </p:sp>
+      <p:cxnSp>
+        <p:nvCxnSpPr>
+          <p:cNvPr id="39" name="Elbow Connector 38"/>
+          <p:cNvCxnSpPr>
+            <a:stCxn id="36" idx="4"/>
+            <a:endCxn id="38" idx="0"/>
+          </p:cNvCxnSpPr>
+          <p:nvPr/>
+        </p:nvCxnSpPr>
+        <p:spPr>
+          <a:xfrm rot="5400000">
+            <a:off x="1776104" y="2976089"/>
+            <a:ext cx="478006" cy="259294"/>
+          </a:xfrm>
+          <a:prstGeom prst="bentConnector3">
+            <a:avLst>
+              <a:gd name="adj1" fmla="val 50000"/>
+            </a:avLst>
+          </a:prstGeom>
+        </p:spPr>
+        <p:style>
+          <a:lnRef idx="2">
+            <a:schemeClr val="accent1"/>
+          </a:lnRef>
+          <a:fillRef idx="0">
+            <a:schemeClr val="accent1"/>
+          </a:fillRef>
+          <a:effectRef idx="1">
+            <a:schemeClr val="accent1"/>
+          </a:effectRef>
+          <a:fontRef idx="minor">
+            <a:schemeClr val="tx1"/>
+          </a:fontRef>
+        </p:style>
+      </p:cxnSp>
+      <p:sp>
+        <p:nvSpPr>
+          <p:cNvPr id="48" name="TextBox 47"/>
+          <p:cNvSpPr txBox="1"/>
+          <p:nvPr/>
+        </p:nvSpPr>
+        <p:spPr>
+          <a:xfrm>
+            <a:off x="3603566" y="3344739"/>
+            <a:ext cx="2274975" cy="369332"/>
+          </a:xfrm>
+          <a:prstGeom prst="rect">
+            <a:avLst/>
+          </a:prstGeom>
+          <a:noFill/>
+        </p:spPr>
+        <p:txBody>
+          <a:bodyPr wrap="square" rtlCol="0">
+            <a:spAutoFit/>
+          </a:bodyPr>
+          <a:lstStyle/>
+          <a:p>
+            <a:pPr algn="ctr"/>
+            <a:r>
+              <a:rPr lang="en-US" dirty="0" err="1" smtClean="0"/>
+              <a:t>BAF_joint_vals</a:t>
+            </a:r>
+            <a:r>
+              <a:rPr lang="en-US" i="1" dirty="0" err="1" smtClean="0"/>
+              <a:t>_tag</a:t>
+            </a:r>
+            <a:r>
+              <a:rPr lang="en-US" dirty="0" smtClean="0"/>
+              <a:t>/</a:t>
+            </a:r>
+            <a:endParaRPr lang="en-US" dirty="0"/>
+          </a:p>
+        </p:txBody>
+      </p:sp>
+      <p:sp>
+        <p:nvSpPr>
+          <p:cNvPr id="49" name="Oval 48"/>
+          <p:cNvSpPr/>
+          <p:nvPr/>
+        </p:nvSpPr>
+        <p:spPr>
+          <a:xfrm>
+            <a:off x="4129308" y="562755"/>
+            <a:ext cx="4779877" cy="468868"/>
+          </a:xfrm>
+          <a:prstGeom prst="ellipse">
+            <a:avLst/>
+          </a:prstGeom>
+        </p:spPr>
+        <p:style>
+          <a:lnRef idx="1">
+            <a:schemeClr val="accent1"/>
+          </a:lnRef>
+          <a:fillRef idx="3">
+            <a:schemeClr val="accent1"/>
+          </a:fillRef>
+          <a:effectRef idx="2">
+            <a:schemeClr val="accent1"/>
+          </a:effectRef>
+          <a:fontRef idx="minor">
+            <a:schemeClr val="lt1"/>
+          </a:fontRef>
+        </p:style>
+        <p:txBody>
+          <a:bodyPr rtlCol="0" anchor="ctr"/>
+          <a:lstStyle/>
+          <a:p>
+            <a:pPr algn="ctr"/>
+            <a:r>
+              <a:rPr lang="en-US" sz="1400" dirty="0" err="1" smtClean="0"/>
+              <a:t>create_ploidy_estimates_from_pASCAT.py</a:t>
+            </a:r>
+            <a:endParaRPr lang="en-US" sz="1400" dirty="0" smtClean="0"/>
+          </a:p>
+        </p:txBody>
+      </p:sp>
+      <p:cxnSp>
+        <p:nvCxnSpPr>
+          <p:cNvPr id="50" name="Elbow Connector 49"/>
+          <p:cNvCxnSpPr>
+            <a:stCxn id="49" idx="0"/>
+            <a:endCxn id="2" idx="3"/>
+          </p:cNvCxnSpPr>
+          <p:nvPr/>
+        </p:nvCxnSpPr>
+        <p:spPr>
+          <a:xfrm rot="16200000" flipV="1">
+            <a:off x="4808982" y="-1147510"/>
+            <a:ext cx="184665" cy="3235866"/>
+          </a:xfrm>
+          <a:prstGeom prst="bentConnector2">
+            <a:avLst/>
+          </a:prstGeom>
+        </p:spPr>
+        <p:style>
+          <a:lnRef idx="2">
+            <a:schemeClr val="accent1"/>
+          </a:lnRef>
+          <a:fillRef idx="0">
+            <a:schemeClr val="accent1"/>
+          </a:fillRef>
+          <a:effectRef idx="1">
+            <a:schemeClr val="accent1"/>
+          </a:effectRef>
+          <a:fontRef idx="minor">
+            <a:schemeClr val="tx1"/>
+          </a:fontRef>
+        </p:style>
+      </p:cxnSp>
+      <p:sp>
+        <p:nvSpPr>
+          <p:cNvPr id="60" name="Oval 59"/>
+          <p:cNvSpPr/>
+          <p:nvPr/>
+        </p:nvSpPr>
+        <p:spPr>
+          <a:xfrm>
+            <a:off x="4209510" y="2397865"/>
+            <a:ext cx="2618154" cy="468868"/>
+          </a:xfrm>
+          <a:prstGeom prst="ellipse">
+            <a:avLst/>
+          </a:prstGeom>
+        </p:spPr>
+        <p:style>
+          <a:lnRef idx="1">
+            <a:schemeClr val="accent1"/>
+          </a:lnRef>
+          <a:fillRef idx="3">
+            <a:schemeClr val="accent1"/>
+          </a:fillRef>
+          <a:effectRef idx="2">
+            <a:schemeClr val="accent1"/>
+          </a:effectRef>
+          <a:fontRef idx="minor">
+            <a:schemeClr val="lt1"/>
+          </a:fontRef>
+        </p:style>
+        <p:txBody>
+          <a:bodyPr rtlCol="0" anchor="ctr"/>
+          <a:lstStyle/>
+          <a:p>
+            <a:pPr algn="ctr"/>
+            <a:r>
+              <a:rPr lang="en-US" sz="1400" dirty="0" err="1" smtClean="0"/>
+              <a:t>process_joint_BAFs.py</a:t>
+            </a:r>
+            <a:endParaRPr lang="en-US" sz="1400" dirty="0"/>
+          </a:p>
+        </p:txBody>
+      </p:sp>
+      <p:cxnSp>
+        <p:nvCxnSpPr>
+          <p:cNvPr id="93" name="Elbow Connector 92"/>
+          <p:cNvCxnSpPr>
+            <a:stCxn id="89" idx="0"/>
+            <a:endCxn id="49" idx="4"/>
+          </p:cNvCxnSpPr>
+          <p:nvPr/>
+        </p:nvCxnSpPr>
+        <p:spPr>
+          <a:xfrm rot="16200000" flipV="1">
+            <a:off x="6737998" y="812873"/>
+            <a:ext cx="384811" cy="822312"/>
+          </a:xfrm>
+          <a:prstGeom prst="bentConnector3">
+            <a:avLst>
+              <a:gd name="adj1" fmla="val 50000"/>
+            </a:avLst>
+          </a:prstGeom>
+        </p:spPr>
+        <p:style>
+          <a:lnRef idx="2">
+            <a:schemeClr val="accent1"/>
+          </a:lnRef>
+          <a:fillRef idx="0">
+            <a:schemeClr val="accent1"/>
+          </a:fillRef>
+          <a:effectRef idx="1">
+            <a:schemeClr val="accent1"/>
+          </a:effectRef>
+          <a:fontRef idx="minor">
+            <a:schemeClr val="tx1"/>
+          </a:fontRef>
+        </p:style>
+      </p:cxnSp>
+      <p:sp>
+        <p:nvSpPr>
+          <p:cNvPr id="97" name="Oval 96"/>
+          <p:cNvSpPr/>
+          <p:nvPr/>
+        </p:nvSpPr>
+        <p:spPr>
+          <a:xfrm>
+            <a:off x="7052884" y="3050440"/>
+            <a:ext cx="2120058" cy="468868"/>
+          </a:xfrm>
+          <a:prstGeom prst="ellipse">
+            <a:avLst/>
+          </a:prstGeom>
+        </p:spPr>
+        <p:style>
+          <a:lnRef idx="1">
+            <a:schemeClr val="accent1"/>
+          </a:lnRef>
+          <a:fillRef idx="3">
+            <a:schemeClr val="accent1"/>
+          </a:fillRef>
+          <a:effectRef idx="2">
+            <a:schemeClr val="accent1"/>
+          </a:effectRef>
+          <a:fontRef idx="minor">
+            <a:schemeClr val="lt1"/>
+          </a:fontRef>
+        </p:style>
+        <p:txBody>
+          <a:bodyPr rtlCol="0" anchor="ctr"/>
+          <a:lstStyle/>
+          <a:p>
+            <a:pPr algn="ctr"/>
+            <a:r>
+              <a:rPr lang="en-US" sz="1400" dirty="0" err="1" smtClean="0"/>
+              <a:t>calculate_odds.py</a:t>
+            </a:r>
+            <a:endParaRPr lang="en-US" sz="1400" dirty="0" smtClean="0"/>
+          </a:p>
+        </p:txBody>
+      </p:sp>
+      <p:cxnSp>
+        <p:nvCxnSpPr>
+          <p:cNvPr id="98" name="Elbow Connector 97"/>
+          <p:cNvCxnSpPr>
+            <a:stCxn id="97" idx="0"/>
+            <a:endCxn id="89" idx="2"/>
+          </p:cNvCxnSpPr>
+          <p:nvPr/>
+        </p:nvCxnSpPr>
+        <p:spPr>
+          <a:xfrm rot="16200000" flipV="1">
+            <a:off x="7094899" y="2032426"/>
+            <a:ext cx="1264674" cy="771354"/>
+          </a:xfrm>
+          <a:prstGeom prst="bentConnector3">
+            <a:avLst>
+              <a:gd name="adj1" fmla="val 50000"/>
+            </a:avLst>
+          </a:prstGeom>
+        </p:spPr>
+        <p:style>
+          <a:lnRef idx="2">
+            <a:schemeClr val="accent1"/>
+          </a:lnRef>
+          <a:fillRef idx="0">
+            <a:schemeClr val="accent1"/>
+          </a:fillRef>
+          <a:effectRef idx="1">
+            <a:schemeClr val="accent1"/>
+          </a:effectRef>
+          <a:fontRef idx="minor">
+            <a:schemeClr val="tx1"/>
+          </a:fontRef>
+        </p:style>
+      </p:cxnSp>
+      <p:cxnSp>
+        <p:nvCxnSpPr>
+          <p:cNvPr id="102" name="Elbow Connector 101"/>
+          <p:cNvCxnSpPr>
+            <a:stCxn id="109" idx="3"/>
+            <a:endCxn id="97" idx="4"/>
+          </p:cNvCxnSpPr>
+          <p:nvPr/>
+        </p:nvCxnSpPr>
+        <p:spPr>
+          <a:xfrm flipV="1">
+            <a:off x="6827664" y="3519308"/>
+            <a:ext cx="1285249" cy="1225124"/>
+          </a:xfrm>
+          <a:prstGeom prst="bentConnector2">
+            <a:avLst/>
+          </a:prstGeom>
+        </p:spPr>
+        <p:style>
+          <a:lnRef idx="2">
+            <a:schemeClr val="accent1"/>
+          </a:lnRef>
+          <a:fillRef idx="0">
+            <a:schemeClr val="accent1"/>
+          </a:fillRef>
+          <a:effectRef idx="1">
+            <a:schemeClr val="accent1"/>
+          </a:effectRef>
+          <a:fontRef idx="minor">
+            <a:schemeClr val="tx1"/>
+          </a:fontRef>
+        </p:style>
+      </p:cxnSp>
+      <p:sp>
+        <p:nvSpPr>
+          <p:cNvPr id="40" name="TextBox 39"/>
+          <p:cNvSpPr txBox="1"/>
+          <p:nvPr/>
+        </p:nvSpPr>
+        <p:spPr>
+          <a:xfrm>
+            <a:off x="325385" y="1594761"/>
+            <a:ext cx="4704753" cy="369332"/>
+          </a:xfrm>
+          <a:prstGeom prst="rect">
+            <a:avLst/>
+          </a:prstGeom>
+          <a:noFill/>
+        </p:spPr>
+        <p:txBody>
+          <a:bodyPr wrap="square" rtlCol="0">
+            <a:spAutoFit/>
+          </a:bodyPr>
+          <a:lstStyle/>
+          <a:p>
+            <a:pPr algn="ctr"/>
+            <a:r>
+              <a:rPr lang="en-US" dirty="0" err="1" smtClean="0">
+                <a:latin typeface="Courier New"/>
+                <a:cs typeface="Courier New"/>
+              </a:rPr>
+              <a:t>joint_seg_</a:t>
+            </a:r>
+            <a:r>
+              <a:rPr lang="en-US" i="1" dirty="0" err="1" smtClean="0">
+                <a:latin typeface="Courier New"/>
+                <a:cs typeface="Courier New"/>
+              </a:rPr>
+              <a:t>tag</a:t>
+            </a:r>
+            <a:r>
+              <a:rPr lang="en-US" i="1" dirty="0" smtClean="0">
+                <a:latin typeface="Courier New"/>
+                <a:cs typeface="Courier New"/>
+              </a:rPr>
+              <a:t>_</a:t>
+            </a:r>
             <a:r>
               <a:rPr lang="en-US" dirty="0" smtClean="0">
                 <a:latin typeface="Courier New"/>
                 <a:cs typeface="Courier New"/>
               </a:rPr>
-              <a:t>[median = 0.</a:t>
-            </a:r>
-            <a:r>
-              <a:rPr lang="is-IS" dirty="0" smtClean="0">
+              <a:t>[</a:t>
+            </a:r>
+            <a:r>
+              <a:rPr lang="en-US" dirty="0" err="1" smtClean="0">
                 <a:latin typeface="Courier New"/>
                 <a:cs typeface="Courier New"/>
               </a:rPr>
-              <a:t>5237]</a:t>
+              <a:t>uncon</a:t>
+            </a:r>
+            <a:r>
+              <a:rPr lang="en-US" dirty="0" smtClean="0">
+                <a:latin typeface="Courier New"/>
+                <a:cs typeface="Courier New"/>
+              </a:rPr>
+              <a:t>/dip/</a:t>
+            </a:r>
+            <a:r>
+              <a:rPr lang="en-US" dirty="0" err="1" smtClean="0">
+                <a:latin typeface="Courier New"/>
+                <a:cs typeface="Courier New"/>
+              </a:rPr>
+              <a:t>tet</a:t>
+            </a:r>
+            <a:r>
+              <a:rPr lang="en-US" dirty="0" smtClean="0">
+                <a:latin typeface="Courier New"/>
+                <a:cs typeface="Courier New"/>
+              </a:rPr>
+              <a:t>].txt</a:t>
             </a:r>
             <a:endParaRPr lang="en-US" dirty="0">
               <a:latin typeface="Courier New"/>
@@ -4672,307 +6172,14 @@
       </p:sp>
       <p:sp>
         <p:nvSpPr>
-          <p:cNvPr id="6" name="Oval 5"/>
-          <p:cNvSpPr/>
-          <p:nvPr/>
-        </p:nvSpPr>
-        <p:spPr>
-          <a:xfrm>
-            <a:off x="278344" y="1016000"/>
-            <a:ext cx="1871135" cy="468868"/>
-          </a:xfrm>
-          <a:prstGeom prst="ellipse">
-            <a:avLst/>
-          </a:prstGeom>
-        </p:spPr>
-        <p:style>
-          <a:lnRef idx="1">
-            <a:schemeClr val="accent1"/>
-          </a:lnRef>
-          <a:fillRef idx="3">
-            <a:schemeClr val="accent1"/>
-          </a:fillRef>
-          <a:effectRef idx="2">
-            <a:schemeClr val="accent1"/>
-          </a:effectRef>
-          <a:fontRef idx="minor">
-            <a:schemeClr val="lt1"/>
-          </a:fontRef>
-        </p:style>
-        <p:txBody>
-          <a:bodyPr rtlCol="0" anchor="ctr"/>
-          <a:lstStyle/>
-          <a:p>
-            <a:pPr algn="ctr"/>
-            <a:r>
-              <a:rPr lang="en-US" sz="1400" dirty="0" err="1" smtClean="0"/>
-              <a:t>median_calc.py</a:t>
-            </a:r>
-            <a:endParaRPr lang="en-US" sz="1400" dirty="0"/>
-          </a:p>
-        </p:txBody>
-      </p:sp>
-      <p:cxnSp>
-        <p:nvCxnSpPr>
-          <p:cNvPr id="8" name="Elbow Connector 7"/>
-          <p:cNvCxnSpPr>
-            <a:stCxn id="4" idx="2"/>
-            <a:endCxn id="6" idx="0"/>
-          </p:cNvCxnSpPr>
-          <p:nvPr/>
-        </p:nvCxnSpPr>
-        <p:spPr>
-          <a:xfrm rot="5400000">
-            <a:off x="1522108" y="226707"/>
-            <a:ext cx="481097" cy="1097488"/>
-          </a:xfrm>
-          <a:prstGeom prst="bentConnector3">
-            <a:avLst/>
-          </a:prstGeom>
-        </p:spPr>
-        <p:style>
-          <a:lnRef idx="2">
-            <a:schemeClr val="accent1"/>
-          </a:lnRef>
-          <a:fillRef idx="0">
-            <a:schemeClr val="accent1"/>
-          </a:fillRef>
-          <a:effectRef idx="1">
-            <a:schemeClr val="accent1"/>
-          </a:effectRef>
-          <a:fontRef idx="minor">
-            <a:schemeClr val="tx1"/>
-          </a:fontRef>
-        </p:style>
-      </p:cxnSp>
-      <p:cxnSp>
-        <p:nvCxnSpPr>
-          <p:cNvPr id="10" name="Elbow Connector 9"/>
-          <p:cNvCxnSpPr>
-            <a:stCxn id="6" idx="4"/>
-            <a:endCxn id="5" idx="0"/>
-          </p:cNvCxnSpPr>
-          <p:nvPr/>
-        </p:nvCxnSpPr>
-        <p:spPr>
-          <a:xfrm rot="16200000" flipH="1">
-            <a:off x="1318853" y="1379926"/>
-            <a:ext cx="145717" cy="355599"/>
-          </a:xfrm>
-          <a:prstGeom prst="bentConnector3">
-            <a:avLst>
-              <a:gd name="adj1" fmla="val 50000"/>
-            </a:avLst>
-          </a:prstGeom>
-        </p:spPr>
-        <p:style>
-          <a:lnRef idx="2">
-            <a:schemeClr val="accent1"/>
-          </a:lnRef>
-          <a:fillRef idx="0">
-            <a:schemeClr val="accent1"/>
-          </a:fillRef>
-          <a:effectRef idx="1">
-            <a:schemeClr val="accent1"/>
-          </a:effectRef>
-          <a:fontRef idx="minor">
-            <a:schemeClr val="tx1"/>
-          </a:fontRef>
-        </p:style>
-      </p:cxnSp>
-      <p:sp>
-        <p:nvSpPr>
-          <p:cNvPr id="14" name="TextBox 13"/>
+          <p:cNvPr id="89" name="TextBox 88"/>
           <p:cNvSpPr txBox="1"/>
           <p:nvPr/>
         </p:nvSpPr>
         <p:spPr>
           <a:xfrm>
-            <a:off x="2518833" y="646668"/>
-            <a:ext cx="2819400" cy="369332"/>
-          </a:xfrm>
-          <a:prstGeom prst="rect">
-            <a:avLst/>
-          </a:prstGeom>
-          <a:noFill/>
-        </p:spPr>
-        <p:txBody>
-          <a:bodyPr wrap="square" rtlCol="0">
-            <a:spAutoFit/>
-          </a:bodyPr>
-          <a:lstStyle/>
-          <a:p>
-            <a:pPr algn="ctr"/>
-            <a:r>
-              <a:rPr lang="en-US" dirty="0" err="1" smtClean="0"/>
-              <a:t>exome_data_reformatted</a:t>
-            </a:r>
-            <a:r>
-              <a:rPr lang="en-US" dirty="0" smtClean="0"/>
-              <a:t>/</a:t>
-            </a:r>
-            <a:endParaRPr lang="en-US" dirty="0"/>
-          </a:p>
-        </p:txBody>
-      </p:sp>
-      <p:sp>
-        <p:nvSpPr>
-          <p:cNvPr id="15" name="Oval 14"/>
-          <p:cNvSpPr/>
-          <p:nvPr/>
-        </p:nvSpPr>
-        <p:spPr>
-          <a:xfrm>
-            <a:off x="278345" y="2865399"/>
-            <a:ext cx="2303990" cy="468868"/>
-          </a:xfrm>
-          <a:prstGeom prst="ellipse">
-            <a:avLst/>
-          </a:prstGeom>
-        </p:spPr>
-        <p:style>
-          <a:lnRef idx="1">
-            <a:schemeClr val="accent1"/>
-          </a:lnRef>
-          <a:fillRef idx="3">
-            <a:schemeClr val="accent1"/>
-          </a:fillRef>
-          <a:effectRef idx="2">
-            <a:schemeClr val="accent1"/>
-          </a:effectRef>
-          <a:fontRef idx="minor">
-            <a:schemeClr val="lt1"/>
-          </a:fontRef>
-        </p:style>
-        <p:txBody>
-          <a:bodyPr rtlCol="0" anchor="ctr"/>
-          <a:lstStyle/>
-          <a:p>
-            <a:pPr algn="ctr"/>
-            <a:r>
-              <a:rPr lang="en-US" sz="1400" dirty="0" err="1" smtClean="0"/>
-              <a:t>SNPFilterFinder_bloodBEdiff.py</a:t>
-            </a:r>
-            <a:endParaRPr lang="en-US" sz="1400" dirty="0"/>
-          </a:p>
-        </p:txBody>
-      </p:sp>
-      <p:cxnSp>
-        <p:nvCxnSpPr>
-          <p:cNvPr id="16" name="Elbow Connector 15"/>
-          <p:cNvCxnSpPr>
-            <a:stCxn id="4" idx="2"/>
-            <a:endCxn id="50" idx="0"/>
-          </p:cNvCxnSpPr>
-          <p:nvPr/>
-        </p:nvCxnSpPr>
-        <p:spPr>
-          <a:xfrm rot="16200000" flipH="1">
-            <a:off x="2492068" y="354234"/>
-            <a:ext cx="1107631" cy="1468967"/>
-          </a:xfrm>
-          <a:prstGeom prst="bentConnector3">
-            <a:avLst>
-              <a:gd name="adj1" fmla="val 50000"/>
-            </a:avLst>
-          </a:prstGeom>
-        </p:spPr>
-        <p:style>
-          <a:lnRef idx="2">
-            <a:schemeClr val="accent1"/>
-          </a:lnRef>
-          <a:fillRef idx="0">
-            <a:schemeClr val="accent1"/>
-          </a:fillRef>
-          <a:effectRef idx="1">
-            <a:schemeClr val="accent1"/>
-          </a:effectRef>
-          <a:fontRef idx="minor">
-            <a:schemeClr val="tx1"/>
-          </a:fontRef>
-        </p:style>
-      </p:cxnSp>
-      <p:cxnSp>
-        <p:nvCxnSpPr>
-          <p:cNvPr id="19" name="Elbow Connector 18"/>
-          <p:cNvCxnSpPr>
-            <a:stCxn id="14" idx="2"/>
-            <a:endCxn id="50" idx="0"/>
-          </p:cNvCxnSpPr>
-          <p:nvPr/>
-        </p:nvCxnSpPr>
-        <p:spPr>
-          <a:xfrm rot="5400000">
-            <a:off x="3541183" y="1255184"/>
-            <a:ext cx="626534" cy="148166"/>
-          </a:xfrm>
-          <a:prstGeom prst="bentConnector3">
-            <a:avLst>
-              <a:gd name="adj1" fmla="val 50000"/>
-            </a:avLst>
-          </a:prstGeom>
-        </p:spPr>
-        <p:style>
-          <a:lnRef idx="2">
-            <a:schemeClr val="accent1"/>
-          </a:lnRef>
-          <a:fillRef idx="0">
-            <a:schemeClr val="accent1"/>
-          </a:fillRef>
-          <a:effectRef idx="1">
-            <a:schemeClr val="accent1"/>
-          </a:effectRef>
-          <a:fontRef idx="minor">
-            <a:schemeClr val="tx1"/>
-          </a:fontRef>
-        </p:style>
-      </p:cxnSp>
-      <p:cxnSp>
-        <p:nvCxnSpPr>
-          <p:cNvPr id="22" name="Elbow Connector 21"/>
-          <p:cNvCxnSpPr>
-            <a:stCxn id="5" idx="3"/>
-            <a:endCxn id="50" idx="0"/>
-          </p:cNvCxnSpPr>
-          <p:nvPr/>
-        </p:nvCxnSpPr>
-        <p:spPr>
-          <a:xfrm flipV="1">
-            <a:off x="2860678" y="1642534"/>
-            <a:ext cx="919689" cy="172717"/>
-          </a:xfrm>
-          <a:prstGeom prst="bentConnector4">
-            <a:avLst>
-              <a:gd name="adj1" fmla="val 41945"/>
-              <a:gd name="adj2" fmla="val 239273"/>
-            </a:avLst>
-          </a:prstGeom>
-        </p:spPr>
-        <p:style>
-          <a:lnRef idx="2">
-            <a:schemeClr val="accent1"/>
-          </a:lnRef>
-          <a:fillRef idx="0">
-            <a:schemeClr val="accent1"/>
-          </a:fillRef>
-          <a:effectRef idx="1">
-            <a:schemeClr val="accent1"/>
-          </a:effectRef>
-          <a:fontRef idx="minor">
-            <a:schemeClr val="tx1"/>
-          </a:fontRef>
-        </p:style>
-      </p:cxnSp>
-      <p:sp>
-        <p:nvSpPr>
-          <p:cNvPr id="39" name="TextBox 38"/>
-          <p:cNvSpPr txBox="1"/>
-          <p:nvPr/>
-        </p:nvSpPr>
-        <p:spPr>
-          <a:xfrm>
-            <a:off x="0" y="3901996"/>
-            <a:ext cx="2582334" cy="646331"/>
+            <a:off x="5773932" y="1416434"/>
+            <a:ext cx="3135253" cy="369332"/>
           </a:xfrm>
           <a:prstGeom prst="rect">
             <a:avLst/>
@@ -4991,7 +6198,21 @@
                 <a:latin typeface="Courier New"/>
                 <a:cs typeface="Courier New"/>
               </a:rPr>
-              <a:t>filterfinder_SNP_bloodBEdiff.txt</a:t>
+              <a:t>joint_summary_</a:t>
+            </a:r>
+            <a:r>
+              <a:rPr lang="en-US" i="1" dirty="0" err="1" smtClean="0">
+                <a:latin typeface="Courier New"/>
+                <a:cs typeface="Courier New"/>
+              </a:rPr>
+              <a:t>tag</a:t>
+            </a:r>
+            <a:r>
+              <a:rPr lang="en-US" dirty="0" err="1" smtClean="0">
+                <a:latin typeface="Courier New"/>
+                <a:cs typeface="Courier New"/>
+              </a:rPr>
+              <a:t>.txt</a:t>
             </a:r>
             <a:endParaRPr lang="en-US" dirty="0">
               <a:latin typeface="Courier New"/>
@@ -5000,166 +6221,16 @@
           </a:p>
         </p:txBody>
       </p:sp>
-      <p:cxnSp>
-        <p:nvCxnSpPr>
-          <p:cNvPr id="40" name="Elbow Connector 39"/>
-          <p:cNvCxnSpPr>
-            <a:stCxn id="15" idx="4"/>
-            <a:endCxn id="39" idx="0"/>
-          </p:cNvCxnSpPr>
-          <p:nvPr/>
-        </p:nvCxnSpPr>
-        <p:spPr>
-          <a:xfrm rot="5400000">
-            <a:off x="1076890" y="3548545"/>
-            <a:ext cx="567729" cy="139173"/>
-          </a:xfrm>
-          <a:prstGeom prst="bentConnector3">
-            <a:avLst>
-              <a:gd name="adj1" fmla="val 50000"/>
-            </a:avLst>
-          </a:prstGeom>
-        </p:spPr>
-        <p:style>
-          <a:lnRef idx="2">
-            <a:schemeClr val="accent1"/>
-          </a:lnRef>
-          <a:fillRef idx="0">
-            <a:schemeClr val="accent1"/>
-          </a:fillRef>
-          <a:effectRef idx="1">
-            <a:schemeClr val="accent1"/>
-          </a:effectRef>
-          <a:fontRef idx="minor">
-            <a:schemeClr val="tx1"/>
-          </a:fontRef>
-        </p:style>
-      </p:cxnSp>
-      <p:sp>
-        <p:nvSpPr>
-          <p:cNvPr id="50" name="Oval 49"/>
-          <p:cNvSpPr/>
-          <p:nvPr/>
-        </p:nvSpPr>
-        <p:spPr>
-          <a:xfrm>
-            <a:off x="3632200" y="1642534"/>
-            <a:ext cx="296333" cy="665666"/>
-          </a:xfrm>
-          <a:prstGeom prst="ellipse">
-            <a:avLst/>
-          </a:prstGeom>
-        </p:spPr>
-        <p:style>
-          <a:lnRef idx="1">
-            <a:schemeClr val="accent1"/>
-          </a:lnRef>
-          <a:fillRef idx="3">
-            <a:schemeClr val="accent1"/>
-          </a:fillRef>
-          <a:effectRef idx="2">
-            <a:schemeClr val="accent1"/>
-          </a:effectRef>
-          <a:fontRef idx="minor">
-            <a:schemeClr val="lt1"/>
-          </a:fontRef>
-        </p:style>
-        <p:txBody>
-          <a:bodyPr rtlCol="0" anchor="ctr"/>
-          <a:lstStyle/>
-          <a:p>
-            <a:pPr algn="ctr"/>
-            <a:endParaRPr lang="en-US" sz="1400" dirty="0"/>
-          </a:p>
-        </p:txBody>
-      </p:sp>
-      <p:cxnSp>
-        <p:nvCxnSpPr>
-          <p:cNvPr id="58" name="Elbow Connector 57"/>
-          <p:cNvCxnSpPr>
-            <a:stCxn id="15" idx="0"/>
-            <a:endCxn id="50" idx="3"/>
-          </p:cNvCxnSpPr>
-          <p:nvPr/>
-        </p:nvCxnSpPr>
-        <p:spPr>
-          <a:xfrm rot="5400000" flipH="1" flipV="1">
-            <a:off x="2225626" y="1415429"/>
-            <a:ext cx="654684" cy="2245257"/>
-          </a:xfrm>
-          <a:prstGeom prst="bentConnector3">
-            <a:avLst>
-              <a:gd name="adj1" fmla="val 50000"/>
-            </a:avLst>
-          </a:prstGeom>
-        </p:spPr>
-        <p:style>
-          <a:lnRef idx="2">
-            <a:schemeClr val="accent1"/>
-          </a:lnRef>
-          <a:fillRef idx="0">
-            <a:schemeClr val="accent1"/>
-          </a:fillRef>
-          <a:effectRef idx="1">
-            <a:schemeClr val="accent1"/>
-          </a:effectRef>
-          <a:fontRef idx="minor">
-            <a:schemeClr val="tx1"/>
-          </a:fontRef>
-        </p:style>
-      </p:cxnSp>
-      <p:sp>
-        <p:nvSpPr>
-          <p:cNvPr id="87" name="Oval 86"/>
-          <p:cNvSpPr/>
-          <p:nvPr/>
-        </p:nvSpPr>
-        <p:spPr>
-          <a:xfrm>
-            <a:off x="2812230" y="2917185"/>
-            <a:ext cx="2228730" cy="468868"/>
-          </a:xfrm>
-          <a:prstGeom prst="ellipse">
-            <a:avLst/>
-          </a:prstGeom>
-        </p:spPr>
-        <p:style>
-          <a:lnRef idx="1">
-            <a:schemeClr val="accent1"/>
-          </a:lnRef>
-          <a:fillRef idx="3">
-            <a:schemeClr val="accent1"/>
-          </a:fillRef>
-          <a:effectRef idx="2">
-            <a:schemeClr val="accent1"/>
-          </a:effectRef>
-          <a:fontRef idx="minor">
-            <a:schemeClr val="lt1"/>
-          </a:fontRef>
-        </p:style>
-        <p:txBody>
-          <a:bodyPr rtlCol="0" anchor="ctr"/>
-          <a:lstStyle/>
-          <a:p>
-            <a:pPr algn="ctr"/>
-            <a:r>
-              <a:rPr lang="en-US" sz="1400" dirty="0" err="1" smtClean="0"/>
-              <a:t>FilterFinder_blood_call.py</a:t>
-            </a:r>
-            <a:endParaRPr lang="en-US" sz="1400" dirty="0"/>
-          </a:p>
-        </p:txBody>
-      </p:sp>
-      <p:sp>
-        <p:nvSpPr>
-          <p:cNvPr id="88" name="TextBox 87"/>
+      <p:sp>
+        <p:nvSpPr>
+          <p:cNvPr id="109" name="TextBox 108"/>
           <p:cNvSpPr txBox="1"/>
           <p:nvPr/>
         </p:nvSpPr>
         <p:spPr>
           <a:xfrm>
-            <a:off x="2653715" y="3901996"/>
-            <a:ext cx="2868434" cy="646331"/>
+            <a:off x="2954656" y="4559766"/>
+            <a:ext cx="3873008" cy="369332"/>
           </a:xfrm>
           <a:prstGeom prst="rect">
             <a:avLst/>
@@ -5173,19 +6244,26 @@
           <a:lstStyle/>
           <a:p>
             <a:pPr algn="ctr"/>
-            <a:r>
-              <a:rPr lang="en-US" dirty="0" err="1">
-                <a:latin typeface="Courier New"/>
-                <a:cs typeface="Courier New"/>
-              </a:rPr>
-              <a:t>f</a:t>
-            </a:r>
             <a:r>
               <a:rPr lang="en-US" dirty="0" err="1" smtClean="0">
                 <a:latin typeface="Courier New"/>
                 <a:cs typeface="Courier New"/>
               </a:rPr>
-              <a:t>ilterfinder_blood_call.txt</a:t>
+              <a:t>joint_summary_</a:t>
+            </a:r>
+            <a:r>
+              <a:rPr lang="en-US" i="1" dirty="0" err="1" smtClean="0">
+                <a:latin typeface="Courier New"/>
+                <a:cs typeface="Courier New"/>
+              </a:rPr>
+              <a:t>tag_</a:t>
+            </a:r>
+            <a:r>
+              <a:rPr lang="en-US" dirty="0" err="1" smtClean="0">
+                <a:latin typeface="Courier New"/>
+                <a:cs typeface="Courier New"/>
+              </a:rPr>
+              <a:t>odds.txt</a:t>
             </a:r>
             <a:endParaRPr lang="en-US" dirty="0">
               <a:latin typeface="Courier New"/>
@@ -5196,126 +6274,47 @@
       </p:sp>
       <p:cxnSp>
         <p:nvCxnSpPr>
-          <p:cNvPr id="89" name="Elbow Connector 88"/>
-          <p:cNvCxnSpPr>
-            <a:stCxn id="87" idx="4"/>
-            <a:endCxn id="88" idx="0"/>
-          </p:cNvCxnSpPr>
-          <p:nvPr/>
-        </p:nvCxnSpPr>
-        <p:spPr>
-          <a:xfrm rot="16200000" flipH="1">
-            <a:off x="3749292" y="3563355"/>
-            <a:ext cx="515943" cy="161337"/>
-          </a:xfrm>
-          <a:prstGeom prst="bentConnector3">
-            <a:avLst>
-              <a:gd name="adj1" fmla="val 50000"/>
-            </a:avLst>
-          </a:prstGeom>
-        </p:spPr>
-        <p:style>
-          <a:lnRef idx="2">
-            <a:schemeClr val="accent1"/>
-          </a:lnRef>
-          <a:fillRef idx="0">
-            <a:schemeClr val="accent1"/>
-          </a:fillRef>
-          <a:effectRef idx="1">
-            <a:schemeClr val="accent1"/>
-          </a:effectRef>
-          <a:fontRef idx="minor">
-            <a:schemeClr val="tx1"/>
-          </a:fontRef>
-        </p:style>
-      </p:cxnSp>
-      <p:cxnSp>
-        <p:nvCxnSpPr>
-          <p:cNvPr id="92" name="Elbow Connector 91"/>
-          <p:cNvCxnSpPr>
-            <a:stCxn id="87" idx="0"/>
-            <a:endCxn id="50" idx="4"/>
-          </p:cNvCxnSpPr>
-          <p:nvPr/>
-        </p:nvCxnSpPr>
-        <p:spPr>
-          <a:xfrm rot="16200000" flipV="1">
-            <a:off x="3548989" y="2539579"/>
-            <a:ext cx="608985" cy="146228"/>
-          </a:xfrm>
-          <a:prstGeom prst="bentConnector3">
-            <a:avLst>
-              <a:gd name="adj1" fmla="val 50000"/>
-            </a:avLst>
-          </a:prstGeom>
-        </p:spPr>
-        <p:style>
-          <a:lnRef idx="2">
-            <a:schemeClr val="accent1"/>
-          </a:lnRef>
-          <a:fillRef idx="0">
-            <a:schemeClr val="accent1"/>
-          </a:fillRef>
-          <a:effectRef idx="1">
-            <a:schemeClr val="accent1"/>
-          </a:effectRef>
-          <a:fontRef idx="minor">
-            <a:schemeClr val="tx1"/>
-          </a:fontRef>
-        </p:style>
-      </p:cxnSp>
-      <p:sp>
-        <p:nvSpPr>
-          <p:cNvPr id="95" name="Oval 94"/>
-          <p:cNvSpPr/>
-          <p:nvPr/>
-        </p:nvSpPr>
-        <p:spPr>
-          <a:xfrm>
-            <a:off x="5130799" y="2917186"/>
-            <a:ext cx="1871135" cy="468868"/>
-          </a:xfrm>
-          <a:prstGeom prst="ellipse">
-            <a:avLst/>
-          </a:prstGeom>
-        </p:spPr>
-        <p:style>
-          <a:lnRef idx="1">
-            <a:schemeClr val="accent1"/>
-          </a:lnRef>
-          <a:fillRef idx="3">
-            <a:schemeClr val="accent1"/>
-          </a:fillRef>
-          <a:effectRef idx="2">
-            <a:schemeClr val="accent1"/>
-          </a:effectRef>
-          <a:fontRef idx="minor">
-            <a:schemeClr val="lt1"/>
-          </a:fontRef>
-        </p:style>
-        <p:txBody>
-          <a:bodyPr rtlCol="0" anchor="ctr"/>
-          <a:lstStyle/>
-          <a:p>
-            <a:pPr algn="ctr"/>
-            <a:r>
-              <a:rPr lang="en-US" sz="1400" dirty="0" err="1" smtClean="0"/>
-              <a:t>FilterFinder_exome_diff.py</a:t>
-            </a:r>
-            <a:endParaRPr lang="en-US" sz="1400" dirty="0"/>
-          </a:p>
-        </p:txBody>
-      </p:sp>
-      <p:sp>
-        <p:nvSpPr>
-          <p:cNvPr id="96" name="TextBox 95"/>
+          <p:cNvPr id="29" name="Elbow Connector 28"/>
+          <p:cNvCxnSpPr>
+            <a:stCxn id="30" idx="3"/>
+            <a:endCxn id="97" idx="4"/>
+          </p:cNvCxnSpPr>
+          <p:nvPr/>
+        </p:nvCxnSpPr>
+        <p:spPr>
+          <a:xfrm flipV="1">
+            <a:off x="6449362" y="3519308"/>
+            <a:ext cx="1663551" cy="2122381"/>
+          </a:xfrm>
+          <a:prstGeom prst="bentConnector2">
+            <a:avLst/>
+          </a:prstGeom>
+        </p:spPr>
+        <p:style>
+          <a:lnRef idx="2">
+            <a:schemeClr val="accent1"/>
+          </a:lnRef>
+          <a:fillRef idx="0">
+            <a:schemeClr val="accent1"/>
+          </a:fillRef>
+          <a:effectRef idx="1">
+            <a:schemeClr val="accent1"/>
+          </a:effectRef>
+          <a:fontRef idx="minor">
+            <a:schemeClr val="tx1"/>
+          </a:fontRef>
+        </p:style>
+      </p:cxnSp>
+      <p:sp>
+        <p:nvSpPr>
+          <p:cNvPr id="30" name="TextBox 29"/>
           <p:cNvSpPr txBox="1"/>
           <p:nvPr/>
         </p:nvSpPr>
         <p:spPr>
           <a:xfrm>
-            <a:off x="5619278" y="3913637"/>
-            <a:ext cx="2765311" cy="646331"/>
+            <a:off x="3100948" y="5457023"/>
+            <a:ext cx="3348414" cy="369332"/>
           </a:xfrm>
           <a:prstGeom prst="rect">
             <a:avLst/>
@@ -5330,246 +6329,35 @@
           <a:p>
             <a:pPr algn="ctr"/>
             <a:r>
-              <a:rPr lang="en-US" dirty="0" err="1" smtClean="0">
-                <a:latin typeface="Courier New"/>
-                <a:cs typeface="Courier New"/>
-              </a:rPr>
-              <a:t>filterfinder_exome_diff.txt</a:t>
-            </a:r>
-            <a:endParaRPr lang="en-US" dirty="0">
-              <a:latin typeface="Courier New"/>
-              <a:cs typeface="Courier New"/>
-            </a:endParaRPr>
-          </a:p>
-        </p:txBody>
-      </p:sp>
-      <p:cxnSp>
-        <p:nvCxnSpPr>
-          <p:cNvPr id="97" name="Elbow Connector 96"/>
-          <p:cNvCxnSpPr>
-            <a:stCxn id="95" idx="4"/>
-            <a:endCxn id="96" idx="0"/>
-          </p:cNvCxnSpPr>
-          <p:nvPr/>
-        </p:nvCxnSpPr>
-        <p:spPr>
-          <a:xfrm rot="16200000" flipH="1">
-            <a:off x="6270359" y="3182061"/>
-            <a:ext cx="527583" cy="935567"/>
-          </a:xfrm>
-          <a:prstGeom prst="bentConnector3">
-            <a:avLst>
-              <a:gd name="adj1" fmla="val 50000"/>
-            </a:avLst>
-          </a:prstGeom>
-        </p:spPr>
-        <p:style>
-          <a:lnRef idx="2">
-            <a:schemeClr val="accent1"/>
-          </a:lnRef>
-          <a:fillRef idx="0">
-            <a:schemeClr val="accent1"/>
-          </a:fillRef>
-          <a:effectRef idx="1">
-            <a:schemeClr val="accent1"/>
-          </a:effectRef>
-          <a:fontRef idx="minor">
-            <a:schemeClr val="tx1"/>
-          </a:fontRef>
-        </p:style>
-      </p:cxnSp>
-      <p:cxnSp>
-        <p:nvCxnSpPr>
-          <p:cNvPr id="98" name="Elbow Connector 97"/>
-          <p:cNvCxnSpPr>
-            <a:stCxn id="95" idx="0"/>
-            <a:endCxn id="50" idx="5"/>
-          </p:cNvCxnSpPr>
-          <p:nvPr/>
-        </p:nvCxnSpPr>
-        <p:spPr>
-          <a:xfrm rot="16200000" flipV="1">
-            <a:off x="4622517" y="1473335"/>
-            <a:ext cx="706471" cy="2181231"/>
-          </a:xfrm>
-          <a:prstGeom prst="bentConnector3">
-            <a:avLst>
-              <a:gd name="adj1" fmla="val 50000"/>
-            </a:avLst>
-          </a:prstGeom>
-        </p:spPr>
-        <p:style>
-          <a:lnRef idx="2">
-            <a:schemeClr val="accent1"/>
-          </a:lnRef>
-          <a:fillRef idx="0">
-            <a:schemeClr val="accent1"/>
-          </a:fillRef>
-          <a:effectRef idx="1">
-            <a:schemeClr val="accent1"/>
-          </a:effectRef>
-          <a:fontRef idx="minor">
-            <a:schemeClr val="tx1"/>
-          </a:fontRef>
-        </p:style>
-      </p:cxnSp>
-      <p:sp>
-        <p:nvSpPr>
-          <p:cNvPr id="109" name="Oval 108"/>
-          <p:cNvSpPr/>
-          <p:nvPr/>
-        </p:nvSpPr>
-        <p:spPr>
-          <a:xfrm>
-            <a:off x="2514601" y="5227599"/>
-            <a:ext cx="2089154" cy="468868"/>
-          </a:xfrm>
-          <a:prstGeom prst="ellipse">
-            <a:avLst/>
-          </a:prstGeom>
-        </p:spPr>
-        <p:style>
-          <a:lnRef idx="1">
-            <a:schemeClr val="accent1"/>
-          </a:lnRef>
-          <a:fillRef idx="3">
-            <a:schemeClr val="accent1"/>
-          </a:fillRef>
-          <a:effectRef idx="2">
-            <a:schemeClr val="accent1"/>
-          </a:effectRef>
-          <a:fontRef idx="minor">
-            <a:schemeClr val="lt1"/>
-          </a:fontRef>
-        </p:style>
-        <p:txBody>
-          <a:bodyPr rtlCol="0" anchor="ctr"/>
-          <a:lstStyle/>
-          <a:p>
-            <a:pPr algn="ctr"/>
-            <a:r>
-              <a:rPr lang="en-US" sz="1400" dirty="0" smtClean="0"/>
-              <a:t>SNP2Expands.py</a:t>
-            </a:r>
-          </a:p>
-        </p:txBody>
-      </p:sp>
-      <p:cxnSp>
-        <p:nvCxnSpPr>
-          <p:cNvPr id="110" name="Elbow Connector 109"/>
-          <p:cNvCxnSpPr>
-            <a:stCxn id="39" idx="2"/>
-            <a:endCxn id="109" idx="0"/>
-          </p:cNvCxnSpPr>
-          <p:nvPr/>
-        </p:nvCxnSpPr>
-        <p:spPr>
-          <a:xfrm rot="16200000" flipH="1">
-            <a:off x="2085536" y="3753957"/>
-            <a:ext cx="679272" cy="2268011"/>
-          </a:xfrm>
-          <a:prstGeom prst="bentConnector3">
-            <a:avLst>
-              <a:gd name="adj1" fmla="val 50000"/>
-            </a:avLst>
-          </a:prstGeom>
-        </p:spPr>
-        <p:style>
-          <a:lnRef idx="2">
-            <a:schemeClr val="accent1"/>
-          </a:lnRef>
-          <a:fillRef idx="0">
-            <a:schemeClr val="accent1"/>
-          </a:fillRef>
-          <a:effectRef idx="1">
-            <a:schemeClr val="accent1"/>
-          </a:effectRef>
-          <a:fontRef idx="minor">
-            <a:schemeClr val="tx1"/>
-          </a:fontRef>
-        </p:style>
-      </p:cxnSp>
-      <p:cxnSp>
-        <p:nvCxnSpPr>
-          <p:cNvPr id="116" name="Elbow Connector 115"/>
-          <p:cNvCxnSpPr>
-            <a:stCxn id="88" idx="2"/>
-            <a:endCxn id="109" idx="0"/>
-          </p:cNvCxnSpPr>
-          <p:nvPr/>
-        </p:nvCxnSpPr>
-        <p:spPr>
-          <a:xfrm rot="5400000">
-            <a:off x="3483919" y="4623586"/>
-            <a:ext cx="679272" cy="528754"/>
-          </a:xfrm>
-          <a:prstGeom prst="bentConnector3">
-            <a:avLst>
-              <a:gd name="adj1" fmla="val 50000"/>
-            </a:avLst>
-          </a:prstGeom>
-        </p:spPr>
-        <p:style>
-          <a:lnRef idx="2">
-            <a:schemeClr val="accent1"/>
-          </a:lnRef>
-          <a:fillRef idx="0">
-            <a:schemeClr val="accent1"/>
-          </a:fillRef>
-          <a:effectRef idx="1">
-            <a:schemeClr val="accent1"/>
-          </a:effectRef>
-          <a:fontRef idx="minor">
-            <a:schemeClr val="tx1"/>
-          </a:fontRef>
-        </p:style>
-      </p:cxnSp>
-      <p:cxnSp>
-        <p:nvCxnSpPr>
-          <p:cNvPr id="119" name="Elbow Connector 118"/>
-          <p:cNvCxnSpPr>
-            <a:stCxn id="5" idx="1"/>
-            <a:endCxn id="109" idx="0"/>
-          </p:cNvCxnSpPr>
-          <p:nvPr/>
-        </p:nvCxnSpPr>
-        <p:spPr>
-          <a:xfrm rot="10800000" flipH="1" flipV="1">
-            <a:off x="278344" y="1815251"/>
-            <a:ext cx="3280834" cy="3412348"/>
-          </a:xfrm>
-          <a:prstGeom prst="bentConnector4">
-            <a:avLst>
-              <a:gd name="adj1" fmla="val -6968"/>
-              <a:gd name="adj2" fmla="val 84961"/>
-            </a:avLst>
-          </a:prstGeom>
-        </p:spPr>
-        <p:style>
-          <a:lnRef idx="2">
-            <a:schemeClr val="accent1"/>
-          </a:lnRef>
-          <a:fillRef idx="0">
-            <a:schemeClr val="accent1"/>
-          </a:fillRef>
-          <a:effectRef idx="1">
-            <a:schemeClr val="accent1"/>
-          </a:effectRef>
-          <a:fontRef idx="minor">
-            <a:schemeClr val="tx1"/>
-          </a:fontRef>
-        </p:style>
-      </p:cxnSp>
-      <p:sp>
-        <p:nvSpPr>
-          <p:cNvPr id="124" name="TextBox 123"/>
+              <a:rPr lang="en-US" dirty="0" err="1" smtClean="0"/>
+              <a:t>BAF_joint_vals</a:t>
+            </a:r>
+            <a:r>
+              <a:rPr lang="en-US" i="1" dirty="0" err="1" smtClean="0"/>
+              <a:t>_tag_</a:t>
+            </a:r>
+            <a:r>
+              <a:rPr lang="en-US" dirty="0" err="1" smtClean="0"/>
+              <a:t>joined_best</a:t>
+            </a:r>
+            <a:r>
+              <a:rPr lang="en-US" dirty="0" smtClean="0"/>
+              <a:t>/</a:t>
+            </a:r>
+            <a:endParaRPr lang="en-US" dirty="0"/>
+          </a:p>
+        </p:txBody>
+      </p:sp>
+      <p:sp>
+        <p:nvSpPr>
+          <p:cNvPr id="41" name="TextBox 40"/>
           <p:cNvSpPr txBox="1"/>
           <p:nvPr/>
         </p:nvSpPr>
         <p:spPr>
           <a:xfrm>
-            <a:off x="2149479" y="5969000"/>
-            <a:ext cx="2819400" cy="369332"/>
+            <a:off x="3141306" y="5119410"/>
+            <a:ext cx="3308056" cy="369332"/>
           </a:xfrm>
           <a:prstGeom prst="rect">
             <a:avLst/>
@@ -5585,7 +6373,15 @@
             <a:pPr algn="ctr"/>
             <a:r>
               <a:rPr lang="en-US" dirty="0" err="1" smtClean="0"/>
-              <a:t>SNP_data_filtered</a:t>
+              <a:t>CN_joint_vals</a:t>
+            </a:r>
+            <a:r>
+              <a:rPr lang="en-US" i="1" dirty="0" err="1" smtClean="0"/>
+              <a:t>_tag_</a:t>
+            </a:r>
+            <a:r>
+              <a:rPr lang="en-US" dirty="0" err="1" smtClean="0"/>
+              <a:t>joined_best</a:t>
             </a:r>
             <a:r>
               <a:rPr lang="en-US" dirty="0" smtClean="0"/>
@@ -5597,57 +6393,20 @@
       </p:sp>
       <p:cxnSp>
         <p:nvCxnSpPr>
-          <p:cNvPr id="125" name="Elbow Connector 124"/>
-          <p:cNvCxnSpPr>
-            <a:stCxn id="109" idx="4"/>
-            <a:endCxn id="124" idx="0"/>
-          </p:cNvCxnSpPr>
-          <p:nvPr/>
-        </p:nvCxnSpPr>
-        <p:spPr>
-          <a:xfrm rot="16200000" flipH="1">
-            <a:off x="3422912" y="5832732"/>
-            <a:ext cx="272533" cy="1"/>
-          </a:xfrm>
-          <a:prstGeom prst="bentConnector3">
-            <a:avLst>
-              <a:gd name="adj1" fmla="val 50000"/>
-            </a:avLst>
-          </a:prstGeom>
-        </p:spPr>
-        <p:style>
-          <a:lnRef idx="2">
-            <a:schemeClr val="accent1"/>
-          </a:lnRef>
-          <a:fillRef idx="0">
-            <a:schemeClr val="accent1"/>
-          </a:fillRef>
-          <a:effectRef idx="1">
-            <a:schemeClr val="accent1"/>
-          </a:effectRef>
-          <a:fontRef idx="minor">
-            <a:schemeClr val="tx1"/>
-          </a:fontRef>
-        </p:style>
-      </p:cxnSp>
-      <p:cxnSp>
-        <p:nvCxnSpPr>
-          <p:cNvPr id="158" name="Elbow Connector 157"/>
-          <p:cNvCxnSpPr>
-            <a:stCxn id="96" idx="2"/>
-            <a:endCxn id="109" idx="0"/>
-          </p:cNvCxnSpPr>
-          <p:nvPr/>
-        </p:nvCxnSpPr>
-        <p:spPr>
-          <a:xfrm rot="5400000">
-            <a:off x="4946741" y="3172405"/>
-            <a:ext cx="667631" cy="3442756"/>
-          </a:xfrm>
-          <a:prstGeom prst="bentConnector3">
-            <a:avLst>
-              <a:gd name="adj1" fmla="val 50000"/>
-            </a:avLst>
+          <p:cNvPr id="42" name="Elbow Connector 41"/>
+          <p:cNvCxnSpPr>
+            <a:stCxn id="41" idx="3"/>
+            <a:endCxn id="97" idx="4"/>
+          </p:cNvCxnSpPr>
+          <p:nvPr/>
+        </p:nvCxnSpPr>
+        <p:spPr>
+          <a:xfrm flipV="1">
+            <a:off x="6449362" y="3519308"/>
+            <a:ext cx="1663551" cy="1784768"/>
+          </a:xfrm>
+          <a:prstGeom prst="bentConnector2">
+            <a:avLst/>
           </a:prstGeom>
         </p:spPr>
         <p:style>
@@ -5668,7 +6427,7 @@
     </p:spTree>
     <p:extLst>
       <p:ext uri="{BB962C8B-B14F-4D97-AF65-F5344CB8AC3E}">
-        <p14:creationId xmlns:p14="http://schemas.microsoft.com/office/powerpoint/2010/main" val="1063960065"/>
+        <p14:creationId xmlns:p14="http://schemas.microsoft.com/office/powerpoint/2010/main" val="1736597231"/>
       </p:ext>
     </p:extLst>
   </p:cSld>
@@ -13513,8 +14272,8 @@
         </p:nvSpPr>
         <p:spPr>
           <a:xfrm>
-            <a:off x="49768" y="193424"/>
-            <a:ext cx="3233613" cy="369332"/>
+            <a:off x="3921589" y="53823"/>
+            <a:ext cx="3348414" cy="369332"/>
           </a:xfrm>
           <a:prstGeom prst="rect">
             <a:avLst/>
@@ -13530,11 +14289,7 @@
             <a:pPr algn="ctr"/>
             <a:r>
               <a:rPr lang="en-US" dirty="0" err="1" smtClean="0"/>
-              <a:t>pASCAT_output_combined_</a:t>
-            </a:r>
-            <a:r>
-              <a:rPr lang="en-US" i="1" dirty="0" err="1" smtClean="0"/>
-              <a:t>tag</a:t>
+              <a:t>noninteger_processed_CNs</a:t>
             </a:r>
             <a:r>
               <a:rPr lang="en-US" dirty="0" smtClean="0"/>
@@ -13546,14 +14301,14 @@
       </p:sp>
       <p:sp>
         <p:nvSpPr>
-          <p:cNvPr id="3" name="Oval 2"/>
+          <p:cNvPr id="4" name="Oval 3"/>
           <p:cNvSpPr/>
           <p:nvPr/>
         </p:nvSpPr>
         <p:spPr>
           <a:xfrm>
-            <a:off x="436166" y="901200"/>
-            <a:ext cx="2898587" cy="468868"/>
+            <a:off x="95219" y="1507202"/>
+            <a:ext cx="3657142" cy="468868"/>
           </a:xfrm>
           <a:prstGeom prst="ellipse">
             <a:avLst/>
@@ -13580,7 +14335,7 @@
             <a:pPr algn="ctr"/>
             <a:r>
               <a:rPr lang="en-US" sz="1400" dirty="0" err="1" smtClean="0"/>
-              <a:t>create_joint_seg_file.py</a:t>
+              <a:t>synthesize_joint_segments.py</a:t>
             </a:r>
             <a:endParaRPr lang="en-US" sz="1400" dirty="0"/>
           </a:p>
@@ -13588,17 +14343,17 @@
       </p:sp>
       <p:cxnSp>
         <p:nvCxnSpPr>
-          <p:cNvPr id="4" name="Elbow Connector 3"/>
-          <p:cNvCxnSpPr>
-            <a:stCxn id="2" idx="2"/>
-            <a:endCxn id="3" idx="0"/>
+          <p:cNvPr id="6" name="Elbow Connector 5"/>
+          <p:cNvCxnSpPr>
+            <a:stCxn id="4" idx="4"/>
+            <a:endCxn id="7" idx="0"/>
           </p:cNvCxnSpPr>
           <p:nvPr/>
         </p:nvCxnSpPr>
         <p:spPr>
           <a:xfrm rot="16200000" flipH="1">
-            <a:off x="1606795" y="622535"/>
-            <a:ext cx="338444" cy="218885"/>
+            <a:off x="2379023" y="1520836"/>
+            <a:ext cx="119467" cy="1029933"/>
           </a:xfrm>
           <a:prstGeom prst="bentConnector3">
             <a:avLst>
@@ -13621,19 +14376,104 @@
           </a:fontRef>
         </p:style>
       </p:cxnSp>
-      <p:cxnSp>
-        <p:nvCxnSpPr>
-          <p:cNvPr id="10" name="Elbow Connector 9"/>
-          <p:cNvCxnSpPr>
-            <a:stCxn id="48" idx="0"/>
-            <a:endCxn id="60" idx="4"/>
-          </p:cNvCxnSpPr>
-          <p:nvPr/>
-        </p:nvCxnSpPr>
-        <p:spPr>
-          <a:xfrm rot="5400000" flipH="1" flipV="1">
-            <a:off x="4890817" y="2716970"/>
-            <a:ext cx="478006" cy="777533"/>
+      <p:sp>
+        <p:nvSpPr>
+          <p:cNvPr id="7" name="TextBox 6"/>
+          <p:cNvSpPr txBox="1"/>
+          <p:nvPr/>
+        </p:nvSpPr>
+        <p:spPr>
+          <a:xfrm>
+            <a:off x="284030" y="2095537"/>
+            <a:ext cx="5339386" cy="369332"/>
+          </a:xfrm>
+          <a:prstGeom prst="rect">
+            <a:avLst/>
+          </a:prstGeom>
+          <a:noFill/>
+        </p:spPr>
+        <p:txBody>
+          <a:bodyPr wrap="square" rtlCol="0">
+            <a:spAutoFit/>
+          </a:bodyPr>
+          <a:lstStyle/>
+          <a:p>
+            <a:pPr algn="ctr"/>
+            <a:r>
+              <a:rPr lang="en-US" dirty="0" err="1" smtClean="0"/>
+              <a:t>joint_processed_segmentation_</a:t>
+            </a:r>
+            <a:r>
+              <a:rPr lang="en-US" i="1" dirty="0" err="1" smtClean="0"/>
+              <a:t>tag_</a:t>
+            </a:r>
+            <a:r>
+              <a:rPr lang="en-US" dirty="0" err="1" smtClean="0"/>
+              <a:t>joined_best</a:t>
+            </a:r>
+            <a:r>
+              <a:rPr lang="en-US" dirty="0" smtClean="0"/>
+              <a:t>/</a:t>
+            </a:r>
+            <a:endParaRPr lang="en-US" dirty="0"/>
+          </a:p>
+        </p:txBody>
+      </p:sp>
+      <p:sp>
+        <p:nvSpPr>
+          <p:cNvPr id="20" name="Oval 19"/>
+          <p:cNvSpPr/>
+          <p:nvPr/>
+        </p:nvSpPr>
+        <p:spPr>
+          <a:xfrm>
+            <a:off x="5796803" y="731216"/>
+            <a:ext cx="2946400" cy="468868"/>
+          </a:xfrm>
+          <a:prstGeom prst="ellipse">
+            <a:avLst/>
+          </a:prstGeom>
+        </p:spPr>
+        <p:style>
+          <a:lnRef idx="1">
+            <a:schemeClr val="accent1"/>
+          </a:lnRef>
+          <a:fillRef idx="3">
+            <a:schemeClr val="accent1"/>
+          </a:fillRef>
+          <a:effectRef idx="2">
+            <a:schemeClr val="accent1"/>
+          </a:effectRef>
+          <a:fontRef idx="minor">
+            <a:schemeClr val="lt1"/>
+          </a:fontRef>
+        </p:style>
+        <p:txBody>
+          <a:bodyPr rtlCol="0" anchor="ctr"/>
+          <a:lstStyle/>
+          <a:p>
+            <a:pPr algn="ctr"/>
+            <a:r>
+              <a:rPr lang="en-US" sz="1400" dirty="0" err="1" smtClean="0"/>
+              <a:t>validate_segmentation.py</a:t>
+            </a:r>
+            <a:endParaRPr lang="en-US" sz="1400" dirty="0"/>
+          </a:p>
+        </p:txBody>
+      </p:sp>
+      <p:cxnSp>
+        <p:nvCxnSpPr>
+          <p:cNvPr id="21" name="Elbow Connector 20"/>
+          <p:cNvCxnSpPr>
+            <a:stCxn id="20" idx="4"/>
+            <a:endCxn id="22" idx="0"/>
+          </p:cNvCxnSpPr>
+          <p:nvPr/>
+        </p:nvCxnSpPr>
+        <p:spPr>
+          <a:xfrm rot="5400000">
+            <a:off x="6395357" y="549274"/>
+            <a:ext cx="223836" cy="1525456"/>
           </a:xfrm>
           <a:prstGeom prst="bentConnector3">
             <a:avLst>
@@ -13656,19 +14496,55 @@
           </a:fontRef>
         </p:style>
       </p:cxnSp>
-      <p:cxnSp>
-        <p:nvCxnSpPr>
-          <p:cNvPr id="12" name="Elbow Connector 11"/>
-          <p:cNvCxnSpPr>
-            <a:stCxn id="40" idx="2"/>
-            <a:endCxn id="60" idx="0"/>
-          </p:cNvCxnSpPr>
+      <p:sp>
+        <p:nvSpPr>
+          <p:cNvPr id="22" name="TextBox 21"/>
+          <p:cNvSpPr txBox="1"/>
+          <p:nvPr/>
+        </p:nvSpPr>
+        <p:spPr>
+          <a:xfrm>
+            <a:off x="4219090" y="1423920"/>
+            <a:ext cx="3050913" cy="369332"/>
+          </a:xfrm>
+          <a:prstGeom prst="rect">
+            <a:avLst/>
+          </a:prstGeom>
+          <a:noFill/>
+        </p:spPr>
+        <p:txBody>
+          <a:bodyPr wrap="square" rtlCol="0">
+            <a:spAutoFit/>
+          </a:bodyPr>
+          <a:lstStyle/>
+          <a:p>
+            <a:pPr algn="ctr"/>
+            <a:r>
+              <a:rPr lang="en-US" dirty="0" err="1" smtClean="0"/>
+              <a:t>segmentation_validation_</a:t>
+            </a:r>
+            <a:r>
+              <a:rPr lang="en-US" i="1" dirty="0" err="1" smtClean="0"/>
+              <a:t>tag</a:t>
+            </a:r>
+            <a:r>
+              <a:rPr lang="en-US" dirty="0" smtClean="0"/>
+              <a:t>/</a:t>
+            </a:r>
+            <a:endParaRPr lang="en-US" dirty="0"/>
+          </a:p>
+        </p:txBody>
+      </p:sp>
+      <p:cxnSp>
+        <p:nvCxnSpPr>
+          <p:cNvPr id="32" name="Elbow Connector 31"/>
+          <p:cNvCxnSpPr/>
           <p:nvPr/>
         </p:nvCxnSpPr>
         <p:spPr>
           <a:xfrm rot="16200000" flipH="1">
-            <a:off x="3881288" y="760566"/>
-            <a:ext cx="433772" cy="2840825"/>
+            <a:off x="6269594" y="-259918"/>
+            <a:ext cx="308061" cy="1674207"/>
           </a:xfrm>
           <a:prstGeom prst="bentConnector3">
             <a:avLst>
@@ -13693,17 +14569,95 @@
       </p:cxnSp>
       <p:cxnSp>
         <p:nvCxnSpPr>
-          <p:cNvPr id="32" name="Elbow Connector 31"/>
-          <p:cNvCxnSpPr>
-            <a:stCxn id="3" idx="4"/>
-            <a:endCxn id="40" idx="0"/>
+          <p:cNvPr id="41" name="Elbow Connector 40"/>
+          <p:cNvCxnSpPr>
+            <a:stCxn id="22" idx="1"/>
+            <a:endCxn id="4" idx="0"/>
+          </p:cNvCxnSpPr>
+          <p:nvPr/>
+        </p:nvCxnSpPr>
+        <p:spPr>
+          <a:xfrm rot="10800000">
+            <a:off x="1923790" y="1507202"/>
+            <a:ext cx="2295300" cy="101384"/>
+          </a:xfrm>
+          <a:prstGeom prst="bentConnector4">
+            <a:avLst>
+              <a:gd name="adj1" fmla="val 10167"/>
+              <a:gd name="adj2" fmla="val 325479"/>
+            </a:avLst>
+          </a:prstGeom>
+        </p:spPr>
+        <p:style>
+          <a:lnRef idx="2">
+            <a:schemeClr val="accent1"/>
+          </a:lnRef>
+          <a:fillRef idx="0">
+            <a:schemeClr val="accent1"/>
+          </a:fillRef>
+          <a:effectRef idx="1">
+            <a:schemeClr val="accent1"/>
+          </a:effectRef>
+          <a:fontRef idx="minor">
+            <a:schemeClr val="tx1"/>
+          </a:fontRef>
+        </p:style>
+      </p:cxnSp>
+      <p:sp>
+        <p:nvSpPr>
+          <p:cNvPr id="47" name="Oval 46"/>
+          <p:cNvSpPr/>
+          <p:nvPr/>
+        </p:nvSpPr>
+        <p:spPr>
+          <a:xfrm>
+            <a:off x="659623" y="2597475"/>
+            <a:ext cx="3657142" cy="468868"/>
+          </a:xfrm>
+          <a:prstGeom prst="ellipse">
+            <a:avLst/>
+          </a:prstGeom>
+        </p:spPr>
+        <p:style>
+          <a:lnRef idx="1">
+            <a:schemeClr val="accent1"/>
+          </a:lnRef>
+          <a:fillRef idx="3">
+            <a:schemeClr val="accent1"/>
+          </a:fillRef>
+          <a:effectRef idx="2">
+            <a:schemeClr val="accent1"/>
+          </a:effectRef>
+          <a:fontRef idx="minor">
+            <a:schemeClr val="lt1"/>
+          </a:fontRef>
+        </p:style>
+        <p:txBody>
+          <a:bodyPr rtlCol="0" anchor="ctr"/>
+          <a:lstStyle/>
+          <a:p>
+            <a:pPr algn="ctr"/>
+            <a:r>
+              <a:rPr lang="en-US" sz="1400" dirty="0" err="1" smtClean="0"/>
+              <a:t>remove_joint_duplicates.py</a:t>
+            </a:r>
+            <a:endParaRPr lang="en-US" sz="1400" dirty="0"/>
+          </a:p>
+        </p:txBody>
+      </p:sp>
+      <p:cxnSp>
+        <p:nvCxnSpPr>
+          <p:cNvPr id="48" name="Elbow Connector 47"/>
+          <p:cNvCxnSpPr>
+            <a:stCxn id="47" idx="4"/>
+            <a:endCxn id="49" idx="0"/>
           </p:cNvCxnSpPr>
           <p:nvPr/>
         </p:nvCxnSpPr>
         <p:spPr>
           <a:xfrm rot="16200000" flipH="1">
-            <a:off x="2169265" y="1086263"/>
-            <a:ext cx="224693" cy="792302"/>
+            <a:off x="2919014" y="2635522"/>
+            <a:ext cx="168285" cy="1029925"/>
           </a:xfrm>
           <a:prstGeom prst="bentConnector3">
             <a:avLst>
@@ -13726,97 +14680,62 @@
           </a:fontRef>
         </p:style>
       </p:cxnSp>
-      <p:cxnSp>
-        <p:nvCxnSpPr>
-          <p:cNvPr id="33" name="Elbow Connector 32"/>
-          <p:cNvCxnSpPr>
-            <a:stCxn id="38" idx="2"/>
-            <a:endCxn id="97" idx="2"/>
-          </p:cNvCxnSpPr>
-          <p:nvPr/>
-        </p:nvCxnSpPr>
-        <p:spPr>
-          <a:xfrm rot="5400000" flipH="1" flipV="1">
-            <a:off x="4254573" y="915761"/>
-            <a:ext cx="429197" cy="5167424"/>
-          </a:xfrm>
-          <a:prstGeom prst="bentConnector4">
-            <a:avLst>
-              <a:gd name="adj1" fmla="val -53262"/>
-              <a:gd name="adj2" fmla="val 84996"/>
-            </a:avLst>
-          </a:prstGeom>
-        </p:spPr>
-        <p:style>
-          <a:lnRef idx="2">
-            <a:schemeClr val="accent1"/>
-          </a:lnRef>
-          <a:fillRef idx="0">
-            <a:schemeClr val="accent1"/>
-          </a:fillRef>
-          <a:effectRef idx="1">
-            <a:schemeClr val="accent1"/>
-          </a:effectRef>
-          <a:fontRef idx="minor">
-            <a:schemeClr val="tx1"/>
-          </a:fontRef>
-        </p:style>
-      </p:cxnSp>
-      <p:sp>
-        <p:nvSpPr>
-          <p:cNvPr id="36" name="Oval 35"/>
-          <p:cNvSpPr/>
-          <p:nvPr/>
-        </p:nvSpPr>
-        <p:spPr>
-          <a:xfrm>
-            <a:off x="325384" y="2397865"/>
-            <a:ext cx="3638740" cy="468868"/>
-          </a:xfrm>
-          <a:prstGeom prst="ellipse">
-            <a:avLst/>
-          </a:prstGeom>
-        </p:spPr>
-        <p:style>
-          <a:lnRef idx="1">
-            <a:schemeClr val="accent1"/>
-          </a:lnRef>
-          <a:fillRef idx="3">
-            <a:schemeClr val="accent1"/>
-          </a:fillRef>
-          <a:effectRef idx="2">
-            <a:schemeClr val="accent1"/>
-          </a:effectRef>
-          <a:fontRef idx="minor">
-            <a:schemeClr val="lt1"/>
-          </a:fontRef>
-        </p:style>
-        <p:txBody>
-          <a:bodyPr rtlCol="0" anchor="ctr"/>
-          <a:lstStyle/>
-          <a:p>
-            <a:pPr algn="ctr"/>
-            <a:r>
-              <a:rPr lang="en-US" sz="1400" dirty="0" err="1" smtClean="0"/>
-              <a:t>process_joint_segmentation.py</a:t>
-            </a:r>
-            <a:endParaRPr lang="en-US" sz="1400" dirty="0" smtClean="0"/>
-          </a:p>
-        </p:txBody>
-      </p:sp>
-      <p:cxnSp>
-        <p:nvCxnSpPr>
-          <p:cNvPr id="37" name="Elbow Connector 36"/>
-          <p:cNvCxnSpPr>
-            <a:stCxn id="36" idx="0"/>
-            <a:endCxn id="40" idx="2"/>
-          </p:cNvCxnSpPr>
-          <p:nvPr/>
-        </p:nvCxnSpPr>
-        <p:spPr>
-          <a:xfrm rot="5400000" flipH="1" flipV="1">
-            <a:off x="2194372" y="1914475"/>
-            <a:ext cx="433772" cy="533008"/>
+      <p:sp>
+        <p:nvSpPr>
+          <p:cNvPr id="49" name="TextBox 48"/>
+          <p:cNvSpPr txBox="1"/>
+          <p:nvPr/>
+        </p:nvSpPr>
+        <p:spPr>
+          <a:xfrm>
+            <a:off x="848426" y="3234628"/>
+            <a:ext cx="5339386" cy="369332"/>
+          </a:xfrm>
+          <a:prstGeom prst="rect">
+            <a:avLst/>
+          </a:prstGeom>
+          <a:noFill/>
+        </p:spPr>
+        <p:txBody>
+          <a:bodyPr wrap="square" rtlCol="0">
+            <a:spAutoFit/>
+          </a:bodyPr>
+          <a:lstStyle/>
+          <a:p>
+            <a:pPr algn="ctr"/>
+            <a:r>
+              <a:rPr lang="en-US" dirty="0" err="1" smtClean="0"/>
+              <a:t>joint_segmentation_nodupes_</a:t>
+            </a:r>
+            <a:r>
+              <a:rPr lang="en-US" i="1" dirty="0" err="1" smtClean="0"/>
+              <a:t>tag_</a:t>
+            </a:r>
+            <a:r>
+              <a:rPr lang="en-US" dirty="0" err="1" smtClean="0"/>
+              <a:t>joined_best</a:t>
+            </a:r>
+            <a:r>
+              <a:rPr lang="en-US" dirty="0" smtClean="0"/>
+              <a:t>/</a:t>
+            </a:r>
+            <a:endParaRPr lang="en-US" dirty="0"/>
+          </a:p>
+        </p:txBody>
+      </p:sp>
+      <p:cxnSp>
+        <p:nvCxnSpPr>
+          <p:cNvPr id="50" name="Elbow Connector 49"/>
+          <p:cNvCxnSpPr>
+            <a:stCxn id="7" idx="2"/>
+            <a:endCxn id="47" idx="0"/>
+          </p:cNvCxnSpPr>
+          <p:nvPr/>
+        </p:nvCxnSpPr>
+        <p:spPr>
+          <a:xfrm rot="5400000">
+            <a:off x="2654656" y="2298408"/>
+            <a:ext cx="132606" cy="465529"/>
           </a:xfrm>
           <a:prstGeom prst="bentConnector3">
             <a:avLst>
@@ -13841,56 +14760,59 @@
       </p:cxnSp>
       <p:sp>
         <p:nvSpPr>
-          <p:cNvPr id="38" name="TextBox 37"/>
-          <p:cNvSpPr txBox="1"/>
-          <p:nvPr/>
-        </p:nvSpPr>
-        <p:spPr>
-          <a:xfrm>
-            <a:off x="668691" y="3344739"/>
-            <a:ext cx="2433537" cy="369332"/>
-          </a:xfrm>
-          <a:prstGeom prst="rect">
-            <a:avLst/>
-          </a:prstGeom>
-          <a:noFill/>
-        </p:spPr>
-        <p:txBody>
-          <a:bodyPr wrap="square" rtlCol="0">
-            <a:spAutoFit/>
-          </a:bodyPr>
-          <a:lstStyle/>
-          <a:p>
-            <a:pPr algn="ctr"/>
-            <a:r>
-              <a:rPr lang="en-US" dirty="0" smtClean="0"/>
-              <a:t>CN_joint_log2rs_</a:t>
-            </a:r>
-            <a:r>
-              <a:rPr lang="en-US" i="1" dirty="0" smtClean="0"/>
-              <a:t>tag</a:t>
-            </a:r>
-            <a:r>
-              <a:rPr lang="en-US" dirty="0" smtClean="0"/>
-              <a:t>/</a:t>
-            </a:r>
-            <a:endParaRPr lang="en-US" dirty="0"/>
-          </a:p>
-        </p:txBody>
-      </p:sp>
-      <p:cxnSp>
-        <p:nvCxnSpPr>
-          <p:cNvPr id="39" name="Elbow Connector 38"/>
-          <p:cNvCxnSpPr>
-            <a:stCxn id="36" idx="4"/>
-            <a:endCxn id="38" idx="0"/>
-          </p:cNvCxnSpPr>
-          <p:nvPr/>
-        </p:nvCxnSpPr>
-        <p:spPr>
-          <a:xfrm rot="5400000">
-            <a:off x="1776104" y="2976089"/>
-            <a:ext cx="478006" cy="259294"/>
+          <p:cNvPr id="53" name="Oval 52"/>
+          <p:cNvSpPr/>
+          <p:nvPr/>
+        </p:nvSpPr>
+        <p:spPr>
+          <a:xfrm>
+            <a:off x="1336647" y="3745085"/>
+            <a:ext cx="3657142" cy="468868"/>
+          </a:xfrm>
+          <a:prstGeom prst="ellipse">
+            <a:avLst/>
+          </a:prstGeom>
+        </p:spPr>
+        <p:style>
+          <a:lnRef idx="1">
+            <a:schemeClr val="accent1"/>
+          </a:lnRef>
+          <a:fillRef idx="3">
+            <a:schemeClr val="accent1"/>
+          </a:fillRef>
+          <a:effectRef idx="2">
+            <a:schemeClr val="accent1"/>
+          </a:effectRef>
+          <a:fontRef idx="minor">
+            <a:schemeClr val="lt1"/>
+          </a:fontRef>
+        </p:style>
+        <p:txBody>
+          <a:bodyPr rtlCol="0" anchor="ctr"/>
+          <a:lstStyle/>
+          <a:p>
+            <a:pPr algn="ctr"/>
+            <a:r>
+              <a:rPr lang="en-US" sz="1400" dirty="0" err="1" smtClean="0"/>
+              <a:t>create_BEAST_input.py</a:t>
+            </a:r>
+            <a:endParaRPr lang="en-US" sz="1400" dirty="0"/>
+          </a:p>
+        </p:txBody>
+      </p:sp>
+      <p:cxnSp>
+        <p:nvCxnSpPr>
+          <p:cNvPr id="54" name="Elbow Connector 53"/>
+          <p:cNvCxnSpPr>
+            <a:stCxn id="53" idx="4"/>
+            <a:endCxn id="55" idx="0"/>
+          </p:cNvCxnSpPr>
+          <p:nvPr/>
+        </p:nvCxnSpPr>
+        <p:spPr>
+          <a:xfrm rot="16200000" flipH="1">
+            <a:off x="3255937" y="4123234"/>
+            <a:ext cx="158544" cy="339982"/>
           </a:xfrm>
           <a:prstGeom prst="bentConnector3">
             <a:avLst>
@@ -13915,14 +14837,14 @@
       </p:cxnSp>
       <p:sp>
         <p:nvSpPr>
-          <p:cNvPr id="48" name="TextBox 47"/>
+          <p:cNvPr id="55" name="TextBox 54"/>
           <p:cNvSpPr txBox="1"/>
           <p:nvPr/>
         </p:nvSpPr>
         <p:spPr>
           <a:xfrm>
-            <a:off x="3603566" y="3344739"/>
-            <a:ext cx="2274975" cy="369332"/>
+            <a:off x="2819400" y="4372497"/>
+            <a:ext cx="1371599" cy="369332"/>
           </a:xfrm>
           <a:prstGeom prst="rect">
             <a:avLst/>
@@ -13938,11 +14860,11 @@
             <a:pPr algn="ctr"/>
             <a:r>
               <a:rPr lang="en-US" dirty="0" err="1" smtClean="0"/>
-              <a:t>BAF_joint_vals</a:t>
+              <a:t>BEAST_</a:t>
             </a:r>
             <a:r>
               <a:rPr lang="en-US" i="1" dirty="0" err="1" smtClean="0"/>
-              <a:t>_tag</a:t>
+              <a:t>tag</a:t>
             </a:r>
             <a:r>
               <a:rPr lang="en-US" dirty="0" smtClean="0"/>
@@ -13952,136 +14874,19 @@
           </a:p>
         </p:txBody>
       </p:sp>
-      <p:sp>
-        <p:nvSpPr>
-          <p:cNvPr id="49" name="Oval 48"/>
-          <p:cNvSpPr/>
-          <p:nvPr/>
-        </p:nvSpPr>
-        <p:spPr>
-          <a:xfrm>
-            <a:off x="4129308" y="562755"/>
-            <a:ext cx="4779877" cy="468868"/>
-          </a:xfrm>
-          <a:prstGeom prst="ellipse">
-            <a:avLst/>
-          </a:prstGeom>
-        </p:spPr>
-        <p:style>
-          <a:lnRef idx="1">
-            <a:schemeClr val="accent1"/>
-          </a:lnRef>
-          <a:fillRef idx="3">
-            <a:schemeClr val="accent1"/>
-          </a:fillRef>
-          <a:effectRef idx="2">
-            <a:schemeClr val="accent1"/>
-          </a:effectRef>
-          <a:fontRef idx="minor">
-            <a:schemeClr val="lt1"/>
-          </a:fontRef>
-        </p:style>
-        <p:txBody>
-          <a:bodyPr rtlCol="0" anchor="ctr"/>
-          <a:lstStyle/>
-          <a:p>
-            <a:pPr algn="ctr"/>
-            <a:r>
-              <a:rPr lang="en-US" sz="1400" dirty="0" err="1" smtClean="0"/>
-              <a:t>create_ploidy_estimates_from_pASCAT.py</a:t>
-            </a:r>
-            <a:endParaRPr lang="en-US" sz="1400" dirty="0" smtClean="0"/>
-          </a:p>
-        </p:txBody>
-      </p:sp>
-      <p:cxnSp>
-        <p:nvCxnSpPr>
-          <p:cNvPr id="50" name="Elbow Connector 49"/>
-          <p:cNvCxnSpPr>
-            <a:stCxn id="49" idx="0"/>
-            <a:endCxn id="2" idx="3"/>
-          </p:cNvCxnSpPr>
-          <p:nvPr/>
-        </p:nvCxnSpPr>
-        <p:spPr>
-          <a:xfrm rot="16200000" flipV="1">
-            <a:off x="4808982" y="-1147510"/>
-            <a:ext cx="184665" cy="3235866"/>
-          </a:xfrm>
-          <a:prstGeom prst="bentConnector2">
-            <a:avLst/>
-          </a:prstGeom>
-        </p:spPr>
-        <p:style>
-          <a:lnRef idx="2">
-            <a:schemeClr val="accent1"/>
-          </a:lnRef>
-          <a:fillRef idx="0">
-            <a:schemeClr val="accent1"/>
-          </a:fillRef>
-          <a:effectRef idx="1">
-            <a:schemeClr val="accent1"/>
-          </a:effectRef>
-          <a:fontRef idx="minor">
-            <a:schemeClr val="tx1"/>
-          </a:fontRef>
-        </p:style>
-      </p:cxnSp>
-      <p:sp>
-        <p:nvSpPr>
-          <p:cNvPr id="60" name="Oval 59"/>
-          <p:cNvSpPr/>
-          <p:nvPr/>
-        </p:nvSpPr>
-        <p:spPr>
-          <a:xfrm>
-            <a:off x="4209510" y="2397865"/>
-            <a:ext cx="2618154" cy="468868"/>
-          </a:xfrm>
-          <a:prstGeom prst="ellipse">
-            <a:avLst/>
-          </a:prstGeom>
-        </p:spPr>
-        <p:style>
-          <a:lnRef idx="1">
-            <a:schemeClr val="accent1"/>
-          </a:lnRef>
-          <a:fillRef idx="3">
-            <a:schemeClr val="accent1"/>
-          </a:fillRef>
-          <a:effectRef idx="2">
-            <a:schemeClr val="accent1"/>
-          </a:effectRef>
-          <a:fontRef idx="minor">
-            <a:schemeClr val="lt1"/>
-          </a:fontRef>
-        </p:style>
-        <p:txBody>
-          <a:bodyPr rtlCol="0" anchor="ctr"/>
-          <a:lstStyle/>
-          <a:p>
-            <a:pPr algn="ctr"/>
-            <a:r>
-              <a:rPr lang="en-US" sz="1400" dirty="0" err="1" smtClean="0"/>
-              <a:t>process_joint_BAFs.py</a:t>
-            </a:r>
-            <a:endParaRPr lang="en-US" sz="1400" dirty="0"/>
-          </a:p>
-        </p:txBody>
-      </p:sp>
-      <p:cxnSp>
-        <p:nvCxnSpPr>
-          <p:cNvPr id="93" name="Elbow Connector 92"/>
-          <p:cNvCxnSpPr>
-            <a:stCxn id="89" idx="0"/>
-            <a:endCxn id="49" idx="4"/>
-          </p:cNvCxnSpPr>
-          <p:nvPr/>
-        </p:nvCxnSpPr>
-        <p:spPr>
-          <a:xfrm rot="16200000" flipV="1">
-            <a:off x="6737998" y="812873"/>
-            <a:ext cx="384811" cy="822312"/>
+      <p:cxnSp>
+        <p:nvCxnSpPr>
+          <p:cNvPr id="56" name="Elbow Connector 55"/>
+          <p:cNvCxnSpPr>
+            <a:stCxn id="49" idx="2"/>
+            <a:endCxn id="53" idx="0"/>
+          </p:cNvCxnSpPr>
+          <p:nvPr/>
+        </p:nvCxnSpPr>
+        <p:spPr>
+          <a:xfrm rot="5400000">
+            <a:off x="3271107" y="3498072"/>
+            <a:ext cx="141125" cy="352901"/>
           </a:xfrm>
           <a:prstGeom prst="bentConnector3">
             <a:avLst>
@@ -14106,14 +14911,14 @@
       </p:cxnSp>
       <p:sp>
         <p:nvSpPr>
-          <p:cNvPr id="97" name="Oval 96"/>
+          <p:cNvPr id="61" name="Oval 60"/>
           <p:cNvSpPr/>
           <p:nvPr/>
         </p:nvSpPr>
         <p:spPr>
           <a:xfrm>
-            <a:off x="7052884" y="3050440"/>
-            <a:ext cx="2120058" cy="468868"/>
+            <a:off x="284030" y="5023183"/>
+            <a:ext cx="3657142" cy="468868"/>
           </a:xfrm>
           <a:prstGeom prst="ellipse">
             <a:avLst/>
@@ -14140,25 +14945,25 @@
             <a:pPr algn="ctr"/>
             <a:r>
               <a:rPr lang="en-US" sz="1400" dirty="0" err="1" smtClean="0"/>
-              <a:t>calculate_odds.py</a:t>
-            </a:r>
-            <a:endParaRPr lang="en-US" sz="1400" dirty="0" smtClean="0"/>
-          </a:p>
-        </p:txBody>
-      </p:sp>
-      <p:cxnSp>
-        <p:nvCxnSpPr>
-          <p:cNvPr id="98" name="Elbow Connector 97"/>
-          <p:cNvCxnSpPr>
-            <a:stCxn id="97" idx="0"/>
-            <a:endCxn id="89" idx="2"/>
-          </p:cNvCxnSpPr>
-          <p:nvPr/>
-        </p:nvCxnSpPr>
-        <p:spPr>
-          <a:xfrm rot="16200000" flipV="1">
-            <a:off x="7094899" y="2032426"/>
-            <a:ext cx="1264674" cy="771354"/>
+              <a:t>distribute_BEAST.py</a:t>
+            </a:r>
+            <a:endParaRPr lang="en-US" sz="1400" dirty="0"/>
+          </a:p>
+        </p:txBody>
+      </p:sp>
+      <p:cxnSp>
+        <p:nvCxnSpPr>
+          <p:cNvPr id="62" name="Elbow Connector 61"/>
+          <p:cNvCxnSpPr>
+            <a:stCxn id="61" idx="4"/>
+            <a:endCxn id="63" idx="0"/>
+          </p:cNvCxnSpPr>
+          <p:nvPr/>
+        </p:nvCxnSpPr>
+        <p:spPr>
+          <a:xfrm rot="16200000" flipH="1">
+            <a:off x="2108679" y="5495972"/>
+            <a:ext cx="189595" cy="181751"/>
           </a:xfrm>
           <a:prstGeom prst="bentConnector3">
             <a:avLst>
@@ -14181,19 +14986,217 @@
           </a:fontRef>
         </p:style>
       </p:cxnSp>
-      <p:cxnSp>
-        <p:nvCxnSpPr>
-          <p:cNvPr id="102" name="Elbow Connector 101"/>
-          <p:cNvCxnSpPr>
-            <a:stCxn id="109" idx="3"/>
-            <a:endCxn id="97" idx="4"/>
-          </p:cNvCxnSpPr>
-          <p:nvPr/>
-        </p:nvCxnSpPr>
-        <p:spPr>
-          <a:xfrm flipV="1">
-            <a:off x="6827664" y="3519308"/>
-            <a:ext cx="1285249" cy="1225124"/>
+      <p:sp>
+        <p:nvSpPr>
+          <p:cNvPr id="63" name="TextBox 62"/>
+          <p:cNvSpPr txBox="1"/>
+          <p:nvPr/>
+        </p:nvSpPr>
+        <p:spPr>
+          <a:xfrm>
+            <a:off x="475572" y="5681646"/>
+            <a:ext cx="3637559" cy="369332"/>
+          </a:xfrm>
+          <a:prstGeom prst="rect">
+            <a:avLst/>
+          </a:prstGeom>
+          <a:noFill/>
+        </p:spPr>
+        <p:txBody>
+          <a:bodyPr wrap="square" rtlCol="0">
+            <a:spAutoFit/>
+          </a:bodyPr>
+          <a:lstStyle/>
+          <a:p>
+            <a:pPr algn="ctr"/>
+            <a:r>
+              <a:rPr lang="en-US" dirty="0" err="1" smtClean="0"/>
+              <a:t>BEAST_allcombos_</a:t>
+            </a:r>
+            <a:r>
+              <a:rPr lang="en-US" i="1" dirty="0" err="1" smtClean="0"/>
+              <a:t>tag_</a:t>
+            </a:r>
+            <a:r>
+              <a:rPr lang="en-US" dirty="0" err="1" smtClean="0"/>
+              <a:t>joined_best</a:t>
+            </a:r>
+            <a:r>
+              <a:rPr lang="en-US" dirty="0" smtClean="0"/>
+              <a:t>/</a:t>
+            </a:r>
+            <a:endParaRPr lang="en-US" dirty="0"/>
+          </a:p>
+        </p:txBody>
+      </p:sp>
+      <p:cxnSp>
+        <p:nvCxnSpPr>
+          <p:cNvPr id="64" name="Elbow Connector 63"/>
+          <p:cNvCxnSpPr>
+            <a:stCxn id="55" idx="2"/>
+            <a:endCxn id="61" idx="0"/>
+          </p:cNvCxnSpPr>
+          <p:nvPr/>
+        </p:nvCxnSpPr>
+        <p:spPr>
+          <a:xfrm rot="5400000">
+            <a:off x="2668224" y="4186207"/>
+            <a:ext cx="281354" cy="1392599"/>
+          </a:xfrm>
+          <a:prstGeom prst="bentConnector3">
+            <a:avLst>
+              <a:gd name="adj1" fmla="val 50000"/>
+            </a:avLst>
+          </a:prstGeom>
+        </p:spPr>
+        <p:style>
+          <a:lnRef idx="2">
+            <a:schemeClr val="accent1"/>
+          </a:lnRef>
+          <a:fillRef idx="0">
+            <a:schemeClr val="accent1"/>
+          </a:fillRef>
+          <a:effectRef idx="1">
+            <a:schemeClr val="accent1"/>
+          </a:effectRef>
+          <a:fontRef idx="minor">
+            <a:schemeClr val="tx1"/>
+          </a:fontRef>
+        </p:style>
+      </p:cxnSp>
+      <p:sp>
+        <p:nvSpPr>
+          <p:cNvPr id="80" name="Oval 79"/>
+          <p:cNvSpPr/>
+          <p:nvPr/>
+        </p:nvSpPr>
+        <p:spPr>
+          <a:xfrm>
+            <a:off x="4629605" y="4835331"/>
+            <a:ext cx="3657142" cy="468868"/>
+          </a:xfrm>
+          <a:prstGeom prst="ellipse">
+            <a:avLst/>
+          </a:prstGeom>
+        </p:spPr>
+        <p:style>
+          <a:lnRef idx="1">
+            <a:schemeClr val="accent1"/>
+          </a:lnRef>
+          <a:fillRef idx="3">
+            <a:schemeClr val="accent1"/>
+          </a:fillRef>
+          <a:effectRef idx="2">
+            <a:schemeClr val="accent1"/>
+          </a:effectRef>
+          <a:fontRef idx="minor">
+            <a:schemeClr val="lt1"/>
+          </a:fontRef>
+        </p:style>
+        <p:txBody>
+          <a:bodyPr rtlCol="0" anchor="ctr"/>
+          <a:lstStyle/>
+          <a:p>
+            <a:pPr algn="ctr"/>
+            <a:r>
+              <a:rPr lang="en-US" sz="1400" dirty="0" err="1" smtClean="0"/>
+              <a:t>create_delgains_from_BEAST.py</a:t>
+            </a:r>
+            <a:endParaRPr lang="en-US" sz="1400" dirty="0"/>
+          </a:p>
+        </p:txBody>
+      </p:sp>
+      <p:cxnSp>
+        <p:nvCxnSpPr>
+          <p:cNvPr id="81" name="Elbow Connector 80"/>
+          <p:cNvCxnSpPr>
+            <a:stCxn id="80" idx="4"/>
+            <a:endCxn id="82" idx="0"/>
+          </p:cNvCxnSpPr>
+          <p:nvPr/>
+        </p:nvCxnSpPr>
+        <p:spPr>
+          <a:xfrm rot="16200000" flipH="1">
+            <a:off x="6569410" y="5192965"/>
+            <a:ext cx="187852" cy="410320"/>
+          </a:xfrm>
+          <a:prstGeom prst="bentConnector3">
+            <a:avLst>
+              <a:gd name="adj1" fmla="val 50000"/>
+            </a:avLst>
+          </a:prstGeom>
+        </p:spPr>
+        <p:style>
+          <a:lnRef idx="2">
+            <a:schemeClr val="accent1"/>
+          </a:lnRef>
+          <a:fillRef idx="0">
+            <a:schemeClr val="accent1"/>
+          </a:fillRef>
+          <a:effectRef idx="1">
+            <a:schemeClr val="accent1"/>
+          </a:effectRef>
+          <a:fontRef idx="minor">
+            <a:schemeClr val="tx1"/>
+          </a:fontRef>
+        </p:style>
+      </p:cxnSp>
+      <p:sp>
+        <p:nvSpPr>
+          <p:cNvPr id="82" name="TextBox 81"/>
+          <p:cNvSpPr txBox="1"/>
+          <p:nvPr/>
+        </p:nvSpPr>
+        <p:spPr>
+          <a:xfrm>
+            <a:off x="4993789" y="5492051"/>
+            <a:ext cx="3749413" cy="369332"/>
+          </a:xfrm>
+          <a:prstGeom prst="rect">
+            <a:avLst/>
+          </a:prstGeom>
+          <a:noFill/>
+        </p:spPr>
+        <p:txBody>
+          <a:bodyPr wrap="square" rtlCol="0">
+            <a:spAutoFit/>
+          </a:bodyPr>
+          <a:lstStyle/>
+          <a:p>
+            <a:pPr algn="ctr"/>
+            <a:r>
+              <a:rPr lang="en-US" dirty="0" err="1" smtClean="0"/>
+              <a:t>joint_delsandgains_</a:t>
+            </a:r>
+            <a:r>
+              <a:rPr lang="en-US" i="1" dirty="0" err="1" smtClean="0"/>
+              <a:t>tag_</a:t>
+            </a:r>
+            <a:r>
+              <a:rPr lang="en-US" dirty="0" err="1" smtClean="0"/>
+              <a:t>joined_best</a:t>
+            </a:r>
+            <a:r>
+              <a:rPr lang="en-US" dirty="0" smtClean="0"/>
+              <a:t>/</a:t>
+            </a:r>
+            <a:endParaRPr lang="en-US" dirty="0"/>
+          </a:p>
+        </p:txBody>
+      </p:sp>
+      <p:cxnSp>
+        <p:nvCxnSpPr>
+          <p:cNvPr id="83" name="Elbow Connector 82"/>
+          <p:cNvCxnSpPr>
+            <a:stCxn id="55" idx="3"/>
+            <a:endCxn id="80" idx="0"/>
+          </p:cNvCxnSpPr>
+          <p:nvPr/>
+        </p:nvCxnSpPr>
+        <p:spPr>
+          <a:xfrm>
+            <a:off x="4190999" y="4557163"/>
+            <a:ext cx="2267177" cy="278168"/>
           </a:xfrm>
           <a:prstGeom prst="bentConnector2">
             <a:avLst/>
@@ -14214,16 +15217,51 @@
           </a:fontRef>
         </p:style>
       </p:cxnSp>
-      <p:sp>
-        <p:nvSpPr>
-          <p:cNvPr id="40" name="TextBox 39"/>
+      <p:cxnSp>
+        <p:nvCxnSpPr>
+          <p:cNvPr id="31" name="Elbow Connector 30"/>
+          <p:cNvCxnSpPr>
+            <a:stCxn id="2" idx="2"/>
+            <a:endCxn id="4" idx="0"/>
+          </p:cNvCxnSpPr>
+          <p:nvPr/>
+        </p:nvCxnSpPr>
+        <p:spPr>
+          <a:xfrm rot="5400000">
+            <a:off x="3217770" y="-870825"/>
+            <a:ext cx="1084047" cy="3672006"/>
+          </a:xfrm>
+          <a:prstGeom prst="bentConnector3">
+            <a:avLst>
+              <a:gd name="adj1" fmla="val 50000"/>
+            </a:avLst>
+          </a:prstGeom>
+        </p:spPr>
+        <p:style>
+          <a:lnRef idx="2">
+            <a:schemeClr val="accent1"/>
+          </a:lnRef>
+          <a:fillRef idx="0">
+            <a:schemeClr val="accent1"/>
+          </a:fillRef>
+          <a:effectRef idx="1">
+            <a:schemeClr val="accent1"/>
+          </a:effectRef>
+          <a:fontRef idx="minor">
+            <a:schemeClr val="tx1"/>
+          </a:fontRef>
+        </p:style>
+      </p:cxnSp>
+      <p:sp>
+        <p:nvSpPr>
+          <p:cNvPr id="34" name="TextBox 33"/>
           <p:cNvSpPr txBox="1"/>
           <p:nvPr/>
         </p:nvSpPr>
         <p:spPr>
           <a:xfrm>
-            <a:off x="325385" y="1594761"/>
-            <a:ext cx="4704753" cy="369332"/>
+            <a:off x="95219" y="165525"/>
+            <a:ext cx="3804881" cy="369332"/>
           </a:xfrm>
           <a:prstGeom prst="rect">
             <a:avLst/>
@@ -14242,56 +15280,7 @@
                 <a:latin typeface="Courier New"/>
                 <a:cs typeface="Courier New"/>
               </a:rPr>
-              <a:t>joint_seg_</a:t>
-            </a:r>
-            <a:r>
-              <a:rPr lang="en-US" i="1" dirty="0" err="1" smtClean="0">
-                <a:latin typeface="Courier New"/>
-                <a:cs typeface="Courier New"/>
-              </a:rPr>
-              <a:t>tag</a:t>
-            </a:r>
-            <a:r>
-              <a:rPr lang="en-US" i="1" dirty="0" smtClean="0">
-                <a:latin typeface="Courier New"/>
-                <a:cs typeface="Courier New"/>
-              </a:rPr>
-              <a:t>_</a:t>
-            </a:r>
-            <a:r>
-              <a:rPr lang="en-US" dirty="0" smtClean="0">
-                <a:latin typeface="Courier New"/>
-                <a:cs typeface="Courier New"/>
-              </a:rPr>
-              <a:t>[</a:t>
-            </a:r>
-            <a:r>
-              <a:rPr lang="en-US" dirty="0" err="1" smtClean="0">
-                <a:latin typeface="Courier New"/>
-                <a:cs typeface="Courier New"/>
-              </a:rPr>
-              <a:t>uncon</a:t>
-            </a:r>
-            <a:r>
-              <a:rPr lang="en-US" dirty="0" smtClean="0">
-                <a:latin typeface="Courier New"/>
-                <a:cs typeface="Courier New"/>
-              </a:rPr>
-              <a:t>/dip/</a:t>
-            </a:r>
-            <a:r>
-              <a:rPr lang="en-US" dirty="0" err="1" smtClean="0">
-                <a:latin typeface="Courier New"/>
-                <a:cs typeface="Courier New"/>
-              </a:rPr>
-              <a:t>tet</a:t>
-            </a:r>
-            <a:r>
-              <a:rPr lang="en-US" dirty="0" smtClean="0">
-                <a:latin typeface="Courier New"/>
-                <a:cs typeface="Courier New"/>
-              </a:rPr>
-              <a:t>].txt</a:t>
+              <a:t>calling_evidence_odds.tsv</a:t>
             </a:r>
             <a:endParaRPr lang="en-US" dirty="0">
               <a:latin typeface="Courier New"/>
@@ -14300,243 +15289,24 @@
           </a:p>
         </p:txBody>
       </p:sp>
-      <p:sp>
-        <p:nvSpPr>
-          <p:cNvPr id="89" name="TextBox 88"/>
-          <p:cNvSpPr txBox="1"/>
-          <p:nvPr/>
-        </p:nvSpPr>
-        <p:spPr>
-          <a:xfrm>
-            <a:off x="5773932" y="1416434"/>
-            <a:ext cx="3135253" cy="369332"/>
-          </a:xfrm>
-          <a:prstGeom prst="rect">
-            <a:avLst/>
-          </a:prstGeom>
-          <a:noFill/>
-        </p:spPr>
-        <p:txBody>
-          <a:bodyPr wrap="square" rtlCol="0">
-            <a:spAutoFit/>
-          </a:bodyPr>
-          <a:lstStyle/>
-          <a:p>
-            <a:pPr algn="ctr"/>
-            <a:r>
-              <a:rPr lang="en-US" dirty="0" err="1" smtClean="0">
-                <a:latin typeface="Courier New"/>
-                <a:cs typeface="Courier New"/>
-              </a:rPr>
-              <a:t>joint_summary_</a:t>
-            </a:r>
-            <a:r>
-              <a:rPr lang="en-US" i="1" dirty="0" err="1" smtClean="0">
-                <a:latin typeface="Courier New"/>
-                <a:cs typeface="Courier New"/>
-              </a:rPr>
-              <a:t>tag</a:t>
-            </a:r>
-            <a:r>
-              <a:rPr lang="en-US" dirty="0" err="1" smtClean="0">
-                <a:latin typeface="Courier New"/>
-                <a:cs typeface="Courier New"/>
-              </a:rPr>
-              <a:t>.txt</a:t>
-            </a:r>
-            <a:endParaRPr lang="en-US" dirty="0">
-              <a:latin typeface="Courier New"/>
-              <a:cs typeface="Courier New"/>
-            </a:endParaRPr>
-          </a:p>
-        </p:txBody>
-      </p:sp>
-      <p:sp>
-        <p:nvSpPr>
-          <p:cNvPr id="109" name="TextBox 108"/>
-          <p:cNvSpPr txBox="1"/>
-          <p:nvPr/>
-        </p:nvSpPr>
-        <p:spPr>
-          <a:xfrm>
-            <a:off x="2954656" y="4559766"/>
-            <a:ext cx="3873008" cy="369332"/>
-          </a:xfrm>
-          <a:prstGeom prst="rect">
-            <a:avLst/>
-          </a:prstGeom>
-          <a:noFill/>
-        </p:spPr>
-        <p:txBody>
-          <a:bodyPr wrap="square" rtlCol="0">
-            <a:spAutoFit/>
-          </a:bodyPr>
-          <a:lstStyle/>
-          <a:p>
-            <a:pPr algn="ctr"/>
-            <a:r>
-              <a:rPr lang="en-US" dirty="0" err="1" smtClean="0">
-                <a:latin typeface="Courier New"/>
-                <a:cs typeface="Courier New"/>
-              </a:rPr>
-              <a:t>joint_summary_</a:t>
-            </a:r>
-            <a:r>
-              <a:rPr lang="en-US" i="1" dirty="0" err="1" smtClean="0">
-                <a:latin typeface="Courier New"/>
-                <a:cs typeface="Courier New"/>
-              </a:rPr>
-              <a:t>tag_</a:t>
-            </a:r>
-            <a:r>
-              <a:rPr lang="en-US" dirty="0" err="1" smtClean="0">
-                <a:latin typeface="Courier New"/>
-                <a:cs typeface="Courier New"/>
-              </a:rPr>
-              <a:t>odds.txt</a:t>
-            </a:r>
-            <a:endParaRPr lang="en-US" dirty="0">
-              <a:latin typeface="Courier New"/>
-              <a:cs typeface="Courier New"/>
-            </a:endParaRPr>
-          </a:p>
-        </p:txBody>
-      </p:sp>
-      <p:cxnSp>
-        <p:nvCxnSpPr>
-          <p:cNvPr id="29" name="Elbow Connector 28"/>
-          <p:cNvCxnSpPr>
-            <a:stCxn id="30" idx="3"/>
-            <a:endCxn id="97" idx="4"/>
-          </p:cNvCxnSpPr>
-          <p:nvPr/>
-        </p:nvCxnSpPr>
-        <p:spPr>
-          <a:xfrm flipV="1">
-            <a:off x="6449362" y="3519308"/>
-            <a:ext cx="1663551" cy="2122381"/>
-          </a:xfrm>
-          <a:prstGeom prst="bentConnector2">
-            <a:avLst/>
-          </a:prstGeom>
-        </p:spPr>
-        <p:style>
-          <a:lnRef idx="2">
-            <a:schemeClr val="accent1"/>
-          </a:lnRef>
-          <a:fillRef idx="0">
-            <a:schemeClr val="accent1"/>
-          </a:fillRef>
-          <a:effectRef idx="1">
-            <a:schemeClr val="accent1"/>
-          </a:effectRef>
-          <a:fontRef idx="minor">
-            <a:schemeClr val="tx1"/>
-          </a:fontRef>
-        </p:style>
-      </p:cxnSp>
-      <p:sp>
-        <p:nvSpPr>
-          <p:cNvPr id="30" name="TextBox 29"/>
-          <p:cNvSpPr txBox="1"/>
-          <p:nvPr/>
-        </p:nvSpPr>
-        <p:spPr>
-          <a:xfrm>
-            <a:off x="3100948" y="5457023"/>
-            <a:ext cx="3348414" cy="369332"/>
-          </a:xfrm>
-          <a:prstGeom prst="rect">
-            <a:avLst/>
-          </a:prstGeom>
-          <a:noFill/>
-        </p:spPr>
-        <p:txBody>
-          <a:bodyPr wrap="square" rtlCol="0">
-            <a:spAutoFit/>
-          </a:bodyPr>
-          <a:lstStyle/>
-          <a:p>
-            <a:pPr algn="ctr"/>
-            <a:r>
-              <a:rPr lang="en-US" dirty="0" err="1" smtClean="0"/>
-              <a:t>BAF_joint_vals</a:t>
-            </a:r>
-            <a:r>
-              <a:rPr lang="en-US" i="1" dirty="0" err="1" smtClean="0"/>
-              <a:t>_tag_</a:t>
-            </a:r>
-            <a:r>
-              <a:rPr lang="en-US" dirty="0" err="1" smtClean="0"/>
-              <a:t>joined_best</a:t>
-            </a:r>
-            <a:r>
-              <a:rPr lang="en-US" dirty="0" smtClean="0"/>
-              <a:t>/</a:t>
-            </a:r>
-            <a:endParaRPr lang="en-US" dirty="0"/>
-          </a:p>
-        </p:txBody>
-      </p:sp>
-      <p:sp>
-        <p:nvSpPr>
-          <p:cNvPr id="41" name="TextBox 40"/>
-          <p:cNvSpPr txBox="1"/>
-          <p:nvPr/>
-        </p:nvSpPr>
-        <p:spPr>
-          <a:xfrm>
-            <a:off x="3141306" y="5119410"/>
-            <a:ext cx="3308056" cy="369332"/>
-          </a:xfrm>
-          <a:prstGeom prst="rect">
-            <a:avLst/>
-          </a:prstGeom>
-          <a:noFill/>
-        </p:spPr>
-        <p:txBody>
-          <a:bodyPr wrap="square" rtlCol="0">
-            <a:spAutoFit/>
-          </a:bodyPr>
-          <a:lstStyle/>
-          <a:p>
-            <a:pPr algn="ctr"/>
-            <a:r>
-              <a:rPr lang="en-US" dirty="0" err="1" smtClean="0"/>
-              <a:t>CN_joint_vals</a:t>
-            </a:r>
-            <a:r>
-              <a:rPr lang="en-US" i="1" dirty="0" err="1" smtClean="0"/>
-              <a:t>_tag_</a:t>
-            </a:r>
-            <a:r>
-              <a:rPr lang="en-US" dirty="0" err="1" smtClean="0"/>
-              <a:t>joined_best</a:t>
-            </a:r>
-            <a:r>
-              <a:rPr lang="en-US" dirty="0" smtClean="0"/>
-              <a:t>/</a:t>
-            </a:r>
-            <a:endParaRPr lang="en-US" dirty="0"/>
-          </a:p>
-        </p:txBody>
-      </p:sp>
-      <p:cxnSp>
-        <p:nvCxnSpPr>
-          <p:cNvPr id="42" name="Elbow Connector 41"/>
-          <p:cNvCxnSpPr>
-            <a:stCxn id="41" idx="3"/>
-            <a:endCxn id="97" idx="4"/>
-          </p:cNvCxnSpPr>
-          <p:nvPr/>
-        </p:nvCxnSpPr>
-        <p:spPr>
-          <a:xfrm flipV="1">
-            <a:off x="6449362" y="3519308"/>
-            <a:ext cx="1663551" cy="1784768"/>
-          </a:xfrm>
-          <a:prstGeom prst="bentConnector2">
-            <a:avLst/>
+      <p:cxnSp>
+        <p:nvCxnSpPr>
+          <p:cNvPr id="35" name="Elbow Connector 34"/>
+          <p:cNvCxnSpPr>
+            <a:stCxn id="34" idx="2"/>
+            <a:endCxn id="4" idx="0"/>
+          </p:cNvCxnSpPr>
+          <p:nvPr/>
+        </p:nvCxnSpPr>
+        <p:spPr>
+          <a:xfrm rot="5400000">
+            <a:off x="1474553" y="984094"/>
+            <a:ext cx="972345" cy="73870"/>
+          </a:xfrm>
+          <a:prstGeom prst="bentConnector3">
+            <a:avLst>
+              <a:gd name="adj1" fmla="val 50000"/>
+            </a:avLst>
           </a:prstGeom>
         </p:spPr>
         <p:style>
@@ -14557,7 +15327,7 @@
     </p:spTree>
     <p:extLst>
       <p:ext uri="{BB962C8B-B14F-4D97-AF65-F5344CB8AC3E}">
-        <p14:creationId xmlns:p14="http://schemas.microsoft.com/office/powerpoint/2010/main" val="2054950170"/>
+        <p14:creationId xmlns:p14="http://schemas.microsoft.com/office/powerpoint/2010/main" val="1955403478"/>
       </p:ext>
     </p:extLst>
   </p:cSld>
@@ -14592,8 +15362,8 @@
         </p:nvSpPr>
         <p:spPr>
           <a:xfrm>
-            <a:off x="3921589" y="53823"/>
-            <a:ext cx="3348414" cy="369332"/>
+            <a:off x="3031555" y="1908402"/>
+            <a:ext cx="2213149" cy="369332"/>
           </a:xfrm>
           <a:prstGeom prst="rect">
             <a:avLst/>
@@ -14608,20 +15378,8 @@
           <a:p>
             <a:pPr algn="ctr"/>
             <a:r>
-              <a:rPr lang="en-US" dirty="0" err="1" smtClean="0"/>
-              <a:t>BAF_joint_vals</a:t>
-            </a:r>
-            <a:r>
-              <a:rPr lang="en-US" i="1" dirty="0" err="1" smtClean="0"/>
-              <a:t>_tag_</a:t>
-            </a:r>
-            <a:r>
-              <a:rPr lang="en-US" dirty="0" err="1" smtClean="0"/>
-              <a:t>joined_best</a:t>
-            </a:r>
-            <a:r>
               <a:rPr lang="en-US" dirty="0" smtClean="0"/>
-              <a:t>/</a:t>
+              <a:t>CN_joint_log2rs_vXX/</a:t>
             </a:r>
             <a:endParaRPr lang="en-US" dirty="0"/>
           </a:p>
@@ -14629,57 +15387,14 @@
       </p:sp>
       <p:sp>
         <p:nvSpPr>
-          <p:cNvPr id="3" name="TextBox 2"/>
-          <p:cNvSpPr txBox="1"/>
-          <p:nvPr/>
-        </p:nvSpPr>
-        <p:spPr>
-          <a:xfrm>
-            <a:off x="445024" y="53823"/>
-            <a:ext cx="3308056" cy="369332"/>
-          </a:xfrm>
-          <a:prstGeom prst="rect">
-            <a:avLst/>
-          </a:prstGeom>
-          <a:noFill/>
-        </p:spPr>
-        <p:txBody>
-          <a:bodyPr wrap="square" rtlCol="0">
-            <a:spAutoFit/>
-          </a:bodyPr>
-          <a:lstStyle/>
-          <a:p>
-            <a:pPr algn="ctr"/>
-            <a:r>
-              <a:rPr lang="en-US" dirty="0" err="1" smtClean="0"/>
-              <a:t>CN_joint_vals</a:t>
-            </a:r>
-            <a:r>
-              <a:rPr lang="en-US" i="1" dirty="0" err="1" smtClean="0"/>
-              <a:t>_tag_</a:t>
-            </a:r>
-            <a:r>
-              <a:rPr lang="en-US" dirty="0" err="1" smtClean="0"/>
-              <a:t>joined_best</a:t>
-            </a:r>
-            <a:r>
-              <a:rPr lang="en-US" dirty="0" smtClean="0"/>
-              <a:t>/</a:t>
-            </a:r>
-            <a:endParaRPr lang="en-US" dirty="0"/>
-          </a:p>
-        </p:txBody>
-      </p:sp>
-      <p:sp>
-        <p:nvSpPr>
-          <p:cNvPr id="4" name="Oval 3"/>
+          <p:cNvPr id="3" name="Oval 2"/>
           <p:cNvSpPr/>
           <p:nvPr/>
         </p:nvSpPr>
         <p:spPr>
           <a:xfrm>
-            <a:off x="95219" y="1507202"/>
-            <a:ext cx="3657142" cy="468868"/>
+            <a:off x="407452" y="4559129"/>
+            <a:ext cx="3591927" cy="468868"/>
           </a:xfrm>
           <a:prstGeom prst="ellipse">
             <a:avLst/>
@@ -14708,23 +15423,56 @@
               <a:rPr lang="en-US" sz="1400" dirty="0" err="1" smtClean="0"/>
               <a:t>synthesize_joint_segments.py</a:t>
             </a:r>
-            <a:endParaRPr lang="en-US" sz="1400" dirty="0"/>
-          </a:p>
-        </p:txBody>
-      </p:sp>
+            <a:endParaRPr lang="en-US" sz="1400" dirty="0" smtClean="0"/>
+          </a:p>
+        </p:txBody>
+      </p:sp>
+      <p:cxnSp>
+        <p:nvCxnSpPr>
+          <p:cNvPr id="4" name="Elbow Connector 3"/>
+          <p:cNvCxnSpPr>
+            <a:stCxn id="2" idx="2"/>
+            <a:endCxn id="45" idx="7"/>
+          </p:cNvCxnSpPr>
+          <p:nvPr/>
+        </p:nvCxnSpPr>
+        <p:spPr>
+          <a:xfrm rot="5400000">
+            <a:off x="3731182" y="2289960"/>
+            <a:ext cx="419174" cy="394723"/>
+          </a:xfrm>
+          <a:prstGeom prst="bentConnector3">
+            <a:avLst/>
+          </a:prstGeom>
+        </p:spPr>
+        <p:style>
+          <a:lnRef idx="2">
+            <a:schemeClr val="accent1"/>
+          </a:lnRef>
+          <a:fillRef idx="0">
+            <a:schemeClr val="accent1"/>
+          </a:fillRef>
+          <a:effectRef idx="1">
+            <a:schemeClr val="accent1"/>
+          </a:effectRef>
+          <a:fontRef idx="minor">
+            <a:schemeClr val="tx1"/>
+          </a:fontRef>
+        </p:style>
+      </p:cxnSp>
       <p:cxnSp>
         <p:nvCxnSpPr>
           <p:cNvPr id="5" name="Elbow Connector 4"/>
           <p:cNvCxnSpPr>
-            <a:stCxn id="3" idx="2"/>
-            <a:endCxn id="4" idx="0"/>
-          </p:cNvCxnSpPr>
-          <p:nvPr/>
-        </p:nvCxnSpPr>
-        <p:spPr>
-          <a:xfrm rot="5400000">
-            <a:off x="1469398" y="877547"/>
-            <a:ext cx="1084047" cy="175262"/>
+            <a:stCxn id="3" idx="4"/>
+            <a:endCxn id="6" idx="0"/>
+          </p:cNvCxnSpPr>
+          <p:nvPr/>
+        </p:nvCxnSpPr>
+        <p:spPr>
+          <a:xfrm rot="16200000" flipH="1">
+            <a:off x="2275408" y="4956005"/>
+            <a:ext cx="231046" cy="375030"/>
           </a:xfrm>
           <a:prstGeom prst="bentConnector3">
             <a:avLst>
@@ -14747,19 +15495,88 @@
           </a:fontRef>
         </p:style>
       </p:cxnSp>
-      <p:cxnSp>
-        <p:nvCxnSpPr>
-          <p:cNvPr id="6" name="Elbow Connector 5"/>
-          <p:cNvCxnSpPr>
-            <a:stCxn id="4" idx="4"/>
-            <a:endCxn id="7" idx="0"/>
+      <p:sp>
+        <p:nvSpPr>
+          <p:cNvPr id="6" name="TextBox 5"/>
+          <p:cNvSpPr txBox="1"/>
+          <p:nvPr/>
+        </p:nvSpPr>
+        <p:spPr>
+          <a:xfrm>
+            <a:off x="897531" y="5259043"/>
+            <a:ext cx="3361829" cy="369332"/>
+          </a:xfrm>
+          <a:prstGeom prst="rect">
+            <a:avLst/>
+          </a:prstGeom>
+          <a:noFill/>
+        </p:spPr>
+        <p:txBody>
+          <a:bodyPr wrap="square" rtlCol="0">
+            <a:spAutoFit/>
+          </a:bodyPr>
+          <a:lstStyle/>
+          <a:p>
+            <a:pPr algn="ctr"/>
+            <a:r>
+              <a:rPr lang="en-US" dirty="0" err="1"/>
+              <a:t>joint_processed_segmentation</a:t>
+            </a:r>
+            <a:r>
+              <a:rPr lang="en-US" dirty="0"/>
+              <a:t>/</a:t>
+            </a:r>
+          </a:p>
+        </p:txBody>
+      </p:sp>
+      <p:sp>
+        <p:nvSpPr>
+          <p:cNvPr id="11" name="TextBox 10"/>
+          <p:cNvSpPr txBox="1"/>
+          <p:nvPr/>
+        </p:nvSpPr>
+        <p:spPr>
+          <a:xfrm>
+            <a:off x="-66733" y="1833196"/>
+            <a:ext cx="2170993" cy="369332"/>
+          </a:xfrm>
+          <a:prstGeom prst="rect">
+            <a:avLst/>
+          </a:prstGeom>
+          <a:noFill/>
+        </p:spPr>
+        <p:txBody>
+          <a:bodyPr wrap="square" rtlCol="0">
+            <a:spAutoFit/>
+          </a:bodyPr>
+          <a:lstStyle/>
+          <a:p>
+            <a:pPr algn="ctr"/>
+            <a:r>
+              <a:rPr lang="en-US" dirty="0" err="1" smtClean="0"/>
+              <a:t>BAF_joint_vals_vXX</a:t>
+            </a:r>
+            <a:r>
+              <a:rPr lang="en-US" dirty="0" smtClean="0"/>
+              <a:t>/</a:t>
+            </a:r>
+            <a:endParaRPr lang="en-US" dirty="0"/>
+          </a:p>
+        </p:txBody>
+      </p:sp>
+      <p:cxnSp>
+        <p:nvCxnSpPr>
+          <p:cNvPr id="12" name="Elbow Connector 11"/>
+          <p:cNvCxnSpPr>
+            <a:stCxn id="11" idx="2"/>
+            <a:endCxn id="45" idx="1"/>
           </p:cNvCxnSpPr>
           <p:nvPr/>
         </p:nvCxnSpPr>
         <p:spPr>
           <a:xfrm rot="16200000" flipH="1">
-            <a:off x="2379023" y="1520836"/>
-            <a:ext cx="119467" cy="1029933"/>
+            <a:off x="881642" y="2339650"/>
+            <a:ext cx="494380" cy="220136"/>
           </a:xfrm>
           <a:prstGeom prst="bentConnector3">
             <a:avLst>
@@ -14784,14 +15601,14 @@
       </p:cxnSp>
       <p:sp>
         <p:nvSpPr>
-          <p:cNvPr id="7" name="TextBox 6"/>
+          <p:cNvPr id="28" name="TextBox 27"/>
           <p:cNvSpPr txBox="1"/>
           <p:nvPr/>
         </p:nvSpPr>
         <p:spPr>
           <a:xfrm>
-            <a:off x="284030" y="2095537"/>
-            <a:ext cx="5339386" cy="369332"/>
+            <a:off x="5779101" y="3009649"/>
+            <a:ext cx="3148384" cy="369332"/>
           </a:xfrm>
           <a:prstGeom prst="rect">
             <a:avLst/>
@@ -14807,15 +15624,7 @@
             <a:pPr algn="ctr"/>
             <a:r>
               <a:rPr lang="en-US" dirty="0" err="1" smtClean="0"/>
-              <a:t>joint_processed_segmentation_</a:t>
-            </a:r>
-            <a:r>
-              <a:rPr lang="en-US" i="1" dirty="0" err="1" smtClean="0"/>
-              <a:t>tag_</a:t>
-            </a:r>
-            <a:r>
-              <a:rPr lang="en-US" dirty="0" err="1" smtClean="0"/>
-              <a:t>joined_best</a:t>
+              <a:t>segmentation_validation_vXX</a:t>
             </a:r>
             <a:r>
               <a:rPr lang="en-US" dirty="0" smtClean="0"/>
@@ -14827,17 +15636,17 @@
       </p:sp>
       <p:cxnSp>
         <p:nvCxnSpPr>
-          <p:cNvPr id="13" name="Elbow Connector 12"/>
-          <p:cNvCxnSpPr>
-            <a:stCxn id="2" idx="2"/>
-            <a:endCxn id="4" idx="0"/>
+          <p:cNvPr id="29" name="Elbow Connector 28"/>
+          <p:cNvCxnSpPr>
+            <a:stCxn id="28" idx="2"/>
+            <a:endCxn id="3" idx="0"/>
           </p:cNvCxnSpPr>
           <p:nvPr/>
         </p:nvCxnSpPr>
         <p:spPr>
           <a:xfrm rot="5400000">
-            <a:off x="3217770" y="-870825"/>
-            <a:ext cx="1084047" cy="3672006"/>
+            <a:off x="4188281" y="1394117"/>
+            <a:ext cx="1180148" cy="5149877"/>
           </a:xfrm>
           <a:prstGeom prst="bentConnector3">
             <a:avLst>
@@ -14862,14 +15671,48 @@
       </p:cxnSp>
       <p:sp>
         <p:nvSpPr>
-          <p:cNvPr id="20" name="Oval 19"/>
+          <p:cNvPr id="41" name="TextBox 40"/>
+          <p:cNvSpPr txBox="1"/>
+          <p:nvPr/>
+        </p:nvSpPr>
+        <p:spPr>
+          <a:xfrm>
+            <a:off x="181294" y="403206"/>
+            <a:ext cx="1880196" cy="369332"/>
+          </a:xfrm>
+          <a:prstGeom prst="rect">
+            <a:avLst/>
+          </a:prstGeom>
+          <a:noFill/>
+        </p:spPr>
+        <p:txBody>
+          <a:bodyPr wrap="square" rtlCol="0">
+            <a:spAutoFit/>
+          </a:bodyPr>
+          <a:lstStyle/>
+          <a:p>
+            <a:pPr algn="ctr"/>
+            <a:r>
+              <a:rPr lang="en-US" dirty="0" err="1"/>
+              <a:t>CN_filtered_data</a:t>
+            </a:r>
+            <a:r>
+              <a:rPr lang="en-US" dirty="0"/>
+              <a:t>/</a:t>
+            </a:r>
+          </a:p>
+        </p:txBody>
+      </p:sp>
+      <p:sp>
+        <p:nvSpPr>
+          <p:cNvPr id="42" name="Oval 41"/>
           <p:cNvSpPr/>
           <p:nvPr/>
         </p:nvSpPr>
         <p:spPr>
           <a:xfrm>
-            <a:off x="5796803" y="731216"/>
-            <a:ext cx="2946400" cy="468868"/>
+            <a:off x="290534" y="1045221"/>
+            <a:ext cx="3541907" cy="468868"/>
           </a:xfrm>
           <a:prstGeom prst="ellipse">
             <a:avLst/>
@@ -14896,25 +15739,25 @@
             <a:pPr algn="ctr"/>
             <a:r>
               <a:rPr lang="en-US" sz="1400" dirty="0" err="1" smtClean="0"/>
-              <a:t>validate_segmentation.py</a:t>
-            </a:r>
-            <a:endParaRPr lang="en-US" sz="1400" dirty="0"/>
-          </a:p>
-        </p:txBody>
-      </p:sp>
-      <p:cxnSp>
-        <p:nvCxnSpPr>
-          <p:cNvPr id="21" name="Elbow Connector 20"/>
-          <p:cNvCxnSpPr>
-            <a:stCxn id="20" idx="4"/>
-            <a:endCxn id="22" idx="0"/>
-          </p:cNvCxnSpPr>
-          <p:nvPr/>
-        </p:nvCxnSpPr>
-        <p:spPr>
-          <a:xfrm rot="5400000">
-            <a:off x="6395357" y="549274"/>
-            <a:ext cx="223836" cy="1525456"/>
+              <a:t>process_joint_segmentation.py</a:t>
+            </a:r>
+            <a:endParaRPr lang="en-US" sz="1400" dirty="0" smtClean="0"/>
+          </a:p>
+        </p:txBody>
+      </p:sp>
+      <p:cxnSp>
+        <p:nvCxnSpPr>
+          <p:cNvPr id="43" name="Elbow Connector 42"/>
+          <p:cNvCxnSpPr>
+            <a:stCxn id="42" idx="0"/>
+            <a:endCxn id="41" idx="2"/>
+          </p:cNvCxnSpPr>
+          <p:nvPr/>
+        </p:nvCxnSpPr>
+        <p:spPr>
+          <a:xfrm rot="16200000" flipV="1">
+            <a:off x="1455099" y="438832"/>
+            <a:ext cx="272683" cy="940096"/>
           </a:xfrm>
           <a:prstGeom prst="bentConnector3">
             <a:avLst>
@@ -14937,58 +15780,19 @@
           </a:fontRef>
         </p:style>
       </p:cxnSp>
-      <p:sp>
-        <p:nvSpPr>
-          <p:cNvPr id="22" name="TextBox 21"/>
-          <p:cNvSpPr txBox="1"/>
-          <p:nvPr/>
-        </p:nvSpPr>
-        <p:spPr>
-          <a:xfrm>
-            <a:off x="4219090" y="1423920"/>
-            <a:ext cx="3050913" cy="369332"/>
-          </a:xfrm>
-          <a:prstGeom prst="rect">
-            <a:avLst/>
-          </a:prstGeom>
-          <a:noFill/>
-        </p:spPr>
-        <p:txBody>
-          <a:bodyPr wrap="square" rtlCol="0">
-            <a:spAutoFit/>
-          </a:bodyPr>
-          <a:lstStyle/>
-          <a:p>
-            <a:pPr algn="ctr"/>
-            <a:r>
-              <a:rPr lang="en-US" dirty="0" err="1" smtClean="0"/>
-              <a:t>segmentation_validation_</a:t>
-            </a:r>
-            <a:r>
-              <a:rPr lang="en-US" i="1" dirty="0" err="1" smtClean="0"/>
-              <a:t>tag</a:t>
-            </a:r>
-            <a:r>
-              <a:rPr lang="en-US" dirty="0" smtClean="0"/>
-              <a:t>/</a:t>
-            </a:r>
-            <a:endParaRPr lang="en-US" dirty="0"/>
-          </a:p>
-        </p:txBody>
-      </p:sp>
-      <p:cxnSp>
-        <p:nvCxnSpPr>
-          <p:cNvPr id="29" name="Elbow Connector 28"/>
-          <p:cNvCxnSpPr>
-            <a:stCxn id="3" idx="2"/>
-            <a:endCxn id="20" idx="0"/>
+      <p:cxnSp>
+        <p:nvCxnSpPr>
+          <p:cNvPr id="44" name="Elbow Connector 43"/>
+          <p:cNvCxnSpPr>
+            <a:stCxn id="42" idx="4"/>
+            <a:endCxn id="2" idx="0"/>
           </p:cNvCxnSpPr>
           <p:nvPr/>
         </p:nvCxnSpPr>
         <p:spPr>
           <a:xfrm rot="16200000" flipH="1">
-            <a:off x="4530497" y="-2008291"/>
-            <a:ext cx="308061" cy="5170951"/>
+            <a:off x="2902653" y="672924"/>
+            <a:ext cx="394313" cy="2076642"/>
           </a:xfrm>
           <a:prstGeom prst="bentConnector3">
             <a:avLst>
@@ -15011,16 +15815,56 @@
           </a:fontRef>
         </p:style>
       </p:cxnSp>
-      <p:cxnSp>
-        <p:nvCxnSpPr>
-          <p:cNvPr id="32" name="Elbow Connector 31"/>
-          <p:cNvCxnSpPr/>
-          <p:nvPr/>
-        </p:nvCxnSpPr>
-        <p:spPr>
-          <a:xfrm rot="16200000" flipH="1">
-            <a:off x="6269594" y="-259918"/>
-            <a:ext cx="308061" cy="1674207"/>
+      <p:sp>
+        <p:nvSpPr>
+          <p:cNvPr id="46" name="TextBox 45"/>
+          <p:cNvSpPr txBox="1"/>
+          <p:nvPr/>
+        </p:nvSpPr>
+        <p:spPr>
+          <a:xfrm>
+            <a:off x="2809004" y="218540"/>
+            <a:ext cx="2582334" cy="369332"/>
+          </a:xfrm>
+          <a:prstGeom prst="rect">
+            <a:avLst/>
+          </a:prstGeom>
+          <a:noFill/>
+        </p:spPr>
+        <p:txBody>
+          <a:bodyPr wrap="square" rtlCol="0">
+            <a:spAutoFit/>
+          </a:bodyPr>
+          <a:lstStyle/>
+          <a:p>
+            <a:pPr algn="ctr"/>
+            <a:r>
+              <a:rPr lang="en-US" dirty="0" err="1" smtClean="0">
+                <a:latin typeface="Courier New"/>
+                <a:cs typeface="Courier New"/>
+              </a:rPr>
+              <a:t>joint_seg_vXX.txt</a:t>
+            </a:r>
+            <a:endParaRPr lang="en-US" dirty="0">
+              <a:latin typeface="Courier New"/>
+              <a:cs typeface="Courier New"/>
+            </a:endParaRPr>
+          </a:p>
+        </p:txBody>
+      </p:sp>
+      <p:cxnSp>
+        <p:nvCxnSpPr>
+          <p:cNvPr id="47" name="Elbow Connector 46"/>
+          <p:cNvCxnSpPr>
+            <a:stCxn id="42" idx="0"/>
+            <a:endCxn id="46" idx="2"/>
+          </p:cNvCxnSpPr>
+          <p:nvPr/>
+        </p:nvCxnSpPr>
+        <p:spPr>
+          <a:xfrm rot="5400000" flipH="1" flipV="1">
+            <a:off x="2852155" y="-202794"/>
+            <a:ext cx="457349" cy="2038683"/>
           </a:xfrm>
           <a:prstGeom prst="bentConnector3">
             <a:avLst>
@@ -15043,24 +15887,65 @@
           </a:fontRef>
         </p:style>
       </p:cxnSp>
-      <p:cxnSp>
-        <p:nvCxnSpPr>
-          <p:cNvPr id="41" name="Elbow Connector 40"/>
-          <p:cNvCxnSpPr>
-            <a:stCxn id="22" idx="1"/>
-            <a:endCxn id="4" idx="0"/>
-          </p:cNvCxnSpPr>
-          <p:nvPr/>
-        </p:nvCxnSpPr>
-        <p:spPr>
-          <a:xfrm rot="10800000">
-            <a:off x="1923790" y="1507202"/>
-            <a:ext cx="2295300" cy="101384"/>
-          </a:xfrm>
-          <a:prstGeom prst="bentConnector4">
+      <p:sp>
+        <p:nvSpPr>
+          <p:cNvPr id="53" name="Oval 52"/>
+          <p:cNvSpPr/>
+          <p:nvPr/>
+        </p:nvSpPr>
+        <p:spPr>
+          <a:xfrm>
+            <a:off x="4402520" y="1045221"/>
+            <a:ext cx="3541907" cy="468868"/>
+          </a:xfrm>
+          <a:prstGeom prst="ellipse">
+            <a:avLst/>
+          </a:prstGeom>
+        </p:spPr>
+        <p:style>
+          <a:lnRef idx="1">
+            <a:schemeClr val="accent1"/>
+          </a:lnRef>
+          <a:fillRef idx="3">
+            <a:schemeClr val="accent1"/>
+          </a:fillRef>
+          <a:effectRef idx="2">
+            <a:schemeClr val="accent1"/>
+          </a:effectRef>
+          <a:fontRef idx="minor">
+            <a:schemeClr val="lt1"/>
+          </a:fontRef>
+        </p:style>
+        <p:txBody>
+          <a:bodyPr rtlCol="0" anchor="ctr"/>
+          <a:lstStyle/>
+          <a:p>
+            <a:pPr algn="ctr"/>
+            <a:r>
+              <a:rPr lang="en-US" sz="1400" dirty="0" err="1" smtClean="0"/>
+              <a:t>process_joint_BAFs.py</a:t>
+            </a:r>
+            <a:endParaRPr lang="en-US" sz="1400" dirty="0" smtClean="0"/>
+          </a:p>
+        </p:txBody>
+      </p:sp>
+      <p:cxnSp>
+        <p:nvCxnSpPr>
+          <p:cNvPr id="54" name="Elbow Connector 53"/>
+          <p:cNvCxnSpPr>
+            <a:stCxn id="53" idx="4"/>
+            <a:endCxn id="11" idx="0"/>
+          </p:cNvCxnSpPr>
+          <p:nvPr/>
+        </p:nvCxnSpPr>
+        <p:spPr>
+          <a:xfrm rot="5400000">
+            <a:off x="3436566" y="-903713"/>
+            <a:ext cx="319107" cy="5154710"/>
+          </a:xfrm>
+          <a:prstGeom prst="bentConnector3">
             <a:avLst>
-              <a:gd name="adj1" fmla="val 10167"/>
-              <a:gd name="adj2" fmla="val 325479"/>
+              <a:gd name="adj1" fmla="val 31631"/>
             </a:avLst>
           </a:prstGeom>
         </p:spPr>
@@ -15079,61 +15964,19 @@
           </a:fontRef>
         </p:style>
       </p:cxnSp>
-      <p:sp>
-        <p:nvSpPr>
-          <p:cNvPr id="47" name="Oval 46"/>
-          <p:cNvSpPr/>
-          <p:nvPr/>
-        </p:nvSpPr>
-        <p:spPr>
-          <a:xfrm>
-            <a:off x="659623" y="2597475"/>
-            <a:ext cx="3657142" cy="468868"/>
-          </a:xfrm>
-          <a:prstGeom prst="ellipse">
-            <a:avLst/>
-          </a:prstGeom>
-        </p:spPr>
-        <p:style>
-          <a:lnRef idx="1">
-            <a:schemeClr val="accent1"/>
-          </a:lnRef>
-          <a:fillRef idx="3">
-            <a:schemeClr val="accent1"/>
-          </a:fillRef>
-          <a:effectRef idx="2">
-            <a:schemeClr val="accent1"/>
-          </a:effectRef>
-          <a:fontRef idx="minor">
-            <a:schemeClr val="lt1"/>
-          </a:fontRef>
-        </p:style>
-        <p:txBody>
-          <a:bodyPr rtlCol="0" anchor="ctr"/>
-          <a:lstStyle/>
-          <a:p>
-            <a:pPr algn="ctr"/>
-            <a:r>
-              <a:rPr lang="en-US" sz="1400" dirty="0" err="1" smtClean="0"/>
-              <a:t>remove_joint_duplicates.py</a:t>
-            </a:r>
-            <a:endParaRPr lang="en-US" sz="1400" dirty="0"/>
-          </a:p>
-        </p:txBody>
-      </p:sp>
-      <p:cxnSp>
-        <p:nvCxnSpPr>
-          <p:cNvPr id="48" name="Elbow Connector 47"/>
-          <p:cNvCxnSpPr>
-            <a:stCxn id="47" idx="4"/>
-            <a:endCxn id="49" idx="0"/>
-          </p:cNvCxnSpPr>
-          <p:nvPr/>
-        </p:nvCxnSpPr>
-        <p:spPr>
-          <a:xfrm rot="16200000" flipH="1">
-            <a:off x="2919014" y="2635522"/>
-            <a:ext cx="168285" cy="1029925"/>
+      <p:cxnSp>
+        <p:nvCxnSpPr>
+          <p:cNvPr id="57" name="Elbow Connector 56"/>
+          <p:cNvCxnSpPr>
+            <a:stCxn id="53" idx="0"/>
+            <a:endCxn id="46" idx="2"/>
+          </p:cNvCxnSpPr>
+          <p:nvPr/>
+        </p:nvCxnSpPr>
+        <p:spPr>
+          <a:xfrm rot="16200000" flipV="1">
+            <a:off x="4908149" y="-220105"/>
+            <a:ext cx="457349" cy="2073303"/>
           </a:xfrm>
           <a:prstGeom prst="bentConnector3">
             <a:avLst>
@@ -15158,14 +16001,14 @@
       </p:cxnSp>
       <p:sp>
         <p:nvSpPr>
-          <p:cNvPr id="49" name="TextBox 48"/>
+          <p:cNvPr id="62" name="TextBox 61"/>
           <p:cNvSpPr txBox="1"/>
           <p:nvPr/>
         </p:nvSpPr>
         <p:spPr>
           <a:xfrm>
-            <a:off x="848426" y="3234628"/>
-            <a:ext cx="5339386" cy="369332"/>
+            <a:off x="6173475" y="403206"/>
+            <a:ext cx="2359634" cy="369332"/>
           </a:xfrm>
           <a:prstGeom prst="rect">
             <a:avLst/>
@@ -15180,20 +16023,8 @@
           <a:p>
             <a:pPr algn="ctr"/>
             <a:r>
-              <a:rPr lang="en-US" dirty="0" err="1" smtClean="0"/>
-              <a:t>joint_segmentation_nodupes_</a:t>
-            </a:r>
-            <a:r>
-              <a:rPr lang="en-US" i="1" dirty="0" err="1" smtClean="0"/>
-              <a:t>tag_</a:t>
-            </a:r>
-            <a:r>
-              <a:rPr lang="en-US" dirty="0" err="1" smtClean="0"/>
-              <a:t>joined_best</a:t>
-            </a:r>
-            <a:r>
               <a:rPr lang="en-US" dirty="0" smtClean="0"/>
-              <a:t>/</a:t>
+              <a:t>BAF_filtered_data_15/</a:t>
             </a:r>
             <a:endParaRPr lang="en-US" dirty="0"/>
           </a:p>
@@ -15201,17 +16032,17 @@
       </p:sp>
       <p:cxnSp>
         <p:nvCxnSpPr>
-          <p:cNvPr id="50" name="Elbow Connector 49"/>
-          <p:cNvCxnSpPr>
-            <a:stCxn id="7" idx="2"/>
-            <a:endCxn id="47" idx="0"/>
-          </p:cNvCxnSpPr>
-          <p:nvPr/>
-        </p:nvCxnSpPr>
-        <p:spPr>
-          <a:xfrm rot="5400000">
-            <a:off x="2654656" y="2298408"/>
-            <a:ext cx="132606" cy="465529"/>
+          <p:cNvPr id="63" name="Elbow Connector 62"/>
+          <p:cNvCxnSpPr>
+            <a:stCxn id="53" idx="0"/>
+            <a:endCxn id="62" idx="2"/>
+          </p:cNvCxnSpPr>
+          <p:nvPr/>
+        </p:nvCxnSpPr>
+        <p:spPr>
+          <a:xfrm rot="5400000" flipH="1" flipV="1">
+            <a:off x="6627042" y="318971"/>
+            <a:ext cx="272683" cy="1179818"/>
           </a:xfrm>
           <a:prstGeom prst="bentConnector3">
             <a:avLst>
@@ -15236,14 +16067,14 @@
       </p:cxnSp>
       <p:sp>
         <p:nvSpPr>
-          <p:cNvPr id="53" name="Oval 52"/>
+          <p:cNvPr id="74" name="Oval 73"/>
           <p:cNvSpPr/>
           <p:nvPr/>
         </p:nvSpPr>
         <p:spPr>
           <a:xfrm>
-            <a:off x="1336647" y="3745085"/>
-            <a:ext cx="3657142" cy="468868"/>
+            <a:off x="4784088" y="2424498"/>
+            <a:ext cx="3541907" cy="468868"/>
           </a:xfrm>
           <a:prstGeom prst="ellipse">
             <a:avLst/>
@@ -15270,25 +16101,25 @@
             <a:pPr algn="ctr"/>
             <a:r>
               <a:rPr lang="en-US" sz="1400" dirty="0" err="1" smtClean="0"/>
-              <a:t>create_BEAST_input.py</a:t>
-            </a:r>
-            <a:endParaRPr lang="en-US" sz="1400" dirty="0"/>
-          </a:p>
-        </p:txBody>
-      </p:sp>
-      <p:cxnSp>
-        <p:nvCxnSpPr>
-          <p:cNvPr id="54" name="Elbow Connector 53"/>
-          <p:cNvCxnSpPr>
-            <a:stCxn id="53" idx="4"/>
-            <a:endCxn id="55" idx="0"/>
+              <a:t>validate_segmentation.py</a:t>
+            </a:r>
+            <a:endParaRPr lang="en-US" sz="1400" dirty="0" smtClean="0"/>
+          </a:p>
+        </p:txBody>
+      </p:sp>
+      <p:cxnSp>
+        <p:nvCxnSpPr>
+          <p:cNvPr id="75" name="Elbow Connector 74"/>
+          <p:cNvCxnSpPr>
+            <a:stCxn id="2" idx="2"/>
+            <a:endCxn id="74" idx="0"/>
           </p:cNvCxnSpPr>
           <p:nvPr/>
         </p:nvCxnSpPr>
         <p:spPr>
           <a:xfrm rot="16200000" flipH="1">
-            <a:off x="3255937" y="4123234"/>
-            <a:ext cx="158544" cy="339982"/>
+            <a:off x="5273204" y="1142660"/>
+            <a:ext cx="146764" cy="2416912"/>
           </a:xfrm>
           <a:prstGeom prst="bentConnector3">
             <a:avLst>
@@ -15311,58 +16142,55 @@
           </a:fontRef>
         </p:style>
       </p:cxnSp>
-      <p:sp>
-        <p:nvSpPr>
-          <p:cNvPr id="55" name="TextBox 54"/>
-          <p:cNvSpPr txBox="1"/>
-          <p:nvPr/>
-        </p:nvSpPr>
-        <p:spPr>
-          <a:xfrm>
-            <a:off x="2819400" y="4372497"/>
-            <a:ext cx="1371599" cy="369332"/>
-          </a:xfrm>
-          <a:prstGeom prst="rect">
-            <a:avLst/>
-          </a:prstGeom>
-          <a:noFill/>
-        </p:spPr>
-        <p:txBody>
-          <a:bodyPr wrap="square" rtlCol="0">
-            <a:spAutoFit/>
-          </a:bodyPr>
-          <a:lstStyle/>
-          <a:p>
-            <a:pPr algn="ctr"/>
-            <a:r>
-              <a:rPr lang="en-US" dirty="0" err="1" smtClean="0"/>
-              <a:t>BEAST_</a:t>
-            </a:r>
-            <a:r>
-              <a:rPr lang="en-US" i="1" dirty="0" err="1" smtClean="0"/>
-              <a:t>tag</a:t>
-            </a:r>
-            <a:r>
-              <a:rPr lang="en-US" dirty="0" smtClean="0"/>
-              <a:t>/</a:t>
-            </a:r>
-            <a:endParaRPr lang="en-US" dirty="0"/>
-          </a:p>
-        </p:txBody>
-      </p:sp>
-      <p:cxnSp>
-        <p:nvCxnSpPr>
-          <p:cNvPr id="56" name="Elbow Connector 55"/>
-          <p:cNvCxnSpPr>
-            <a:stCxn id="49" idx="2"/>
-            <a:endCxn id="53" idx="0"/>
-          </p:cNvCxnSpPr>
-          <p:nvPr/>
-        </p:nvCxnSpPr>
-        <p:spPr>
-          <a:xfrm rot="5400000">
-            <a:off x="3271107" y="3498072"/>
-            <a:ext cx="141125" cy="352901"/>
+      <p:cxnSp>
+        <p:nvCxnSpPr>
+          <p:cNvPr id="78" name="Elbow Connector 77"/>
+          <p:cNvCxnSpPr>
+            <a:stCxn id="62" idx="3"/>
+            <a:endCxn id="74" idx="0"/>
+          </p:cNvCxnSpPr>
+          <p:nvPr/>
+        </p:nvCxnSpPr>
+        <p:spPr>
+          <a:xfrm flipH="1">
+            <a:off x="6555042" y="587872"/>
+            <a:ext cx="1978067" cy="1836626"/>
+          </a:xfrm>
+          <a:prstGeom prst="bentConnector4">
+            <a:avLst>
+              <a:gd name="adj1" fmla="val -11557"/>
+              <a:gd name="adj2" fmla="val 55027"/>
+            </a:avLst>
+          </a:prstGeom>
+        </p:spPr>
+        <p:style>
+          <a:lnRef idx="2">
+            <a:schemeClr val="accent1"/>
+          </a:lnRef>
+          <a:fillRef idx="0">
+            <a:schemeClr val="accent1"/>
+          </a:fillRef>
+          <a:effectRef idx="1">
+            <a:schemeClr val="accent1"/>
+          </a:effectRef>
+          <a:fontRef idx="minor">
+            <a:schemeClr val="tx1"/>
+          </a:fontRef>
+        </p:style>
+      </p:cxnSp>
+      <p:cxnSp>
+        <p:nvCxnSpPr>
+          <p:cNvPr id="83" name="Elbow Connector 82"/>
+          <p:cNvCxnSpPr>
+            <a:stCxn id="74" idx="4"/>
+            <a:endCxn id="28" idx="0"/>
+          </p:cNvCxnSpPr>
+          <p:nvPr/>
+        </p:nvCxnSpPr>
+        <p:spPr>
+          <a:xfrm rot="16200000" flipH="1">
+            <a:off x="6896026" y="2552381"/>
+            <a:ext cx="116283" cy="798251"/>
           </a:xfrm>
           <a:prstGeom prst="bentConnector3">
             <a:avLst>
@@ -15387,14 +16215,14 @@
       </p:cxnSp>
       <p:sp>
         <p:nvSpPr>
-          <p:cNvPr id="61" name="Oval 60"/>
+          <p:cNvPr id="45" name="Oval 44"/>
           <p:cNvSpPr/>
           <p:nvPr/>
         </p:nvSpPr>
         <p:spPr>
           <a:xfrm>
-            <a:off x="284030" y="5023183"/>
-            <a:ext cx="3657142" cy="468868"/>
+            <a:off x="720200" y="2628244"/>
+            <a:ext cx="3541907" cy="468868"/>
           </a:xfrm>
           <a:prstGeom prst="ellipse">
             <a:avLst/>
@@ -15421,25 +16249,91 @@
             <a:pPr algn="ctr"/>
             <a:r>
               <a:rPr lang="en-US" sz="1400" dirty="0" err="1" smtClean="0"/>
-              <a:t>distribute_BEAST.py</a:t>
-            </a:r>
-            <a:endParaRPr lang="en-US" sz="1400" dirty="0"/>
-          </a:p>
-        </p:txBody>
-      </p:sp>
-      <p:cxnSp>
-        <p:nvCxnSpPr>
-          <p:cNvPr id="62" name="Elbow Connector 61"/>
-          <p:cNvCxnSpPr>
-            <a:stCxn id="61" idx="4"/>
-            <a:endCxn id="63" idx="0"/>
+              <a:t>calculate_odds.py</a:t>
+            </a:r>
+            <a:endParaRPr lang="en-US" sz="1400" dirty="0" smtClean="0"/>
+          </a:p>
+        </p:txBody>
+      </p:sp>
+      <p:sp>
+        <p:nvSpPr>
+          <p:cNvPr id="48" name="TextBox 47"/>
+          <p:cNvSpPr txBox="1"/>
+          <p:nvPr/>
+        </p:nvSpPr>
+        <p:spPr>
+          <a:xfrm>
+            <a:off x="2008522" y="3563646"/>
+            <a:ext cx="3770579" cy="369332"/>
+          </a:xfrm>
+          <a:prstGeom prst="rect">
+            <a:avLst/>
+          </a:prstGeom>
+          <a:noFill/>
+        </p:spPr>
+        <p:txBody>
+          <a:bodyPr wrap="square" rtlCol="0">
+            <a:spAutoFit/>
+          </a:bodyPr>
+          <a:lstStyle/>
+          <a:p>
+            <a:pPr algn="ctr"/>
+            <a:r>
+              <a:rPr lang="en-US" dirty="0" smtClean="0"/>
+              <a:t>CN_joint_log2rs_vXX_joined_best/</a:t>
+            </a:r>
+            <a:endParaRPr lang="en-US" dirty="0"/>
+          </a:p>
+        </p:txBody>
+      </p:sp>
+      <p:sp>
+        <p:nvSpPr>
+          <p:cNvPr id="49" name="TextBox 48"/>
+          <p:cNvSpPr txBox="1"/>
+          <p:nvPr/>
+        </p:nvSpPr>
+        <p:spPr>
+          <a:xfrm>
+            <a:off x="0" y="3194315"/>
+            <a:ext cx="3698758" cy="369332"/>
+          </a:xfrm>
+          <a:prstGeom prst="rect">
+            <a:avLst/>
+          </a:prstGeom>
+          <a:noFill/>
+        </p:spPr>
+        <p:txBody>
+          <a:bodyPr wrap="square" rtlCol="0">
+            <a:spAutoFit/>
+          </a:bodyPr>
+          <a:lstStyle/>
+          <a:p>
+            <a:pPr algn="ctr"/>
+            <a:r>
+              <a:rPr lang="en-US" dirty="0" err="1" smtClean="0"/>
+              <a:t>BAF_joint_vals_vXX_joined_best</a:t>
+            </a:r>
+            <a:r>
+              <a:rPr lang="en-US" dirty="0" smtClean="0"/>
+              <a:t>/</a:t>
+            </a:r>
+            <a:endParaRPr lang="en-US" dirty="0"/>
+          </a:p>
+        </p:txBody>
+      </p:sp>
+      <p:cxnSp>
+        <p:nvCxnSpPr>
+          <p:cNvPr id="50" name="Elbow Connector 49"/>
+          <p:cNvCxnSpPr>
+            <a:stCxn id="45" idx="3"/>
+            <a:endCxn id="49" idx="0"/>
           </p:cNvCxnSpPr>
           <p:nvPr/>
         </p:nvCxnSpPr>
         <p:spPr>
           <a:xfrm rot="16200000" flipH="1">
-            <a:off x="2108679" y="5495972"/>
-            <a:ext cx="189595" cy="181751"/>
+            <a:off x="1461206" y="2806141"/>
+            <a:ext cx="165867" cy="610479"/>
           </a:xfrm>
           <a:prstGeom prst="bentConnector3">
             <a:avLst>
@@ -15462,62 +16356,19 @@
           </a:fontRef>
         </p:style>
       </p:cxnSp>
-      <p:sp>
-        <p:nvSpPr>
-          <p:cNvPr id="63" name="TextBox 62"/>
-          <p:cNvSpPr txBox="1"/>
-          <p:nvPr/>
-        </p:nvSpPr>
-        <p:spPr>
-          <a:xfrm>
-            <a:off x="475572" y="5681646"/>
-            <a:ext cx="3637559" cy="369332"/>
-          </a:xfrm>
-          <a:prstGeom prst="rect">
-            <a:avLst/>
-          </a:prstGeom>
-          <a:noFill/>
-        </p:spPr>
-        <p:txBody>
-          <a:bodyPr wrap="square" rtlCol="0">
-            <a:spAutoFit/>
-          </a:bodyPr>
-          <a:lstStyle/>
-          <a:p>
-            <a:pPr algn="ctr"/>
-            <a:r>
-              <a:rPr lang="en-US" dirty="0" err="1" smtClean="0"/>
-              <a:t>BEAST_allcombos_</a:t>
-            </a:r>
-            <a:r>
-              <a:rPr lang="en-US" i="1" dirty="0" err="1" smtClean="0"/>
-              <a:t>tag_</a:t>
-            </a:r>
-            <a:r>
-              <a:rPr lang="en-US" dirty="0" err="1" smtClean="0"/>
-              <a:t>joined_best</a:t>
-            </a:r>
-            <a:r>
-              <a:rPr lang="en-US" dirty="0" smtClean="0"/>
-              <a:t>/</a:t>
-            </a:r>
-            <a:endParaRPr lang="en-US" dirty="0"/>
-          </a:p>
-        </p:txBody>
-      </p:sp>
-      <p:cxnSp>
-        <p:nvCxnSpPr>
-          <p:cNvPr id="64" name="Elbow Connector 63"/>
-          <p:cNvCxnSpPr>
-            <a:stCxn id="55" idx="2"/>
-            <a:endCxn id="61" idx="0"/>
-          </p:cNvCxnSpPr>
-          <p:nvPr/>
-        </p:nvCxnSpPr>
-        <p:spPr>
-          <a:xfrm rot="5400000">
-            <a:off x="2668224" y="4186207"/>
-            <a:ext cx="281354" cy="1392599"/>
+      <p:cxnSp>
+        <p:nvCxnSpPr>
+          <p:cNvPr id="51" name="Elbow Connector 50"/>
+          <p:cNvCxnSpPr>
+            <a:stCxn id="45" idx="5"/>
+            <a:endCxn id="48" idx="0"/>
+          </p:cNvCxnSpPr>
+          <p:nvPr/>
+        </p:nvCxnSpPr>
+        <p:spPr>
+          <a:xfrm rot="16200000" flipH="1">
+            <a:off x="3551010" y="3220844"/>
+            <a:ext cx="535198" cy="150405"/>
           </a:xfrm>
           <a:prstGeom prst="bentConnector3">
             <a:avLst>
@@ -15540,61 +16391,19 @@
           </a:fontRef>
         </p:style>
       </p:cxnSp>
-      <p:sp>
-        <p:nvSpPr>
-          <p:cNvPr id="80" name="Oval 79"/>
-          <p:cNvSpPr/>
-          <p:nvPr/>
-        </p:nvSpPr>
-        <p:spPr>
-          <a:xfrm>
-            <a:off x="4629605" y="4835331"/>
-            <a:ext cx="3657142" cy="468868"/>
-          </a:xfrm>
-          <a:prstGeom prst="ellipse">
-            <a:avLst/>
-          </a:prstGeom>
-        </p:spPr>
-        <p:style>
-          <a:lnRef idx="1">
-            <a:schemeClr val="accent1"/>
-          </a:lnRef>
-          <a:fillRef idx="3">
-            <a:schemeClr val="accent1"/>
-          </a:fillRef>
-          <a:effectRef idx="2">
-            <a:schemeClr val="accent1"/>
-          </a:effectRef>
-          <a:fontRef idx="minor">
-            <a:schemeClr val="lt1"/>
-          </a:fontRef>
-        </p:style>
-        <p:txBody>
-          <a:bodyPr rtlCol="0" anchor="ctr"/>
-          <a:lstStyle/>
-          <a:p>
-            <a:pPr algn="ctr"/>
-            <a:r>
-              <a:rPr lang="en-US" sz="1400" dirty="0" err="1" smtClean="0"/>
-              <a:t>create_delgains_from_BEAST.py</a:t>
-            </a:r>
-            <a:endParaRPr lang="en-US" sz="1400" dirty="0"/>
-          </a:p>
-        </p:txBody>
-      </p:sp>
-      <p:cxnSp>
-        <p:nvCxnSpPr>
-          <p:cNvPr id="81" name="Elbow Connector 80"/>
-          <p:cNvCxnSpPr>
-            <a:stCxn id="80" idx="4"/>
-            <a:endCxn id="82" idx="0"/>
+      <p:cxnSp>
+        <p:nvCxnSpPr>
+          <p:cNvPr id="52" name="Elbow Connector 51"/>
+          <p:cNvCxnSpPr>
+            <a:stCxn id="49" idx="2"/>
+            <a:endCxn id="3" idx="0"/>
           </p:cNvCxnSpPr>
           <p:nvPr/>
         </p:nvCxnSpPr>
         <p:spPr>
           <a:xfrm rot="16200000" flipH="1">
-            <a:off x="6569410" y="5192965"/>
-            <a:ext cx="187852" cy="410320"/>
+            <a:off x="1528656" y="3884369"/>
+            <a:ext cx="995482" cy="354037"/>
           </a:xfrm>
           <a:prstGeom prst="bentConnector3">
             <a:avLst>
@@ -15617,16 +16426,86 @@
           </a:fontRef>
         </p:style>
       </p:cxnSp>
-      <p:sp>
-        <p:nvSpPr>
-          <p:cNvPr id="82" name="TextBox 81"/>
+      <p:cxnSp>
+        <p:nvCxnSpPr>
+          <p:cNvPr id="56" name="Elbow Connector 55"/>
+          <p:cNvCxnSpPr>
+            <a:stCxn id="48" idx="2"/>
+            <a:endCxn id="3" idx="0"/>
+          </p:cNvCxnSpPr>
+          <p:nvPr/>
+        </p:nvCxnSpPr>
+        <p:spPr>
+          <a:xfrm rot="5400000">
+            <a:off x="2735539" y="3400855"/>
+            <a:ext cx="626151" cy="1690396"/>
+          </a:xfrm>
+          <a:prstGeom prst="bentConnector3">
+            <a:avLst>
+              <a:gd name="adj1" fmla="val 50000"/>
+            </a:avLst>
+          </a:prstGeom>
+        </p:spPr>
+        <p:style>
+          <a:lnRef idx="2">
+            <a:schemeClr val="accent1"/>
+          </a:lnRef>
+          <a:fillRef idx="0">
+            <a:schemeClr val="accent1"/>
+          </a:fillRef>
+          <a:effectRef idx="1">
+            <a:schemeClr val="accent1"/>
+          </a:effectRef>
+          <a:fontRef idx="minor">
+            <a:schemeClr val="tx1"/>
+          </a:fontRef>
+        </p:style>
+      </p:cxnSp>
+      <p:cxnSp>
+        <p:nvCxnSpPr>
+          <p:cNvPr id="64" name="Elbow Connector 63"/>
+          <p:cNvCxnSpPr>
+            <a:stCxn id="70" idx="2"/>
+            <a:endCxn id="45" idx="0"/>
+          </p:cNvCxnSpPr>
+          <p:nvPr/>
+        </p:nvCxnSpPr>
+        <p:spPr>
+          <a:xfrm rot="5400000">
+            <a:off x="2451878" y="2501676"/>
+            <a:ext cx="165844" cy="87292"/>
+          </a:xfrm>
+          <a:prstGeom prst="bentConnector3">
+            <a:avLst>
+              <a:gd name="adj1" fmla="val 50000"/>
+            </a:avLst>
+          </a:prstGeom>
+        </p:spPr>
+        <p:style>
+          <a:lnRef idx="2">
+            <a:schemeClr val="accent1"/>
+          </a:lnRef>
+          <a:fillRef idx="0">
+            <a:schemeClr val="accent1"/>
+          </a:fillRef>
+          <a:effectRef idx="1">
+            <a:schemeClr val="accent1"/>
+          </a:effectRef>
+          <a:fontRef idx="minor">
+            <a:schemeClr val="tx1"/>
+          </a:fontRef>
+        </p:style>
+      </p:cxnSp>
+      <p:sp>
+        <p:nvSpPr>
+          <p:cNvPr id="70" name="TextBox 69"/>
           <p:cNvSpPr txBox="1"/>
           <p:nvPr/>
         </p:nvSpPr>
         <p:spPr>
           <a:xfrm>
-            <a:off x="4993789" y="5492051"/>
-            <a:ext cx="3749413" cy="369332"/>
+            <a:off x="1018764" y="2093068"/>
+            <a:ext cx="3119364" cy="369332"/>
           </a:xfrm>
           <a:prstGeom prst="rect">
             <a:avLst/>
@@ -15641,62 +16520,23 @@
           <a:p>
             <a:pPr algn="ctr"/>
             <a:r>
-              <a:rPr lang="en-US" dirty="0" err="1" smtClean="0"/>
-              <a:t>joint_delsandgains_</a:t>
-            </a:r>
-            <a:r>
-              <a:rPr lang="en-US" i="1" dirty="0" err="1" smtClean="0"/>
-              <a:t>tag_</a:t>
-            </a:r>
-            <a:r>
-              <a:rPr lang="en-US" dirty="0" err="1" smtClean="0"/>
-              <a:t>joined_best</a:t>
-            </a:r>
-            <a:r>
-              <a:rPr lang="en-US" dirty="0" smtClean="0"/>
-              <a:t>/</a:t>
-            </a:r>
-            <a:endParaRPr lang="en-US" dirty="0"/>
-          </a:p>
-        </p:txBody>
-      </p:sp>
-      <p:cxnSp>
-        <p:nvCxnSpPr>
-          <p:cNvPr id="83" name="Elbow Connector 82"/>
-          <p:cNvCxnSpPr>
-            <a:stCxn id="55" idx="3"/>
-            <a:endCxn id="80" idx="0"/>
-          </p:cNvCxnSpPr>
-          <p:nvPr/>
-        </p:nvCxnSpPr>
-        <p:spPr>
-          <a:xfrm>
-            <a:off x="4190999" y="4557163"/>
-            <a:ext cx="2267177" cy="278168"/>
-          </a:xfrm>
-          <a:prstGeom prst="bentConnector2">
-            <a:avLst/>
-          </a:prstGeom>
-        </p:spPr>
-        <p:style>
-          <a:lnRef idx="2">
-            <a:schemeClr val="accent1"/>
-          </a:lnRef>
-          <a:fillRef idx="0">
-            <a:schemeClr val="accent1"/>
-          </a:fillRef>
-          <a:effectRef idx="1">
-            <a:schemeClr val="accent1"/>
-          </a:effectRef>
-          <a:fontRef idx="minor">
-            <a:schemeClr val="tx1"/>
-          </a:fontRef>
-        </p:style>
-      </p:cxnSp>
+              <a:rPr lang="en-US" dirty="0" err="1" smtClean="0">
+                <a:latin typeface="Courier New"/>
+                <a:cs typeface="Courier New"/>
+              </a:rPr>
+              <a:t>joint_summary_TAG.txt</a:t>
+            </a:r>
+            <a:endParaRPr lang="en-US" dirty="0">
+              <a:latin typeface="Courier New"/>
+              <a:cs typeface="Courier New"/>
+            </a:endParaRPr>
+          </a:p>
+        </p:txBody>
+      </p:sp>
     </p:spTree>
     <p:extLst>
       <p:ext uri="{BB962C8B-B14F-4D97-AF65-F5344CB8AC3E}">
-        <p14:creationId xmlns:p14="http://schemas.microsoft.com/office/powerpoint/2010/main" val="1955403478"/>
+        <p14:creationId xmlns:p14="http://schemas.microsoft.com/office/powerpoint/2010/main" val="415467289"/>
       </p:ext>
     </p:extLst>
   </p:cSld>
@@ -15725,14 +16565,14 @@
       </p:grpSpPr>
       <p:sp>
         <p:nvSpPr>
-          <p:cNvPr id="2" name="TextBox 1"/>
+          <p:cNvPr id="6" name="TextBox 5"/>
           <p:cNvSpPr txBox="1"/>
           <p:nvPr/>
         </p:nvSpPr>
         <p:spPr>
           <a:xfrm>
-            <a:off x="3031555" y="1908402"/>
-            <a:ext cx="2213149" cy="369332"/>
+            <a:off x="97622" y="84815"/>
+            <a:ext cx="4078094" cy="369332"/>
           </a:xfrm>
           <a:prstGeom prst="rect">
             <a:avLst/>
@@ -15747,8 +16587,12 @@
           <a:p>
             <a:pPr algn="ctr"/>
             <a:r>
+              <a:rPr lang="en-US" dirty="0" err="1" smtClean="0"/>
+              <a:t>joint_processed_segmentation_TAG</a:t>
+            </a:r>
+            <a:r>
               <a:rPr lang="en-US" dirty="0" smtClean="0"/>
-              <a:t>CN_joint_log2rs_vXX/</a:t>
+              <a:t>/</a:t>
             </a:r>
             <a:endParaRPr lang="en-US" dirty="0"/>
           </a:p>
@@ -15756,14 +16600,14 @@
       </p:sp>
       <p:sp>
         <p:nvSpPr>
-          <p:cNvPr id="3" name="Oval 2"/>
+          <p:cNvPr id="7" name="Oval 6"/>
           <p:cNvSpPr/>
           <p:nvPr/>
         </p:nvSpPr>
         <p:spPr>
           <a:xfrm>
-            <a:off x="407452" y="4559129"/>
-            <a:ext cx="3591927" cy="468868"/>
+            <a:off x="319539" y="697479"/>
+            <a:ext cx="3541907" cy="468868"/>
           </a:xfrm>
           <a:prstGeom prst="ellipse">
             <a:avLst/>
@@ -15790,7 +16634,7 @@
             <a:pPr algn="ctr"/>
             <a:r>
               <a:rPr lang="en-US" sz="1400" dirty="0" err="1" smtClean="0"/>
-              <a:t>synthesize_joint_segments.py</a:t>
+              <a:t>remove_joint_duplicates.py</a:t>
             </a:r>
             <a:endParaRPr lang="en-US" sz="1400" dirty="0" smtClean="0"/>
           </a:p>
@@ -15798,50 +16642,17 @@
       </p:sp>
       <p:cxnSp>
         <p:nvCxnSpPr>
-          <p:cNvPr id="4" name="Elbow Connector 3"/>
-          <p:cNvCxnSpPr>
-            <a:stCxn id="2" idx="2"/>
-            <a:endCxn id="45" idx="7"/>
-          </p:cNvCxnSpPr>
-          <p:nvPr/>
-        </p:nvCxnSpPr>
-        <p:spPr>
-          <a:xfrm rot="5400000">
-            <a:off x="3731182" y="2289960"/>
-            <a:ext cx="419174" cy="394723"/>
-          </a:xfrm>
-          <a:prstGeom prst="bentConnector3">
-            <a:avLst/>
-          </a:prstGeom>
-        </p:spPr>
-        <p:style>
-          <a:lnRef idx="2">
-            <a:schemeClr val="accent1"/>
-          </a:lnRef>
-          <a:fillRef idx="0">
-            <a:schemeClr val="accent1"/>
-          </a:fillRef>
-          <a:effectRef idx="1">
-            <a:schemeClr val="accent1"/>
-          </a:effectRef>
-          <a:fontRef idx="minor">
-            <a:schemeClr val="tx1"/>
-          </a:fontRef>
-        </p:style>
-      </p:cxnSp>
-      <p:cxnSp>
-        <p:nvCxnSpPr>
-          <p:cNvPr id="5" name="Elbow Connector 4"/>
-          <p:cNvCxnSpPr>
-            <a:stCxn id="3" idx="4"/>
-            <a:endCxn id="6" idx="0"/>
-          </p:cNvCxnSpPr>
-          <p:nvPr/>
-        </p:nvCxnSpPr>
-        <p:spPr>
-          <a:xfrm rot="16200000" flipH="1">
-            <a:off x="2275408" y="4956005"/>
-            <a:ext cx="231046" cy="375030"/>
+          <p:cNvPr id="8" name="Elbow Connector 7"/>
+          <p:cNvCxnSpPr>
+            <a:stCxn id="7" idx="0"/>
+            <a:endCxn id="6" idx="2"/>
+          </p:cNvCxnSpPr>
+          <p:nvPr/>
+        </p:nvCxnSpPr>
+        <p:spPr>
+          <a:xfrm rot="5400000" flipH="1" flipV="1">
+            <a:off x="1991915" y="552725"/>
+            <a:ext cx="243332" cy="46176"/>
           </a:xfrm>
           <a:prstGeom prst="bentConnector3">
             <a:avLst>
@@ -15866,14 +16677,14 @@
       </p:cxnSp>
       <p:sp>
         <p:nvSpPr>
-          <p:cNvPr id="6" name="TextBox 5"/>
+          <p:cNvPr id="9" name="TextBox 8"/>
           <p:cNvSpPr txBox="1"/>
           <p:nvPr/>
         </p:nvSpPr>
         <p:spPr>
           <a:xfrm>
-            <a:off x="897531" y="5259043"/>
-            <a:ext cx="3361829" cy="369332"/>
+            <a:off x="1166228" y="1323782"/>
+            <a:ext cx="3663748" cy="369332"/>
           </a:xfrm>
           <a:prstGeom prst="rect">
             <a:avLst/>
@@ -15888,42 +16699,8 @@
           <a:p>
             <a:pPr algn="ctr"/>
             <a:r>
-              <a:rPr lang="en-US" dirty="0" err="1"/>
-              <a:t>joint_processed_segmentation</a:t>
-            </a:r>
-            <a:r>
-              <a:rPr lang="en-US" dirty="0"/>
-              <a:t>/</a:t>
-            </a:r>
-          </a:p>
-        </p:txBody>
-      </p:sp>
-      <p:sp>
-        <p:nvSpPr>
-          <p:cNvPr id="11" name="TextBox 10"/>
-          <p:cNvSpPr txBox="1"/>
-          <p:nvPr/>
-        </p:nvSpPr>
-        <p:spPr>
-          <a:xfrm>
-            <a:off x="-66733" y="1833196"/>
-            <a:ext cx="2170993" cy="369332"/>
-          </a:xfrm>
-          <a:prstGeom prst="rect">
-            <a:avLst/>
-          </a:prstGeom>
-          <a:noFill/>
-        </p:spPr>
-        <p:txBody>
-          <a:bodyPr wrap="square" rtlCol="0">
-            <a:spAutoFit/>
-          </a:bodyPr>
-          <a:lstStyle/>
-          <a:p>
-            <a:pPr algn="ctr"/>
-            <a:r>
               <a:rPr lang="en-US" dirty="0" err="1" smtClean="0"/>
-              <a:t>BAF_joint_vals_vXX</a:t>
+              <a:t>joint_segmentation_nodupes_TAG</a:t>
             </a:r>
             <a:r>
               <a:rPr lang="en-US" dirty="0" smtClean="0"/>
@@ -15935,17 +16712,17 @@
       </p:sp>
       <p:cxnSp>
         <p:nvCxnSpPr>
-          <p:cNvPr id="12" name="Elbow Connector 11"/>
-          <p:cNvCxnSpPr>
-            <a:stCxn id="11" idx="2"/>
-            <a:endCxn id="45" idx="1"/>
+          <p:cNvPr id="10" name="Elbow Connector 9"/>
+          <p:cNvCxnSpPr>
+            <a:stCxn id="7" idx="4"/>
+            <a:endCxn id="9" idx="0"/>
           </p:cNvCxnSpPr>
           <p:nvPr/>
         </p:nvCxnSpPr>
         <p:spPr>
           <a:xfrm rot="16200000" flipH="1">
-            <a:off x="881642" y="2339650"/>
-            <a:ext cx="494380" cy="220136"/>
+            <a:off x="2465580" y="791259"/>
+            <a:ext cx="157435" cy="907609"/>
           </a:xfrm>
           <a:prstGeom prst="bentConnector3">
             <a:avLst>
@@ -15970,14 +16747,56 @@
       </p:cxnSp>
       <p:sp>
         <p:nvSpPr>
-          <p:cNvPr id="28" name="TextBox 27"/>
+          <p:cNvPr id="88" name="Oval 87"/>
+          <p:cNvSpPr/>
+          <p:nvPr/>
+        </p:nvSpPr>
+        <p:spPr>
+          <a:xfrm>
+            <a:off x="1367940" y="1807011"/>
+            <a:ext cx="3541907" cy="468868"/>
+          </a:xfrm>
+          <a:prstGeom prst="ellipse">
+            <a:avLst/>
+          </a:prstGeom>
+        </p:spPr>
+        <p:style>
+          <a:lnRef idx="1">
+            <a:schemeClr val="accent1"/>
+          </a:lnRef>
+          <a:fillRef idx="3">
+            <a:schemeClr val="accent1"/>
+          </a:fillRef>
+          <a:effectRef idx="2">
+            <a:schemeClr val="accent1"/>
+          </a:effectRef>
+          <a:fontRef idx="minor">
+            <a:schemeClr val="lt1"/>
+          </a:fontRef>
+        </p:style>
+        <p:txBody>
+          <a:bodyPr rtlCol="0" anchor="ctr"/>
+          <a:lstStyle/>
+          <a:p>
+            <a:pPr algn="ctr"/>
+            <a:r>
+              <a:rPr lang="en-US" sz="1400" dirty="0" err="1" smtClean="0"/>
+              <a:t>create_BEAST_input.py</a:t>
+            </a:r>
+            <a:endParaRPr lang="en-US" sz="1400" dirty="0" smtClean="0"/>
+          </a:p>
+        </p:txBody>
+      </p:sp>
+      <p:sp>
+        <p:nvSpPr>
+          <p:cNvPr id="89" name="TextBox 88"/>
           <p:cNvSpPr txBox="1"/>
           <p:nvPr/>
         </p:nvSpPr>
         <p:spPr>
           <a:xfrm>
-            <a:off x="5779101" y="3009649"/>
-            <a:ext cx="3148384" cy="369332"/>
+            <a:off x="3138894" y="2505878"/>
+            <a:ext cx="1578790" cy="369332"/>
           </a:xfrm>
           <a:prstGeom prst="rect">
             <a:avLst/>
@@ -15992,12 +16811,8 @@
           <a:p>
             <a:pPr algn="ctr"/>
             <a:r>
-              <a:rPr lang="en-US" dirty="0" err="1" smtClean="0"/>
-              <a:t>segmentation_validation_vXX</a:t>
-            </a:r>
-            <a:r>
               <a:rPr lang="en-US" dirty="0" smtClean="0"/>
-              <a:t>/</a:t>
+              <a:t>BEAST_TAG/</a:t>
             </a:r>
             <a:endParaRPr lang="en-US" dirty="0"/>
           </a:p>
@@ -16005,17 +16820,17 @@
       </p:sp>
       <p:cxnSp>
         <p:nvCxnSpPr>
-          <p:cNvPr id="29" name="Elbow Connector 28"/>
-          <p:cNvCxnSpPr>
-            <a:stCxn id="28" idx="2"/>
-            <a:endCxn id="3" idx="0"/>
-          </p:cNvCxnSpPr>
-          <p:nvPr/>
-        </p:nvCxnSpPr>
-        <p:spPr>
-          <a:xfrm rot="5400000">
-            <a:off x="4188281" y="1394117"/>
-            <a:ext cx="1180148" cy="5149877"/>
+          <p:cNvPr id="90" name="Elbow Connector 89"/>
+          <p:cNvCxnSpPr>
+            <a:stCxn id="88" idx="4"/>
+            <a:endCxn id="89" idx="0"/>
+          </p:cNvCxnSpPr>
+          <p:nvPr/>
+        </p:nvCxnSpPr>
+        <p:spPr>
+          <a:xfrm rot="16200000" flipH="1">
+            <a:off x="3418592" y="1996180"/>
+            <a:ext cx="229999" cy="789395"/>
           </a:xfrm>
           <a:prstGeom prst="bentConnector3">
             <a:avLst>
@@ -16038,95 +16853,19 @@
           </a:fontRef>
         </p:style>
       </p:cxnSp>
-      <p:sp>
-        <p:nvSpPr>
-          <p:cNvPr id="41" name="TextBox 40"/>
-          <p:cNvSpPr txBox="1"/>
-          <p:nvPr/>
-        </p:nvSpPr>
-        <p:spPr>
-          <a:xfrm>
-            <a:off x="181294" y="403206"/>
-            <a:ext cx="1880196" cy="369332"/>
-          </a:xfrm>
-          <a:prstGeom prst="rect">
-            <a:avLst/>
-          </a:prstGeom>
-          <a:noFill/>
-        </p:spPr>
-        <p:txBody>
-          <a:bodyPr wrap="square" rtlCol="0">
-            <a:spAutoFit/>
-          </a:bodyPr>
-          <a:lstStyle/>
-          <a:p>
-            <a:pPr algn="ctr"/>
-            <a:r>
-              <a:rPr lang="en-US" dirty="0" err="1"/>
-              <a:t>CN_filtered_data</a:t>
-            </a:r>
-            <a:r>
-              <a:rPr lang="en-US" dirty="0"/>
-              <a:t>/</a:t>
-            </a:r>
-          </a:p>
-        </p:txBody>
-      </p:sp>
-      <p:sp>
-        <p:nvSpPr>
-          <p:cNvPr id="42" name="Oval 41"/>
-          <p:cNvSpPr/>
-          <p:nvPr/>
-        </p:nvSpPr>
-        <p:spPr>
-          <a:xfrm>
-            <a:off x="290534" y="1045221"/>
-            <a:ext cx="3541907" cy="468868"/>
-          </a:xfrm>
-          <a:prstGeom prst="ellipse">
-            <a:avLst/>
-          </a:prstGeom>
-        </p:spPr>
-        <p:style>
-          <a:lnRef idx="1">
-            <a:schemeClr val="accent1"/>
-          </a:lnRef>
-          <a:fillRef idx="3">
-            <a:schemeClr val="accent1"/>
-          </a:fillRef>
-          <a:effectRef idx="2">
-            <a:schemeClr val="accent1"/>
-          </a:effectRef>
-          <a:fontRef idx="minor">
-            <a:schemeClr val="lt1"/>
-          </a:fontRef>
-        </p:style>
-        <p:txBody>
-          <a:bodyPr rtlCol="0" anchor="ctr"/>
-          <a:lstStyle/>
-          <a:p>
-            <a:pPr algn="ctr"/>
-            <a:r>
-              <a:rPr lang="en-US" sz="1400" dirty="0" err="1" smtClean="0"/>
-              <a:t>process_joint_segmentation.py</a:t>
-            </a:r>
-            <a:endParaRPr lang="en-US" sz="1400" dirty="0" smtClean="0"/>
-          </a:p>
-        </p:txBody>
-      </p:sp>
-      <p:cxnSp>
-        <p:nvCxnSpPr>
-          <p:cNvPr id="43" name="Elbow Connector 42"/>
-          <p:cNvCxnSpPr>
-            <a:stCxn id="42" idx="0"/>
-            <a:endCxn id="41" idx="2"/>
-          </p:cNvCxnSpPr>
-          <p:nvPr/>
-        </p:nvCxnSpPr>
-        <p:spPr>
-          <a:xfrm rot="16200000" flipV="1">
-            <a:off x="1455099" y="438832"/>
-            <a:ext cx="272683" cy="940096"/>
+      <p:cxnSp>
+        <p:nvCxnSpPr>
+          <p:cNvPr id="107" name="Elbow Connector 106"/>
+          <p:cNvCxnSpPr>
+            <a:stCxn id="9" idx="2"/>
+            <a:endCxn id="88" idx="0"/>
+          </p:cNvCxnSpPr>
+          <p:nvPr/>
+        </p:nvCxnSpPr>
+        <p:spPr>
+          <a:xfrm rot="16200000" flipH="1">
+            <a:off x="3011550" y="1679666"/>
+            <a:ext cx="113897" cy="140792"/>
           </a:xfrm>
           <a:prstGeom prst="bentConnector3">
             <a:avLst>
@@ -16149,19 +16888,96 @@
           </a:fontRef>
         </p:style>
       </p:cxnSp>
-      <p:cxnSp>
-        <p:nvCxnSpPr>
-          <p:cNvPr id="44" name="Elbow Connector 43"/>
-          <p:cNvCxnSpPr>
-            <a:stCxn id="42" idx="4"/>
-            <a:endCxn id="2" idx="0"/>
-          </p:cNvCxnSpPr>
-          <p:nvPr/>
-        </p:nvCxnSpPr>
-        <p:spPr>
-          <a:xfrm rot="16200000" flipH="1">
-            <a:off x="2902653" y="672924"/>
-            <a:ext cx="394313" cy="2076642"/>
+      <p:sp>
+        <p:nvSpPr>
+          <p:cNvPr id="142" name="Oval 141"/>
+          <p:cNvSpPr/>
+          <p:nvPr/>
+        </p:nvSpPr>
+        <p:spPr>
+          <a:xfrm>
+            <a:off x="97622" y="3021982"/>
+            <a:ext cx="3694307" cy="468868"/>
+          </a:xfrm>
+          <a:prstGeom prst="ellipse">
+            <a:avLst/>
+          </a:prstGeom>
+        </p:spPr>
+        <p:style>
+          <a:lnRef idx="1">
+            <a:schemeClr val="accent1"/>
+          </a:lnRef>
+          <a:fillRef idx="3">
+            <a:schemeClr val="accent1"/>
+          </a:fillRef>
+          <a:effectRef idx="2">
+            <a:schemeClr val="accent1"/>
+          </a:effectRef>
+          <a:fontRef idx="minor">
+            <a:schemeClr val="lt1"/>
+          </a:fontRef>
+        </p:style>
+        <p:txBody>
+          <a:bodyPr rtlCol="0" anchor="ctr"/>
+          <a:lstStyle/>
+          <a:p>
+            <a:pPr algn="ctr"/>
+            <a:r>
+              <a:rPr lang="en-US" sz="1400" dirty="0" err="1" smtClean="0"/>
+              <a:t>create_delgains_from_BEAST.py</a:t>
+            </a:r>
+            <a:endParaRPr lang="en-US" sz="1400" dirty="0" smtClean="0"/>
+          </a:p>
+        </p:txBody>
+      </p:sp>
+      <p:sp>
+        <p:nvSpPr>
+          <p:cNvPr id="143" name="TextBox 142"/>
+          <p:cNvSpPr txBox="1"/>
+          <p:nvPr/>
+        </p:nvSpPr>
+        <p:spPr>
+          <a:xfrm>
+            <a:off x="100994" y="3811864"/>
+            <a:ext cx="2130467" cy="369332"/>
+          </a:xfrm>
+          <a:prstGeom prst="rect">
+            <a:avLst/>
+          </a:prstGeom>
+          <a:noFill/>
+        </p:spPr>
+        <p:txBody>
+          <a:bodyPr wrap="square" rtlCol="0">
+            <a:spAutoFit/>
+          </a:bodyPr>
+          <a:lstStyle/>
+          <a:p>
+            <a:pPr algn="ctr"/>
+            <a:r>
+              <a:rPr lang="en-US" dirty="0" err="1" smtClean="0"/>
+              <a:t>joint_delsandgains</a:t>
+            </a:r>
+            <a:r>
+              <a:rPr lang="en-US" dirty="0" smtClean="0"/>
+              <a:t>/</a:t>
+            </a:r>
+            <a:endParaRPr lang="en-US" dirty="0"/>
+          </a:p>
+        </p:txBody>
+      </p:sp>
+      <p:cxnSp>
+        <p:nvCxnSpPr>
+          <p:cNvPr id="144" name="Elbow Connector 143"/>
+          <p:cNvCxnSpPr>
+            <a:stCxn id="142" idx="4"/>
+            <a:endCxn id="143" idx="0"/>
+          </p:cNvCxnSpPr>
+          <p:nvPr/>
+        </p:nvCxnSpPr>
+        <p:spPr>
+          <a:xfrm rot="5400000">
+            <a:off x="1394995" y="3262083"/>
+            <a:ext cx="321014" cy="778548"/>
           </a:xfrm>
           <a:prstGeom prst="bentConnector3">
             <a:avLst>
@@ -16184,56 +17000,19 @@
           </a:fontRef>
         </p:style>
       </p:cxnSp>
-      <p:sp>
-        <p:nvSpPr>
-          <p:cNvPr id="46" name="TextBox 45"/>
-          <p:cNvSpPr txBox="1"/>
-          <p:nvPr/>
-        </p:nvSpPr>
-        <p:spPr>
-          <a:xfrm>
-            <a:off x="2809004" y="218540"/>
-            <a:ext cx="2582334" cy="369332"/>
-          </a:xfrm>
-          <a:prstGeom prst="rect">
-            <a:avLst/>
-          </a:prstGeom>
-          <a:noFill/>
-        </p:spPr>
-        <p:txBody>
-          <a:bodyPr wrap="square" rtlCol="0">
-            <a:spAutoFit/>
-          </a:bodyPr>
-          <a:lstStyle/>
-          <a:p>
-            <a:pPr algn="ctr"/>
-            <a:r>
-              <a:rPr lang="en-US" dirty="0" err="1" smtClean="0">
-                <a:latin typeface="Courier New"/>
-                <a:cs typeface="Courier New"/>
-              </a:rPr>
-              <a:t>joint_seg_vXX.txt</a:t>
-            </a:r>
-            <a:endParaRPr lang="en-US" dirty="0">
-              <a:latin typeface="Courier New"/>
-              <a:cs typeface="Courier New"/>
-            </a:endParaRPr>
-          </a:p>
-        </p:txBody>
-      </p:sp>
-      <p:cxnSp>
-        <p:nvCxnSpPr>
-          <p:cNvPr id="47" name="Elbow Connector 46"/>
-          <p:cNvCxnSpPr>
-            <a:stCxn id="42" idx="0"/>
-            <a:endCxn id="46" idx="2"/>
-          </p:cNvCxnSpPr>
-          <p:nvPr/>
-        </p:nvCxnSpPr>
-        <p:spPr>
-          <a:xfrm rot="5400000" flipH="1" flipV="1">
-            <a:off x="2852155" y="-202794"/>
-            <a:ext cx="457349" cy="2038683"/>
+      <p:cxnSp>
+        <p:nvCxnSpPr>
+          <p:cNvPr id="146" name="Elbow Connector 145"/>
+          <p:cNvCxnSpPr>
+            <a:stCxn id="89" idx="2"/>
+            <a:endCxn id="142" idx="0"/>
+          </p:cNvCxnSpPr>
+          <p:nvPr/>
+        </p:nvCxnSpPr>
+        <p:spPr>
+          <a:xfrm rot="5400000">
+            <a:off x="2863147" y="1956840"/>
+            <a:ext cx="146772" cy="1983513"/>
           </a:xfrm>
           <a:prstGeom prst="bentConnector3">
             <a:avLst>
@@ -16258,13 +17037,13 @@
       </p:cxnSp>
       <p:sp>
         <p:nvSpPr>
-          <p:cNvPr id="53" name="Oval 52"/>
+          <p:cNvPr id="70" name="Oval 69"/>
           <p:cNvSpPr/>
           <p:nvPr/>
         </p:nvSpPr>
         <p:spPr>
           <a:xfrm>
-            <a:off x="4402520" y="1045221"/>
+            <a:off x="4175716" y="3021982"/>
             <a:ext cx="3541907" cy="468868"/>
           </a:xfrm>
           <a:prstGeom prst="ellipse">
@@ -16292,60 +17071,60 @@
             <a:pPr algn="ctr"/>
             <a:r>
               <a:rPr lang="en-US" sz="1400" dirty="0" err="1" smtClean="0"/>
-              <a:t>process_joint_BAFs.py</a:t>
+              <a:t>distribute_BEAST.py</a:t>
             </a:r>
             <a:endParaRPr lang="en-US" sz="1400" dirty="0" smtClean="0"/>
           </a:p>
         </p:txBody>
       </p:sp>
-      <p:cxnSp>
-        <p:nvCxnSpPr>
-          <p:cNvPr id="54" name="Elbow Connector 53"/>
-          <p:cNvCxnSpPr>
-            <a:stCxn id="53" idx="4"/>
-            <a:endCxn id="11" idx="0"/>
-          </p:cNvCxnSpPr>
-          <p:nvPr/>
-        </p:nvCxnSpPr>
-        <p:spPr>
-          <a:xfrm rot="5400000">
-            <a:off x="3436566" y="-903713"/>
-            <a:ext cx="319107" cy="5154710"/>
-          </a:xfrm>
-          <a:prstGeom prst="bentConnector3">
-            <a:avLst>
-              <a:gd name="adj1" fmla="val 31631"/>
-            </a:avLst>
-          </a:prstGeom>
-        </p:spPr>
-        <p:style>
-          <a:lnRef idx="2">
-            <a:schemeClr val="accent1"/>
-          </a:lnRef>
-          <a:fillRef idx="0">
-            <a:schemeClr val="accent1"/>
-          </a:fillRef>
-          <a:effectRef idx="1">
-            <a:schemeClr val="accent1"/>
-          </a:effectRef>
-          <a:fontRef idx="minor">
-            <a:schemeClr val="tx1"/>
-          </a:fontRef>
-        </p:style>
-      </p:cxnSp>
-      <p:cxnSp>
-        <p:nvCxnSpPr>
-          <p:cNvPr id="57" name="Elbow Connector 56"/>
-          <p:cNvCxnSpPr>
-            <a:stCxn id="53" idx="0"/>
-            <a:endCxn id="46" idx="2"/>
-          </p:cNvCxnSpPr>
-          <p:nvPr/>
-        </p:nvCxnSpPr>
-        <p:spPr>
-          <a:xfrm rot="16200000" flipV="1">
-            <a:off x="4908149" y="-220105"/>
-            <a:ext cx="457349" cy="2073303"/>
+      <p:sp>
+        <p:nvSpPr>
+          <p:cNvPr id="71" name="TextBox 70"/>
+          <p:cNvSpPr txBox="1"/>
+          <p:nvPr/>
+        </p:nvSpPr>
+        <p:spPr>
+          <a:xfrm>
+            <a:off x="5217722" y="3996530"/>
+            <a:ext cx="2482209" cy="369332"/>
+          </a:xfrm>
+          <a:prstGeom prst="rect">
+            <a:avLst/>
+          </a:prstGeom>
+          <a:noFill/>
+        </p:spPr>
+        <p:txBody>
+          <a:bodyPr wrap="square" rtlCol="0">
+            <a:spAutoFit/>
+          </a:bodyPr>
+          <a:lstStyle/>
+          <a:p>
+            <a:pPr algn="ctr"/>
+            <a:r>
+              <a:rPr lang="en-US" dirty="0" err="1" smtClean="0"/>
+              <a:t>BEAST_allcombos_TAG</a:t>
+            </a:r>
+            <a:r>
+              <a:rPr lang="en-US" dirty="0" smtClean="0"/>
+              <a:t>/</a:t>
+            </a:r>
+            <a:endParaRPr lang="en-US" dirty="0"/>
+          </a:p>
+        </p:txBody>
+      </p:sp>
+      <p:cxnSp>
+        <p:nvCxnSpPr>
+          <p:cNvPr id="72" name="Elbow Connector 71"/>
+          <p:cNvCxnSpPr>
+            <a:stCxn id="70" idx="4"/>
+            <a:endCxn id="71" idx="0"/>
+          </p:cNvCxnSpPr>
+          <p:nvPr/>
+        </p:nvCxnSpPr>
+        <p:spPr>
+          <a:xfrm rot="16200000" flipH="1">
+            <a:off x="5949908" y="3487611"/>
+            <a:ext cx="505680" cy="512157"/>
           </a:xfrm>
           <a:prstGeom prst="bentConnector3">
             <a:avLst>
@@ -16368,50 +17147,19 @@
           </a:fontRef>
         </p:style>
       </p:cxnSp>
-      <p:sp>
-        <p:nvSpPr>
-          <p:cNvPr id="62" name="TextBox 61"/>
-          <p:cNvSpPr txBox="1"/>
-          <p:nvPr/>
-        </p:nvSpPr>
-        <p:spPr>
-          <a:xfrm>
-            <a:off x="6173475" y="403206"/>
-            <a:ext cx="2359634" cy="369332"/>
-          </a:xfrm>
-          <a:prstGeom prst="rect">
-            <a:avLst/>
-          </a:prstGeom>
-          <a:noFill/>
-        </p:spPr>
-        <p:txBody>
-          <a:bodyPr wrap="square" rtlCol="0">
-            <a:spAutoFit/>
-          </a:bodyPr>
-          <a:lstStyle/>
-          <a:p>
-            <a:pPr algn="ctr"/>
-            <a:r>
-              <a:rPr lang="en-US" dirty="0" smtClean="0"/>
-              <a:t>BAF_filtered_data_15/</a:t>
-            </a:r>
-            <a:endParaRPr lang="en-US" dirty="0"/>
-          </a:p>
-        </p:txBody>
-      </p:sp>
-      <p:cxnSp>
-        <p:nvCxnSpPr>
-          <p:cNvPr id="63" name="Elbow Connector 62"/>
-          <p:cNvCxnSpPr>
-            <a:stCxn id="53" idx="0"/>
-            <a:endCxn id="62" idx="2"/>
-          </p:cNvCxnSpPr>
-          <p:nvPr/>
-        </p:nvCxnSpPr>
-        <p:spPr>
-          <a:xfrm rot="5400000" flipH="1" flipV="1">
-            <a:off x="6627042" y="318971"/>
-            <a:ext cx="272683" cy="1179818"/>
+      <p:cxnSp>
+        <p:nvCxnSpPr>
+          <p:cNvPr id="73" name="Elbow Connector 72"/>
+          <p:cNvCxnSpPr>
+            <a:stCxn id="89" idx="2"/>
+            <a:endCxn id="70" idx="0"/>
+          </p:cNvCxnSpPr>
+          <p:nvPr/>
+        </p:nvCxnSpPr>
+        <p:spPr>
+          <a:xfrm rot="16200000" flipH="1">
+            <a:off x="4864093" y="1939405"/>
+            <a:ext cx="146772" cy="2018381"/>
           </a:xfrm>
           <a:prstGeom prst="bentConnector3">
             <a:avLst>
@@ -16434,478 +17182,10 @@
           </a:fontRef>
         </p:style>
       </p:cxnSp>
-      <p:sp>
-        <p:nvSpPr>
-          <p:cNvPr id="74" name="Oval 73"/>
-          <p:cNvSpPr/>
-          <p:nvPr/>
-        </p:nvSpPr>
-        <p:spPr>
-          <a:xfrm>
-            <a:off x="4784088" y="2424498"/>
-            <a:ext cx="3541907" cy="468868"/>
-          </a:xfrm>
-          <a:prstGeom prst="ellipse">
-            <a:avLst/>
-          </a:prstGeom>
-        </p:spPr>
-        <p:style>
-          <a:lnRef idx="1">
-            <a:schemeClr val="accent1"/>
-          </a:lnRef>
-          <a:fillRef idx="3">
-            <a:schemeClr val="accent1"/>
-          </a:fillRef>
-          <a:effectRef idx="2">
-            <a:schemeClr val="accent1"/>
-          </a:effectRef>
-          <a:fontRef idx="minor">
-            <a:schemeClr val="lt1"/>
-          </a:fontRef>
-        </p:style>
-        <p:txBody>
-          <a:bodyPr rtlCol="0" anchor="ctr"/>
-          <a:lstStyle/>
-          <a:p>
-            <a:pPr algn="ctr"/>
-            <a:r>
-              <a:rPr lang="en-US" sz="1400" dirty="0" err="1" smtClean="0"/>
-              <a:t>validate_segmentation.py</a:t>
-            </a:r>
-            <a:endParaRPr lang="en-US" sz="1400" dirty="0" smtClean="0"/>
-          </a:p>
-        </p:txBody>
-      </p:sp>
-      <p:cxnSp>
-        <p:nvCxnSpPr>
-          <p:cNvPr id="75" name="Elbow Connector 74"/>
-          <p:cNvCxnSpPr>
-            <a:stCxn id="2" idx="2"/>
-            <a:endCxn id="74" idx="0"/>
-          </p:cNvCxnSpPr>
-          <p:nvPr/>
-        </p:nvCxnSpPr>
-        <p:spPr>
-          <a:xfrm rot="16200000" flipH="1">
-            <a:off x="5273204" y="1142660"/>
-            <a:ext cx="146764" cy="2416912"/>
-          </a:xfrm>
-          <a:prstGeom prst="bentConnector3">
-            <a:avLst>
-              <a:gd name="adj1" fmla="val 50000"/>
-            </a:avLst>
-          </a:prstGeom>
-        </p:spPr>
-        <p:style>
-          <a:lnRef idx="2">
-            <a:schemeClr val="accent1"/>
-          </a:lnRef>
-          <a:fillRef idx="0">
-            <a:schemeClr val="accent1"/>
-          </a:fillRef>
-          <a:effectRef idx="1">
-            <a:schemeClr val="accent1"/>
-          </a:effectRef>
-          <a:fontRef idx="minor">
-            <a:schemeClr val="tx1"/>
-          </a:fontRef>
-        </p:style>
-      </p:cxnSp>
-      <p:cxnSp>
-        <p:nvCxnSpPr>
-          <p:cNvPr id="78" name="Elbow Connector 77"/>
-          <p:cNvCxnSpPr>
-            <a:stCxn id="62" idx="3"/>
-            <a:endCxn id="74" idx="0"/>
-          </p:cNvCxnSpPr>
-          <p:nvPr/>
-        </p:nvCxnSpPr>
-        <p:spPr>
-          <a:xfrm flipH="1">
-            <a:off x="6555042" y="587872"/>
-            <a:ext cx="1978067" cy="1836626"/>
-          </a:xfrm>
-          <a:prstGeom prst="bentConnector4">
-            <a:avLst>
-              <a:gd name="adj1" fmla="val -11557"/>
-              <a:gd name="adj2" fmla="val 55027"/>
-            </a:avLst>
-          </a:prstGeom>
-        </p:spPr>
-        <p:style>
-          <a:lnRef idx="2">
-            <a:schemeClr val="accent1"/>
-          </a:lnRef>
-          <a:fillRef idx="0">
-            <a:schemeClr val="accent1"/>
-          </a:fillRef>
-          <a:effectRef idx="1">
-            <a:schemeClr val="accent1"/>
-          </a:effectRef>
-          <a:fontRef idx="minor">
-            <a:schemeClr val="tx1"/>
-          </a:fontRef>
-        </p:style>
-      </p:cxnSp>
-      <p:cxnSp>
-        <p:nvCxnSpPr>
-          <p:cNvPr id="83" name="Elbow Connector 82"/>
-          <p:cNvCxnSpPr>
-            <a:stCxn id="74" idx="4"/>
-            <a:endCxn id="28" idx="0"/>
-          </p:cNvCxnSpPr>
-          <p:nvPr/>
-        </p:nvCxnSpPr>
-        <p:spPr>
-          <a:xfrm rot="16200000" flipH="1">
-            <a:off x="6896026" y="2552381"/>
-            <a:ext cx="116283" cy="798251"/>
-          </a:xfrm>
-          <a:prstGeom prst="bentConnector3">
-            <a:avLst>
-              <a:gd name="adj1" fmla="val 50000"/>
-            </a:avLst>
-          </a:prstGeom>
-        </p:spPr>
-        <p:style>
-          <a:lnRef idx="2">
-            <a:schemeClr val="accent1"/>
-          </a:lnRef>
-          <a:fillRef idx="0">
-            <a:schemeClr val="accent1"/>
-          </a:fillRef>
-          <a:effectRef idx="1">
-            <a:schemeClr val="accent1"/>
-          </a:effectRef>
-          <a:fontRef idx="minor">
-            <a:schemeClr val="tx1"/>
-          </a:fontRef>
-        </p:style>
-      </p:cxnSp>
-      <p:sp>
-        <p:nvSpPr>
-          <p:cNvPr id="45" name="Oval 44"/>
-          <p:cNvSpPr/>
-          <p:nvPr/>
-        </p:nvSpPr>
-        <p:spPr>
-          <a:xfrm>
-            <a:off x="720200" y="2628244"/>
-            <a:ext cx="3541907" cy="468868"/>
-          </a:xfrm>
-          <a:prstGeom prst="ellipse">
-            <a:avLst/>
-          </a:prstGeom>
-        </p:spPr>
-        <p:style>
-          <a:lnRef idx="1">
-            <a:schemeClr val="accent1"/>
-          </a:lnRef>
-          <a:fillRef idx="3">
-            <a:schemeClr val="accent1"/>
-          </a:fillRef>
-          <a:effectRef idx="2">
-            <a:schemeClr val="accent1"/>
-          </a:effectRef>
-          <a:fontRef idx="minor">
-            <a:schemeClr val="lt1"/>
-          </a:fontRef>
-        </p:style>
-        <p:txBody>
-          <a:bodyPr rtlCol="0" anchor="ctr"/>
-          <a:lstStyle/>
-          <a:p>
-            <a:pPr algn="ctr"/>
-            <a:r>
-              <a:rPr lang="en-US" sz="1400" dirty="0" err="1" smtClean="0"/>
-              <a:t>calculate_odds.py</a:t>
-            </a:r>
-            <a:endParaRPr lang="en-US" sz="1400" dirty="0" smtClean="0"/>
-          </a:p>
-        </p:txBody>
-      </p:sp>
-      <p:sp>
-        <p:nvSpPr>
-          <p:cNvPr id="48" name="TextBox 47"/>
-          <p:cNvSpPr txBox="1"/>
-          <p:nvPr/>
-        </p:nvSpPr>
-        <p:spPr>
-          <a:xfrm>
-            <a:off x="2008522" y="3563646"/>
-            <a:ext cx="3770579" cy="369332"/>
-          </a:xfrm>
-          <a:prstGeom prst="rect">
-            <a:avLst/>
-          </a:prstGeom>
-          <a:noFill/>
-        </p:spPr>
-        <p:txBody>
-          <a:bodyPr wrap="square" rtlCol="0">
-            <a:spAutoFit/>
-          </a:bodyPr>
-          <a:lstStyle/>
-          <a:p>
-            <a:pPr algn="ctr"/>
-            <a:r>
-              <a:rPr lang="en-US" dirty="0" smtClean="0"/>
-              <a:t>CN_joint_log2rs_vXX_joined_best/</a:t>
-            </a:r>
-            <a:endParaRPr lang="en-US" dirty="0"/>
-          </a:p>
-        </p:txBody>
-      </p:sp>
-      <p:sp>
-        <p:nvSpPr>
-          <p:cNvPr id="49" name="TextBox 48"/>
-          <p:cNvSpPr txBox="1"/>
-          <p:nvPr/>
-        </p:nvSpPr>
-        <p:spPr>
-          <a:xfrm>
-            <a:off x="0" y="3194315"/>
-            <a:ext cx="3698758" cy="369332"/>
-          </a:xfrm>
-          <a:prstGeom prst="rect">
-            <a:avLst/>
-          </a:prstGeom>
-          <a:noFill/>
-        </p:spPr>
-        <p:txBody>
-          <a:bodyPr wrap="square" rtlCol="0">
-            <a:spAutoFit/>
-          </a:bodyPr>
-          <a:lstStyle/>
-          <a:p>
-            <a:pPr algn="ctr"/>
-            <a:r>
-              <a:rPr lang="en-US" dirty="0" err="1" smtClean="0"/>
-              <a:t>BAF_joint_vals_vXX_joined_best</a:t>
-            </a:r>
-            <a:r>
-              <a:rPr lang="en-US" dirty="0" smtClean="0"/>
-              <a:t>/</a:t>
-            </a:r>
-            <a:endParaRPr lang="en-US" dirty="0"/>
-          </a:p>
-        </p:txBody>
-      </p:sp>
-      <p:cxnSp>
-        <p:nvCxnSpPr>
-          <p:cNvPr id="50" name="Elbow Connector 49"/>
-          <p:cNvCxnSpPr>
-            <a:stCxn id="45" idx="3"/>
-            <a:endCxn id="49" idx="0"/>
-          </p:cNvCxnSpPr>
-          <p:nvPr/>
-        </p:nvCxnSpPr>
-        <p:spPr>
-          <a:xfrm rot="16200000" flipH="1">
-            <a:off x="1461206" y="2806141"/>
-            <a:ext cx="165867" cy="610479"/>
-          </a:xfrm>
-          <a:prstGeom prst="bentConnector3">
-            <a:avLst>
-              <a:gd name="adj1" fmla="val 50000"/>
-            </a:avLst>
-          </a:prstGeom>
-        </p:spPr>
-        <p:style>
-          <a:lnRef idx="2">
-            <a:schemeClr val="accent1"/>
-          </a:lnRef>
-          <a:fillRef idx="0">
-            <a:schemeClr val="accent1"/>
-          </a:fillRef>
-          <a:effectRef idx="1">
-            <a:schemeClr val="accent1"/>
-          </a:effectRef>
-          <a:fontRef idx="minor">
-            <a:schemeClr val="tx1"/>
-          </a:fontRef>
-        </p:style>
-      </p:cxnSp>
-      <p:cxnSp>
-        <p:nvCxnSpPr>
-          <p:cNvPr id="51" name="Elbow Connector 50"/>
-          <p:cNvCxnSpPr>
-            <a:stCxn id="45" idx="5"/>
-            <a:endCxn id="48" idx="0"/>
-          </p:cNvCxnSpPr>
-          <p:nvPr/>
-        </p:nvCxnSpPr>
-        <p:spPr>
-          <a:xfrm rot="16200000" flipH="1">
-            <a:off x="3551010" y="3220844"/>
-            <a:ext cx="535198" cy="150405"/>
-          </a:xfrm>
-          <a:prstGeom prst="bentConnector3">
-            <a:avLst>
-              <a:gd name="adj1" fmla="val 50000"/>
-            </a:avLst>
-          </a:prstGeom>
-        </p:spPr>
-        <p:style>
-          <a:lnRef idx="2">
-            <a:schemeClr val="accent1"/>
-          </a:lnRef>
-          <a:fillRef idx="0">
-            <a:schemeClr val="accent1"/>
-          </a:fillRef>
-          <a:effectRef idx="1">
-            <a:schemeClr val="accent1"/>
-          </a:effectRef>
-          <a:fontRef idx="minor">
-            <a:schemeClr val="tx1"/>
-          </a:fontRef>
-        </p:style>
-      </p:cxnSp>
-      <p:cxnSp>
-        <p:nvCxnSpPr>
-          <p:cNvPr id="52" name="Elbow Connector 51"/>
-          <p:cNvCxnSpPr>
-            <a:stCxn id="49" idx="2"/>
-            <a:endCxn id="3" idx="0"/>
-          </p:cNvCxnSpPr>
-          <p:nvPr/>
-        </p:nvCxnSpPr>
-        <p:spPr>
-          <a:xfrm rot="16200000" flipH="1">
-            <a:off x="1528656" y="3884369"/>
-            <a:ext cx="995482" cy="354037"/>
-          </a:xfrm>
-          <a:prstGeom prst="bentConnector3">
-            <a:avLst>
-              <a:gd name="adj1" fmla="val 50000"/>
-            </a:avLst>
-          </a:prstGeom>
-        </p:spPr>
-        <p:style>
-          <a:lnRef idx="2">
-            <a:schemeClr val="accent1"/>
-          </a:lnRef>
-          <a:fillRef idx="0">
-            <a:schemeClr val="accent1"/>
-          </a:fillRef>
-          <a:effectRef idx="1">
-            <a:schemeClr val="accent1"/>
-          </a:effectRef>
-          <a:fontRef idx="minor">
-            <a:schemeClr val="tx1"/>
-          </a:fontRef>
-        </p:style>
-      </p:cxnSp>
-      <p:cxnSp>
-        <p:nvCxnSpPr>
-          <p:cNvPr id="56" name="Elbow Connector 55"/>
-          <p:cNvCxnSpPr>
-            <a:stCxn id="48" idx="2"/>
-            <a:endCxn id="3" idx="0"/>
-          </p:cNvCxnSpPr>
-          <p:nvPr/>
-        </p:nvCxnSpPr>
-        <p:spPr>
-          <a:xfrm rot="5400000">
-            <a:off x="2735539" y="3400855"/>
-            <a:ext cx="626151" cy="1690396"/>
-          </a:xfrm>
-          <a:prstGeom prst="bentConnector3">
-            <a:avLst>
-              <a:gd name="adj1" fmla="val 50000"/>
-            </a:avLst>
-          </a:prstGeom>
-        </p:spPr>
-        <p:style>
-          <a:lnRef idx="2">
-            <a:schemeClr val="accent1"/>
-          </a:lnRef>
-          <a:fillRef idx="0">
-            <a:schemeClr val="accent1"/>
-          </a:fillRef>
-          <a:effectRef idx="1">
-            <a:schemeClr val="accent1"/>
-          </a:effectRef>
-          <a:fontRef idx="minor">
-            <a:schemeClr val="tx1"/>
-          </a:fontRef>
-        </p:style>
-      </p:cxnSp>
-      <p:cxnSp>
-        <p:nvCxnSpPr>
-          <p:cNvPr id="64" name="Elbow Connector 63"/>
-          <p:cNvCxnSpPr>
-            <a:stCxn id="70" idx="2"/>
-            <a:endCxn id="45" idx="0"/>
-          </p:cNvCxnSpPr>
-          <p:nvPr/>
-        </p:nvCxnSpPr>
-        <p:spPr>
-          <a:xfrm rot="5400000">
-            <a:off x="2451878" y="2501676"/>
-            <a:ext cx="165844" cy="87292"/>
-          </a:xfrm>
-          <a:prstGeom prst="bentConnector3">
-            <a:avLst>
-              <a:gd name="adj1" fmla="val 50000"/>
-            </a:avLst>
-          </a:prstGeom>
-        </p:spPr>
-        <p:style>
-          <a:lnRef idx="2">
-            <a:schemeClr val="accent1"/>
-          </a:lnRef>
-          <a:fillRef idx="0">
-            <a:schemeClr val="accent1"/>
-          </a:fillRef>
-          <a:effectRef idx="1">
-            <a:schemeClr val="accent1"/>
-          </a:effectRef>
-          <a:fontRef idx="minor">
-            <a:schemeClr val="tx1"/>
-          </a:fontRef>
-        </p:style>
-      </p:cxnSp>
-      <p:sp>
-        <p:nvSpPr>
-          <p:cNvPr id="70" name="TextBox 69"/>
-          <p:cNvSpPr txBox="1"/>
-          <p:nvPr/>
-        </p:nvSpPr>
-        <p:spPr>
-          <a:xfrm>
-            <a:off x="1018764" y="2093068"/>
-            <a:ext cx="3119364" cy="369332"/>
-          </a:xfrm>
-          <a:prstGeom prst="rect">
-            <a:avLst/>
-          </a:prstGeom>
-          <a:noFill/>
-        </p:spPr>
-        <p:txBody>
-          <a:bodyPr wrap="square" rtlCol="0">
-            <a:spAutoFit/>
-          </a:bodyPr>
-          <a:lstStyle/>
-          <a:p>
-            <a:pPr algn="ctr"/>
-            <a:r>
-              <a:rPr lang="en-US" dirty="0" err="1" smtClean="0">
-                <a:latin typeface="Courier New"/>
-                <a:cs typeface="Courier New"/>
-              </a:rPr>
-              <a:t>joint_summary_TAG.txt</a:t>
-            </a:r>
-            <a:endParaRPr lang="en-US" dirty="0">
-              <a:latin typeface="Courier New"/>
-              <a:cs typeface="Courier New"/>
-            </a:endParaRPr>
-          </a:p>
-        </p:txBody>
-      </p:sp>
     </p:spTree>
     <p:extLst>
       <p:ext uri="{BB962C8B-B14F-4D97-AF65-F5344CB8AC3E}">
-        <p14:creationId xmlns:p14="http://schemas.microsoft.com/office/powerpoint/2010/main" val="415467289"/>
+        <p14:creationId xmlns:p14="http://schemas.microsoft.com/office/powerpoint/2010/main" val="2677983069"/>
       </p:ext>
     </p:extLst>
   </p:cSld>
@@ -16934,14 +17214,14 @@
       </p:grpSpPr>
       <p:sp>
         <p:nvSpPr>
-          <p:cNvPr id="6" name="TextBox 5"/>
+          <p:cNvPr id="4" name="TextBox 3"/>
           <p:cNvSpPr txBox="1"/>
           <p:nvPr/>
         </p:nvSpPr>
         <p:spPr>
           <a:xfrm>
-            <a:off x="97622" y="84815"/>
-            <a:ext cx="4078094" cy="369332"/>
+            <a:off x="272238" y="165571"/>
+            <a:ext cx="1710266" cy="369332"/>
           </a:xfrm>
           <a:prstGeom prst="rect">
             <a:avLst/>
@@ -16957,7 +17237,7 @@
             <a:pPr algn="ctr"/>
             <a:r>
               <a:rPr lang="en-US" dirty="0" err="1" smtClean="0"/>
-              <a:t>joint_processed_segmentation_TAG</a:t>
+              <a:t>CN_raw_data</a:t>
             </a:r>
             <a:r>
               <a:rPr lang="en-US" dirty="0" smtClean="0"/>
@@ -16969,14 +17249,14 @@
       </p:sp>
       <p:sp>
         <p:nvSpPr>
-          <p:cNvPr id="7" name="Oval 6"/>
+          <p:cNvPr id="6" name="Oval 5"/>
           <p:cNvSpPr/>
           <p:nvPr/>
         </p:nvSpPr>
         <p:spPr>
           <a:xfrm>
-            <a:off x="319539" y="697479"/>
-            <a:ext cx="3541907" cy="468868"/>
+            <a:off x="540458" y="910969"/>
+            <a:ext cx="2534718" cy="468868"/>
           </a:xfrm>
           <a:prstGeom prst="ellipse">
             <a:avLst/>
@@ -17003,7 +17283,7 @@
             <a:pPr algn="ctr"/>
             <a:r>
               <a:rPr lang="en-US" sz="1400" dirty="0" err="1" smtClean="0"/>
-              <a:t>remove_joint_duplicates.py</a:t>
+              <a:t>process_omni_CN.py</a:t>
             </a:r>
             <a:endParaRPr lang="en-US" sz="1400" dirty="0" smtClean="0"/>
           </a:p>
@@ -17011,17 +17291,50 @@
       </p:sp>
       <p:cxnSp>
         <p:nvCxnSpPr>
+          <p:cNvPr id="7" name="Elbow Connector 6"/>
+          <p:cNvCxnSpPr>
+            <a:stCxn id="4" idx="2"/>
+            <a:endCxn id="6" idx="0"/>
+          </p:cNvCxnSpPr>
+          <p:nvPr/>
+        </p:nvCxnSpPr>
+        <p:spPr>
+          <a:xfrm rot="16200000" flipH="1">
+            <a:off x="1279561" y="382713"/>
+            <a:ext cx="376066" cy="680446"/>
+          </a:xfrm>
+          <a:prstGeom prst="bentConnector3">
+            <a:avLst/>
+          </a:prstGeom>
+        </p:spPr>
+        <p:style>
+          <a:lnRef idx="2">
+            <a:schemeClr val="accent1"/>
+          </a:lnRef>
+          <a:fillRef idx="0">
+            <a:schemeClr val="accent1"/>
+          </a:fillRef>
+          <a:effectRef idx="1">
+            <a:schemeClr val="accent1"/>
+          </a:effectRef>
+          <a:fontRef idx="minor">
+            <a:schemeClr val="tx1"/>
+          </a:fontRef>
+        </p:style>
+      </p:cxnSp>
+      <p:cxnSp>
+        <p:nvCxnSpPr>
           <p:cNvPr id="8" name="Elbow Connector 7"/>
           <p:cNvCxnSpPr>
-            <a:stCxn id="7" idx="0"/>
-            <a:endCxn id="6" idx="2"/>
-          </p:cNvCxnSpPr>
-          <p:nvPr/>
-        </p:nvCxnSpPr>
-        <p:spPr>
-          <a:xfrm rot="5400000" flipH="1" flipV="1">
-            <a:off x="1991915" y="552725"/>
-            <a:ext cx="243332" cy="46176"/>
+            <a:stCxn id="6" idx="4"/>
+            <a:endCxn id="9" idx="0"/>
+          </p:cNvCxnSpPr>
+          <p:nvPr/>
+        </p:nvCxnSpPr>
+        <p:spPr>
+          <a:xfrm rot="16200000" flipH="1">
+            <a:off x="1979179" y="1208474"/>
+            <a:ext cx="289697" cy="632421"/>
           </a:xfrm>
           <a:prstGeom prst="bentConnector3">
             <a:avLst>
@@ -17052,8 +17365,8 @@
         </p:nvSpPr>
         <p:spPr>
           <a:xfrm>
-            <a:off x="1166228" y="1323782"/>
-            <a:ext cx="3663748" cy="369332"/>
+            <a:off x="1030538" y="1669534"/>
+            <a:ext cx="2819400" cy="369332"/>
           </a:xfrm>
           <a:prstGeom prst="rect">
             <a:avLst/>
@@ -17069,7 +17382,7 @@
             <a:pPr algn="ctr"/>
             <a:r>
               <a:rPr lang="en-US" dirty="0" err="1" smtClean="0"/>
-              <a:t>joint_segmentation_nodupes_TAG</a:t>
+              <a:t>CN_filtered_data</a:t>
             </a:r>
             <a:r>
               <a:rPr lang="en-US" dirty="0" smtClean="0"/>
@@ -17079,19 +17392,61 @@
           </a:p>
         </p:txBody>
       </p:sp>
-      <p:cxnSp>
-        <p:nvCxnSpPr>
-          <p:cNvPr id="10" name="Elbow Connector 9"/>
-          <p:cNvCxnSpPr>
-            <a:stCxn id="7" idx="4"/>
-            <a:endCxn id="9" idx="0"/>
-          </p:cNvCxnSpPr>
-          <p:nvPr/>
-        </p:nvCxnSpPr>
-        <p:spPr>
-          <a:xfrm rot="16200000" flipH="1">
-            <a:off x="2465580" y="791259"/>
-            <a:ext cx="157435" cy="907609"/>
+      <p:sp>
+        <p:nvSpPr>
+          <p:cNvPr id="22" name="Oval 21"/>
+          <p:cNvSpPr/>
+          <p:nvPr/>
+        </p:nvSpPr>
+        <p:spPr>
+          <a:xfrm>
+            <a:off x="2149478" y="2448318"/>
+            <a:ext cx="3555753" cy="468868"/>
+          </a:xfrm>
+          <a:prstGeom prst="ellipse">
+            <a:avLst/>
+          </a:prstGeom>
+        </p:spPr>
+        <p:style>
+          <a:lnRef idx="1">
+            <a:schemeClr val="accent1"/>
+          </a:lnRef>
+          <a:fillRef idx="3">
+            <a:schemeClr val="accent1"/>
+          </a:fillRef>
+          <a:effectRef idx="2">
+            <a:schemeClr val="accent1"/>
+          </a:effectRef>
+          <a:fontRef idx="minor">
+            <a:schemeClr val="lt1"/>
+          </a:fontRef>
+        </p:style>
+        <p:txBody>
+          <a:bodyPr rtlCol="0" anchor="ctr"/>
+          <a:lstStyle/>
+          <a:p>
+            <a:pPr algn="ctr"/>
+            <a:r>
+              <a:rPr lang="en-US" sz="1400" dirty="0" err="1" smtClean="0"/>
+              <a:t>process_filtered_omni_CN.py</a:t>
+            </a:r>
+            <a:endParaRPr lang="en-US" sz="1400" dirty="0" smtClean="0"/>
+          </a:p>
+        </p:txBody>
+      </p:sp>
+      <p:cxnSp>
+        <p:nvCxnSpPr>
+          <p:cNvPr id="25" name="Elbow Connector 24"/>
+          <p:cNvCxnSpPr>
+            <a:stCxn id="22" idx="0"/>
+            <a:endCxn id="9" idx="2"/>
+          </p:cNvCxnSpPr>
+          <p:nvPr/>
+        </p:nvCxnSpPr>
+        <p:spPr>
+          <a:xfrm rot="16200000" flipV="1">
+            <a:off x="2979071" y="1500033"/>
+            <a:ext cx="409452" cy="1487117"/>
           </a:xfrm>
           <a:prstGeom prst="bentConnector3">
             <a:avLst>
@@ -17116,56 +17471,14 @@
       </p:cxnSp>
       <p:sp>
         <p:nvSpPr>
-          <p:cNvPr id="88" name="Oval 87"/>
-          <p:cNvSpPr/>
-          <p:nvPr/>
-        </p:nvSpPr>
-        <p:spPr>
-          <a:xfrm>
-            <a:off x="1367940" y="1807011"/>
-            <a:ext cx="3541907" cy="468868"/>
-          </a:xfrm>
-          <a:prstGeom prst="ellipse">
-            <a:avLst/>
-          </a:prstGeom>
-        </p:spPr>
-        <p:style>
-          <a:lnRef idx="1">
-            <a:schemeClr val="accent1"/>
-          </a:lnRef>
-          <a:fillRef idx="3">
-            <a:schemeClr val="accent1"/>
-          </a:fillRef>
-          <a:effectRef idx="2">
-            <a:schemeClr val="accent1"/>
-          </a:effectRef>
-          <a:fontRef idx="minor">
-            <a:schemeClr val="lt1"/>
-          </a:fontRef>
-        </p:style>
-        <p:txBody>
-          <a:bodyPr rtlCol="0" anchor="ctr"/>
-          <a:lstStyle/>
-          <a:p>
-            <a:pPr algn="ctr"/>
-            <a:r>
-              <a:rPr lang="en-US" sz="1400" dirty="0" err="1" smtClean="0"/>
-              <a:t>create_BEAST_input.py</a:t>
-            </a:r>
-            <a:endParaRPr lang="en-US" sz="1400" dirty="0" smtClean="0"/>
-          </a:p>
-        </p:txBody>
-      </p:sp>
-      <p:sp>
-        <p:nvSpPr>
-          <p:cNvPr id="89" name="TextBox 88"/>
+          <p:cNvPr id="30" name="TextBox 29"/>
           <p:cNvSpPr txBox="1"/>
           <p:nvPr/>
         </p:nvSpPr>
         <p:spPr>
           <a:xfrm>
-            <a:off x="3138894" y="2505878"/>
-            <a:ext cx="1578790" cy="369332"/>
+            <a:off x="2517657" y="3531510"/>
+            <a:ext cx="2819400" cy="369332"/>
           </a:xfrm>
           <a:prstGeom prst="rect">
             <a:avLst/>
@@ -17181,7 +17494,7 @@
             <a:pPr algn="ctr"/>
             <a:r>
               <a:rPr lang="en-US" dirty="0" smtClean="0"/>
-              <a:t>BEAST_TAG/</a:t>
+              <a:t>CN_calc_log2rs/</a:t>
             </a:r>
             <a:endParaRPr lang="en-US" dirty="0"/>
           </a:p>
@@ -17189,17 +17502,17 @@
       </p:sp>
       <p:cxnSp>
         <p:nvCxnSpPr>
-          <p:cNvPr id="90" name="Elbow Connector 89"/>
-          <p:cNvCxnSpPr>
-            <a:stCxn id="88" idx="4"/>
-            <a:endCxn id="89" idx="0"/>
+          <p:cNvPr id="31" name="Elbow Connector 30"/>
+          <p:cNvCxnSpPr>
+            <a:stCxn id="22" idx="4"/>
+            <a:endCxn id="30" idx="0"/>
           </p:cNvCxnSpPr>
           <p:nvPr/>
         </p:nvCxnSpPr>
         <p:spPr>
           <a:xfrm rot="16200000" flipH="1">
-            <a:off x="3418592" y="1996180"/>
-            <a:ext cx="229999" cy="789395"/>
+            <a:off x="3620194" y="3224347"/>
+            <a:ext cx="614324" cy="2"/>
           </a:xfrm>
           <a:prstGeom prst="bentConnector3">
             <a:avLst>
@@ -17222,19 +17535,144 @@
           </a:fontRef>
         </p:style>
       </p:cxnSp>
-      <p:cxnSp>
-        <p:nvCxnSpPr>
-          <p:cNvPr id="107" name="Elbow Connector 106"/>
-          <p:cNvCxnSpPr>
-            <a:stCxn id="9" idx="2"/>
-            <a:endCxn id="88" idx="0"/>
-          </p:cNvCxnSpPr>
-          <p:nvPr/>
-        </p:nvCxnSpPr>
-        <p:spPr>
-          <a:xfrm rot="16200000" flipH="1">
-            <a:off x="3011550" y="1679666"/>
-            <a:ext cx="113897" cy="140792"/>
+      <p:sp>
+        <p:nvSpPr>
+          <p:cNvPr id="11" name="TextBox 10"/>
+          <p:cNvSpPr txBox="1"/>
+          <p:nvPr/>
+        </p:nvSpPr>
+        <p:spPr>
+          <a:xfrm>
+            <a:off x="4396154" y="1669534"/>
+            <a:ext cx="2156179" cy="369332"/>
+          </a:xfrm>
+          <a:prstGeom prst="rect">
+            <a:avLst/>
+          </a:prstGeom>
+          <a:noFill/>
+        </p:spPr>
+        <p:txBody>
+          <a:bodyPr wrap="square" rtlCol="0">
+            <a:spAutoFit/>
+          </a:bodyPr>
+          <a:lstStyle/>
+          <a:p>
+            <a:pPr algn="ctr"/>
+            <a:r>
+              <a:rPr lang="en-US" dirty="0" err="1" smtClean="0"/>
+              <a:t>CN_float_Xiaohong</a:t>
+            </a:r>
+            <a:r>
+              <a:rPr lang="en-US" dirty="0" smtClean="0"/>
+              <a:t>/</a:t>
+            </a:r>
+            <a:endParaRPr lang="en-US" dirty="0"/>
+          </a:p>
+        </p:txBody>
+      </p:sp>
+      <p:sp>
+        <p:nvSpPr>
+          <p:cNvPr id="12" name="TextBox 11"/>
+          <p:cNvSpPr txBox="1"/>
+          <p:nvPr/>
+        </p:nvSpPr>
+        <p:spPr>
+          <a:xfrm>
+            <a:off x="2489717" y="79458"/>
+            <a:ext cx="6703824" cy="646331"/>
+          </a:xfrm>
+          <a:prstGeom prst="rect">
+            <a:avLst/>
+          </a:prstGeom>
+          <a:noFill/>
+        </p:spPr>
+        <p:txBody>
+          <a:bodyPr wrap="square" rtlCol="0">
+            <a:spAutoFit/>
+          </a:bodyPr>
+          <a:lstStyle/>
+          <a:p>
+            <a:pPr algn="ctr"/>
+            <a:r>
+              <a:rPr lang="en-US" dirty="0" err="1" smtClean="0">
+                <a:cs typeface="Courier New"/>
+              </a:rPr>
+              <a:t>CN_Xiaohong_segmentation</a:t>
+            </a:r>
+            <a:r>
+              <a:rPr lang="en-US" dirty="0" smtClean="0">
+                <a:cs typeface="Courier New"/>
+              </a:rPr>
+              <a:t>/</a:t>
+            </a:r>
+          </a:p>
+          <a:p>
+            <a:pPr algn="ctr"/>
+            <a:r>
+              <a:rPr lang="en-US" dirty="0" smtClean="0">
+                <a:latin typeface="Courier New"/>
+                <a:cs typeface="Courier New"/>
+              </a:rPr>
+              <a:t>copy_number-log2_Lucian.txt,LOH_for_Lucian.txt </a:t>
+            </a:r>
+          </a:p>
+        </p:txBody>
+      </p:sp>
+      <p:sp>
+        <p:nvSpPr>
+          <p:cNvPr id="13" name="Oval 12"/>
+          <p:cNvSpPr/>
+          <p:nvPr/>
+        </p:nvSpPr>
+        <p:spPr>
+          <a:xfrm>
+            <a:off x="4396154" y="1054057"/>
+            <a:ext cx="3663461" cy="468868"/>
+          </a:xfrm>
+          <a:prstGeom prst="ellipse">
+            <a:avLst/>
+          </a:prstGeom>
+        </p:spPr>
+        <p:style>
+          <a:lnRef idx="1">
+            <a:schemeClr val="accent1"/>
+          </a:lnRef>
+          <a:fillRef idx="3">
+            <a:schemeClr val="accent1"/>
+          </a:fillRef>
+          <a:effectRef idx="2">
+            <a:schemeClr val="accent1"/>
+          </a:effectRef>
+          <a:fontRef idx="minor">
+            <a:schemeClr val="lt1"/>
+          </a:fontRef>
+        </p:style>
+        <p:txBody>
+          <a:bodyPr rtlCol="0" anchor="ctr"/>
+          <a:lstStyle/>
+          <a:p>
+            <a:pPr algn="ctr"/>
+            <a:r>
+              <a:rPr lang="en-US" sz="1400" dirty="0" err="1" smtClean="0"/>
+              <a:t>separate_full_segmentation.py</a:t>
+            </a:r>
+            <a:endParaRPr lang="en-US" sz="1400" dirty="0"/>
+          </a:p>
+        </p:txBody>
+      </p:sp>
+      <p:cxnSp>
+        <p:nvCxnSpPr>
+          <p:cNvPr id="14" name="Elbow Connector 13"/>
+          <p:cNvCxnSpPr>
+            <a:stCxn id="13" idx="0"/>
+            <a:endCxn id="12" idx="2"/>
+          </p:cNvCxnSpPr>
+          <p:nvPr/>
+        </p:nvCxnSpPr>
+        <p:spPr>
+          <a:xfrm rot="16200000" flipV="1">
+            <a:off x="5870623" y="696795"/>
+            <a:ext cx="328268" cy="386256"/>
           </a:xfrm>
           <a:prstGeom prst="bentConnector3">
             <a:avLst>
@@ -17257,96 +17695,19 @@
           </a:fontRef>
         </p:style>
       </p:cxnSp>
-      <p:sp>
-        <p:nvSpPr>
-          <p:cNvPr id="142" name="Oval 141"/>
-          <p:cNvSpPr/>
-          <p:nvPr/>
-        </p:nvSpPr>
-        <p:spPr>
-          <a:xfrm>
-            <a:off x="97622" y="3021982"/>
-            <a:ext cx="3694307" cy="468868"/>
-          </a:xfrm>
-          <a:prstGeom prst="ellipse">
-            <a:avLst/>
-          </a:prstGeom>
-        </p:spPr>
-        <p:style>
-          <a:lnRef idx="1">
-            <a:schemeClr val="accent1"/>
-          </a:lnRef>
-          <a:fillRef idx="3">
-            <a:schemeClr val="accent1"/>
-          </a:fillRef>
-          <a:effectRef idx="2">
-            <a:schemeClr val="accent1"/>
-          </a:effectRef>
-          <a:fontRef idx="minor">
-            <a:schemeClr val="lt1"/>
-          </a:fontRef>
-        </p:style>
-        <p:txBody>
-          <a:bodyPr rtlCol="0" anchor="ctr"/>
-          <a:lstStyle/>
-          <a:p>
-            <a:pPr algn="ctr"/>
-            <a:r>
-              <a:rPr lang="en-US" sz="1400" dirty="0" err="1" smtClean="0"/>
-              <a:t>create_delgains_from_BEAST.py</a:t>
-            </a:r>
-            <a:endParaRPr lang="en-US" sz="1400" dirty="0" smtClean="0"/>
-          </a:p>
-        </p:txBody>
-      </p:sp>
-      <p:sp>
-        <p:nvSpPr>
-          <p:cNvPr id="143" name="TextBox 142"/>
-          <p:cNvSpPr txBox="1"/>
-          <p:nvPr/>
-        </p:nvSpPr>
-        <p:spPr>
-          <a:xfrm>
-            <a:off x="100994" y="3811864"/>
-            <a:ext cx="2130467" cy="369332"/>
-          </a:xfrm>
-          <a:prstGeom prst="rect">
-            <a:avLst/>
-          </a:prstGeom>
-          <a:noFill/>
-        </p:spPr>
-        <p:txBody>
-          <a:bodyPr wrap="square" rtlCol="0">
-            <a:spAutoFit/>
-          </a:bodyPr>
-          <a:lstStyle/>
-          <a:p>
-            <a:pPr algn="ctr"/>
-            <a:r>
-              <a:rPr lang="en-US" dirty="0" err="1" smtClean="0"/>
-              <a:t>joint_delsandgains</a:t>
-            </a:r>
-            <a:r>
-              <a:rPr lang="en-US" dirty="0" smtClean="0"/>
-              <a:t>/</a:t>
-            </a:r>
-            <a:endParaRPr lang="en-US" dirty="0"/>
-          </a:p>
-        </p:txBody>
-      </p:sp>
-      <p:cxnSp>
-        <p:nvCxnSpPr>
-          <p:cNvPr id="144" name="Elbow Connector 143"/>
-          <p:cNvCxnSpPr>
-            <a:stCxn id="142" idx="4"/>
-            <a:endCxn id="143" idx="0"/>
-          </p:cNvCxnSpPr>
-          <p:nvPr/>
-        </p:nvCxnSpPr>
-        <p:spPr>
-          <a:xfrm rot="5400000">
-            <a:off x="1394995" y="3262083"/>
-            <a:ext cx="321014" cy="778548"/>
+      <p:cxnSp>
+        <p:nvCxnSpPr>
+          <p:cNvPr id="20" name="Elbow Connector 19"/>
+          <p:cNvCxnSpPr>
+            <a:stCxn id="11" idx="0"/>
+            <a:endCxn id="13" idx="4"/>
+          </p:cNvCxnSpPr>
+          <p:nvPr/>
+        </p:nvCxnSpPr>
+        <p:spPr>
+          <a:xfrm rot="5400000" flipH="1" flipV="1">
+            <a:off x="5777760" y="1219410"/>
+            <a:ext cx="146609" cy="753641"/>
           </a:xfrm>
           <a:prstGeom prst="bentConnector3">
             <a:avLst>
@@ -17371,17 +17732,17 @@
       </p:cxnSp>
       <p:cxnSp>
         <p:nvCxnSpPr>
-          <p:cNvPr id="146" name="Elbow Connector 145"/>
-          <p:cNvCxnSpPr>
-            <a:stCxn id="89" idx="2"/>
-            <a:endCxn id="142" idx="0"/>
-          </p:cNvCxnSpPr>
-          <p:nvPr/>
-        </p:nvCxnSpPr>
-        <p:spPr>
-          <a:xfrm rot="5400000">
-            <a:off x="2863147" y="1956840"/>
-            <a:ext cx="146772" cy="1983513"/>
+          <p:cNvPr id="34" name="Elbow Connector 33"/>
+          <p:cNvCxnSpPr>
+            <a:stCxn id="22" idx="0"/>
+            <a:endCxn id="11" idx="2"/>
+          </p:cNvCxnSpPr>
+          <p:nvPr/>
+        </p:nvCxnSpPr>
+        <p:spPr>
+          <a:xfrm rot="5400000" flipH="1" flipV="1">
+            <a:off x="4496073" y="1470148"/>
+            <a:ext cx="409452" cy="1546889"/>
           </a:xfrm>
           <a:prstGeom prst="bentConnector3">
             <a:avLst>
@@ -17404,157 +17765,10 @@
           </a:fontRef>
         </p:style>
       </p:cxnSp>
-      <p:sp>
-        <p:nvSpPr>
-          <p:cNvPr id="70" name="Oval 69"/>
-          <p:cNvSpPr/>
-          <p:nvPr/>
-        </p:nvSpPr>
-        <p:spPr>
-          <a:xfrm>
-            <a:off x="4175716" y="3021982"/>
-            <a:ext cx="3541907" cy="468868"/>
-          </a:xfrm>
-          <a:prstGeom prst="ellipse">
-            <a:avLst/>
-          </a:prstGeom>
-        </p:spPr>
-        <p:style>
-          <a:lnRef idx="1">
-            <a:schemeClr val="accent1"/>
-          </a:lnRef>
-          <a:fillRef idx="3">
-            <a:schemeClr val="accent1"/>
-          </a:fillRef>
-          <a:effectRef idx="2">
-            <a:schemeClr val="accent1"/>
-          </a:effectRef>
-          <a:fontRef idx="minor">
-            <a:schemeClr val="lt1"/>
-          </a:fontRef>
-        </p:style>
-        <p:txBody>
-          <a:bodyPr rtlCol="0" anchor="ctr"/>
-          <a:lstStyle/>
-          <a:p>
-            <a:pPr algn="ctr"/>
-            <a:r>
-              <a:rPr lang="en-US" sz="1400" dirty="0" err="1" smtClean="0"/>
-              <a:t>distribute_BEAST.py</a:t>
-            </a:r>
-            <a:endParaRPr lang="en-US" sz="1400" dirty="0" smtClean="0"/>
-          </a:p>
-        </p:txBody>
-      </p:sp>
-      <p:sp>
-        <p:nvSpPr>
-          <p:cNvPr id="71" name="TextBox 70"/>
-          <p:cNvSpPr txBox="1"/>
-          <p:nvPr/>
-        </p:nvSpPr>
-        <p:spPr>
-          <a:xfrm>
-            <a:off x="5217722" y="3996530"/>
-            <a:ext cx="2482209" cy="369332"/>
-          </a:xfrm>
-          <a:prstGeom prst="rect">
-            <a:avLst/>
-          </a:prstGeom>
-          <a:noFill/>
-        </p:spPr>
-        <p:txBody>
-          <a:bodyPr wrap="square" rtlCol="0">
-            <a:spAutoFit/>
-          </a:bodyPr>
-          <a:lstStyle/>
-          <a:p>
-            <a:pPr algn="ctr"/>
-            <a:r>
-              <a:rPr lang="en-US" dirty="0" err="1" smtClean="0"/>
-              <a:t>BEAST_allcombos_TAG</a:t>
-            </a:r>
-            <a:r>
-              <a:rPr lang="en-US" dirty="0" smtClean="0"/>
-              <a:t>/</a:t>
-            </a:r>
-            <a:endParaRPr lang="en-US" dirty="0"/>
-          </a:p>
-        </p:txBody>
-      </p:sp>
-      <p:cxnSp>
-        <p:nvCxnSpPr>
-          <p:cNvPr id="72" name="Elbow Connector 71"/>
-          <p:cNvCxnSpPr>
-            <a:stCxn id="70" idx="4"/>
-            <a:endCxn id="71" idx="0"/>
-          </p:cNvCxnSpPr>
-          <p:nvPr/>
-        </p:nvCxnSpPr>
-        <p:spPr>
-          <a:xfrm rot="16200000" flipH="1">
-            <a:off x="5949908" y="3487611"/>
-            <a:ext cx="505680" cy="512157"/>
-          </a:xfrm>
-          <a:prstGeom prst="bentConnector3">
-            <a:avLst>
-              <a:gd name="adj1" fmla="val 50000"/>
-            </a:avLst>
-          </a:prstGeom>
-        </p:spPr>
-        <p:style>
-          <a:lnRef idx="2">
-            <a:schemeClr val="accent1"/>
-          </a:lnRef>
-          <a:fillRef idx="0">
-            <a:schemeClr val="accent1"/>
-          </a:fillRef>
-          <a:effectRef idx="1">
-            <a:schemeClr val="accent1"/>
-          </a:effectRef>
-          <a:fontRef idx="minor">
-            <a:schemeClr val="tx1"/>
-          </a:fontRef>
-        </p:style>
-      </p:cxnSp>
-      <p:cxnSp>
-        <p:nvCxnSpPr>
-          <p:cNvPr id="73" name="Elbow Connector 72"/>
-          <p:cNvCxnSpPr>
-            <a:stCxn id="89" idx="2"/>
-            <a:endCxn id="70" idx="0"/>
-          </p:cNvCxnSpPr>
-          <p:nvPr/>
-        </p:nvCxnSpPr>
-        <p:spPr>
-          <a:xfrm rot="16200000" flipH="1">
-            <a:off x="4864093" y="1939405"/>
-            <a:ext cx="146772" cy="2018381"/>
-          </a:xfrm>
-          <a:prstGeom prst="bentConnector3">
-            <a:avLst>
-              <a:gd name="adj1" fmla="val 50000"/>
-            </a:avLst>
-          </a:prstGeom>
-        </p:spPr>
-        <p:style>
-          <a:lnRef idx="2">
-            <a:schemeClr val="accent1"/>
-          </a:lnRef>
-          <a:fillRef idx="0">
-            <a:schemeClr val="accent1"/>
-          </a:fillRef>
-          <a:effectRef idx="1">
-            <a:schemeClr val="accent1"/>
-          </a:effectRef>
-          <a:fontRef idx="minor">
-            <a:schemeClr val="tx1"/>
-          </a:fontRef>
-        </p:style>
-      </p:cxnSp>
     </p:spTree>
     <p:extLst>
       <p:ext uri="{BB962C8B-B14F-4D97-AF65-F5344CB8AC3E}">
-        <p14:creationId xmlns:p14="http://schemas.microsoft.com/office/powerpoint/2010/main" val="2677983069"/>
+        <p14:creationId xmlns:p14="http://schemas.microsoft.com/office/powerpoint/2010/main" val="2352730975"/>
       </p:ext>
     </p:extLst>
   </p:cSld>
@@ -17583,14 +17797,14 @@
       </p:grpSpPr>
       <p:sp>
         <p:nvSpPr>
-          <p:cNvPr id="4" name="TextBox 3"/>
+          <p:cNvPr id="95" name="TextBox 94"/>
           <p:cNvSpPr txBox="1"/>
           <p:nvPr/>
         </p:nvSpPr>
         <p:spPr>
           <a:xfrm>
-            <a:off x="272238" y="165571"/>
-            <a:ext cx="1710266" cy="369332"/>
+            <a:off x="1323450" y="460082"/>
+            <a:ext cx="1105748" cy="369332"/>
           </a:xfrm>
           <a:prstGeom prst="rect">
             <a:avLst/>
@@ -17606,7 +17820,7 @@
             <a:pPr algn="ctr"/>
             <a:r>
               <a:rPr lang="en-US" dirty="0" err="1" smtClean="0"/>
-              <a:t>CN_raw_data</a:t>
+              <a:t>ploidy</a:t>
             </a:r>
             <a:r>
               <a:rPr lang="en-US" dirty="0" smtClean="0"/>
@@ -17618,14 +17832,82 @@
       </p:sp>
       <p:sp>
         <p:nvSpPr>
-          <p:cNvPr id="6" name="Oval 5"/>
+          <p:cNvPr id="96" name="TextBox 95"/>
+          <p:cNvSpPr txBox="1"/>
+          <p:nvPr/>
+        </p:nvSpPr>
+        <p:spPr>
+          <a:xfrm>
+            <a:off x="5713667" y="460084"/>
+            <a:ext cx="1122386" cy="369332"/>
+          </a:xfrm>
+          <a:prstGeom prst="rect">
+            <a:avLst/>
+          </a:prstGeom>
+          <a:noFill/>
+        </p:spPr>
+        <p:txBody>
+          <a:bodyPr wrap="square" rtlCol="0">
+            <a:spAutoFit/>
+          </a:bodyPr>
+          <a:lstStyle/>
+          <a:p>
+            <a:pPr algn="ctr"/>
+            <a:r>
+              <a:rPr lang="en-US" dirty="0" smtClean="0"/>
+              <a:t>purity/</a:t>
+            </a:r>
+            <a:endParaRPr lang="en-US" dirty="0"/>
+          </a:p>
+        </p:txBody>
+      </p:sp>
+      <p:sp>
+        <p:nvSpPr>
+          <p:cNvPr id="97" name="TextBox 96"/>
+          <p:cNvSpPr txBox="1"/>
+          <p:nvPr/>
+        </p:nvSpPr>
+        <p:spPr>
+          <a:xfrm>
+            <a:off x="2333382" y="107995"/>
+            <a:ext cx="3507803" cy="369332"/>
+          </a:xfrm>
+          <a:prstGeom prst="rect">
+            <a:avLst/>
+          </a:prstGeom>
+          <a:noFill/>
+        </p:spPr>
+        <p:txBody>
+          <a:bodyPr wrap="square" rtlCol="0">
+            <a:spAutoFit/>
+          </a:bodyPr>
+          <a:lstStyle/>
+          <a:p>
+            <a:pPr algn="ctr"/>
+            <a:r>
+              <a:rPr lang="en-US" dirty="0" err="1" smtClean="0">
+                <a:latin typeface="Courier New"/>
+                <a:cs typeface="Courier New"/>
+              </a:rPr>
+              <a:t>FlowDataForChallenge.txt</a:t>
+            </a:r>
+            <a:endParaRPr lang="en-US" dirty="0" smtClean="0">
+              <a:latin typeface="Courier New"/>
+              <a:cs typeface="Courier New"/>
+            </a:endParaRPr>
+          </a:p>
+        </p:txBody>
+      </p:sp>
+      <p:sp>
+        <p:nvSpPr>
+          <p:cNvPr id="98" name="Oval 97"/>
           <p:cNvSpPr/>
           <p:nvPr/>
         </p:nvSpPr>
         <p:spPr>
           <a:xfrm>
-            <a:off x="540458" y="910969"/>
-            <a:ext cx="2534718" cy="468868"/>
+            <a:off x="2316330" y="1020679"/>
+            <a:ext cx="3541907" cy="468868"/>
           </a:xfrm>
           <a:prstGeom prst="ellipse">
             <a:avLst/>
@@ -17652,7 +17934,7 @@
             <a:pPr algn="ctr"/>
             <a:r>
               <a:rPr lang="en-US" sz="1400" dirty="0" err="1" smtClean="0"/>
-              <a:t>process_omni_CN.py</a:t>
+              <a:t>sort_which_constraints.py</a:t>
             </a:r>
             <a:endParaRPr lang="en-US" sz="1400" dirty="0" smtClean="0"/>
           </a:p>
@@ -17660,50 +17942,17 @@
       </p:sp>
       <p:cxnSp>
         <p:nvCxnSpPr>
-          <p:cNvPr id="7" name="Elbow Connector 6"/>
-          <p:cNvCxnSpPr>
-            <a:stCxn id="4" idx="2"/>
-            <a:endCxn id="6" idx="0"/>
+          <p:cNvPr id="99" name="Elbow Connector 98"/>
+          <p:cNvCxnSpPr>
+            <a:stCxn id="95" idx="2"/>
+            <a:endCxn id="98" idx="1"/>
           </p:cNvCxnSpPr>
           <p:nvPr/>
         </p:nvCxnSpPr>
         <p:spPr>
           <a:xfrm rot="16200000" flipH="1">
-            <a:off x="1279561" y="382713"/>
-            <a:ext cx="376066" cy="680446"/>
-          </a:xfrm>
-          <a:prstGeom prst="bentConnector3">
-            <a:avLst/>
-          </a:prstGeom>
-        </p:spPr>
-        <p:style>
-          <a:lnRef idx="2">
-            <a:schemeClr val="accent1"/>
-          </a:lnRef>
-          <a:fillRef idx="0">
-            <a:schemeClr val="accent1"/>
-          </a:fillRef>
-          <a:effectRef idx="1">
-            <a:schemeClr val="accent1"/>
-          </a:effectRef>
-          <a:fontRef idx="minor">
-            <a:schemeClr val="tx1"/>
-          </a:fontRef>
-        </p:style>
-      </p:cxnSp>
-      <p:cxnSp>
-        <p:nvCxnSpPr>
-          <p:cNvPr id="8" name="Elbow Connector 7"/>
-          <p:cNvCxnSpPr>
-            <a:stCxn id="6" idx="4"/>
-            <a:endCxn id="9" idx="0"/>
-          </p:cNvCxnSpPr>
-          <p:nvPr/>
-        </p:nvCxnSpPr>
-        <p:spPr>
-          <a:xfrm rot="16200000" flipH="1">
-            <a:off x="1979179" y="1208474"/>
-            <a:ext cx="289697" cy="632421"/>
+            <a:off x="2225713" y="480025"/>
+            <a:ext cx="259929" cy="958706"/>
           </a:xfrm>
           <a:prstGeom prst="bentConnector3">
             <a:avLst>
@@ -17726,96 +17975,19 @@
           </a:fontRef>
         </p:style>
       </p:cxnSp>
-      <p:sp>
-        <p:nvSpPr>
-          <p:cNvPr id="9" name="TextBox 8"/>
-          <p:cNvSpPr txBox="1"/>
-          <p:nvPr/>
-        </p:nvSpPr>
-        <p:spPr>
-          <a:xfrm>
-            <a:off x="1030538" y="1669534"/>
-            <a:ext cx="2819400" cy="369332"/>
-          </a:xfrm>
-          <a:prstGeom prst="rect">
-            <a:avLst/>
-          </a:prstGeom>
-          <a:noFill/>
-        </p:spPr>
-        <p:txBody>
-          <a:bodyPr wrap="square" rtlCol="0">
-            <a:spAutoFit/>
-          </a:bodyPr>
-          <a:lstStyle/>
-          <a:p>
-            <a:pPr algn="ctr"/>
-            <a:r>
-              <a:rPr lang="en-US" dirty="0" err="1" smtClean="0"/>
-              <a:t>CN_filtered_data</a:t>
-            </a:r>
-            <a:r>
-              <a:rPr lang="en-US" dirty="0" smtClean="0"/>
-              <a:t>/</a:t>
-            </a:r>
-            <a:endParaRPr lang="en-US" dirty="0"/>
-          </a:p>
-        </p:txBody>
-      </p:sp>
-      <p:sp>
-        <p:nvSpPr>
-          <p:cNvPr id="22" name="Oval 21"/>
-          <p:cNvSpPr/>
-          <p:nvPr/>
-        </p:nvSpPr>
-        <p:spPr>
-          <a:xfrm>
-            <a:off x="2149478" y="2448318"/>
-            <a:ext cx="3555753" cy="468868"/>
-          </a:xfrm>
-          <a:prstGeom prst="ellipse">
-            <a:avLst/>
-          </a:prstGeom>
-        </p:spPr>
-        <p:style>
-          <a:lnRef idx="1">
-            <a:schemeClr val="accent1"/>
-          </a:lnRef>
-          <a:fillRef idx="3">
-            <a:schemeClr val="accent1"/>
-          </a:fillRef>
-          <a:effectRef idx="2">
-            <a:schemeClr val="accent1"/>
-          </a:effectRef>
-          <a:fontRef idx="minor">
-            <a:schemeClr val="lt1"/>
-          </a:fontRef>
-        </p:style>
-        <p:txBody>
-          <a:bodyPr rtlCol="0" anchor="ctr"/>
-          <a:lstStyle/>
-          <a:p>
-            <a:pPr algn="ctr"/>
-            <a:r>
-              <a:rPr lang="en-US" sz="1400" dirty="0" err="1" smtClean="0"/>
-              <a:t>process_filtered_omni_CN.py</a:t>
-            </a:r>
-            <a:endParaRPr lang="en-US" sz="1400" dirty="0" smtClean="0"/>
-          </a:p>
-        </p:txBody>
-      </p:sp>
-      <p:cxnSp>
-        <p:nvCxnSpPr>
-          <p:cNvPr id="25" name="Elbow Connector 24"/>
-          <p:cNvCxnSpPr>
-            <a:stCxn id="22" idx="0"/>
-            <a:endCxn id="9" idx="2"/>
-          </p:cNvCxnSpPr>
-          <p:nvPr/>
-        </p:nvCxnSpPr>
-        <p:spPr>
-          <a:xfrm rot="16200000" flipV="1">
-            <a:off x="2979071" y="1500033"/>
-            <a:ext cx="409452" cy="1487117"/>
+      <p:cxnSp>
+        <p:nvCxnSpPr>
+          <p:cNvPr id="102" name="Elbow Connector 101"/>
+          <p:cNvCxnSpPr>
+            <a:stCxn id="97" idx="2"/>
+            <a:endCxn id="98" idx="0"/>
+          </p:cNvCxnSpPr>
+          <p:nvPr/>
+        </p:nvCxnSpPr>
+        <p:spPr>
+          <a:xfrm rot="5400000">
+            <a:off x="3815608" y="749003"/>
+            <a:ext cx="543352" cy="12700"/>
           </a:xfrm>
           <a:prstGeom prst="bentConnector3">
             <a:avLst>
@@ -17838,50 +18010,19 @@
           </a:fontRef>
         </p:style>
       </p:cxnSp>
-      <p:sp>
-        <p:nvSpPr>
-          <p:cNvPr id="30" name="TextBox 29"/>
-          <p:cNvSpPr txBox="1"/>
-          <p:nvPr/>
-        </p:nvSpPr>
-        <p:spPr>
-          <a:xfrm>
-            <a:off x="2517657" y="3531510"/>
-            <a:ext cx="2819400" cy="369332"/>
-          </a:xfrm>
-          <a:prstGeom prst="rect">
-            <a:avLst/>
-          </a:prstGeom>
-          <a:noFill/>
-        </p:spPr>
-        <p:txBody>
-          <a:bodyPr wrap="square" rtlCol="0">
-            <a:spAutoFit/>
-          </a:bodyPr>
-          <a:lstStyle/>
-          <a:p>
-            <a:pPr algn="ctr"/>
-            <a:r>
-              <a:rPr lang="en-US" dirty="0" smtClean="0"/>
-              <a:t>CN_calc_log2rs/</a:t>
-            </a:r>
-            <a:endParaRPr lang="en-US" dirty="0"/>
-          </a:p>
-        </p:txBody>
-      </p:sp>
-      <p:cxnSp>
-        <p:nvCxnSpPr>
-          <p:cNvPr id="31" name="Elbow Connector 30"/>
-          <p:cNvCxnSpPr>
-            <a:stCxn id="22" idx="4"/>
-            <a:endCxn id="30" idx="0"/>
-          </p:cNvCxnSpPr>
-          <p:nvPr/>
-        </p:nvCxnSpPr>
-        <p:spPr>
-          <a:xfrm rot="16200000" flipH="1">
-            <a:off x="3620194" y="3224347"/>
-            <a:ext cx="614324" cy="2"/>
+      <p:cxnSp>
+        <p:nvCxnSpPr>
+          <p:cNvPr id="105" name="Elbow Connector 104"/>
+          <p:cNvCxnSpPr>
+            <a:stCxn id="96" idx="2"/>
+            <a:endCxn id="98" idx="7"/>
+          </p:cNvCxnSpPr>
+          <p:nvPr/>
+        </p:nvCxnSpPr>
+        <p:spPr>
+          <a:xfrm rot="5400000">
+            <a:off x="5677236" y="491718"/>
+            <a:ext cx="259927" cy="935323"/>
           </a:xfrm>
           <a:prstGeom prst="bentConnector3">
             <a:avLst>
@@ -17906,14 +18047,14 @@
       </p:cxnSp>
       <p:sp>
         <p:nvSpPr>
-          <p:cNvPr id="11" name="TextBox 10"/>
+          <p:cNvPr id="111" name="TextBox 110"/>
           <p:cNvSpPr txBox="1"/>
           <p:nvPr/>
         </p:nvSpPr>
         <p:spPr>
           <a:xfrm>
-            <a:off x="4396154" y="1669534"/>
-            <a:ext cx="2156179" cy="369332"/>
+            <a:off x="2429198" y="1699463"/>
+            <a:ext cx="3507803" cy="369332"/>
           </a:xfrm>
           <a:prstGeom prst="rect">
             <a:avLst/>
@@ -17928,120 +18069,32 @@
           <a:p>
             <a:pPr algn="ctr"/>
             <a:r>
-              <a:rPr lang="en-US" dirty="0" err="1" smtClean="0"/>
-              <a:t>CN_float_Xiaohong</a:t>
-            </a:r>
-            <a:r>
-              <a:rPr lang="en-US" dirty="0" smtClean="0"/>
-              <a:t>/</a:t>
-            </a:r>
-            <a:endParaRPr lang="en-US" dirty="0"/>
-          </a:p>
-        </p:txBody>
-      </p:sp>
-      <p:sp>
-        <p:nvSpPr>
-          <p:cNvPr id="12" name="TextBox 11"/>
-          <p:cNvSpPr txBox="1"/>
-          <p:nvPr/>
-        </p:nvSpPr>
-        <p:spPr>
-          <a:xfrm>
-            <a:off x="2489717" y="79458"/>
-            <a:ext cx="6703824" cy="646331"/>
-          </a:xfrm>
-          <a:prstGeom prst="rect">
-            <a:avLst/>
-          </a:prstGeom>
-          <a:noFill/>
-        </p:spPr>
-        <p:txBody>
-          <a:bodyPr wrap="square" rtlCol="0">
-            <a:spAutoFit/>
-          </a:bodyPr>
-          <a:lstStyle/>
-          <a:p>
-            <a:pPr algn="ctr"/>
-            <a:r>
               <a:rPr lang="en-US" dirty="0" err="1" smtClean="0">
-                <a:cs typeface="Courier New"/>
-              </a:rPr>
-              <a:t>CN_Xiaohong_segmentation</a:t>
-            </a:r>
-            <a:r>
-              <a:rPr lang="en-US" dirty="0" smtClean="0">
-                <a:cs typeface="Courier New"/>
-              </a:rPr>
-              <a:t>/</a:t>
-            </a:r>
-          </a:p>
-          <a:p>
-            <a:pPr algn="ctr"/>
-            <a:r>
-              <a:rPr lang="en-US" dirty="0" smtClean="0">
                 <a:latin typeface="Courier New"/>
                 <a:cs typeface="Courier New"/>
               </a:rPr>
-              <a:t>copy_number-log2_Lucian.txt,LOH_for_Lucian.txt </a:t>
-            </a:r>
-          </a:p>
-        </p:txBody>
-      </p:sp>
-      <p:sp>
-        <p:nvSpPr>
-          <p:cNvPr id="13" name="Oval 12"/>
-          <p:cNvSpPr/>
-          <p:nvPr/>
-        </p:nvSpPr>
-        <p:spPr>
-          <a:xfrm>
-            <a:off x="4396154" y="1054057"/>
-            <a:ext cx="3663461" cy="468868"/>
-          </a:xfrm>
-          <a:prstGeom prst="ellipse">
-            <a:avLst/>
-          </a:prstGeom>
-        </p:spPr>
-        <p:style>
-          <a:lnRef idx="1">
-            <a:schemeClr val="accent1"/>
-          </a:lnRef>
-          <a:fillRef idx="3">
-            <a:schemeClr val="accent1"/>
-          </a:fillRef>
-          <a:effectRef idx="2">
-            <a:schemeClr val="accent1"/>
-          </a:effectRef>
-          <a:fontRef idx="minor">
-            <a:schemeClr val="lt1"/>
-          </a:fontRef>
-        </p:style>
-        <p:txBody>
-          <a:bodyPr rtlCol="0" anchor="ctr"/>
-          <a:lstStyle/>
-          <a:p>
-            <a:pPr algn="ctr"/>
-            <a:r>
-              <a:rPr lang="en-US" sz="1400" dirty="0" err="1" smtClean="0"/>
-              <a:t>separate_full_segmentation.py</a:t>
-            </a:r>
-            <a:endParaRPr lang="en-US" sz="1400" dirty="0"/>
-          </a:p>
-        </p:txBody>
-      </p:sp>
-      <p:cxnSp>
-        <p:nvCxnSpPr>
-          <p:cNvPr id="14" name="Elbow Connector 13"/>
-          <p:cNvCxnSpPr>
-            <a:stCxn id="13" idx="0"/>
-            <a:endCxn id="12" idx="2"/>
-          </p:cNvCxnSpPr>
-          <p:nvPr/>
-        </p:nvCxnSpPr>
-        <p:spPr>
-          <a:xfrm rot="16200000" flipV="1">
-            <a:off x="5870623" y="696795"/>
-            <a:ext cx="328268" cy="386256"/>
+              <a:t>joint_summary_TAG.txt</a:t>
+            </a:r>
+            <a:endParaRPr lang="en-US" dirty="0" smtClean="0">
+              <a:latin typeface="Courier New"/>
+              <a:cs typeface="Courier New"/>
+            </a:endParaRPr>
+          </a:p>
+        </p:txBody>
+      </p:sp>
+      <p:cxnSp>
+        <p:nvCxnSpPr>
+          <p:cNvPr id="112" name="Elbow Connector 111"/>
+          <p:cNvCxnSpPr>
+            <a:stCxn id="98" idx="4"/>
+            <a:endCxn id="111" idx="0"/>
+          </p:cNvCxnSpPr>
+          <p:nvPr/>
+        </p:nvCxnSpPr>
+        <p:spPr>
+          <a:xfrm rot="16200000" flipH="1">
+            <a:off x="4030234" y="1546597"/>
+            <a:ext cx="209916" cy="95816"/>
           </a:xfrm>
           <a:prstGeom prst="bentConnector3">
             <a:avLst>
@@ -18064,19 +18117,98 @@
           </a:fontRef>
         </p:style>
       </p:cxnSp>
-      <p:cxnSp>
-        <p:nvCxnSpPr>
-          <p:cNvPr id="20" name="Elbow Connector 19"/>
-          <p:cNvCxnSpPr>
-            <a:stCxn id="11" idx="0"/>
-            <a:endCxn id="13" idx="4"/>
-          </p:cNvCxnSpPr>
-          <p:nvPr/>
-        </p:nvCxnSpPr>
-        <p:spPr>
-          <a:xfrm rot="5400000" flipH="1" flipV="1">
-            <a:off x="5777760" y="1219410"/>
-            <a:ext cx="146609" cy="753641"/>
+      <p:sp>
+        <p:nvSpPr>
+          <p:cNvPr id="31" name="Oval 30"/>
+          <p:cNvSpPr/>
+          <p:nvPr/>
+        </p:nvSpPr>
+        <p:spPr>
+          <a:xfrm>
+            <a:off x="2395094" y="2393810"/>
+            <a:ext cx="3541907" cy="468868"/>
+          </a:xfrm>
+          <a:prstGeom prst="ellipse">
+            <a:avLst/>
+          </a:prstGeom>
+        </p:spPr>
+        <p:style>
+          <a:lnRef idx="1">
+            <a:schemeClr val="accent1"/>
+          </a:lnRef>
+          <a:fillRef idx="3">
+            <a:schemeClr val="accent1"/>
+          </a:fillRef>
+          <a:effectRef idx="2">
+            <a:schemeClr val="accent1"/>
+          </a:effectRef>
+          <a:fontRef idx="minor">
+            <a:schemeClr val="lt1"/>
+          </a:fontRef>
+        </p:style>
+        <p:txBody>
+          <a:bodyPr rtlCol="0" anchor="ctr"/>
+          <a:lstStyle/>
+          <a:p>
+            <a:pPr algn="ctr"/>
+            <a:r>
+              <a:rPr lang="en-US" sz="1400" dirty="0" err="1" smtClean="0"/>
+              <a:t>calculate_odds.py</a:t>
+            </a:r>
+            <a:endParaRPr lang="en-US" sz="1400" dirty="0" smtClean="0"/>
+          </a:p>
+        </p:txBody>
+      </p:sp>
+      <p:sp>
+        <p:nvSpPr>
+          <p:cNvPr id="32" name="TextBox 31"/>
+          <p:cNvSpPr txBox="1"/>
+          <p:nvPr/>
+        </p:nvSpPr>
+        <p:spPr>
+          <a:xfrm>
+            <a:off x="2429198" y="3210419"/>
+            <a:ext cx="3950680" cy="369332"/>
+          </a:xfrm>
+          <a:prstGeom prst="rect">
+            <a:avLst/>
+          </a:prstGeom>
+          <a:noFill/>
+        </p:spPr>
+        <p:txBody>
+          <a:bodyPr wrap="square" rtlCol="0">
+            <a:spAutoFit/>
+          </a:bodyPr>
+          <a:lstStyle/>
+          <a:p>
+            <a:pPr algn="ctr"/>
+            <a:r>
+              <a:rPr lang="en-US" dirty="0" err="1" smtClean="0">
+                <a:latin typeface="Courier New"/>
+                <a:cs typeface="Courier New"/>
+              </a:rPr>
+              <a:t>joint_summary_TAG_odds.txt</a:t>
+            </a:r>
+            <a:endParaRPr lang="en-US" dirty="0" smtClean="0">
+              <a:latin typeface="Courier New"/>
+              <a:cs typeface="Courier New"/>
+            </a:endParaRPr>
+          </a:p>
+        </p:txBody>
+      </p:sp>
+      <p:cxnSp>
+        <p:nvCxnSpPr>
+          <p:cNvPr id="33" name="Elbow Connector 32"/>
+          <p:cNvCxnSpPr>
+            <a:stCxn id="31" idx="4"/>
+            <a:endCxn id="32" idx="0"/>
+          </p:cNvCxnSpPr>
+          <p:nvPr/>
+        </p:nvCxnSpPr>
+        <p:spPr>
+          <a:xfrm rot="16200000" flipH="1">
+            <a:off x="4111423" y="2917303"/>
+            <a:ext cx="347741" cy="238490"/>
           </a:xfrm>
           <a:prstGeom prst="bentConnector3">
             <a:avLst>
@@ -18101,17 +18233,17 @@
       </p:cxnSp>
       <p:cxnSp>
         <p:nvCxnSpPr>
-          <p:cNvPr id="34" name="Elbow Connector 33"/>
-          <p:cNvCxnSpPr>
-            <a:stCxn id="22" idx="0"/>
-            <a:endCxn id="11" idx="2"/>
-          </p:cNvCxnSpPr>
-          <p:nvPr/>
-        </p:nvCxnSpPr>
-        <p:spPr>
-          <a:xfrm rot="5400000" flipH="1" flipV="1">
-            <a:off x="4496073" y="1470148"/>
-            <a:ext cx="409452" cy="1546889"/>
+          <p:cNvPr id="36" name="Elbow Connector 35"/>
+          <p:cNvCxnSpPr>
+            <a:stCxn id="111" idx="2"/>
+            <a:endCxn id="31" idx="0"/>
+          </p:cNvCxnSpPr>
+          <p:nvPr/>
+        </p:nvCxnSpPr>
+        <p:spPr>
+          <a:xfrm rot="5400000">
+            <a:off x="4012067" y="2222776"/>
+            <a:ext cx="325015" cy="17052"/>
           </a:xfrm>
           <a:prstGeom prst="bentConnector3">
             <a:avLst>
@@ -18137,7 +18269,7 @@
     </p:spTree>
     <p:extLst>
       <p:ext uri="{BB962C8B-B14F-4D97-AF65-F5344CB8AC3E}">
-        <p14:creationId xmlns:p14="http://schemas.microsoft.com/office/powerpoint/2010/main" val="2352730975"/>
+        <p14:creationId xmlns:p14="http://schemas.microsoft.com/office/powerpoint/2010/main" val="2073866232"/>
       </p:ext>
     </p:extLst>
   </p:cSld>
@@ -18166,14 +18298,14 @@
       </p:grpSpPr>
       <p:sp>
         <p:nvSpPr>
-          <p:cNvPr id="95" name="TextBox 94"/>
+          <p:cNvPr id="2" name="TextBox 1"/>
           <p:cNvSpPr txBox="1"/>
           <p:nvPr/>
         </p:nvSpPr>
         <p:spPr>
           <a:xfrm>
-            <a:off x="1323450" y="460082"/>
-            <a:ext cx="1105748" cy="369332"/>
+            <a:off x="0" y="165571"/>
+            <a:ext cx="4592839" cy="369332"/>
           </a:xfrm>
           <a:prstGeom prst="rect">
             <a:avLst/>
@@ -18188,12 +18320,8 @@
           <a:p>
             <a:pPr algn="ctr"/>
             <a:r>
-              <a:rPr lang="en-US" dirty="0" err="1" smtClean="0"/>
-              <a:t>ploidy</a:t>
-            </a:r>
-            <a:r>
               <a:rPr lang="en-US" dirty="0" smtClean="0"/>
-              <a:t>/</a:t>
+              <a:t>CN_joint_log2rs</a:t>
             </a:r>
             <a:endParaRPr lang="en-US" dirty="0"/>
           </a:p>
@@ -18201,82 +18329,14 @@
       </p:sp>
       <p:sp>
         <p:nvSpPr>
-          <p:cNvPr id="96" name="TextBox 95"/>
-          <p:cNvSpPr txBox="1"/>
-          <p:nvPr/>
-        </p:nvSpPr>
-        <p:spPr>
-          <a:xfrm>
-            <a:off x="5713667" y="460084"/>
-            <a:ext cx="1122386" cy="369332"/>
-          </a:xfrm>
-          <a:prstGeom prst="rect">
-            <a:avLst/>
-          </a:prstGeom>
-          <a:noFill/>
-        </p:spPr>
-        <p:txBody>
-          <a:bodyPr wrap="square" rtlCol="0">
-            <a:spAutoFit/>
-          </a:bodyPr>
-          <a:lstStyle/>
-          <a:p>
-            <a:pPr algn="ctr"/>
-            <a:r>
-              <a:rPr lang="en-US" dirty="0" smtClean="0"/>
-              <a:t>purity/</a:t>
-            </a:r>
-            <a:endParaRPr lang="en-US" dirty="0"/>
-          </a:p>
-        </p:txBody>
-      </p:sp>
-      <p:sp>
-        <p:nvSpPr>
-          <p:cNvPr id="97" name="TextBox 96"/>
-          <p:cNvSpPr txBox="1"/>
-          <p:nvPr/>
-        </p:nvSpPr>
-        <p:spPr>
-          <a:xfrm>
-            <a:off x="2333382" y="107995"/>
-            <a:ext cx="3507803" cy="369332"/>
-          </a:xfrm>
-          <a:prstGeom prst="rect">
-            <a:avLst/>
-          </a:prstGeom>
-          <a:noFill/>
-        </p:spPr>
-        <p:txBody>
-          <a:bodyPr wrap="square" rtlCol="0">
-            <a:spAutoFit/>
-          </a:bodyPr>
-          <a:lstStyle/>
-          <a:p>
-            <a:pPr algn="ctr"/>
-            <a:r>
-              <a:rPr lang="en-US" dirty="0" err="1" smtClean="0">
-                <a:latin typeface="Courier New"/>
-                <a:cs typeface="Courier New"/>
-              </a:rPr>
-              <a:t>FlowDataForChallenge.txt</a:t>
-            </a:r>
-            <a:endParaRPr lang="en-US" dirty="0" smtClean="0">
-              <a:latin typeface="Courier New"/>
-              <a:cs typeface="Courier New"/>
-            </a:endParaRPr>
-          </a:p>
-        </p:txBody>
-      </p:sp>
-      <p:sp>
-        <p:nvSpPr>
-          <p:cNvPr id="98" name="Oval 97"/>
+          <p:cNvPr id="3" name="Oval 2"/>
           <p:cNvSpPr/>
           <p:nvPr/>
         </p:nvSpPr>
         <p:spPr>
           <a:xfrm>
-            <a:off x="2316330" y="1020679"/>
-            <a:ext cx="3541907" cy="468868"/>
+            <a:off x="-1" y="2405661"/>
+            <a:ext cx="3723964" cy="468868"/>
           </a:xfrm>
           <a:prstGeom prst="ellipse">
             <a:avLst/>
@@ -18303,7 +18363,7 @@
             <a:pPr algn="ctr"/>
             <a:r>
               <a:rPr lang="en-US" sz="1400" dirty="0" err="1" smtClean="0"/>
-              <a:t>sort_which_constraints.py</a:t>
+              <a:t>calculate_joint_scatterplots.py</a:t>
             </a:r>
             <a:endParaRPr lang="en-US" sz="1400" dirty="0" smtClean="0"/>
           </a:p>
@@ -18311,17 +18371,17 @@
       </p:sp>
       <p:cxnSp>
         <p:nvCxnSpPr>
-          <p:cNvPr id="99" name="Elbow Connector 98"/>
-          <p:cNvCxnSpPr>
-            <a:stCxn id="95" idx="2"/>
-            <a:endCxn id="98" idx="1"/>
-          </p:cNvCxnSpPr>
-          <p:nvPr/>
-        </p:nvCxnSpPr>
-        <p:spPr>
-          <a:xfrm rot="16200000" flipH="1">
-            <a:off x="2225713" y="480025"/>
-            <a:ext cx="259929" cy="958706"/>
+          <p:cNvPr id="4" name="Elbow Connector 3"/>
+          <p:cNvCxnSpPr>
+            <a:stCxn id="2" idx="2"/>
+            <a:endCxn id="3" idx="0"/>
+          </p:cNvCxnSpPr>
+          <p:nvPr/>
+        </p:nvCxnSpPr>
+        <p:spPr>
+          <a:xfrm rot="5400000">
+            <a:off x="1143822" y="1253063"/>
+            <a:ext cx="1870758" cy="434439"/>
           </a:xfrm>
           <a:prstGeom prst="bentConnector3">
             <a:avLst>
@@ -18344,19 +18404,61 @@
           </a:fontRef>
         </p:style>
       </p:cxnSp>
-      <p:cxnSp>
-        <p:nvCxnSpPr>
-          <p:cNvPr id="102" name="Elbow Connector 101"/>
-          <p:cNvCxnSpPr>
-            <a:stCxn id="97" idx="2"/>
-            <a:endCxn id="98" idx="0"/>
-          </p:cNvCxnSpPr>
-          <p:nvPr/>
-        </p:nvCxnSpPr>
-        <p:spPr>
-          <a:xfrm rot="5400000">
-            <a:off x="3815608" y="749003"/>
-            <a:ext cx="543352" cy="12700"/>
+      <p:sp>
+        <p:nvSpPr>
+          <p:cNvPr id="7" name="Oval 6"/>
+          <p:cNvSpPr/>
+          <p:nvPr/>
+        </p:nvSpPr>
+        <p:spPr>
+          <a:xfrm>
+            <a:off x="5602093" y="2405662"/>
+            <a:ext cx="3541907" cy="468868"/>
+          </a:xfrm>
+          <a:prstGeom prst="ellipse">
+            <a:avLst/>
+          </a:prstGeom>
+        </p:spPr>
+        <p:style>
+          <a:lnRef idx="1">
+            <a:schemeClr val="accent1"/>
+          </a:lnRef>
+          <a:fillRef idx="3">
+            <a:schemeClr val="accent1"/>
+          </a:fillRef>
+          <a:effectRef idx="2">
+            <a:schemeClr val="accent1"/>
+          </a:effectRef>
+          <a:fontRef idx="minor">
+            <a:schemeClr val="lt1"/>
+          </a:fontRef>
+        </p:style>
+        <p:txBody>
+          <a:bodyPr rtlCol="0" anchor="ctr"/>
+          <a:lstStyle/>
+          <a:p>
+            <a:pPr algn="ctr"/>
+            <a:r>
+              <a:rPr lang="en-US" sz="1400" dirty="0" err="1" smtClean="0"/>
+              <a:t>calculate_joint_histograms.py</a:t>
+            </a:r>
+            <a:endParaRPr lang="en-US" sz="1400" dirty="0" smtClean="0"/>
+          </a:p>
+        </p:txBody>
+      </p:sp>
+      <p:cxnSp>
+        <p:nvCxnSpPr>
+          <p:cNvPr id="8" name="Elbow Connector 7"/>
+          <p:cNvCxnSpPr>
+            <a:stCxn id="7" idx="0"/>
+            <a:endCxn id="2" idx="2"/>
+          </p:cNvCxnSpPr>
+          <p:nvPr/>
+        </p:nvCxnSpPr>
+        <p:spPr>
+          <a:xfrm rot="16200000" flipV="1">
+            <a:off x="3899355" y="-1068031"/>
+            <a:ext cx="1870759" cy="5076627"/>
           </a:xfrm>
           <a:prstGeom prst="bentConnector3">
             <a:avLst>
@@ -18381,17 +18483,17 @@
       </p:cxnSp>
       <p:cxnSp>
         <p:nvCxnSpPr>
-          <p:cNvPr id="105" name="Elbow Connector 104"/>
-          <p:cNvCxnSpPr>
-            <a:stCxn id="96" idx="2"/>
-            <a:endCxn id="98" idx="7"/>
-          </p:cNvCxnSpPr>
-          <p:nvPr/>
-        </p:nvCxnSpPr>
-        <p:spPr>
-          <a:xfrm rot="5400000">
-            <a:off x="5677236" y="491718"/>
-            <a:ext cx="259927" cy="935323"/>
+          <p:cNvPr id="10" name="Elbow Connector 9"/>
+          <p:cNvCxnSpPr>
+            <a:stCxn id="7" idx="0"/>
+            <a:endCxn id="11" idx="2"/>
+          </p:cNvCxnSpPr>
+          <p:nvPr/>
+        </p:nvCxnSpPr>
+        <p:spPr>
+          <a:xfrm rot="16200000" flipV="1">
+            <a:off x="6172565" y="1205180"/>
+            <a:ext cx="1841957" cy="559008"/>
           </a:xfrm>
           <a:prstGeom prst="bentConnector3">
             <a:avLst>
@@ -18416,14 +18518,14 @@
       </p:cxnSp>
       <p:sp>
         <p:nvSpPr>
-          <p:cNvPr id="111" name="TextBox 110"/>
+          <p:cNvPr id="11" name="TextBox 10"/>
           <p:cNvSpPr txBox="1"/>
           <p:nvPr/>
         </p:nvSpPr>
         <p:spPr>
           <a:xfrm>
-            <a:off x="2429198" y="1699463"/>
-            <a:ext cx="3507803" cy="369332"/>
+            <a:off x="4484078" y="194373"/>
+            <a:ext cx="4659922" cy="369332"/>
           </a:xfrm>
           <a:prstGeom prst="rect">
             <a:avLst/>
@@ -18438,32 +18540,30 @@
           <a:p>
             <a:pPr algn="ctr"/>
             <a:r>
-              <a:rPr lang="en-US" dirty="0" err="1" smtClean="0">
-                <a:latin typeface="Courier New"/>
-                <a:cs typeface="Courier New"/>
-              </a:rPr>
-              <a:t>joint_summary_TAG.txt</a:t>
-            </a:r>
-            <a:endParaRPr lang="en-US" dirty="0" smtClean="0">
-              <a:latin typeface="Courier New"/>
-              <a:cs typeface="Courier New"/>
-            </a:endParaRPr>
-          </a:p>
-        </p:txBody>
-      </p:sp>
-      <p:cxnSp>
-        <p:nvCxnSpPr>
-          <p:cNvPr id="112" name="Elbow Connector 111"/>
-          <p:cNvCxnSpPr>
-            <a:stCxn id="98" idx="4"/>
-            <a:endCxn id="111" idx="0"/>
-          </p:cNvCxnSpPr>
-          <p:nvPr/>
-        </p:nvCxnSpPr>
-        <p:spPr>
-          <a:xfrm rot="16200000" flipH="1">
-            <a:off x="4030234" y="1546597"/>
-            <a:ext cx="209916" cy="95816"/>
+              <a:rPr lang="en-US" dirty="0" err="1" smtClean="0"/>
+              <a:t>BAF_joint_vals</a:t>
+            </a:r>
+            <a:r>
+              <a:rPr lang="en-US" dirty="0" smtClean="0"/>
+              <a:t>/</a:t>
+            </a:r>
+            <a:endParaRPr lang="en-US" dirty="0"/>
+          </a:p>
+        </p:txBody>
+      </p:sp>
+      <p:cxnSp>
+        <p:nvCxnSpPr>
+          <p:cNvPr id="12" name="Elbow Connector 11"/>
+          <p:cNvCxnSpPr>
+            <a:stCxn id="11" idx="2"/>
+            <a:endCxn id="3" idx="0"/>
+          </p:cNvCxnSpPr>
+          <p:nvPr/>
+        </p:nvCxnSpPr>
+        <p:spPr>
+          <a:xfrm rot="5400000">
+            <a:off x="3417032" y="-991346"/>
+            <a:ext cx="1841956" cy="4952058"/>
           </a:xfrm>
           <a:prstGeom prst="bentConnector3">
             <a:avLst>
@@ -18486,159 +18586,10 @@
           </a:fontRef>
         </p:style>
       </p:cxnSp>
-      <p:sp>
-        <p:nvSpPr>
-          <p:cNvPr id="31" name="Oval 30"/>
-          <p:cNvSpPr/>
-          <p:nvPr/>
-        </p:nvSpPr>
-        <p:spPr>
-          <a:xfrm>
-            <a:off x="2395094" y="2393810"/>
-            <a:ext cx="3541907" cy="468868"/>
-          </a:xfrm>
-          <a:prstGeom prst="ellipse">
-            <a:avLst/>
-          </a:prstGeom>
-        </p:spPr>
-        <p:style>
-          <a:lnRef idx="1">
-            <a:schemeClr val="accent1"/>
-          </a:lnRef>
-          <a:fillRef idx="3">
-            <a:schemeClr val="accent1"/>
-          </a:fillRef>
-          <a:effectRef idx="2">
-            <a:schemeClr val="accent1"/>
-          </a:effectRef>
-          <a:fontRef idx="minor">
-            <a:schemeClr val="lt1"/>
-          </a:fontRef>
-        </p:style>
-        <p:txBody>
-          <a:bodyPr rtlCol="0" anchor="ctr"/>
-          <a:lstStyle/>
-          <a:p>
-            <a:pPr algn="ctr"/>
-            <a:r>
-              <a:rPr lang="en-US" sz="1400" dirty="0" err="1" smtClean="0"/>
-              <a:t>calculate_odds.py</a:t>
-            </a:r>
-            <a:endParaRPr lang="en-US" sz="1400" dirty="0" smtClean="0"/>
-          </a:p>
-        </p:txBody>
-      </p:sp>
-      <p:sp>
-        <p:nvSpPr>
-          <p:cNvPr id="32" name="TextBox 31"/>
-          <p:cNvSpPr txBox="1"/>
-          <p:nvPr/>
-        </p:nvSpPr>
-        <p:spPr>
-          <a:xfrm>
-            <a:off x="2429198" y="3210419"/>
-            <a:ext cx="3950680" cy="369332"/>
-          </a:xfrm>
-          <a:prstGeom prst="rect">
-            <a:avLst/>
-          </a:prstGeom>
-          <a:noFill/>
-        </p:spPr>
-        <p:txBody>
-          <a:bodyPr wrap="square" rtlCol="0">
-            <a:spAutoFit/>
-          </a:bodyPr>
-          <a:lstStyle/>
-          <a:p>
-            <a:pPr algn="ctr"/>
-            <a:r>
-              <a:rPr lang="en-US" dirty="0" err="1" smtClean="0">
-                <a:latin typeface="Courier New"/>
-                <a:cs typeface="Courier New"/>
-              </a:rPr>
-              <a:t>joint_summary_TAG_odds.txt</a:t>
-            </a:r>
-            <a:endParaRPr lang="en-US" dirty="0" smtClean="0">
-              <a:latin typeface="Courier New"/>
-              <a:cs typeface="Courier New"/>
-            </a:endParaRPr>
-          </a:p>
-        </p:txBody>
-      </p:sp>
-      <p:cxnSp>
-        <p:nvCxnSpPr>
-          <p:cNvPr id="33" name="Elbow Connector 32"/>
-          <p:cNvCxnSpPr>
-            <a:stCxn id="31" idx="4"/>
-            <a:endCxn id="32" idx="0"/>
-          </p:cNvCxnSpPr>
-          <p:nvPr/>
-        </p:nvCxnSpPr>
-        <p:spPr>
-          <a:xfrm rot="16200000" flipH="1">
-            <a:off x="4111423" y="2917303"/>
-            <a:ext cx="347741" cy="238490"/>
-          </a:xfrm>
-          <a:prstGeom prst="bentConnector3">
-            <a:avLst>
-              <a:gd name="adj1" fmla="val 50000"/>
-            </a:avLst>
-          </a:prstGeom>
-        </p:spPr>
-        <p:style>
-          <a:lnRef idx="2">
-            <a:schemeClr val="accent1"/>
-          </a:lnRef>
-          <a:fillRef idx="0">
-            <a:schemeClr val="accent1"/>
-          </a:fillRef>
-          <a:effectRef idx="1">
-            <a:schemeClr val="accent1"/>
-          </a:effectRef>
-          <a:fontRef idx="minor">
-            <a:schemeClr val="tx1"/>
-          </a:fontRef>
-        </p:style>
-      </p:cxnSp>
-      <p:cxnSp>
-        <p:nvCxnSpPr>
-          <p:cNvPr id="36" name="Elbow Connector 35"/>
-          <p:cNvCxnSpPr>
-            <a:stCxn id="111" idx="2"/>
-            <a:endCxn id="31" idx="0"/>
-          </p:cNvCxnSpPr>
-          <p:nvPr/>
-        </p:nvCxnSpPr>
-        <p:spPr>
-          <a:xfrm rot="5400000">
-            <a:off x="4012067" y="2222776"/>
-            <a:ext cx="325015" cy="17052"/>
-          </a:xfrm>
-          <a:prstGeom prst="bentConnector3">
-            <a:avLst>
-              <a:gd name="adj1" fmla="val 50000"/>
-            </a:avLst>
-          </a:prstGeom>
-        </p:spPr>
-        <p:style>
-          <a:lnRef idx="2">
-            <a:schemeClr val="accent1"/>
-          </a:lnRef>
-          <a:fillRef idx="0">
-            <a:schemeClr val="accent1"/>
-          </a:fillRef>
-          <a:effectRef idx="1">
-            <a:schemeClr val="accent1"/>
-          </a:effectRef>
-          <a:fontRef idx="minor">
-            <a:schemeClr val="tx1"/>
-          </a:fontRef>
-        </p:style>
-      </p:cxnSp>
     </p:spTree>
     <p:extLst>
       <p:ext uri="{BB962C8B-B14F-4D97-AF65-F5344CB8AC3E}">
-        <p14:creationId xmlns:p14="http://schemas.microsoft.com/office/powerpoint/2010/main" val="2073866232"/>
+        <p14:creationId xmlns:p14="http://schemas.microsoft.com/office/powerpoint/2010/main" val="2403452269"/>
       </p:ext>
     </p:extLst>
   </p:cSld>

--- a/Python program structure.pptx
+++ b/Python program structure.pptx
@@ -13833,7 +13833,7 @@
         </p:nvSpPr>
         <p:spPr>
           <a:xfrm>
-            <a:off x="1" y="268353"/>
+            <a:off x="0" y="1158685"/>
             <a:ext cx="5015450" cy="338554"/>
           </a:xfrm>
           <a:prstGeom prst="rect">
@@ -13875,8 +13875,8 @@
         </p:nvCxnSpPr>
         <p:spPr>
           <a:xfrm rot="16200000" flipH="1">
-            <a:off x="3039025" y="75607"/>
-            <a:ext cx="448364" cy="1510963"/>
+            <a:off x="3471551" y="533413"/>
+            <a:ext cx="448362" cy="2376014"/>
           </a:xfrm>
           <a:prstGeom prst="bentConnector3">
             <a:avLst>
@@ -13907,7 +13907,7 @@
         </p:nvSpPr>
         <p:spPr>
           <a:xfrm>
-            <a:off x="2279274" y="1055271"/>
+            <a:off x="3144324" y="1945601"/>
             <a:ext cx="3478829" cy="468868"/>
           </a:xfrm>
           <a:prstGeom prst="ellipse">
@@ -13949,7 +13949,7 @@
         </p:nvSpPr>
         <p:spPr>
           <a:xfrm>
-            <a:off x="5015450" y="268353"/>
+            <a:off x="5015449" y="1158685"/>
             <a:ext cx="4128550" cy="369332"/>
           </a:xfrm>
           <a:prstGeom prst="rect">
@@ -13989,8 +13989,8 @@
         </p:nvCxnSpPr>
         <p:spPr>
           <a:xfrm rot="5400000">
-            <a:off x="5340414" y="-684040"/>
-            <a:ext cx="417586" cy="3061036"/>
+            <a:off x="5772940" y="638817"/>
+            <a:ext cx="417584" cy="2195985"/>
           </a:xfrm>
           <a:prstGeom prst="bentConnector3">
             <a:avLst>
@@ -14021,7 +14021,7 @@
         </p:nvSpPr>
         <p:spPr>
           <a:xfrm>
-            <a:off x="2492292" y="1945604"/>
+            <a:off x="2492291" y="2835936"/>
             <a:ext cx="3071199" cy="369332"/>
           </a:xfrm>
           <a:prstGeom prst="rect">
@@ -14060,9 +14060,9 @@
           <p:nvPr/>
         </p:nvCxnSpPr>
         <p:spPr>
-          <a:xfrm rot="16200000" flipH="1">
-            <a:off x="3812558" y="1730269"/>
-            <a:ext cx="421465" cy="9203"/>
+          <a:xfrm rot="5400000">
+            <a:off x="4245082" y="2197278"/>
+            <a:ext cx="421467" cy="855848"/>
           </a:xfrm>
           <a:prstGeom prst="bentConnector3">
             <a:avLst>
@@ -14093,7 +14093,7 @@
         </p:nvSpPr>
         <p:spPr>
           <a:xfrm>
-            <a:off x="2287279" y="2891689"/>
+            <a:off x="4661566" y="4094898"/>
             <a:ext cx="3478829" cy="468868"/>
           </a:xfrm>
           <a:prstGeom prst="ellipse">
@@ -14135,7 +14135,7 @@
         </p:nvSpPr>
         <p:spPr>
           <a:xfrm>
-            <a:off x="2130828" y="3782022"/>
+            <a:off x="4505115" y="4985231"/>
             <a:ext cx="3804881" cy="369332"/>
           </a:xfrm>
           <a:prstGeom prst="rect">
@@ -14175,7 +14175,7 @@
         </p:nvCxnSpPr>
         <p:spPr>
           <a:xfrm rot="16200000" flipH="1">
-            <a:off x="3819249" y="3568001"/>
+            <a:off x="6193536" y="4771210"/>
             <a:ext cx="421465" cy="6575"/>
           </a:xfrm>
           <a:prstGeom prst="bentConnector3">
@@ -14209,9 +14209,333 @@
           <p:nvPr/>
         </p:nvCxnSpPr>
         <p:spPr>
+          <a:xfrm rot="16200000" flipH="1">
+            <a:off x="4769621" y="2463538"/>
+            <a:ext cx="889630" cy="2373090"/>
+          </a:xfrm>
+          <a:prstGeom prst="bentConnector3">
+            <a:avLst>
+              <a:gd name="adj1" fmla="val 50000"/>
+            </a:avLst>
+          </a:prstGeom>
+        </p:spPr>
+        <p:style>
+          <a:lnRef idx="2">
+            <a:schemeClr val="accent1"/>
+          </a:lnRef>
+          <a:fillRef idx="0">
+            <a:schemeClr val="accent1"/>
+          </a:fillRef>
+          <a:effectRef idx="1">
+            <a:schemeClr val="accent1"/>
+          </a:effectRef>
+          <a:fontRef idx="minor">
+            <a:schemeClr val="tx1"/>
+          </a:fontRef>
+        </p:style>
+      </p:cxnSp>
+      <p:sp>
+        <p:nvSpPr>
+          <p:cNvPr id="13" name="Oval 12"/>
+          <p:cNvSpPr/>
+          <p:nvPr/>
+        </p:nvSpPr>
+        <p:spPr>
+          <a:xfrm>
+            <a:off x="539858" y="3782469"/>
+            <a:ext cx="3478829" cy="468868"/>
+          </a:xfrm>
+          <a:prstGeom prst="ellipse">
+            <a:avLst/>
+          </a:prstGeom>
+        </p:spPr>
+        <p:style>
+          <a:lnRef idx="1">
+            <a:schemeClr val="accent1"/>
+          </a:lnRef>
+          <a:fillRef idx="3">
+            <a:schemeClr val="accent1"/>
+          </a:fillRef>
+          <a:effectRef idx="2">
+            <a:schemeClr val="accent1"/>
+          </a:effectRef>
+          <a:fontRef idx="minor">
+            <a:schemeClr val="lt1"/>
+          </a:fontRef>
+        </p:style>
+        <p:txBody>
+          <a:bodyPr rtlCol="0" anchor="ctr"/>
+          <a:lstStyle/>
+          <a:p>
+            <a:pPr algn="ctr"/>
+            <a:r>
+              <a:rPr lang="en-US" sz="1400" dirty="0" err="1" smtClean="0"/>
+              <a:t>count</a:t>
+            </a:r>
+            <a:r>
+              <a:rPr lang="en-US" sz="1400" dirty="0" err="1" smtClean="0"/>
+              <a:t>_ploidy_evidence.py</a:t>
+            </a:r>
+            <a:endParaRPr lang="en-US" sz="1400" dirty="0" smtClean="0"/>
+          </a:p>
+        </p:txBody>
+      </p:sp>
+      <p:cxnSp>
+        <p:nvCxnSpPr>
+          <p:cNvPr id="16" name="Elbow Connector 15"/>
+          <p:cNvCxnSpPr>
+            <a:stCxn id="47" idx="2"/>
+            <a:endCxn id="13" idx="0"/>
+          </p:cNvCxnSpPr>
+          <p:nvPr/>
+        </p:nvCxnSpPr>
+        <p:spPr>
           <a:xfrm rot="5400000">
-            <a:off x="3738917" y="2602713"/>
-            <a:ext cx="576753" cy="1198"/>
+            <a:off x="2864982" y="2619559"/>
+            <a:ext cx="577201" cy="1748618"/>
+          </a:xfrm>
+          <a:prstGeom prst="bentConnector3">
+            <a:avLst>
+              <a:gd name="adj1" fmla="val 50000"/>
+            </a:avLst>
+          </a:prstGeom>
+        </p:spPr>
+        <p:style>
+          <a:lnRef idx="2">
+            <a:schemeClr val="accent1"/>
+          </a:lnRef>
+          <a:fillRef idx="0">
+            <a:schemeClr val="accent1"/>
+          </a:fillRef>
+          <a:effectRef idx="1">
+            <a:schemeClr val="accent1"/>
+          </a:effectRef>
+          <a:fontRef idx="minor">
+            <a:schemeClr val="tx1"/>
+          </a:fontRef>
+        </p:style>
+      </p:cxnSp>
+      <p:cxnSp>
+        <p:nvCxnSpPr>
+          <p:cNvPr id="19" name="Elbow Connector 18"/>
+          <p:cNvCxnSpPr>
+            <a:stCxn id="13" idx="4"/>
+            <a:endCxn id="56" idx="2"/>
+          </p:cNvCxnSpPr>
+          <p:nvPr/>
+        </p:nvCxnSpPr>
+        <p:spPr>
+          <a:xfrm rot="16200000" flipH="1">
+            <a:off x="3431422" y="3099187"/>
+            <a:ext cx="77995" cy="2382293"/>
+          </a:xfrm>
+          <a:prstGeom prst="bentConnector2">
+            <a:avLst/>
+          </a:prstGeom>
+        </p:spPr>
+        <p:style>
+          <a:lnRef idx="2">
+            <a:schemeClr val="accent1"/>
+          </a:lnRef>
+          <a:fillRef idx="0">
+            <a:schemeClr val="accent1"/>
+          </a:fillRef>
+          <a:effectRef idx="1">
+            <a:schemeClr val="accent1"/>
+          </a:effectRef>
+          <a:fontRef idx="minor">
+            <a:schemeClr val="tx1"/>
+          </a:fontRef>
+        </p:style>
+      </p:cxnSp>
+      <p:sp>
+        <p:nvSpPr>
+          <p:cNvPr id="25" name="TextBox 24"/>
+          <p:cNvSpPr txBox="1"/>
+          <p:nvPr/>
+        </p:nvSpPr>
+        <p:spPr>
+          <a:xfrm>
+            <a:off x="324222" y="446070"/>
+            <a:ext cx="3536706" cy="369332"/>
+          </a:xfrm>
+          <a:prstGeom prst="rect">
+            <a:avLst/>
+          </a:prstGeom>
+          <a:noFill/>
+        </p:spPr>
+        <p:txBody>
+          <a:bodyPr wrap="square" rtlCol="0">
+            <a:spAutoFit/>
+          </a:bodyPr>
+          <a:lstStyle/>
+          <a:p>
+            <a:pPr algn="ctr"/>
+            <a:r>
+              <a:rPr lang="en-US" dirty="0" err="1" smtClean="0">
+                <a:latin typeface="Courier New"/>
+                <a:cs typeface="Courier New"/>
+              </a:rPr>
+              <a:t>tom_final_DNA_calls.tsv</a:t>
+            </a:r>
+            <a:endParaRPr lang="en-US" dirty="0">
+              <a:latin typeface="Courier New"/>
+              <a:cs typeface="Courier New"/>
+            </a:endParaRPr>
+          </a:p>
+        </p:txBody>
+      </p:sp>
+      <p:sp>
+        <p:nvSpPr>
+          <p:cNvPr id="26" name="TextBox 25"/>
+          <p:cNvSpPr txBox="1"/>
+          <p:nvPr/>
+        </p:nvSpPr>
+        <p:spPr>
+          <a:xfrm>
+            <a:off x="5347625" y="450431"/>
+            <a:ext cx="2551056" cy="369332"/>
+          </a:xfrm>
+          <a:prstGeom prst="rect">
+            <a:avLst/>
+          </a:prstGeom>
+          <a:noFill/>
+        </p:spPr>
+        <p:txBody>
+          <a:bodyPr wrap="square" rtlCol="0">
+            <a:spAutoFit/>
+          </a:bodyPr>
+          <a:lstStyle/>
+          <a:p>
+            <a:pPr algn="ctr"/>
+            <a:r>
+              <a:rPr lang="en-US" dirty="0" err="1" smtClean="0">
+                <a:latin typeface="Courier New"/>
+                <a:cs typeface="Courier New"/>
+              </a:rPr>
+              <a:t>flow_summary.tsv</a:t>
+            </a:r>
+            <a:endParaRPr lang="en-US" dirty="0">
+              <a:latin typeface="Courier New"/>
+              <a:cs typeface="Courier New"/>
+            </a:endParaRPr>
+          </a:p>
+        </p:txBody>
+      </p:sp>
+      <p:cxnSp>
+        <p:nvCxnSpPr>
+          <p:cNvPr id="27" name="Elbow Connector 26"/>
+          <p:cNvCxnSpPr>
+            <a:stCxn id="26" idx="1"/>
+            <a:endCxn id="15" idx="0"/>
+          </p:cNvCxnSpPr>
+          <p:nvPr/>
+        </p:nvCxnSpPr>
+        <p:spPr>
+          <a:xfrm rot="10800000" flipV="1">
+            <a:off x="4883739" y="635097"/>
+            <a:ext cx="463886" cy="1310504"/>
+          </a:xfrm>
+          <a:prstGeom prst="bentConnector2">
+            <a:avLst/>
+          </a:prstGeom>
+        </p:spPr>
+        <p:style>
+          <a:lnRef idx="2">
+            <a:schemeClr val="accent1"/>
+          </a:lnRef>
+          <a:fillRef idx="0">
+            <a:schemeClr val="accent1"/>
+          </a:fillRef>
+          <a:effectRef idx="1">
+            <a:schemeClr val="accent1"/>
+          </a:effectRef>
+          <a:fontRef idx="minor">
+            <a:schemeClr val="tx1"/>
+          </a:fontRef>
+        </p:style>
+      </p:cxnSp>
+      <p:cxnSp>
+        <p:nvCxnSpPr>
+          <p:cNvPr id="31" name="Elbow Connector 30"/>
+          <p:cNvCxnSpPr>
+            <a:stCxn id="25" idx="3"/>
+            <a:endCxn id="15" idx="0"/>
+          </p:cNvCxnSpPr>
+          <p:nvPr/>
+        </p:nvCxnSpPr>
+        <p:spPr>
+          <a:xfrm>
+            <a:off x="3860928" y="630736"/>
+            <a:ext cx="1022811" cy="1314865"/>
+          </a:xfrm>
+          <a:prstGeom prst="bentConnector2">
+            <a:avLst/>
+          </a:prstGeom>
+        </p:spPr>
+        <p:style>
+          <a:lnRef idx="2">
+            <a:schemeClr val="accent1"/>
+          </a:lnRef>
+          <a:fillRef idx="0">
+            <a:schemeClr val="accent1"/>
+          </a:fillRef>
+          <a:effectRef idx="1">
+            <a:schemeClr val="accent1"/>
+          </a:effectRef>
+          <a:fontRef idx="minor">
+            <a:schemeClr val="tx1"/>
+          </a:fontRef>
+        </p:style>
+      </p:cxnSp>
+      <p:sp>
+        <p:nvSpPr>
+          <p:cNvPr id="41" name="TextBox 40"/>
+          <p:cNvSpPr txBox="1"/>
+          <p:nvPr/>
+        </p:nvSpPr>
+        <p:spPr>
+          <a:xfrm>
+            <a:off x="2968723" y="107516"/>
+            <a:ext cx="3830031" cy="338554"/>
+          </a:xfrm>
+          <a:prstGeom prst="rect">
+            <a:avLst/>
+          </a:prstGeom>
+          <a:noFill/>
+        </p:spPr>
+        <p:txBody>
+          <a:bodyPr wrap="square" rtlCol="0">
+            <a:spAutoFit/>
+          </a:bodyPr>
+          <a:lstStyle/>
+          <a:p>
+            <a:pPr algn="ctr"/>
+            <a:r>
+              <a:rPr lang="en-US" sz="1600" dirty="0" err="1" smtClean="0"/>
+              <a:t>gamma_test_output</a:t>
+            </a:r>
+            <a:r>
+              <a:rPr lang="en-US" sz="1600" dirty="0" smtClean="0"/>
+              <a:t>/pASCAT_input_g500/</a:t>
+            </a:r>
+            <a:endParaRPr lang="en-US" sz="1600" dirty="0"/>
+          </a:p>
+        </p:txBody>
+      </p:sp>
+      <p:cxnSp>
+        <p:nvCxnSpPr>
+          <p:cNvPr id="42" name="Elbow Connector 41"/>
+          <p:cNvCxnSpPr>
+            <a:stCxn id="41" idx="2"/>
+            <a:endCxn id="15" idx="0"/>
+          </p:cNvCxnSpPr>
+          <p:nvPr/>
+        </p:nvCxnSpPr>
+        <p:spPr>
+          <a:xfrm rot="5400000">
+            <a:off x="4133974" y="1195835"/>
+            <a:ext cx="1499531" cy="12700"/>
           </a:xfrm>
           <a:prstGeom prst="bentConnector3">
             <a:avLst>

--- a/Python program structure.pptx
+++ b/Python program structure.pptx
@@ -307,7 +307,7 @@
           <a:p>
             <a:fld id="{DCC446B6-7B9C-A04B-98D9-80CC642E8FE6}" type="datetimeFigureOut">
               <a:rPr lang="en-US" smtClean="0"/>
-              <a:t>7/19/18</a:t>
+              <a:t>8/13/18</a:t>
             </a:fld>
             <a:endParaRPr lang="en-US"/>
           </a:p>
@@ -477,7 +477,7 @@
           <a:p>
             <a:fld id="{DCC446B6-7B9C-A04B-98D9-80CC642E8FE6}" type="datetimeFigureOut">
               <a:rPr lang="en-US" smtClean="0"/>
-              <a:t>7/19/18</a:t>
+              <a:t>8/13/18</a:t>
             </a:fld>
             <a:endParaRPr lang="en-US"/>
           </a:p>
@@ -657,7 +657,7 @@
           <a:p>
             <a:fld id="{DCC446B6-7B9C-A04B-98D9-80CC642E8FE6}" type="datetimeFigureOut">
               <a:rPr lang="en-US" smtClean="0"/>
-              <a:t>7/19/18</a:t>
+              <a:t>8/13/18</a:t>
             </a:fld>
             <a:endParaRPr lang="en-US"/>
           </a:p>
@@ -827,7 +827,7 @@
           <a:p>
             <a:fld id="{DCC446B6-7B9C-A04B-98D9-80CC642E8FE6}" type="datetimeFigureOut">
               <a:rPr lang="en-US" smtClean="0"/>
-              <a:t>7/19/18</a:t>
+              <a:t>8/13/18</a:t>
             </a:fld>
             <a:endParaRPr lang="en-US"/>
           </a:p>
@@ -1073,7 +1073,7 @@
           <a:p>
             <a:fld id="{DCC446B6-7B9C-A04B-98D9-80CC642E8FE6}" type="datetimeFigureOut">
               <a:rPr lang="en-US" smtClean="0"/>
-              <a:t>7/19/18</a:t>
+              <a:t>8/13/18</a:t>
             </a:fld>
             <a:endParaRPr lang="en-US"/>
           </a:p>
@@ -1361,7 +1361,7 @@
           <a:p>
             <a:fld id="{DCC446B6-7B9C-A04B-98D9-80CC642E8FE6}" type="datetimeFigureOut">
               <a:rPr lang="en-US" smtClean="0"/>
-              <a:t>7/19/18</a:t>
+              <a:t>8/13/18</a:t>
             </a:fld>
             <a:endParaRPr lang="en-US"/>
           </a:p>
@@ -1783,7 +1783,7 @@
           <a:p>
             <a:fld id="{DCC446B6-7B9C-A04B-98D9-80CC642E8FE6}" type="datetimeFigureOut">
               <a:rPr lang="en-US" smtClean="0"/>
-              <a:t>7/19/18</a:t>
+              <a:t>8/13/18</a:t>
             </a:fld>
             <a:endParaRPr lang="en-US"/>
           </a:p>
@@ -1901,7 +1901,7 @@
           <a:p>
             <a:fld id="{DCC446B6-7B9C-A04B-98D9-80CC642E8FE6}" type="datetimeFigureOut">
               <a:rPr lang="en-US" smtClean="0"/>
-              <a:t>7/19/18</a:t>
+              <a:t>8/13/18</a:t>
             </a:fld>
             <a:endParaRPr lang="en-US"/>
           </a:p>
@@ -1996,7 +1996,7 @@
           <a:p>
             <a:fld id="{DCC446B6-7B9C-A04B-98D9-80CC642E8FE6}" type="datetimeFigureOut">
               <a:rPr lang="en-US" smtClean="0"/>
-              <a:t>7/19/18</a:t>
+              <a:t>8/13/18</a:t>
             </a:fld>
             <a:endParaRPr lang="en-US"/>
           </a:p>
@@ -2273,7 +2273,7 @@
           <a:p>
             <a:fld id="{DCC446B6-7B9C-A04B-98D9-80CC642E8FE6}" type="datetimeFigureOut">
               <a:rPr lang="en-US" smtClean="0"/>
-              <a:t>7/19/18</a:t>
+              <a:t>8/13/18</a:t>
             </a:fld>
             <a:endParaRPr lang="en-US"/>
           </a:p>
@@ -2526,7 +2526,7 @@
           <a:p>
             <a:fld id="{DCC446B6-7B9C-A04B-98D9-80CC642E8FE6}" type="datetimeFigureOut">
               <a:rPr lang="en-US" smtClean="0"/>
-              <a:t>7/19/18</a:t>
+              <a:t>8/13/18</a:t>
             </a:fld>
             <a:endParaRPr lang="en-US"/>
           </a:p>
@@ -2739,7 +2739,7 @@
           <a:p>
             <a:fld id="{DCC446B6-7B9C-A04B-98D9-80CC642E8FE6}" type="datetimeFigureOut">
               <a:rPr lang="en-US" smtClean="0"/>
-              <a:t>7/19/18</a:t>
+              <a:t>8/13/18</a:t>
             </a:fld>
             <a:endParaRPr lang="en-US"/>
           </a:p>
@@ -3367,10 +3367,6 @@
               </a:rPr>
               <a:t>-0_H_SNPlist.txt</a:t>
             </a:r>
-            <a:endParaRPr lang="en-US" dirty="0">
-              <a:latin typeface="Courier New"/>
-              <a:cs typeface="Courier New"/>
-            </a:endParaRPr>
           </a:p>
         </p:txBody>
       </p:sp>
@@ -3410,10 +3406,6 @@
               </a:rPr>
               <a:t>-5-8v1-3_A1.annotated.txt</a:t>
             </a:r>
-            <a:endParaRPr lang="en-US" dirty="0">
-              <a:latin typeface="Courier New"/>
-              <a:cs typeface="Courier New"/>
-            </a:endParaRPr>
           </a:p>
         </p:txBody>
       </p:sp>
@@ -13115,6 +13107,76 @@
           </a:fontRef>
         </p:style>
       </p:cxnSp>
+      <p:sp>
+        <p:nvSpPr>
+          <p:cNvPr id="31" name="TextBox 30"/>
+          <p:cNvSpPr txBox="1"/>
+          <p:nvPr/>
+        </p:nvSpPr>
+        <p:spPr>
+          <a:xfrm>
+            <a:off x="6802942" y="1201460"/>
+            <a:ext cx="2305003" cy="369332"/>
+          </a:xfrm>
+          <a:prstGeom prst="rect">
+            <a:avLst/>
+          </a:prstGeom>
+          <a:noFill/>
+        </p:spPr>
+        <p:txBody>
+          <a:bodyPr wrap="square" rtlCol="0">
+            <a:spAutoFit/>
+          </a:bodyPr>
+          <a:lstStyle/>
+          <a:p>
+            <a:pPr algn="ctr"/>
+            <a:r>
+              <a:rPr lang="en-US" dirty="0" err="1" smtClean="0">
+                <a:latin typeface="Courier New"/>
+                <a:cs typeface="Courier New"/>
+              </a:rPr>
+              <a:t>nan_probes#.txt</a:t>
+            </a:r>
+            <a:endParaRPr lang="en-US" dirty="0">
+              <a:latin typeface="Courier New"/>
+              <a:cs typeface="Courier New"/>
+            </a:endParaRPr>
+          </a:p>
+        </p:txBody>
+      </p:sp>
+      <p:cxnSp>
+        <p:nvCxnSpPr>
+          <p:cNvPr id="41" name="Elbow Connector 40"/>
+          <p:cNvCxnSpPr>
+            <a:stCxn id="31" idx="2"/>
+            <a:endCxn id="60" idx="6"/>
+          </p:cNvCxnSpPr>
+          <p:nvPr/>
+        </p:nvCxnSpPr>
+        <p:spPr>
+          <a:xfrm rot="5400000">
+            <a:off x="7367578" y="1114384"/>
+            <a:ext cx="131458" cy="1044274"/>
+          </a:xfrm>
+          <a:prstGeom prst="bentConnector2">
+            <a:avLst/>
+          </a:prstGeom>
+        </p:spPr>
+        <p:style>
+          <a:lnRef idx="2">
+            <a:schemeClr val="accent1"/>
+          </a:lnRef>
+          <a:fillRef idx="0">
+            <a:schemeClr val="accent1"/>
+          </a:fillRef>
+          <a:effectRef idx="1">
+            <a:schemeClr val="accent1"/>
+          </a:effectRef>
+          <a:fontRef idx="minor">
+            <a:schemeClr val="tx1"/>
+          </a:fontRef>
+        </p:style>
+      </p:cxnSp>
     </p:spTree>
     <p:extLst>
       <p:ext uri="{BB962C8B-B14F-4D97-AF65-F5344CB8AC3E}">
@@ -13588,7 +13650,7 @@
         </p:nvSpPr>
         <p:spPr>
           <a:xfrm>
-            <a:off x="2785957" y="1293215"/>
+            <a:off x="3181672" y="2082207"/>
             <a:ext cx="1695745" cy="369332"/>
           </a:xfrm>
           <a:prstGeom prst="rect">
@@ -13623,7 +13685,7 @@
         </p:nvSpPr>
         <p:spPr>
           <a:xfrm>
-            <a:off x="538951" y="655889"/>
+            <a:off x="538951" y="1097585"/>
             <a:ext cx="3253221" cy="468868"/>
           </a:xfrm>
           <a:prstGeom prst="ellipse">
@@ -13668,8 +13730,8 @@
         </p:nvCxnSpPr>
         <p:spPr>
           <a:xfrm rot="16200000" flipH="1">
-            <a:off x="2815467" y="474852"/>
-            <a:ext cx="168458" cy="1468268"/>
+            <a:off x="2839676" y="892338"/>
+            <a:ext cx="515754" cy="1863983"/>
           </a:xfrm>
           <a:prstGeom prst="bentConnector3">
             <a:avLst>
@@ -13703,7 +13765,7 @@
         </p:nvCxnSpPr>
         <p:spPr>
           <a:xfrm rot="16200000" flipV="1">
-            <a:off x="1641665" y="131991"/>
+            <a:off x="1641665" y="573687"/>
             <a:ext cx="286557" cy="761239"/>
           </a:xfrm>
           <a:prstGeom prst="bentConnector3">
@@ -13808,8 +13870,8 @@
         </p:nvCxnSpPr>
         <p:spPr>
           <a:xfrm rot="5400000">
-            <a:off x="1522141" y="649794"/>
-            <a:ext cx="168458" cy="1118384"/>
+            <a:off x="1546351" y="1462996"/>
+            <a:ext cx="515754" cy="722669"/>
           </a:xfrm>
           <a:prstGeom prst="bentConnector3">
             <a:avLst>
@@ -13873,7 +13935,7 @@
         </p:nvSpPr>
         <p:spPr>
           <a:xfrm>
-            <a:off x="298188" y="0"/>
+            <a:off x="298188" y="441696"/>
             <a:ext cx="2212270" cy="369332"/>
           </a:xfrm>
           <a:prstGeom prst="rect">
@@ -13908,7 +13970,7 @@
         </p:nvSpPr>
         <p:spPr>
           <a:xfrm>
-            <a:off x="60563" y="1293215"/>
+            <a:off x="456278" y="2082207"/>
             <a:ext cx="1973230" cy="369332"/>
           </a:xfrm>
           <a:prstGeom prst="rect">
@@ -14029,9 +14091,9 @@
           <p:nvPr/>
         </p:nvCxnSpPr>
         <p:spPr>
-          <a:xfrm rot="16200000" flipV="1">
-            <a:off x="2255845" y="3040532"/>
-            <a:ext cx="3012972" cy="257002"/>
+          <a:xfrm rot="5400000" flipH="1" flipV="1">
+            <a:off x="2848198" y="3494173"/>
+            <a:ext cx="2223980" cy="138713"/>
           </a:xfrm>
           <a:prstGeom prst="bentConnector3">
             <a:avLst>
@@ -14097,7 +14159,7 @@
         </p:nvSpPr>
         <p:spPr>
           <a:xfrm>
-            <a:off x="4637475" y="824347"/>
+            <a:off x="4637475" y="1266043"/>
             <a:ext cx="3977511" cy="468868"/>
           </a:xfrm>
           <a:prstGeom prst="ellipse">
@@ -14142,7 +14204,7 @@
         </p:nvCxnSpPr>
         <p:spPr>
           <a:xfrm rot="16200000" flipV="1">
-            <a:off x="4248505" y="-1553380"/>
+            <a:off x="4248505" y="-1111684"/>
             <a:ext cx="639681" cy="4115773"/>
           </a:xfrm>
           <a:prstGeom prst="bentConnector2">
@@ -14172,7 +14234,7 @@
         </p:nvSpPr>
         <p:spPr>
           <a:xfrm>
-            <a:off x="5904629" y="2194509"/>
+            <a:off x="5904630" y="2451539"/>
             <a:ext cx="1695745" cy="369332"/>
           </a:xfrm>
           <a:prstGeom prst="rect">
@@ -14210,8 +14272,8 @@
         </p:nvCxnSpPr>
         <p:spPr>
           <a:xfrm rot="16200000" flipV="1">
-            <a:off x="6238720" y="1680726"/>
-            <a:ext cx="901294" cy="126271"/>
+            <a:off x="6331053" y="2030089"/>
+            <a:ext cx="716628" cy="126272"/>
           </a:xfrm>
           <a:prstGeom prst="bentConnector3">
             <a:avLst>
@@ -14287,8 +14349,8 @@
         </p:nvCxnSpPr>
         <p:spPr>
           <a:xfrm rot="5400000" flipH="1" flipV="1">
-            <a:off x="6395867" y="2920475"/>
-            <a:ext cx="713268" cy="1"/>
+            <a:off x="6524383" y="3048989"/>
+            <a:ext cx="456238" cy="2"/>
           </a:xfrm>
           <a:prstGeom prst="bentConnector3">
             <a:avLst>
@@ -14357,8 +14419,8 @@
         </p:nvCxnSpPr>
         <p:spPr>
           <a:xfrm rot="10800000">
-            <a:off x="4481703" y="1477881"/>
-            <a:ext cx="860211" cy="2033662"/>
+            <a:off x="4877417" y="2266873"/>
+            <a:ext cx="464496" cy="1244670"/>
           </a:xfrm>
           <a:prstGeom prst="bentConnector3">
             <a:avLst>
@@ -14427,12 +14489,12 @@
         </p:nvCxnSpPr>
         <p:spPr>
           <a:xfrm rot="16200000" flipV="1">
-            <a:off x="-868234" y="1351089"/>
-            <a:ext cx="4559517" cy="2226671"/>
+            <a:off x="-647386" y="1571937"/>
+            <a:ext cx="4117821" cy="2226671"/>
           </a:xfrm>
           <a:prstGeom prst="bentConnector4">
             <a:avLst>
-              <a:gd name="adj1" fmla="val 5848"/>
+              <a:gd name="adj1" fmla="val 46924"/>
               <a:gd name="adj2" fmla="val 110266"/>
             </a:avLst>
           </a:prstGeom>
@@ -14465,6 +14527,76 @@
           <a:xfrm rot="5400000" flipH="1" flipV="1">
             <a:off x="5852152" y="3717341"/>
             <a:ext cx="431495" cy="1622190"/>
+          </a:xfrm>
+          <a:prstGeom prst="bentConnector3">
+            <a:avLst>
+              <a:gd name="adj1" fmla="val 50000"/>
+            </a:avLst>
+          </a:prstGeom>
+        </p:spPr>
+        <p:style>
+          <a:lnRef idx="2">
+            <a:schemeClr val="accent1"/>
+          </a:lnRef>
+          <a:fillRef idx="0">
+            <a:schemeClr val="accent1"/>
+          </a:fillRef>
+          <a:effectRef idx="1">
+            <a:schemeClr val="accent1"/>
+          </a:effectRef>
+          <a:fontRef idx="minor">
+            <a:schemeClr val="tx1"/>
+          </a:fontRef>
+        </p:style>
+      </p:cxnSp>
+      <p:sp>
+        <p:nvSpPr>
+          <p:cNvPr id="29" name="TextBox 28"/>
+          <p:cNvSpPr txBox="1"/>
+          <p:nvPr/>
+        </p:nvSpPr>
+        <p:spPr>
+          <a:xfrm>
+            <a:off x="1969984" y="72364"/>
+            <a:ext cx="3211118" cy="369332"/>
+          </a:xfrm>
+          <a:prstGeom prst="rect">
+            <a:avLst/>
+          </a:prstGeom>
+          <a:noFill/>
+        </p:spPr>
+        <p:txBody>
+          <a:bodyPr wrap="square" rtlCol="0">
+            <a:spAutoFit/>
+          </a:bodyPr>
+          <a:lstStyle/>
+          <a:p>
+            <a:pPr algn="ctr"/>
+            <a:r>
+              <a:rPr lang="en-US" dirty="0" err="1" smtClean="0"/>
+              <a:t>pASCAT_input_combined_all</a:t>
+            </a:r>
+            <a:r>
+              <a:rPr lang="en-US" dirty="0" smtClean="0"/>
+              <a:t>/</a:t>
+            </a:r>
+            <a:endParaRPr lang="en-US" dirty="0"/>
+          </a:p>
+        </p:txBody>
+      </p:sp>
+      <p:cxnSp>
+        <p:nvCxnSpPr>
+          <p:cNvPr id="30" name="Elbow Connector 29"/>
+          <p:cNvCxnSpPr>
+            <a:stCxn id="3" idx="7"/>
+            <a:endCxn id="29" idx="2"/>
+          </p:cNvCxnSpPr>
+          <p:nvPr/>
+        </p:nvCxnSpPr>
+        <p:spPr>
+          <a:xfrm rot="5400000" flipH="1" flipV="1">
+            <a:off x="3083370" y="674076"/>
+            <a:ext cx="724553" cy="259794"/>
           </a:xfrm>
           <a:prstGeom prst="bentConnector3">
             <a:avLst>
@@ -14962,11 +15094,7 @@
             <a:pPr algn="ctr"/>
             <a:r>
               <a:rPr lang="en-US" sz="1400" dirty="0" err="1" smtClean="0"/>
-              <a:t>count</a:t>
-            </a:r>
-            <a:r>
-              <a:rPr lang="en-US" sz="1400" dirty="0" err="1" smtClean="0"/>
-              <a:t>_ploidy_evidence.py</a:t>
+              <a:t>count_ploidy_evidence.py</a:t>
             </a:r>
             <a:endParaRPr lang="en-US" sz="1400" dirty="0" smtClean="0"/>
           </a:p>
@@ -15288,7 +15416,7 @@
         </p:nvSpPr>
         <p:spPr>
           <a:xfrm>
-            <a:off x="3921589" y="53823"/>
+            <a:off x="3505200" y="0"/>
             <a:ext cx="3348414" cy="369332"/>
           </a:xfrm>
           <a:prstGeom prst="rect">
@@ -15554,13 +15682,16 @@
       <p:cxnSp>
         <p:nvCxnSpPr>
           <p:cNvPr id="32" name="Elbow Connector 31"/>
-          <p:cNvCxnSpPr/>
+          <p:cNvCxnSpPr>
+            <a:stCxn id="2" idx="2"/>
+            <a:endCxn id="20" idx="0"/>
+          </p:cNvCxnSpPr>
           <p:nvPr/>
         </p:nvCxnSpPr>
         <p:spPr>
           <a:xfrm rot="16200000" flipH="1">
-            <a:off x="6269594" y="-259918"/>
-            <a:ext cx="308061" cy="1674207"/>
+            <a:off x="6043763" y="-495024"/>
+            <a:ext cx="361884" cy="2090596"/>
           </a:xfrm>
           <a:prstGeom prst="bentConnector3">
             <a:avLst>
@@ -16244,8 +16375,8 @@
         </p:nvCxnSpPr>
         <p:spPr>
           <a:xfrm rot="5400000">
-            <a:off x="3217770" y="-870825"/>
-            <a:ext cx="1084047" cy="3672006"/>
+            <a:off x="2982664" y="-689541"/>
+            <a:ext cx="1137870" cy="3255617"/>
           </a:xfrm>
           <a:prstGeom prst="bentConnector3">
             <a:avLst>
@@ -16318,6 +16449,76 @@
           <a:xfrm rot="5400000">
             <a:off x="1474553" y="984094"/>
             <a:ext cx="972345" cy="73870"/>
+          </a:xfrm>
+          <a:prstGeom prst="bentConnector3">
+            <a:avLst>
+              <a:gd name="adj1" fmla="val 50000"/>
+            </a:avLst>
+          </a:prstGeom>
+        </p:spPr>
+        <p:style>
+          <a:lnRef idx="2">
+            <a:schemeClr val="accent1"/>
+          </a:lnRef>
+          <a:fillRef idx="0">
+            <a:schemeClr val="accent1"/>
+          </a:fillRef>
+          <a:effectRef idx="1">
+            <a:schemeClr val="accent1"/>
+          </a:effectRef>
+          <a:fontRef idx="minor">
+            <a:schemeClr val="tx1"/>
+          </a:fontRef>
+        </p:style>
+      </p:cxnSp>
+      <p:sp>
+        <p:nvSpPr>
+          <p:cNvPr id="30" name="TextBox 29"/>
+          <p:cNvSpPr txBox="1"/>
+          <p:nvPr/>
+        </p:nvSpPr>
+        <p:spPr>
+          <a:xfrm>
+            <a:off x="6754758" y="119363"/>
+            <a:ext cx="2380066" cy="369332"/>
+          </a:xfrm>
+          <a:prstGeom prst="rect">
+            <a:avLst/>
+          </a:prstGeom>
+          <a:noFill/>
+        </p:spPr>
+        <p:txBody>
+          <a:bodyPr wrap="square" rtlCol="0">
+            <a:spAutoFit/>
+          </a:bodyPr>
+          <a:lstStyle/>
+          <a:p>
+            <a:pPr algn="ctr"/>
+            <a:r>
+              <a:rPr lang="en-US" dirty="0" err="1" smtClean="0"/>
+              <a:t>BAF_filtered_data</a:t>
+            </a:r>
+            <a:r>
+              <a:rPr lang="en-US" dirty="0" smtClean="0"/>
+              <a:t>_*/</a:t>
+            </a:r>
+            <a:endParaRPr lang="en-US" dirty="0"/>
+          </a:p>
+        </p:txBody>
+      </p:sp>
+      <p:cxnSp>
+        <p:nvCxnSpPr>
+          <p:cNvPr id="33" name="Elbow Connector 32"/>
+          <p:cNvCxnSpPr>
+            <a:stCxn id="30" idx="2"/>
+            <a:endCxn id="20" idx="0"/>
+          </p:cNvCxnSpPr>
+          <p:nvPr/>
+        </p:nvCxnSpPr>
+        <p:spPr>
+          <a:xfrm rot="5400000">
+            <a:off x="7486137" y="272561"/>
+            <a:ext cx="242521" cy="674788"/>
           </a:xfrm>
           <a:prstGeom prst="bentConnector3">
             <a:avLst>

--- a/Python program structure.pptx
+++ b/Python program structure.pptx
@@ -307,7 +307,7 @@
           <a:p>
             <a:fld id="{DCC446B6-7B9C-A04B-98D9-80CC642E8FE6}" type="datetimeFigureOut">
               <a:rPr lang="en-US" smtClean="0"/>
-              <a:t>8/13/18</a:t>
+              <a:t>9/14/18</a:t>
             </a:fld>
             <a:endParaRPr lang="en-US"/>
           </a:p>
@@ -477,7 +477,7 @@
           <a:p>
             <a:fld id="{DCC446B6-7B9C-A04B-98D9-80CC642E8FE6}" type="datetimeFigureOut">
               <a:rPr lang="en-US" smtClean="0"/>
-              <a:t>8/13/18</a:t>
+              <a:t>9/14/18</a:t>
             </a:fld>
             <a:endParaRPr lang="en-US"/>
           </a:p>
@@ -657,7 +657,7 @@
           <a:p>
             <a:fld id="{DCC446B6-7B9C-A04B-98D9-80CC642E8FE6}" type="datetimeFigureOut">
               <a:rPr lang="en-US" smtClean="0"/>
-              <a:t>8/13/18</a:t>
+              <a:t>9/14/18</a:t>
             </a:fld>
             <a:endParaRPr lang="en-US"/>
           </a:p>
@@ -827,7 +827,7 @@
           <a:p>
             <a:fld id="{DCC446B6-7B9C-A04B-98D9-80CC642E8FE6}" type="datetimeFigureOut">
               <a:rPr lang="en-US" smtClean="0"/>
-              <a:t>8/13/18</a:t>
+              <a:t>9/14/18</a:t>
             </a:fld>
             <a:endParaRPr lang="en-US"/>
           </a:p>
@@ -1073,7 +1073,7 @@
           <a:p>
             <a:fld id="{DCC446B6-7B9C-A04B-98D9-80CC642E8FE6}" type="datetimeFigureOut">
               <a:rPr lang="en-US" smtClean="0"/>
-              <a:t>8/13/18</a:t>
+              <a:t>9/14/18</a:t>
             </a:fld>
             <a:endParaRPr lang="en-US"/>
           </a:p>
@@ -1361,7 +1361,7 @@
           <a:p>
             <a:fld id="{DCC446B6-7B9C-A04B-98D9-80CC642E8FE6}" type="datetimeFigureOut">
               <a:rPr lang="en-US" smtClean="0"/>
-              <a:t>8/13/18</a:t>
+              <a:t>9/14/18</a:t>
             </a:fld>
             <a:endParaRPr lang="en-US"/>
           </a:p>
@@ -1783,7 +1783,7 @@
           <a:p>
             <a:fld id="{DCC446B6-7B9C-A04B-98D9-80CC642E8FE6}" type="datetimeFigureOut">
               <a:rPr lang="en-US" smtClean="0"/>
-              <a:t>8/13/18</a:t>
+              <a:t>9/14/18</a:t>
             </a:fld>
             <a:endParaRPr lang="en-US"/>
           </a:p>
@@ -1901,7 +1901,7 @@
           <a:p>
             <a:fld id="{DCC446B6-7B9C-A04B-98D9-80CC642E8FE6}" type="datetimeFigureOut">
               <a:rPr lang="en-US" smtClean="0"/>
-              <a:t>8/13/18</a:t>
+              <a:t>9/14/18</a:t>
             </a:fld>
             <a:endParaRPr lang="en-US"/>
           </a:p>
@@ -1996,7 +1996,7 @@
           <a:p>
             <a:fld id="{DCC446B6-7B9C-A04B-98D9-80CC642E8FE6}" type="datetimeFigureOut">
               <a:rPr lang="en-US" smtClean="0"/>
-              <a:t>8/13/18</a:t>
+              <a:t>9/14/18</a:t>
             </a:fld>
             <a:endParaRPr lang="en-US"/>
           </a:p>
@@ -2273,7 +2273,7 @@
           <a:p>
             <a:fld id="{DCC446B6-7B9C-A04B-98D9-80CC642E8FE6}" type="datetimeFigureOut">
               <a:rPr lang="en-US" smtClean="0"/>
-              <a:t>8/13/18</a:t>
+              <a:t>9/14/18</a:t>
             </a:fld>
             <a:endParaRPr lang="en-US"/>
           </a:p>
@@ -2526,7 +2526,7 @@
           <a:p>
             <a:fld id="{DCC446B6-7B9C-A04B-98D9-80CC642E8FE6}" type="datetimeFigureOut">
               <a:rPr lang="en-US" smtClean="0"/>
-              <a:t>8/13/18</a:t>
+              <a:t>9/14/18</a:t>
             </a:fld>
             <a:endParaRPr lang="en-US"/>
           </a:p>
@@ -2739,7 +2739,7 @@
           <a:p>
             <a:fld id="{DCC446B6-7B9C-A04B-98D9-80CC642E8FE6}" type="datetimeFigureOut">
               <a:rPr lang="en-US" smtClean="0"/>
-              <a:t>8/13/18</a:t>
+              <a:t>9/14/18</a:t>
             </a:fld>
             <a:endParaRPr lang="en-US"/>
           </a:p>
@@ -12833,8 +12833,8 @@
         </p:nvSpPr>
         <p:spPr>
           <a:xfrm>
-            <a:off x="1872700" y="5340595"/>
-            <a:ext cx="3185227" cy="468868"/>
+            <a:off x="1426414" y="5340595"/>
+            <a:ext cx="3631514" cy="468868"/>
           </a:xfrm>
           <a:prstGeom prst="ellipse">
             <a:avLst/>
@@ -12861,7 +12861,7 @@
             <a:pPr algn="ctr"/>
             <a:r>
               <a:rPr lang="en-US" sz="1400" dirty="0" err="1" smtClean="0"/>
-              <a:t>make_pASCAT_sge_files.py</a:t>
+              <a:t>make_gamma_test_sge_files.py</a:t>
             </a:r>
             <a:endParaRPr lang="en-US" sz="1400" dirty="0" smtClean="0"/>
           </a:p>
@@ -12878,8 +12878,8 @@
         </p:nvCxnSpPr>
         <p:spPr>
           <a:xfrm rot="5400000" flipH="1" flipV="1">
-            <a:off x="4379151" y="4201160"/>
-            <a:ext cx="225599" cy="2053272"/>
+            <a:off x="4267579" y="4089589"/>
+            <a:ext cx="225599" cy="2276415"/>
           </a:xfrm>
           <a:prstGeom prst="bentConnector3">
             <a:avLst>
@@ -13047,13 +13047,13 @@
         </p:nvCxnSpPr>
         <p:spPr>
           <a:xfrm rot="5400000" flipH="1" flipV="1">
-            <a:off x="4220602" y="4819739"/>
-            <a:ext cx="234435" cy="1745013"/>
+            <a:off x="4109031" y="4708168"/>
+            <a:ext cx="234435" cy="1968156"/>
           </a:xfrm>
           <a:prstGeom prst="bentConnector4">
             <a:avLst>
               <a:gd name="adj1" fmla="val -97511"/>
-              <a:gd name="adj2" fmla="val 95633"/>
+              <a:gd name="adj2" fmla="val 96128"/>
             </a:avLst>
           </a:prstGeom>
         </p:spPr>

--- a/Python program structure.pptx
+++ b/Python program structure.pptx
@@ -127,7 +127,7 @@
   </p:defaultTextStyle>
   <p:extLst>
     <p:ext uri="{EFAFB233-063F-42B5-8137-9DF3F51BA10A}">
-      <p15:sldGuideLst xmlns:p15="http://schemas.microsoft.com/office/powerpoint/2012/main">
+      <p15:sldGuideLst xmlns:p15="http://schemas.microsoft.com/office/powerpoint/2012/main" xmlns="">
         <p15:guide id="1" orient="horz" pos="2160">
           <p15:clr>
             <a:srgbClr val="A4A3A4"/>
@@ -323,7 +323,7 @@
           <a:p>
             <a:fld id="{DCC446B6-7B9C-A04B-98D9-80CC642E8FE6}" type="datetimeFigureOut">
               <a:rPr lang="en-US" smtClean="0"/>
-              <a:t>9/30/2019</a:t>
+              <a:t>10/28/19</a:t>
             </a:fld>
             <a:endParaRPr lang="en-US"/>
           </a:p>
@@ -491,7 +491,7 @@
           <a:p>
             <a:fld id="{DCC446B6-7B9C-A04B-98D9-80CC642E8FE6}" type="datetimeFigureOut">
               <a:rPr lang="en-US" smtClean="0"/>
-              <a:t>9/30/2019</a:t>
+              <a:t>10/28/19</a:t>
             </a:fld>
             <a:endParaRPr lang="en-US"/>
           </a:p>
@@ -669,7 +669,7 @@
           <a:p>
             <a:fld id="{DCC446B6-7B9C-A04B-98D9-80CC642E8FE6}" type="datetimeFigureOut">
               <a:rPr lang="en-US" smtClean="0"/>
-              <a:t>9/30/2019</a:t>
+              <a:t>10/28/19</a:t>
             </a:fld>
             <a:endParaRPr lang="en-US"/>
           </a:p>
@@ -837,7 +837,7 @@
           <a:p>
             <a:fld id="{DCC446B6-7B9C-A04B-98D9-80CC642E8FE6}" type="datetimeFigureOut">
               <a:rPr lang="en-US" smtClean="0"/>
-              <a:t>9/30/2019</a:t>
+              <a:t>10/28/19</a:t>
             </a:fld>
             <a:endParaRPr lang="en-US"/>
           </a:p>
@@ -1082,7 +1082,7 @@
           <a:p>
             <a:fld id="{DCC446B6-7B9C-A04B-98D9-80CC642E8FE6}" type="datetimeFigureOut">
               <a:rPr lang="en-US" smtClean="0"/>
-              <a:t>9/30/2019</a:t>
+              <a:t>10/28/19</a:t>
             </a:fld>
             <a:endParaRPr lang="en-US"/>
           </a:p>
@@ -1367,7 +1367,7 @@
           <a:p>
             <a:fld id="{DCC446B6-7B9C-A04B-98D9-80CC642E8FE6}" type="datetimeFigureOut">
               <a:rPr lang="en-US" smtClean="0"/>
-              <a:t>9/30/2019</a:t>
+              <a:t>10/28/19</a:t>
             </a:fld>
             <a:endParaRPr lang="en-US"/>
           </a:p>
@@ -1786,7 +1786,7 @@
           <a:p>
             <a:fld id="{DCC446B6-7B9C-A04B-98D9-80CC642E8FE6}" type="datetimeFigureOut">
               <a:rPr lang="en-US" smtClean="0"/>
-              <a:t>9/30/2019</a:t>
+              <a:t>10/28/19</a:t>
             </a:fld>
             <a:endParaRPr lang="en-US"/>
           </a:p>
@@ -1903,7 +1903,7 @@
           <a:p>
             <a:fld id="{DCC446B6-7B9C-A04B-98D9-80CC642E8FE6}" type="datetimeFigureOut">
               <a:rPr lang="en-US" smtClean="0"/>
-              <a:t>9/30/2019</a:t>
+              <a:t>10/28/19</a:t>
             </a:fld>
             <a:endParaRPr lang="en-US"/>
           </a:p>
@@ -1998,7 +1998,7 @@
           <a:p>
             <a:fld id="{DCC446B6-7B9C-A04B-98D9-80CC642E8FE6}" type="datetimeFigureOut">
               <a:rPr lang="en-US" smtClean="0"/>
-              <a:t>9/30/2019</a:t>
+              <a:t>10/28/19</a:t>
             </a:fld>
             <a:endParaRPr lang="en-US"/>
           </a:p>
@@ -2273,7 +2273,7 @@
           <a:p>
             <a:fld id="{DCC446B6-7B9C-A04B-98D9-80CC642E8FE6}" type="datetimeFigureOut">
               <a:rPr lang="en-US" smtClean="0"/>
-              <a:t>9/30/2019</a:t>
+              <a:t>10/28/19</a:t>
             </a:fld>
             <a:endParaRPr lang="en-US"/>
           </a:p>
@@ -2525,7 +2525,7 @@
           <a:p>
             <a:fld id="{DCC446B6-7B9C-A04B-98D9-80CC642E8FE6}" type="datetimeFigureOut">
               <a:rPr lang="en-US" smtClean="0"/>
-              <a:t>9/30/2019</a:t>
+              <a:t>10/28/19</a:t>
             </a:fld>
             <a:endParaRPr lang="en-US"/>
           </a:p>
@@ -2736,7 +2736,7 @@
           <a:p>
             <a:fld id="{DCC446B6-7B9C-A04B-98D9-80CC642E8FE6}" type="datetimeFigureOut">
               <a:rPr lang="en-US" smtClean="0"/>
-              <a:t>9/30/2019</a:t>
+              <a:t>10/28/19</a:t>
             </a:fld>
             <a:endParaRPr lang="en-US"/>
           </a:p>
@@ -18152,7 +18152,7 @@
           <p:cNvPr id="2" name="TextBox 1">
             <a:extLst>
               <a:ext uri="{FF2B5EF4-FFF2-40B4-BE49-F238E27FC236}">
-                <a16:creationId xmlns:a16="http://schemas.microsoft.com/office/drawing/2014/main" id="{841913E6-0560-4C6A-8ED8-BECCD536F1E3}"/>
+                <a16:creationId xmlns:a16="http://schemas.microsoft.com/office/drawing/2014/main" xmlns="" id="{841913E6-0560-4C6A-8ED8-BECCD536F1E3}"/>
               </a:ext>
             </a:extLst>
           </p:cNvPr>
@@ -18192,7 +18192,7 @@
           <p:cNvPr id="4" name="Oval 3">
             <a:extLst>
               <a:ext uri="{FF2B5EF4-FFF2-40B4-BE49-F238E27FC236}">
-                <a16:creationId xmlns:a16="http://schemas.microsoft.com/office/drawing/2014/main" id="{D977AB42-A668-4442-B7B3-035F51736FF7}"/>
+                <a16:creationId xmlns:a16="http://schemas.microsoft.com/office/drawing/2014/main" xmlns="" id="{D977AB42-A668-4442-B7B3-035F51736FF7}"/>
               </a:ext>
             </a:extLst>
           </p:cNvPr>
@@ -18239,7 +18239,7 @@
           <p:cNvPr id="8" name="Elbow Connector 47">
             <a:extLst>
               <a:ext uri="{FF2B5EF4-FFF2-40B4-BE49-F238E27FC236}">
-                <a16:creationId xmlns:a16="http://schemas.microsoft.com/office/drawing/2014/main" id="{9FFE1939-21BE-4ED7-AF80-94D4924D0B52}"/>
+                <a16:creationId xmlns:a16="http://schemas.microsoft.com/office/drawing/2014/main" xmlns="" id="{9FFE1939-21BE-4ED7-AF80-94D4924D0B52}"/>
               </a:ext>
             </a:extLst>
           </p:cNvPr>
@@ -18281,7 +18281,7 @@
           <p:cNvPr id="13" name="Oval 12">
             <a:extLst>
               <a:ext uri="{FF2B5EF4-FFF2-40B4-BE49-F238E27FC236}">
-                <a16:creationId xmlns:a16="http://schemas.microsoft.com/office/drawing/2014/main" id="{A07BAD29-E669-4E17-A860-314539CA9C9E}"/>
+                <a16:creationId xmlns:a16="http://schemas.microsoft.com/office/drawing/2014/main" xmlns="" id="{A07BAD29-E669-4E17-A860-314539CA9C9E}"/>
               </a:ext>
             </a:extLst>
           </p:cNvPr>
@@ -18328,7 +18328,7 @@
           <p:cNvPr id="15" name="Elbow Connector 18">
             <a:extLst>
               <a:ext uri="{FF2B5EF4-FFF2-40B4-BE49-F238E27FC236}">
-                <a16:creationId xmlns:a16="http://schemas.microsoft.com/office/drawing/2014/main" id="{7532C528-E83D-4436-A563-CCAF55CC2993}"/>
+                <a16:creationId xmlns:a16="http://schemas.microsoft.com/office/drawing/2014/main" xmlns="" id="{7532C528-E83D-4436-A563-CCAF55CC2993}"/>
               </a:ext>
             </a:extLst>
           </p:cNvPr>
@@ -18370,7 +18370,7 @@
           <p:cNvPr id="16" name="TextBox 15">
             <a:extLst>
               <a:ext uri="{FF2B5EF4-FFF2-40B4-BE49-F238E27FC236}">
-                <a16:creationId xmlns:a16="http://schemas.microsoft.com/office/drawing/2014/main" id="{221BA4DF-20BA-48FE-A58A-6AEDA18B6DC3}"/>
+                <a16:creationId xmlns:a16="http://schemas.microsoft.com/office/drawing/2014/main" xmlns="" id="{221BA4DF-20BA-48FE-A58A-6AEDA18B6DC3}"/>
               </a:ext>
             </a:extLst>
           </p:cNvPr>
@@ -18409,7 +18409,7 @@
           <p:cNvPr id="19" name="Elbow Connector 30">
             <a:extLst>
               <a:ext uri="{FF2B5EF4-FFF2-40B4-BE49-F238E27FC236}">
-                <a16:creationId xmlns:a16="http://schemas.microsoft.com/office/drawing/2014/main" id="{28744C4D-767A-49FE-8841-CF64DE7CF290}"/>
+                <a16:creationId xmlns:a16="http://schemas.microsoft.com/office/drawing/2014/main" xmlns="" id="{28744C4D-767A-49FE-8841-CF64DE7CF290}"/>
               </a:ext>
             </a:extLst>
           </p:cNvPr>
@@ -18451,7 +18451,7 @@
           <p:cNvPr id="20" name="TextBox 19">
             <a:extLst>
               <a:ext uri="{FF2B5EF4-FFF2-40B4-BE49-F238E27FC236}">
-                <a16:creationId xmlns:a16="http://schemas.microsoft.com/office/drawing/2014/main" id="{E8BD1F53-AEB1-424F-8911-A488E9589575}"/>
+                <a16:creationId xmlns:a16="http://schemas.microsoft.com/office/drawing/2014/main" xmlns="" id="{E8BD1F53-AEB1-424F-8911-A488E9589575}"/>
               </a:ext>
             </a:extLst>
           </p:cNvPr>
@@ -18491,7 +18491,7 @@
           <p:cNvPr id="21" name="Elbow Connector 41">
             <a:extLst>
               <a:ext uri="{FF2B5EF4-FFF2-40B4-BE49-F238E27FC236}">
-                <a16:creationId xmlns:a16="http://schemas.microsoft.com/office/drawing/2014/main" id="{0E03B66C-B43C-4E63-8E6F-A2CD5B1957ED}"/>
+                <a16:creationId xmlns:a16="http://schemas.microsoft.com/office/drawing/2014/main" xmlns="" id="{0E03B66C-B43C-4E63-8E6F-A2CD5B1957ED}"/>
               </a:ext>
             </a:extLst>
           </p:cNvPr>
@@ -18533,7 +18533,7 @@
           <p:cNvPr id="61" name="TextBox 60">
             <a:extLst>
               <a:ext uri="{FF2B5EF4-FFF2-40B4-BE49-F238E27FC236}">
-                <a16:creationId xmlns:a16="http://schemas.microsoft.com/office/drawing/2014/main" id="{3A2EBB58-A883-45A4-93CA-D35E4C2CA86D}"/>
+                <a16:creationId xmlns:a16="http://schemas.microsoft.com/office/drawing/2014/main" xmlns="" id="{3A2EBB58-A883-45A4-93CA-D35E4C2CA86D}"/>
               </a:ext>
             </a:extLst>
           </p:cNvPr>
@@ -18573,7 +18573,7 @@
           <p:cNvPr id="62" name="Oval 61">
             <a:extLst>
               <a:ext uri="{FF2B5EF4-FFF2-40B4-BE49-F238E27FC236}">
-                <a16:creationId xmlns:a16="http://schemas.microsoft.com/office/drawing/2014/main" id="{8707D029-2347-40D7-AB1B-5C05AA7618F5}"/>
+                <a16:creationId xmlns:a16="http://schemas.microsoft.com/office/drawing/2014/main" xmlns="" id="{8707D029-2347-40D7-AB1B-5C05AA7618F5}"/>
               </a:ext>
             </a:extLst>
           </p:cNvPr>
@@ -18609,9 +18609,14 @@
           <a:p>
             <a:pPr algn="ctr"/>
             <a:r>
-              <a:rPr lang="en-US" sz="1400" dirty="0"/>
-              <a:t>Find_SNP_groups.py</a:t>
-            </a:r>
+              <a:rPr lang="en-US" sz="1400" dirty="0" err="1"/>
+              <a:t>f</a:t>
+            </a:r>
+            <a:r>
+              <a:rPr lang="en-US" sz="1400" dirty="0" err="1" smtClean="0"/>
+              <a:t>ind_SNP_groups.py</a:t>
+            </a:r>
+            <a:endParaRPr lang="en-US" sz="1400" dirty="0"/>
           </a:p>
         </p:txBody>
       </p:sp>
@@ -18620,7 +18625,7 @@
           <p:cNvPr id="63" name="Elbow Connector 18">
             <a:extLst>
               <a:ext uri="{FF2B5EF4-FFF2-40B4-BE49-F238E27FC236}">
-                <a16:creationId xmlns:a16="http://schemas.microsoft.com/office/drawing/2014/main" id="{605BDC00-E715-4E06-A284-20EC83D5032F}"/>
+                <a16:creationId xmlns:a16="http://schemas.microsoft.com/office/drawing/2014/main" xmlns="" id="{605BDC00-E715-4E06-A284-20EC83D5032F}"/>
               </a:ext>
             </a:extLst>
           </p:cNvPr>
@@ -18662,7 +18667,7 @@
           <p:cNvPr id="64" name="Elbow Connector 41">
             <a:extLst>
               <a:ext uri="{FF2B5EF4-FFF2-40B4-BE49-F238E27FC236}">
-                <a16:creationId xmlns:a16="http://schemas.microsoft.com/office/drawing/2014/main" id="{019AD323-762E-419B-865F-D562CA045EAA}"/>
+                <a16:creationId xmlns:a16="http://schemas.microsoft.com/office/drawing/2014/main" xmlns="" id="{019AD323-762E-419B-865F-D562CA045EAA}"/>
               </a:ext>
             </a:extLst>
           </p:cNvPr>
@@ -18677,6 +18682,568 @@
           <a:xfrm rot="5400000">
             <a:off x="3147108" y="544315"/>
             <a:ext cx="89913" cy="2410964"/>
+          </a:xfrm>
+          <a:prstGeom prst="bentConnector3">
+            <a:avLst>
+              <a:gd name="adj1" fmla="val 50000"/>
+            </a:avLst>
+          </a:prstGeom>
+        </p:spPr>
+        <p:style>
+          <a:lnRef idx="2">
+            <a:schemeClr val="accent1"/>
+          </a:lnRef>
+          <a:fillRef idx="0">
+            <a:schemeClr val="accent1"/>
+          </a:fillRef>
+          <a:effectRef idx="1">
+            <a:schemeClr val="accent1"/>
+          </a:effectRef>
+          <a:fontRef idx="minor">
+            <a:schemeClr val="tx1"/>
+          </a:fontRef>
+        </p:style>
+      </p:cxnSp>
+      <p:sp>
+        <p:nvSpPr>
+          <p:cNvPr id="17" name="TextBox 16">
+            <a:extLst>
+              <a:ext uri="{FF2B5EF4-FFF2-40B4-BE49-F238E27FC236}">
+                <a16:creationId xmlns:a16="http://schemas.microsoft.com/office/drawing/2014/main" xmlns="" id="{841913E6-0560-4C6A-8ED8-BECCD536F1E3}"/>
+              </a:ext>
+            </a:extLst>
+          </p:cNvPr>
+          <p:cNvSpPr txBox="1"/>
+          <p:nvPr/>
+        </p:nvSpPr>
+        <p:spPr>
+          <a:xfrm>
+            <a:off x="5573080" y="6106907"/>
+            <a:ext cx="2382294" cy="338554"/>
+          </a:xfrm>
+          <a:prstGeom prst="rect">
+            <a:avLst/>
+          </a:prstGeom>
+          <a:noFill/>
+        </p:spPr>
+        <p:txBody>
+          <a:bodyPr wrap="square" rtlCol="0">
+            <a:spAutoFit/>
+          </a:bodyPr>
+          <a:lstStyle/>
+          <a:p>
+            <a:pPr algn="ctr"/>
+            <a:r>
+              <a:rPr lang="en-US" sz="1600" dirty="0" err="1"/>
+              <a:t>VAFclusters_pngs</a:t>
+            </a:r>
+            <a:r>
+              <a:rPr lang="en-US" sz="1600" dirty="0"/>
+              <a:t>/</a:t>
+            </a:r>
+          </a:p>
+        </p:txBody>
+      </p:sp>
+      <p:sp>
+        <p:nvSpPr>
+          <p:cNvPr id="18" name="Oval 17">
+            <a:extLst>
+              <a:ext uri="{FF2B5EF4-FFF2-40B4-BE49-F238E27FC236}">
+                <a16:creationId xmlns:a16="http://schemas.microsoft.com/office/drawing/2014/main" xmlns="" id="{D977AB42-A668-4442-B7B3-035F51736FF7}"/>
+              </a:ext>
+            </a:extLst>
+          </p:cNvPr>
+          <p:cNvSpPr/>
+          <p:nvPr/>
+        </p:nvSpPr>
+        <p:spPr>
+          <a:xfrm>
+            <a:off x="2810531" y="4280448"/>
+            <a:ext cx="3478829" cy="468868"/>
+          </a:xfrm>
+          <a:prstGeom prst="ellipse">
+            <a:avLst/>
+          </a:prstGeom>
+        </p:spPr>
+        <p:style>
+          <a:lnRef idx="1">
+            <a:schemeClr val="accent1"/>
+          </a:lnRef>
+          <a:fillRef idx="3">
+            <a:schemeClr val="accent1"/>
+          </a:fillRef>
+          <a:effectRef idx="2">
+            <a:schemeClr val="accent1"/>
+          </a:effectRef>
+          <a:fontRef idx="minor">
+            <a:schemeClr val="lt1"/>
+          </a:fontRef>
+        </p:style>
+        <p:txBody>
+          <a:bodyPr rtlCol="0" anchor="ctr"/>
+          <a:lstStyle/>
+          <a:p>
+            <a:pPr algn="ctr"/>
+            <a:r>
+              <a:rPr lang="en-US" sz="1400" dirty="0"/>
+              <a:t>cluster_VAFs.py</a:t>
+            </a:r>
+          </a:p>
+        </p:txBody>
+      </p:sp>
+      <p:cxnSp>
+        <p:nvCxnSpPr>
+          <p:cNvPr id="22" name="Elbow Connector 47">
+            <a:extLst>
+              <a:ext uri="{FF2B5EF4-FFF2-40B4-BE49-F238E27FC236}">
+                <a16:creationId xmlns:a16="http://schemas.microsoft.com/office/drawing/2014/main" xmlns="" id="{9FFE1939-21BE-4ED7-AF80-94D4924D0B52}"/>
+              </a:ext>
+            </a:extLst>
+          </p:cNvPr>
+          <p:cNvCxnSpPr>
+            <a:cxnSpLocks/>
+            <a:stCxn id="18" idx="4"/>
+            <a:endCxn id="27" idx="0"/>
+          </p:cNvCxnSpPr>
+          <p:nvPr/>
+        </p:nvCxnSpPr>
+        <p:spPr>
+          <a:xfrm rot="5400000">
+            <a:off x="4386114" y="4836948"/>
+            <a:ext cx="251465" cy="76200"/>
+          </a:xfrm>
+          <a:prstGeom prst="bentConnector3">
+            <a:avLst>
+              <a:gd name="adj1" fmla="val 50000"/>
+            </a:avLst>
+          </a:prstGeom>
+        </p:spPr>
+        <p:style>
+          <a:lnRef idx="2">
+            <a:schemeClr val="accent1"/>
+          </a:lnRef>
+          <a:fillRef idx="0">
+            <a:schemeClr val="accent1"/>
+          </a:fillRef>
+          <a:effectRef idx="1">
+            <a:schemeClr val="accent1"/>
+          </a:effectRef>
+          <a:fontRef idx="minor">
+            <a:schemeClr val="tx1"/>
+          </a:fontRef>
+        </p:style>
+      </p:cxnSp>
+      <p:sp>
+        <p:nvSpPr>
+          <p:cNvPr id="23" name="Oval 22">
+            <a:extLst>
+              <a:ext uri="{FF2B5EF4-FFF2-40B4-BE49-F238E27FC236}">
+                <a16:creationId xmlns:a16="http://schemas.microsoft.com/office/drawing/2014/main" xmlns="" id="{A07BAD29-E669-4E17-A860-314539CA9C9E}"/>
+              </a:ext>
+            </a:extLst>
+          </p:cNvPr>
+          <p:cNvSpPr/>
+          <p:nvPr/>
+        </p:nvSpPr>
+        <p:spPr>
+          <a:xfrm>
+            <a:off x="4724400" y="5429248"/>
+            <a:ext cx="3478829" cy="468868"/>
+          </a:xfrm>
+          <a:prstGeom prst="ellipse">
+            <a:avLst/>
+          </a:prstGeom>
+        </p:spPr>
+        <p:style>
+          <a:lnRef idx="1">
+            <a:schemeClr val="accent1"/>
+          </a:lnRef>
+          <a:fillRef idx="3">
+            <a:schemeClr val="accent1"/>
+          </a:fillRef>
+          <a:effectRef idx="2">
+            <a:schemeClr val="accent1"/>
+          </a:effectRef>
+          <a:fontRef idx="minor">
+            <a:schemeClr val="lt1"/>
+          </a:fontRef>
+        </p:style>
+        <p:txBody>
+          <a:bodyPr rtlCol="0" anchor="ctr"/>
+          <a:lstStyle/>
+          <a:p>
+            <a:pPr algn="ctr"/>
+            <a:r>
+              <a:rPr lang="en-US" sz="1400" dirty="0"/>
+              <a:t>viewVAFclusters.py</a:t>
+            </a:r>
+          </a:p>
+        </p:txBody>
+      </p:sp>
+      <p:cxnSp>
+        <p:nvCxnSpPr>
+          <p:cNvPr id="24" name="Elbow Connector 18">
+            <a:extLst>
+              <a:ext uri="{FF2B5EF4-FFF2-40B4-BE49-F238E27FC236}">
+                <a16:creationId xmlns:a16="http://schemas.microsoft.com/office/drawing/2014/main" xmlns="" id="{7532C528-E83D-4436-A563-CCAF55CC2993}"/>
+              </a:ext>
+            </a:extLst>
+          </p:cNvPr>
+          <p:cNvCxnSpPr>
+            <a:cxnSpLocks/>
+            <a:stCxn id="23" idx="4"/>
+            <a:endCxn id="17" idx="0"/>
+          </p:cNvCxnSpPr>
+          <p:nvPr/>
+        </p:nvCxnSpPr>
+        <p:spPr>
+          <a:xfrm rot="16200000" flipH="1">
+            <a:off x="6509626" y="5852305"/>
+            <a:ext cx="208791" cy="300412"/>
+          </a:xfrm>
+          <a:prstGeom prst="bentConnector3">
+            <a:avLst>
+              <a:gd name="adj1" fmla="val 50000"/>
+            </a:avLst>
+          </a:prstGeom>
+        </p:spPr>
+        <p:style>
+          <a:lnRef idx="2">
+            <a:schemeClr val="accent1"/>
+          </a:lnRef>
+          <a:fillRef idx="0">
+            <a:schemeClr val="accent1"/>
+          </a:fillRef>
+          <a:effectRef idx="1">
+            <a:schemeClr val="accent1"/>
+          </a:effectRef>
+          <a:fontRef idx="minor">
+            <a:schemeClr val="tx1"/>
+          </a:fontRef>
+        </p:style>
+      </p:cxnSp>
+      <p:sp>
+        <p:nvSpPr>
+          <p:cNvPr id="25" name="TextBox 24">
+            <a:extLst>
+              <a:ext uri="{FF2B5EF4-FFF2-40B4-BE49-F238E27FC236}">
+                <a16:creationId xmlns:a16="http://schemas.microsoft.com/office/drawing/2014/main" xmlns="" id="{221BA4DF-20BA-48FE-A58A-6AEDA18B6DC3}"/>
+              </a:ext>
+            </a:extLst>
+          </p:cNvPr>
+          <p:cNvSpPr txBox="1"/>
+          <p:nvPr/>
+        </p:nvSpPr>
+        <p:spPr>
+          <a:xfrm>
+            <a:off x="2534826" y="3702325"/>
+            <a:ext cx="4030238" cy="369332"/>
+          </a:xfrm>
+          <a:prstGeom prst="rect">
+            <a:avLst/>
+          </a:prstGeom>
+          <a:noFill/>
+        </p:spPr>
+        <p:txBody>
+          <a:bodyPr wrap="square" rtlCol="0">
+            <a:spAutoFit/>
+          </a:bodyPr>
+          <a:lstStyle/>
+          <a:p>
+            <a:pPr algn="ctr"/>
+            <a:r>
+              <a:rPr lang="en-US" dirty="0" err="1" smtClean="0">
+                <a:latin typeface="Courier New"/>
+                <a:cs typeface="Courier New"/>
+              </a:rPr>
+              <a:t>lucian_from_kanika.csv</a:t>
+            </a:r>
+            <a:endParaRPr lang="en-US" dirty="0">
+              <a:latin typeface="Courier New"/>
+              <a:cs typeface="Courier New"/>
+            </a:endParaRPr>
+          </a:p>
+        </p:txBody>
+      </p:sp>
+      <p:cxnSp>
+        <p:nvCxnSpPr>
+          <p:cNvPr id="26" name="Elbow Connector 30">
+            <a:extLst>
+              <a:ext uri="{FF2B5EF4-FFF2-40B4-BE49-F238E27FC236}">
+                <a16:creationId xmlns:a16="http://schemas.microsoft.com/office/drawing/2014/main" xmlns="" id="{28744C4D-767A-49FE-8841-CF64DE7CF290}"/>
+              </a:ext>
+            </a:extLst>
+          </p:cNvPr>
+          <p:cNvCxnSpPr>
+            <a:cxnSpLocks/>
+            <a:stCxn id="25" idx="2"/>
+            <a:endCxn id="18" idx="0"/>
+          </p:cNvCxnSpPr>
+          <p:nvPr/>
+        </p:nvCxnSpPr>
+        <p:spPr>
+          <a:xfrm rot="16200000" flipH="1">
+            <a:off x="4445550" y="4176051"/>
+            <a:ext cx="208791" cy="1"/>
+          </a:xfrm>
+          <a:prstGeom prst="bentConnector3">
+            <a:avLst>
+              <a:gd name="adj1" fmla="val 50000"/>
+            </a:avLst>
+          </a:prstGeom>
+        </p:spPr>
+        <p:style>
+          <a:lnRef idx="2">
+            <a:schemeClr val="accent1"/>
+          </a:lnRef>
+          <a:fillRef idx="0">
+            <a:schemeClr val="accent1"/>
+          </a:fillRef>
+          <a:effectRef idx="1">
+            <a:schemeClr val="accent1"/>
+          </a:effectRef>
+          <a:fontRef idx="minor">
+            <a:schemeClr val="tx1"/>
+          </a:fontRef>
+        </p:style>
+      </p:cxnSp>
+      <p:sp>
+        <p:nvSpPr>
+          <p:cNvPr id="27" name="TextBox 26">
+            <a:extLst>
+              <a:ext uri="{FF2B5EF4-FFF2-40B4-BE49-F238E27FC236}">
+                <a16:creationId xmlns:a16="http://schemas.microsoft.com/office/drawing/2014/main" xmlns="" id="{E8BD1F53-AEB1-424F-8911-A488E9589575}"/>
+              </a:ext>
+            </a:extLst>
+          </p:cNvPr>
+          <p:cNvSpPr txBox="1"/>
+          <p:nvPr/>
+        </p:nvSpPr>
+        <p:spPr>
+          <a:xfrm>
+            <a:off x="3523236" y="5000781"/>
+            <a:ext cx="1901019" cy="338554"/>
+          </a:xfrm>
+          <a:prstGeom prst="rect">
+            <a:avLst/>
+          </a:prstGeom>
+          <a:noFill/>
+        </p:spPr>
+        <p:txBody>
+          <a:bodyPr wrap="square" rtlCol="0">
+            <a:spAutoFit/>
+          </a:bodyPr>
+          <a:lstStyle/>
+          <a:p>
+            <a:pPr algn="ctr"/>
+            <a:r>
+              <a:rPr lang="en-US" sz="1600" dirty="0" err="1" smtClean="0"/>
+              <a:t>VAFclusters_kanika</a:t>
+            </a:r>
+            <a:r>
+              <a:rPr lang="en-US" sz="1600" dirty="0" smtClean="0"/>
+              <a:t>/</a:t>
+            </a:r>
+            <a:endParaRPr lang="en-US" sz="1600" dirty="0"/>
+          </a:p>
+        </p:txBody>
+      </p:sp>
+      <p:cxnSp>
+        <p:nvCxnSpPr>
+          <p:cNvPr id="28" name="Elbow Connector 41">
+            <a:extLst>
+              <a:ext uri="{FF2B5EF4-FFF2-40B4-BE49-F238E27FC236}">
+                <a16:creationId xmlns:a16="http://schemas.microsoft.com/office/drawing/2014/main" xmlns="" id="{0E03B66C-B43C-4E63-8E6F-A2CD5B1957ED}"/>
+              </a:ext>
+            </a:extLst>
+          </p:cNvPr>
+          <p:cNvCxnSpPr>
+            <a:cxnSpLocks/>
+            <a:stCxn id="27" idx="2"/>
+            <a:endCxn id="23" idx="0"/>
+          </p:cNvCxnSpPr>
+          <p:nvPr/>
+        </p:nvCxnSpPr>
+        <p:spPr>
+          <a:xfrm rot="16200000" flipH="1">
+            <a:off x="5423824" y="4389256"/>
+            <a:ext cx="89913" cy="1990069"/>
+          </a:xfrm>
+          <a:prstGeom prst="bentConnector3">
+            <a:avLst>
+              <a:gd name="adj1" fmla="val 50000"/>
+            </a:avLst>
+          </a:prstGeom>
+        </p:spPr>
+        <p:style>
+          <a:lnRef idx="2">
+            <a:schemeClr val="accent1"/>
+          </a:lnRef>
+          <a:fillRef idx="0">
+            <a:schemeClr val="accent1"/>
+          </a:fillRef>
+          <a:effectRef idx="1">
+            <a:schemeClr val="accent1"/>
+          </a:effectRef>
+          <a:fontRef idx="minor">
+            <a:schemeClr val="tx1"/>
+          </a:fontRef>
+        </p:style>
+      </p:cxnSp>
+      <p:sp>
+        <p:nvSpPr>
+          <p:cNvPr id="29" name="TextBox 28">
+            <a:extLst>
+              <a:ext uri="{FF2B5EF4-FFF2-40B4-BE49-F238E27FC236}">
+                <a16:creationId xmlns:a16="http://schemas.microsoft.com/office/drawing/2014/main" xmlns="" id="{3A2EBB58-A883-45A4-93CA-D35E4C2CA86D}"/>
+              </a:ext>
+            </a:extLst>
+          </p:cNvPr>
+          <p:cNvSpPr txBox="1"/>
+          <p:nvPr/>
+        </p:nvSpPr>
+        <p:spPr>
+          <a:xfrm>
+            <a:off x="916553" y="6086314"/>
+            <a:ext cx="1818037" cy="338554"/>
+          </a:xfrm>
+          <a:prstGeom prst="rect">
+            <a:avLst/>
+          </a:prstGeom>
+          <a:noFill/>
+        </p:spPr>
+        <p:txBody>
+          <a:bodyPr wrap="square" rtlCol="0">
+            <a:spAutoFit/>
+          </a:bodyPr>
+          <a:lstStyle/>
+          <a:p>
+            <a:pPr algn="ctr"/>
+            <a:r>
+              <a:rPr lang="en-US" sz="1600" dirty="0" err="1"/>
+              <a:t>SNP_groups</a:t>
+            </a:r>
+            <a:r>
+              <a:rPr lang="en-US" sz="1600" dirty="0"/>
+              <a:t>/</a:t>
+            </a:r>
+          </a:p>
+        </p:txBody>
+      </p:sp>
+      <p:sp>
+        <p:nvSpPr>
+          <p:cNvPr id="30" name="Oval 29">
+            <a:extLst>
+              <a:ext uri="{FF2B5EF4-FFF2-40B4-BE49-F238E27FC236}">
+                <a16:creationId xmlns:a16="http://schemas.microsoft.com/office/drawing/2014/main" xmlns="" id="{8707D029-2347-40D7-AB1B-5C05AA7618F5}"/>
+              </a:ext>
+            </a:extLst>
+          </p:cNvPr>
+          <p:cNvSpPr/>
+          <p:nvPr/>
+        </p:nvSpPr>
+        <p:spPr>
+          <a:xfrm>
+            <a:off x="399567" y="5429248"/>
+            <a:ext cx="3478829" cy="468868"/>
+          </a:xfrm>
+          <a:prstGeom prst="ellipse">
+            <a:avLst/>
+          </a:prstGeom>
+        </p:spPr>
+        <p:style>
+          <a:lnRef idx="1">
+            <a:schemeClr val="accent1"/>
+          </a:lnRef>
+          <a:fillRef idx="3">
+            <a:schemeClr val="accent1"/>
+          </a:fillRef>
+          <a:effectRef idx="2">
+            <a:schemeClr val="accent1"/>
+          </a:effectRef>
+          <a:fontRef idx="minor">
+            <a:schemeClr val="lt1"/>
+          </a:fontRef>
+        </p:style>
+        <p:txBody>
+          <a:bodyPr rtlCol="0" anchor="ctr"/>
+          <a:lstStyle/>
+          <a:p>
+            <a:pPr algn="ctr"/>
+            <a:r>
+              <a:rPr lang="en-US" sz="1400" dirty="0" err="1"/>
+              <a:t>f</a:t>
+            </a:r>
+            <a:r>
+              <a:rPr lang="en-US" sz="1400" dirty="0" err="1" smtClean="0"/>
+              <a:t>ind_SNP_groups.py</a:t>
+            </a:r>
+            <a:endParaRPr lang="en-US" sz="1400" dirty="0"/>
+          </a:p>
+        </p:txBody>
+      </p:sp>
+      <p:cxnSp>
+        <p:nvCxnSpPr>
+          <p:cNvPr id="31" name="Elbow Connector 18">
+            <a:extLst>
+              <a:ext uri="{FF2B5EF4-FFF2-40B4-BE49-F238E27FC236}">
+                <a16:creationId xmlns:a16="http://schemas.microsoft.com/office/drawing/2014/main" xmlns="" id="{605BDC00-E715-4E06-A284-20EC83D5032F}"/>
+              </a:ext>
+            </a:extLst>
+          </p:cNvPr>
+          <p:cNvCxnSpPr>
+            <a:cxnSpLocks/>
+            <a:stCxn id="30" idx="4"/>
+            <a:endCxn id="29" idx="0"/>
+          </p:cNvCxnSpPr>
+          <p:nvPr/>
+        </p:nvCxnSpPr>
+        <p:spPr>
+          <a:xfrm rot="5400000">
+            <a:off x="1888178" y="5835510"/>
+            <a:ext cx="188198" cy="313410"/>
+          </a:xfrm>
+          <a:prstGeom prst="bentConnector3">
+            <a:avLst>
+              <a:gd name="adj1" fmla="val 50000"/>
+            </a:avLst>
+          </a:prstGeom>
+        </p:spPr>
+        <p:style>
+          <a:lnRef idx="2">
+            <a:schemeClr val="accent1"/>
+          </a:lnRef>
+          <a:fillRef idx="0">
+            <a:schemeClr val="accent1"/>
+          </a:fillRef>
+          <a:effectRef idx="1">
+            <a:schemeClr val="accent1"/>
+          </a:effectRef>
+          <a:fontRef idx="minor">
+            <a:schemeClr val="tx1"/>
+          </a:fontRef>
+        </p:style>
+      </p:cxnSp>
+      <p:cxnSp>
+        <p:nvCxnSpPr>
+          <p:cNvPr id="32" name="Elbow Connector 41">
+            <a:extLst>
+              <a:ext uri="{FF2B5EF4-FFF2-40B4-BE49-F238E27FC236}">
+                <a16:creationId xmlns:a16="http://schemas.microsoft.com/office/drawing/2014/main" xmlns="" id="{019AD323-762E-419B-865F-D562CA045EAA}"/>
+              </a:ext>
+            </a:extLst>
+          </p:cNvPr>
+          <p:cNvCxnSpPr>
+            <a:cxnSpLocks/>
+            <a:stCxn id="27" idx="2"/>
+            <a:endCxn id="30" idx="0"/>
+          </p:cNvCxnSpPr>
+          <p:nvPr/>
+        </p:nvCxnSpPr>
+        <p:spPr>
+          <a:xfrm rot="5400000">
+            <a:off x="3261408" y="4216909"/>
+            <a:ext cx="89913" cy="2334764"/>
           </a:xfrm>
           <a:prstGeom prst="bentConnector3">
             <a:avLst>
